--- a/zookeeper.pptx
+++ b/zookeeper.pptx
@@ -7,16 +7,17 @@
   <p:sldIdLst>
     <p:sldId id="256" r:id="rId2"/>
     <p:sldId id="257" r:id="rId3"/>
-    <p:sldId id="258" r:id="rId4"/>
-    <p:sldId id="261" r:id="rId5"/>
-    <p:sldId id="259" r:id="rId6"/>
-    <p:sldId id="260" r:id="rId7"/>
-    <p:sldId id="262" r:id="rId8"/>
-    <p:sldId id="265" r:id="rId9"/>
-    <p:sldId id="264" r:id="rId10"/>
-    <p:sldId id="263" r:id="rId11"/>
-    <p:sldId id="267" r:id="rId12"/>
-    <p:sldId id="266" r:id="rId13"/>
+    <p:sldId id="268" r:id="rId4"/>
+    <p:sldId id="258" r:id="rId5"/>
+    <p:sldId id="261" r:id="rId6"/>
+    <p:sldId id="259" r:id="rId7"/>
+    <p:sldId id="260" r:id="rId8"/>
+    <p:sldId id="262" r:id="rId9"/>
+    <p:sldId id="265" r:id="rId10"/>
+    <p:sldId id="264" r:id="rId11"/>
+    <p:sldId id="263" r:id="rId12"/>
+    <p:sldId id="267" r:id="rId13"/>
+    <p:sldId id="266" r:id="rId14"/>
   </p:sldIdLst>
   <p:sldSz cx="12192000" cy="6858000"/>
   <p:notesSz cx="6858000" cy="9144000"/>
@@ -115,6 +116,11 @@
       </a:defRPr>
     </a:lvl9pPr>
   </p:defaultTextStyle>
+  <p:extLst>
+    <p:ext uri="{EFAFB233-063F-42B5-8137-9DF3F51BA10A}">
+      <p15:sldGuideLst xmlns:p15="http://schemas.microsoft.com/office/powerpoint/2012/main"/>
+    </p:ext>
+  </p:extLst>
 </p:presentation>
 </file>
 
@@ -265,7 +271,7 @@
           <a:p>
             <a:fld id="{02F3B6B3-6989-4F12-A574-BA0BBE6B3A09}" type="datetimeFigureOut">
               <a:rPr lang="zh-CN" altLang="en-US" smtClean="0"/>
-              <a:t>2019/4/14</a:t>
+              <a:t>2019/4/15</a:t>
             </a:fld>
             <a:endParaRPr lang="zh-CN" altLang="en-US"/>
           </a:p>
@@ -463,7 +469,7 @@
           <a:p>
             <a:fld id="{02F3B6B3-6989-4F12-A574-BA0BBE6B3A09}" type="datetimeFigureOut">
               <a:rPr lang="zh-CN" altLang="en-US" smtClean="0"/>
-              <a:t>2019/4/14</a:t>
+              <a:t>2019/4/15</a:t>
             </a:fld>
             <a:endParaRPr lang="zh-CN" altLang="en-US"/>
           </a:p>
@@ -671,7 +677,7 @@
           <a:p>
             <a:fld id="{02F3B6B3-6989-4F12-A574-BA0BBE6B3A09}" type="datetimeFigureOut">
               <a:rPr lang="zh-CN" altLang="en-US" smtClean="0"/>
-              <a:t>2019/4/14</a:t>
+              <a:t>2019/4/15</a:t>
             </a:fld>
             <a:endParaRPr lang="zh-CN" altLang="en-US"/>
           </a:p>
@@ -869,7 +875,7 @@
           <a:p>
             <a:fld id="{02F3B6B3-6989-4F12-A574-BA0BBE6B3A09}" type="datetimeFigureOut">
               <a:rPr lang="zh-CN" altLang="en-US" smtClean="0"/>
-              <a:t>2019/4/14</a:t>
+              <a:t>2019/4/15</a:t>
             </a:fld>
             <a:endParaRPr lang="zh-CN" altLang="en-US"/>
           </a:p>
@@ -1144,7 +1150,7 @@
           <a:p>
             <a:fld id="{02F3B6B3-6989-4F12-A574-BA0BBE6B3A09}" type="datetimeFigureOut">
               <a:rPr lang="zh-CN" altLang="en-US" smtClean="0"/>
-              <a:t>2019/4/14</a:t>
+              <a:t>2019/4/15</a:t>
             </a:fld>
             <a:endParaRPr lang="zh-CN" altLang="en-US"/>
           </a:p>
@@ -1409,7 +1415,7 @@
           <a:p>
             <a:fld id="{02F3B6B3-6989-4F12-A574-BA0BBE6B3A09}" type="datetimeFigureOut">
               <a:rPr lang="zh-CN" altLang="en-US" smtClean="0"/>
-              <a:t>2019/4/14</a:t>
+              <a:t>2019/4/15</a:t>
             </a:fld>
             <a:endParaRPr lang="zh-CN" altLang="en-US"/>
           </a:p>
@@ -1821,7 +1827,7 @@
           <a:p>
             <a:fld id="{02F3B6B3-6989-4F12-A574-BA0BBE6B3A09}" type="datetimeFigureOut">
               <a:rPr lang="zh-CN" altLang="en-US" smtClean="0"/>
-              <a:t>2019/4/14</a:t>
+              <a:t>2019/4/15</a:t>
             </a:fld>
             <a:endParaRPr lang="zh-CN" altLang="en-US"/>
           </a:p>
@@ -1962,7 +1968,7 @@
           <a:p>
             <a:fld id="{02F3B6B3-6989-4F12-A574-BA0BBE6B3A09}" type="datetimeFigureOut">
               <a:rPr lang="zh-CN" altLang="en-US" smtClean="0"/>
-              <a:t>2019/4/14</a:t>
+              <a:t>2019/4/15</a:t>
             </a:fld>
             <a:endParaRPr lang="zh-CN" altLang="en-US"/>
           </a:p>
@@ -2075,7 +2081,7 @@
           <a:p>
             <a:fld id="{02F3B6B3-6989-4F12-A574-BA0BBE6B3A09}" type="datetimeFigureOut">
               <a:rPr lang="zh-CN" altLang="en-US" smtClean="0"/>
-              <a:t>2019/4/14</a:t>
+              <a:t>2019/4/15</a:t>
             </a:fld>
             <a:endParaRPr lang="zh-CN" altLang="en-US"/>
           </a:p>
@@ -2386,7 +2392,7 @@
           <a:p>
             <a:fld id="{02F3B6B3-6989-4F12-A574-BA0BBE6B3A09}" type="datetimeFigureOut">
               <a:rPr lang="zh-CN" altLang="en-US" smtClean="0"/>
-              <a:t>2019/4/14</a:t>
+              <a:t>2019/4/15</a:t>
             </a:fld>
             <a:endParaRPr lang="zh-CN" altLang="en-US"/>
           </a:p>
@@ -2674,7 +2680,7 @@
           <a:p>
             <a:fld id="{02F3B6B3-6989-4F12-A574-BA0BBE6B3A09}" type="datetimeFigureOut">
               <a:rPr lang="zh-CN" altLang="en-US" smtClean="0"/>
-              <a:t>2019/4/14</a:t>
+              <a:t>2019/4/15</a:t>
             </a:fld>
             <a:endParaRPr lang="zh-CN" altLang="en-US"/>
           </a:p>
@@ -2915,7 +2921,7 @@
           <a:p>
             <a:fld id="{02F3B6B3-6989-4F12-A574-BA0BBE6B3A09}" type="datetimeFigureOut">
               <a:rPr lang="zh-CN" altLang="en-US" smtClean="0"/>
-              <a:t>2019/4/14</a:t>
+              <a:t>2019/4/15</a:t>
             </a:fld>
             <a:endParaRPr lang="zh-CN" altLang="en-US"/>
           </a:p>
@@ -3437,7 +3443,7 @@
           <p:cNvPr id="2" name="标题 1">
             <a:extLst>
               <a:ext uri="{FF2B5EF4-FFF2-40B4-BE49-F238E27FC236}">
-                <a16:creationId xmlns:a16="http://schemas.microsoft.com/office/drawing/2014/main" id="{9D5178E1-28AB-41B6-A971-9BED8225DFCD}"/>
+                <a16:creationId xmlns:a16="http://schemas.microsoft.com/office/drawing/2014/main" id="{858F3509-0589-4EC9-96EA-F3F8DB224DA3}"/>
               </a:ext>
             </a:extLst>
           </p:cNvPr>
@@ -3455,7 +3461,7 @@
           <a:p>
             <a:r>
               <a:rPr lang="zh-CN" altLang="en-US" dirty="0"/>
-              <a:t>主从模式总结</a:t>
+              <a:t>通信故障</a:t>
             </a:r>
           </a:p>
         </p:txBody>
@@ -3465,7 +3471,7 @@
           <p:cNvPr id="3" name="内容占位符 2">
             <a:extLst>
               <a:ext uri="{FF2B5EF4-FFF2-40B4-BE49-F238E27FC236}">
-                <a16:creationId xmlns:a16="http://schemas.microsoft.com/office/drawing/2014/main" id="{AC463926-BC84-4629-8589-7B5001422ECC}"/>
+                <a16:creationId xmlns:a16="http://schemas.microsoft.com/office/drawing/2014/main" id="{C3681F2B-9FEF-4465-B772-28F94D78398B}"/>
               </a:ext>
             </a:extLst>
           </p:cNvPr>
@@ -3476,10 +3482,36 @@
             <p:ph idx="1"/>
           </p:nvPr>
         </p:nvSpPr>
-        <p:spPr/>
-        <p:txBody>
-          <a:bodyPr/>
-          <a:lstStyle/>
+        <p:spPr>
+          <a:xfrm>
+            <a:off x="838200" y="2795451"/>
+            <a:ext cx="10515600" cy="3381512"/>
+          </a:xfrm>
+        </p:spPr>
+        <p:txBody>
+          <a:bodyPr/>
+          <a:lstStyle/>
+          <a:p>
+            <a:pPr marL="0" indent="0">
+              <a:buNone/>
+            </a:pPr>
+            <a:r>
+              <a:rPr lang="en-US" altLang="zh-CN" dirty="0"/>
+              <a:t>	</a:t>
+            </a:r>
+            <a:r>
+              <a:rPr lang="zh-CN" altLang="en-US" dirty="0"/>
+              <a:t>如果主节点和从节点之间无法进行信息交换，从节点将无法得知新任务分配给它。如果一个从节点与主节点的网络连接断开，比如网络分区（</a:t>
+            </a:r>
+            <a:r>
+              <a:rPr lang="en-US" altLang="zh-CN" dirty="0"/>
+              <a:t>network partition</a:t>
+            </a:r>
+            <a:r>
+              <a:rPr lang="zh-CN" altLang="en-US" dirty="0"/>
+              <a:t>）导致，重新分配一个任务可能会导致两个从节点执行相同的任务。如果一个任务允许多次执行，我们在进行任务再分配时可以不用验证第一个从节点是否完成了该任务。如果一个任务不允许，那么我们的应用需要适应多个从节点执行相同任务的可能性。</a:t>
+            </a:r>
+          </a:p>
           <a:p>
             <a:pPr marL="0" indent="0">
               <a:buNone/>
@@ -3491,7 +3523,7 @@
     </p:spTree>
     <p:extLst>
       <p:ext uri="{BB962C8B-B14F-4D97-AF65-F5344CB8AC3E}">
-        <p14:creationId xmlns:p14="http://schemas.microsoft.com/office/powerpoint/2010/main" val="1168152724"/>
+        <p14:creationId xmlns:p14="http://schemas.microsoft.com/office/powerpoint/2010/main" val="2048380853"/>
       </p:ext>
     </p:extLst>
   </p:cSld>
@@ -3523,6 +3555,92 @@
           <p:cNvPr id="2" name="标题 1">
             <a:extLst>
               <a:ext uri="{FF2B5EF4-FFF2-40B4-BE49-F238E27FC236}">
+                <a16:creationId xmlns:a16="http://schemas.microsoft.com/office/drawing/2014/main" id="{9D5178E1-28AB-41B6-A971-9BED8225DFCD}"/>
+              </a:ext>
+            </a:extLst>
+          </p:cNvPr>
+          <p:cNvSpPr>
+            <a:spLocks noGrp="1"/>
+          </p:cNvSpPr>
+          <p:nvPr>
+            <p:ph type="title"/>
+          </p:nvPr>
+        </p:nvSpPr>
+        <p:spPr/>
+        <p:txBody>
+          <a:bodyPr/>
+          <a:lstStyle/>
+          <a:p>
+            <a:r>
+              <a:rPr lang="zh-CN" altLang="en-US" dirty="0"/>
+              <a:t>主从模式总结</a:t>
+            </a:r>
+          </a:p>
+        </p:txBody>
+      </p:sp>
+      <p:sp>
+        <p:nvSpPr>
+          <p:cNvPr id="3" name="内容占位符 2">
+            <a:extLst>
+              <a:ext uri="{FF2B5EF4-FFF2-40B4-BE49-F238E27FC236}">
+                <a16:creationId xmlns:a16="http://schemas.microsoft.com/office/drawing/2014/main" id="{AC463926-BC84-4629-8589-7B5001422ECC}"/>
+              </a:ext>
+            </a:extLst>
+          </p:cNvPr>
+          <p:cNvSpPr>
+            <a:spLocks noGrp="1"/>
+          </p:cNvSpPr>
+          <p:nvPr>
+            <p:ph idx="1"/>
+          </p:nvPr>
+        </p:nvSpPr>
+        <p:spPr/>
+        <p:txBody>
+          <a:bodyPr/>
+          <a:lstStyle/>
+          <a:p>
+            <a:pPr marL="0" indent="0">
+              <a:buNone/>
+            </a:pPr>
+            <a:endParaRPr lang="zh-CN" altLang="en-US" dirty="0"/>
+          </a:p>
+        </p:txBody>
+      </p:sp>
+    </p:spTree>
+    <p:extLst>
+      <p:ext uri="{BB962C8B-B14F-4D97-AF65-F5344CB8AC3E}">
+        <p14:creationId xmlns:p14="http://schemas.microsoft.com/office/powerpoint/2010/main" val="1168152724"/>
+      </p:ext>
+    </p:extLst>
+  </p:cSld>
+  <p:clrMapOvr>
+    <a:masterClrMapping/>
+  </p:clrMapOvr>
+</p:sld>
+</file>
+
+<file path=ppt/slides/slide12.xml><?xml version="1.0" encoding="utf-8"?>
+<p:sld xmlns:a="http://schemas.openxmlformats.org/drawingml/2006/main" xmlns:r="http://schemas.openxmlformats.org/officeDocument/2006/relationships" xmlns:p="http://schemas.openxmlformats.org/presentationml/2006/main">
+  <p:cSld>
+    <p:spTree>
+      <p:nvGrpSpPr>
+        <p:cNvPr id="1" name=""/>
+        <p:cNvGrpSpPr/>
+        <p:nvPr/>
+      </p:nvGrpSpPr>
+      <p:grpSpPr>
+        <a:xfrm>
+          <a:off x="0" y="0"/>
+          <a:ext cx="0" cy="0"/>
+          <a:chOff x="0" y="0"/>
+          <a:chExt cx="0" cy="0"/>
+        </a:xfrm>
+      </p:grpSpPr>
+      <p:sp>
+        <p:nvSpPr>
+          <p:cNvPr id="2" name="标题 1">
+            <a:extLst>
+              <a:ext uri="{FF2B5EF4-FFF2-40B4-BE49-F238E27FC236}">
                 <a16:creationId xmlns:a16="http://schemas.microsoft.com/office/drawing/2014/main" id="{9CF2FFFE-1319-488B-83A2-6AAF585427A0}"/>
               </a:ext>
             </a:extLst>
@@ -3584,7 +3702,7 @@
 </p:sld>
 </file>
 
-<file path=ppt/slides/slide12.xml><?xml version="1.0" encoding="utf-8"?>
+<file path=ppt/slides/slide13.xml><?xml version="1.0" encoding="utf-8"?>
 <p:sld xmlns:a="http://schemas.openxmlformats.org/drawingml/2006/main" xmlns:r="http://schemas.openxmlformats.org/officeDocument/2006/relationships" xmlns:p="http://schemas.openxmlformats.org/presentationml/2006/main">
   <p:cSld>
     <p:spTree>
@@ -3703,20 +3821,8 @@
           <a:lstStyle/>
           <a:p>
             <a:r>
-              <a:rPr lang="zh-CN" altLang="en-US" dirty="0"/>
-              <a:t>问题</a:t>
-            </a:r>
-            <a:r>
-              <a:rPr lang="en-US" altLang="zh-CN" dirty="0"/>
-              <a:t>1</a:t>
-            </a:r>
-            <a:r>
-              <a:rPr lang="zh-CN" altLang="en-US" dirty="0"/>
-              <a:t>：有没有绝对稳定可靠的服务</a:t>
-            </a:r>
-            <a:r>
-              <a:rPr lang="en-US" altLang="zh-CN" dirty="0"/>
-              <a:t>?</a:t>
+              <a:rPr lang="zh-CN" altLang="en-US" dirty="0" smtClean="0"/>
+              <a:t>单机应用</a:t>
             </a:r>
             <a:endParaRPr lang="zh-CN" altLang="en-US" dirty="0"/>
           </a:p>
@@ -3724,13 +3830,7 @@
       </p:sp>
       <p:pic>
         <p:nvPicPr>
-          <p:cNvPr id="5" name="内容占位符 4">
-            <a:extLst>
-              <a:ext uri="{FF2B5EF4-FFF2-40B4-BE49-F238E27FC236}">
-                <a16:creationId xmlns:a16="http://schemas.microsoft.com/office/drawing/2014/main" id="{879AF6B7-063C-4A57-8B58-FE9AD07E6C38}"/>
-              </a:ext>
-            </a:extLst>
-          </p:cNvPr>
+          <p:cNvPr id="4" name="内容占位符 3"/>
           <p:cNvPicPr>
             <a:picLocks noGrp="1" noChangeAspect="1"/>
           </p:cNvPicPr>
@@ -3752,8 +3852,8 @@
         </p:blipFill>
         <p:spPr>
           <a:xfrm>
-            <a:off x="1709737" y="2567781"/>
-            <a:ext cx="8772525" cy="2867025"/>
+            <a:off x="1662112" y="2520156"/>
+            <a:ext cx="8867775" cy="2962275"/>
           </a:xfrm>
         </p:spPr>
       </p:pic>
@@ -3789,13 +3889,7 @@
       </p:grpSpPr>
       <p:sp>
         <p:nvSpPr>
-          <p:cNvPr id="2" name="标题 1">
-            <a:extLst>
-              <a:ext uri="{FF2B5EF4-FFF2-40B4-BE49-F238E27FC236}">
-                <a16:creationId xmlns:a16="http://schemas.microsoft.com/office/drawing/2014/main" id="{B11B2B9D-7E48-4F1B-B618-2473DAEFB9F2}"/>
-              </a:ext>
-            </a:extLst>
-          </p:cNvPr>
+          <p:cNvPr id="2" name="标题 1"/>
           <p:cNvSpPr>
             <a:spLocks noGrp="1"/>
           </p:cNvSpPr>
@@ -3805,92 +3899,49 @@
         </p:nvSpPr>
         <p:spPr/>
         <p:txBody>
-          <a:bodyPr>
-            <a:normAutofit/>
-          </a:bodyPr>
+          <a:bodyPr/>
           <a:lstStyle/>
           <a:p>
             <a:r>
               <a:rPr lang="zh-CN" altLang="en-US" dirty="0"/>
-              <a:t>问题</a:t>
-            </a:r>
-            <a:r>
-              <a:rPr lang="en-US" altLang="zh-CN" dirty="0"/>
-              <a:t>2</a:t>
-            </a:r>
-            <a:r>
-              <a:rPr lang="zh-CN" altLang="en-US" dirty="0"/>
-              <a:t>：自己如何设计一个服务</a:t>
-            </a:r>
-            <a:r>
-              <a:rPr lang="en-US" altLang="zh-CN" dirty="0"/>
-              <a:t>,</a:t>
-            </a:r>
-            <a:r>
-              <a:rPr lang="zh-CN" altLang="en-US" dirty="0"/>
-              <a:t>能够保证可靠性、一致性、容错？</a:t>
-            </a:r>
-          </a:p>
-        </p:txBody>
-      </p:sp>
-      <p:sp>
-        <p:nvSpPr>
-          <p:cNvPr id="7" name="内容占位符 6">
-            <a:extLst>
-              <a:ext uri="{FF2B5EF4-FFF2-40B4-BE49-F238E27FC236}">
-                <a16:creationId xmlns:a16="http://schemas.microsoft.com/office/drawing/2014/main" id="{6F7F40D4-49F5-4B32-995E-64B9B3880D52}"/>
-              </a:ext>
-            </a:extLst>
-          </p:cNvPr>
-          <p:cNvSpPr>
-            <a:spLocks noGrp="1"/>
-          </p:cNvSpPr>
+              <a:t>单机应用</a:t>
+            </a:r>
+          </a:p>
+        </p:txBody>
+      </p:sp>
+      <p:pic>
+        <p:nvPicPr>
+          <p:cNvPr id="4" name="内容占位符 3"/>
+          <p:cNvPicPr>
+            <a:picLocks noGrp="1" noChangeAspect="1"/>
+          </p:cNvPicPr>
           <p:nvPr>
             <p:ph idx="1"/>
           </p:nvPr>
-        </p:nvSpPr>
+        </p:nvPicPr>
+        <p:blipFill>
+          <a:blip r:embed="rId2">
+            <a:extLst>
+              <a:ext uri="{28A0092B-C50C-407E-A947-70E740481C1C}">
+                <a14:useLocalDpi xmlns:a14="http://schemas.microsoft.com/office/drawing/2010/main" val="0"/>
+              </a:ext>
+            </a:extLst>
+          </a:blip>
+          <a:stretch>
+            <a:fillRect/>
+          </a:stretch>
+        </p:blipFill>
         <p:spPr>
           <a:xfrm>
-            <a:off x="838200" y="3239589"/>
-            <a:ext cx="10515600" cy="2937373"/>
+            <a:off x="1662112" y="1996281"/>
+            <a:ext cx="8867775" cy="4010025"/>
           </a:xfrm>
         </p:spPr>
-        <p:txBody>
-          <a:bodyPr/>
-          <a:lstStyle/>
-          <a:p>
-            <a:pPr marL="0" indent="0">
-              <a:buNone/>
-            </a:pPr>
-            <a:r>
-              <a:rPr lang="en-US" altLang="zh-CN" dirty="0"/>
-              <a:t>	</a:t>
-            </a:r>
-            <a:r>
-              <a:rPr lang="zh-CN" altLang="en-US" dirty="0"/>
-              <a:t>在独立主机上运行的应用与分布式应用发生的故障存在显著的区别：在分布式应用中，可能会发生局部故障，当某独立主机崩溃，其他的主机继续工作，部影响整体服务对外工作</a:t>
-            </a:r>
-            <a:r>
-              <a:rPr lang="en-US" altLang="zh-CN" dirty="0"/>
-              <a:t>.</a:t>
-            </a:r>
-            <a:r>
-              <a:rPr lang="zh-CN" altLang="en-US" dirty="0"/>
-              <a:t>如果是独立主机崩溃了，就是去服务的可靠性了，整个服务无法对外提供服务。</a:t>
-            </a:r>
-          </a:p>
-          <a:p>
-            <a:pPr marL="0" indent="0">
-              <a:buNone/>
-            </a:pPr>
-            <a:endParaRPr lang="zh-CN" altLang="en-US" dirty="0"/>
-          </a:p>
-        </p:txBody>
-      </p:sp>
+      </p:pic>
     </p:spTree>
     <p:extLst>
       <p:ext uri="{BB962C8B-B14F-4D97-AF65-F5344CB8AC3E}">
-        <p14:creationId xmlns:p14="http://schemas.microsoft.com/office/powerpoint/2010/main" val="1629796943"/>
+        <p14:creationId xmlns:p14="http://schemas.microsoft.com/office/powerpoint/2010/main" val="686408811"/>
       </p:ext>
     </p:extLst>
   </p:cSld>
@@ -3948,6 +3999,136 @@
               <a:rPr lang="en-US" altLang="zh-CN" dirty="0"/>
               <a:t>2</a:t>
             </a:r>
+            <a:r>
+              <a:rPr lang="zh-CN" altLang="en-US" dirty="0"/>
+              <a:t>：自己如何设计一个服务</a:t>
+            </a:r>
+            <a:r>
+              <a:rPr lang="en-US" altLang="zh-CN" dirty="0"/>
+              <a:t>,</a:t>
+            </a:r>
+            <a:r>
+              <a:rPr lang="zh-CN" altLang="en-US" dirty="0"/>
+              <a:t>能够保证可靠性、一致性、容错？</a:t>
+            </a:r>
+          </a:p>
+        </p:txBody>
+      </p:sp>
+      <p:sp>
+        <p:nvSpPr>
+          <p:cNvPr id="7" name="内容占位符 6">
+            <a:extLst>
+              <a:ext uri="{FF2B5EF4-FFF2-40B4-BE49-F238E27FC236}">
+                <a16:creationId xmlns:a16="http://schemas.microsoft.com/office/drawing/2014/main" id="{6F7F40D4-49F5-4B32-995E-64B9B3880D52}"/>
+              </a:ext>
+            </a:extLst>
+          </p:cNvPr>
+          <p:cNvSpPr>
+            <a:spLocks noGrp="1"/>
+          </p:cNvSpPr>
+          <p:nvPr>
+            <p:ph idx="1"/>
+          </p:nvPr>
+        </p:nvSpPr>
+        <p:spPr>
+          <a:xfrm>
+            <a:off x="838200" y="3239589"/>
+            <a:ext cx="10515600" cy="2937373"/>
+          </a:xfrm>
+        </p:spPr>
+        <p:txBody>
+          <a:bodyPr/>
+          <a:lstStyle/>
+          <a:p>
+            <a:pPr marL="0" indent="0">
+              <a:buNone/>
+            </a:pPr>
+            <a:r>
+              <a:rPr lang="en-US" altLang="zh-CN" dirty="0"/>
+              <a:t>	</a:t>
+            </a:r>
+            <a:r>
+              <a:rPr lang="zh-CN" altLang="en-US" dirty="0"/>
+              <a:t>在独立主机上运行的应用与分布式应用发生的故障存在显著的区别：在分布式应用中，可能会发生局部故障，当某独立主机崩溃，其他的主机继续工作，部影响整体服务对外工作</a:t>
+            </a:r>
+            <a:r>
+              <a:rPr lang="en-US" altLang="zh-CN" dirty="0"/>
+              <a:t>.</a:t>
+            </a:r>
+            <a:r>
+              <a:rPr lang="zh-CN" altLang="en-US" dirty="0"/>
+              <a:t>如果是独立主机崩溃了，就是去服务的可靠性了，整个服务无法对外提供服务。</a:t>
+            </a:r>
+          </a:p>
+          <a:p>
+            <a:pPr marL="0" indent="0">
+              <a:buNone/>
+            </a:pPr>
+            <a:endParaRPr lang="zh-CN" altLang="en-US" dirty="0"/>
+          </a:p>
+        </p:txBody>
+      </p:sp>
+    </p:spTree>
+    <p:extLst>
+      <p:ext uri="{BB962C8B-B14F-4D97-AF65-F5344CB8AC3E}">
+        <p14:creationId xmlns:p14="http://schemas.microsoft.com/office/powerpoint/2010/main" val="1629796943"/>
+      </p:ext>
+    </p:extLst>
+  </p:cSld>
+  <p:clrMapOvr>
+    <a:masterClrMapping/>
+  </p:clrMapOvr>
+</p:sld>
+</file>
+
+<file path=ppt/slides/slide5.xml><?xml version="1.0" encoding="utf-8"?>
+<p:sld xmlns:a="http://schemas.openxmlformats.org/drawingml/2006/main" xmlns:r="http://schemas.openxmlformats.org/officeDocument/2006/relationships" xmlns:p="http://schemas.openxmlformats.org/presentationml/2006/main">
+  <p:cSld>
+    <p:spTree>
+      <p:nvGrpSpPr>
+        <p:cNvPr id="1" name=""/>
+        <p:cNvGrpSpPr/>
+        <p:nvPr/>
+      </p:nvGrpSpPr>
+      <p:grpSpPr>
+        <a:xfrm>
+          <a:off x="0" y="0"/>
+          <a:ext cx="0" cy="0"/>
+          <a:chOff x="0" y="0"/>
+          <a:chExt cx="0" cy="0"/>
+        </a:xfrm>
+      </p:grpSpPr>
+      <p:sp>
+        <p:nvSpPr>
+          <p:cNvPr id="2" name="标题 1">
+            <a:extLst>
+              <a:ext uri="{FF2B5EF4-FFF2-40B4-BE49-F238E27FC236}">
+                <a16:creationId xmlns:a16="http://schemas.microsoft.com/office/drawing/2014/main" id="{B11B2B9D-7E48-4F1B-B618-2473DAEFB9F2}"/>
+              </a:ext>
+            </a:extLst>
+          </p:cNvPr>
+          <p:cNvSpPr>
+            <a:spLocks noGrp="1"/>
+          </p:cNvSpPr>
+          <p:nvPr>
+            <p:ph type="title"/>
+          </p:nvPr>
+        </p:nvSpPr>
+        <p:spPr/>
+        <p:txBody>
+          <a:bodyPr>
+            <a:normAutofit/>
+          </a:bodyPr>
+          <a:lstStyle/>
+          <a:p>
+            <a:r>
+              <a:rPr lang="zh-CN" altLang="en-US" dirty="0"/>
+              <a:t>问题</a:t>
+            </a:r>
+            <a:r>
+              <a:rPr lang="en-US" altLang="zh-CN" dirty="0"/>
+              <a:t>2</a:t>
+            </a:r>
             <a:endParaRPr lang="zh-CN" altLang="en-US" dirty="0"/>
           </a:p>
         </p:txBody>
@@ -4000,7 +4181,7 @@
 </p:sld>
 </file>
 
-<file path=ppt/slides/slide5.xml><?xml version="1.0" encoding="utf-8"?>
+<file path=ppt/slides/slide6.xml><?xml version="1.0" encoding="utf-8"?>
 <p:sld xmlns:a="http://schemas.openxmlformats.org/drawingml/2006/main" xmlns:r="http://schemas.openxmlformats.org/officeDocument/2006/relationships" xmlns:p="http://schemas.openxmlformats.org/presentationml/2006/main">
   <p:cSld>
     <p:spTree>
@@ -4206,113 +4387,6 @@
 </p:sld>
 </file>
 
-<file path=ppt/slides/slide6.xml><?xml version="1.0" encoding="utf-8"?>
-<p:sld xmlns:a="http://schemas.openxmlformats.org/drawingml/2006/main" xmlns:r="http://schemas.openxmlformats.org/officeDocument/2006/relationships" xmlns:p="http://schemas.openxmlformats.org/presentationml/2006/main">
-  <p:cSld>
-    <p:spTree>
-      <p:nvGrpSpPr>
-        <p:cNvPr id="1" name=""/>
-        <p:cNvGrpSpPr/>
-        <p:nvPr/>
-      </p:nvGrpSpPr>
-      <p:grpSpPr>
-        <a:xfrm>
-          <a:off x="0" y="0"/>
-          <a:ext cx="0" cy="0"/>
-          <a:chOff x="0" y="0"/>
-          <a:chExt cx="0" cy="0"/>
-        </a:xfrm>
-      </p:grpSpPr>
-      <p:sp>
-        <p:nvSpPr>
-          <p:cNvPr id="2" name="标题 1">
-            <a:extLst>
-              <a:ext uri="{FF2B5EF4-FFF2-40B4-BE49-F238E27FC236}">
-                <a16:creationId xmlns:a16="http://schemas.microsoft.com/office/drawing/2014/main" id="{1B50CCF6-8E91-44DA-A5EE-0A29651C278A}"/>
-              </a:ext>
-            </a:extLst>
-          </p:cNvPr>
-          <p:cNvSpPr>
-            <a:spLocks noGrp="1"/>
-          </p:cNvSpPr>
-          <p:nvPr>
-            <p:ph type="title"/>
-          </p:nvPr>
-        </p:nvSpPr>
-        <p:spPr/>
-        <p:txBody>
-          <a:bodyPr/>
-          <a:lstStyle/>
-          <a:p>
-            <a:r>
-              <a:rPr lang="zh-CN" altLang="en-US" dirty="0"/>
-              <a:t>主从模式面对的问题</a:t>
-            </a:r>
-          </a:p>
-        </p:txBody>
-      </p:sp>
-      <p:sp>
-        <p:nvSpPr>
-          <p:cNvPr id="3" name="内容占位符 2">
-            <a:extLst>
-              <a:ext uri="{FF2B5EF4-FFF2-40B4-BE49-F238E27FC236}">
-                <a16:creationId xmlns:a16="http://schemas.microsoft.com/office/drawing/2014/main" id="{CCDD81E3-ACBB-4FA0-8E59-BBF7C365ED6A}"/>
-              </a:ext>
-            </a:extLst>
-          </p:cNvPr>
-          <p:cNvSpPr>
-            <a:spLocks noGrp="1"/>
-          </p:cNvSpPr>
-          <p:nvPr>
-            <p:ph idx="1"/>
-          </p:nvPr>
-        </p:nvSpPr>
-        <p:spPr/>
-        <p:txBody>
-          <a:bodyPr/>
-          <a:lstStyle/>
-          <a:p>
-            <a:pPr marL="0" indent="0">
-              <a:buNone/>
-            </a:pPr>
-            <a:r>
-              <a:rPr lang="zh-CN" altLang="en-US" dirty="0"/>
-              <a:t>* 主节点崩溃</a:t>
-            </a:r>
-          </a:p>
-          <a:p>
-            <a:pPr marL="0" indent="0">
-              <a:buNone/>
-            </a:pPr>
-            <a:r>
-              <a:rPr lang="zh-CN" altLang="en-US" dirty="0"/>
-              <a:t>* 从节点崩溃</a:t>
-            </a:r>
-          </a:p>
-          <a:p>
-            <a:pPr marL="0" indent="0">
-              <a:buNone/>
-            </a:pPr>
-            <a:r>
-              <a:rPr lang="zh-CN" altLang="en-US" dirty="0"/>
-              <a:t>* 通信故障</a:t>
-            </a:r>
-          </a:p>
-        </p:txBody>
-      </p:sp>
-    </p:spTree>
-    <p:extLst>
-      <p:ext uri="{BB962C8B-B14F-4D97-AF65-F5344CB8AC3E}">
-        <p14:creationId xmlns:p14="http://schemas.microsoft.com/office/powerpoint/2010/main" val="2705124527"/>
-      </p:ext>
-    </p:extLst>
-  </p:cSld>
-  <p:clrMapOvr>
-    <a:masterClrMapping/>
-  </p:clrMapOvr>
-</p:sld>
-</file>
-
 <file path=ppt/slides/slide7.xml><?xml version="1.0" encoding="utf-8"?>
 <p:sld xmlns:a="http://schemas.openxmlformats.org/drawingml/2006/main" xmlns:r="http://schemas.openxmlformats.org/officeDocument/2006/relationships" xmlns:p="http://schemas.openxmlformats.org/presentationml/2006/main">
   <p:cSld>
@@ -4335,7 +4409,7 @@
           <p:cNvPr id="2" name="标题 1">
             <a:extLst>
               <a:ext uri="{FF2B5EF4-FFF2-40B4-BE49-F238E27FC236}">
-                <a16:creationId xmlns:a16="http://schemas.microsoft.com/office/drawing/2014/main" id="{ADF98655-AB79-4DB1-B202-A5858292A55B}"/>
+                <a16:creationId xmlns:a16="http://schemas.microsoft.com/office/drawing/2014/main" id="{1B50CCF6-8E91-44DA-A5EE-0A29651C278A}"/>
               </a:ext>
             </a:extLst>
           </p:cNvPr>
@@ -4353,7 +4427,7 @@
           <a:p>
             <a:r>
               <a:rPr lang="zh-CN" altLang="en-US" dirty="0"/>
-              <a:t>主节点崩溃</a:t>
+              <a:t>主从模式面对的问题</a:t>
             </a:r>
           </a:p>
         </p:txBody>
@@ -4363,7 +4437,7 @@
           <p:cNvPr id="3" name="内容占位符 2">
             <a:extLst>
               <a:ext uri="{FF2B5EF4-FFF2-40B4-BE49-F238E27FC236}">
-                <a16:creationId xmlns:a16="http://schemas.microsoft.com/office/drawing/2014/main" id="{B667E83E-7AF7-4EC9-AE71-93CF3574A0C6}"/>
+                <a16:creationId xmlns:a16="http://schemas.microsoft.com/office/drawing/2014/main" id="{CCDD81E3-ACBB-4FA0-8E59-BBF7C365ED6A}"/>
               </a:ext>
             </a:extLst>
           </p:cNvPr>
@@ -4374,12 +4448,7 @@
             <p:ph idx="1"/>
           </p:nvPr>
         </p:nvSpPr>
-        <p:spPr>
-          <a:xfrm>
-            <a:off x="838200" y="2220685"/>
-            <a:ext cx="10515600" cy="3956277"/>
-          </a:xfrm>
-        </p:spPr>
+        <p:spPr/>
         <p:txBody>
           <a:bodyPr/>
           <a:lstStyle/>
@@ -4388,58 +4457,34 @@
               <a:buNone/>
             </a:pPr>
             <a:r>
-              <a:rPr lang="en-US" altLang="zh-CN" dirty="0"/>
-              <a:t>	</a:t>
-            </a:r>
-            <a:r>
               <a:rPr lang="zh-CN" altLang="en-US" dirty="0"/>
-              <a:t>如果主节点发送错误并失效，系统将无法分配新的任务或重新分配已失败的任务。这就需要重选备份主节点接管主要主节点的角色，进行故障转移</a:t>
-            </a:r>
-            <a:r>
-              <a:rPr lang="en-US" altLang="zh-CN" dirty="0"/>
-              <a:t>,</a:t>
-            </a:r>
+              <a:t>* 主节点崩溃</a:t>
+            </a:r>
+          </a:p>
+          <a:p>
+            <a:pPr marL="0" indent="0">
+              <a:buNone/>
+            </a:pPr>
             <a:r>
               <a:rPr lang="zh-CN" altLang="en-US" dirty="0"/>
-              <a:t>数据恢复等等，更糟的是，如果一些从节点无法与主要主节点通信，如由于网络分区（</a:t>
-            </a:r>
-            <a:r>
-              <a:rPr lang="en-US" altLang="zh-CN" dirty="0"/>
-              <a:t>network partition</a:t>
-            </a:r>
+              <a:t>* 从节点崩溃</a:t>
+            </a:r>
+          </a:p>
+          <a:p>
+            <a:pPr marL="0" indent="0">
+              <a:buNone/>
+            </a:pPr>
             <a:r>
               <a:rPr lang="zh-CN" altLang="en-US" dirty="0"/>
-              <a:t>）错误导致，这些从节点可能会停止与主要主节点的通信，而与第二个主要主节点建立主</a:t>
-            </a:r>
-            <a:r>
-              <a:rPr lang="en-US" altLang="zh-CN" dirty="0"/>
-              <a:t>-</a:t>
-            </a:r>
-            <a:r>
-              <a:rPr lang="zh-CN" altLang="en-US" dirty="0"/>
-              <a:t>从关系。针对这个场景中导致的问题，我们一般称之为脑裂（</a:t>
-            </a:r>
-            <a:r>
-              <a:rPr lang="en-US" altLang="zh-CN" dirty="0"/>
-              <a:t>split-brain</a:t>
-            </a:r>
-            <a:r>
-              <a:rPr lang="zh-CN" altLang="en-US" dirty="0"/>
-              <a:t>）：系统中两个或者多个部分开始独立工作，导致整体行为不一致性。我们需要找出一种方法来处理主节点失效的情况，关键是我们需要避免发生脑裂的情况。</a:t>
-            </a:r>
-          </a:p>
-          <a:p>
-            <a:pPr marL="0" indent="0">
-              <a:buNone/>
-            </a:pPr>
-            <a:endParaRPr lang="zh-CN" altLang="en-US" dirty="0"/>
+              <a:t>* 通信故障</a:t>
+            </a:r>
           </a:p>
         </p:txBody>
       </p:sp>
     </p:spTree>
     <p:extLst>
       <p:ext uri="{BB962C8B-B14F-4D97-AF65-F5344CB8AC3E}">
-        <p14:creationId xmlns:p14="http://schemas.microsoft.com/office/powerpoint/2010/main" val="3171195108"/>
+        <p14:creationId xmlns:p14="http://schemas.microsoft.com/office/powerpoint/2010/main" val="2705124527"/>
       </p:ext>
     </p:extLst>
   </p:cSld>
@@ -4471,7 +4516,7 @@
           <p:cNvPr id="2" name="标题 1">
             <a:extLst>
               <a:ext uri="{FF2B5EF4-FFF2-40B4-BE49-F238E27FC236}">
-                <a16:creationId xmlns:a16="http://schemas.microsoft.com/office/drawing/2014/main" id="{4699B25F-1067-464A-A439-51DEF682EBE5}"/>
+                <a16:creationId xmlns:a16="http://schemas.microsoft.com/office/drawing/2014/main" id="{ADF98655-AB79-4DB1-B202-A5858292A55B}"/>
               </a:ext>
             </a:extLst>
           </p:cNvPr>
@@ -4489,7 +4534,7 @@
           <a:p>
             <a:r>
               <a:rPr lang="zh-CN" altLang="en-US" dirty="0"/>
-              <a:t>从节点崩溃</a:t>
+              <a:t>主节点崩溃</a:t>
             </a:r>
           </a:p>
         </p:txBody>
@@ -4499,7 +4544,7 @@
           <p:cNvPr id="3" name="内容占位符 2">
             <a:extLst>
               <a:ext uri="{FF2B5EF4-FFF2-40B4-BE49-F238E27FC236}">
-                <a16:creationId xmlns:a16="http://schemas.microsoft.com/office/drawing/2014/main" id="{FAAC861D-DF0F-41DB-A82B-D7D6C7F80710}"/>
+                <a16:creationId xmlns:a16="http://schemas.microsoft.com/office/drawing/2014/main" id="{B667E83E-7AF7-4EC9-AE71-93CF3574A0C6}"/>
               </a:ext>
             </a:extLst>
           </p:cNvPr>
@@ -4512,8 +4557,8 @@
         </p:nvSpPr>
         <p:spPr>
           <a:xfrm>
-            <a:off x="838200" y="2847703"/>
-            <a:ext cx="10515600" cy="3329260"/>
+            <a:off x="838200" y="2220685"/>
+            <a:ext cx="10515600" cy="3956277"/>
           </a:xfrm>
         </p:spPr>
         <p:txBody>
@@ -4529,7 +4574,39 @@
             </a:r>
             <a:r>
               <a:rPr lang="zh-CN" altLang="en-US" dirty="0"/>
-              <a:t>如果从节点崩溃，已分配的任务将无法完成。如果从节点崩溃了，所有已派发给这个从节点且尚未完成的任务需要重新派发。其中首要需求是让主节点具有检测从节点的崩溃的能力。主节点必须能够检测到从节点的崩溃，并确定哪些从节点是否有效以便派发崩溃节点的任务。一个从节点崩溃时，从节点也许执行了部分任务，也许全部执行完，但没有报告结果。如果整个运算过程产生了其他作用，我们还有必要执行某些恢复过程来清除之前的状态。</a:t>
+              <a:t>如果主节点发送错误并失效，系统将无法分配新的任务或重新分配已失败的任务。这就需要重选备份主节点接管主要主节点的角色，进行故障转移</a:t>
+            </a:r>
+            <a:r>
+              <a:rPr lang="en-US" altLang="zh-CN" dirty="0"/>
+              <a:t>,</a:t>
+            </a:r>
+            <a:r>
+              <a:rPr lang="zh-CN" altLang="en-US" dirty="0"/>
+              <a:t>数据恢复等等，更糟的是，如果一些从节点无法与主要主节点通信，如由于网络分区（</a:t>
+            </a:r>
+            <a:r>
+              <a:rPr lang="en-US" altLang="zh-CN" dirty="0"/>
+              <a:t>network partition</a:t>
+            </a:r>
+            <a:r>
+              <a:rPr lang="zh-CN" altLang="en-US" dirty="0"/>
+              <a:t>）错误导致，这些从节点可能会停止与主要主节点的通信，而与第二个主要主节点建立主</a:t>
+            </a:r>
+            <a:r>
+              <a:rPr lang="en-US" altLang="zh-CN" dirty="0"/>
+              <a:t>-</a:t>
+            </a:r>
+            <a:r>
+              <a:rPr lang="zh-CN" altLang="en-US" dirty="0"/>
+              <a:t>从关系。针对这个场景中导致的问题，我们一般称之为脑裂（</a:t>
+            </a:r>
+            <a:r>
+              <a:rPr lang="en-US" altLang="zh-CN" dirty="0"/>
+              <a:t>split-brain</a:t>
+            </a:r>
+            <a:r>
+              <a:rPr lang="zh-CN" altLang="en-US" dirty="0"/>
+              <a:t>）：系统中两个或者多个部分开始独立工作，导致整体行为不一致性。我们需要找出一种方法来处理主节点失效的情况，关键是我们需要避免发生脑裂的情况。</a:t>
             </a:r>
           </a:p>
           <a:p>
@@ -4543,7 +4620,7 @@
     </p:spTree>
     <p:extLst>
       <p:ext uri="{BB962C8B-B14F-4D97-AF65-F5344CB8AC3E}">
-        <p14:creationId xmlns:p14="http://schemas.microsoft.com/office/powerpoint/2010/main" val="3423277743"/>
+        <p14:creationId xmlns:p14="http://schemas.microsoft.com/office/powerpoint/2010/main" val="3171195108"/>
       </p:ext>
     </p:extLst>
   </p:cSld>
@@ -4575,7 +4652,7 @@
           <p:cNvPr id="2" name="标题 1">
             <a:extLst>
               <a:ext uri="{FF2B5EF4-FFF2-40B4-BE49-F238E27FC236}">
-                <a16:creationId xmlns:a16="http://schemas.microsoft.com/office/drawing/2014/main" id="{858F3509-0589-4EC9-96EA-F3F8DB224DA3}"/>
+                <a16:creationId xmlns:a16="http://schemas.microsoft.com/office/drawing/2014/main" id="{4699B25F-1067-464A-A439-51DEF682EBE5}"/>
               </a:ext>
             </a:extLst>
           </p:cNvPr>
@@ -4593,7 +4670,7 @@
           <a:p>
             <a:r>
               <a:rPr lang="zh-CN" altLang="en-US" dirty="0"/>
-              <a:t>通信故障</a:t>
+              <a:t>从节点崩溃</a:t>
             </a:r>
           </a:p>
         </p:txBody>
@@ -4603,7 +4680,7 @@
           <p:cNvPr id="3" name="内容占位符 2">
             <a:extLst>
               <a:ext uri="{FF2B5EF4-FFF2-40B4-BE49-F238E27FC236}">
-                <a16:creationId xmlns:a16="http://schemas.microsoft.com/office/drawing/2014/main" id="{C3681F2B-9FEF-4465-B772-28F94D78398B}"/>
+                <a16:creationId xmlns:a16="http://schemas.microsoft.com/office/drawing/2014/main" id="{FAAC861D-DF0F-41DB-A82B-D7D6C7F80710}"/>
               </a:ext>
             </a:extLst>
           </p:cNvPr>
@@ -4616,8 +4693,8 @@
         </p:nvSpPr>
         <p:spPr>
           <a:xfrm>
-            <a:off x="838200" y="2795451"/>
-            <a:ext cx="10515600" cy="3381512"/>
+            <a:off x="838200" y="2847703"/>
+            <a:ext cx="10515600" cy="3329260"/>
           </a:xfrm>
         </p:spPr>
         <p:txBody>
@@ -4633,15 +4710,7 @@
             </a:r>
             <a:r>
               <a:rPr lang="zh-CN" altLang="en-US" dirty="0"/>
-              <a:t>如果主节点和从节点之间无法进行信息交换，从节点将无法得知新任务分配给它。如果一个从节点与主节点的网络连接断开，比如网络分区（</a:t>
-            </a:r>
-            <a:r>
-              <a:rPr lang="en-US" altLang="zh-CN" dirty="0"/>
-              <a:t>network partition</a:t>
-            </a:r>
-            <a:r>
-              <a:rPr lang="zh-CN" altLang="en-US" dirty="0"/>
-              <a:t>）导致，重新分配一个任务可能会导致两个从节点执行相同的任务。如果一个任务允许多次执行，我们在进行任务再分配时可以不用验证第一个从节点是否完成了该任务。如果一个任务不允许，那么我们的应用需要适应多个从节点执行相同任务的可能性。</a:t>
+              <a:t>如果从节点崩溃，已分配的任务将无法完成。如果从节点崩溃了，所有已派发给这个从节点且尚未完成的任务需要重新派发。其中首要需求是让主节点具有检测从节点的崩溃的能力。主节点必须能够检测到从节点的崩溃，并确定哪些从节点是否有效以便派发崩溃节点的任务。一个从节点崩溃时，从节点也许执行了部分任务，也许全部执行完，但没有报告结果。如果整个运算过程产生了其他作用，我们还有必要执行某些恢复过程来清除之前的状态。</a:t>
             </a:r>
           </a:p>
           <a:p>
@@ -4655,7 +4724,7 @@
     </p:spTree>
     <p:extLst>
       <p:ext uri="{BB962C8B-B14F-4D97-AF65-F5344CB8AC3E}">
-        <p14:creationId xmlns:p14="http://schemas.microsoft.com/office/powerpoint/2010/main" val="2048380853"/>
+        <p14:creationId xmlns:p14="http://schemas.microsoft.com/office/powerpoint/2010/main" val="3423277743"/>
       </p:ext>
     </p:extLst>
   </p:cSld>

--- a/zookeeper.pptx
+++ b/zookeeper.pptx
@@ -9,15 +9,14 @@
     <p:sldId id="257" r:id="rId3"/>
     <p:sldId id="268" r:id="rId4"/>
     <p:sldId id="258" r:id="rId5"/>
-    <p:sldId id="261" r:id="rId6"/>
-    <p:sldId id="259" r:id="rId7"/>
-    <p:sldId id="260" r:id="rId8"/>
-    <p:sldId id="262" r:id="rId9"/>
-    <p:sldId id="265" r:id="rId10"/>
-    <p:sldId id="264" r:id="rId11"/>
-    <p:sldId id="263" r:id="rId12"/>
-    <p:sldId id="267" r:id="rId13"/>
-    <p:sldId id="266" r:id="rId14"/>
+    <p:sldId id="259" r:id="rId6"/>
+    <p:sldId id="260" r:id="rId7"/>
+    <p:sldId id="262" r:id="rId8"/>
+    <p:sldId id="265" r:id="rId9"/>
+    <p:sldId id="264" r:id="rId10"/>
+    <p:sldId id="263" r:id="rId11"/>
+    <p:sldId id="267" r:id="rId12"/>
+    <p:sldId id="266" r:id="rId13"/>
   </p:sldIdLst>
   <p:sldSz cx="12192000" cy="6858000"/>
   <p:notesSz cx="6858000" cy="9144000"/>
@@ -3443,7 +3442,7 @@
           <p:cNvPr id="2" name="标题 1">
             <a:extLst>
               <a:ext uri="{FF2B5EF4-FFF2-40B4-BE49-F238E27FC236}">
-                <a16:creationId xmlns:a16="http://schemas.microsoft.com/office/drawing/2014/main" id="{858F3509-0589-4EC9-96EA-F3F8DB224DA3}"/>
+                <a16:creationId xmlns:a16="http://schemas.microsoft.com/office/drawing/2014/main" id="{9D5178E1-28AB-41B6-A971-9BED8225DFCD}"/>
               </a:ext>
             </a:extLst>
           </p:cNvPr>
@@ -3461,7 +3460,7 @@
           <a:p>
             <a:r>
               <a:rPr lang="zh-CN" altLang="en-US" dirty="0"/>
-              <a:t>通信故障</a:t>
+              <a:t>主从模式总结</a:t>
             </a:r>
           </a:p>
         </p:txBody>
@@ -3471,7 +3470,7 @@
           <p:cNvPr id="3" name="内容占位符 2">
             <a:extLst>
               <a:ext uri="{FF2B5EF4-FFF2-40B4-BE49-F238E27FC236}">
-                <a16:creationId xmlns:a16="http://schemas.microsoft.com/office/drawing/2014/main" id="{C3681F2B-9FEF-4465-B772-28F94D78398B}"/>
+                <a16:creationId xmlns:a16="http://schemas.microsoft.com/office/drawing/2014/main" id="{AC463926-BC84-4629-8589-7B5001422ECC}"/>
               </a:ext>
             </a:extLst>
           </p:cNvPr>
@@ -3482,36 +3481,10 @@
             <p:ph idx="1"/>
           </p:nvPr>
         </p:nvSpPr>
-        <p:spPr>
-          <a:xfrm>
-            <a:off x="838200" y="2795451"/>
-            <a:ext cx="10515600" cy="3381512"/>
-          </a:xfrm>
-        </p:spPr>
-        <p:txBody>
-          <a:bodyPr/>
-          <a:lstStyle/>
-          <a:p>
-            <a:pPr marL="0" indent="0">
-              <a:buNone/>
-            </a:pPr>
-            <a:r>
-              <a:rPr lang="en-US" altLang="zh-CN" dirty="0"/>
-              <a:t>	</a:t>
-            </a:r>
-            <a:r>
-              <a:rPr lang="zh-CN" altLang="en-US" dirty="0"/>
-              <a:t>如果主节点和从节点之间无法进行信息交换，从节点将无法得知新任务分配给它。如果一个从节点与主节点的网络连接断开，比如网络分区（</a:t>
-            </a:r>
-            <a:r>
-              <a:rPr lang="en-US" altLang="zh-CN" dirty="0"/>
-              <a:t>network partition</a:t>
-            </a:r>
-            <a:r>
-              <a:rPr lang="zh-CN" altLang="en-US" dirty="0"/>
-              <a:t>）导致，重新分配一个任务可能会导致两个从节点执行相同的任务。如果一个任务允许多次执行，我们在进行任务再分配时可以不用验证第一个从节点是否完成了该任务。如果一个任务不允许，那么我们的应用需要适应多个从节点执行相同任务的可能性。</a:t>
-            </a:r>
-          </a:p>
+        <p:spPr/>
+        <p:txBody>
+          <a:bodyPr/>
+          <a:lstStyle/>
           <a:p>
             <a:pPr marL="0" indent="0">
               <a:buNone/>
@@ -3523,7 +3496,7 @@
     </p:spTree>
     <p:extLst>
       <p:ext uri="{BB962C8B-B14F-4D97-AF65-F5344CB8AC3E}">
-        <p14:creationId xmlns:p14="http://schemas.microsoft.com/office/powerpoint/2010/main" val="2048380853"/>
+        <p14:creationId xmlns:p14="http://schemas.microsoft.com/office/powerpoint/2010/main" val="1168152724"/>
       </p:ext>
     </p:extLst>
   </p:cSld>
@@ -3555,92 +3528,6 @@
           <p:cNvPr id="2" name="标题 1">
             <a:extLst>
               <a:ext uri="{FF2B5EF4-FFF2-40B4-BE49-F238E27FC236}">
-                <a16:creationId xmlns:a16="http://schemas.microsoft.com/office/drawing/2014/main" id="{9D5178E1-28AB-41B6-A971-9BED8225DFCD}"/>
-              </a:ext>
-            </a:extLst>
-          </p:cNvPr>
-          <p:cNvSpPr>
-            <a:spLocks noGrp="1"/>
-          </p:cNvSpPr>
-          <p:nvPr>
-            <p:ph type="title"/>
-          </p:nvPr>
-        </p:nvSpPr>
-        <p:spPr/>
-        <p:txBody>
-          <a:bodyPr/>
-          <a:lstStyle/>
-          <a:p>
-            <a:r>
-              <a:rPr lang="zh-CN" altLang="en-US" dirty="0"/>
-              <a:t>主从模式总结</a:t>
-            </a:r>
-          </a:p>
-        </p:txBody>
-      </p:sp>
-      <p:sp>
-        <p:nvSpPr>
-          <p:cNvPr id="3" name="内容占位符 2">
-            <a:extLst>
-              <a:ext uri="{FF2B5EF4-FFF2-40B4-BE49-F238E27FC236}">
-                <a16:creationId xmlns:a16="http://schemas.microsoft.com/office/drawing/2014/main" id="{AC463926-BC84-4629-8589-7B5001422ECC}"/>
-              </a:ext>
-            </a:extLst>
-          </p:cNvPr>
-          <p:cNvSpPr>
-            <a:spLocks noGrp="1"/>
-          </p:cNvSpPr>
-          <p:nvPr>
-            <p:ph idx="1"/>
-          </p:nvPr>
-        </p:nvSpPr>
-        <p:spPr/>
-        <p:txBody>
-          <a:bodyPr/>
-          <a:lstStyle/>
-          <a:p>
-            <a:pPr marL="0" indent="0">
-              <a:buNone/>
-            </a:pPr>
-            <a:endParaRPr lang="zh-CN" altLang="en-US" dirty="0"/>
-          </a:p>
-        </p:txBody>
-      </p:sp>
-    </p:spTree>
-    <p:extLst>
-      <p:ext uri="{BB962C8B-B14F-4D97-AF65-F5344CB8AC3E}">
-        <p14:creationId xmlns:p14="http://schemas.microsoft.com/office/powerpoint/2010/main" val="1168152724"/>
-      </p:ext>
-    </p:extLst>
-  </p:cSld>
-  <p:clrMapOvr>
-    <a:masterClrMapping/>
-  </p:clrMapOvr>
-</p:sld>
-</file>
-
-<file path=ppt/slides/slide12.xml><?xml version="1.0" encoding="utf-8"?>
-<p:sld xmlns:a="http://schemas.openxmlformats.org/drawingml/2006/main" xmlns:r="http://schemas.openxmlformats.org/officeDocument/2006/relationships" xmlns:p="http://schemas.openxmlformats.org/presentationml/2006/main">
-  <p:cSld>
-    <p:spTree>
-      <p:nvGrpSpPr>
-        <p:cNvPr id="1" name=""/>
-        <p:cNvGrpSpPr/>
-        <p:nvPr/>
-      </p:nvGrpSpPr>
-      <p:grpSpPr>
-        <a:xfrm>
-          <a:off x="0" y="0"/>
-          <a:ext cx="0" cy="0"/>
-          <a:chOff x="0" y="0"/>
-          <a:chExt cx="0" cy="0"/>
-        </a:xfrm>
-      </p:grpSpPr>
-      <p:sp>
-        <p:nvSpPr>
-          <p:cNvPr id="2" name="标题 1">
-            <a:extLst>
-              <a:ext uri="{FF2B5EF4-FFF2-40B4-BE49-F238E27FC236}">
                 <a16:creationId xmlns:a16="http://schemas.microsoft.com/office/drawing/2014/main" id="{9CF2FFFE-1319-488B-83A2-6AAF585427A0}"/>
               </a:ext>
             </a:extLst>
@@ -3702,7 +3589,7 @@
 </p:sld>
 </file>
 
-<file path=ppt/slides/slide13.xml><?xml version="1.0" encoding="utf-8"?>
+<file path=ppt/slides/slide12.xml><?xml version="1.0" encoding="utf-8"?>
 <p:sld xmlns:a="http://schemas.openxmlformats.org/drawingml/2006/main" xmlns:r="http://schemas.openxmlformats.org/officeDocument/2006/relationships" xmlns:p="http://schemas.openxmlformats.org/presentationml/2006/main">
   <p:cSld>
     <p:spTree>
@@ -3993,81 +3880,45 @@
           <a:p>
             <a:r>
               <a:rPr lang="zh-CN" altLang="en-US" dirty="0"/>
-              <a:t>问题</a:t>
-            </a:r>
-            <a:r>
-              <a:rPr lang="en-US" altLang="zh-CN" dirty="0"/>
-              <a:t>2</a:t>
-            </a:r>
-            <a:r>
-              <a:rPr lang="zh-CN" altLang="en-US" dirty="0"/>
-              <a:t>：自己如何设计一个服务</a:t>
-            </a:r>
-            <a:r>
-              <a:rPr lang="en-US" altLang="zh-CN" dirty="0"/>
-              <a:t>,</a:t>
-            </a:r>
-            <a:r>
-              <a:rPr lang="zh-CN" altLang="en-US" dirty="0"/>
-              <a:t>能够保证可靠性、一致性、容错？</a:t>
-            </a:r>
-          </a:p>
-        </p:txBody>
-      </p:sp>
-      <p:sp>
-        <p:nvSpPr>
-          <p:cNvPr id="7" name="内容占位符 6">
-            <a:extLst>
-              <a:ext uri="{FF2B5EF4-FFF2-40B4-BE49-F238E27FC236}">
-                <a16:creationId xmlns:a16="http://schemas.microsoft.com/office/drawing/2014/main" id="{6F7F40D4-49F5-4B32-995E-64B9B3880D52}"/>
-              </a:ext>
-            </a:extLst>
-          </p:cNvPr>
-          <p:cNvSpPr>
-            <a:spLocks noGrp="1"/>
-          </p:cNvSpPr>
+              <a:t>分布式</a:t>
+            </a:r>
+            <a:r>
+              <a:rPr lang="zh-CN" altLang="en-US" dirty="0" smtClean="0"/>
+              <a:t>集群</a:t>
+            </a:r>
+            <a:endParaRPr lang="zh-CN" altLang="en-US" dirty="0"/>
+          </a:p>
+        </p:txBody>
+      </p:sp>
+      <p:pic>
+        <p:nvPicPr>
+          <p:cNvPr id="5" name="内容占位符 4"/>
+          <p:cNvPicPr>
+            <a:picLocks noGrp="1" noChangeAspect="1"/>
+          </p:cNvPicPr>
           <p:nvPr>
             <p:ph idx="1"/>
           </p:nvPr>
-        </p:nvSpPr>
+        </p:nvPicPr>
+        <p:blipFill>
+          <a:blip r:embed="rId2">
+            <a:extLst>
+              <a:ext uri="{28A0092B-C50C-407E-A947-70E740481C1C}">
+                <a14:useLocalDpi xmlns:a14="http://schemas.microsoft.com/office/drawing/2010/main" val="0"/>
+              </a:ext>
+            </a:extLst>
+          </a:blip>
+          <a:stretch>
+            <a:fillRect/>
+          </a:stretch>
+        </p:blipFill>
         <p:spPr>
           <a:xfrm>
-            <a:off x="838200" y="3239589"/>
-            <a:ext cx="10515600" cy="2937373"/>
+            <a:off x="2465408" y="1825625"/>
+            <a:ext cx="7261183" cy="4351338"/>
           </a:xfrm>
         </p:spPr>
-        <p:txBody>
-          <a:bodyPr/>
-          <a:lstStyle/>
-          <a:p>
-            <a:pPr marL="0" indent="0">
-              <a:buNone/>
-            </a:pPr>
-            <a:r>
-              <a:rPr lang="en-US" altLang="zh-CN" dirty="0"/>
-              <a:t>	</a:t>
-            </a:r>
-            <a:r>
-              <a:rPr lang="zh-CN" altLang="en-US" dirty="0"/>
-              <a:t>在独立主机上运行的应用与分布式应用发生的故障存在显著的区别：在分布式应用中，可能会发生局部故障，当某独立主机崩溃，其他的主机继续工作，部影响整体服务对外工作</a:t>
-            </a:r>
-            <a:r>
-              <a:rPr lang="en-US" altLang="zh-CN" dirty="0"/>
-              <a:t>.</a:t>
-            </a:r>
-            <a:r>
-              <a:rPr lang="zh-CN" altLang="en-US" dirty="0"/>
-              <a:t>如果是独立主机崩溃了，就是去服务的可靠性了，整个服务无法对外提供服务。</a:t>
-            </a:r>
-          </a:p>
-          <a:p>
-            <a:pPr marL="0" indent="0">
-              <a:buNone/>
-            </a:pPr>
-            <a:endParaRPr lang="zh-CN" altLang="en-US" dirty="0"/>
-          </a:p>
-        </p:txBody>
-      </p:sp>
+      </p:pic>
     </p:spTree>
     <p:extLst>
       <p:ext uri="{BB962C8B-B14F-4D97-AF65-F5344CB8AC3E}">
@@ -4103,7 +3954,7 @@
           <p:cNvPr id="2" name="标题 1">
             <a:extLst>
               <a:ext uri="{FF2B5EF4-FFF2-40B4-BE49-F238E27FC236}">
-                <a16:creationId xmlns:a16="http://schemas.microsoft.com/office/drawing/2014/main" id="{B11B2B9D-7E48-4F1B-B618-2473DAEFB9F2}"/>
+                <a16:creationId xmlns:a16="http://schemas.microsoft.com/office/drawing/2014/main" id="{8D565856-D941-47CF-A59D-4D28C7594064}"/>
               </a:ext>
             </a:extLst>
           </p:cNvPr>
@@ -4116,113 +3967,14 @@
         </p:nvSpPr>
         <p:spPr/>
         <p:txBody>
-          <a:bodyPr>
-            <a:normAutofit/>
-          </a:bodyPr>
-          <a:lstStyle/>
-          <a:p>
-            <a:r>
-              <a:rPr lang="zh-CN" altLang="en-US" dirty="0"/>
-              <a:t>问题</a:t>
-            </a:r>
-            <a:r>
-              <a:rPr lang="en-US" altLang="zh-CN" dirty="0"/>
-              <a:t>2</a:t>
+          <a:bodyPr/>
+          <a:lstStyle/>
+          <a:p>
+            <a:r>
+              <a:rPr lang="zh-CN" altLang="en-US" dirty="0" smtClean="0"/>
+              <a:t>主从模式</a:t>
             </a:r>
             <a:endParaRPr lang="zh-CN" altLang="en-US" dirty="0"/>
-          </a:p>
-        </p:txBody>
-      </p:sp>
-      <p:pic>
-        <p:nvPicPr>
-          <p:cNvPr id="5" name="内容占位符 4">
-            <a:extLst>
-              <a:ext uri="{FF2B5EF4-FFF2-40B4-BE49-F238E27FC236}">
-                <a16:creationId xmlns:a16="http://schemas.microsoft.com/office/drawing/2014/main" id="{6E71AB05-0534-4AF9-9617-797FE92D9001}"/>
-              </a:ext>
-            </a:extLst>
-          </p:cNvPr>
-          <p:cNvPicPr>
-            <a:picLocks noGrp="1" noChangeAspect="1"/>
-          </p:cNvPicPr>
-          <p:nvPr>
-            <p:ph idx="1"/>
-          </p:nvPr>
-        </p:nvPicPr>
-        <p:blipFill>
-          <a:blip r:embed="rId2">
-            <a:extLst>
-              <a:ext uri="{28A0092B-C50C-407E-A947-70E740481C1C}">
-                <a14:useLocalDpi xmlns:a14="http://schemas.microsoft.com/office/drawing/2010/main" val="0"/>
-              </a:ext>
-            </a:extLst>
-          </a:blip>
-          <a:stretch>
-            <a:fillRect/>
-          </a:stretch>
-        </p:blipFill>
-        <p:spPr>
-          <a:xfrm>
-            <a:off x="3350272" y="1825625"/>
-            <a:ext cx="5491456" cy="4351338"/>
-          </a:xfrm>
-        </p:spPr>
-      </p:pic>
-    </p:spTree>
-    <p:extLst>
-      <p:ext uri="{BB962C8B-B14F-4D97-AF65-F5344CB8AC3E}">
-        <p14:creationId xmlns:p14="http://schemas.microsoft.com/office/powerpoint/2010/main" val="3543187961"/>
-      </p:ext>
-    </p:extLst>
-  </p:cSld>
-  <p:clrMapOvr>
-    <a:masterClrMapping/>
-  </p:clrMapOvr>
-</p:sld>
-</file>
-
-<file path=ppt/slides/slide6.xml><?xml version="1.0" encoding="utf-8"?>
-<p:sld xmlns:a="http://schemas.openxmlformats.org/drawingml/2006/main" xmlns:r="http://schemas.openxmlformats.org/officeDocument/2006/relationships" xmlns:p="http://schemas.openxmlformats.org/presentationml/2006/main">
-  <p:cSld>
-    <p:spTree>
-      <p:nvGrpSpPr>
-        <p:cNvPr id="1" name=""/>
-        <p:cNvGrpSpPr/>
-        <p:nvPr/>
-      </p:nvGrpSpPr>
-      <p:grpSpPr>
-        <a:xfrm>
-          <a:off x="0" y="0"/>
-          <a:ext cx="0" cy="0"/>
-          <a:chOff x="0" y="0"/>
-          <a:chExt cx="0" cy="0"/>
-        </a:xfrm>
-      </p:grpSpPr>
-      <p:sp>
-        <p:nvSpPr>
-          <p:cNvPr id="2" name="标题 1">
-            <a:extLst>
-              <a:ext uri="{FF2B5EF4-FFF2-40B4-BE49-F238E27FC236}">
-                <a16:creationId xmlns:a16="http://schemas.microsoft.com/office/drawing/2014/main" id="{8D565856-D941-47CF-A59D-4D28C7594064}"/>
-              </a:ext>
-            </a:extLst>
-          </p:cNvPr>
-          <p:cNvSpPr>
-            <a:spLocks noGrp="1"/>
-          </p:cNvSpPr>
-          <p:nvPr>
-            <p:ph type="title"/>
-          </p:nvPr>
-        </p:nvSpPr>
-        <p:spPr/>
-        <p:txBody>
-          <a:bodyPr/>
-          <a:lstStyle/>
-          <a:p>
-            <a:r>
-              <a:rPr lang="zh-CN" altLang="en-US" dirty="0"/>
-              <a:t>先从主从模式说起</a:t>
-            </a:r>
           </a:p>
         </p:txBody>
       </p:sp>
@@ -4387,6 +4139,113 @@
 </p:sld>
 </file>
 
+<file path=ppt/slides/slide6.xml><?xml version="1.0" encoding="utf-8"?>
+<p:sld xmlns:a="http://schemas.openxmlformats.org/drawingml/2006/main" xmlns:r="http://schemas.openxmlformats.org/officeDocument/2006/relationships" xmlns:p="http://schemas.openxmlformats.org/presentationml/2006/main">
+  <p:cSld>
+    <p:spTree>
+      <p:nvGrpSpPr>
+        <p:cNvPr id="1" name=""/>
+        <p:cNvGrpSpPr/>
+        <p:nvPr/>
+      </p:nvGrpSpPr>
+      <p:grpSpPr>
+        <a:xfrm>
+          <a:off x="0" y="0"/>
+          <a:ext cx="0" cy="0"/>
+          <a:chOff x="0" y="0"/>
+          <a:chExt cx="0" cy="0"/>
+        </a:xfrm>
+      </p:grpSpPr>
+      <p:sp>
+        <p:nvSpPr>
+          <p:cNvPr id="2" name="标题 1">
+            <a:extLst>
+              <a:ext uri="{FF2B5EF4-FFF2-40B4-BE49-F238E27FC236}">
+                <a16:creationId xmlns:a16="http://schemas.microsoft.com/office/drawing/2014/main" id="{1B50CCF6-8E91-44DA-A5EE-0A29651C278A}"/>
+              </a:ext>
+            </a:extLst>
+          </p:cNvPr>
+          <p:cNvSpPr>
+            <a:spLocks noGrp="1"/>
+          </p:cNvSpPr>
+          <p:nvPr>
+            <p:ph type="title"/>
+          </p:nvPr>
+        </p:nvSpPr>
+        <p:spPr/>
+        <p:txBody>
+          <a:bodyPr/>
+          <a:lstStyle/>
+          <a:p>
+            <a:r>
+              <a:rPr lang="zh-CN" altLang="en-US" dirty="0"/>
+              <a:t>主从模式面对的问题</a:t>
+            </a:r>
+          </a:p>
+        </p:txBody>
+      </p:sp>
+      <p:sp>
+        <p:nvSpPr>
+          <p:cNvPr id="3" name="内容占位符 2">
+            <a:extLst>
+              <a:ext uri="{FF2B5EF4-FFF2-40B4-BE49-F238E27FC236}">
+                <a16:creationId xmlns:a16="http://schemas.microsoft.com/office/drawing/2014/main" id="{CCDD81E3-ACBB-4FA0-8E59-BBF7C365ED6A}"/>
+              </a:ext>
+            </a:extLst>
+          </p:cNvPr>
+          <p:cNvSpPr>
+            <a:spLocks noGrp="1"/>
+          </p:cNvSpPr>
+          <p:nvPr>
+            <p:ph idx="1"/>
+          </p:nvPr>
+        </p:nvSpPr>
+        <p:spPr/>
+        <p:txBody>
+          <a:bodyPr/>
+          <a:lstStyle/>
+          <a:p>
+            <a:pPr marL="0" indent="0">
+              <a:buNone/>
+            </a:pPr>
+            <a:r>
+              <a:rPr lang="zh-CN" altLang="en-US" dirty="0"/>
+              <a:t>* 主节点崩溃</a:t>
+            </a:r>
+          </a:p>
+          <a:p>
+            <a:pPr marL="0" indent="0">
+              <a:buNone/>
+            </a:pPr>
+            <a:r>
+              <a:rPr lang="zh-CN" altLang="en-US" dirty="0"/>
+              <a:t>* 从节点崩溃</a:t>
+            </a:r>
+          </a:p>
+          <a:p>
+            <a:pPr marL="0" indent="0">
+              <a:buNone/>
+            </a:pPr>
+            <a:r>
+              <a:rPr lang="zh-CN" altLang="en-US" dirty="0"/>
+              <a:t>* 通信故障</a:t>
+            </a:r>
+          </a:p>
+        </p:txBody>
+      </p:sp>
+    </p:spTree>
+    <p:extLst>
+      <p:ext uri="{BB962C8B-B14F-4D97-AF65-F5344CB8AC3E}">
+        <p14:creationId xmlns:p14="http://schemas.microsoft.com/office/powerpoint/2010/main" val="2705124527"/>
+      </p:ext>
+    </p:extLst>
+  </p:cSld>
+  <p:clrMapOvr>
+    <a:masterClrMapping/>
+  </p:clrMapOvr>
+</p:sld>
+</file>
+
 <file path=ppt/slides/slide7.xml><?xml version="1.0" encoding="utf-8"?>
 <p:sld xmlns:a="http://schemas.openxmlformats.org/drawingml/2006/main" xmlns:r="http://schemas.openxmlformats.org/officeDocument/2006/relationships" xmlns:p="http://schemas.openxmlformats.org/presentationml/2006/main">
   <p:cSld>
@@ -4409,7 +4268,7 @@
           <p:cNvPr id="2" name="标题 1">
             <a:extLst>
               <a:ext uri="{FF2B5EF4-FFF2-40B4-BE49-F238E27FC236}">
-                <a16:creationId xmlns:a16="http://schemas.microsoft.com/office/drawing/2014/main" id="{1B50CCF6-8E91-44DA-A5EE-0A29651C278A}"/>
+                <a16:creationId xmlns:a16="http://schemas.microsoft.com/office/drawing/2014/main" id="{ADF98655-AB79-4DB1-B202-A5858292A55B}"/>
               </a:ext>
             </a:extLst>
           </p:cNvPr>
@@ -4427,7 +4286,7 @@
           <a:p>
             <a:r>
               <a:rPr lang="zh-CN" altLang="en-US" dirty="0"/>
-              <a:t>主从模式面对的问题</a:t>
+              <a:t>主节点崩溃</a:t>
             </a:r>
           </a:p>
         </p:txBody>
@@ -4437,7 +4296,7 @@
           <p:cNvPr id="3" name="内容占位符 2">
             <a:extLst>
               <a:ext uri="{FF2B5EF4-FFF2-40B4-BE49-F238E27FC236}">
-                <a16:creationId xmlns:a16="http://schemas.microsoft.com/office/drawing/2014/main" id="{CCDD81E3-ACBB-4FA0-8E59-BBF7C365ED6A}"/>
+                <a16:creationId xmlns:a16="http://schemas.microsoft.com/office/drawing/2014/main" id="{B667E83E-7AF7-4EC9-AE71-93CF3574A0C6}"/>
               </a:ext>
             </a:extLst>
           </p:cNvPr>
@@ -4448,7 +4307,12 @@
             <p:ph idx="1"/>
           </p:nvPr>
         </p:nvSpPr>
-        <p:spPr/>
+        <p:spPr>
+          <a:xfrm>
+            <a:off x="838200" y="2220685"/>
+            <a:ext cx="10515600" cy="3956277"/>
+          </a:xfrm>
+        </p:spPr>
         <p:txBody>
           <a:bodyPr/>
           <a:lstStyle/>
@@ -4457,34 +4321,58 @@
               <a:buNone/>
             </a:pPr>
             <a:r>
+              <a:rPr lang="en-US" altLang="zh-CN" dirty="0"/>
+              <a:t>	</a:t>
+            </a:r>
+            <a:r>
               <a:rPr lang="zh-CN" altLang="en-US" dirty="0"/>
-              <a:t>* 主节点崩溃</a:t>
+              <a:t>如果主节点发送错误并失效，系统将无法分配新的任务或重新分配已失败的任务。这就需要重选备份主节点接管主要主节点的角色，进行故障转移</a:t>
+            </a:r>
+            <a:r>
+              <a:rPr lang="en-US" altLang="zh-CN" dirty="0"/>
+              <a:t>,</a:t>
+            </a:r>
+            <a:r>
+              <a:rPr lang="zh-CN" altLang="en-US" dirty="0"/>
+              <a:t>数据恢复等等，更糟的是，如果一些从节点无法与主要主节点通信，如由于网络分区（</a:t>
+            </a:r>
+            <a:r>
+              <a:rPr lang="en-US" altLang="zh-CN" dirty="0"/>
+              <a:t>network partition</a:t>
+            </a:r>
+            <a:r>
+              <a:rPr lang="zh-CN" altLang="en-US" dirty="0"/>
+              <a:t>）错误导致，这些从节点可能会停止与主要主节点的通信，而与第二个主要主节点建立主</a:t>
+            </a:r>
+            <a:r>
+              <a:rPr lang="en-US" altLang="zh-CN" dirty="0"/>
+              <a:t>-</a:t>
+            </a:r>
+            <a:r>
+              <a:rPr lang="zh-CN" altLang="en-US" dirty="0"/>
+              <a:t>从关系。针对这个场景中导致的问题，我们一般称之为脑裂（</a:t>
+            </a:r>
+            <a:r>
+              <a:rPr lang="en-US" altLang="zh-CN" dirty="0"/>
+              <a:t>split-brain</a:t>
+            </a:r>
+            <a:r>
+              <a:rPr lang="zh-CN" altLang="en-US" dirty="0"/>
+              <a:t>）：系统中两个或者多个部分开始独立工作，导致整体行为不一致性。我们需要找出一种方法来处理主节点失效的情况，关键是我们需要避免发生脑裂的情况。</a:t>
             </a:r>
           </a:p>
           <a:p>
             <a:pPr marL="0" indent="0">
               <a:buNone/>
             </a:pPr>
-            <a:r>
-              <a:rPr lang="zh-CN" altLang="en-US" dirty="0"/>
-              <a:t>* 从节点崩溃</a:t>
-            </a:r>
-          </a:p>
-          <a:p>
-            <a:pPr marL="0" indent="0">
-              <a:buNone/>
-            </a:pPr>
-            <a:r>
-              <a:rPr lang="zh-CN" altLang="en-US" dirty="0"/>
-              <a:t>* 通信故障</a:t>
-            </a:r>
+            <a:endParaRPr lang="zh-CN" altLang="en-US" dirty="0"/>
           </a:p>
         </p:txBody>
       </p:sp>
     </p:spTree>
     <p:extLst>
       <p:ext uri="{BB962C8B-B14F-4D97-AF65-F5344CB8AC3E}">
-        <p14:creationId xmlns:p14="http://schemas.microsoft.com/office/powerpoint/2010/main" val="2705124527"/>
+        <p14:creationId xmlns:p14="http://schemas.microsoft.com/office/powerpoint/2010/main" val="3171195108"/>
       </p:ext>
     </p:extLst>
   </p:cSld>
@@ -4516,7 +4404,7 @@
           <p:cNvPr id="2" name="标题 1">
             <a:extLst>
               <a:ext uri="{FF2B5EF4-FFF2-40B4-BE49-F238E27FC236}">
-                <a16:creationId xmlns:a16="http://schemas.microsoft.com/office/drawing/2014/main" id="{ADF98655-AB79-4DB1-B202-A5858292A55B}"/>
+                <a16:creationId xmlns:a16="http://schemas.microsoft.com/office/drawing/2014/main" id="{4699B25F-1067-464A-A439-51DEF682EBE5}"/>
               </a:ext>
             </a:extLst>
           </p:cNvPr>
@@ -4534,7 +4422,7 @@
           <a:p>
             <a:r>
               <a:rPr lang="zh-CN" altLang="en-US" dirty="0"/>
-              <a:t>主节点崩溃</a:t>
+              <a:t>从节点崩溃</a:t>
             </a:r>
           </a:p>
         </p:txBody>
@@ -4544,7 +4432,7 @@
           <p:cNvPr id="3" name="内容占位符 2">
             <a:extLst>
               <a:ext uri="{FF2B5EF4-FFF2-40B4-BE49-F238E27FC236}">
-                <a16:creationId xmlns:a16="http://schemas.microsoft.com/office/drawing/2014/main" id="{B667E83E-7AF7-4EC9-AE71-93CF3574A0C6}"/>
+                <a16:creationId xmlns:a16="http://schemas.microsoft.com/office/drawing/2014/main" id="{FAAC861D-DF0F-41DB-A82B-D7D6C7F80710}"/>
               </a:ext>
             </a:extLst>
           </p:cNvPr>
@@ -4557,8 +4445,8 @@
         </p:nvSpPr>
         <p:spPr>
           <a:xfrm>
-            <a:off x="838200" y="2220685"/>
-            <a:ext cx="10515600" cy="3956277"/>
+            <a:off x="838200" y="2847703"/>
+            <a:ext cx="10515600" cy="3329260"/>
           </a:xfrm>
         </p:spPr>
         <p:txBody>
@@ -4574,39 +4462,7 @@
             </a:r>
             <a:r>
               <a:rPr lang="zh-CN" altLang="en-US" dirty="0"/>
-              <a:t>如果主节点发送错误并失效，系统将无法分配新的任务或重新分配已失败的任务。这就需要重选备份主节点接管主要主节点的角色，进行故障转移</a:t>
-            </a:r>
-            <a:r>
-              <a:rPr lang="en-US" altLang="zh-CN" dirty="0"/>
-              <a:t>,</a:t>
-            </a:r>
-            <a:r>
-              <a:rPr lang="zh-CN" altLang="en-US" dirty="0"/>
-              <a:t>数据恢复等等，更糟的是，如果一些从节点无法与主要主节点通信，如由于网络分区（</a:t>
-            </a:r>
-            <a:r>
-              <a:rPr lang="en-US" altLang="zh-CN" dirty="0"/>
-              <a:t>network partition</a:t>
-            </a:r>
-            <a:r>
-              <a:rPr lang="zh-CN" altLang="en-US" dirty="0"/>
-              <a:t>）错误导致，这些从节点可能会停止与主要主节点的通信，而与第二个主要主节点建立主</a:t>
-            </a:r>
-            <a:r>
-              <a:rPr lang="en-US" altLang="zh-CN" dirty="0"/>
-              <a:t>-</a:t>
-            </a:r>
-            <a:r>
-              <a:rPr lang="zh-CN" altLang="en-US" dirty="0"/>
-              <a:t>从关系。针对这个场景中导致的问题，我们一般称之为脑裂（</a:t>
-            </a:r>
-            <a:r>
-              <a:rPr lang="en-US" altLang="zh-CN" dirty="0"/>
-              <a:t>split-brain</a:t>
-            </a:r>
-            <a:r>
-              <a:rPr lang="zh-CN" altLang="en-US" dirty="0"/>
-              <a:t>）：系统中两个或者多个部分开始独立工作，导致整体行为不一致性。我们需要找出一种方法来处理主节点失效的情况，关键是我们需要避免发生脑裂的情况。</a:t>
+              <a:t>如果从节点崩溃，已分配的任务将无法完成。如果从节点崩溃了，所有已派发给这个从节点且尚未完成的任务需要重新派发。其中首要需求是让主节点具有检测从节点的崩溃的能力。主节点必须能够检测到从节点的崩溃，并确定哪些从节点是否有效以便派发崩溃节点的任务。一个从节点崩溃时，从节点也许执行了部分任务，也许全部执行完，但没有报告结果。如果整个运算过程产生了其他作用，我们还有必要执行某些恢复过程来清除之前的状态。</a:t>
             </a:r>
           </a:p>
           <a:p>
@@ -4620,7 +4476,7 @@
     </p:spTree>
     <p:extLst>
       <p:ext uri="{BB962C8B-B14F-4D97-AF65-F5344CB8AC3E}">
-        <p14:creationId xmlns:p14="http://schemas.microsoft.com/office/powerpoint/2010/main" val="3171195108"/>
+        <p14:creationId xmlns:p14="http://schemas.microsoft.com/office/powerpoint/2010/main" val="3423277743"/>
       </p:ext>
     </p:extLst>
   </p:cSld>
@@ -4652,7 +4508,7 @@
           <p:cNvPr id="2" name="标题 1">
             <a:extLst>
               <a:ext uri="{FF2B5EF4-FFF2-40B4-BE49-F238E27FC236}">
-                <a16:creationId xmlns:a16="http://schemas.microsoft.com/office/drawing/2014/main" id="{4699B25F-1067-464A-A439-51DEF682EBE5}"/>
+                <a16:creationId xmlns:a16="http://schemas.microsoft.com/office/drawing/2014/main" id="{858F3509-0589-4EC9-96EA-F3F8DB224DA3}"/>
               </a:ext>
             </a:extLst>
           </p:cNvPr>
@@ -4670,7 +4526,7 @@
           <a:p>
             <a:r>
               <a:rPr lang="zh-CN" altLang="en-US" dirty="0"/>
-              <a:t>从节点崩溃</a:t>
+              <a:t>通信故障</a:t>
             </a:r>
           </a:p>
         </p:txBody>
@@ -4680,7 +4536,7 @@
           <p:cNvPr id="3" name="内容占位符 2">
             <a:extLst>
               <a:ext uri="{FF2B5EF4-FFF2-40B4-BE49-F238E27FC236}">
-                <a16:creationId xmlns:a16="http://schemas.microsoft.com/office/drawing/2014/main" id="{FAAC861D-DF0F-41DB-A82B-D7D6C7F80710}"/>
+                <a16:creationId xmlns:a16="http://schemas.microsoft.com/office/drawing/2014/main" id="{C3681F2B-9FEF-4465-B772-28F94D78398B}"/>
               </a:ext>
             </a:extLst>
           </p:cNvPr>
@@ -4693,8 +4549,8 @@
         </p:nvSpPr>
         <p:spPr>
           <a:xfrm>
-            <a:off x="838200" y="2847703"/>
-            <a:ext cx="10515600" cy="3329260"/>
+            <a:off x="838200" y="2795451"/>
+            <a:ext cx="10515600" cy="3381512"/>
           </a:xfrm>
         </p:spPr>
         <p:txBody>
@@ -4710,7 +4566,15 @@
             </a:r>
             <a:r>
               <a:rPr lang="zh-CN" altLang="en-US" dirty="0"/>
-              <a:t>如果从节点崩溃，已分配的任务将无法完成。如果从节点崩溃了，所有已派发给这个从节点且尚未完成的任务需要重新派发。其中首要需求是让主节点具有检测从节点的崩溃的能力。主节点必须能够检测到从节点的崩溃，并确定哪些从节点是否有效以便派发崩溃节点的任务。一个从节点崩溃时，从节点也许执行了部分任务，也许全部执行完，但没有报告结果。如果整个运算过程产生了其他作用，我们还有必要执行某些恢复过程来清除之前的状态。</a:t>
+              <a:t>如果主节点和从节点之间无法进行信息交换，从节点将无法得知新任务分配给它。如果一个从节点与主节点的网络连接断开，比如网络分区（</a:t>
+            </a:r>
+            <a:r>
+              <a:rPr lang="en-US" altLang="zh-CN" dirty="0"/>
+              <a:t>network partition</a:t>
+            </a:r>
+            <a:r>
+              <a:rPr lang="zh-CN" altLang="en-US" dirty="0"/>
+              <a:t>）导致，重新分配一个任务可能会导致两个从节点执行相同的任务。如果一个任务允许多次执行，我们在进行任务再分配时可以不用验证第一个从节点是否完成了该任务。如果一个任务不允许，那么我们的应用需要适应多个从节点执行相同任务的可能性。</a:t>
             </a:r>
           </a:p>
           <a:p>
@@ -4724,7 +4588,7 @@
     </p:spTree>
     <p:extLst>
       <p:ext uri="{BB962C8B-B14F-4D97-AF65-F5344CB8AC3E}">
-        <p14:creationId xmlns:p14="http://schemas.microsoft.com/office/powerpoint/2010/main" val="3423277743"/>
+        <p14:creationId xmlns:p14="http://schemas.microsoft.com/office/powerpoint/2010/main" val="2048380853"/>
       </p:ext>
     </p:extLst>
   </p:cSld>

--- a/zookeeper.pptx
+++ b/zookeeper.pptx
@@ -4178,9 +4178,18 @@
           <a:lstStyle/>
           <a:p>
             <a:r>
+              <a:rPr lang="en-US" altLang="zh-CN" dirty="0"/>
+              <a:t>master-worker</a:t>
+            </a:r>
+            <a:r>
               <a:rPr lang="zh-CN" altLang="en-US" dirty="0"/>
-              <a:t>主从模式面对的问题</a:t>
-            </a:r>
+              <a:t>模式面临的</a:t>
+            </a:r>
+            <a:r>
+              <a:rPr lang="zh-CN" altLang="en-US" dirty="0" smtClean="0"/>
+              <a:t>问题</a:t>
+            </a:r>
+            <a:endParaRPr lang="zh-CN" altLang="en-US" dirty="0"/>
           </a:p>
         </p:txBody>
       </p:sp>

--- a/zookeeper.pptx
+++ b/zookeeper.pptx
@@ -7,16 +7,30 @@
   <p:sldIdLst>
     <p:sldId id="256" r:id="rId2"/>
     <p:sldId id="257" r:id="rId3"/>
-    <p:sldId id="268" r:id="rId4"/>
-    <p:sldId id="258" r:id="rId5"/>
-    <p:sldId id="259" r:id="rId6"/>
-    <p:sldId id="260" r:id="rId7"/>
-    <p:sldId id="262" r:id="rId8"/>
-    <p:sldId id="265" r:id="rId9"/>
-    <p:sldId id="264" r:id="rId10"/>
-    <p:sldId id="263" r:id="rId11"/>
-    <p:sldId id="267" r:id="rId12"/>
-    <p:sldId id="266" r:id="rId13"/>
+    <p:sldId id="259" r:id="rId4"/>
+    <p:sldId id="260" r:id="rId5"/>
+    <p:sldId id="262" r:id="rId6"/>
+    <p:sldId id="265" r:id="rId7"/>
+    <p:sldId id="264" r:id="rId8"/>
+    <p:sldId id="263" r:id="rId9"/>
+    <p:sldId id="267" r:id="rId10"/>
+    <p:sldId id="266" r:id="rId11"/>
+    <p:sldId id="268" r:id="rId12"/>
+    <p:sldId id="271" r:id="rId13"/>
+    <p:sldId id="270" r:id="rId14"/>
+    <p:sldId id="269" r:id="rId15"/>
+    <p:sldId id="273" r:id="rId16"/>
+    <p:sldId id="272" r:id="rId17"/>
+    <p:sldId id="274" r:id="rId18"/>
+    <p:sldId id="275" r:id="rId19"/>
+    <p:sldId id="276" r:id="rId20"/>
+    <p:sldId id="278" r:id="rId21"/>
+    <p:sldId id="279" r:id="rId22"/>
+    <p:sldId id="277" r:id="rId23"/>
+    <p:sldId id="280" r:id="rId24"/>
+    <p:sldId id="281" r:id="rId25"/>
+    <p:sldId id="282" r:id="rId26"/>
+    <p:sldId id="283" r:id="rId27"/>
   </p:sldIdLst>
   <p:sldSz cx="12192000" cy="6858000"/>
   <p:notesSz cx="6858000" cy="9144000"/>
@@ -3437,66 +3451,82 @@
           <a:chExt cx="0" cy="0"/>
         </a:xfrm>
       </p:grpSpPr>
-      <p:sp>
-        <p:nvSpPr>
-          <p:cNvPr id="2" name="标题 1">
-            <a:extLst>
-              <a:ext uri="{FF2B5EF4-FFF2-40B4-BE49-F238E27FC236}">
-                <a16:creationId xmlns:a16="http://schemas.microsoft.com/office/drawing/2014/main" id="{9D5178E1-28AB-41B6-A971-9BED8225DFCD}"/>
-              </a:ext>
-            </a:extLst>
-          </p:cNvPr>
-          <p:cNvSpPr>
-            <a:spLocks noGrp="1"/>
-          </p:cNvSpPr>
-          <p:nvPr>
-            <p:ph type="title"/>
-          </p:nvPr>
-        </p:nvSpPr>
-        <p:spPr/>
-        <p:txBody>
-          <a:bodyPr/>
-          <a:lstStyle/>
-          <a:p>
-            <a:r>
-              <a:rPr lang="zh-CN" altLang="en-US" dirty="0"/>
-              <a:t>主从模式总结</a:t>
-            </a:r>
-          </a:p>
-        </p:txBody>
-      </p:sp>
-      <p:sp>
-        <p:nvSpPr>
-          <p:cNvPr id="3" name="内容占位符 2">
-            <a:extLst>
-              <a:ext uri="{FF2B5EF4-FFF2-40B4-BE49-F238E27FC236}">
-                <a16:creationId xmlns:a16="http://schemas.microsoft.com/office/drawing/2014/main" id="{AC463926-BC84-4629-8589-7B5001422ECC}"/>
-              </a:ext>
-            </a:extLst>
-          </p:cNvPr>
-          <p:cNvSpPr>
-            <a:spLocks noGrp="1"/>
-          </p:cNvSpPr>
-          <p:nvPr>
-            <p:ph idx="1"/>
-          </p:nvPr>
-        </p:nvSpPr>
-        <p:spPr/>
-        <p:txBody>
-          <a:bodyPr/>
-          <a:lstStyle/>
-          <a:p>
-            <a:pPr marL="0" indent="0">
-              <a:buNone/>
-            </a:pPr>
-            <a:endParaRPr lang="zh-CN" altLang="en-US" dirty="0"/>
-          </a:p>
-        </p:txBody>
-      </p:sp>
+      <p:pic>
+        <p:nvPicPr>
+          <p:cNvPr id="5" name="图片 4">
+            <a:extLst>
+              <a:ext uri="{FF2B5EF4-FFF2-40B4-BE49-F238E27FC236}">
+                <a16:creationId xmlns:a16="http://schemas.microsoft.com/office/drawing/2014/main" id="{98D7F90F-6502-4F21-A3F2-7E45A6FE8161}"/>
+              </a:ext>
+            </a:extLst>
+          </p:cNvPr>
+          <p:cNvPicPr>
+            <a:picLocks noChangeAspect="1"/>
+          </p:cNvPicPr>
+          <p:nvPr/>
+        </p:nvPicPr>
+        <p:blipFill>
+          <a:blip r:embed="rId2">
+            <a:extLst>
+              <a:ext uri="{28A0092B-C50C-407E-A947-70E740481C1C}">
+                <a14:useLocalDpi xmlns:a14="http://schemas.microsoft.com/office/drawing/2010/main" val="0"/>
+              </a:ext>
+            </a:extLst>
+          </a:blip>
+          <a:stretch>
+            <a:fillRect/>
+          </a:stretch>
+        </p:blipFill>
+        <p:spPr>
+          <a:xfrm>
+            <a:off x="5056618" y="1328056"/>
+            <a:ext cx="2078764" cy="2947108"/>
+          </a:xfrm>
+          <a:prstGeom prst="rect">
+            <a:avLst/>
+          </a:prstGeom>
+        </p:spPr>
+      </p:pic>
+      <p:pic>
+        <p:nvPicPr>
+          <p:cNvPr id="7" name="图片 6">
+            <a:extLst>
+              <a:ext uri="{FF2B5EF4-FFF2-40B4-BE49-F238E27FC236}">
+                <a16:creationId xmlns:a16="http://schemas.microsoft.com/office/drawing/2014/main" id="{6C95FB44-6F1B-437B-88B4-EDA5E64BCE7F}"/>
+              </a:ext>
+            </a:extLst>
+          </p:cNvPr>
+          <p:cNvPicPr>
+            <a:picLocks noChangeAspect="1"/>
+          </p:cNvPicPr>
+          <p:nvPr/>
+        </p:nvPicPr>
+        <p:blipFill>
+          <a:blip r:embed="rId3">
+            <a:extLst>
+              <a:ext uri="{28A0092B-C50C-407E-A947-70E740481C1C}">
+                <a14:useLocalDpi xmlns:a14="http://schemas.microsoft.com/office/drawing/2010/main" val="0"/>
+              </a:ext>
+            </a:extLst>
+          </a:blip>
+          <a:stretch>
+            <a:fillRect/>
+          </a:stretch>
+        </p:blipFill>
+        <p:spPr>
+          <a:xfrm>
+            <a:off x="10681063" y="6338316"/>
+            <a:ext cx="914400" cy="216408"/>
+          </a:xfrm>
+          <a:prstGeom prst="rect">
+            <a:avLst/>
+          </a:prstGeom>
+        </p:spPr>
+      </p:pic>
     </p:spTree>
     <p:extLst>
       <p:ext uri="{BB962C8B-B14F-4D97-AF65-F5344CB8AC3E}">
-        <p14:creationId xmlns:p14="http://schemas.microsoft.com/office/powerpoint/2010/main" val="1168152724"/>
+        <p14:creationId xmlns:p14="http://schemas.microsoft.com/office/powerpoint/2010/main" val="2380982762"/>
       </p:ext>
     </p:extLst>
   </p:cSld>
@@ -3528,7 +3558,7 @@
           <p:cNvPr id="2" name="标题 1">
             <a:extLst>
               <a:ext uri="{FF2B5EF4-FFF2-40B4-BE49-F238E27FC236}">
-                <a16:creationId xmlns:a16="http://schemas.microsoft.com/office/drawing/2014/main" id="{9CF2FFFE-1319-488B-83A2-6AAF585427A0}"/>
+                <a16:creationId xmlns:a16="http://schemas.microsoft.com/office/drawing/2014/main" id="{B84A988F-8517-4351-AFF8-A6BC75450914}"/>
               </a:ext>
             </a:extLst>
           </p:cNvPr>
@@ -3546,7 +3576,7 @@
           <a:p>
             <a:r>
               <a:rPr lang="zh-CN" altLang="en-US" dirty="0"/>
-              <a:t>分布式系统的难点</a:t>
+              <a:t>来源</a:t>
             </a:r>
           </a:p>
         </p:txBody>
@@ -3556,7 +3586,7 @@
           <p:cNvPr id="3" name="内容占位符 2">
             <a:extLst>
               <a:ext uri="{FF2B5EF4-FFF2-40B4-BE49-F238E27FC236}">
-                <a16:creationId xmlns:a16="http://schemas.microsoft.com/office/drawing/2014/main" id="{B26AD0D1-DCC6-4E51-A4AA-669B73546D27}"/>
+                <a16:creationId xmlns:a16="http://schemas.microsoft.com/office/drawing/2014/main" id="{45B927FE-568C-4C03-8B17-91FDA436474E}"/>
               </a:ext>
             </a:extLst>
           </p:cNvPr>
@@ -3572,6 +3602,22 @@
           <a:bodyPr/>
           <a:lstStyle/>
           <a:p>
+            <a:pPr marL="0" indent="0">
+              <a:buNone/>
+            </a:pPr>
+            <a:r>
+              <a:rPr lang="en-US" altLang="zh-CN" dirty="0"/>
+              <a:t>	Zookeeper </a:t>
+            </a:r>
+            <a:r>
+              <a:rPr lang="zh-CN" altLang="en-US" dirty="0"/>
+              <a:t>最早起源于雅虎研究院的一个研究小组。在当时，研究人员发现，在雅虎内部很多大型系统基本都需要依赖一个类似的系统来进行分布式协调，但是这些系统往往都存在分布式单点问题。所以，雅虎的开发人员就试图开发一个通用的无单点问题的分布式协调框架，以便让开发人员将精力集中在处理业务逻辑上。</a:t>
+            </a:r>
+          </a:p>
+          <a:p>
+            <a:pPr marL="0" indent="0">
+              <a:buNone/>
+            </a:pPr>
             <a:endParaRPr lang="zh-CN" altLang="en-US" dirty="0"/>
           </a:p>
         </p:txBody>
@@ -3579,7 +3625,7 @@
     </p:spTree>
     <p:extLst>
       <p:ext uri="{BB962C8B-B14F-4D97-AF65-F5344CB8AC3E}">
-        <p14:creationId xmlns:p14="http://schemas.microsoft.com/office/powerpoint/2010/main" val="1316111348"/>
+        <p14:creationId xmlns:p14="http://schemas.microsoft.com/office/powerpoint/2010/main" val="1838451979"/>
       </p:ext>
     </p:extLst>
   </p:cSld>
@@ -3611,7 +3657,7 @@
           <p:cNvPr id="2" name="标题 1">
             <a:extLst>
               <a:ext uri="{FF2B5EF4-FFF2-40B4-BE49-F238E27FC236}">
-                <a16:creationId xmlns:a16="http://schemas.microsoft.com/office/drawing/2014/main" id="{293830F0-9B97-49C4-85A0-9547A243250A}"/>
+                <a16:creationId xmlns:a16="http://schemas.microsoft.com/office/drawing/2014/main" id="{F0D6F3A7-C43C-423D-BCC7-812F97582ADA}"/>
               </a:ext>
             </a:extLst>
           </p:cNvPr>
@@ -3627,7 +3673,14 @@
           <a:bodyPr/>
           <a:lstStyle/>
           <a:p>
-            <a:endParaRPr lang="zh-CN" altLang="en-US"/>
+            <a:r>
+              <a:rPr lang="en-US" altLang="zh-CN" dirty="0"/>
+              <a:t>zookeeper</a:t>
+            </a:r>
+            <a:r>
+              <a:rPr lang="zh-CN" altLang="en-US" dirty="0"/>
+              <a:t>是什么</a:t>
+            </a:r>
           </a:p>
         </p:txBody>
       </p:sp>
@@ -3636,7 +3689,7 @@
           <p:cNvPr id="3" name="内容占位符 2">
             <a:extLst>
               <a:ext uri="{FF2B5EF4-FFF2-40B4-BE49-F238E27FC236}">
-                <a16:creationId xmlns:a16="http://schemas.microsoft.com/office/drawing/2014/main" id="{C6A1CD02-415F-4522-91F7-AA49158D4D99}"/>
+                <a16:creationId xmlns:a16="http://schemas.microsoft.com/office/drawing/2014/main" id="{18D4A6D4-D444-46F4-866D-5A4D55B11264}"/>
               </a:ext>
             </a:extLst>
           </p:cNvPr>
@@ -3652,14 +3705,944 @@
           <a:bodyPr/>
           <a:lstStyle/>
           <a:p>
-            <a:endParaRPr lang="zh-CN" altLang="en-US"/>
+            <a:pPr marL="0" indent="0">
+              <a:buNone/>
+            </a:pPr>
+            <a:r>
+              <a:rPr lang="en-US" altLang="zh-CN" dirty="0"/>
+              <a:t>	</a:t>
+            </a:r>
+            <a:r>
+              <a:rPr lang="en-US" altLang="zh-CN" dirty="0" err="1"/>
+              <a:t>ZooKeeper</a:t>
+            </a:r>
+            <a:r>
+              <a:rPr lang="en-US" altLang="zh-CN" dirty="0"/>
+              <a:t> is a high-performance coordination service for distributed applications. It exposes common services - such as naming, configuration management, synchronization, and group services - in a simple interface so you don't have to write them from scratch. You can use it off-the-shelf to implement consensus, group management, leader election, and presence protocols. And you can build on it for your own, specific needs.</a:t>
+            </a:r>
+          </a:p>
+          <a:p>
+            <a:pPr marL="0" indent="0">
+              <a:buNone/>
+            </a:pPr>
+            <a:r>
+              <a:rPr lang="en-US" altLang="zh-CN" dirty="0"/>
+              <a:t>	</a:t>
+            </a:r>
+          </a:p>
+          <a:p>
+            <a:pPr marL="0" indent="0">
+              <a:buNone/>
+            </a:pPr>
+            <a:r>
+              <a:rPr lang="en-US" altLang="zh-CN" dirty="0" err="1"/>
+              <a:t>ZooKeeper</a:t>
+            </a:r>
+            <a:r>
+              <a:rPr lang="zh-CN" altLang="en-US" dirty="0"/>
+              <a:t>是一种用于分布式应用程序的高性能协调服务</a:t>
+            </a:r>
+            <a:r>
+              <a:rPr lang="en-US" altLang="zh-CN" dirty="0"/>
+              <a:t>.</a:t>
+            </a:r>
+          </a:p>
+          <a:p>
+            <a:pPr marL="0" indent="0">
+              <a:buNone/>
+            </a:pPr>
+            <a:endParaRPr lang="zh-CN" altLang="en-US" dirty="0"/>
           </a:p>
         </p:txBody>
       </p:sp>
     </p:spTree>
     <p:extLst>
       <p:ext uri="{BB962C8B-B14F-4D97-AF65-F5344CB8AC3E}">
-        <p14:creationId xmlns:p14="http://schemas.microsoft.com/office/powerpoint/2010/main" val="2380982762"/>
+        <p14:creationId xmlns:p14="http://schemas.microsoft.com/office/powerpoint/2010/main" val="1716795336"/>
+      </p:ext>
+    </p:extLst>
+  </p:cSld>
+  <p:clrMapOvr>
+    <a:masterClrMapping/>
+  </p:clrMapOvr>
+</p:sld>
+</file>
+
+<file path=ppt/slides/slide13.xml><?xml version="1.0" encoding="utf-8"?>
+<p:sld xmlns:a="http://schemas.openxmlformats.org/drawingml/2006/main" xmlns:r="http://schemas.openxmlformats.org/officeDocument/2006/relationships" xmlns:p="http://schemas.openxmlformats.org/presentationml/2006/main">
+  <p:cSld>
+    <p:spTree>
+      <p:nvGrpSpPr>
+        <p:cNvPr id="1" name=""/>
+        <p:cNvGrpSpPr/>
+        <p:nvPr/>
+      </p:nvGrpSpPr>
+      <p:grpSpPr>
+        <a:xfrm>
+          <a:off x="0" y="0"/>
+          <a:ext cx="0" cy="0"/>
+          <a:chOff x="0" y="0"/>
+          <a:chExt cx="0" cy="0"/>
+        </a:xfrm>
+      </p:grpSpPr>
+      <p:sp>
+        <p:nvSpPr>
+          <p:cNvPr id="2" name="标题 1">
+            <a:extLst>
+              <a:ext uri="{FF2B5EF4-FFF2-40B4-BE49-F238E27FC236}">
+                <a16:creationId xmlns:a16="http://schemas.microsoft.com/office/drawing/2014/main" id="{D19DC2BA-B9B9-4049-A20B-DFCD909745D6}"/>
+              </a:ext>
+            </a:extLst>
+          </p:cNvPr>
+          <p:cNvSpPr>
+            <a:spLocks noGrp="1"/>
+          </p:cNvSpPr>
+          <p:nvPr>
+            <p:ph type="title"/>
+          </p:nvPr>
+        </p:nvSpPr>
+        <p:spPr/>
+        <p:txBody>
+          <a:bodyPr/>
+          <a:lstStyle/>
+          <a:p>
+            <a:r>
+              <a:rPr lang="en-US" altLang="zh-CN" dirty="0"/>
+              <a:t>zookeeper</a:t>
+            </a:r>
+            <a:r>
+              <a:rPr lang="zh-CN" altLang="en-US" dirty="0"/>
+              <a:t>是什么</a:t>
+            </a:r>
+          </a:p>
+        </p:txBody>
+      </p:sp>
+      <p:sp>
+        <p:nvSpPr>
+          <p:cNvPr id="3" name="内容占位符 2">
+            <a:extLst>
+              <a:ext uri="{FF2B5EF4-FFF2-40B4-BE49-F238E27FC236}">
+                <a16:creationId xmlns:a16="http://schemas.microsoft.com/office/drawing/2014/main" id="{87405044-51A2-440F-AA38-1C6103616243}"/>
+              </a:ext>
+            </a:extLst>
+          </p:cNvPr>
+          <p:cNvSpPr>
+            <a:spLocks noGrp="1"/>
+          </p:cNvSpPr>
+          <p:nvPr>
+            <p:ph idx="1"/>
+          </p:nvPr>
+        </p:nvSpPr>
+        <p:spPr/>
+        <p:txBody>
+          <a:bodyPr/>
+          <a:lstStyle/>
+          <a:p>
+            <a:pPr marL="0" indent="0">
+              <a:buNone/>
+            </a:pPr>
+            <a:r>
+              <a:rPr lang="en-US" altLang="zh-CN" dirty="0"/>
+              <a:t>	</a:t>
+            </a:r>
+            <a:r>
+              <a:rPr lang="en-US" altLang="zh-CN" dirty="0" err="1"/>
+              <a:t>ZooKeeper</a:t>
+            </a:r>
+            <a:r>
+              <a:rPr lang="zh-CN" altLang="en-US" dirty="0"/>
+              <a:t>是一个典型的分布式数据一致性解决方案</a:t>
+            </a:r>
+            <a:r>
+              <a:rPr lang="en-US" altLang="zh-CN" dirty="0"/>
+              <a:t>,</a:t>
+            </a:r>
+            <a:r>
+              <a:rPr lang="zh-CN" altLang="en-US" dirty="0"/>
+              <a:t>其设计目标是将那些复杂且容易出错的分布式一致性服务封装起来，构成一个高效可靠的原语集，并以一系列简单易用的接口提供给用户使用。分布式应用程序可以基于 </a:t>
+            </a:r>
+            <a:r>
+              <a:rPr lang="en-US" altLang="zh-CN" dirty="0" err="1"/>
+              <a:t>ZooKeeper</a:t>
+            </a:r>
+            <a:r>
+              <a:rPr lang="en-US" altLang="zh-CN" dirty="0"/>
+              <a:t> </a:t>
+            </a:r>
+            <a:r>
+              <a:rPr lang="zh-CN" altLang="en-US" dirty="0"/>
+              <a:t>实现诸如数据发布</a:t>
+            </a:r>
+            <a:r>
+              <a:rPr lang="en-US" altLang="zh-CN" dirty="0"/>
+              <a:t>/</a:t>
+            </a:r>
+            <a:r>
+              <a:rPr lang="zh-CN" altLang="en-US" dirty="0"/>
+              <a:t>订阅、负载均衡、命名服务、分布式协调</a:t>
+            </a:r>
+            <a:r>
+              <a:rPr lang="en-US" altLang="zh-CN" dirty="0"/>
+              <a:t>/</a:t>
+            </a:r>
+            <a:r>
+              <a:rPr lang="zh-CN" altLang="en-US" dirty="0"/>
+              <a:t>通知、集群管理、</a:t>
+            </a:r>
+            <a:r>
+              <a:rPr lang="en-US" altLang="zh-CN" dirty="0"/>
+              <a:t>Master </a:t>
+            </a:r>
+            <a:r>
+              <a:rPr lang="zh-CN" altLang="en-US" dirty="0"/>
+              <a:t>选举、分布式锁和分布式队列等功能。</a:t>
+            </a:r>
+          </a:p>
+          <a:p>
+            <a:pPr marL="0" indent="0">
+              <a:buNone/>
+            </a:pPr>
+            <a:endParaRPr lang="zh-CN" altLang="en-US" dirty="0"/>
+          </a:p>
+        </p:txBody>
+      </p:sp>
+    </p:spTree>
+    <p:extLst>
+      <p:ext uri="{BB962C8B-B14F-4D97-AF65-F5344CB8AC3E}">
+        <p14:creationId xmlns:p14="http://schemas.microsoft.com/office/powerpoint/2010/main" val="1726747483"/>
+      </p:ext>
+    </p:extLst>
+  </p:cSld>
+  <p:clrMapOvr>
+    <a:masterClrMapping/>
+  </p:clrMapOvr>
+</p:sld>
+</file>
+
+<file path=ppt/slides/slide14.xml><?xml version="1.0" encoding="utf-8"?>
+<p:sld xmlns:a="http://schemas.openxmlformats.org/drawingml/2006/main" xmlns:r="http://schemas.openxmlformats.org/officeDocument/2006/relationships" xmlns:p="http://schemas.openxmlformats.org/presentationml/2006/main">
+  <p:cSld>
+    <p:spTree>
+      <p:nvGrpSpPr>
+        <p:cNvPr id="1" name=""/>
+        <p:cNvGrpSpPr/>
+        <p:nvPr/>
+      </p:nvGrpSpPr>
+      <p:grpSpPr>
+        <a:xfrm>
+          <a:off x="0" y="0"/>
+          <a:ext cx="0" cy="0"/>
+          <a:chOff x="0" y="0"/>
+          <a:chExt cx="0" cy="0"/>
+        </a:xfrm>
+      </p:grpSpPr>
+      <p:sp>
+        <p:nvSpPr>
+          <p:cNvPr id="2" name="标题 1">
+            <a:extLst>
+              <a:ext uri="{FF2B5EF4-FFF2-40B4-BE49-F238E27FC236}">
+                <a16:creationId xmlns:a16="http://schemas.microsoft.com/office/drawing/2014/main" id="{539F4E70-7E1A-4DC6-8395-3E0DF0B0D49E}"/>
+              </a:ext>
+            </a:extLst>
+          </p:cNvPr>
+          <p:cNvSpPr>
+            <a:spLocks noGrp="1"/>
+          </p:cNvSpPr>
+          <p:nvPr>
+            <p:ph type="title"/>
+          </p:nvPr>
+        </p:nvSpPr>
+        <p:spPr/>
+        <p:txBody>
+          <a:bodyPr/>
+          <a:lstStyle/>
+          <a:p>
+            <a:r>
+              <a:rPr lang="zh-CN" altLang="en-US" dirty="0"/>
+              <a:t>一个最常见的使用场景</a:t>
+            </a:r>
+          </a:p>
+        </p:txBody>
+      </p:sp>
+      <p:pic>
+        <p:nvPicPr>
+          <p:cNvPr id="5" name="内容占位符 4">
+            <a:extLst>
+              <a:ext uri="{FF2B5EF4-FFF2-40B4-BE49-F238E27FC236}">
+                <a16:creationId xmlns:a16="http://schemas.microsoft.com/office/drawing/2014/main" id="{1180649C-7827-474E-B7F7-91E746E54D09}"/>
+              </a:ext>
+            </a:extLst>
+          </p:cNvPr>
+          <p:cNvPicPr>
+            <a:picLocks noGrp="1" noChangeAspect="1"/>
+          </p:cNvPicPr>
+          <p:nvPr>
+            <p:ph idx="1"/>
+          </p:nvPr>
+        </p:nvPicPr>
+        <p:blipFill>
+          <a:blip r:embed="rId2">
+            <a:extLst>
+              <a:ext uri="{28A0092B-C50C-407E-A947-70E740481C1C}">
+                <a14:useLocalDpi xmlns:a14="http://schemas.microsoft.com/office/drawing/2010/main" val="0"/>
+              </a:ext>
+            </a:extLst>
+          </a:blip>
+          <a:stretch>
+            <a:fillRect/>
+          </a:stretch>
+        </p:blipFill>
+        <p:spPr>
+          <a:xfrm>
+            <a:off x="3161432" y="2194559"/>
+            <a:ext cx="5869136" cy="3912757"/>
+          </a:xfrm>
+        </p:spPr>
+      </p:pic>
+    </p:spTree>
+    <p:extLst>
+      <p:ext uri="{BB962C8B-B14F-4D97-AF65-F5344CB8AC3E}">
+        <p14:creationId xmlns:p14="http://schemas.microsoft.com/office/powerpoint/2010/main" val="360135378"/>
+      </p:ext>
+    </p:extLst>
+  </p:cSld>
+  <p:clrMapOvr>
+    <a:masterClrMapping/>
+  </p:clrMapOvr>
+</p:sld>
+</file>
+
+<file path=ppt/slides/slide15.xml><?xml version="1.0" encoding="utf-8"?>
+<p:sld xmlns:a="http://schemas.openxmlformats.org/drawingml/2006/main" xmlns:r="http://schemas.openxmlformats.org/officeDocument/2006/relationships" xmlns:p="http://schemas.openxmlformats.org/presentationml/2006/main">
+  <p:cSld>
+    <p:spTree>
+      <p:nvGrpSpPr>
+        <p:cNvPr id="1" name=""/>
+        <p:cNvGrpSpPr/>
+        <p:nvPr/>
+      </p:nvGrpSpPr>
+      <p:grpSpPr>
+        <a:xfrm>
+          <a:off x="0" y="0"/>
+          <a:ext cx="0" cy="0"/>
+          <a:chOff x="0" y="0"/>
+          <a:chExt cx="0" cy="0"/>
+        </a:xfrm>
+      </p:grpSpPr>
+      <p:sp>
+        <p:nvSpPr>
+          <p:cNvPr id="2" name="标题 1">
+            <a:extLst>
+              <a:ext uri="{FF2B5EF4-FFF2-40B4-BE49-F238E27FC236}">
+                <a16:creationId xmlns:a16="http://schemas.microsoft.com/office/drawing/2014/main" id="{3635DF3F-7A8E-4DAD-AEC2-E73E14F13D51}"/>
+              </a:ext>
+            </a:extLst>
+          </p:cNvPr>
+          <p:cNvSpPr>
+            <a:spLocks noGrp="1"/>
+          </p:cNvSpPr>
+          <p:nvPr>
+            <p:ph type="title"/>
+          </p:nvPr>
+        </p:nvSpPr>
+        <p:spPr/>
+        <p:txBody>
+          <a:bodyPr/>
+          <a:lstStyle/>
+          <a:p>
+            <a:r>
+              <a:rPr lang="zh-CN" altLang="en-US" dirty="0"/>
+              <a:t>特点</a:t>
+            </a:r>
+          </a:p>
+        </p:txBody>
+      </p:sp>
+      <p:sp>
+        <p:nvSpPr>
+          <p:cNvPr id="3" name="内容占位符 2">
+            <a:extLst>
+              <a:ext uri="{FF2B5EF4-FFF2-40B4-BE49-F238E27FC236}">
+                <a16:creationId xmlns:a16="http://schemas.microsoft.com/office/drawing/2014/main" id="{7FE4B908-2126-4F30-9597-3338EC68DF9F}"/>
+              </a:ext>
+            </a:extLst>
+          </p:cNvPr>
+          <p:cNvSpPr>
+            <a:spLocks noGrp="1"/>
+          </p:cNvSpPr>
+          <p:nvPr>
+            <p:ph idx="1"/>
+          </p:nvPr>
+        </p:nvSpPr>
+        <p:spPr/>
+        <p:txBody>
+          <a:bodyPr>
+            <a:normAutofit lnSpcReduction="10000"/>
+          </a:bodyPr>
+          <a:lstStyle/>
+          <a:p>
+            <a:r>
+              <a:rPr lang="zh-CN" altLang="en-US" dirty="0"/>
+              <a:t>* 简单化：</a:t>
+            </a:r>
+            <a:r>
+              <a:rPr lang="en-US" altLang="zh-CN" dirty="0" err="1"/>
+              <a:t>ZooKeeper</a:t>
+            </a:r>
+            <a:r>
+              <a:rPr lang="zh-CN" altLang="en-US" dirty="0"/>
+              <a:t>允许各分布式进程通过一个共享的命名空间相互联系，该命名空间类似于一个标准的层次型的文件系统。</a:t>
+            </a:r>
+          </a:p>
+          <a:p>
+            <a:r>
+              <a:rPr lang="zh-CN" altLang="en-US" dirty="0"/>
+              <a:t>* 顺序一致性：按照客户端发送请求的顺序更新数据。</a:t>
+            </a:r>
+          </a:p>
+          <a:p>
+            <a:r>
+              <a:rPr lang="zh-CN" altLang="en-US" dirty="0"/>
+              <a:t>* 原子性：更新要么成功，要么失败，不会出现部分更新。</a:t>
+            </a:r>
+          </a:p>
+          <a:p>
+            <a:r>
+              <a:rPr lang="zh-CN" altLang="en-US" dirty="0"/>
+              <a:t>* 单一性 ：无论客户端连接哪个 </a:t>
+            </a:r>
+            <a:r>
+              <a:rPr lang="en-US" altLang="zh-CN" dirty="0"/>
+              <a:t>server</a:t>
+            </a:r>
+            <a:r>
+              <a:rPr lang="zh-CN" altLang="en-US" dirty="0"/>
+              <a:t>，都会看到同一个视图。</a:t>
+            </a:r>
+          </a:p>
+          <a:p>
+            <a:r>
+              <a:rPr lang="zh-CN" altLang="en-US" dirty="0"/>
+              <a:t>* 可靠性：一旦数据更新成功，将一直保持，直到新的更新。</a:t>
+            </a:r>
+          </a:p>
+          <a:p>
+            <a:r>
+              <a:rPr lang="zh-CN" altLang="en-US" dirty="0"/>
+              <a:t>* 及时性：客户端会在一个确定的时间内得到最新的数据。</a:t>
+            </a:r>
+          </a:p>
+          <a:p>
+            <a:r>
+              <a:rPr lang="zh-CN" altLang="en-US" dirty="0"/>
+              <a:t>* 速度优势：</a:t>
+            </a:r>
+            <a:r>
+              <a:rPr lang="en-US" altLang="zh-CN" dirty="0" err="1"/>
+              <a:t>ZooKeeper</a:t>
+            </a:r>
+            <a:r>
+              <a:rPr lang="zh-CN" altLang="en-US" dirty="0"/>
+              <a:t>特别适合于以读为主要负荷的场合。</a:t>
+            </a:r>
+            <a:r>
+              <a:rPr lang="en-US" altLang="zh-CN" dirty="0" err="1"/>
+              <a:t>ZooKeeper</a:t>
+            </a:r>
+            <a:r>
+              <a:rPr lang="zh-CN" altLang="en-US" dirty="0"/>
+              <a:t>可以运行在数千台机器上，如果大部分操作为读，例如读写比例为</a:t>
+            </a:r>
+            <a:r>
+              <a:rPr lang="en-US" altLang="zh-CN" dirty="0"/>
+              <a:t>10:1</a:t>
+            </a:r>
+            <a:r>
+              <a:rPr lang="zh-CN" altLang="en-US" dirty="0"/>
+              <a:t>，</a:t>
+            </a:r>
+            <a:r>
+              <a:rPr lang="en-US" altLang="zh-CN" dirty="0" err="1"/>
+              <a:t>ZooKeeper</a:t>
+            </a:r>
+            <a:r>
+              <a:rPr lang="zh-CN" altLang="en-US" dirty="0"/>
+              <a:t>的效率会很高。</a:t>
+            </a:r>
+          </a:p>
+          <a:p>
+            <a:pPr marL="0" indent="0">
+              <a:buNone/>
+            </a:pPr>
+            <a:endParaRPr lang="zh-CN" altLang="en-US" dirty="0"/>
+          </a:p>
+        </p:txBody>
+      </p:sp>
+    </p:spTree>
+    <p:extLst>
+      <p:ext uri="{BB962C8B-B14F-4D97-AF65-F5344CB8AC3E}">
+        <p14:creationId xmlns:p14="http://schemas.microsoft.com/office/powerpoint/2010/main" val="792188103"/>
+      </p:ext>
+    </p:extLst>
+  </p:cSld>
+  <p:clrMapOvr>
+    <a:masterClrMapping/>
+  </p:clrMapOvr>
+</p:sld>
+</file>
+
+<file path=ppt/slides/slide16.xml><?xml version="1.0" encoding="utf-8"?>
+<p:sld xmlns:a="http://schemas.openxmlformats.org/drawingml/2006/main" xmlns:r="http://schemas.openxmlformats.org/officeDocument/2006/relationships" xmlns:p="http://schemas.openxmlformats.org/presentationml/2006/main">
+  <p:cSld>
+    <p:spTree>
+      <p:nvGrpSpPr>
+        <p:cNvPr id="1" name=""/>
+        <p:cNvGrpSpPr/>
+        <p:nvPr/>
+      </p:nvGrpSpPr>
+      <p:grpSpPr>
+        <a:xfrm>
+          <a:off x="0" y="0"/>
+          <a:ext cx="0" cy="0"/>
+          <a:chOff x="0" y="0"/>
+          <a:chExt cx="0" cy="0"/>
+        </a:xfrm>
+      </p:grpSpPr>
+      <p:sp>
+        <p:nvSpPr>
+          <p:cNvPr id="2" name="标题 1">
+            <a:extLst>
+              <a:ext uri="{FF2B5EF4-FFF2-40B4-BE49-F238E27FC236}">
+                <a16:creationId xmlns:a16="http://schemas.microsoft.com/office/drawing/2014/main" id="{49CB5E46-4230-4482-AAA9-CB0951668D5F}"/>
+              </a:ext>
+            </a:extLst>
+          </p:cNvPr>
+          <p:cNvSpPr>
+            <a:spLocks noGrp="1"/>
+          </p:cNvSpPr>
+          <p:nvPr>
+            <p:ph type="title"/>
+          </p:nvPr>
+        </p:nvSpPr>
+        <p:spPr/>
+        <p:txBody>
+          <a:bodyPr/>
+          <a:lstStyle/>
+          <a:p>
+            <a:r>
+              <a:rPr lang="zh-CN" altLang="en-US" dirty="0"/>
+              <a:t>运用场景</a:t>
+            </a:r>
+          </a:p>
+        </p:txBody>
+      </p:sp>
+      <p:sp>
+        <p:nvSpPr>
+          <p:cNvPr id="3" name="内容占位符 2">
+            <a:extLst>
+              <a:ext uri="{FF2B5EF4-FFF2-40B4-BE49-F238E27FC236}">
+                <a16:creationId xmlns:a16="http://schemas.microsoft.com/office/drawing/2014/main" id="{B4B7B0A8-FE08-4D51-9B3D-EFA39D78D209}"/>
+              </a:ext>
+            </a:extLst>
+          </p:cNvPr>
+          <p:cNvSpPr>
+            <a:spLocks noGrp="1"/>
+          </p:cNvSpPr>
+          <p:nvPr>
+            <p:ph idx="1"/>
+          </p:nvPr>
+        </p:nvSpPr>
+        <p:spPr/>
+        <p:txBody>
+          <a:bodyPr/>
+          <a:lstStyle/>
+          <a:p>
+            <a:r>
+              <a:rPr lang="zh-CN" altLang="en-US" dirty="0"/>
+              <a:t>* 数据发布与订阅（配置中心）</a:t>
+            </a:r>
+          </a:p>
+          <a:p>
+            <a:r>
+              <a:rPr lang="zh-CN" altLang="en-US" dirty="0"/>
+              <a:t>* 负载均衡</a:t>
+            </a:r>
+          </a:p>
+          <a:p>
+            <a:r>
+              <a:rPr lang="zh-CN" altLang="en-US" dirty="0"/>
+              <a:t>* 命名服务</a:t>
+            </a:r>
+            <a:r>
+              <a:rPr lang="en-US" altLang="zh-CN" dirty="0"/>
+              <a:t>(Naming Service)</a:t>
+            </a:r>
+          </a:p>
+          <a:p>
+            <a:r>
+              <a:rPr lang="zh-CN" altLang="en-US" dirty="0"/>
+              <a:t>* 分布式通知</a:t>
+            </a:r>
+            <a:r>
+              <a:rPr lang="en-US" altLang="zh-CN" dirty="0"/>
+              <a:t>/</a:t>
+            </a:r>
+            <a:r>
+              <a:rPr lang="zh-CN" altLang="en-US" dirty="0"/>
+              <a:t>协调</a:t>
+            </a:r>
+          </a:p>
+          <a:p>
+            <a:r>
+              <a:rPr lang="zh-CN" altLang="en-US" dirty="0"/>
+              <a:t>* 集群管理与</a:t>
+            </a:r>
+            <a:r>
+              <a:rPr lang="en-US" altLang="zh-CN" dirty="0"/>
+              <a:t>Master</a:t>
+            </a:r>
+            <a:r>
+              <a:rPr lang="zh-CN" altLang="en-US" dirty="0"/>
+              <a:t>选举</a:t>
+            </a:r>
+          </a:p>
+          <a:p>
+            <a:r>
+              <a:rPr lang="zh-CN" altLang="en-US" dirty="0"/>
+              <a:t>* 分布式锁</a:t>
+            </a:r>
+          </a:p>
+          <a:p>
+            <a:r>
+              <a:rPr lang="zh-CN" altLang="en-US" dirty="0"/>
+              <a:t>* 分布式队列</a:t>
+            </a:r>
+          </a:p>
+          <a:p>
+            <a:pPr marL="0" indent="0">
+              <a:buNone/>
+            </a:pPr>
+            <a:endParaRPr lang="zh-CN" altLang="en-US" dirty="0"/>
+          </a:p>
+        </p:txBody>
+      </p:sp>
+    </p:spTree>
+    <p:extLst>
+      <p:ext uri="{BB962C8B-B14F-4D97-AF65-F5344CB8AC3E}">
+        <p14:creationId xmlns:p14="http://schemas.microsoft.com/office/powerpoint/2010/main" val="1747751006"/>
+      </p:ext>
+    </p:extLst>
+  </p:cSld>
+  <p:clrMapOvr>
+    <a:masterClrMapping/>
+  </p:clrMapOvr>
+</p:sld>
+</file>
+
+<file path=ppt/slides/slide17.xml><?xml version="1.0" encoding="utf-8"?>
+<p:sld xmlns:a="http://schemas.openxmlformats.org/drawingml/2006/main" xmlns:r="http://schemas.openxmlformats.org/officeDocument/2006/relationships" xmlns:p="http://schemas.openxmlformats.org/presentationml/2006/main">
+  <p:cSld>
+    <p:spTree>
+      <p:nvGrpSpPr>
+        <p:cNvPr id="1" name=""/>
+        <p:cNvGrpSpPr/>
+        <p:nvPr/>
+      </p:nvGrpSpPr>
+      <p:grpSpPr>
+        <a:xfrm>
+          <a:off x="0" y="0"/>
+          <a:ext cx="0" cy="0"/>
+          <a:chOff x="0" y="0"/>
+          <a:chExt cx="0" cy="0"/>
+        </a:xfrm>
+      </p:grpSpPr>
+      <p:sp>
+        <p:nvSpPr>
+          <p:cNvPr id="2" name="标题 1">
+            <a:extLst>
+              <a:ext uri="{FF2B5EF4-FFF2-40B4-BE49-F238E27FC236}">
+                <a16:creationId xmlns:a16="http://schemas.microsoft.com/office/drawing/2014/main" id="{6B2A403D-ED31-43B7-B238-03A7F86FB867}"/>
+              </a:ext>
+            </a:extLst>
+          </p:cNvPr>
+          <p:cNvSpPr>
+            <a:spLocks noGrp="1"/>
+          </p:cNvSpPr>
+          <p:nvPr>
+            <p:ph type="title"/>
+          </p:nvPr>
+        </p:nvSpPr>
+        <p:spPr/>
+        <p:txBody>
+          <a:bodyPr/>
+          <a:lstStyle/>
+          <a:p>
+            <a:r>
+              <a:rPr lang="en-US" altLang="zh-CN" dirty="0"/>
+              <a:t>Zookeeper</a:t>
+            </a:r>
+            <a:r>
+              <a:rPr lang="zh-CN" altLang="en-US" dirty="0"/>
+              <a:t>架构</a:t>
+            </a:r>
+          </a:p>
+        </p:txBody>
+      </p:sp>
+      <p:pic>
+        <p:nvPicPr>
+          <p:cNvPr id="5" name="内容占位符 4">
+            <a:extLst>
+              <a:ext uri="{FF2B5EF4-FFF2-40B4-BE49-F238E27FC236}">
+                <a16:creationId xmlns:a16="http://schemas.microsoft.com/office/drawing/2014/main" id="{CE4E7A09-004B-4939-A89E-FB341791D21B}"/>
+              </a:ext>
+            </a:extLst>
+          </p:cNvPr>
+          <p:cNvPicPr>
+            <a:picLocks noGrp="1" noChangeAspect="1"/>
+          </p:cNvPicPr>
+          <p:nvPr>
+            <p:ph idx="1"/>
+          </p:nvPr>
+        </p:nvPicPr>
+        <p:blipFill>
+          <a:blip r:embed="rId2">
+            <a:extLst>
+              <a:ext uri="{28A0092B-C50C-407E-A947-70E740481C1C}">
+                <a14:useLocalDpi xmlns:a14="http://schemas.microsoft.com/office/drawing/2010/main" val="0"/>
+              </a:ext>
+            </a:extLst>
+          </a:blip>
+          <a:stretch>
+            <a:fillRect/>
+          </a:stretch>
+        </p:blipFill>
+        <p:spPr>
+          <a:xfrm>
+            <a:off x="1483216" y="2312127"/>
+            <a:ext cx="9225568" cy="2844550"/>
+          </a:xfrm>
+        </p:spPr>
+      </p:pic>
+    </p:spTree>
+    <p:extLst>
+      <p:ext uri="{BB962C8B-B14F-4D97-AF65-F5344CB8AC3E}">
+        <p14:creationId xmlns:p14="http://schemas.microsoft.com/office/powerpoint/2010/main" val="618646728"/>
+      </p:ext>
+    </p:extLst>
+  </p:cSld>
+  <p:clrMapOvr>
+    <a:masterClrMapping/>
+  </p:clrMapOvr>
+</p:sld>
+</file>
+
+<file path=ppt/slides/slide18.xml><?xml version="1.0" encoding="utf-8"?>
+<p:sld xmlns:a="http://schemas.openxmlformats.org/drawingml/2006/main" xmlns:r="http://schemas.openxmlformats.org/officeDocument/2006/relationships" xmlns:p="http://schemas.openxmlformats.org/presentationml/2006/main">
+  <p:cSld>
+    <p:spTree>
+      <p:nvGrpSpPr>
+        <p:cNvPr id="1" name=""/>
+        <p:cNvGrpSpPr/>
+        <p:nvPr/>
+      </p:nvGrpSpPr>
+      <p:grpSpPr>
+        <a:xfrm>
+          <a:off x="0" y="0"/>
+          <a:ext cx="0" cy="0"/>
+          <a:chOff x="0" y="0"/>
+          <a:chExt cx="0" cy="0"/>
+        </a:xfrm>
+      </p:grpSpPr>
+      <p:sp>
+        <p:nvSpPr>
+          <p:cNvPr id="2" name="标题 1">
+            <a:extLst>
+              <a:ext uri="{FF2B5EF4-FFF2-40B4-BE49-F238E27FC236}">
+                <a16:creationId xmlns:a16="http://schemas.microsoft.com/office/drawing/2014/main" id="{6319E19F-44AF-4C67-AE1B-E6729479D102}"/>
+              </a:ext>
+            </a:extLst>
+          </p:cNvPr>
+          <p:cNvSpPr>
+            <a:spLocks noGrp="1"/>
+          </p:cNvSpPr>
+          <p:nvPr>
+            <p:ph type="title"/>
+          </p:nvPr>
+        </p:nvSpPr>
+        <p:spPr/>
+        <p:txBody>
+          <a:bodyPr/>
+          <a:lstStyle/>
+          <a:p>
+            <a:r>
+              <a:rPr lang="zh-CN" altLang="en-US" dirty="0"/>
+              <a:t>角色</a:t>
+            </a:r>
+          </a:p>
+        </p:txBody>
+      </p:sp>
+      <p:pic>
+        <p:nvPicPr>
+          <p:cNvPr id="5" name="内容占位符 4">
+            <a:extLst>
+              <a:ext uri="{FF2B5EF4-FFF2-40B4-BE49-F238E27FC236}">
+                <a16:creationId xmlns:a16="http://schemas.microsoft.com/office/drawing/2014/main" id="{19559142-90AC-491C-93FF-BBCFBE3E9C00}"/>
+              </a:ext>
+            </a:extLst>
+          </p:cNvPr>
+          <p:cNvPicPr>
+            <a:picLocks noGrp="1" noChangeAspect="1"/>
+          </p:cNvPicPr>
+          <p:nvPr>
+            <p:ph idx="1"/>
+          </p:nvPr>
+        </p:nvPicPr>
+        <p:blipFill>
+          <a:blip r:embed="rId2">
+            <a:extLst>
+              <a:ext uri="{28A0092B-C50C-407E-A947-70E740481C1C}">
+                <a14:useLocalDpi xmlns:a14="http://schemas.microsoft.com/office/drawing/2010/main" val="0"/>
+              </a:ext>
+            </a:extLst>
+          </a:blip>
+          <a:stretch>
+            <a:fillRect/>
+          </a:stretch>
+        </p:blipFill>
+        <p:spPr>
+          <a:xfrm>
+            <a:off x="2785600" y="1910264"/>
+            <a:ext cx="6620799" cy="4182059"/>
+          </a:xfrm>
+        </p:spPr>
+      </p:pic>
+    </p:spTree>
+    <p:extLst>
+      <p:ext uri="{BB962C8B-B14F-4D97-AF65-F5344CB8AC3E}">
+        <p14:creationId xmlns:p14="http://schemas.microsoft.com/office/powerpoint/2010/main" val="392673341"/>
+      </p:ext>
+    </p:extLst>
+  </p:cSld>
+  <p:clrMapOvr>
+    <a:masterClrMapping/>
+  </p:clrMapOvr>
+</p:sld>
+</file>
+
+<file path=ppt/slides/slide19.xml><?xml version="1.0" encoding="utf-8"?>
+<p:sld xmlns:a="http://schemas.openxmlformats.org/drawingml/2006/main" xmlns:r="http://schemas.openxmlformats.org/officeDocument/2006/relationships" xmlns:p="http://schemas.openxmlformats.org/presentationml/2006/main">
+  <p:cSld>
+    <p:spTree>
+      <p:nvGrpSpPr>
+        <p:cNvPr id="1" name=""/>
+        <p:cNvGrpSpPr/>
+        <p:nvPr/>
+      </p:nvGrpSpPr>
+      <p:grpSpPr>
+        <a:xfrm>
+          <a:off x="0" y="0"/>
+          <a:ext cx="0" cy="0"/>
+          <a:chOff x="0" y="0"/>
+          <a:chExt cx="0" cy="0"/>
+        </a:xfrm>
+      </p:grpSpPr>
+      <p:sp>
+        <p:nvSpPr>
+          <p:cNvPr id="2" name="标题 1">
+            <a:extLst>
+              <a:ext uri="{FF2B5EF4-FFF2-40B4-BE49-F238E27FC236}">
+                <a16:creationId xmlns:a16="http://schemas.microsoft.com/office/drawing/2014/main" id="{1984845D-D513-4A76-813B-38DAFBE08DC7}"/>
+              </a:ext>
+            </a:extLst>
+          </p:cNvPr>
+          <p:cNvSpPr>
+            <a:spLocks noGrp="1"/>
+          </p:cNvSpPr>
+          <p:nvPr>
+            <p:ph type="title"/>
+          </p:nvPr>
+        </p:nvSpPr>
+        <p:spPr/>
+        <p:txBody>
+          <a:bodyPr/>
+          <a:lstStyle/>
+          <a:p>
+            <a:r>
+              <a:rPr lang="en-US" altLang="zh-CN" dirty="0"/>
+              <a:t>Leader</a:t>
+            </a:r>
+            <a:endParaRPr lang="zh-CN" altLang="en-US" dirty="0"/>
+          </a:p>
+        </p:txBody>
+      </p:sp>
+      <p:sp>
+        <p:nvSpPr>
+          <p:cNvPr id="3" name="内容占位符 2">
+            <a:extLst>
+              <a:ext uri="{FF2B5EF4-FFF2-40B4-BE49-F238E27FC236}">
+                <a16:creationId xmlns:a16="http://schemas.microsoft.com/office/drawing/2014/main" id="{DFE70ABA-2562-4AFD-B689-D4397CFAFA7E}"/>
+              </a:ext>
+            </a:extLst>
+          </p:cNvPr>
+          <p:cNvSpPr>
+            <a:spLocks noGrp="1"/>
+          </p:cNvSpPr>
+          <p:nvPr>
+            <p:ph idx="1"/>
+          </p:nvPr>
+        </p:nvSpPr>
+        <p:spPr/>
+        <p:txBody>
+          <a:bodyPr/>
+          <a:lstStyle/>
+          <a:p>
+            <a:pPr marL="0" indent="0">
+              <a:buNone/>
+            </a:pPr>
+            <a:r>
+              <a:rPr lang="en-US" altLang="zh-CN" dirty="0"/>
+              <a:t>	Leader</a:t>
+            </a:r>
+            <a:r>
+              <a:rPr lang="zh-CN" altLang="en-US" dirty="0"/>
+              <a:t>作为整个</a:t>
+            </a:r>
+            <a:r>
+              <a:rPr lang="en-US" altLang="zh-CN" dirty="0" err="1"/>
+              <a:t>ZooKeeper</a:t>
+            </a:r>
+            <a:r>
+              <a:rPr lang="zh-CN" altLang="en-US" dirty="0"/>
+              <a:t>集群的主节点，负责响应所有对</a:t>
+            </a:r>
+            <a:r>
+              <a:rPr lang="en-US" altLang="zh-CN" dirty="0" err="1"/>
+              <a:t>ZooKeeper</a:t>
+            </a:r>
+            <a:r>
+              <a:rPr lang="zh-CN" altLang="en-US" dirty="0"/>
+              <a:t>状态变更的请求。它会将每个状态更新请求进行排序和编号，以便保证整个集群内部消息处理的</a:t>
+            </a:r>
+            <a:r>
+              <a:rPr lang="en-US" altLang="zh-CN" dirty="0"/>
+              <a:t>FIFO</a:t>
+            </a:r>
+            <a:r>
+              <a:rPr lang="zh-CN" altLang="en-US" dirty="0"/>
+              <a:t>。</a:t>
+            </a:r>
+          </a:p>
+          <a:p>
+            <a:pPr marL="0" indent="0">
+              <a:buNone/>
+            </a:pPr>
+            <a:endParaRPr lang="zh-CN" altLang="en-US" dirty="0"/>
+          </a:p>
+        </p:txBody>
+      </p:sp>
+    </p:spTree>
+    <p:extLst>
+      <p:ext uri="{BB962C8B-B14F-4D97-AF65-F5344CB8AC3E}">
+        <p14:creationId xmlns:p14="http://schemas.microsoft.com/office/powerpoint/2010/main" val="2639750782"/>
       </p:ext>
     </p:extLst>
   </p:cSld>
@@ -3708,16 +4691,21 @@
           <a:lstStyle/>
           <a:p>
             <a:r>
-              <a:rPr lang="zh-CN" altLang="en-US" dirty="0" smtClean="0"/>
-              <a:t>单机应用</a:t>
-            </a:r>
-            <a:endParaRPr lang="zh-CN" altLang="en-US" dirty="0"/>
+              <a:rPr lang="zh-CN" altLang="en-US" dirty="0"/>
+              <a:t>任务计算</a:t>
+            </a:r>
           </a:p>
         </p:txBody>
       </p:sp>
       <p:pic>
         <p:nvPicPr>
-          <p:cNvPr id="4" name="内容占位符 3"/>
+          <p:cNvPr id="9" name="内容占位符 8">
+            <a:extLst>
+              <a:ext uri="{FF2B5EF4-FFF2-40B4-BE49-F238E27FC236}">
+                <a16:creationId xmlns:a16="http://schemas.microsoft.com/office/drawing/2014/main" id="{612E170D-8BD0-446E-855C-4D1DC540DE69}"/>
+              </a:ext>
+            </a:extLst>
+          </p:cNvPr>
           <p:cNvPicPr>
             <a:picLocks noGrp="1" noChangeAspect="1"/>
           </p:cNvPicPr>
@@ -3739,8 +4727,8 @@
         </p:blipFill>
         <p:spPr>
           <a:xfrm>
-            <a:off x="1662112" y="2520156"/>
-            <a:ext cx="8867775" cy="2962275"/>
+            <a:off x="4514850" y="2329656"/>
+            <a:ext cx="3162300" cy="3343275"/>
           </a:xfrm>
         </p:spPr>
       </p:pic>
@@ -3748,6 +4736,771 @@
     <p:extLst>
       <p:ext uri="{BB962C8B-B14F-4D97-AF65-F5344CB8AC3E}">
         <p14:creationId xmlns:p14="http://schemas.microsoft.com/office/powerpoint/2010/main" val="1212023595"/>
+      </p:ext>
+    </p:extLst>
+  </p:cSld>
+  <p:clrMapOvr>
+    <a:masterClrMapping/>
+  </p:clrMapOvr>
+</p:sld>
+</file>
+
+<file path=ppt/slides/slide20.xml><?xml version="1.0" encoding="utf-8"?>
+<p:sld xmlns:a="http://schemas.openxmlformats.org/drawingml/2006/main" xmlns:r="http://schemas.openxmlformats.org/officeDocument/2006/relationships" xmlns:p="http://schemas.openxmlformats.org/presentationml/2006/main">
+  <p:cSld>
+    <p:spTree>
+      <p:nvGrpSpPr>
+        <p:cNvPr id="1" name=""/>
+        <p:cNvGrpSpPr/>
+        <p:nvPr/>
+      </p:nvGrpSpPr>
+      <p:grpSpPr>
+        <a:xfrm>
+          <a:off x="0" y="0"/>
+          <a:ext cx="0" cy="0"/>
+          <a:chOff x="0" y="0"/>
+          <a:chExt cx="0" cy="0"/>
+        </a:xfrm>
+      </p:grpSpPr>
+      <p:sp>
+        <p:nvSpPr>
+          <p:cNvPr id="2" name="标题 1">
+            <a:extLst>
+              <a:ext uri="{FF2B5EF4-FFF2-40B4-BE49-F238E27FC236}">
+                <a16:creationId xmlns:a16="http://schemas.microsoft.com/office/drawing/2014/main" id="{BA376285-25E6-4386-9F04-FE22B850067F}"/>
+              </a:ext>
+            </a:extLst>
+          </p:cNvPr>
+          <p:cNvSpPr>
+            <a:spLocks noGrp="1"/>
+          </p:cNvSpPr>
+          <p:nvPr>
+            <p:ph type="title"/>
+          </p:nvPr>
+        </p:nvSpPr>
+        <p:spPr/>
+        <p:txBody>
+          <a:bodyPr/>
+          <a:lstStyle/>
+          <a:p>
+            <a:r>
+              <a:rPr lang="en-US" altLang="zh-CN" dirty="0"/>
+              <a:t>Follower</a:t>
+            </a:r>
+            <a:endParaRPr lang="zh-CN" altLang="en-US" dirty="0"/>
+          </a:p>
+        </p:txBody>
+      </p:sp>
+      <p:sp>
+        <p:nvSpPr>
+          <p:cNvPr id="3" name="内容占位符 2">
+            <a:extLst>
+              <a:ext uri="{FF2B5EF4-FFF2-40B4-BE49-F238E27FC236}">
+                <a16:creationId xmlns:a16="http://schemas.microsoft.com/office/drawing/2014/main" id="{2ECDBB47-D5A5-4352-81E9-EF5EB98E860B}"/>
+              </a:ext>
+            </a:extLst>
+          </p:cNvPr>
+          <p:cNvSpPr>
+            <a:spLocks noGrp="1"/>
+          </p:cNvSpPr>
+          <p:nvPr>
+            <p:ph idx="1"/>
+          </p:nvPr>
+        </p:nvSpPr>
+        <p:spPr/>
+        <p:txBody>
+          <a:bodyPr/>
+          <a:lstStyle/>
+          <a:p>
+            <a:pPr marL="0" indent="0">
+              <a:buNone/>
+            </a:pPr>
+            <a:r>
+              <a:rPr lang="en-US" altLang="zh-CN" dirty="0"/>
+              <a:t>	Follower</a:t>
+            </a:r>
+            <a:r>
+              <a:rPr lang="zh-CN" altLang="en-US" dirty="0"/>
+              <a:t>主要是响应本服务器上的读请求外，另外</a:t>
+            </a:r>
+            <a:r>
+              <a:rPr lang="en-US" altLang="zh-CN" dirty="0"/>
+              <a:t>follower</a:t>
+            </a:r>
+            <a:r>
+              <a:rPr lang="zh-CN" altLang="en-US" dirty="0"/>
+              <a:t>还要处理</a:t>
+            </a:r>
+            <a:r>
+              <a:rPr lang="en-US" altLang="zh-CN" dirty="0"/>
+              <a:t>leader</a:t>
+            </a:r>
+            <a:r>
+              <a:rPr lang="zh-CN" altLang="en-US" dirty="0"/>
+              <a:t>的提议，并在</a:t>
+            </a:r>
+            <a:r>
+              <a:rPr lang="en-US" altLang="zh-CN" dirty="0"/>
+              <a:t>leader</a:t>
+            </a:r>
+            <a:r>
+              <a:rPr lang="zh-CN" altLang="en-US" dirty="0"/>
+              <a:t>提交该提议时在本地也进行提交。另外需要注意的是，</a:t>
+            </a:r>
+            <a:r>
+              <a:rPr lang="en-US" altLang="zh-CN" dirty="0"/>
+              <a:t>leader</a:t>
+            </a:r>
+            <a:r>
+              <a:rPr lang="zh-CN" altLang="en-US" dirty="0"/>
+              <a:t>和</a:t>
+            </a:r>
+            <a:r>
+              <a:rPr lang="en-US" altLang="zh-CN" dirty="0"/>
+              <a:t>follower</a:t>
+            </a:r>
+            <a:r>
+              <a:rPr lang="zh-CN" altLang="en-US" dirty="0"/>
+              <a:t>构成</a:t>
+            </a:r>
+            <a:r>
+              <a:rPr lang="en-US" altLang="zh-CN" dirty="0" err="1"/>
+              <a:t>ZooKeeper</a:t>
+            </a:r>
+            <a:r>
+              <a:rPr lang="zh-CN" altLang="en-US" dirty="0"/>
+              <a:t>集群的法定人数，也就是说，只有他们才参与新</a:t>
+            </a:r>
+            <a:r>
+              <a:rPr lang="en-US" altLang="zh-CN" dirty="0"/>
+              <a:t>leader</a:t>
+            </a:r>
+            <a:r>
+              <a:rPr lang="zh-CN" altLang="en-US" dirty="0"/>
+              <a:t>的选举、响应</a:t>
+            </a:r>
+            <a:r>
+              <a:rPr lang="en-US" altLang="zh-CN" dirty="0"/>
+              <a:t>leader</a:t>
+            </a:r>
+            <a:r>
+              <a:rPr lang="zh-CN" altLang="en-US" dirty="0"/>
+              <a:t>的提议。</a:t>
+            </a:r>
+          </a:p>
+          <a:p>
+            <a:pPr marL="0" indent="0">
+              <a:buNone/>
+            </a:pPr>
+            <a:endParaRPr lang="zh-CN" altLang="en-US" dirty="0"/>
+          </a:p>
+        </p:txBody>
+      </p:sp>
+    </p:spTree>
+    <p:extLst>
+      <p:ext uri="{BB962C8B-B14F-4D97-AF65-F5344CB8AC3E}">
+        <p14:creationId xmlns:p14="http://schemas.microsoft.com/office/powerpoint/2010/main" val="3451986754"/>
+      </p:ext>
+    </p:extLst>
+  </p:cSld>
+  <p:clrMapOvr>
+    <a:masterClrMapping/>
+  </p:clrMapOvr>
+</p:sld>
+</file>
+
+<file path=ppt/slides/slide21.xml><?xml version="1.0" encoding="utf-8"?>
+<p:sld xmlns:a="http://schemas.openxmlformats.org/drawingml/2006/main" xmlns:r="http://schemas.openxmlformats.org/officeDocument/2006/relationships" xmlns:p="http://schemas.openxmlformats.org/presentationml/2006/main">
+  <p:cSld>
+    <p:spTree>
+      <p:nvGrpSpPr>
+        <p:cNvPr id="1" name=""/>
+        <p:cNvGrpSpPr/>
+        <p:nvPr/>
+      </p:nvGrpSpPr>
+      <p:grpSpPr>
+        <a:xfrm>
+          <a:off x="0" y="0"/>
+          <a:ext cx="0" cy="0"/>
+          <a:chOff x="0" y="0"/>
+          <a:chExt cx="0" cy="0"/>
+        </a:xfrm>
+      </p:grpSpPr>
+      <p:sp>
+        <p:nvSpPr>
+          <p:cNvPr id="2" name="标题 1">
+            <a:extLst>
+              <a:ext uri="{FF2B5EF4-FFF2-40B4-BE49-F238E27FC236}">
+                <a16:creationId xmlns:a16="http://schemas.microsoft.com/office/drawing/2014/main" id="{C0A5E2B8-53D2-4882-89DF-563A79FB22F6}"/>
+              </a:ext>
+            </a:extLst>
+          </p:cNvPr>
+          <p:cNvSpPr>
+            <a:spLocks noGrp="1"/>
+          </p:cNvSpPr>
+          <p:nvPr>
+            <p:ph type="title"/>
+          </p:nvPr>
+        </p:nvSpPr>
+        <p:spPr/>
+        <p:txBody>
+          <a:bodyPr/>
+          <a:lstStyle/>
+          <a:p>
+            <a:r>
+              <a:rPr lang="en-US" altLang="zh-CN" dirty="0"/>
+              <a:t>Observe</a:t>
+            </a:r>
+            <a:endParaRPr lang="zh-CN" altLang="en-US" dirty="0"/>
+          </a:p>
+        </p:txBody>
+      </p:sp>
+      <p:sp>
+        <p:nvSpPr>
+          <p:cNvPr id="3" name="内容占位符 2">
+            <a:extLst>
+              <a:ext uri="{FF2B5EF4-FFF2-40B4-BE49-F238E27FC236}">
+                <a16:creationId xmlns:a16="http://schemas.microsoft.com/office/drawing/2014/main" id="{9B2367EF-9438-4BFF-870D-412FF2A17AB2}"/>
+              </a:ext>
+            </a:extLst>
+          </p:cNvPr>
+          <p:cNvSpPr>
+            <a:spLocks noGrp="1"/>
+          </p:cNvSpPr>
+          <p:nvPr>
+            <p:ph idx="1"/>
+          </p:nvPr>
+        </p:nvSpPr>
+        <p:spPr/>
+        <p:txBody>
+          <a:bodyPr/>
+          <a:lstStyle/>
+          <a:p>
+            <a:pPr marL="0" indent="0">
+              <a:buNone/>
+            </a:pPr>
+            <a:r>
+              <a:rPr lang="en-US" altLang="zh-CN" dirty="0"/>
+              <a:t>	</a:t>
+            </a:r>
+            <a:r>
+              <a:rPr lang="zh-CN" altLang="en-US" dirty="0"/>
+              <a:t>为客户端提供读服务器，如果是写服务则转发给</a:t>
+            </a:r>
+            <a:r>
+              <a:rPr lang="en-US" altLang="zh-CN" dirty="0"/>
+              <a:t>Leader</a:t>
+            </a:r>
+            <a:r>
+              <a:rPr lang="zh-CN" altLang="en-US" dirty="0"/>
+              <a:t>。不参与选举过程中的投票，也不参与“过半写成功”策略。在不影响写性能的情况下提升集群的读性能。</a:t>
+            </a:r>
+          </a:p>
+          <a:p>
+            <a:pPr marL="0" indent="0">
+              <a:buNone/>
+            </a:pPr>
+            <a:endParaRPr lang="zh-CN" altLang="en-US" dirty="0"/>
+          </a:p>
+        </p:txBody>
+      </p:sp>
+    </p:spTree>
+    <p:extLst>
+      <p:ext uri="{BB962C8B-B14F-4D97-AF65-F5344CB8AC3E}">
+        <p14:creationId xmlns:p14="http://schemas.microsoft.com/office/powerpoint/2010/main" val="4135364076"/>
+      </p:ext>
+    </p:extLst>
+  </p:cSld>
+  <p:clrMapOvr>
+    <a:masterClrMapping/>
+  </p:clrMapOvr>
+</p:sld>
+</file>
+
+<file path=ppt/slides/slide22.xml><?xml version="1.0" encoding="utf-8"?>
+<p:sld xmlns:a="http://schemas.openxmlformats.org/drawingml/2006/main" xmlns:r="http://schemas.openxmlformats.org/officeDocument/2006/relationships" xmlns:p="http://schemas.openxmlformats.org/presentationml/2006/main">
+  <p:cSld>
+    <p:spTree>
+      <p:nvGrpSpPr>
+        <p:cNvPr id="1" name=""/>
+        <p:cNvGrpSpPr/>
+        <p:nvPr/>
+      </p:nvGrpSpPr>
+      <p:grpSpPr>
+        <a:xfrm>
+          <a:off x="0" y="0"/>
+          <a:ext cx="0" cy="0"/>
+          <a:chOff x="0" y="0"/>
+          <a:chExt cx="0" cy="0"/>
+        </a:xfrm>
+      </p:grpSpPr>
+      <p:sp>
+        <p:nvSpPr>
+          <p:cNvPr id="2" name="标题 1">
+            <a:extLst>
+              <a:ext uri="{FF2B5EF4-FFF2-40B4-BE49-F238E27FC236}">
+                <a16:creationId xmlns:a16="http://schemas.microsoft.com/office/drawing/2014/main" id="{C5EA2378-1760-4069-BAC4-6F0250E51EC7}"/>
+              </a:ext>
+            </a:extLst>
+          </p:cNvPr>
+          <p:cNvSpPr>
+            <a:spLocks noGrp="1"/>
+          </p:cNvSpPr>
+          <p:nvPr>
+            <p:ph type="title"/>
+          </p:nvPr>
+        </p:nvSpPr>
+        <p:spPr/>
+        <p:txBody>
+          <a:bodyPr/>
+          <a:lstStyle/>
+          <a:p>
+            <a:r>
+              <a:rPr lang="en-US" altLang="zh-CN" dirty="0"/>
+              <a:t>client</a:t>
+            </a:r>
+            <a:endParaRPr lang="zh-CN" altLang="en-US" dirty="0"/>
+          </a:p>
+        </p:txBody>
+      </p:sp>
+      <p:sp>
+        <p:nvSpPr>
+          <p:cNvPr id="3" name="内容占位符 2">
+            <a:extLst>
+              <a:ext uri="{FF2B5EF4-FFF2-40B4-BE49-F238E27FC236}">
+                <a16:creationId xmlns:a16="http://schemas.microsoft.com/office/drawing/2014/main" id="{56C5EA89-C47F-4485-A327-F49B2B92F417}"/>
+              </a:ext>
+            </a:extLst>
+          </p:cNvPr>
+          <p:cNvSpPr>
+            <a:spLocks noGrp="1"/>
+          </p:cNvSpPr>
+          <p:nvPr>
+            <p:ph idx="1"/>
+          </p:nvPr>
+        </p:nvSpPr>
+        <p:spPr/>
+        <p:txBody>
+          <a:bodyPr/>
+          <a:lstStyle/>
+          <a:p>
+            <a:pPr marL="0" indent="0">
+              <a:buNone/>
+            </a:pPr>
+            <a:r>
+              <a:rPr lang="en-US" altLang="zh-CN" dirty="0"/>
+              <a:t>	</a:t>
+            </a:r>
+            <a:r>
+              <a:rPr lang="zh-CN" altLang="en-US" dirty="0"/>
+              <a:t>连接</a:t>
+            </a:r>
+            <a:r>
+              <a:rPr lang="en-US" altLang="zh-CN" dirty="0"/>
+              <a:t>zookeeper</a:t>
+            </a:r>
+            <a:r>
+              <a:rPr lang="zh-CN" altLang="en-US" dirty="0"/>
+              <a:t>服务器的使用着，请求的发起者。独立于</a:t>
+            </a:r>
+            <a:r>
+              <a:rPr lang="en-US" altLang="zh-CN" dirty="0"/>
+              <a:t>zookeeper</a:t>
+            </a:r>
+            <a:r>
+              <a:rPr lang="zh-CN" altLang="en-US" dirty="0"/>
+              <a:t>服务器集群之外的角色。</a:t>
+            </a:r>
+          </a:p>
+          <a:p>
+            <a:pPr marL="0" indent="0">
+              <a:buNone/>
+            </a:pPr>
+            <a:endParaRPr lang="zh-CN" altLang="en-US" dirty="0"/>
+          </a:p>
+        </p:txBody>
+      </p:sp>
+    </p:spTree>
+    <p:extLst>
+      <p:ext uri="{BB962C8B-B14F-4D97-AF65-F5344CB8AC3E}">
+        <p14:creationId xmlns:p14="http://schemas.microsoft.com/office/powerpoint/2010/main" val="3652754791"/>
+      </p:ext>
+    </p:extLst>
+  </p:cSld>
+  <p:clrMapOvr>
+    <a:masterClrMapping/>
+  </p:clrMapOvr>
+</p:sld>
+</file>
+
+<file path=ppt/slides/slide23.xml><?xml version="1.0" encoding="utf-8"?>
+<p:sld xmlns:a="http://schemas.openxmlformats.org/drawingml/2006/main" xmlns:r="http://schemas.openxmlformats.org/officeDocument/2006/relationships" xmlns:p="http://schemas.openxmlformats.org/presentationml/2006/main">
+  <p:cSld>
+    <p:spTree>
+      <p:nvGrpSpPr>
+        <p:cNvPr id="1" name=""/>
+        <p:cNvGrpSpPr/>
+        <p:nvPr/>
+      </p:nvGrpSpPr>
+      <p:grpSpPr>
+        <a:xfrm>
+          <a:off x="0" y="0"/>
+          <a:ext cx="0" cy="0"/>
+          <a:chOff x="0" y="0"/>
+          <a:chExt cx="0" cy="0"/>
+        </a:xfrm>
+      </p:grpSpPr>
+      <p:sp>
+        <p:nvSpPr>
+          <p:cNvPr id="2" name="标题 1">
+            <a:extLst>
+              <a:ext uri="{FF2B5EF4-FFF2-40B4-BE49-F238E27FC236}">
+                <a16:creationId xmlns:a16="http://schemas.microsoft.com/office/drawing/2014/main" id="{57963749-BEB7-4371-B9AE-AA4ECE700AD3}"/>
+              </a:ext>
+            </a:extLst>
+          </p:cNvPr>
+          <p:cNvSpPr>
+            <a:spLocks noGrp="1"/>
+          </p:cNvSpPr>
+          <p:nvPr>
+            <p:ph type="title"/>
+          </p:nvPr>
+        </p:nvSpPr>
+        <p:spPr/>
+        <p:txBody>
+          <a:bodyPr/>
+          <a:lstStyle/>
+          <a:p>
+            <a:r>
+              <a:rPr lang="zh-CN" altLang="en-US" dirty="0"/>
+              <a:t>数据模型</a:t>
+            </a:r>
+            <a:r>
+              <a:rPr lang="en-US" altLang="zh-CN" dirty="0" err="1"/>
+              <a:t>znode</a:t>
+            </a:r>
+            <a:endParaRPr lang="zh-CN" altLang="en-US" dirty="0"/>
+          </a:p>
+        </p:txBody>
+      </p:sp>
+      <p:pic>
+        <p:nvPicPr>
+          <p:cNvPr id="5" name="内容占位符 4">
+            <a:extLst>
+              <a:ext uri="{FF2B5EF4-FFF2-40B4-BE49-F238E27FC236}">
+                <a16:creationId xmlns:a16="http://schemas.microsoft.com/office/drawing/2014/main" id="{595DC633-2027-4905-BB74-F0442DC55853}"/>
+              </a:ext>
+            </a:extLst>
+          </p:cNvPr>
+          <p:cNvPicPr>
+            <a:picLocks noGrp="1" noChangeAspect="1"/>
+          </p:cNvPicPr>
+          <p:nvPr>
+            <p:ph idx="1"/>
+          </p:nvPr>
+        </p:nvPicPr>
+        <p:blipFill>
+          <a:blip r:embed="rId2">
+            <a:extLst>
+              <a:ext uri="{28A0092B-C50C-407E-A947-70E740481C1C}">
+                <a14:useLocalDpi xmlns:a14="http://schemas.microsoft.com/office/drawing/2010/main" val="0"/>
+              </a:ext>
+            </a:extLst>
+          </a:blip>
+          <a:stretch>
+            <a:fillRect/>
+          </a:stretch>
+        </p:blipFill>
+        <p:spPr>
+          <a:xfrm>
+            <a:off x="3775714" y="2547257"/>
+            <a:ext cx="4640572" cy="2656255"/>
+          </a:xfrm>
+        </p:spPr>
+      </p:pic>
+    </p:spTree>
+    <p:extLst>
+      <p:ext uri="{BB962C8B-B14F-4D97-AF65-F5344CB8AC3E}">
+        <p14:creationId xmlns:p14="http://schemas.microsoft.com/office/powerpoint/2010/main" val="2495448445"/>
+      </p:ext>
+    </p:extLst>
+  </p:cSld>
+  <p:clrMapOvr>
+    <a:masterClrMapping/>
+  </p:clrMapOvr>
+</p:sld>
+</file>
+
+<file path=ppt/slides/slide24.xml><?xml version="1.0" encoding="utf-8"?>
+<p:sld xmlns:a="http://schemas.openxmlformats.org/drawingml/2006/main" xmlns:r="http://schemas.openxmlformats.org/officeDocument/2006/relationships" xmlns:p="http://schemas.openxmlformats.org/presentationml/2006/main">
+  <p:cSld>
+    <p:spTree>
+      <p:nvGrpSpPr>
+        <p:cNvPr id="1" name=""/>
+        <p:cNvGrpSpPr/>
+        <p:nvPr/>
+      </p:nvGrpSpPr>
+      <p:grpSpPr>
+        <a:xfrm>
+          <a:off x="0" y="0"/>
+          <a:ext cx="0" cy="0"/>
+          <a:chOff x="0" y="0"/>
+          <a:chExt cx="0" cy="0"/>
+        </a:xfrm>
+      </p:grpSpPr>
+      <p:sp>
+        <p:nvSpPr>
+          <p:cNvPr id="2" name="标题 1">
+            <a:extLst>
+              <a:ext uri="{FF2B5EF4-FFF2-40B4-BE49-F238E27FC236}">
+                <a16:creationId xmlns:a16="http://schemas.microsoft.com/office/drawing/2014/main" id="{6BAEB0BF-A2A3-4BFF-BE07-C23EBCE0EE38}"/>
+              </a:ext>
+            </a:extLst>
+          </p:cNvPr>
+          <p:cNvSpPr>
+            <a:spLocks noGrp="1"/>
+          </p:cNvSpPr>
+          <p:nvPr>
+            <p:ph type="title"/>
+          </p:nvPr>
+        </p:nvSpPr>
+        <p:spPr/>
+        <p:txBody>
+          <a:bodyPr/>
+          <a:lstStyle/>
+          <a:p>
+            <a:r>
+              <a:rPr lang="en-US" altLang="zh-CN" dirty="0"/>
+              <a:t>client</a:t>
+            </a:r>
+            <a:r>
+              <a:rPr lang="zh-CN" altLang="en-US" dirty="0"/>
+              <a:t>读写操作</a:t>
+            </a:r>
+          </a:p>
+        </p:txBody>
+      </p:sp>
+      <p:pic>
+        <p:nvPicPr>
+          <p:cNvPr id="5" name="内容占位符 4">
+            <a:extLst>
+              <a:ext uri="{FF2B5EF4-FFF2-40B4-BE49-F238E27FC236}">
+                <a16:creationId xmlns:a16="http://schemas.microsoft.com/office/drawing/2014/main" id="{D4FE4C66-1831-4B06-9FAB-0FF882552EBA}"/>
+              </a:ext>
+            </a:extLst>
+          </p:cNvPr>
+          <p:cNvPicPr>
+            <a:picLocks noGrp="1" noChangeAspect="1"/>
+          </p:cNvPicPr>
+          <p:nvPr>
+            <p:ph idx="1"/>
+          </p:nvPr>
+        </p:nvPicPr>
+        <p:blipFill>
+          <a:blip r:embed="rId2">
+            <a:extLst>
+              <a:ext uri="{28A0092B-C50C-407E-A947-70E740481C1C}">
+                <a14:useLocalDpi xmlns:a14="http://schemas.microsoft.com/office/drawing/2010/main" val="0"/>
+              </a:ext>
+            </a:extLst>
+          </a:blip>
+          <a:stretch>
+            <a:fillRect/>
+          </a:stretch>
+        </p:blipFill>
+        <p:spPr>
+          <a:xfrm>
+            <a:off x="1439973" y="1825625"/>
+            <a:ext cx="9312053" cy="4351338"/>
+          </a:xfrm>
+        </p:spPr>
+      </p:pic>
+    </p:spTree>
+    <p:extLst>
+      <p:ext uri="{BB962C8B-B14F-4D97-AF65-F5344CB8AC3E}">
+        <p14:creationId xmlns:p14="http://schemas.microsoft.com/office/powerpoint/2010/main" val="212699162"/>
+      </p:ext>
+    </p:extLst>
+  </p:cSld>
+  <p:clrMapOvr>
+    <a:masterClrMapping/>
+  </p:clrMapOvr>
+</p:sld>
+</file>
+
+<file path=ppt/slides/slide25.xml><?xml version="1.0" encoding="utf-8"?>
+<p:sld xmlns:a="http://schemas.openxmlformats.org/drawingml/2006/main" xmlns:r="http://schemas.openxmlformats.org/officeDocument/2006/relationships" xmlns:p="http://schemas.openxmlformats.org/presentationml/2006/main">
+  <p:cSld>
+    <p:spTree>
+      <p:nvGrpSpPr>
+        <p:cNvPr id="1" name=""/>
+        <p:cNvGrpSpPr/>
+        <p:nvPr/>
+      </p:nvGrpSpPr>
+      <p:grpSpPr>
+        <a:xfrm>
+          <a:off x="0" y="0"/>
+          <a:ext cx="0" cy="0"/>
+          <a:chOff x="0" y="0"/>
+          <a:chExt cx="0" cy="0"/>
+        </a:xfrm>
+      </p:grpSpPr>
+      <p:sp>
+        <p:nvSpPr>
+          <p:cNvPr id="2" name="标题 1">
+            <a:extLst>
+              <a:ext uri="{FF2B5EF4-FFF2-40B4-BE49-F238E27FC236}">
+                <a16:creationId xmlns:a16="http://schemas.microsoft.com/office/drawing/2014/main" id="{5DEBAE08-EBEB-4638-ACBE-FF05EFDCD0BE}"/>
+              </a:ext>
+            </a:extLst>
+          </p:cNvPr>
+          <p:cNvSpPr>
+            <a:spLocks noGrp="1"/>
+          </p:cNvSpPr>
+          <p:nvPr>
+            <p:ph type="title"/>
+          </p:nvPr>
+        </p:nvSpPr>
+        <p:spPr/>
+        <p:txBody>
+          <a:bodyPr/>
+          <a:lstStyle/>
+          <a:p>
+            <a:r>
+              <a:rPr lang="en-US" altLang="zh-CN" dirty="0"/>
+              <a:t>ZAB</a:t>
+            </a:r>
+            <a:r>
+              <a:rPr lang="zh-CN" altLang="en-US" dirty="0"/>
+              <a:t>协议</a:t>
+            </a:r>
+          </a:p>
+        </p:txBody>
+      </p:sp>
+      <p:sp>
+        <p:nvSpPr>
+          <p:cNvPr id="3" name="内容占位符 2">
+            <a:extLst>
+              <a:ext uri="{FF2B5EF4-FFF2-40B4-BE49-F238E27FC236}">
+                <a16:creationId xmlns:a16="http://schemas.microsoft.com/office/drawing/2014/main" id="{F6204558-D6E4-4CB9-A7E3-4FFA4100E9A7}"/>
+              </a:ext>
+            </a:extLst>
+          </p:cNvPr>
+          <p:cNvSpPr>
+            <a:spLocks noGrp="1"/>
+          </p:cNvSpPr>
+          <p:nvPr>
+            <p:ph idx="1"/>
+          </p:nvPr>
+        </p:nvSpPr>
+        <p:spPr/>
+        <p:txBody>
+          <a:bodyPr/>
+          <a:lstStyle/>
+          <a:p>
+            <a:r>
+              <a:rPr lang="zh-CN" altLang="en-US" dirty="0"/>
+              <a:t>* 崩溃恢复</a:t>
+            </a:r>
+          </a:p>
+          <a:p>
+            <a:r>
+              <a:rPr lang="zh-CN" altLang="en-US" dirty="0"/>
+              <a:t>* 原子广播</a:t>
+            </a:r>
+          </a:p>
+          <a:p>
+            <a:pPr marL="0" indent="0">
+              <a:buNone/>
+            </a:pPr>
+            <a:endParaRPr lang="zh-CN" altLang="en-US" dirty="0"/>
+          </a:p>
+        </p:txBody>
+      </p:sp>
+    </p:spTree>
+    <p:extLst>
+      <p:ext uri="{BB962C8B-B14F-4D97-AF65-F5344CB8AC3E}">
+        <p14:creationId xmlns:p14="http://schemas.microsoft.com/office/powerpoint/2010/main" val="5900919"/>
+      </p:ext>
+    </p:extLst>
+  </p:cSld>
+  <p:clrMapOvr>
+    <a:masterClrMapping/>
+  </p:clrMapOvr>
+</p:sld>
+</file>
+
+<file path=ppt/slides/slide26.xml><?xml version="1.0" encoding="utf-8"?>
+<p:sld xmlns:a="http://schemas.openxmlformats.org/drawingml/2006/main" xmlns:r="http://schemas.openxmlformats.org/officeDocument/2006/relationships" xmlns:p="http://schemas.openxmlformats.org/presentationml/2006/main">
+  <p:cSld>
+    <p:spTree>
+      <p:nvGrpSpPr>
+        <p:cNvPr id="1" name=""/>
+        <p:cNvGrpSpPr/>
+        <p:nvPr/>
+      </p:nvGrpSpPr>
+      <p:grpSpPr>
+        <a:xfrm>
+          <a:off x="0" y="0"/>
+          <a:ext cx="0" cy="0"/>
+          <a:chOff x="0" y="0"/>
+          <a:chExt cx="0" cy="0"/>
+        </a:xfrm>
+      </p:grpSpPr>
+      <p:sp>
+        <p:nvSpPr>
+          <p:cNvPr id="2" name="标题 1">
+            <a:extLst>
+              <a:ext uri="{FF2B5EF4-FFF2-40B4-BE49-F238E27FC236}">
+                <a16:creationId xmlns:a16="http://schemas.microsoft.com/office/drawing/2014/main" id="{074853D7-4AAA-4A7D-9313-278C5B91CC1C}"/>
+              </a:ext>
+            </a:extLst>
+          </p:cNvPr>
+          <p:cNvSpPr>
+            <a:spLocks noGrp="1"/>
+          </p:cNvSpPr>
+          <p:nvPr>
+            <p:ph type="title"/>
+          </p:nvPr>
+        </p:nvSpPr>
+        <p:spPr/>
+        <p:txBody>
+          <a:bodyPr/>
+          <a:lstStyle/>
+          <a:p>
+            <a:endParaRPr lang="zh-CN" altLang="en-US"/>
+          </a:p>
+        </p:txBody>
+      </p:sp>
+      <p:sp>
+        <p:nvSpPr>
+          <p:cNvPr id="3" name="内容占位符 2">
+            <a:extLst>
+              <a:ext uri="{FF2B5EF4-FFF2-40B4-BE49-F238E27FC236}">
+                <a16:creationId xmlns:a16="http://schemas.microsoft.com/office/drawing/2014/main" id="{BC850C91-01B1-4CB0-8096-D2500E9F8ACE}"/>
+              </a:ext>
+            </a:extLst>
+          </p:cNvPr>
+          <p:cNvSpPr>
+            <a:spLocks noGrp="1"/>
+          </p:cNvSpPr>
+          <p:nvPr>
+            <p:ph idx="1"/>
+          </p:nvPr>
+        </p:nvSpPr>
+        <p:spPr/>
+        <p:txBody>
+          <a:bodyPr/>
+          <a:lstStyle/>
+          <a:p>
+            <a:endParaRPr lang="zh-CN" altLang="en-US"/>
+          </a:p>
+        </p:txBody>
+      </p:sp>
+    </p:spTree>
+    <p:extLst>
+      <p:ext uri="{BB962C8B-B14F-4D97-AF65-F5344CB8AC3E}">
+        <p14:creationId xmlns:p14="http://schemas.microsoft.com/office/powerpoint/2010/main" val="2194309760"/>
       </p:ext>
     </p:extLst>
   </p:cSld>
@@ -3776,7 +5529,13 @@
       </p:grpSpPr>
       <p:sp>
         <p:nvSpPr>
-          <p:cNvPr id="2" name="标题 1"/>
+          <p:cNvPr id="2" name="标题 1">
+            <a:extLst>
+              <a:ext uri="{FF2B5EF4-FFF2-40B4-BE49-F238E27FC236}">
+                <a16:creationId xmlns:a16="http://schemas.microsoft.com/office/drawing/2014/main" id="{8D565856-D941-47CF-A59D-4D28C7594064}"/>
+              </a:ext>
+            </a:extLst>
+          </p:cNvPr>
           <p:cNvSpPr>
             <a:spLocks noGrp="1"/>
           </p:cNvSpPr>
@@ -3791,20 +5550,136 @@
           <a:p>
             <a:r>
               <a:rPr lang="zh-CN" altLang="en-US" dirty="0"/>
-              <a:t>单机应用</a:t>
-            </a:r>
+              <a:t>主从架构</a:t>
+            </a:r>
+          </a:p>
+        </p:txBody>
+      </p:sp>
+      <p:sp>
+        <p:nvSpPr>
+          <p:cNvPr id="3" name="内容占位符 2">
+            <a:extLst>
+              <a:ext uri="{FF2B5EF4-FFF2-40B4-BE49-F238E27FC236}">
+                <a16:creationId xmlns:a16="http://schemas.microsoft.com/office/drawing/2014/main" id="{454C1CCF-D188-4438-9AE8-DB199EAA0C0B}"/>
+              </a:ext>
+            </a:extLst>
+          </p:cNvPr>
+          <p:cNvSpPr>
+            <a:spLocks noGrp="1"/>
+          </p:cNvSpPr>
+          <p:nvPr>
+            <p:ph idx="1"/>
+          </p:nvPr>
+        </p:nvSpPr>
+        <p:spPr>
+          <a:xfrm>
+            <a:off x="838200" y="3801291"/>
+            <a:ext cx="10515600" cy="2375671"/>
+          </a:xfrm>
+        </p:spPr>
+        <p:txBody>
+          <a:bodyPr>
+            <a:normAutofit/>
+          </a:bodyPr>
+          <a:lstStyle/>
+          <a:p>
+            <a:pPr marL="0" indent="0">
+              <a:buNone/>
+            </a:pPr>
+            <a:r>
+              <a:rPr lang="en-US" altLang="zh-CN" dirty="0"/>
+              <a:t>	</a:t>
+            </a:r>
+            <a:r>
+              <a:rPr lang="zh-CN" altLang="en-US" dirty="0"/>
+              <a:t>在分布式系统设计中一个得到广泛应用的架构：一个主</a:t>
+            </a:r>
+            <a:r>
+              <a:rPr lang="en-US" altLang="zh-CN" dirty="0"/>
+              <a:t>-</a:t>
+            </a:r>
+            <a:r>
+              <a:rPr lang="zh-CN" altLang="en-US" dirty="0"/>
+              <a:t>从（</a:t>
+            </a:r>
+            <a:r>
+              <a:rPr lang="en-US" altLang="zh-CN" dirty="0"/>
+              <a:t>master-worker</a:t>
+            </a:r>
+            <a:r>
+              <a:rPr lang="zh-CN" altLang="en-US" dirty="0"/>
+              <a:t>）架构</a:t>
+            </a:r>
+            <a:r>
+              <a:rPr lang="en-US" altLang="zh-CN" dirty="0"/>
+              <a:t>,</a:t>
+            </a:r>
+            <a:r>
+              <a:rPr lang="zh-CN" altLang="en-US" dirty="0"/>
+              <a:t>该系统中遵循这个架构的一个重要例子是</a:t>
+            </a:r>
+            <a:r>
+              <a:rPr lang="en-US" altLang="zh-CN" dirty="0"/>
+              <a:t>HBase——</a:t>
+            </a:r>
+            <a:r>
+              <a:rPr lang="zh-CN" altLang="en-US" dirty="0"/>
+              <a:t>一个</a:t>
+            </a:r>
+            <a:r>
+              <a:rPr lang="en-US" altLang="zh-CN" dirty="0"/>
+              <a:t>Google</a:t>
+            </a:r>
+            <a:r>
+              <a:rPr lang="zh-CN" altLang="en-US" dirty="0"/>
+              <a:t>的数据存储系统（</a:t>
+            </a:r>
+            <a:r>
+              <a:rPr lang="en-US" altLang="zh-CN" dirty="0" err="1"/>
+              <a:t>BigTable</a:t>
+            </a:r>
+            <a:r>
+              <a:rPr lang="zh-CN" altLang="en-US" dirty="0"/>
+              <a:t>）模型的实现，在最高层，主节点服务器（</a:t>
+            </a:r>
+            <a:r>
+              <a:rPr lang="en-US" altLang="zh-CN" dirty="0" err="1"/>
+              <a:t>HMaster</a:t>
+            </a:r>
+            <a:r>
+              <a:rPr lang="zh-CN" altLang="en-US" dirty="0"/>
+              <a:t>）负责跟踪区域服务器（</a:t>
+            </a:r>
+            <a:r>
+              <a:rPr lang="en-US" altLang="zh-CN" dirty="0" err="1"/>
+              <a:t>HRegionServer</a:t>
+            </a:r>
+            <a:r>
+              <a:rPr lang="zh-CN" altLang="en-US" dirty="0"/>
+              <a:t>）是否可用，并分派区域到服务器。</a:t>
+            </a:r>
+          </a:p>
+          <a:p>
+            <a:pPr marL="0" indent="0">
+              <a:buNone/>
+            </a:pPr>
+            <a:endParaRPr lang="zh-CN" altLang="en-US" dirty="0"/>
           </a:p>
         </p:txBody>
       </p:sp>
       <p:pic>
         <p:nvPicPr>
-          <p:cNvPr id="4" name="内容占位符 3"/>
+          <p:cNvPr id="7" name="图片 6">
+            <a:extLst>
+              <a:ext uri="{FF2B5EF4-FFF2-40B4-BE49-F238E27FC236}">
+                <a16:creationId xmlns:a16="http://schemas.microsoft.com/office/drawing/2014/main" id="{4052A610-9757-4500-A339-42054F9B2F9B}"/>
+              </a:ext>
+            </a:extLst>
+          </p:cNvPr>
           <p:cNvPicPr>
-            <a:picLocks noGrp="1" noChangeAspect="1"/>
+            <a:picLocks noChangeAspect="1"/>
           </p:cNvPicPr>
-          <p:nvPr>
-            <p:ph idx="1"/>
-          </p:nvPr>
+          <p:nvPr/>
         </p:nvPicPr>
         <p:blipFill>
           <a:blip r:embed="rId2">
@@ -3820,15 +5695,18 @@
         </p:blipFill>
         <p:spPr>
           <a:xfrm>
-            <a:off x="1662112" y="1996281"/>
-            <a:ext cx="8867775" cy="4010025"/>
+            <a:off x="2614612" y="1808525"/>
+            <a:ext cx="6962775" cy="1438275"/>
           </a:xfrm>
+          <a:prstGeom prst="rect">
+            <a:avLst/>
+          </a:prstGeom>
         </p:spPr>
       </p:pic>
     </p:spTree>
     <p:extLst>
       <p:ext uri="{BB962C8B-B14F-4D97-AF65-F5344CB8AC3E}">
-        <p14:creationId xmlns:p14="http://schemas.microsoft.com/office/powerpoint/2010/main" val="686408811"/>
+        <p14:creationId xmlns:p14="http://schemas.microsoft.com/office/powerpoint/2010/main" val="2616885051"/>
       </p:ext>
     </p:extLst>
   </p:cSld>
@@ -3860,7 +5738,7 @@
           <p:cNvPr id="2" name="标题 1">
             <a:extLst>
               <a:ext uri="{FF2B5EF4-FFF2-40B4-BE49-F238E27FC236}">
-                <a16:creationId xmlns:a16="http://schemas.microsoft.com/office/drawing/2014/main" id="{B11B2B9D-7E48-4F1B-B618-2473DAEFB9F2}"/>
+                <a16:creationId xmlns:a16="http://schemas.microsoft.com/office/drawing/2014/main" id="{1B50CCF6-8E91-44DA-A5EE-0A29651C278A}"/>
               </a:ext>
             </a:extLst>
           </p:cNvPr>
@@ -3873,56 +5751,73 @@
         </p:nvSpPr>
         <p:spPr/>
         <p:txBody>
-          <a:bodyPr>
-            <a:normAutofit/>
-          </a:bodyPr>
-          <a:lstStyle/>
-          <a:p>
-            <a:r>
-              <a:rPr lang="zh-CN" altLang="en-US" dirty="0"/>
-              <a:t>分布式</a:t>
-            </a:r>
-            <a:r>
-              <a:rPr lang="zh-CN" altLang="en-US" dirty="0" smtClean="0"/>
-              <a:t>集群</a:t>
-            </a:r>
-            <a:endParaRPr lang="zh-CN" altLang="en-US" dirty="0"/>
-          </a:p>
-        </p:txBody>
-      </p:sp>
-      <p:pic>
-        <p:nvPicPr>
-          <p:cNvPr id="5" name="内容占位符 4"/>
-          <p:cNvPicPr>
-            <a:picLocks noGrp="1" noChangeAspect="1"/>
-          </p:cNvPicPr>
+          <a:bodyPr/>
+          <a:lstStyle/>
+          <a:p>
+            <a:r>
+              <a:rPr lang="en-US" altLang="zh-CN" dirty="0"/>
+              <a:t>master-worker</a:t>
+            </a:r>
+            <a:r>
+              <a:rPr lang="zh-CN" altLang="en-US" dirty="0"/>
+              <a:t>模式面临的问题</a:t>
+            </a:r>
+          </a:p>
+        </p:txBody>
+      </p:sp>
+      <p:sp>
+        <p:nvSpPr>
+          <p:cNvPr id="3" name="内容占位符 2">
+            <a:extLst>
+              <a:ext uri="{FF2B5EF4-FFF2-40B4-BE49-F238E27FC236}">
+                <a16:creationId xmlns:a16="http://schemas.microsoft.com/office/drawing/2014/main" id="{CCDD81E3-ACBB-4FA0-8E59-BBF7C365ED6A}"/>
+              </a:ext>
+            </a:extLst>
+          </p:cNvPr>
+          <p:cNvSpPr>
+            <a:spLocks noGrp="1"/>
+          </p:cNvSpPr>
           <p:nvPr>
             <p:ph idx="1"/>
           </p:nvPr>
-        </p:nvPicPr>
-        <p:blipFill>
-          <a:blip r:embed="rId2">
-            <a:extLst>
-              <a:ext uri="{28A0092B-C50C-407E-A947-70E740481C1C}">
-                <a14:useLocalDpi xmlns:a14="http://schemas.microsoft.com/office/drawing/2010/main" val="0"/>
-              </a:ext>
-            </a:extLst>
-          </a:blip>
-          <a:stretch>
-            <a:fillRect/>
-          </a:stretch>
-        </p:blipFill>
-        <p:spPr>
-          <a:xfrm>
-            <a:off x="2465408" y="1825625"/>
-            <a:ext cx="7261183" cy="4351338"/>
-          </a:xfrm>
-        </p:spPr>
-      </p:pic>
+        </p:nvSpPr>
+        <p:spPr/>
+        <p:txBody>
+          <a:bodyPr/>
+          <a:lstStyle/>
+          <a:p>
+            <a:pPr marL="0" indent="0">
+              <a:buNone/>
+            </a:pPr>
+            <a:r>
+              <a:rPr lang="zh-CN" altLang="en-US" dirty="0"/>
+              <a:t>* 主节点崩溃</a:t>
+            </a:r>
+          </a:p>
+          <a:p>
+            <a:pPr marL="0" indent="0">
+              <a:buNone/>
+            </a:pPr>
+            <a:r>
+              <a:rPr lang="zh-CN" altLang="en-US" dirty="0"/>
+              <a:t>* 从节点崩溃</a:t>
+            </a:r>
+          </a:p>
+          <a:p>
+            <a:pPr marL="0" indent="0">
+              <a:buNone/>
+            </a:pPr>
+            <a:r>
+              <a:rPr lang="zh-CN" altLang="en-US" dirty="0"/>
+              <a:t>* 通信故障</a:t>
+            </a:r>
+          </a:p>
+        </p:txBody>
+      </p:sp>
     </p:spTree>
     <p:extLst>
       <p:ext uri="{BB962C8B-B14F-4D97-AF65-F5344CB8AC3E}">
-        <p14:creationId xmlns:p14="http://schemas.microsoft.com/office/powerpoint/2010/main" val="1629796943"/>
+        <p14:creationId xmlns:p14="http://schemas.microsoft.com/office/powerpoint/2010/main" val="2705124527"/>
       </p:ext>
     </p:extLst>
   </p:cSld>
@@ -3954,7 +5849,7 @@
           <p:cNvPr id="2" name="标题 1">
             <a:extLst>
               <a:ext uri="{FF2B5EF4-FFF2-40B4-BE49-F238E27FC236}">
-                <a16:creationId xmlns:a16="http://schemas.microsoft.com/office/drawing/2014/main" id="{8D565856-D941-47CF-A59D-4D28C7594064}"/>
+                <a16:creationId xmlns:a16="http://schemas.microsoft.com/office/drawing/2014/main" id="{ADF98655-AB79-4DB1-B202-A5858292A55B}"/>
               </a:ext>
             </a:extLst>
           </p:cNvPr>
@@ -3971,10 +5866,9 @@
           <a:lstStyle/>
           <a:p>
             <a:r>
-              <a:rPr lang="zh-CN" altLang="en-US" dirty="0" smtClean="0"/>
-              <a:t>主从模式</a:t>
-            </a:r>
-            <a:endParaRPr lang="zh-CN" altLang="en-US" dirty="0"/>
+              <a:rPr lang="zh-CN" altLang="en-US" dirty="0"/>
+              <a:t>主节点崩溃</a:t>
+            </a:r>
           </a:p>
         </p:txBody>
       </p:sp>
@@ -3983,7 +5877,7 @@
           <p:cNvPr id="3" name="内容占位符 2">
             <a:extLst>
               <a:ext uri="{FF2B5EF4-FFF2-40B4-BE49-F238E27FC236}">
-                <a16:creationId xmlns:a16="http://schemas.microsoft.com/office/drawing/2014/main" id="{454C1CCF-D188-4438-9AE8-DB199EAA0C0B}"/>
+                <a16:creationId xmlns:a16="http://schemas.microsoft.com/office/drawing/2014/main" id="{B667E83E-7AF7-4EC9-AE71-93CF3574A0C6}"/>
               </a:ext>
             </a:extLst>
           </p:cNvPr>
@@ -3996,14 +5890,12 @@
         </p:nvSpPr>
         <p:spPr>
           <a:xfrm>
-            <a:off x="838200" y="3801291"/>
-            <a:ext cx="10515600" cy="2375671"/>
+            <a:off x="838200" y="2220685"/>
+            <a:ext cx="10515600" cy="3956277"/>
           </a:xfrm>
         </p:spPr>
         <p:txBody>
-          <a:bodyPr>
-            <a:normAutofit/>
-          </a:bodyPr>
+          <a:bodyPr/>
           <a:lstStyle/>
           <a:p>
             <a:pPr marL="0" indent="0">
@@ -4015,7 +5907,23 @@
             </a:r>
             <a:r>
               <a:rPr lang="zh-CN" altLang="en-US" dirty="0"/>
-              <a:t>在分布式系统设计中一个得到广泛应用的架构：一个主</a:t>
+              <a:t>如果主节点发送错误并失效，系统将无法分配新的任务或重新分配已失败的任务。这就需要重选备份主节点接管主要主节点的角色，进行故障转移</a:t>
+            </a:r>
+            <a:r>
+              <a:rPr lang="en-US" altLang="zh-CN" dirty="0"/>
+              <a:t>,</a:t>
+            </a:r>
+            <a:r>
+              <a:rPr lang="zh-CN" altLang="en-US" dirty="0"/>
+              <a:t>数据恢复等等，更糟的是，如果一些从节点无法与主要主节点通信，如由于网络分区（</a:t>
+            </a:r>
+            <a:r>
+              <a:rPr lang="en-US" altLang="zh-CN" dirty="0"/>
+              <a:t>network partition</a:t>
+            </a:r>
+            <a:r>
+              <a:rPr lang="zh-CN" altLang="en-US" dirty="0"/>
+              <a:t>）错误导致，这些从节点可能会停止与主要主节点的通信，而与第二个主要主节点建立主</a:t>
             </a:r>
             <a:r>
               <a:rPr lang="en-US" altLang="zh-CN" dirty="0"/>
@@ -4023,63 +5931,15 @@
             </a:r>
             <a:r>
               <a:rPr lang="zh-CN" altLang="en-US" dirty="0"/>
-              <a:t>从（</a:t>
+              <a:t>从关系。针对这个场景中导致的问题，我们一般称之为脑裂（</a:t>
             </a:r>
             <a:r>
               <a:rPr lang="en-US" altLang="zh-CN" dirty="0"/>
-              <a:t>master-worker</a:t>
-            </a:r>
-            <a:r>
-              <a:rPr lang="zh-CN" altLang="en-US" dirty="0"/>
-              <a:t>）架构</a:t>
-            </a:r>
-            <a:r>
-              <a:rPr lang="en-US" altLang="zh-CN" dirty="0"/>
-              <a:t>,</a:t>
-            </a:r>
-            <a:r>
-              <a:rPr lang="zh-CN" altLang="en-US" dirty="0"/>
-              <a:t>该系统中遵循这个架构的一个重要例子是</a:t>
-            </a:r>
-            <a:r>
-              <a:rPr lang="en-US" altLang="zh-CN" dirty="0"/>
-              <a:t>HBase——</a:t>
-            </a:r>
-            <a:r>
-              <a:rPr lang="zh-CN" altLang="en-US" dirty="0"/>
-              <a:t>一个</a:t>
-            </a:r>
-            <a:r>
-              <a:rPr lang="en-US" altLang="zh-CN" dirty="0"/>
-              <a:t>Google</a:t>
-            </a:r>
-            <a:r>
-              <a:rPr lang="zh-CN" altLang="en-US" dirty="0"/>
-              <a:t>的数据存储系统（</a:t>
-            </a:r>
-            <a:r>
-              <a:rPr lang="en-US" altLang="zh-CN" dirty="0" err="1"/>
-              <a:t>BigTable</a:t>
-            </a:r>
-            <a:r>
-              <a:rPr lang="zh-CN" altLang="en-US" dirty="0"/>
-              <a:t>）模型的实现，在最高层，主节点服务器（</a:t>
-            </a:r>
-            <a:r>
-              <a:rPr lang="en-US" altLang="zh-CN" dirty="0" err="1"/>
-              <a:t>HMaster</a:t>
-            </a:r>
-            <a:r>
-              <a:rPr lang="zh-CN" altLang="en-US" dirty="0"/>
-              <a:t>）负责跟踪区域服务器（</a:t>
-            </a:r>
-            <a:r>
-              <a:rPr lang="en-US" altLang="zh-CN" dirty="0" err="1"/>
-              <a:t>HRegionServer</a:t>
-            </a:r>
-            <a:r>
-              <a:rPr lang="zh-CN" altLang="en-US" dirty="0"/>
-              <a:t>）是否可用，并分派区域到服务器。</a:t>
+              <a:t>split-brain</a:t>
+            </a:r>
+            <a:r>
+              <a:rPr lang="zh-CN" altLang="en-US" dirty="0"/>
+              <a:t>）：系统中两个或者多个部分开始独立工作，导致整体行为不一致性。我们需要找出一种方法来处理主节点失效的情况，关键是我们需要避免发生脑裂的情况。</a:t>
             </a:r>
           </a:p>
           <a:p>
@@ -4090,46 +5950,10 @@
           </a:p>
         </p:txBody>
       </p:sp>
-      <p:pic>
-        <p:nvPicPr>
-          <p:cNvPr id="5" name="图片 4">
-            <a:extLst>
-              <a:ext uri="{FF2B5EF4-FFF2-40B4-BE49-F238E27FC236}">
-                <a16:creationId xmlns:a16="http://schemas.microsoft.com/office/drawing/2014/main" id="{5C4146DA-2BEF-41D3-958F-12535B965F54}"/>
-              </a:ext>
-            </a:extLst>
-          </p:cNvPr>
-          <p:cNvPicPr>
-            <a:picLocks noChangeAspect="1"/>
-          </p:cNvPicPr>
-          <p:nvPr/>
-        </p:nvPicPr>
-        <p:blipFill>
-          <a:blip r:embed="rId2">
-            <a:extLst>
-              <a:ext uri="{28A0092B-C50C-407E-A947-70E740481C1C}">
-                <a14:useLocalDpi xmlns:a14="http://schemas.microsoft.com/office/drawing/2010/main" val="0"/>
-              </a:ext>
-            </a:extLst>
-          </a:blip>
-          <a:stretch>
-            <a:fillRect/>
-          </a:stretch>
-        </p:blipFill>
-        <p:spPr>
-          <a:xfrm>
-            <a:off x="2995612" y="1690688"/>
-            <a:ext cx="6200775" cy="1524000"/>
-          </a:xfrm>
-          <a:prstGeom prst="rect">
-            <a:avLst/>
-          </a:prstGeom>
-        </p:spPr>
-      </p:pic>
     </p:spTree>
     <p:extLst>
       <p:ext uri="{BB962C8B-B14F-4D97-AF65-F5344CB8AC3E}">
-        <p14:creationId xmlns:p14="http://schemas.microsoft.com/office/powerpoint/2010/main" val="2616885051"/>
+        <p14:creationId xmlns:p14="http://schemas.microsoft.com/office/powerpoint/2010/main" val="3171195108"/>
       </p:ext>
     </p:extLst>
   </p:cSld>
@@ -4161,7 +5985,7 @@
           <p:cNvPr id="2" name="标题 1">
             <a:extLst>
               <a:ext uri="{FF2B5EF4-FFF2-40B4-BE49-F238E27FC236}">
-                <a16:creationId xmlns:a16="http://schemas.microsoft.com/office/drawing/2014/main" id="{1B50CCF6-8E91-44DA-A5EE-0A29651C278A}"/>
+                <a16:creationId xmlns:a16="http://schemas.microsoft.com/office/drawing/2014/main" id="{4699B25F-1067-464A-A439-51DEF682EBE5}"/>
               </a:ext>
             </a:extLst>
           </p:cNvPr>
@@ -4178,74 +6002,62 @@
           <a:lstStyle/>
           <a:p>
             <a:r>
+              <a:rPr lang="zh-CN" altLang="en-US" dirty="0"/>
+              <a:t>从节点崩溃</a:t>
+            </a:r>
+          </a:p>
+        </p:txBody>
+      </p:sp>
+      <p:sp>
+        <p:nvSpPr>
+          <p:cNvPr id="3" name="内容占位符 2">
+            <a:extLst>
+              <a:ext uri="{FF2B5EF4-FFF2-40B4-BE49-F238E27FC236}">
+                <a16:creationId xmlns:a16="http://schemas.microsoft.com/office/drawing/2014/main" id="{FAAC861D-DF0F-41DB-A82B-D7D6C7F80710}"/>
+              </a:ext>
+            </a:extLst>
+          </p:cNvPr>
+          <p:cNvSpPr>
+            <a:spLocks noGrp="1"/>
+          </p:cNvSpPr>
+          <p:nvPr>
+            <p:ph idx="1"/>
+          </p:nvPr>
+        </p:nvSpPr>
+        <p:spPr>
+          <a:xfrm>
+            <a:off x="838200" y="2847703"/>
+            <a:ext cx="10515600" cy="3329260"/>
+          </a:xfrm>
+        </p:spPr>
+        <p:txBody>
+          <a:bodyPr/>
+          <a:lstStyle/>
+          <a:p>
+            <a:pPr marL="0" indent="0">
+              <a:buNone/>
+            </a:pPr>
+            <a:r>
               <a:rPr lang="en-US" altLang="zh-CN" dirty="0"/>
-              <a:t>master-worker</a:t>
-            </a:r>
-            <a:r>
-              <a:rPr lang="zh-CN" altLang="en-US" dirty="0"/>
-              <a:t>模式面临的</a:t>
-            </a:r>
-            <a:r>
-              <a:rPr lang="zh-CN" altLang="en-US" dirty="0" smtClean="0"/>
-              <a:t>问题</a:t>
-            </a:r>
+              <a:t>	</a:t>
+            </a:r>
+            <a:r>
+              <a:rPr lang="zh-CN" altLang="en-US" dirty="0"/>
+              <a:t>如果从节点崩溃，已分配的任务将无法完成。如果从节点崩溃了，所有已派发给这个从节点且尚未完成的任务需要重新派发。其中首要需求是让主节点具有检测从节点的崩溃的能力。主节点必须能够检测到从节点的崩溃，并确定哪些从节点是否有效以便派发崩溃节点的任务。一个从节点崩溃时，从节点也许执行了部分任务，也许全部执行完，但没有报告结果。如果整个运算过程产生了其他作用，我们还有必要执行某些恢复过程来清除之前的状态。</a:t>
+            </a:r>
+          </a:p>
+          <a:p>
+            <a:pPr marL="0" indent="0">
+              <a:buNone/>
+            </a:pPr>
             <a:endParaRPr lang="zh-CN" altLang="en-US" dirty="0"/>
-          </a:p>
-        </p:txBody>
-      </p:sp>
-      <p:sp>
-        <p:nvSpPr>
-          <p:cNvPr id="3" name="内容占位符 2">
-            <a:extLst>
-              <a:ext uri="{FF2B5EF4-FFF2-40B4-BE49-F238E27FC236}">
-                <a16:creationId xmlns:a16="http://schemas.microsoft.com/office/drawing/2014/main" id="{CCDD81E3-ACBB-4FA0-8E59-BBF7C365ED6A}"/>
-              </a:ext>
-            </a:extLst>
-          </p:cNvPr>
-          <p:cNvSpPr>
-            <a:spLocks noGrp="1"/>
-          </p:cNvSpPr>
-          <p:nvPr>
-            <p:ph idx="1"/>
-          </p:nvPr>
-        </p:nvSpPr>
-        <p:spPr/>
-        <p:txBody>
-          <a:bodyPr/>
-          <a:lstStyle/>
-          <a:p>
-            <a:pPr marL="0" indent="0">
-              <a:buNone/>
-            </a:pPr>
-            <a:r>
-              <a:rPr lang="zh-CN" altLang="en-US" dirty="0"/>
-              <a:t>* 主节点崩溃</a:t>
-            </a:r>
-          </a:p>
-          <a:p>
-            <a:pPr marL="0" indent="0">
-              <a:buNone/>
-            </a:pPr>
-            <a:r>
-              <a:rPr lang="zh-CN" altLang="en-US" dirty="0"/>
-              <a:t>* 从节点崩溃</a:t>
-            </a:r>
-          </a:p>
-          <a:p>
-            <a:pPr marL="0" indent="0">
-              <a:buNone/>
-            </a:pPr>
-            <a:r>
-              <a:rPr lang="zh-CN" altLang="en-US" dirty="0"/>
-              <a:t>* 通信故障</a:t>
-            </a:r>
           </a:p>
         </p:txBody>
       </p:sp>
     </p:spTree>
     <p:extLst>
       <p:ext uri="{BB962C8B-B14F-4D97-AF65-F5344CB8AC3E}">
-        <p14:creationId xmlns:p14="http://schemas.microsoft.com/office/powerpoint/2010/main" val="2705124527"/>
+        <p14:creationId xmlns:p14="http://schemas.microsoft.com/office/powerpoint/2010/main" val="3423277743"/>
       </p:ext>
     </p:extLst>
   </p:cSld>
@@ -4277,7 +6089,7 @@
           <p:cNvPr id="2" name="标题 1">
             <a:extLst>
               <a:ext uri="{FF2B5EF4-FFF2-40B4-BE49-F238E27FC236}">
-                <a16:creationId xmlns:a16="http://schemas.microsoft.com/office/drawing/2014/main" id="{ADF98655-AB79-4DB1-B202-A5858292A55B}"/>
+                <a16:creationId xmlns:a16="http://schemas.microsoft.com/office/drawing/2014/main" id="{858F3509-0589-4EC9-96EA-F3F8DB224DA3}"/>
               </a:ext>
             </a:extLst>
           </p:cNvPr>
@@ -4295,7 +6107,7 @@
           <a:p>
             <a:r>
               <a:rPr lang="zh-CN" altLang="en-US" dirty="0"/>
-              <a:t>主节点崩溃</a:t>
+              <a:t>通信故障</a:t>
             </a:r>
           </a:p>
         </p:txBody>
@@ -4305,7 +6117,7 @@
           <p:cNvPr id="3" name="内容占位符 2">
             <a:extLst>
               <a:ext uri="{FF2B5EF4-FFF2-40B4-BE49-F238E27FC236}">
-                <a16:creationId xmlns:a16="http://schemas.microsoft.com/office/drawing/2014/main" id="{B667E83E-7AF7-4EC9-AE71-93CF3574A0C6}"/>
+                <a16:creationId xmlns:a16="http://schemas.microsoft.com/office/drawing/2014/main" id="{C3681F2B-9FEF-4465-B772-28F94D78398B}"/>
               </a:ext>
             </a:extLst>
           </p:cNvPr>
@@ -4318,8 +6130,8 @@
         </p:nvSpPr>
         <p:spPr>
           <a:xfrm>
-            <a:off x="838200" y="2220685"/>
-            <a:ext cx="10515600" cy="3956277"/>
+            <a:off x="838200" y="2795451"/>
+            <a:ext cx="10515600" cy="3381512"/>
           </a:xfrm>
         </p:spPr>
         <p:txBody>
@@ -4335,15 +6147,7 @@
             </a:r>
             <a:r>
               <a:rPr lang="zh-CN" altLang="en-US" dirty="0"/>
-              <a:t>如果主节点发送错误并失效，系统将无法分配新的任务或重新分配已失败的任务。这就需要重选备份主节点接管主要主节点的角色，进行故障转移</a:t>
-            </a:r>
-            <a:r>
-              <a:rPr lang="en-US" altLang="zh-CN" dirty="0"/>
-              <a:t>,</a:t>
-            </a:r>
-            <a:r>
-              <a:rPr lang="zh-CN" altLang="en-US" dirty="0"/>
-              <a:t>数据恢复等等，更糟的是，如果一些从节点无法与主要主节点通信，如由于网络分区（</a:t>
+              <a:t>如果主节点和从节点之间无法进行信息交换，从节点将无法得知新任务分配给它。如果一个从节点与主节点的网络连接断开，比如网络分区（</a:t>
             </a:r>
             <a:r>
               <a:rPr lang="en-US" altLang="zh-CN" dirty="0"/>
@@ -4351,23 +6155,7 @@
             </a:r>
             <a:r>
               <a:rPr lang="zh-CN" altLang="en-US" dirty="0"/>
-              <a:t>）错误导致，这些从节点可能会停止与主要主节点的通信，而与第二个主要主节点建立主</a:t>
-            </a:r>
-            <a:r>
-              <a:rPr lang="en-US" altLang="zh-CN" dirty="0"/>
-              <a:t>-</a:t>
-            </a:r>
-            <a:r>
-              <a:rPr lang="zh-CN" altLang="en-US" dirty="0"/>
-              <a:t>从关系。针对这个场景中导致的问题，我们一般称之为脑裂（</a:t>
-            </a:r>
-            <a:r>
-              <a:rPr lang="en-US" altLang="zh-CN" dirty="0"/>
-              <a:t>split-brain</a:t>
-            </a:r>
-            <a:r>
-              <a:rPr lang="zh-CN" altLang="en-US" dirty="0"/>
-              <a:t>）：系统中两个或者多个部分开始独立工作，导致整体行为不一致性。我们需要找出一种方法来处理主节点失效的情况，关键是我们需要避免发生脑裂的情况。</a:t>
+              <a:t>）导致，重新分配一个任务可能会导致两个从节点执行相同的任务。如果一个任务允许多次执行，我们在进行任务再分配时可以不用验证第一个从节点是否完成了该任务。如果一个任务不允许，那么我们的应用需要适应多个从节点执行相同任务的可能性。</a:t>
             </a:r>
           </a:p>
           <a:p>
@@ -4381,7 +6169,7 @@
     </p:spTree>
     <p:extLst>
       <p:ext uri="{BB962C8B-B14F-4D97-AF65-F5344CB8AC3E}">
-        <p14:creationId xmlns:p14="http://schemas.microsoft.com/office/powerpoint/2010/main" val="3171195108"/>
+        <p14:creationId xmlns:p14="http://schemas.microsoft.com/office/powerpoint/2010/main" val="2048380853"/>
       </p:ext>
     </p:extLst>
   </p:cSld>
@@ -4413,7 +6201,7 @@
           <p:cNvPr id="2" name="标题 1">
             <a:extLst>
               <a:ext uri="{FF2B5EF4-FFF2-40B4-BE49-F238E27FC236}">
-                <a16:creationId xmlns:a16="http://schemas.microsoft.com/office/drawing/2014/main" id="{4699B25F-1067-464A-A439-51DEF682EBE5}"/>
+                <a16:creationId xmlns:a16="http://schemas.microsoft.com/office/drawing/2014/main" id="{9D5178E1-28AB-41B6-A971-9BED8225DFCD}"/>
               </a:ext>
             </a:extLst>
           </p:cNvPr>
@@ -4431,7 +6219,7 @@
           <a:p>
             <a:r>
               <a:rPr lang="zh-CN" altLang="en-US" dirty="0"/>
-              <a:t>从节点崩溃</a:t>
+              <a:t>主从模式总结</a:t>
             </a:r>
           </a:p>
         </p:txBody>
@@ -4441,7 +6229,7 @@
           <p:cNvPr id="3" name="内容占位符 2">
             <a:extLst>
               <a:ext uri="{FF2B5EF4-FFF2-40B4-BE49-F238E27FC236}">
-                <a16:creationId xmlns:a16="http://schemas.microsoft.com/office/drawing/2014/main" id="{FAAC861D-DF0F-41DB-A82B-D7D6C7F80710}"/>
+                <a16:creationId xmlns:a16="http://schemas.microsoft.com/office/drawing/2014/main" id="{AC463926-BC84-4629-8589-7B5001422ECC}"/>
               </a:ext>
             </a:extLst>
           </p:cNvPr>
@@ -4452,15 +6240,18 @@
             <p:ph idx="1"/>
           </p:nvPr>
         </p:nvSpPr>
-        <p:spPr>
-          <a:xfrm>
-            <a:off x="838200" y="2847703"/>
-            <a:ext cx="10515600" cy="3329260"/>
-          </a:xfrm>
-        </p:spPr>
-        <p:txBody>
-          <a:bodyPr/>
-          <a:lstStyle/>
+        <p:spPr/>
+        <p:txBody>
+          <a:bodyPr>
+            <a:normAutofit lnSpcReduction="10000"/>
+          </a:bodyPr>
+          <a:lstStyle/>
+          <a:p>
+            <a:r>
+              <a:rPr lang="zh-CN" altLang="en-US" dirty="0"/>
+              <a:t>* 主节点选举</a:t>
+            </a:r>
+          </a:p>
           <a:p>
             <a:pPr marL="0" indent="0">
               <a:buNone/>
@@ -4471,7 +6262,64 @@
             </a:r>
             <a:r>
               <a:rPr lang="zh-CN" altLang="en-US" dirty="0"/>
-              <a:t>如果从节点崩溃，已分配的任务将无法完成。如果从节点崩溃了，所有已派发给这个从节点且尚未完成的任务需要重新派发。其中首要需求是让主节点具有检测从节点的崩溃的能力。主节点必须能够检测到从节点的崩溃，并确定哪些从节点是否有效以便派发崩溃节点的任务。一个从节点崩溃时，从节点也许执行了部分任务，也许全部执行完，但没有报告结果。如果整个运算过程产生了其他作用，我们还有必要执行某些恢复过程来清除之前的状态。</a:t>
+              <a:t> 这是关键的一步，使得主节点可以给从节点分配任务。</a:t>
+            </a:r>
+          </a:p>
+          <a:p>
+            <a:r>
+              <a:rPr lang="zh-CN" altLang="en-US" dirty="0"/>
+              <a:t> 崩溃检测</a:t>
+            </a:r>
+          </a:p>
+          <a:p>
+            <a:pPr marL="0" indent="0">
+              <a:buNone/>
+            </a:pPr>
+            <a:r>
+              <a:rPr lang="en-US" altLang="zh-CN" dirty="0"/>
+              <a:t>	</a:t>
+            </a:r>
+            <a:r>
+              <a:rPr lang="zh-CN" altLang="en-US" dirty="0"/>
+              <a:t> 主节点必须具有检测从节点崩溃或失去连接的能力。</a:t>
+            </a:r>
+          </a:p>
+          <a:p>
+            <a:r>
+              <a:rPr lang="zh-CN" altLang="en-US" dirty="0"/>
+              <a:t>组成员关系管理</a:t>
+            </a:r>
+          </a:p>
+          <a:p>
+            <a:pPr marL="0" indent="0">
+              <a:buNone/>
+            </a:pPr>
+            <a:r>
+              <a:rPr lang="en-US" altLang="zh-CN" dirty="0"/>
+              <a:t>	</a:t>
+            </a:r>
+            <a:r>
+              <a:rPr lang="zh-CN" altLang="en-US" dirty="0"/>
+              <a:t> 主节点必须具有知道哪一个从节点可以执行任务的能力。</a:t>
+            </a:r>
+          </a:p>
+          <a:p>
+            <a:r>
+              <a:rPr lang="zh-CN" altLang="en-US" dirty="0"/>
+              <a:t> 元数据管理</a:t>
+            </a:r>
+          </a:p>
+          <a:p>
+            <a:pPr marL="0" indent="0">
+              <a:buNone/>
+            </a:pPr>
+            <a:r>
+              <a:rPr lang="en-US" altLang="zh-CN" dirty="0"/>
+              <a:t>	</a:t>
+            </a:r>
+            <a:r>
+              <a:rPr lang="zh-CN" altLang="en-US" dirty="0"/>
+              <a:t>主节点和从节点必须具有通过某种可靠的方式来保存分配状态和执行状态的能力。</a:t>
             </a:r>
           </a:p>
           <a:p>
@@ -4485,7 +6333,7 @@
     </p:spTree>
     <p:extLst>
       <p:ext uri="{BB962C8B-B14F-4D97-AF65-F5344CB8AC3E}">
-        <p14:creationId xmlns:p14="http://schemas.microsoft.com/office/powerpoint/2010/main" val="3423277743"/>
+        <p14:creationId xmlns:p14="http://schemas.microsoft.com/office/powerpoint/2010/main" val="1168152724"/>
       </p:ext>
     </p:extLst>
   </p:cSld>
@@ -4517,7 +6365,7 @@
           <p:cNvPr id="2" name="标题 1">
             <a:extLst>
               <a:ext uri="{FF2B5EF4-FFF2-40B4-BE49-F238E27FC236}">
-                <a16:creationId xmlns:a16="http://schemas.microsoft.com/office/drawing/2014/main" id="{858F3509-0589-4EC9-96EA-F3F8DB224DA3}"/>
+                <a16:creationId xmlns:a16="http://schemas.microsoft.com/office/drawing/2014/main" id="{9CF2FFFE-1319-488B-83A2-6AAF585427A0}"/>
               </a:ext>
             </a:extLst>
           </p:cNvPr>
@@ -4535,17 +6383,17 @@
           <a:p>
             <a:r>
               <a:rPr lang="zh-CN" altLang="en-US" dirty="0"/>
-              <a:t>通信故障</a:t>
-            </a:r>
-          </a:p>
-        </p:txBody>
-      </p:sp>
-      <p:sp>
-        <p:nvSpPr>
-          <p:cNvPr id="3" name="内容占位符 2">
-            <a:extLst>
-              <a:ext uri="{FF2B5EF4-FFF2-40B4-BE49-F238E27FC236}">
-                <a16:creationId xmlns:a16="http://schemas.microsoft.com/office/drawing/2014/main" id="{C3681F2B-9FEF-4465-B772-28F94D78398B}"/>
+              <a:t>理想</a:t>
+            </a:r>
+          </a:p>
+        </p:txBody>
+      </p:sp>
+      <p:sp>
+        <p:nvSpPr>
+          <p:cNvPr id="7" name="内容占位符 6">
+            <a:extLst>
+              <a:ext uri="{FF2B5EF4-FFF2-40B4-BE49-F238E27FC236}">
+                <a16:creationId xmlns:a16="http://schemas.microsoft.com/office/drawing/2014/main" id="{AF6C1C34-BB09-4C1C-BBA6-767BBFF0E3ED}"/>
               </a:ext>
             </a:extLst>
           </p:cNvPr>
@@ -4556,48 +6404,91 @@
             <p:ph idx="1"/>
           </p:nvPr>
         </p:nvSpPr>
+        <p:spPr/>
+        <p:txBody>
+          <a:bodyPr/>
+          <a:lstStyle/>
+          <a:p>
+            <a:pPr marL="0" indent="0">
+              <a:buNone/>
+            </a:pPr>
+            <a:r>
+              <a:rPr lang="zh-CN" altLang="en-US" dirty="0"/>
+              <a:t>理想的方式是，以上每一个任务都需要通过原语</a:t>
+            </a:r>
+            <a:r>
+              <a:rPr lang="en-US" altLang="zh-CN" dirty="0"/>
+              <a:t>(</a:t>
+            </a:r>
+            <a:r>
+              <a:rPr lang="zh-CN" altLang="en-US" dirty="0"/>
+              <a:t>内核或微核提供核外调用的过程或函数称为原语</a:t>
+            </a:r>
+            <a:r>
+              <a:rPr lang="en-US" altLang="zh-CN" dirty="0"/>
+              <a:t>(primitive))</a:t>
+            </a:r>
+            <a:r>
+              <a:rPr lang="zh-CN" altLang="en-US" dirty="0"/>
+              <a:t>的方式暴露给应用，对开发者完全隐藏实现细节。</a:t>
+            </a:r>
+            <a:r>
+              <a:rPr lang="en-US" altLang="zh-CN" dirty="0" err="1"/>
+              <a:t>ZooKeeper</a:t>
+            </a:r>
+            <a:r>
+              <a:rPr lang="zh-CN" altLang="en-US" dirty="0"/>
+              <a:t>提供了实现这些原语的关键机制，因此，开发者可以通过这些实现一个最适合他们需求、更加关注应用逻辑的分布式应用。</a:t>
+            </a:r>
+          </a:p>
+          <a:p>
+            <a:pPr marL="0" indent="0">
+              <a:buNone/>
+            </a:pPr>
+            <a:endParaRPr lang="zh-CN" altLang="en-US" dirty="0"/>
+          </a:p>
+        </p:txBody>
+      </p:sp>
+      <p:pic>
+        <p:nvPicPr>
+          <p:cNvPr id="9" name="图片 8">
+            <a:extLst>
+              <a:ext uri="{FF2B5EF4-FFF2-40B4-BE49-F238E27FC236}">
+                <a16:creationId xmlns:a16="http://schemas.microsoft.com/office/drawing/2014/main" id="{590379AA-B1C4-43F4-B325-E26DD0ED0D64}"/>
+              </a:ext>
+            </a:extLst>
+          </p:cNvPr>
+          <p:cNvPicPr>
+            <a:picLocks noChangeAspect="1"/>
+          </p:cNvPicPr>
+          <p:nvPr/>
+        </p:nvPicPr>
+        <p:blipFill>
+          <a:blip r:embed="rId2">
+            <a:extLst>
+              <a:ext uri="{28A0092B-C50C-407E-A947-70E740481C1C}">
+                <a14:useLocalDpi xmlns:a14="http://schemas.microsoft.com/office/drawing/2010/main" val="0"/>
+              </a:ext>
+            </a:extLst>
+          </a:blip>
+          <a:stretch>
+            <a:fillRect/>
+          </a:stretch>
+        </p:blipFill>
         <p:spPr>
           <a:xfrm>
-            <a:off x="838200" y="2795451"/>
-            <a:ext cx="10515600" cy="3381512"/>
+            <a:off x="2038350" y="4001294"/>
+            <a:ext cx="8115300" cy="2590800"/>
           </a:xfrm>
+          <a:prstGeom prst="rect">
+            <a:avLst/>
+          </a:prstGeom>
         </p:spPr>
-        <p:txBody>
-          <a:bodyPr/>
-          <a:lstStyle/>
-          <a:p>
-            <a:pPr marL="0" indent="0">
-              <a:buNone/>
-            </a:pPr>
-            <a:r>
-              <a:rPr lang="en-US" altLang="zh-CN" dirty="0"/>
-              <a:t>	</a:t>
-            </a:r>
-            <a:r>
-              <a:rPr lang="zh-CN" altLang="en-US" dirty="0"/>
-              <a:t>如果主节点和从节点之间无法进行信息交换，从节点将无法得知新任务分配给它。如果一个从节点与主节点的网络连接断开，比如网络分区（</a:t>
-            </a:r>
-            <a:r>
-              <a:rPr lang="en-US" altLang="zh-CN" dirty="0"/>
-              <a:t>network partition</a:t>
-            </a:r>
-            <a:r>
-              <a:rPr lang="zh-CN" altLang="en-US" dirty="0"/>
-              <a:t>）导致，重新分配一个任务可能会导致两个从节点执行相同的任务。如果一个任务允许多次执行，我们在进行任务再分配时可以不用验证第一个从节点是否完成了该任务。如果一个任务不允许，那么我们的应用需要适应多个从节点执行相同任务的可能性。</a:t>
-            </a:r>
-          </a:p>
-          <a:p>
-            <a:pPr marL="0" indent="0">
-              <a:buNone/>
-            </a:pPr>
-            <a:endParaRPr lang="zh-CN" altLang="en-US" dirty="0"/>
-          </a:p>
-        </p:txBody>
-      </p:sp>
+      </p:pic>
     </p:spTree>
     <p:extLst>
       <p:ext uri="{BB962C8B-B14F-4D97-AF65-F5344CB8AC3E}">
-        <p14:creationId xmlns:p14="http://schemas.microsoft.com/office/powerpoint/2010/main" val="2048380853"/>
+        <p14:creationId xmlns:p14="http://schemas.microsoft.com/office/powerpoint/2010/main" val="1316111348"/>
       </p:ext>
     </p:extLst>
   </p:cSld>

--- a/zookeeper.pptx
+++ b/zookeeper.pptx
@@ -19,18 +19,45 @@
     <p:sldId id="271" r:id="rId13"/>
     <p:sldId id="270" r:id="rId14"/>
     <p:sldId id="269" r:id="rId15"/>
-    <p:sldId id="273" r:id="rId16"/>
-    <p:sldId id="272" r:id="rId17"/>
-    <p:sldId id="274" r:id="rId18"/>
-    <p:sldId id="275" r:id="rId19"/>
-    <p:sldId id="276" r:id="rId20"/>
-    <p:sldId id="278" r:id="rId21"/>
-    <p:sldId id="279" r:id="rId22"/>
-    <p:sldId id="277" r:id="rId23"/>
-    <p:sldId id="280" r:id="rId24"/>
-    <p:sldId id="281" r:id="rId25"/>
-    <p:sldId id="282" r:id="rId26"/>
+    <p:sldId id="274" r:id="rId16"/>
+    <p:sldId id="275" r:id="rId17"/>
+    <p:sldId id="278" r:id="rId18"/>
+    <p:sldId id="276" r:id="rId19"/>
+    <p:sldId id="279" r:id="rId20"/>
+    <p:sldId id="277" r:id="rId21"/>
+    <p:sldId id="280" r:id="rId22"/>
+    <p:sldId id="281" r:id="rId23"/>
+    <p:sldId id="282" r:id="rId24"/>
+    <p:sldId id="273" r:id="rId25"/>
+    <p:sldId id="272" r:id="rId26"/>
     <p:sldId id="283" r:id="rId27"/>
+    <p:sldId id="284" r:id="rId28"/>
+    <p:sldId id="285" r:id="rId29"/>
+    <p:sldId id="288" r:id="rId30"/>
+    <p:sldId id="286" r:id="rId31"/>
+    <p:sldId id="287" r:id="rId32"/>
+    <p:sldId id="289" r:id="rId33"/>
+    <p:sldId id="290" r:id="rId34"/>
+    <p:sldId id="291" r:id="rId35"/>
+    <p:sldId id="292" r:id="rId36"/>
+    <p:sldId id="293" r:id="rId37"/>
+    <p:sldId id="295" r:id="rId38"/>
+    <p:sldId id="294" r:id="rId39"/>
+    <p:sldId id="296" r:id="rId40"/>
+    <p:sldId id="298" r:id="rId41"/>
+    <p:sldId id="299" r:id="rId42"/>
+    <p:sldId id="300" r:id="rId43"/>
+    <p:sldId id="302" r:id="rId44"/>
+    <p:sldId id="301" r:id="rId45"/>
+    <p:sldId id="297" r:id="rId46"/>
+    <p:sldId id="305" r:id="rId47"/>
+    <p:sldId id="304" r:id="rId48"/>
+    <p:sldId id="306" r:id="rId49"/>
+    <p:sldId id="307" r:id="rId50"/>
+    <p:sldId id="308" r:id="rId51"/>
+    <p:sldId id="310" r:id="rId52"/>
+    <p:sldId id="309" r:id="rId53"/>
+    <p:sldId id="303" r:id="rId54"/>
   </p:sldIdLst>
   <p:sldSz cx="12192000" cy="6858000"/>
   <p:notesSz cx="6858000" cy="9144000"/>
@@ -284,7 +311,7 @@
           <a:p>
             <a:fld id="{02F3B6B3-6989-4F12-A574-BA0BBE6B3A09}" type="datetimeFigureOut">
               <a:rPr lang="zh-CN" altLang="en-US" smtClean="0"/>
-              <a:t>2019/4/15</a:t>
+              <a:t>2019/4/16</a:t>
             </a:fld>
             <a:endParaRPr lang="zh-CN" altLang="en-US"/>
           </a:p>
@@ -482,7 +509,7 @@
           <a:p>
             <a:fld id="{02F3B6B3-6989-4F12-A574-BA0BBE6B3A09}" type="datetimeFigureOut">
               <a:rPr lang="zh-CN" altLang="en-US" smtClean="0"/>
-              <a:t>2019/4/15</a:t>
+              <a:t>2019/4/16</a:t>
             </a:fld>
             <a:endParaRPr lang="zh-CN" altLang="en-US"/>
           </a:p>
@@ -690,7 +717,7 @@
           <a:p>
             <a:fld id="{02F3B6B3-6989-4F12-A574-BA0BBE6B3A09}" type="datetimeFigureOut">
               <a:rPr lang="zh-CN" altLang="en-US" smtClean="0"/>
-              <a:t>2019/4/15</a:t>
+              <a:t>2019/4/16</a:t>
             </a:fld>
             <a:endParaRPr lang="zh-CN" altLang="en-US"/>
           </a:p>
@@ -799,10 +826,14 @@
         <p:spPr/>
         <p:txBody>
           <a:bodyPr/>
-          <a:lstStyle/>
-          <a:p>
-            <a:r>
-              <a:rPr lang="zh-CN" altLang="en-US"/>
+          <a:lstStyle>
+            <a:lvl1pPr>
+              <a:defRPr sz="4000" baseline="0"/>
+            </a:lvl1pPr>
+          </a:lstStyle>
+          <a:p>
+            <a:r>
+              <a:rPr lang="zh-CN" altLang="en-US" dirty="0"/>
               <a:t>单击此处编辑母版标题样式</a:t>
             </a:r>
           </a:p>
@@ -827,39 +858,43 @@
         <p:spPr/>
         <p:txBody>
           <a:bodyPr/>
-          <a:lstStyle/>
+          <a:lstStyle>
+            <a:lvl1pPr>
+              <a:defRPr sz="2400" baseline="0"/>
+            </a:lvl1pPr>
+          </a:lstStyle>
           <a:p>
             <a:pPr lvl="0"/>
             <a:r>
-              <a:rPr lang="zh-CN" altLang="en-US"/>
+              <a:rPr lang="zh-CN" altLang="en-US" dirty="0"/>
               <a:t>单击此处编辑母版文本样式</a:t>
             </a:r>
           </a:p>
           <a:p>
             <a:pPr lvl="1"/>
             <a:r>
-              <a:rPr lang="zh-CN" altLang="en-US"/>
+              <a:rPr lang="zh-CN" altLang="en-US" dirty="0"/>
               <a:t>二级</a:t>
             </a:r>
           </a:p>
           <a:p>
             <a:pPr lvl="2"/>
             <a:r>
-              <a:rPr lang="zh-CN" altLang="en-US"/>
+              <a:rPr lang="zh-CN" altLang="en-US" dirty="0"/>
               <a:t>三级</a:t>
             </a:r>
           </a:p>
           <a:p>
             <a:pPr lvl="3"/>
             <a:r>
-              <a:rPr lang="zh-CN" altLang="en-US"/>
+              <a:rPr lang="zh-CN" altLang="en-US" dirty="0"/>
               <a:t>四级</a:t>
             </a:r>
           </a:p>
           <a:p>
             <a:pPr lvl="4"/>
             <a:r>
-              <a:rPr lang="zh-CN" altLang="en-US"/>
+              <a:rPr lang="zh-CN" altLang="en-US" dirty="0"/>
               <a:t>五级</a:t>
             </a:r>
           </a:p>
@@ -888,7 +923,7 @@
           <a:p>
             <a:fld id="{02F3B6B3-6989-4F12-A574-BA0BBE6B3A09}" type="datetimeFigureOut">
               <a:rPr lang="zh-CN" altLang="en-US" smtClean="0"/>
-              <a:t>2019/4/15</a:t>
+              <a:t>2019/4/16</a:t>
             </a:fld>
             <a:endParaRPr lang="zh-CN" altLang="en-US"/>
           </a:p>
@@ -1163,7 +1198,7 @@
           <a:p>
             <a:fld id="{02F3B6B3-6989-4F12-A574-BA0BBE6B3A09}" type="datetimeFigureOut">
               <a:rPr lang="zh-CN" altLang="en-US" smtClean="0"/>
-              <a:t>2019/4/15</a:t>
+              <a:t>2019/4/16</a:t>
             </a:fld>
             <a:endParaRPr lang="zh-CN" altLang="en-US"/>
           </a:p>
@@ -1428,7 +1463,7 @@
           <a:p>
             <a:fld id="{02F3B6B3-6989-4F12-A574-BA0BBE6B3A09}" type="datetimeFigureOut">
               <a:rPr lang="zh-CN" altLang="en-US" smtClean="0"/>
-              <a:t>2019/4/15</a:t>
+              <a:t>2019/4/16</a:t>
             </a:fld>
             <a:endParaRPr lang="zh-CN" altLang="en-US"/>
           </a:p>
@@ -1840,7 +1875,7 @@
           <a:p>
             <a:fld id="{02F3B6B3-6989-4F12-A574-BA0BBE6B3A09}" type="datetimeFigureOut">
               <a:rPr lang="zh-CN" altLang="en-US" smtClean="0"/>
-              <a:t>2019/4/15</a:t>
+              <a:t>2019/4/16</a:t>
             </a:fld>
             <a:endParaRPr lang="zh-CN" altLang="en-US"/>
           </a:p>
@@ -1981,7 +2016,7 @@
           <a:p>
             <a:fld id="{02F3B6B3-6989-4F12-A574-BA0BBE6B3A09}" type="datetimeFigureOut">
               <a:rPr lang="zh-CN" altLang="en-US" smtClean="0"/>
-              <a:t>2019/4/15</a:t>
+              <a:t>2019/4/16</a:t>
             </a:fld>
             <a:endParaRPr lang="zh-CN" altLang="en-US"/>
           </a:p>
@@ -2094,7 +2129,7 @@
           <a:p>
             <a:fld id="{02F3B6B3-6989-4F12-A574-BA0BBE6B3A09}" type="datetimeFigureOut">
               <a:rPr lang="zh-CN" altLang="en-US" smtClean="0"/>
-              <a:t>2019/4/15</a:t>
+              <a:t>2019/4/16</a:t>
             </a:fld>
             <a:endParaRPr lang="zh-CN" altLang="en-US"/>
           </a:p>
@@ -2405,7 +2440,7 @@
           <a:p>
             <a:fld id="{02F3B6B3-6989-4F12-A574-BA0BBE6B3A09}" type="datetimeFigureOut">
               <a:rPr lang="zh-CN" altLang="en-US" smtClean="0"/>
-              <a:t>2019/4/15</a:t>
+              <a:t>2019/4/16</a:t>
             </a:fld>
             <a:endParaRPr lang="zh-CN" altLang="en-US"/>
           </a:p>
@@ -2693,7 +2728,7 @@
           <a:p>
             <a:fld id="{02F3B6B3-6989-4F12-A574-BA0BBE6B3A09}" type="datetimeFigureOut">
               <a:rPr lang="zh-CN" altLang="en-US" smtClean="0"/>
-              <a:t>2019/4/15</a:t>
+              <a:t>2019/4/16</a:t>
             </a:fld>
             <a:endParaRPr lang="zh-CN" altLang="en-US"/>
           </a:p>
@@ -2934,7 +2969,7 @@
           <a:p>
             <a:fld id="{02F3B6B3-6989-4F12-A574-BA0BBE6B3A09}" type="datetimeFigureOut">
               <a:rPr lang="zh-CN" altLang="en-US" smtClean="0"/>
-              <a:t>2019/4/15</a:t>
+              <a:t>2019/4/16</a:t>
             </a:fld>
             <a:endParaRPr lang="zh-CN" altLang="en-US"/>
           </a:p>
@@ -3959,7 +3994,7 @@
           <a:p>
             <a:r>
               <a:rPr lang="zh-CN" altLang="en-US" dirty="0"/>
-              <a:t>一个最常见的使用场景</a:t>
+              <a:t>初识</a:t>
             </a:r>
           </a:p>
         </p:txBody>
@@ -4034,7 +4069,7 @@
           <p:cNvPr id="2" name="标题 1">
             <a:extLst>
               <a:ext uri="{FF2B5EF4-FFF2-40B4-BE49-F238E27FC236}">
-                <a16:creationId xmlns:a16="http://schemas.microsoft.com/office/drawing/2014/main" id="{3635DF3F-7A8E-4DAD-AEC2-E73E14F13D51}"/>
+                <a16:creationId xmlns:a16="http://schemas.microsoft.com/office/drawing/2014/main" id="{6B2A403D-ED31-43B7-B238-03A7F86FB867}"/>
               </a:ext>
             </a:extLst>
           </p:cNvPr>
@@ -4051,136 +4086,55 @@
           <a:lstStyle/>
           <a:p>
             <a:r>
-              <a:rPr lang="zh-CN" altLang="en-US" dirty="0"/>
-              <a:t>特点</a:t>
-            </a:r>
-          </a:p>
-        </p:txBody>
-      </p:sp>
-      <p:sp>
-        <p:nvSpPr>
-          <p:cNvPr id="3" name="内容占位符 2">
-            <a:extLst>
-              <a:ext uri="{FF2B5EF4-FFF2-40B4-BE49-F238E27FC236}">
-                <a16:creationId xmlns:a16="http://schemas.microsoft.com/office/drawing/2014/main" id="{7FE4B908-2126-4F30-9597-3338EC68DF9F}"/>
-              </a:ext>
-            </a:extLst>
-          </p:cNvPr>
-          <p:cNvSpPr>
-            <a:spLocks noGrp="1"/>
-          </p:cNvSpPr>
+              <a:rPr lang="en-US" altLang="zh-CN" dirty="0"/>
+              <a:t>Zookeeper</a:t>
+            </a:r>
+            <a:r>
+              <a:rPr lang="zh-CN" altLang="en-US" dirty="0"/>
+              <a:t>架构</a:t>
+            </a:r>
+          </a:p>
+        </p:txBody>
+      </p:sp>
+      <p:pic>
+        <p:nvPicPr>
+          <p:cNvPr id="5" name="内容占位符 4">
+            <a:extLst>
+              <a:ext uri="{FF2B5EF4-FFF2-40B4-BE49-F238E27FC236}">
+                <a16:creationId xmlns:a16="http://schemas.microsoft.com/office/drawing/2014/main" id="{CE4E7A09-004B-4939-A89E-FB341791D21B}"/>
+              </a:ext>
+            </a:extLst>
+          </p:cNvPr>
+          <p:cNvPicPr>
+            <a:picLocks noGrp="1" noChangeAspect="1"/>
+          </p:cNvPicPr>
           <p:nvPr>
             <p:ph idx="1"/>
           </p:nvPr>
-        </p:nvSpPr>
-        <p:spPr/>
-        <p:txBody>
-          <a:bodyPr>
-            <a:normAutofit lnSpcReduction="10000"/>
-          </a:bodyPr>
-          <a:lstStyle/>
-          <a:p>
-            <a:r>
-              <a:rPr lang="zh-CN" altLang="en-US" dirty="0"/>
-              <a:t>* 简单化：</a:t>
-            </a:r>
-            <a:r>
-              <a:rPr lang="en-US" altLang="zh-CN" dirty="0" err="1"/>
-              <a:t>ZooKeeper</a:t>
-            </a:r>
-            <a:r>
-              <a:rPr lang="zh-CN" altLang="en-US" dirty="0"/>
-              <a:t>允许各分布式进程通过一个共享的命名空间相互联系，该命名空间类似于一个标准的层次型的文件系统。</a:t>
-            </a:r>
-          </a:p>
-          <a:p>
-            <a:r>
-              <a:rPr lang="zh-CN" altLang="en-US" dirty="0"/>
-              <a:t>* 顺序一致性：按照客户端发送请求的顺序更新数据。</a:t>
-            </a:r>
-          </a:p>
-          <a:p>
-            <a:r>
-              <a:rPr lang="zh-CN" altLang="en-US" dirty="0"/>
-              <a:t>* 原子性：更新要么成功，要么失败，不会出现部分更新。</a:t>
-            </a:r>
-          </a:p>
-          <a:p>
-            <a:r>
-              <a:rPr lang="zh-CN" altLang="en-US" dirty="0"/>
-              <a:t>* 单一性 ：无论客户端连接哪个 </a:t>
-            </a:r>
-            <a:r>
-              <a:rPr lang="en-US" altLang="zh-CN" dirty="0"/>
-              <a:t>server</a:t>
-            </a:r>
-            <a:r>
-              <a:rPr lang="zh-CN" altLang="en-US" dirty="0"/>
-              <a:t>，都会看到同一个视图。</a:t>
-            </a:r>
-          </a:p>
-          <a:p>
-            <a:r>
-              <a:rPr lang="zh-CN" altLang="en-US" dirty="0"/>
-              <a:t>* 可靠性：一旦数据更新成功，将一直保持，直到新的更新。</a:t>
-            </a:r>
-          </a:p>
-          <a:p>
-            <a:r>
-              <a:rPr lang="zh-CN" altLang="en-US" dirty="0"/>
-              <a:t>* 及时性：客户端会在一个确定的时间内得到最新的数据。</a:t>
-            </a:r>
-          </a:p>
-          <a:p>
-            <a:r>
-              <a:rPr lang="zh-CN" altLang="en-US" dirty="0"/>
-              <a:t>* 速度优势：</a:t>
-            </a:r>
-            <a:r>
-              <a:rPr lang="en-US" altLang="zh-CN" dirty="0" err="1"/>
-              <a:t>ZooKeeper</a:t>
-            </a:r>
-            <a:r>
-              <a:rPr lang="zh-CN" altLang="en-US" dirty="0"/>
-              <a:t>特别适合于以读为主要负荷的场合。</a:t>
-            </a:r>
-            <a:r>
-              <a:rPr lang="en-US" altLang="zh-CN" dirty="0" err="1"/>
-              <a:t>ZooKeeper</a:t>
-            </a:r>
-            <a:r>
-              <a:rPr lang="zh-CN" altLang="en-US" dirty="0"/>
-              <a:t>可以运行在数千台机器上，如果大部分操作为读，例如读写比例为</a:t>
-            </a:r>
-            <a:r>
-              <a:rPr lang="en-US" altLang="zh-CN" dirty="0"/>
-              <a:t>10:1</a:t>
-            </a:r>
-            <a:r>
-              <a:rPr lang="zh-CN" altLang="en-US" dirty="0"/>
-              <a:t>，</a:t>
-            </a:r>
-            <a:r>
-              <a:rPr lang="en-US" altLang="zh-CN" dirty="0" err="1"/>
-              <a:t>ZooKeeper</a:t>
-            </a:r>
-            <a:r>
-              <a:rPr lang="zh-CN" altLang="en-US" dirty="0"/>
-              <a:t>的效率会很高。</a:t>
-            </a:r>
-          </a:p>
-          <a:p>
-            <a:pPr marL="0" indent="0">
-              <a:buNone/>
-            </a:pPr>
-            <a:endParaRPr lang="zh-CN" altLang="en-US" dirty="0"/>
-          </a:p>
-        </p:txBody>
-      </p:sp>
+        </p:nvPicPr>
+        <p:blipFill>
+          <a:blip r:embed="rId2">
+            <a:extLst>
+              <a:ext uri="{28A0092B-C50C-407E-A947-70E740481C1C}">
+                <a14:useLocalDpi xmlns:a14="http://schemas.microsoft.com/office/drawing/2010/main" val="0"/>
+              </a:ext>
+            </a:extLst>
+          </a:blip>
+          <a:stretch>
+            <a:fillRect/>
+          </a:stretch>
+        </p:blipFill>
+        <p:spPr>
+          <a:xfrm>
+            <a:off x="1483216" y="2312127"/>
+            <a:ext cx="9225568" cy="2844550"/>
+          </a:xfrm>
+        </p:spPr>
+      </p:pic>
     </p:spTree>
     <p:extLst>
       <p:ext uri="{BB962C8B-B14F-4D97-AF65-F5344CB8AC3E}">
-        <p14:creationId xmlns:p14="http://schemas.microsoft.com/office/powerpoint/2010/main" val="792188103"/>
+        <p14:creationId xmlns:p14="http://schemas.microsoft.com/office/powerpoint/2010/main" val="618646728"/>
       </p:ext>
     </p:extLst>
   </p:cSld>
@@ -4212,7 +4166,7 @@
           <p:cNvPr id="2" name="标题 1">
             <a:extLst>
               <a:ext uri="{FF2B5EF4-FFF2-40B4-BE49-F238E27FC236}">
-                <a16:creationId xmlns:a16="http://schemas.microsoft.com/office/drawing/2014/main" id="{49CB5E46-4230-4482-AAA9-CB0951668D5F}"/>
+                <a16:creationId xmlns:a16="http://schemas.microsoft.com/office/drawing/2014/main" id="{6319E19F-44AF-4C67-AE1B-E6729479D102}"/>
               </a:ext>
             </a:extLst>
           </p:cNvPr>
@@ -4230,105 +4184,50 @@
           <a:p>
             <a:r>
               <a:rPr lang="zh-CN" altLang="en-US" dirty="0"/>
-              <a:t>运用场景</a:t>
-            </a:r>
-          </a:p>
-        </p:txBody>
-      </p:sp>
-      <p:sp>
-        <p:nvSpPr>
-          <p:cNvPr id="3" name="内容占位符 2">
-            <a:extLst>
-              <a:ext uri="{FF2B5EF4-FFF2-40B4-BE49-F238E27FC236}">
-                <a16:creationId xmlns:a16="http://schemas.microsoft.com/office/drawing/2014/main" id="{B4B7B0A8-FE08-4D51-9B3D-EFA39D78D209}"/>
-              </a:ext>
-            </a:extLst>
-          </p:cNvPr>
-          <p:cNvSpPr>
-            <a:spLocks noGrp="1"/>
-          </p:cNvSpPr>
+              <a:t>角色</a:t>
+            </a:r>
+          </a:p>
+        </p:txBody>
+      </p:sp>
+      <p:pic>
+        <p:nvPicPr>
+          <p:cNvPr id="5" name="内容占位符 4">
+            <a:extLst>
+              <a:ext uri="{FF2B5EF4-FFF2-40B4-BE49-F238E27FC236}">
+                <a16:creationId xmlns:a16="http://schemas.microsoft.com/office/drawing/2014/main" id="{19559142-90AC-491C-93FF-BBCFBE3E9C00}"/>
+              </a:ext>
+            </a:extLst>
+          </p:cNvPr>
+          <p:cNvPicPr>
+            <a:picLocks noGrp="1" noChangeAspect="1"/>
+          </p:cNvPicPr>
           <p:nvPr>
             <p:ph idx="1"/>
           </p:nvPr>
-        </p:nvSpPr>
-        <p:spPr/>
-        <p:txBody>
-          <a:bodyPr/>
-          <a:lstStyle/>
-          <a:p>
-            <a:r>
-              <a:rPr lang="zh-CN" altLang="en-US" dirty="0"/>
-              <a:t>* 数据发布与订阅（配置中心）</a:t>
-            </a:r>
-          </a:p>
-          <a:p>
-            <a:r>
-              <a:rPr lang="zh-CN" altLang="en-US" dirty="0"/>
-              <a:t>* 负载均衡</a:t>
-            </a:r>
-          </a:p>
-          <a:p>
-            <a:r>
-              <a:rPr lang="zh-CN" altLang="en-US" dirty="0"/>
-              <a:t>* 命名服务</a:t>
-            </a:r>
-            <a:r>
-              <a:rPr lang="en-US" altLang="zh-CN" dirty="0"/>
-              <a:t>(Naming Service)</a:t>
-            </a:r>
-          </a:p>
-          <a:p>
-            <a:r>
-              <a:rPr lang="zh-CN" altLang="en-US" dirty="0"/>
-              <a:t>* 分布式通知</a:t>
-            </a:r>
-            <a:r>
-              <a:rPr lang="en-US" altLang="zh-CN" dirty="0"/>
-              <a:t>/</a:t>
-            </a:r>
-            <a:r>
-              <a:rPr lang="zh-CN" altLang="en-US" dirty="0"/>
-              <a:t>协调</a:t>
-            </a:r>
-          </a:p>
-          <a:p>
-            <a:r>
-              <a:rPr lang="zh-CN" altLang="en-US" dirty="0"/>
-              <a:t>* 集群管理与</a:t>
-            </a:r>
-            <a:r>
-              <a:rPr lang="en-US" altLang="zh-CN" dirty="0"/>
-              <a:t>Master</a:t>
-            </a:r>
-            <a:r>
-              <a:rPr lang="zh-CN" altLang="en-US" dirty="0"/>
-              <a:t>选举</a:t>
-            </a:r>
-          </a:p>
-          <a:p>
-            <a:r>
-              <a:rPr lang="zh-CN" altLang="en-US" dirty="0"/>
-              <a:t>* 分布式锁</a:t>
-            </a:r>
-          </a:p>
-          <a:p>
-            <a:r>
-              <a:rPr lang="zh-CN" altLang="en-US" dirty="0"/>
-              <a:t>* 分布式队列</a:t>
-            </a:r>
-          </a:p>
-          <a:p>
-            <a:pPr marL="0" indent="0">
-              <a:buNone/>
-            </a:pPr>
-            <a:endParaRPr lang="zh-CN" altLang="en-US" dirty="0"/>
-          </a:p>
-        </p:txBody>
-      </p:sp>
+        </p:nvPicPr>
+        <p:blipFill>
+          <a:blip r:embed="rId2">
+            <a:extLst>
+              <a:ext uri="{28A0092B-C50C-407E-A947-70E740481C1C}">
+                <a14:useLocalDpi xmlns:a14="http://schemas.microsoft.com/office/drawing/2010/main" val="0"/>
+              </a:ext>
+            </a:extLst>
+          </a:blip>
+          <a:stretch>
+            <a:fillRect/>
+          </a:stretch>
+        </p:blipFill>
+        <p:spPr>
+          <a:xfrm>
+            <a:off x="2785600" y="1910264"/>
+            <a:ext cx="6620799" cy="4182059"/>
+          </a:xfrm>
+        </p:spPr>
+      </p:pic>
     </p:spTree>
     <p:extLst>
       <p:ext uri="{BB962C8B-B14F-4D97-AF65-F5344CB8AC3E}">
-        <p14:creationId xmlns:p14="http://schemas.microsoft.com/office/powerpoint/2010/main" val="1747751006"/>
+        <p14:creationId xmlns:p14="http://schemas.microsoft.com/office/powerpoint/2010/main" val="392673341"/>
       </p:ext>
     </p:extLst>
   </p:cSld>
@@ -4360,7 +4259,7 @@
           <p:cNvPr id="2" name="标题 1">
             <a:extLst>
               <a:ext uri="{FF2B5EF4-FFF2-40B4-BE49-F238E27FC236}">
-                <a16:creationId xmlns:a16="http://schemas.microsoft.com/office/drawing/2014/main" id="{6B2A403D-ED31-43B7-B238-03A7F86FB867}"/>
+                <a16:creationId xmlns:a16="http://schemas.microsoft.com/office/drawing/2014/main" id="{BA376285-25E6-4386-9F04-FE22B850067F}"/>
               </a:ext>
             </a:extLst>
           </p:cNvPr>
@@ -4378,54 +4277,121 @@
           <a:p>
             <a:r>
               <a:rPr lang="en-US" altLang="zh-CN" dirty="0"/>
-              <a:t>Zookeeper</a:t>
-            </a:r>
-            <a:r>
-              <a:rPr lang="zh-CN" altLang="en-US" dirty="0"/>
-              <a:t>架构</a:t>
-            </a:r>
-          </a:p>
-        </p:txBody>
-      </p:sp>
-      <p:pic>
-        <p:nvPicPr>
-          <p:cNvPr id="5" name="内容占位符 4">
-            <a:extLst>
-              <a:ext uri="{FF2B5EF4-FFF2-40B4-BE49-F238E27FC236}">
-                <a16:creationId xmlns:a16="http://schemas.microsoft.com/office/drawing/2014/main" id="{CE4E7A09-004B-4939-A89E-FB341791D21B}"/>
-              </a:ext>
-            </a:extLst>
-          </p:cNvPr>
-          <p:cNvPicPr>
-            <a:picLocks noGrp="1" noChangeAspect="1"/>
-          </p:cNvPicPr>
+              <a:t>Follower</a:t>
+            </a:r>
+            <a:endParaRPr lang="zh-CN" altLang="en-US" dirty="0"/>
+          </a:p>
+        </p:txBody>
+      </p:sp>
+      <p:sp>
+        <p:nvSpPr>
+          <p:cNvPr id="3" name="内容占位符 2">
+            <a:extLst>
+              <a:ext uri="{FF2B5EF4-FFF2-40B4-BE49-F238E27FC236}">
+                <a16:creationId xmlns:a16="http://schemas.microsoft.com/office/drawing/2014/main" id="{2ECDBB47-D5A5-4352-81E9-EF5EB98E860B}"/>
+              </a:ext>
+            </a:extLst>
+          </p:cNvPr>
+          <p:cNvSpPr>
+            <a:spLocks noGrp="1"/>
+          </p:cNvSpPr>
           <p:nvPr>
             <p:ph idx="1"/>
           </p:nvPr>
-        </p:nvPicPr>
-        <p:blipFill>
-          <a:blip r:embed="rId2">
-            <a:extLst>
-              <a:ext uri="{28A0092B-C50C-407E-A947-70E740481C1C}">
-                <a14:useLocalDpi xmlns:a14="http://schemas.microsoft.com/office/drawing/2010/main" val="0"/>
-              </a:ext>
-            </a:extLst>
-          </a:blip>
-          <a:stretch>
-            <a:fillRect/>
-          </a:stretch>
-        </p:blipFill>
-        <p:spPr>
-          <a:xfrm>
-            <a:off x="1483216" y="2312127"/>
-            <a:ext cx="9225568" cy="2844550"/>
-          </a:xfrm>
-        </p:spPr>
-      </p:pic>
+        </p:nvSpPr>
+        <p:spPr/>
+        <p:txBody>
+          <a:bodyPr/>
+          <a:lstStyle/>
+          <a:p>
+            <a:pPr marL="0" indent="0">
+              <a:buNone/>
+            </a:pPr>
+            <a:r>
+              <a:rPr lang="en-US" altLang="zh-CN" dirty="0"/>
+              <a:t>	Follower</a:t>
+            </a:r>
+            <a:r>
+              <a:rPr lang="zh-CN" altLang="en-US" dirty="0"/>
+              <a:t>主要是响应本服务器上的读请求外，另外</a:t>
+            </a:r>
+            <a:r>
+              <a:rPr lang="en-US" altLang="zh-CN" dirty="0"/>
+              <a:t>follower</a:t>
+            </a:r>
+            <a:r>
+              <a:rPr lang="zh-CN" altLang="en-US" dirty="0"/>
+              <a:t>还要处理</a:t>
+            </a:r>
+            <a:r>
+              <a:rPr lang="en-US" altLang="zh-CN" dirty="0"/>
+              <a:t>leader</a:t>
+            </a:r>
+            <a:r>
+              <a:rPr lang="zh-CN" altLang="en-US" dirty="0"/>
+              <a:t>的提议，并在</a:t>
+            </a:r>
+            <a:r>
+              <a:rPr lang="en-US" altLang="zh-CN" dirty="0"/>
+              <a:t>leader</a:t>
+            </a:r>
+            <a:r>
+              <a:rPr lang="zh-CN" altLang="en-US" dirty="0"/>
+              <a:t>提交该提议时在本地也进行提交。另外需要注意的是，</a:t>
+            </a:r>
+            <a:r>
+              <a:rPr lang="en-US" altLang="zh-CN" dirty="0"/>
+              <a:t>leader</a:t>
+            </a:r>
+            <a:r>
+              <a:rPr lang="zh-CN" altLang="en-US" dirty="0"/>
+              <a:t>和</a:t>
+            </a:r>
+            <a:r>
+              <a:rPr lang="en-US" altLang="zh-CN" dirty="0"/>
+              <a:t>follower</a:t>
+            </a:r>
+            <a:r>
+              <a:rPr lang="zh-CN" altLang="en-US" dirty="0"/>
+              <a:t>构成</a:t>
+            </a:r>
+            <a:r>
+              <a:rPr lang="en-US" altLang="zh-CN" dirty="0" err="1"/>
+              <a:t>ZooKeeper</a:t>
+            </a:r>
+            <a:r>
+              <a:rPr lang="zh-CN" altLang="en-US" dirty="0"/>
+              <a:t>集群的法定人数，也就是说，只有他们才参与新</a:t>
+            </a:r>
+            <a:r>
+              <a:rPr lang="en-US" altLang="zh-CN" dirty="0"/>
+              <a:t>leader</a:t>
+            </a:r>
+            <a:r>
+              <a:rPr lang="zh-CN" altLang="en-US" dirty="0"/>
+              <a:t>的选举、响应</a:t>
+            </a:r>
+            <a:r>
+              <a:rPr lang="en-US" altLang="zh-CN" dirty="0"/>
+              <a:t>leader</a:t>
+            </a:r>
+            <a:r>
+              <a:rPr lang="zh-CN" altLang="en-US" dirty="0"/>
+              <a:t>的提议。</a:t>
+            </a:r>
+          </a:p>
+          <a:p>
+            <a:pPr marL="0" indent="0">
+              <a:buNone/>
+            </a:pPr>
+            <a:endParaRPr lang="zh-CN" altLang="en-US" dirty="0"/>
+          </a:p>
+        </p:txBody>
+      </p:sp>
     </p:spTree>
     <p:extLst>
       <p:ext uri="{BB962C8B-B14F-4D97-AF65-F5344CB8AC3E}">
-        <p14:creationId xmlns:p14="http://schemas.microsoft.com/office/powerpoint/2010/main" val="618646728"/>
+        <p14:creationId xmlns:p14="http://schemas.microsoft.com/office/powerpoint/2010/main" val="3451986754"/>
       </p:ext>
     </p:extLst>
   </p:cSld>
@@ -4457,7 +4423,7 @@
           <p:cNvPr id="2" name="标题 1">
             <a:extLst>
               <a:ext uri="{FF2B5EF4-FFF2-40B4-BE49-F238E27FC236}">
-                <a16:creationId xmlns:a16="http://schemas.microsoft.com/office/drawing/2014/main" id="{6319E19F-44AF-4C67-AE1B-E6729479D102}"/>
+                <a16:creationId xmlns:a16="http://schemas.microsoft.com/office/drawing/2014/main" id="{1984845D-D513-4A76-813B-38DAFBE08DC7}"/>
               </a:ext>
             </a:extLst>
           </p:cNvPr>
@@ -4474,51 +4440,82 @@
           <a:lstStyle/>
           <a:p>
             <a:r>
-              <a:rPr lang="zh-CN" altLang="en-US" dirty="0"/>
-              <a:t>角色</a:t>
-            </a:r>
-          </a:p>
-        </p:txBody>
-      </p:sp>
-      <p:pic>
-        <p:nvPicPr>
-          <p:cNvPr id="5" name="内容占位符 4">
-            <a:extLst>
-              <a:ext uri="{FF2B5EF4-FFF2-40B4-BE49-F238E27FC236}">
-                <a16:creationId xmlns:a16="http://schemas.microsoft.com/office/drawing/2014/main" id="{19559142-90AC-491C-93FF-BBCFBE3E9C00}"/>
-              </a:ext>
-            </a:extLst>
-          </p:cNvPr>
-          <p:cNvPicPr>
-            <a:picLocks noGrp="1" noChangeAspect="1"/>
-          </p:cNvPicPr>
+              <a:rPr lang="en-US" altLang="zh-CN" dirty="0"/>
+              <a:t>Leader</a:t>
+            </a:r>
+            <a:endParaRPr lang="zh-CN" altLang="en-US" dirty="0"/>
+          </a:p>
+        </p:txBody>
+      </p:sp>
+      <p:sp>
+        <p:nvSpPr>
+          <p:cNvPr id="3" name="内容占位符 2">
+            <a:extLst>
+              <a:ext uri="{FF2B5EF4-FFF2-40B4-BE49-F238E27FC236}">
+                <a16:creationId xmlns:a16="http://schemas.microsoft.com/office/drawing/2014/main" id="{DFE70ABA-2562-4AFD-B689-D4397CFAFA7E}"/>
+              </a:ext>
+            </a:extLst>
+          </p:cNvPr>
+          <p:cNvSpPr>
+            <a:spLocks noGrp="1"/>
+          </p:cNvSpPr>
           <p:nvPr>
             <p:ph idx="1"/>
           </p:nvPr>
-        </p:nvPicPr>
-        <p:blipFill>
-          <a:blip r:embed="rId2">
-            <a:extLst>
-              <a:ext uri="{28A0092B-C50C-407E-A947-70E740481C1C}">
-                <a14:useLocalDpi xmlns:a14="http://schemas.microsoft.com/office/drawing/2010/main" val="0"/>
-              </a:ext>
-            </a:extLst>
-          </a:blip>
-          <a:stretch>
-            <a:fillRect/>
-          </a:stretch>
-        </p:blipFill>
-        <p:spPr>
-          <a:xfrm>
-            <a:off x="2785600" y="1910264"/>
-            <a:ext cx="6620799" cy="4182059"/>
-          </a:xfrm>
-        </p:spPr>
-      </p:pic>
+        </p:nvSpPr>
+        <p:spPr/>
+        <p:txBody>
+          <a:bodyPr/>
+          <a:lstStyle/>
+          <a:p>
+            <a:pPr marL="0" indent="0">
+              <a:buNone/>
+            </a:pPr>
+            <a:r>
+              <a:rPr lang="en-US" altLang="zh-CN" dirty="0"/>
+              <a:t>	Leader</a:t>
+            </a:r>
+            <a:r>
+              <a:rPr lang="zh-CN" altLang="en-US" dirty="0"/>
+              <a:t>作为整个</a:t>
+            </a:r>
+            <a:r>
+              <a:rPr lang="en-US" altLang="zh-CN" dirty="0" err="1"/>
+              <a:t>ZooKeeper</a:t>
+            </a:r>
+            <a:r>
+              <a:rPr lang="zh-CN" altLang="en-US" dirty="0"/>
+              <a:t>集群的主节点，负责响应所有对</a:t>
+            </a:r>
+            <a:r>
+              <a:rPr lang="en-US" altLang="zh-CN" dirty="0" err="1"/>
+              <a:t>ZooKeeper</a:t>
+            </a:r>
+            <a:r>
+              <a:rPr lang="zh-CN" altLang="en-US" dirty="0"/>
+              <a:t>状态变更的请求。它会将每个状态更新请求进行排序和编号，以便保证整个集群内部消息处理的</a:t>
+            </a:r>
+            <a:r>
+              <a:rPr lang="en-US" altLang="zh-CN" dirty="0"/>
+              <a:t>FIFO</a:t>
+            </a:r>
+            <a:r>
+              <a:rPr lang="zh-CN" altLang="en-US" dirty="0"/>
+              <a:t>。</a:t>
+            </a:r>
+          </a:p>
+          <a:p>
+            <a:pPr marL="0" indent="0">
+              <a:buNone/>
+            </a:pPr>
+            <a:endParaRPr lang="zh-CN" altLang="en-US" dirty="0"/>
+          </a:p>
+        </p:txBody>
+      </p:sp>
     </p:spTree>
     <p:extLst>
       <p:ext uri="{BB962C8B-B14F-4D97-AF65-F5344CB8AC3E}">
-        <p14:creationId xmlns:p14="http://schemas.microsoft.com/office/powerpoint/2010/main" val="392673341"/>
+        <p14:creationId xmlns:p14="http://schemas.microsoft.com/office/powerpoint/2010/main" val="2639750782"/>
       </p:ext>
     </p:extLst>
   </p:cSld>
@@ -4550,7 +4547,7 @@
           <p:cNvPr id="2" name="标题 1">
             <a:extLst>
               <a:ext uri="{FF2B5EF4-FFF2-40B4-BE49-F238E27FC236}">
-                <a16:creationId xmlns:a16="http://schemas.microsoft.com/office/drawing/2014/main" id="{1984845D-D513-4A76-813B-38DAFBE08DC7}"/>
+                <a16:creationId xmlns:a16="http://schemas.microsoft.com/office/drawing/2014/main" id="{C0A5E2B8-53D2-4882-89DF-563A79FB22F6}"/>
               </a:ext>
             </a:extLst>
           </p:cNvPr>
@@ -4568,67 +4565,51 @@
           <a:p>
             <a:r>
               <a:rPr lang="en-US" altLang="zh-CN" dirty="0"/>
+              <a:t>Observe</a:t>
+            </a:r>
+            <a:endParaRPr lang="zh-CN" altLang="en-US" dirty="0"/>
+          </a:p>
+        </p:txBody>
+      </p:sp>
+      <p:sp>
+        <p:nvSpPr>
+          <p:cNvPr id="3" name="内容占位符 2">
+            <a:extLst>
+              <a:ext uri="{FF2B5EF4-FFF2-40B4-BE49-F238E27FC236}">
+                <a16:creationId xmlns:a16="http://schemas.microsoft.com/office/drawing/2014/main" id="{9B2367EF-9438-4BFF-870D-412FF2A17AB2}"/>
+              </a:ext>
+            </a:extLst>
+          </p:cNvPr>
+          <p:cNvSpPr>
+            <a:spLocks noGrp="1"/>
+          </p:cNvSpPr>
+          <p:nvPr>
+            <p:ph idx="1"/>
+          </p:nvPr>
+        </p:nvSpPr>
+        <p:spPr/>
+        <p:txBody>
+          <a:bodyPr/>
+          <a:lstStyle/>
+          <a:p>
+            <a:pPr marL="0" indent="0">
+              <a:buNone/>
+            </a:pPr>
+            <a:r>
+              <a:rPr lang="en-US" altLang="zh-CN" dirty="0"/>
+              <a:t>	</a:t>
+            </a:r>
+            <a:r>
+              <a:rPr lang="zh-CN" altLang="en-US" dirty="0"/>
+              <a:t>为客户端提供读服务器，如果是写服务则转发给</a:t>
+            </a:r>
+            <a:r>
+              <a:rPr lang="en-US" altLang="zh-CN" dirty="0"/>
               <a:t>Leader</a:t>
             </a:r>
-            <a:endParaRPr lang="zh-CN" altLang="en-US" dirty="0"/>
-          </a:p>
-        </p:txBody>
-      </p:sp>
-      <p:sp>
-        <p:nvSpPr>
-          <p:cNvPr id="3" name="内容占位符 2">
-            <a:extLst>
-              <a:ext uri="{FF2B5EF4-FFF2-40B4-BE49-F238E27FC236}">
-                <a16:creationId xmlns:a16="http://schemas.microsoft.com/office/drawing/2014/main" id="{DFE70ABA-2562-4AFD-B689-D4397CFAFA7E}"/>
-              </a:ext>
-            </a:extLst>
-          </p:cNvPr>
-          <p:cNvSpPr>
-            <a:spLocks noGrp="1"/>
-          </p:cNvSpPr>
-          <p:nvPr>
-            <p:ph idx="1"/>
-          </p:nvPr>
-        </p:nvSpPr>
-        <p:spPr/>
-        <p:txBody>
-          <a:bodyPr/>
-          <a:lstStyle/>
-          <a:p>
-            <a:pPr marL="0" indent="0">
-              <a:buNone/>
-            </a:pPr>
-            <a:r>
-              <a:rPr lang="en-US" altLang="zh-CN" dirty="0"/>
-              <a:t>	Leader</a:t>
-            </a:r>
-            <a:r>
-              <a:rPr lang="zh-CN" altLang="en-US" dirty="0"/>
-              <a:t>作为整个</a:t>
-            </a:r>
-            <a:r>
-              <a:rPr lang="en-US" altLang="zh-CN" dirty="0" err="1"/>
-              <a:t>ZooKeeper</a:t>
-            </a:r>
-            <a:r>
-              <a:rPr lang="zh-CN" altLang="en-US" dirty="0"/>
-              <a:t>集群的主节点，负责响应所有对</a:t>
-            </a:r>
-            <a:r>
-              <a:rPr lang="en-US" altLang="zh-CN" dirty="0" err="1"/>
-              <a:t>ZooKeeper</a:t>
-            </a:r>
-            <a:r>
-              <a:rPr lang="zh-CN" altLang="en-US" dirty="0"/>
-              <a:t>状态变更的请求。它会将每个状态更新请求进行排序和编号，以便保证整个集群内部消息处理的</a:t>
-            </a:r>
-            <a:r>
-              <a:rPr lang="en-US" altLang="zh-CN" dirty="0"/>
-              <a:t>FIFO</a:t>
-            </a:r>
-            <a:r>
-              <a:rPr lang="zh-CN" altLang="en-US" dirty="0"/>
-              <a:t>。</a:t>
+            <a:r>
+              <a:rPr lang="zh-CN" altLang="en-US" dirty="0"/>
+              <a:t>。不参与选举过程中的投票，也不参与“过半写成功”策略。在不影响写性能的情况下提升集群的读性能。</a:t>
             </a:r>
           </a:p>
           <a:p>
@@ -4642,7 +4623,7 @@
     </p:spTree>
     <p:extLst>
       <p:ext uri="{BB962C8B-B14F-4D97-AF65-F5344CB8AC3E}">
-        <p14:creationId xmlns:p14="http://schemas.microsoft.com/office/powerpoint/2010/main" val="2639750782"/>
+        <p14:creationId xmlns:p14="http://schemas.microsoft.com/office/powerpoint/2010/main" val="4135364076"/>
       </p:ext>
     </p:extLst>
   </p:cSld>
@@ -4767,7 +4748,7 @@
           <p:cNvPr id="2" name="标题 1">
             <a:extLst>
               <a:ext uri="{FF2B5EF4-FFF2-40B4-BE49-F238E27FC236}">
-                <a16:creationId xmlns:a16="http://schemas.microsoft.com/office/drawing/2014/main" id="{BA376285-25E6-4386-9F04-FE22B850067F}"/>
+                <a16:creationId xmlns:a16="http://schemas.microsoft.com/office/drawing/2014/main" id="{C5EA2378-1760-4069-BAC4-6F0250E51EC7}"/>
               </a:ext>
             </a:extLst>
           </p:cNvPr>
@@ -4785,7 +4766,7 @@
           <a:p>
             <a:r>
               <a:rPr lang="en-US" altLang="zh-CN" dirty="0"/>
-              <a:t>Follower</a:t>
+              <a:t>client</a:t>
             </a:r>
             <a:endParaRPr lang="zh-CN" altLang="en-US" dirty="0"/>
           </a:p>
@@ -4796,7 +4777,7 @@
           <p:cNvPr id="3" name="内容占位符 2">
             <a:extLst>
               <a:ext uri="{FF2B5EF4-FFF2-40B4-BE49-F238E27FC236}">
-                <a16:creationId xmlns:a16="http://schemas.microsoft.com/office/drawing/2014/main" id="{2ECDBB47-D5A5-4352-81E9-EF5EB98E860B}"/>
+                <a16:creationId xmlns:a16="http://schemas.microsoft.com/office/drawing/2014/main" id="{56C5EA89-C47F-4485-A327-F49B2B92F417}"/>
               </a:ext>
             </a:extLst>
           </p:cNvPr>
@@ -4817,75 +4798,27 @@
             </a:pPr>
             <a:r>
               <a:rPr lang="en-US" altLang="zh-CN" dirty="0"/>
-              <a:t>	Follower</a:t>
-            </a:r>
-            <a:r>
-              <a:rPr lang="zh-CN" altLang="en-US" dirty="0"/>
-              <a:t>主要是响应本服务器上的读请求外，另外</a:t>
-            </a:r>
-            <a:r>
-              <a:rPr lang="en-US" altLang="zh-CN" dirty="0"/>
-              <a:t>follower</a:t>
-            </a:r>
-            <a:r>
-              <a:rPr lang="zh-CN" altLang="en-US" dirty="0"/>
-              <a:t>还要处理</a:t>
-            </a:r>
-            <a:r>
-              <a:rPr lang="en-US" altLang="zh-CN" dirty="0"/>
-              <a:t>leader</a:t>
-            </a:r>
-            <a:r>
-              <a:rPr lang="zh-CN" altLang="en-US" dirty="0"/>
-              <a:t>的提议，并在</a:t>
-            </a:r>
-            <a:r>
-              <a:rPr lang="en-US" altLang="zh-CN" dirty="0"/>
-              <a:t>leader</a:t>
-            </a:r>
-            <a:r>
-              <a:rPr lang="zh-CN" altLang="en-US" dirty="0"/>
-              <a:t>提交该提议时在本地也进行提交。另外需要注意的是，</a:t>
-            </a:r>
-            <a:r>
-              <a:rPr lang="en-US" altLang="zh-CN" dirty="0"/>
-              <a:t>leader</a:t>
-            </a:r>
-            <a:r>
-              <a:rPr lang="zh-CN" altLang="en-US" dirty="0"/>
-              <a:t>和</a:t>
-            </a:r>
-            <a:r>
-              <a:rPr lang="en-US" altLang="zh-CN" dirty="0"/>
-              <a:t>follower</a:t>
-            </a:r>
-            <a:r>
-              <a:rPr lang="zh-CN" altLang="en-US" dirty="0"/>
-              <a:t>构成</a:t>
-            </a:r>
-            <a:r>
-              <a:rPr lang="en-US" altLang="zh-CN" dirty="0" err="1"/>
-              <a:t>ZooKeeper</a:t>
-            </a:r>
-            <a:r>
-              <a:rPr lang="zh-CN" altLang="en-US" dirty="0"/>
-              <a:t>集群的法定人数，也就是说，只有他们才参与新</a:t>
-            </a:r>
-            <a:r>
-              <a:rPr lang="en-US" altLang="zh-CN" dirty="0"/>
-              <a:t>leader</a:t>
-            </a:r>
-            <a:r>
-              <a:rPr lang="zh-CN" altLang="en-US" dirty="0"/>
-              <a:t>的选举、响应</a:t>
-            </a:r>
-            <a:r>
-              <a:rPr lang="en-US" altLang="zh-CN" dirty="0"/>
-              <a:t>leader</a:t>
-            </a:r>
-            <a:r>
-              <a:rPr lang="zh-CN" altLang="en-US" dirty="0"/>
-              <a:t>的提议。</a:t>
+              <a:t>	</a:t>
+            </a:r>
+            <a:r>
+              <a:rPr lang="zh-CN" altLang="en-US" dirty="0"/>
+              <a:t>连接</a:t>
+            </a:r>
+            <a:r>
+              <a:rPr lang="en-US" altLang="zh-CN" dirty="0"/>
+              <a:t>zookeeper</a:t>
+            </a:r>
+            <a:r>
+              <a:rPr lang="zh-CN" altLang="en-US" dirty="0"/>
+              <a:t>服务器的使用着，请求的发起者。独立于</a:t>
+            </a:r>
+            <a:r>
+              <a:rPr lang="en-US" altLang="zh-CN" dirty="0"/>
+              <a:t>zookeeper</a:t>
+            </a:r>
+            <a:r>
+              <a:rPr lang="zh-CN" altLang="en-US" dirty="0"/>
+              <a:t>服务器集群之外的角色。</a:t>
             </a:r>
           </a:p>
           <a:p>
@@ -4899,7 +4832,7 @@
     </p:spTree>
     <p:extLst>
       <p:ext uri="{BB962C8B-B14F-4D97-AF65-F5344CB8AC3E}">
-        <p14:creationId xmlns:p14="http://schemas.microsoft.com/office/powerpoint/2010/main" val="3451986754"/>
+        <p14:creationId xmlns:p14="http://schemas.microsoft.com/office/powerpoint/2010/main" val="3652754791"/>
       </p:ext>
     </p:extLst>
   </p:cSld>
@@ -4931,7 +4864,7 @@
           <p:cNvPr id="2" name="标题 1">
             <a:extLst>
               <a:ext uri="{FF2B5EF4-FFF2-40B4-BE49-F238E27FC236}">
-                <a16:creationId xmlns:a16="http://schemas.microsoft.com/office/drawing/2014/main" id="{C0A5E2B8-53D2-4882-89DF-563A79FB22F6}"/>
+                <a16:creationId xmlns:a16="http://schemas.microsoft.com/office/drawing/2014/main" id="{57963749-BEB7-4371-B9AE-AA4ECE700AD3}"/>
               </a:ext>
             </a:extLst>
           </p:cNvPr>
@@ -4948,66 +4881,56 @@
           <a:lstStyle/>
           <a:p>
             <a:r>
-              <a:rPr lang="en-US" altLang="zh-CN" dirty="0"/>
-              <a:t>Observe</a:t>
+              <a:rPr lang="zh-CN" altLang="en-US" dirty="0"/>
+              <a:t>数据模型</a:t>
+            </a:r>
+            <a:r>
+              <a:rPr lang="en-US" altLang="zh-CN" dirty="0" err="1"/>
+              <a:t>znode</a:t>
             </a:r>
             <a:endParaRPr lang="zh-CN" altLang="en-US" dirty="0"/>
           </a:p>
         </p:txBody>
       </p:sp>
-      <p:sp>
-        <p:nvSpPr>
-          <p:cNvPr id="3" name="内容占位符 2">
-            <a:extLst>
-              <a:ext uri="{FF2B5EF4-FFF2-40B4-BE49-F238E27FC236}">
-                <a16:creationId xmlns:a16="http://schemas.microsoft.com/office/drawing/2014/main" id="{9B2367EF-9438-4BFF-870D-412FF2A17AB2}"/>
-              </a:ext>
-            </a:extLst>
-          </p:cNvPr>
-          <p:cNvSpPr>
-            <a:spLocks noGrp="1"/>
-          </p:cNvSpPr>
+      <p:pic>
+        <p:nvPicPr>
+          <p:cNvPr id="5" name="内容占位符 4">
+            <a:extLst>
+              <a:ext uri="{FF2B5EF4-FFF2-40B4-BE49-F238E27FC236}">
+                <a16:creationId xmlns:a16="http://schemas.microsoft.com/office/drawing/2014/main" id="{595DC633-2027-4905-BB74-F0442DC55853}"/>
+              </a:ext>
+            </a:extLst>
+          </p:cNvPr>
+          <p:cNvPicPr>
+            <a:picLocks noGrp="1" noChangeAspect="1"/>
+          </p:cNvPicPr>
           <p:nvPr>
             <p:ph idx="1"/>
           </p:nvPr>
-        </p:nvSpPr>
-        <p:spPr/>
-        <p:txBody>
-          <a:bodyPr/>
-          <a:lstStyle/>
-          <a:p>
-            <a:pPr marL="0" indent="0">
-              <a:buNone/>
-            </a:pPr>
-            <a:r>
-              <a:rPr lang="en-US" altLang="zh-CN" dirty="0"/>
-              <a:t>	</a:t>
-            </a:r>
-            <a:r>
-              <a:rPr lang="zh-CN" altLang="en-US" dirty="0"/>
-              <a:t>为客户端提供读服务器，如果是写服务则转发给</a:t>
-            </a:r>
-            <a:r>
-              <a:rPr lang="en-US" altLang="zh-CN" dirty="0"/>
-              <a:t>Leader</a:t>
-            </a:r>
-            <a:r>
-              <a:rPr lang="zh-CN" altLang="en-US" dirty="0"/>
-              <a:t>。不参与选举过程中的投票，也不参与“过半写成功”策略。在不影响写性能的情况下提升集群的读性能。</a:t>
-            </a:r>
-          </a:p>
-          <a:p>
-            <a:pPr marL="0" indent="0">
-              <a:buNone/>
-            </a:pPr>
-            <a:endParaRPr lang="zh-CN" altLang="en-US" dirty="0"/>
-          </a:p>
-        </p:txBody>
-      </p:sp>
+        </p:nvPicPr>
+        <p:blipFill>
+          <a:blip r:embed="rId2">
+            <a:extLst>
+              <a:ext uri="{28A0092B-C50C-407E-A947-70E740481C1C}">
+                <a14:useLocalDpi xmlns:a14="http://schemas.microsoft.com/office/drawing/2010/main" val="0"/>
+              </a:ext>
+            </a:extLst>
+          </a:blip>
+          <a:stretch>
+            <a:fillRect/>
+          </a:stretch>
+        </p:blipFill>
+        <p:spPr>
+          <a:xfrm>
+            <a:off x="3775714" y="2547257"/>
+            <a:ext cx="4640572" cy="2656255"/>
+          </a:xfrm>
+        </p:spPr>
+      </p:pic>
     </p:spTree>
     <p:extLst>
       <p:ext uri="{BB962C8B-B14F-4D97-AF65-F5344CB8AC3E}">
-        <p14:creationId xmlns:p14="http://schemas.microsoft.com/office/powerpoint/2010/main" val="4135364076"/>
+        <p14:creationId xmlns:p14="http://schemas.microsoft.com/office/powerpoint/2010/main" val="2495448445"/>
       </p:ext>
     </p:extLst>
   </p:cSld>
@@ -5039,7 +4962,7 @@
           <p:cNvPr id="2" name="标题 1">
             <a:extLst>
               <a:ext uri="{FF2B5EF4-FFF2-40B4-BE49-F238E27FC236}">
-                <a16:creationId xmlns:a16="http://schemas.microsoft.com/office/drawing/2014/main" id="{C5EA2378-1760-4069-BAC4-6F0250E51EC7}"/>
+                <a16:creationId xmlns:a16="http://schemas.microsoft.com/office/drawing/2014/main" id="{6BAEB0BF-A2A3-4BFF-BE07-C23EBCE0EE38}"/>
               </a:ext>
             </a:extLst>
           </p:cNvPr>
@@ -5059,71 +4982,52 @@
               <a:rPr lang="en-US" altLang="zh-CN" dirty="0"/>
               <a:t>client</a:t>
             </a:r>
-            <a:endParaRPr lang="zh-CN" altLang="en-US" dirty="0"/>
-          </a:p>
-        </p:txBody>
-      </p:sp>
-      <p:sp>
-        <p:nvSpPr>
-          <p:cNvPr id="3" name="内容占位符 2">
-            <a:extLst>
-              <a:ext uri="{FF2B5EF4-FFF2-40B4-BE49-F238E27FC236}">
-                <a16:creationId xmlns:a16="http://schemas.microsoft.com/office/drawing/2014/main" id="{56C5EA89-C47F-4485-A327-F49B2B92F417}"/>
-              </a:ext>
-            </a:extLst>
-          </p:cNvPr>
-          <p:cNvSpPr>
-            <a:spLocks noGrp="1"/>
-          </p:cNvSpPr>
+            <a:r>
+              <a:rPr lang="zh-CN" altLang="en-US" dirty="0"/>
+              <a:t>读写操作</a:t>
+            </a:r>
+          </a:p>
+        </p:txBody>
+      </p:sp>
+      <p:pic>
+        <p:nvPicPr>
+          <p:cNvPr id="5" name="内容占位符 4">
+            <a:extLst>
+              <a:ext uri="{FF2B5EF4-FFF2-40B4-BE49-F238E27FC236}">
+                <a16:creationId xmlns:a16="http://schemas.microsoft.com/office/drawing/2014/main" id="{D4FE4C66-1831-4B06-9FAB-0FF882552EBA}"/>
+              </a:ext>
+            </a:extLst>
+          </p:cNvPr>
+          <p:cNvPicPr>
+            <a:picLocks noGrp="1" noChangeAspect="1"/>
+          </p:cNvPicPr>
           <p:nvPr>
             <p:ph idx="1"/>
           </p:nvPr>
-        </p:nvSpPr>
-        <p:spPr/>
-        <p:txBody>
-          <a:bodyPr/>
-          <a:lstStyle/>
-          <a:p>
-            <a:pPr marL="0" indent="0">
-              <a:buNone/>
-            </a:pPr>
-            <a:r>
-              <a:rPr lang="en-US" altLang="zh-CN" dirty="0"/>
-              <a:t>	</a:t>
-            </a:r>
-            <a:r>
-              <a:rPr lang="zh-CN" altLang="en-US" dirty="0"/>
-              <a:t>连接</a:t>
-            </a:r>
-            <a:r>
-              <a:rPr lang="en-US" altLang="zh-CN" dirty="0"/>
-              <a:t>zookeeper</a:t>
-            </a:r>
-            <a:r>
-              <a:rPr lang="zh-CN" altLang="en-US" dirty="0"/>
-              <a:t>服务器的使用着，请求的发起者。独立于</a:t>
-            </a:r>
-            <a:r>
-              <a:rPr lang="en-US" altLang="zh-CN" dirty="0"/>
-              <a:t>zookeeper</a:t>
-            </a:r>
-            <a:r>
-              <a:rPr lang="zh-CN" altLang="en-US" dirty="0"/>
-              <a:t>服务器集群之外的角色。</a:t>
-            </a:r>
-          </a:p>
-          <a:p>
-            <a:pPr marL="0" indent="0">
-              <a:buNone/>
-            </a:pPr>
-            <a:endParaRPr lang="zh-CN" altLang="en-US" dirty="0"/>
-          </a:p>
-        </p:txBody>
-      </p:sp>
+        </p:nvPicPr>
+        <p:blipFill>
+          <a:blip r:embed="rId2">
+            <a:extLst>
+              <a:ext uri="{28A0092B-C50C-407E-A947-70E740481C1C}">
+                <a14:useLocalDpi xmlns:a14="http://schemas.microsoft.com/office/drawing/2010/main" val="0"/>
+              </a:ext>
+            </a:extLst>
+          </a:blip>
+          <a:stretch>
+            <a:fillRect/>
+          </a:stretch>
+        </p:blipFill>
+        <p:spPr>
+          <a:xfrm>
+            <a:off x="1439973" y="1825625"/>
+            <a:ext cx="9312053" cy="4351338"/>
+          </a:xfrm>
+        </p:spPr>
+      </p:pic>
     </p:spTree>
     <p:extLst>
       <p:ext uri="{BB962C8B-B14F-4D97-AF65-F5344CB8AC3E}">
-        <p14:creationId xmlns:p14="http://schemas.microsoft.com/office/powerpoint/2010/main" val="3652754791"/>
+        <p14:creationId xmlns:p14="http://schemas.microsoft.com/office/powerpoint/2010/main" val="212699162"/>
       </p:ext>
     </p:extLst>
   </p:cSld>
@@ -5155,7 +5059,7 @@
           <p:cNvPr id="2" name="标题 1">
             <a:extLst>
               <a:ext uri="{FF2B5EF4-FFF2-40B4-BE49-F238E27FC236}">
-                <a16:creationId xmlns:a16="http://schemas.microsoft.com/office/drawing/2014/main" id="{57963749-BEB7-4371-B9AE-AA4ECE700AD3}"/>
+                <a16:creationId xmlns:a16="http://schemas.microsoft.com/office/drawing/2014/main" id="{5DEBAE08-EBEB-4638-ACBE-FF05EFDCD0BE}"/>
               </a:ext>
             </a:extLst>
           </p:cNvPr>
@@ -5172,56 +5076,60 @@
           <a:lstStyle/>
           <a:p>
             <a:r>
-              <a:rPr lang="zh-CN" altLang="en-US" dirty="0"/>
-              <a:t>数据模型</a:t>
-            </a:r>
-            <a:r>
-              <a:rPr lang="en-US" altLang="zh-CN" dirty="0" err="1"/>
-              <a:t>znode</a:t>
-            </a:r>
+              <a:rPr lang="en-US" altLang="zh-CN" dirty="0"/>
+              <a:t>ZAB</a:t>
+            </a:r>
+            <a:r>
+              <a:rPr lang="zh-CN" altLang="en-US" dirty="0"/>
+              <a:t>协议</a:t>
+            </a:r>
+          </a:p>
+        </p:txBody>
+      </p:sp>
+      <p:sp>
+        <p:nvSpPr>
+          <p:cNvPr id="3" name="内容占位符 2">
+            <a:extLst>
+              <a:ext uri="{FF2B5EF4-FFF2-40B4-BE49-F238E27FC236}">
+                <a16:creationId xmlns:a16="http://schemas.microsoft.com/office/drawing/2014/main" id="{F6204558-D6E4-4CB9-A7E3-4FFA4100E9A7}"/>
+              </a:ext>
+            </a:extLst>
+          </p:cNvPr>
+          <p:cNvSpPr>
+            <a:spLocks noGrp="1"/>
+          </p:cNvSpPr>
+          <p:nvPr>
+            <p:ph idx="1"/>
+          </p:nvPr>
+        </p:nvSpPr>
+        <p:spPr/>
+        <p:txBody>
+          <a:bodyPr/>
+          <a:lstStyle/>
+          <a:p>
+            <a:r>
+              <a:rPr lang="zh-CN" altLang="en-US" dirty="0"/>
+              <a:t>* 崩溃恢复</a:t>
+            </a:r>
+          </a:p>
+          <a:p>
+            <a:r>
+              <a:rPr lang="zh-CN" altLang="en-US" dirty="0"/>
+              <a:t>* 原子广播</a:t>
+            </a:r>
+          </a:p>
+          <a:p>
+            <a:pPr marL="0" indent="0">
+              <a:buNone/>
+            </a:pPr>
             <a:endParaRPr lang="zh-CN" altLang="en-US" dirty="0"/>
           </a:p>
         </p:txBody>
       </p:sp>
-      <p:pic>
-        <p:nvPicPr>
-          <p:cNvPr id="5" name="内容占位符 4">
-            <a:extLst>
-              <a:ext uri="{FF2B5EF4-FFF2-40B4-BE49-F238E27FC236}">
-                <a16:creationId xmlns:a16="http://schemas.microsoft.com/office/drawing/2014/main" id="{595DC633-2027-4905-BB74-F0442DC55853}"/>
-              </a:ext>
-            </a:extLst>
-          </p:cNvPr>
-          <p:cNvPicPr>
-            <a:picLocks noGrp="1" noChangeAspect="1"/>
-          </p:cNvPicPr>
-          <p:nvPr>
-            <p:ph idx="1"/>
-          </p:nvPr>
-        </p:nvPicPr>
-        <p:blipFill>
-          <a:blip r:embed="rId2">
-            <a:extLst>
-              <a:ext uri="{28A0092B-C50C-407E-A947-70E740481C1C}">
-                <a14:useLocalDpi xmlns:a14="http://schemas.microsoft.com/office/drawing/2010/main" val="0"/>
-              </a:ext>
-            </a:extLst>
-          </a:blip>
-          <a:stretch>
-            <a:fillRect/>
-          </a:stretch>
-        </p:blipFill>
-        <p:spPr>
-          <a:xfrm>
-            <a:off x="3775714" y="2547257"/>
-            <a:ext cx="4640572" cy="2656255"/>
-          </a:xfrm>
-        </p:spPr>
-      </p:pic>
     </p:spTree>
     <p:extLst>
       <p:ext uri="{BB962C8B-B14F-4D97-AF65-F5344CB8AC3E}">
-        <p14:creationId xmlns:p14="http://schemas.microsoft.com/office/powerpoint/2010/main" val="2495448445"/>
+        <p14:creationId xmlns:p14="http://schemas.microsoft.com/office/powerpoint/2010/main" val="5900919"/>
       </p:ext>
     </p:extLst>
   </p:cSld>
@@ -5253,7 +5161,7 @@
           <p:cNvPr id="2" name="标题 1">
             <a:extLst>
               <a:ext uri="{FF2B5EF4-FFF2-40B4-BE49-F238E27FC236}">
-                <a16:creationId xmlns:a16="http://schemas.microsoft.com/office/drawing/2014/main" id="{6BAEB0BF-A2A3-4BFF-BE07-C23EBCE0EE38}"/>
+                <a16:creationId xmlns:a16="http://schemas.microsoft.com/office/drawing/2014/main" id="{3635DF3F-7A8E-4DAD-AEC2-E73E14F13D51}"/>
               </a:ext>
             </a:extLst>
           </p:cNvPr>
@@ -5270,55 +5178,136 @@
           <a:lstStyle/>
           <a:p>
             <a:r>
-              <a:rPr lang="en-US" altLang="zh-CN" dirty="0"/>
-              <a:t>client</a:t>
-            </a:r>
-            <a:r>
-              <a:rPr lang="zh-CN" altLang="en-US" dirty="0"/>
-              <a:t>读写操作</a:t>
-            </a:r>
-          </a:p>
-        </p:txBody>
-      </p:sp>
-      <p:pic>
-        <p:nvPicPr>
-          <p:cNvPr id="5" name="内容占位符 4">
-            <a:extLst>
-              <a:ext uri="{FF2B5EF4-FFF2-40B4-BE49-F238E27FC236}">
-                <a16:creationId xmlns:a16="http://schemas.microsoft.com/office/drawing/2014/main" id="{D4FE4C66-1831-4B06-9FAB-0FF882552EBA}"/>
-              </a:ext>
-            </a:extLst>
-          </p:cNvPr>
-          <p:cNvPicPr>
-            <a:picLocks noGrp="1" noChangeAspect="1"/>
-          </p:cNvPicPr>
+              <a:rPr lang="zh-CN" altLang="en-US" dirty="0"/>
+              <a:t>特点</a:t>
+            </a:r>
+          </a:p>
+        </p:txBody>
+      </p:sp>
+      <p:sp>
+        <p:nvSpPr>
+          <p:cNvPr id="3" name="内容占位符 2">
+            <a:extLst>
+              <a:ext uri="{FF2B5EF4-FFF2-40B4-BE49-F238E27FC236}">
+                <a16:creationId xmlns:a16="http://schemas.microsoft.com/office/drawing/2014/main" id="{7FE4B908-2126-4F30-9597-3338EC68DF9F}"/>
+              </a:ext>
+            </a:extLst>
+          </p:cNvPr>
+          <p:cNvSpPr>
+            <a:spLocks noGrp="1"/>
+          </p:cNvSpPr>
           <p:nvPr>
             <p:ph idx="1"/>
           </p:nvPr>
-        </p:nvPicPr>
-        <p:blipFill>
-          <a:blip r:embed="rId2">
-            <a:extLst>
-              <a:ext uri="{28A0092B-C50C-407E-A947-70E740481C1C}">
-                <a14:useLocalDpi xmlns:a14="http://schemas.microsoft.com/office/drawing/2010/main" val="0"/>
-              </a:ext>
-            </a:extLst>
-          </a:blip>
-          <a:stretch>
-            <a:fillRect/>
-          </a:stretch>
-        </p:blipFill>
-        <p:spPr>
-          <a:xfrm>
-            <a:off x="1439973" y="1825625"/>
-            <a:ext cx="9312053" cy="4351338"/>
-          </a:xfrm>
-        </p:spPr>
-      </p:pic>
+        </p:nvSpPr>
+        <p:spPr/>
+        <p:txBody>
+          <a:bodyPr>
+            <a:normAutofit/>
+          </a:bodyPr>
+          <a:lstStyle/>
+          <a:p>
+            <a:r>
+              <a:rPr lang="zh-CN" altLang="en-US" dirty="0"/>
+              <a:t>* 简单化：</a:t>
+            </a:r>
+            <a:r>
+              <a:rPr lang="en-US" altLang="zh-CN" dirty="0" err="1"/>
+              <a:t>ZooKeeper</a:t>
+            </a:r>
+            <a:r>
+              <a:rPr lang="zh-CN" altLang="en-US" dirty="0"/>
+              <a:t>允许各分布式进程通过一个共享的命名空间相互联系，该命名空间类似于一个标准的层次型的文件系统。</a:t>
+            </a:r>
+          </a:p>
+          <a:p>
+            <a:r>
+              <a:rPr lang="zh-CN" altLang="en-US" dirty="0"/>
+              <a:t>* 顺序一致性：按照客户端发送请求的顺序更新数据。</a:t>
+            </a:r>
+          </a:p>
+          <a:p>
+            <a:r>
+              <a:rPr lang="zh-CN" altLang="en-US" dirty="0"/>
+              <a:t>* 原子性：更新要么成功，要么失败，不会出现部分更新。</a:t>
+            </a:r>
+          </a:p>
+          <a:p>
+            <a:r>
+              <a:rPr lang="zh-CN" altLang="en-US" dirty="0"/>
+              <a:t>* 单一性 ：无论客户端连接哪个 </a:t>
+            </a:r>
+            <a:r>
+              <a:rPr lang="en-US" altLang="zh-CN" dirty="0"/>
+              <a:t>server</a:t>
+            </a:r>
+            <a:r>
+              <a:rPr lang="zh-CN" altLang="en-US" dirty="0"/>
+              <a:t>，都会看到同一个视图。</a:t>
+            </a:r>
+          </a:p>
+          <a:p>
+            <a:r>
+              <a:rPr lang="zh-CN" altLang="en-US" dirty="0"/>
+              <a:t>* 可靠性：一旦数据更新成功，将一直保持，直到新的更新。</a:t>
+            </a:r>
+          </a:p>
+          <a:p>
+            <a:r>
+              <a:rPr lang="zh-CN" altLang="en-US" dirty="0"/>
+              <a:t>* 及时性：客户端会在一个确定的时间内得到最新的数据。</a:t>
+            </a:r>
+          </a:p>
+          <a:p>
+            <a:r>
+              <a:rPr lang="zh-CN" altLang="en-US" dirty="0"/>
+              <a:t>* 速度优势：</a:t>
+            </a:r>
+            <a:r>
+              <a:rPr lang="en-US" altLang="zh-CN" dirty="0" err="1"/>
+              <a:t>ZooKeeper</a:t>
+            </a:r>
+            <a:r>
+              <a:rPr lang="zh-CN" altLang="en-US" dirty="0"/>
+              <a:t>特别适合于以读为主要负荷的场合。</a:t>
+            </a:r>
+            <a:r>
+              <a:rPr lang="en-US" altLang="zh-CN" dirty="0" err="1"/>
+              <a:t>ZooKeeper</a:t>
+            </a:r>
+            <a:r>
+              <a:rPr lang="zh-CN" altLang="en-US" dirty="0"/>
+              <a:t>可以运行在数千台机器上，如果大部分操作为读，例如读写比例为</a:t>
+            </a:r>
+            <a:r>
+              <a:rPr lang="en-US" altLang="zh-CN" dirty="0"/>
+              <a:t>10:1</a:t>
+            </a:r>
+            <a:r>
+              <a:rPr lang="zh-CN" altLang="en-US" dirty="0"/>
+              <a:t>，</a:t>
+            </a:r>
+            <a:r>
+              <a:rPr lang="en-US" altLang="zh-CN" dirty="0" err="1"/>
+              <a:t>ZooKeeper</a:t>
+            </a:r>
+            <a:r>
+              <a:rPr lang="zh-CN" altLang="en-US" dirty="0"/>
+              <a:t>的效率会很高。</a:t>
+            </a:r>
+          </a:p>
+          <a:p>
+            <a:pPr marL="0" indent="0">
+              <a:buNone/>
+            </a:pPr>
+            <a:endParaRPr lang="zh-CN" altLang="en-US" dirty="0"/>
+          </a:p>
+        </p:txBody>
+      </p:sp>
     </p:spTree>
     <p:extLst>
       <p:ext uri="{BB962C8B-B14F-4D97-AF65-F5344CB8AC3E}">
-        <p14:creationId xmlns:p14="http://schemas.microsoft.com/office/powerpoint/2010/main" val="212699162"/>
+        <p14:creationId xmlns:p14="http://schemas.microsoft.com/office/powerpoint/2010/main" val="792188103"/>
       </p:ext>
     </p:extLst>
   </p:cSld>
@@ -5350,7 +5339,7 @@
           <p:cNvPr id="2" name="标题 1">
             <a:extLst>
               <a:ext uri="{FF2B5EF4-FFF2-40B4-BE49-F238E27FC236}">
-                <a16:creationId xmlns:a16="http://schemas.microsoft.com/office/drawing/2014/main" id="{5DEBAE08-EBEB-4638-ACBE-FF05EFDCD0BE}"/>
+                <a16:creationId xmlns:a16="http://schemas.microsoft.com/office/drawing/2014/main" id="{49CB5E46-4230-4482-AAA9-CB0951668D5F}"/>
               </a:ext>
             </a:extLst>
           </p:cNvPr>
@@ -5367,12 +5356,8 @@
           <a:lstStyle/>
           <a:p>
             <a:r>
-              <a:rPr lang="en-US" altLang="zh-CN" dirty="0"/>
-              <a:t>ZAB</a:t>
-            </a:r>
-            <a:r>
-              <a:rPr lang="zh-CN" altLang="en-US" dirty="0"/>
-              <a:t>协议</a:t>
+              <a:rPr lang="zh-CN" altLang="en-US" dirty="0"/>
+              <a:t>运用场景</a:t>
             </a:r>
           </a:p>
         </p:txBody>
@@ -5382,7 +5367,7 @@
           <p:cNvPr id="3" name="内容占位符 2">
             <a:extLst>
               <a:ext uri="{FF2B5EF4-FFF2-40B4-BE49-F238E27FC236}">
-                <a16:creationId xmlns:a16="http://schemas.microsoft.com/office/drawing/2014/main" id="{F6204558-D6E4-4CB9-A7E3-4FFA4100E9A7}"/>
+                <a16:creationId xmlns:a16="http://schemas.microsoft.com/office/drawing/2014/main" id="{B4B7B0A8-FE08-4D51-9B3D-EFA39D78D209}"/>
               </a:ext>
             </a:extLst>
           </p:cNvPr>
@@ -5400,13 +5385,63 @@
           <a:p>
             <a:r>
               <a:rPr lang="zh-CN" altLang="en-US" dirty="0"/>
-              <a:t>* 崩溃恢复</a:t>
-            </a:r>
-          </a:p>
-          <a:p>
-            <a:r>
-              <a:rPr lang="zh-CN" altLang="en-US" dirty="0"/>
-              <a:t>* 原子广播</a:t>
+              <a:t>* 数据发布与订阅（配置中心）</a:t>
+            </a:r>
+          </a:p>
+          <a:p>
+            <a:r>
+              <a:rPr lang="zh-CN" altLang="en-US" dirty="0"/>
+              <a:t>* 负载均衡</a:t>
+            </a:r>
+          </a:p>
+          <a:p>
+            <a:r>
+              <a:rPr lang="zh-CN" altLang="en-US" dirty="0"/>
+              <a:t>* 命名服务</a:t>
+            </a:r>
+            <a:r>
+              <a:rPr lang="en-US" altLang="zh-CN" dirty="0"/>
+              <a:t>(Naming Service)</a:t>
+            </a:r>
+          </a:p>
+          <a:p>
+            <a:r>
+              <a:rPr lang="zh-CN" altLang="en-US" dirty="0"/>
+              <a:t>* 分布式通知</a:t>
+            </a:r>
+            <a:r>
+              <a:rPr lang="en-US" altLang="zh-CN" dirty="0"/>
+              <a:t>/</a:t>
+            </a:r>
+            <a:r>
+              <a:rPr lang="zh-CN" altLang="en-US" dirty="0"/>
+              <a:t>协调</a:t>
+            </a:r>
+          </a:p>
+          <a:p>
+            <a:r>
+              <a:rPr lang="zh-CN" altLang="en-US" dirty="0"/>
+              <a:t>* 集群管理与</a:t>
+            </a:r>
+            <a:r>
+              <a:rPr lang="en-US" altLang="zh-CN" dirty="0"/>
+              <a:t>Master</a:t>
+            </a:r>
+            <a:r>
+              <a:rPr lang="zh-CN" altLang="en-US" dirty="0"/>
+              <a:t>选举</a:t>
+            </a:r>
+          </a:p>
+          <a:p>
+            <a:r>
+              <a:rPr lang="zh-CN" altLang="en-US" dirty="0"/>
+              <a:t>* 分布式锁</a:t>
+            </a:r>
+          </a:p>
+          <a:p>
+            <a:r>
+              <a:rPr lang="zh-CN" altLang="en-US" dirty="0"/>
+              <a:t>* 分布式队列</a:t>
             </a:r>
           </a:p>
           <a:p>
@@ -5420,7 +5455,7 @@
     </p:spTree>
     <p:extLst>
       <p:ext uri="{BB962C8B-B14F-4D97-AF65-F5344CB8AC3E}">
-        <p14:creationId xmlns:p14="http://schemas.microsoft.com/office/powerpoint/2010/main" val="5900919"/>
+        <p14:creationId xmlns:p14="http://schemas.microsoft.com/office/powerpoint/2010/main" val="1747751006"/>
       </p:ext>
     </p:extLst>
   </p:cSld>
@@ -5468,7 +5503,23 @@
           <a:bodyPr/>
           <a:lstStyle/>
           <a:p>
-            <a:endParaRPr lang="zh-CN" altLang="en-US"/>
+            <a:r>
+              <a:rPr lang="en-US" altLang="zh-CN" dirty="0"/>
+              <a:t>Standalone</a:t>
+            </a:r>
+            <a:r>
+              <a:rPr lang="zh-CN" altLang="en-US" dirty="0"/>
+              <a:t>模式</a:t>
+            </a:r>
+            <a:r>
+              <a:rPr lang="en-US" altLang="zh-CN" dirty="0"/>
+              <a:t>-</a:t>
+            </a:r>
+            <a:r>
+              <a:rPr lang="en-US" altLang="zh-CN" dirty="0" err="1"/>
+              <a:t>zoo.cfg</a:t>
+            </a:r>
+            <a:endParaRPr lang="zh-CN" altLang="en-US" dirty="0"/>
           </a:p>
         </p:txBody>
       </p:sp>
@@ -5490,10 +5541,332 @@
         </p:nvSpPr>
         <p:spPr/>
         <p:txBody>
-          <a:bodyPr/>
-          <a:lstStyle/>
-          <a:p>
-            <a:endParaRPr lang="zh-CN" altLang="en-US"/>
+          <a:bodyPr>
+            <a:normAutofit fontScale="77500" lnSpcReduction="20000"/>
+          </a:bodyPr>
+          <a:lstStyle/>
+          <a:p>
+            <a:r>
+              <a:rPr lang="en-US" altLang="zh-CN" dirty="0"/>
+              <a:t>* </a:t>
+            </a:r>
+            <a:r>
+              <a:rPr lang="en-US" altLang="zh-CN" dirty="0" err="1"/>
+              <a:t>tickTime</a:t>
+            </a:r>
+            <a:endParaRPr lang="en-US" altLang="zh-CN" dirty="0"/>
+          </a:p>
+          <a:p>
+            <a:r>
+              <a:rPr lang="en-US" altLang="zh-CN" dirty="0"/>
+              <a:t>&gt; </a:t>
+            </a:r>
+            <a:r>
+              <a:rPr lang="en-US" altLang="zh-CN" dirty="0" err="1"/>
+              <a:t>ZooKeeper</a:t>
+            </a:r>
+            <a:r>
+              <a:rPr lang="en-US" altLang="zh-CN" dirty="0"/>
+              <a:t> </a:t>
+            </a:r>
+            <a:r>
+              <a:rPr lang="zh-CN" altLang="en-US" dirty="0"/>
+              <a:t>中使用的基本时间单元</a:t>
+            </a:r>
+            <a:r>
+              <a:rPr lang="en-US" altLang="zh-CN" dirty="0"/>
+              <a:t>, </a:t>
+            </a:r>
+            <a:r>
+              <a:rPr lang="zh-CN" altLang="en-US" dirty="0"/>
+              <a:t>以毫秒为单位</a:t>
+            </a:r>
+            <a:r>
+              <a:rPr lang="en-US" altLang="zh-CN" dirty="0"/>
+              <a:t>, </a:t>
+            </a:r>
+            <a:r>
+              <a:rPr lang="zh-CN" altLang="en-US" dirty="0"/>
+              <a:t>默认值是 </a:t>
+            </a:r>
+            <a:r>
+              <a:rPr lang="en-US" altLang="zh-CN" dirty="0"/>
+              <a:t>2000</a:t>
+            </a:r>
+            <a:r>
+              <a:rPr lang="zh-CN" altLang="en-US" dirty="0"/>
+              <a:t>。它用来调节心跳和超时。</a:t>
+            </a:r>
+          </a:p>
+          <a:p>
+            <a:r>
+              <a:rPr lang="zh-CN" altLang="en-US" dirty="0"/>
+              <a:t>* </a:t>
+            </a:r>
+            <a:r>
+              <a:rPr lang="en-US" altLang="zh-CN" dirty="0" err="1"/>
+              <a:t>initLimit</a:t>
+            </a:r>
+            <a:endParaRPr lang="en-US" altLang="zh-CN" dirty="0"/>
+          </a:p>
+          <a:p>
+            <a:r>
+              <a:rPr lang="en-US" altLang="zh-CN" dirty="0"/>
+              <a:t>&gt; </a:t>
+            </a:r>
+            <a:r>
+              <a:rPr lang="zh-CN" altLang="en-US" dirty="0"/>
+              <a:t>默认值是 </a:t>
+            </a:r>
+            <a:r>
+              <a:rPr lang="en-US" altLang="zh-CN" dirty="0"/>
+              <a:t>10, </a:t>
+            </a:r>
+            <a:r>
+              <a:rPr lang="zh-CN" altLang="en-US" dirty="0"/>
+              <a:t>即 </a:t>
+            </a:r>
+            <a:r>
+              <a:rPr lang="en-US" altLang="zh-CN" dirty="0" err="1"/>
+              <a:t>tickTime</a:t>
+            </a:r>
+            <a:r>
+              <a:rPr lang="en-US" altLang="zh-CN" dirty="0"/>
+              <a:t> </a:t>
+            </a:r>
+            <a:r>
+              <a:rPr lang="zh-CN" altLang="en-US" dirty="0"/>
+              <a:t>属性值的 </a:t>
+            </a:r>
+            <a:r>
+              <a:rPr lang="en-US" altLang="zh-CN" dirty="0"/>
+              <a:t>10 </a:t>
+            </a:r>
+            <a:r>
+              <a:rPr lang="zh-CN" altLang="en-US" dirty="0"/>
+              <a:t>倍。它用于配置允许 </a:t>
+            </a:r>
+            <a:r>
+              <a:rPr lang="en-US" altLang="zh-CN" dirty="0"/>
+              <a:t>followers </a:t>
+            </a:r>
+            <a:r>
+              <a:rPr lang="zh-CN" altLang="en-US" dirty="0"/>
+              <a:t>连接并同步到 </a:t>
+            </a:r>
+            <a:r>
+              <a:rPr lang="en-US" altLang="zh-CN" dirty="0"/>
+              <a:t>leader </a:t>
+            </a:r>
+            <a:r>
+              <a:rPr lang="zh-CN" altLang="en-US" dirty="0"/>
+              <a:t>的最大时间。如果 </a:t>
+            </a:r>
+            <a:r>
+              <a:rPr lang="en-US" altLang="zh-CN" dirty="0" err="1"/>
+              <a:t>ZooKeeper</a:t>
+            </a:r>
+            <a:r>
+              <a:rPr lang="en-US" altLang="zh-CN" dirty="0"/>
+              <a:t> </a:t>
+            </a:r>
+            <a:r>
+              <a:rPr lang="zh-CN" altLang="en-US" dirty="0"/>
+              <a:t>管理的数据量很大的话可以增加这个值。</a:t>
+            </a:r>
+          </a:p>
+          <a:p>
+            <a:r>
+              <a:rPr lang="zh-CN" altLang="en-US" dirty="0"/>
+              <a:t>* </a:t>
+            </a:r>
+            <a:r>
+              <a:rPr lang="en-US" altLang="zh-CN" dirty="0" err="1"/>
+              <a:t>syncLimit</a:t>
+            </a:r>
+            <a:endParaRPr lang="en-US" altLang="zh-CN" dirty="0"/>
+          </a:p>
+          <a:p>
+            <a:r>
+              <a:rPr lang="en-US" altLang="zh-CN" dirty="0"/>
+              <a:t>&gt; </a:t>
+            </a:r>
+            <a:r>
+              <a:rPr lang="zh-CN" altLang="en-US" dirty="0"/>
+              <a:t>默认值是 </a:t>
+            </a:r>
+            <a:r>
+              <a:rPr lang="en-US" altLang="zh-CN" dirty="0"/>
+              <a:t>5, </a:t>
+            </a:r>
+            <a:r>
+              <a:rPr lang="zh-CN" altLang="en-US" dirty="0"/>
+              <a:t>即 </a:t>
+            </a:r>
+            <a:r>
+              <a:rPr lang="en-US" altLang="zh-CN" dirty="0" err="1"/>
+              <a:t>tickTime</a:t>
+            </a:r>
+            <a:r>
+              <a:rPr lang="en-US" altLang="zh-CN" dirty="0"/>
+              <a:t> </a:t>
+            </a:r>
+            <a:r>
+              <a:rPr lang="zh-CN" altLang="en-US" dirty="0"/>
+              <a:t>属性值的 </a:t>
+            </a:r>
+            <a:r>
+              <a:rPr lang="en-US" altLang="zh-CN" dirty="0"/>
+              <a:t>5 </a:t>
+            </a:r>
+            <a:r>
+              <a:rPr lang="zh-CN" altLang="en-US" dirty="0"/>
+              <a:t>倍。它用于配置</a:t>
+            </a:r>
+            <a:r>
+              <a:rPr lang="en-US" altLang="zh-CN" dirty="0"/>
+              <a:t>leader </a:t>
+            </a:r>
+            <a:r>
+              <a:rPr lang="zh-CN" altLang="en-US" dirty="0"/>
+              <a:t>和 </a:t>
+            </a:r>
+            <a:r>
+              <a:rPr lang="en-US" altLang="zh-CN" dirty="0"/>
+              <a:t>followers </a:t>
+            </a:r>
+            <a:r>
+              <a:rPr lang="zh-CN" altLang="en-US" dirty="0"/>
+              <a:t>间进行心跳检测的最大延迟时间。如果在设置的时间内 </a:t>
+            </a:r>
+            <a:r>
+              <a:rPr lang="en-US" altLang="zh-CN" dirty="0"/>
+              <a:t>followers </a:t>
+            </a:r>
+            <a:r>
+              <a:rPr lang="zh-CN" altLang="en-US" dirty="0"/>
+              <a:t>无法与 </a:t>
+            </a:r>
+            <a:r>
+              <a:rPr lang="en-US" altLang="zh-CN" dirty="0"/>
+              <a:t>leader </a:t>
+            </a:r>
+            <a:r>
+              <a:rPr lang="zh-CN" altLang="en-US" dirty="0"/>
+              <a:t>进行通信</a:t>
+            </a:r>
+            <a:r>
+              <a:rPr lang="en-US" altLang="zh-CN" dirty="0"/>
+              <a:t>, </a:t>
+            </a:r>
+            <a:r>
+              <a:rPr lang="zh-CN" altLang="en-US" dirty="0"/>
+              <a:t>那么 </a:t>
+            </a:r>
+            <a:r>
+              <a:rPr lang="en-US" altLang="zh-CN" dirty="0"/>
+              <a:t>followers </a:t>
+            </a:r>
+            <a:r>
+              <a:rPr lang="zh-CN" altLang="en-US" dirty="0"/>
+              <a:t>将会被丢弃。</a:t>
+            </a:r>
+          </a:p>
+          <a:p>
+            <a:r>
+              <a:rPr lang="zh-CN" altLang="en-US" dirty="0"/>
+              <a:t>* </a:t>
+            </a:r>
+            <a:r>
+              <a:rPr lang="en-US" altLang="zh-CN" dirty="0" err="1"/>
+              <a:t>dataDir</a:t>
+            </a:r>
+            <a:endParaRPr lang="en-US" altLang="zh-CN" dirty="0"/>
+          </a:p>
+          <a:p>
+            <a:r>
+              <a:rPr lang="en-US" altLang="zh-CN" dirty="0"/>
+              <a:t>&gt; </a:t>
+            </a:r>
+            <a:r>
+              <a:rPr lang="en-US" altLang="zh-CN" dirty="0" err="1"/>
+              <a:t>ZooKeeper</a:t>
+            </a:r>
+            <a:r>
+              <a:rPr lang="en-US" altLang="zh-CN" dirty="0"/>
+              <a:t> </a:t>
+            </a:r>
+            <a:r>
+              <a:rPr lang="zh-CN" altLang="en-US" dirty="0"/>
+              <a:t>用来存储内存数据库快照的目录</a:t>
+            </a:r>
+            <a:r>
+              <a:rPr lang="en-US" altLang="zh-CN" dirty="0"/>
+              <a:t>, </a:t>
+            </a:r>
+            <a:r>
+              <a:rPr lang="zh-CN" altLang="en-US" dirty="0"/>
+              <a:t>并且除非指定其它目录</a:t>
+            </a:r>
+            <a:r>
+              <a:rPr lang="en-US" altLang="zh-CN" dirty="0"/>
+              <a:t>, </a:t>
+            </a:r>
+            <a:r>
+              <a:rPr lang="zh-CN" altLang="en-US" dirty="0"/>
+              <a:t>否则数据库更新的事务日志也将会存储在该目录下。</a:t>
+            </a:r>
+          </a:p>
+          <a:p>
+            <a:r>
+              <a:rPr lang="zh-CN" altLang="en-US" dirty="0"/>
+              <a:t>* </a:t>
+            </a:r>
+            <a:r>
+              <a:rPr lang="en-US" altLang="zh-CN" dirty="0" err="1"/>
+              <a:t>clientPort</a:t>
+            </a:r>
+            <a:endParaRPr lang="en-US" altLang="zh-CN" dirty="0"/>
+          </a:p>
+          <a:p>
+            <a:r>
+              <a:rPr lang="en-US" altLang="zh-CN" dirty="0"/>
+              <a:t>&gt; </a:t>
+            </a:r>
+            <a:r>
+              <a:rPr lang="zh-CN" altLang="en-US" dirty="0"/>
+              <a:t>服务器监听客户端连接的端口</a:t>
+            </a:r>
+            <a:r>
+              <a:rPr lang="en-US" altLang="zh-CN" dirty="0"/>
+              <a:t>, </a:t>
+            </a:r>
+            <a:r>
+              <a:rPr lang="zh-CN" altLang="en-US" dirty="0"/>
+              <a:t>也即客户端尝试连接的端口</a:t>
+            </a:r>
+            <a:r>
+              <a:rPr lang="en-US" altLang="zh-CN" dirty="0"/>
+              <a:t>, </a:t>
+            </a:r>
+            <a:r>
+              <a:rPr lang="zh-CN" altLang="en-US" dirty="0"/>
+              <a:t>默认值是 </a:t>
+            </a:r>
+            <a:r>
+              <a:rPr lang="en-US" altLang="zh-CN" dirty="0"/>
+              <a:t>2181</a:t>
+            </a:r>
+            <a:r>
+              <a:rPr lang="zh-CN" altLang="en-US" dirty="0"/>
+              <a:t>。</a:t>
+            </a:r>
+          </a:p>
+          <a:p>
+            <a:pPr marL="0" indent="0">
+              <a:buNone/>
+            </a:pPr>
+            <a:endParaRPr lang="zh-CN" altLang="en-US" dirty="0"/>
           </a:p>
         </p:txBody>
       </p:sp>
@@ -5501,6 +5874,601 @@
     <p:extLst>
       <p:ext uri="{BB962C8B-B14F-4D97-AF65-F5344CB8AC3E}">
         <p14:creationId xmlns:p14="http://schemas.microsoft.com/office/powerpoint/2010/main" val="2194309760"/>
+      </p:ext>
+    </p:extLst>
+  </p:cSld>
+  <p:clrMapOvr>
+    <a:masterClrMapping/>
+  </p:clrMapOvr>
+</p:sld>
+</file>
+
+<file path=ppt/slides/slide27.xml><?xml version="1.0" encoding="utf-8"?>
+<p:sld xmlns:a="http://schemas.openxmlformats.org/drawingml/2006/main" xmlns:r="http://schemas.openxmlformats.org/officeDocument/2006/relationships" xmlns:p="http://schemas.openxmlformats.org/presentationml/2006/main">
+  <p:cSld>
+    <p:spTree>
+      <p:nvGrpSpPr>
+        <p:cNvPr id="1" name=""/>
+        <p:cNvGrpSpPr/>
+        <p:nvPr/>
+      </p:nvGrpSpPr>
+      <p:grpSpPr>
+        <a:xfrm>
+          <a:off x="0" y="0"/>
+          <a:ext cx="0" cy="0"/>
+          <a:chOff x="0" y="0"/>
+          <a:chExt cx="0" cy="0"/>
+        </a:xfrm>
+      </p:grpSpPr>
+      <p:sp>
+        <p:nvSpPr>
+          <p:cNvPr id="2" name="标题 1">
+            <a:extLst>
+              <a:ext uri="{FF2B5EF4-FFF2-40B4-BE49-F238E27FC236}">
+                <a16:creationId xmlns:a16="http://schemas.microsoft.com/office/drawing/2014/main" id="{D31BD85F-05E4-4D4C-90C0-57A7C5C88131}"/>
+              </a:ext>
+            </a:extLst>
+          </p:cNvPr>
+          <p:cNvSpPr>
+            <a:spLocks noGrp="1"/>
+          </p:cNvSpPr>
+          <p:nvPr>
+            <p:ph type="title"/>
+          </p:nvPr>
+        </p:nvSpPr>
+        <p:spPr/>
+        <p:txBody>
+          <a:bodyPr/>
+          <a:lstStyle/>
+          <a:p>
+            <a:r>
+              <a:rPr lang="en-US" altLang="zh-CN" dirty="0"/>
+              <a:t>/bin/</a:t>
+            </a:r>
+            <a:r>
+              <a:rPr lang="zh-CN" altLang="en-US" dirty="0"/>
+              <a:t>命令</a:t>
+            </a:r>
+          </a:p>
+        </p:txBody>
+      </p:sp>
+      <p:sp>
+        <p:nvSpPr>
+          <p:cNvPr id="3" name="内容占位符 2">
+            <a:extLst>
+              <a:ext uri="{FF2B5EF4-FFF2-40B4-BE49-F238E27FC236}">
+                <a16:creationId xmlns:a16="http://schemas.microsoft.com/office/drawing/2014/main" id="{3BE2412C-4E59-426D-BC09-ABA872320BB3}"/>
+              </a:ext>
+            </a:extLst>
+          </p:cNvPr>
+          <p:cNvSpPr>
+            <a:spLocks noGrp="1"/>
+          </p:cNvSpPr>
+          <p:nvPr>
+            <p:ph idx="1"/>
+          </p:nvPr>
+        </p:nvSpPr>
+        <p:spPr/>
+        <p:txBody>
+          <a:bodyPr/>
+          <a:lstStyle/>
+          <a:p>
+            <a:r>
+              <a:rPr lang="en-US" altLang="zh-CN" dirty="0"/>
+              <a:t>* </a:t>
+            </a:r>
+            <a:r>
+              <a:rPr lang="en-US" altLang="zh-CN" dirty="0" err="1"/>
+              <a:t>zkCleanup</a:t>
+            </a:r>
+            <a:r>
+              <a:rPr lang="zh-CN" altLang="en-US" dirty="0"/>
+              <a:t>：清理</a:t>
+            </a:r>
+            <a:r>
+              <a:rPr lang="en-US" altLang="zh-CN" dirty="0"/>
+              <a:t>Zookeeper</a:t>
+            </a:r>
+            <a:r>
+              <a:rPr lang="zh-CN" altLang="en-US" dirty="0"/>
+              <a:t>历史数据，包括事务日志文件和快照数据文件</a:t>
+            </a:r>
+          </a:p>
+          <a:p>
+            <a:r>
+              <a:rPr lang="zh-CN" altLang="en-US" dirty="0"/>
+              <a:t>* </a:t>
+            </a:r>
+            <a:r>
+              <a:rPr lang="en-US" altLang="zh-CN" dirty="0" err="1"/>
+              <a:t>zkCli</a:t>
+            </a:r>
+            <a:r>
+              <a:rPr lang="zh-CN" altLang="en-US" dirty="0"/>
+              <a:t>：</a:t>
+            </a:r>
+            <a:r>
+              <a:rPr lang="en-US" altLang="zh-CN" dirty="0"/>
+              <a:t>Zookeeper</a:t>
+            </a:r>
+            <a:r>
+              <a:rPr lang="zh-CN" altLang="en-US" dirty="0"/>
+              <a:t>的一个简易客户端</a:t>
+            </a:r>
+          </a:p>
+          <a:p>
+            <a:r>
+              <a:rPr lang="zh-CN" altLang="en-US" dirty="0"/>
+              <a:t>* </a:t>
+            </a:r>
+            <a:r>
+              <a:rPr lang="en-US" altLang="zh-CN" dirty="0" err="1"/>
+              <a:t>zkEnv</a:t>
+            </a:r>
+            <a:r>
+              <a:rPr lang="zh-CN" altLang="en-US" dirty="0"/>
+              <a:t>：设置</a:t>
+            </a:r>
+            <a:r>
+              <a:rPr lang="en-US" altLang="zh-CN" dirty="0"/>
+              <a:t>Zookeeper</a:t>
+            </a:r>
+            <a:r>
+              <a:rPr lang="zh-CN" altLang="en-US" dirty="0"/>
+              <a:t>的环境变量</a:t>
+            </a:r>
+          </a:p>
+          <a:p>
+            <a:r>
+              <a:rPr lang="zh-CN" altLang="en-US" dirty="0"/>
+              <a:t>* </a:t>
+            </a:r>
+            <a:r>
+              <a:rPr lang="en-US" altLang="zh-CN" dirty="0" err="1"/>
+              <a:t>zkServer</a:t>
+            </a:r>
+            <a:r>
+              <a:rPr lang="zh-CN" altLang="en-US" dirty="0"/>
+              <a:t>：</a:t>
+            </a:r>
+            <a:r>
+              <a:rPr lang="en-US" altLang="zh-CN" dirty="0"/>
+              <a:t>Zookeeper</a:t>
+            </a:r>
+            <a:r>
+              <a:rPr lang="zh-CN" altLang="en-US" dirty="0"/>
+              <a:t>服务器的启动、停止、和重启脚本</a:t>
+            </a:r>
+          </a:p>
+          <a:p>
+            <a:pPr marL="0" indent="0">
+              <a:buNone/>
+            </a:pPr>
+            <a:endParaRPr lang="zh-CN" altLang="en-US" dirty="0"/>
+          </a:p>
+        </p:txBody>
+      </p:sp>
+    </p:spTree>
+    <p:extLst>
+      <p:ext uri="{BB962C8B-B14F-4D97-AF65-F5344CB8AC3E}">
+        <p14:creationId xmlns:p14="http://schemas.microsoft.com/office/powerpoint/2010/main" val="2365363270"/>
+      </p:ext>
+    </p:extLst>
+  </p:cSld>
+  <p:clrMapOvr>
+    <a:masterClrMapping/>
+  </p:clrMapOvr>
+</p:sld>
+</file>
+
+<file path=ppt/slides/slide28.xml><?xml version="1.0" encoding="utf-8"?>
+<p:sld xmlns:a="http://schemas.openxmlformats.org/drawingml/2006/main" xmlns:r="http://schemas.openxmlformats.org/officeDocument/2006/relationships" xmlns:p="http://schemas.openxmlformats.org/presentationml/2006/main">
+  <p:cSld>
+    <p:spTree>
+      <p:nvGrpSpPr>
+        <p:cNvPr id="1" name=""/>
+        <p:cNvGrpSpPr/>
+        <p:nvPr/>
+      </p:nvGrpSpPr>
+      <p:grpSpPr>
+        <a:xfrm>
+          <a:off x="0" y="0"/>
+          <a:ext cx="0" cy="0"/>
+          <a:chOff x="0" y="0"/>
+          <a:chExt cx="0" cy="0"/>
+        </a:xfrm>
+      </p:grpSpPr>
+      <p:sp>
+        <p:nvSpPr>
+          <p:cNvPr id="2" name="标题 1">
+            <a:extLst>
+              <a:ext uri="{FF2B5EF4-FFF2-40B4-BE49-F238E27FC236}">
+                <a16:creationId xmlns:a16="http://schemas.microsoft.com/office/drawing/2014/main" id="{42C471B0-B440-4916-84AA-8C6289A4727C}"/>
+              </a:ext>
+            </a:extLst>
+          </p:cNvPr>
+          <p:cNvSpPr>
+            <a:spLocks noGrp="1"/>
+          </p:cNvSpPr>
+          <p:nvPr>
+            <p:ph type="title"/>
+          </p:nvPr>
+        </p:nvSpPr>
+        <p:spPr/>
+        <p:txBody>
+          <a:bodyPr/>
+          <a:lstStyle/>
+          <a:p>
+            <a:r>
+              <a:rPr lang="zh-CN" altLang="en-US" dirty="0"/>
+              <a:t>监控命令</a:t>
+            </a:r>
+          </a:p>
+        </p:txBody>
+      </p:sp>
+      <p:sp>
+        <p:nvSpPr>
+          <p:cNvPr id="3" name="内容占位符 2">
+            <a:extLst>
+              <a:ext uri="{FF2B5EF4-FFF2-40B4-BE49-F238E27FC236}">
+                <a16:creationId xmlns:a16="http://schemas.microsoft.com/office/drawing/2014/main" id="{CC544D8B-0E89-4601-90A4-DA0EC9550AFF}"/>
+              </a:ext>
+            </a:extLst>
+          </p:cNvPr>
+          <p:cNvSpPr>
+            <a:spLocks noGrp="1"/>
+          </p:cNvSpPr>
+          <p:nvPr>
+            <p:ph idx="1"/>
+          </p:nvPr>
+        </p:nvSpPr>
+        <p:spPr/>
+        <p:txBody>
+          <a:bodyPr>
+            <a:normAutofit/>
+          </a:bodyPr>
+          <a:lstStyle/>
+          <a:p>
+            <a:pPr marL="0" indent="0">
+              <a:buNone/>
+            </a:pPr>
+            <a:r>
+              <a:rPr lang="en-US" altLang="zh-CN" dirty="0"/>
+              <a:t>	</a:t>
+            </a:r>
+            <a:r>
+              <a:rPr lang="zh-CN" altLang="en-US" dirty="0"/>
+              <a:t>在客户端可以通过 </a:t>
+            </a:r>
+            <a:r>
+              <a:rPr lang="en-US" altLang="zh-CN" dirty="0"/>
+              <a:t>telnet </a:t>
+            </a:r>
+            <a:r>
+              <a:rPr lang="zh-CN" altLang="en-US" dirty="0"/>
+              <a:t>或 </a:t>
+            </a:r>
+            <a:r>
+              <a:rPr lang="en-US" altLang="zh-CN" dirty="0" err="1"/>
+              <a:t>nc</a:t>
+            </a:r>
+            <a:r>
+              <a:rPr lang="en-US" altLang="zh-CN" dirty="0"/>
+              <a:t> </a:t>
+            </a:r>
+            <a:r>
+              <a:rPr lang="zh-CN" altLang="en-US" dirty="0"/>
+              <a:t>向 </a:t>
+            </a:r>
+            <a:r>
+              <a:rPr lang="en-US" altLang="zh-CN" dirty="0" err="1"/>
+              <a:t>ZooKeeper</a:t>
+            </a:r>
+            <a:r>
+              <a:rPr lang="en-US" altLang="zh-CN" dirty="0"/>
+              <a:t> </a:t>
+            </a:r>
+            <a:r>
+              <a:rPr lang="zh-CN" altLang="en-US" dirty="0"/>
+              <a:t>提交相应的服务信息查询命令。使用方式</a:t>
+            </a:r>
+            <a:r>
+              <a:rPr lang="en-US" altLang="zh-CN" dirty="0"/>
+              <a:t>`echo </a:t>
+            </a:r>
+            <a:r>
+              <a:rPr lang="en-US" altLang="zh-CN" dirty="0" err="1"/>
+              <a:t>mntr</a:t>
+            </a:r>
+            <a:r>
+              <a:rPr lang="en-US" altLang="zh-CN" dirty="0"/>
+              <a:t> | </a:t>
+            </a:r>
+            <a:r>
+              <a:rPr lang="en-US" altLang="zh-CN" dirty="0" err="1"/>
+              <a:t>nc</a:t>
+            </a:r>
+            <a:r>
+              <a:rPr lang="en-US" altLang="zh-CN" dirty="0"/>
+              <a:t> localhost 2181 `.</a:t>
+            </a:r>
+          </a:p>
+        </p:txBody>
+      </p:sp>
+    </p:spTree>
+    <p:extLst>
+      <p:ext uri="{BB962C8B-B14F-4D97-AF65-F5344CB8AC3E}">
+        <p14:creationId xmlns:p14="http://schemas.microsoft.com/office/powerpoint/2010/main" val="1773227752"/>
+      </p:ext>
+    </p:extLst>
+  </p:cSld>
+  <p:clrMapOvr>
+    <a:masterClrMapping/>
+  </p:clrMapOvr>
+</p:sld>
+</file>
+
+<file path=ppt/slides/slide29.xml><?xml version="1.0" encoding="utf-8"?>
+<p:sld xmlns:a="http://schemas.openxmlformats.org/drawingml/2006/main" xmlns:r="http://schemas.openxmlformats.org/officeDocument/2006/relationships" xmlns:p="http://schemas.openxmlformats.org/presentationml/2006/main">
+  <p:cSld>
+    <p:spTree>
+      <p:nvGrpSpPr>
+        <p:cNvPr id="1" name=""/>
+        <p:cNvGrpSpPr/>
+        <p:nvPr/>
+      </p:nvGrpSpPr>
+      <p:grpSpPr>
+        <a:xfrm>
+          <a:off x="0" y="0"/>
+          <a:ext cx="0" cy="0"/>
+          <a:chOff x="0" y="0"/>
+          <a:chExt cx="0" cy="0"/>
+        </a:xfrm>
+      </p:grpSpPr>
+      <p:sp>
+        <p:nvSpPr>
+          <p:cNvPr id="2" name="标题 1">
+            <a:extLst>
+              <a:ext uri="{FF2B5EF4-FFF2-40B4-BE49-F238E27FC236}">
+                <a16:creationId xmlns:a16="http://schemas.microsoft.com/office/drawing/2014/main" id="{42C471B0-B440-4916-84AA-8C6289A4727C}"/>
+              </a:ext>
+            </a:extLst>
+          </p:cNvPr>
+          <p:cNvSpPr>
+            <a:spLocks noGrp="1"/>
+          </p:cNvSpPr>
+          <p:nvPr>
+            <p:ph type="title"/>
+          </p:nvPr>
+        </p:nvSpPr>
+        <p:spPr/>
+        <p:txBody>
+          <a:bodyPr/>
+          <a:lstStyle/>
+          <a:p>
+            <a:r>
+              <a:rPr lang="zh-CN" altLang="en-US" dirty="0"/>
+              <a:t>监控命令</a:t>
+            </a:r>
+          </a:p>
+        </p:txBody>
+      </p:sp>
+      <p:sp>
+        <p:nvSpPr>
+          <p:cNvPr id="3" name="内容占位符 2">
+            <a:extLst>
+              <a:ext uri="{FF2B5EF4-FFF2-40B4-BE49-F238E27FC236}">
+                <a16:creationId xmlns:a16="http://schemas.microsoft.com/office/drawing/2014/main" id="{CC544D8B-0E89-4601-90A4-DA0EC9550AFF}"/>
+              </a:ext>
+            </a:extLst>
+          </p:cNvPr>
+          <p:cNvSpPr>
+            <a:spLocks noGrp="1"/>
+          </p:cNvSpPr>
+          <p:nvPr>
+            <p:ph idx="1"/>
+          </p:nvPr>
+        </p:nvSpPr>
+        <p:spPr/>
+        <p:txBody>
+          <a:bodyPr>
+            <a:normAutofit/>
+          </a:bodyPr>
+          <a:lstStyle/>
+          <a:p>
+            <a:r>
+              <a:rPr lang="zh-CN" altLang="en-US" dirty="0"/>
+              <a:t>* </a:t>
+            </a:r>
+            <a:r>
+              <a:rPr lang="en-US" altLang="zh-CN" dirty="0"/>
+              <a:t>conf: </a:t>
+            </a:r>
+            <a:r>
+              <a:rPr lang="zh-CN" altLang="en-US" dirty="0"/>
+              <a:t>输出相关服务配置的详细信息。比如端口、</a:t>
+            </a:r>
+            <a:r>
+              <a:rPr lang="en-US" altLang="zh-CN" dirty="0" err="1"/>
+              <a:t>zk</a:t>
+            </a:r>
+            <a:r>
+              <a:rPr lang="zh-CN" altLang="en-US" dirty="0"/>
+              <a:t>数据及日志配置路径、最大连接数，</a:t>
+            </a:r>
+            <a:r>
+              <a:rPr lang="en-US" altLang="zh-CN" dirty="0"/>
+              <a:t>session</a:t>
+            </a:r>
+            <a:r>
+              <a:rPr lang="zh-CN" altLang="en-US" dirty="0"/>
+              <a:t>超时时间、</a:t>
+            </a:r>
+            <a:r>
+              <a:rPr lang="en-US" altLang="zh-CN" dirty="0" err="1"/>
+              <a:t>serverId</a:t>
+            </a:r>
+            <a:r>
+              <a:rPr lang="zh-CN" altLang="en-US" dirty="0"/>
+              <a:t>等</a:t>
+            </a:r>
+          </a:p>
+          <a:p>
+            <a:r>
+              <a:rPr lang="zh-CN" altLang="en-US" dirty="0"/>
+              <a:t>* </a:t>
+            </a:r>
+            <a:r>
+              <a:rPr lang="en-US" altLang="zh-CN" dirty="0"/>
+              <a:t>cons: </a:t>
+            </a:r>
+            <a:r>
+              <a:rPr lang="zh-CN" altLang="en-US" dirty="0"/>
+              <a:t>列出所有连接到这台服务器的客户端连接</a:t>
+            </a:r>
+            <a:r>
+              <a:rPr lang="en-US" altLang="zh-CN" dirty="0"/>
+              <a:t>/</a:t>
+            </a:r>
+            <a:r>
+              <a:rPr lang="zh-CN" altLang="en-US" dirty="0"/>
+              <a:t>会话的详细信息。包括“接受</a:t>
+            </a:r>
+            <a:r>
+              <a:rPr lang="en-US" altLang="zh-CN" dirty="0"/>
+              <a:t>/</a:t>
+            </a:r>
+            <a:r>
+              <a:rPr lang="zh-CN" altLang="en-US" dirty="0"/>
+              <a:t>发送”的包数量、</a:t>
+            </a:r>
+            <a:r>
+              <a:rPr lang="en-US" altLang="zh-CN" dirty="0"/>
+              <a:t>session id </a:t>
+            </a:r>
+            <a:r>
+              <a:rPr lang="zh-CN" altLang="en-US" dirty="0"/>
+              <a:t>、操作延迟、最后的操作执行等信息</a:t>
+            </a:r>
+            <a:r>
+              <a:rPr lang="en-US" altLang="zh-CN" dirty="0"/>
+              <a:t>.</a:t>
+            </a:r>
+          </a:p>
+          <a:p>
+            <a:r>
+              <a:rPr lang="zh-CN" altLang="en-US" dirty="0"/>
+              <a:t>* </a:t>
+            </a:r>
+            <a:r>
+              <a:rPr lang="en-US" altLang="zh-CN" dirty="0"/>
+              <a:t>stat: </a:t>
+            </a:r>
+            <a:r>
+              <a:rPr lang="zh-CN" altLang="en-US" dirty="0"/>
+              <a:t>输出服务器的详细信息：接收</a:t>
+            </a:r>
+            <a:r>
+              <a:rPr lang="en-US" altLang="zh-CN" dirty="0"/>
+              <a:t>/</a:t>
+            </a:r>
+            <a:r>
+              <a:rPr lang="zh-CN" altLang="en-US" dirty="0"/>
+              <a:t>发送包数量、连接数、模式（</a:t>
+            </a:r>
+            <a:r>
+              <a:rPr lang="en-US" altLang="zh-CN" dirty="0"/>
+              <a:t>leader/follower</a:t>
+            </a:r>
+            <a:r>
+              <a:rPr lang="zh-CN" altLang="en-US" dirty="0"/>
+              <a:t>）、节点总数、延迟。 所有客户端的列表。</a:t>
+            </a:r>
+          </a:p>
+          <a:p>
+            <a:r>
+              <a:rPr lang="zh-CN" altLang="en-US" dirty="0"/>
+              <a:t>* </a:t>
+            </a:r>
+            <a:r>
+              <a:rPr lang="en-US" altLang="zh-CN" dirty="0" err="1"/>
+              <a:t>envi</a:t>
+            </a:r>
+            <a:r>
+              <a:rPr lang="en-US" altLang="zh-CN" dirty="0"/>
+              <a:t>: </a:t>
+            </a:r>
+            <a:r>
+              <a:rPr lang="zh-CN" altLang="en-US" dirty="0"/>
+              <a:t>输出关于服务器的环境详细信息（不同于</a:t>
+            </a:r>
+            <a:r>
+              <a:rPr lang="en-US" altLang="zh-CN" dirty="0"/>
+              <a:t>conf</a:t>
+            </a:r>
+            <a:r>
+              <a:rPr lang="zh-CN" altLang="en-US" dirty="0"/>
+              <a:t>命令），比如</a:t>
+            </a:r>
+            <a:r>
+              <a:rPr lang="en-US" altLang="zh-CN" dirty="0"/>
+              <a:t>host.name</a:t>
+            </a:r>
+            <a:r>
+              <a:rPr lang="zh-CN" altLang="en-US" dirty="0"/>
+              <a:t>、</a:t>
+            </a:r>
+            <a:r>
+              <a:rPr lang="en-US" altLang="zh-CN" dirty="0" err="1"/>
+              <a:t>java.version</a:t>
+            </a:r>
+            <a:r>
+              <a:rPr lang="zh-CN" altLang="en-US" dirty="0"/>
+              <a:t>、</a:t>
+            </a:r>
+            <a:r>
+              <a:rPr lang="en-US" altLang="zh-CN" dirty="0" err="1"/>
+              <a:t>java.home</a:t>
+            </a:r>
+            <a:r>
+              <a:rPr lang="zh-CN" altLang="en-US" dirty="0"/>
+              <a:t>、</a:t>
+            </a:r>
+            <a:r>
+              <a:rPr lang="en-US" altLang="zh-CN" dirty="0" err="1"/>
+              <a:t>user.dir</a:t>
+            </a:r>
+            <a:r>
+              <a:rPr lang="en-US" altLang="zh-CN" dirty="0"/>
+              <a:t>=/data/zookeeper-3.4.6/bin</a:t>
+            </a:r>
+            <a:r>
+              <a:rPr lang="zh-CN" altLang="en-US" dirty="0"/>
+              <a:t>之类信息</a:t>
+            </a:r>
+          </a:p>
+          <a:p>
+            <a:r>
+              <a:rPr lang="zh-CN" altLang="en-US" dirty="0"/>
+              <a:t>* </a:t>
+            </a:r>
+            <a:r>
+              <a:rPr lang="en-US" altLang="zh-CN" dirty="0"/>
+              <a:t>...</a:t>
+            </a:r>
+          </a:p>
+          <a:p>
+            <a:pPr marL="0" indent="0">
+              <a:buNone/>
+            </a:pPr>
+            <a:endParaRPr lang="zh-CN" altLang="en-US" dirty="0"/>
+          </a:p>
+        </p:txBody>
+      </p:sp>
+    </p:spTree>
+    <p:extLst>
+      <p:ext uri="{BB962C8B-B14F-4D97-AF65-F5344CB8AC3E}">
+        <p14:creationId xmlns:p14="http://schemas.microsoft.com/office/powerpoint/2010/main" val="701586689"/>
       </p:ext>
     </p:extLst>
   </p:cSld>
@@ -5716,6 +6684,1693 @@
 </p:sld>
 </file>
 
+<file path=ppt/slides/slide30.xml><?xml version="1.0" encoding="utf-8"?>
+<p:sld xmlns:a="http://schemas.openxmlformats.org/drawingml/2006/main" xmlns:r="http://schemas.openxmlformats.org/officeDocument/2006/relationships" xmlns:p="http://schemas.openxmlformats.org/presentationml/2006/main">
+  <p:cSld>
+    <p:spTree>
+      <p:nvGrpSpPr>
+        <p:cNvPr id="1" name=""/>
+        <p:cNvGrpSpPr/>
+        <p:nvPr/>
+      </p:nvGrpSpPr>
+      <p:grpSpPr>
+        <a:xfrm>
+          <a:off x="0" y="0"/>
+          <a:ext cx="0" cy="0"/>
+          <a:chOff x="0" y="0"/>
+          <a:chExt cx="0" cy="0"/>
+        </a:xfrm>
+      </p:grpSpPr>
+      <p:sp>
+        <p:nvSpPr>
+          <p:cNvPr id="2" name="标题 1">
+            <a:extLst>
+              <a:ext uri="{FF2B5EF4-FFF2-40B4-BE49-F238E27FC236}">
+                <a16:creationId xmlns:a16="http://schemas.microsoft.com/office/drawing/2014/main" id="{288B843F-D9BF-4A04-BD35-AD674EC36BF9}"/>
+              </a:ext>
+            </a:extLst>
+          </p:cNvPr>
+          <p:cNvSpPr>
+            <a:spLocks noGrp="1"/>
+          </p:cNvSpPr>
+          <p:nvPr>
+            <p:ph type="title"/>
+          </p:nvPr>
+        </p:nvSpPr>
+        <p:spPr/>
+        <p:txBody>
+          <a:bodyPr/>
+          <a:lstStyle/>
+          <a:p>
+            <a:r>
+              <a:rPr lang="zh-CN" altLang="en-US" dirty="0"/>
+              <a:t>复制模式配置演示</a:t>
+            </a:r>
+          </a:p>
+        </p:txBody>
+      </p:sp>
+      <p:sp>
+        <p:nvSpPr>
+          <p:cNvPr id="3" name="内容占位符 2">
+            <a:extLst>
+              <a:ext uri="{FF2B5EF4-FFF2-40B4-BE49-F238E27FC236}">
+                <a16:creationId xmlns:a16="http://schemas.microsoft.com/office/drawing/2014/main" id="{349DB13C-8097-4A15-8905-4BF54B6B139F}"/>
+              </a:ext>
+            </a:extLst>
+          </p:cNvPr>
+          <p:cNvSpPr>
+            <a:spLocks noGrp="1"/>
+          </p:cNvSpPr>
+          <p:nvPr>
+            <p:ph idx="1"/>
+          </p:nvPr>
+        </p:nvSpPr>
+        <p:spPr/>
+        <p:txBody>
+          <a:bodyPr>
+            <a:normAutofit fontScale="92500" lnSpcReduction="20000"/>
+          </a:bodyPr>
+          <a:lstStyle/>
+          <a:p>
+            <a:r>
+              <a:rPr lang="zh-CN" altLang="en-US" dirty="0"/>
+              <a:t>* 配置</a:t>
+            </a:r>
+            <a:r>
+              <a:rPr lang="en-US" altLang="zh-CN" dirty="0"/>
+              <a:t>server id</a:t>
+            </a:r>
+          </a:p>
+          <a:p>
+            <a:r>
+              <a:rPr lang="en-US" altLang="zh-CN" dirty="0"/>
+              <a:t>&gt; zookeeper</a:t>
+            </a:r>
+            <a:r>
+              <a:rPr lang="zh-CN" altLang="en-US" dirty="0"/>
+              <a:t>集群模式下还要配置一个</a:t>
+            </a:r>
+            <a:r>
+              <a:rPr lang="en-US" altLang="zh-CN" dirty="0" err="1"/>
+              <a:t>myid</a:t>
+            </a:r>
+            <a:r>
+              <a:rPr lang="zh-CN" altLang="en-US" dirty="0"/>
+              <a:t>文件</a:t>
+            </a:r>
+            <a:r>
+              <a:rPr lang="en-US" altLang="zh-CN" dirty="0"/>
+              <a:t>,</a:t>
+            </a:r>
+            <a:r>
+              <a:rPr lang="zh-CN" altLang="en-US" dirty="0"/>
+              <a:t>这个文件需要放在</a:t>
+            </a:r>
+            <a:r>
+              <a:rPr lang="en-US" altLang="zh-CN" dirty="0" err="1"/>
+              <a:t>dataDir</a:t>
+            </a:r>
+            <a:r>
+              <a:rPr lang="zh-CN" altLang="en-US" dirty="0"/>
+              <a:t>目录下</a:t>
+            </a:r>
+            <a:r>
+              <a:rPr lang="en-US" altLang="zh-CN" dirty="0"/>
+              <a:t>,</a:t>
+            </a:r>
+            <a:r>
+              <a:rPr lang="zh-CN" altLang="en-US" dirty="0"/>
+              <a:t>文件中写入一个</a:t>
+            </a:r>
+            <a:r>
+              <a:rPr lang="en-US" altLang="zh-CN" dirty="0"/>
+              <a:t>id</a:t>
+            </a:r>
+            <a:r>
+              <a:rPr lang="zh-CN" altLang="en-US" dirty="0"/>
+              <a:t>即可。</a:t>
+            </a:r>
+          </a:p>
+          <a:p>
+            <a:r>
+              <a:rPr lang="zh-CN" altLang="en-US" dirty="0"/>
+              <a:t>* </a:t>
+            </a:r>
+            <a:r>
+              <a:rPr lang="en-US" altLang="zh-CN" dirty="0" err="1"/>
+              <a:t>zoo.cfg</a:t>
+            </a:r>
+            <a:r>
+              <a:rPr lang="zh-CN" altLang="en-US" dirty="0"/>
+              <a:t>配置集群</a:t>
+            </a:r>
+            <a:r>
+              <a:rPr lang="en-US" altLang="zh-CN" dirty="0"/>
+              <a:t>server</a:t>
+            </a:r>
+            <a:r>
+              <a:rPr lang="zh-CN" altLang="en-US" dirty="0"/>
+              <a:t>列表</a:t>
+            </a:r>
+          </a:p>
+          <a:p>
+            <a:r>
+              <a:rPr lang="zh-CN" altLang="en-US" dirty="0"/>
+              <a:t>* 集群模式多了 </a:t>
+            </a:r>
+            <a:r>
+              <a:rPr lang="en-US" altLang="zh-CN" dirty="0"/>
+              <a:t>server.id=host:port1:port2 </a:t>
+            </a:r>
+            <a:r>
+              <a:rPr lang="zh-CN" altLang="en-US" dirty="0"/>
+              <a:t>的配置。</a:t>
+            </a:r>
+          </a:p>
+          <a:p>
+            <a:pPr marL="457200" lvl="1" indent="0">
+              <a:buNone/>
+            </a:pPr>
+            <a:r>
+              <a:rPr lang="en-US" altLang="zh-CN" dirty="0"/>
+              <a:t>```</a:t>
+            </a:r>
+          </a:p>
+          <a:p>
+            <a:pPr marL="457200" lvl="1" indent="0">
+              <a:buNone/>
+            </a:pPr>
+            <a:r>
+              <a:rPr lang="en-US" altLang="zh-CN" dirty="0"/>
+              <a:t>server.1= 192.168.1.9:2888:3888</a:t>
+            </a:r>
+          </a:p>
+          <a:p>
+            <a:pPr marL="457200" lvl="1" indent="0">
+              <a:buNone/>
+            </a:pPr>
+            <a:r>
+              <a:rPr lang="en-US" altLang="zh-CN" dirty="0"/>
+              <a:t>server.2= 192.168.1.124:2888:3888</a:t>
+            </a:r>
+          </a:p>
+          <a:p>
+            <a:pPr marL="457200" lvl="1" indent="0">
+              <a:buNone/>
+            </a:pPr>
+            <a:r>
+              <a:rPr lang="en-US" altLang="zh-CN" dirty="0"/>
+              <a:t>server.3= 192.168.1.231:2888:3888</a:t>
+            </a:r>
+          </a:p>
+          <a:p>
+            <a:pPr marL="457200" lvl="1" indent="0">
+              <a:buNone/>
+            </a:pPr>
+            <a:r>
+              <a:rPr lang="en-US" altLang="zh-CN" dirty="0"/>
+              <a:t>```</a:t>
+            </a:r>
+          </a:p>
+          <a:p>
+            <a:r>
+              <a:rPr lang="en-US" altLang="zh-CN" dirty="0"/>
+              <a:t>&gt; </a:t>
+            </a:r>
+            <a:r>
+              <a:rPr lang="zh-CN" altLang="en-US" dirty="0"/>
+              <a:t>其中，</a:t>
+            </a:r>
+            <a:r>
+              <a:rPr lang="en-US" altLang="zh-CN" dirty="0"/>
+              <a:t>id </a:t>
+            </a:r>
+            <a:r>
+              <a:rPr lang="zh-CN" altLang="en-US" dirty="0"/>
+              <a:t>被称为 </a:t>
+            </a:r>
+            <a:r>
+              <a:rPr lang="en-US" altLang="zh-CN" dirty="0"/>
+              <a:t>Server ID</a:t>
+            </a:r>
+            <a:r>
+              <a:rPr lang="zh-CN" altLang="en-US" dirty="0"/>
+              <a:t>，用来标识该机器在集群中的机器序号（在每台机器的 </a:t>
+            </a:r>
+            <a:r>
+              <a:rPr lang="en-US" altLang="zh-CN" dirty="0" err="1"/>
+              <a:t>dataDir</a:t>
+            </a:r>
+            <a:r>
+              <a:rPr lang="en-US" altLang="zh-CN" dirty="0"/>
+              <a:t> </a:t>
+            </a:r>
+            <a:r>
+              <a:rPr lang="zh-CN" altLang="en-US" dirty="0"/>
+              <a:t>目录下创建 </a:t>
+            </a:r>
+            <a:r>
+              <a:rPr lang="en-US" altLang="zh-CN" dirty="0" err="1"/>
+              <a:t>myid</a:t>
+            </a:r>
+            <a:r>
+              <a:rPr lang="en-US" altLang="zh-CN" dirty="0"/>
+              <a:t> </a:t>
+            </a:r>
+            <a:r>
+              <a:rPr lang="zh-CN" altLang="en-US" dirty="0"/>
+              <a:t>文件，文件内容即为该机器对应的 </a:t>
+            </a:r>
+            <a:r>
+              <a:rPr lang="en-US" altLang="zh-CN" dirty="0"/>
+              <a:t>Server ID </a:t>
+            </a:r>
+            <a:r>
+              <a:rPr lang="zh-CN" altLang="en-US" dirty="0"/>
+              <a:t>数字）。</a:t>
+            </a:r>
+            <a:r>
+              <a:rPr lang="en-US" altLang="zh-CN" dirty="0"/>
+              <a:t>host </a:t>
+            </a:r>
+            <a:r>
+              <a:rPr lang="zh-CN" altLang="en-US" dirty="0"/>
+              <a:t>为机器 </a:t>
+            </a:r>
+            <a:r>
+              <a:rPr lang="en-US" altLang="zh-CN" dirty="0"/>
+              <a:t>IP</a:t>
+            </a:r>
+            <a:r>
+              <a:rPr lang="zh-CN" altLang="en-US" dirty="0"/>
+              <a:t>，</a:t>
+            </a:r>
+            <a:r>
+              <a:rPr lang="en-US" altLang="zh-CN" dirty="0"/>
+              <a:t>port1 </a:t>
+            </a:r>
+            <a:r>
+              <a:rPr lang="zh-CN" altLang="en-US" dirty="0"/>
+              <a:t>用于指定 </a:t>
+            </a:r>
+            <a:r>
+              <a:rPr lang="en-US" altLang="zh-CN" dirty="0"/>
+              <a:t>Follower </a:t>
+            </a:r>
+            <a:r>
+              <a:rPr lang="zh-CN" altLang="en-US" dirty="0"/>
+              <a:t>服务器与 </a:t>
+            </a:r>
+            <a:r>
+              <a:rPr lang="en-US" altLang="zh-CN" dirty="0"/>
+              <a:t>Leader </a:t>
+            </a:r>
+            <a:r>
+              <a:rPr lang="zh-CN" altLang="en-US" dirty="0"/>
+              <a:t>服务器进行通信和数据同步的端口，</a:t>
+            </a:r>
+            <a:r>
+              <a:rPr lang="en-US" altLang="zh-CN" dirty="0"/>
+              <a:t>port2 </a:t>
+            </a:r>
+            <a:r>
+              <a:rPr lang="zh-CN" altLang="en-US" dirty="0"/>
+              <a:t>用于进行 </a:t>
+            </a:r>
+            <a:r>
+              <a:rPr lang="en-US" altLang="zh-CN" dirty="0"/>
+              <a:t>Leader </a:t>
+            </a:r>
+            <a:r>
+              <a:rPr lang="zh-CN" altLang="en-US" dirty="0"/>
+              <a:t>选举过程中的投票通信。</a:t>
+            </a:r>
+          </a:p>
+          <a:p>
+            <a:pPr marL="0" indent="0">
+              <a:buNone/>
+            </a:pPr>
+            <a:endParaRPr lang="zh-CN" altLang="en-US" dirty="0"/>
+          </a:p>
+        </p:txBody>
+      </p:sp>
+    </p:spTree>
+    <p:extLst>
+      <p:ext uri="{BB962C8B-B14F-4D97-AF65-F5344CB8AC3E}">
+        <p14:creationId xmlns:p14="http://schemas.microsoft.com/office/powerpoint/2010/main" val="3602526114"/>
+      </p:ext>
+    </p:extLst>
+  </p:cSld>
+  <p:clrMapOvr>
+    <a:masterClrMapping/>
+  </p:clrMapOvr>
+</p:sld>
+</file>
+
+<file path=ppt/slides/slide31.xml><?xml version="1.0" encoding="utf-8"?>
+<p:sld xmlns:a="http://schemas.openxmlformats.org/drawingml/2006/main" xmlns:r="http://schemas.openxmlformats.org/officeDocument/2006/relationships" xmlns:p="http://schemas.openxmlformats.org/presentationml/2006/main">
+  <p:cSld>
+    <p:spTree>
+      <p:nvGrpSpPr>
+        <p:cNvPr id="1" name=""/>
+        <p:cNvGrpSpPr/>
+        <p:nvPr/>
+      </p:nvGrpSpPr>
+      <p:grpSpPr>
+        <a:xfrm>
+          <a:off x="0" y="0"/>
+          <a:ext cx="0" cy="0"/>
+          <a:chOff x="0" y="0"/>
+          <a:chExt cx="0" cy="0"/>
+        </a:xfrm>
+      </p:grpSpPr>
+      <p:sp>
+        <p:nvSpPr>
+          <p:cNvPr id="2" name="标题 1">
+            <a:extLst>
+              <a:ext uri="{FF2B5EF4-FFF2-40B4-BE49-F238E27FC236}">
+                <a16:creationId xmlns:a16="http://schemas.microsoft.com/office/drawing/2014/main" id="{467C4DB5-C0F4-417C-BCF3-F986229613F7}"/>
+              </a:ext>
+            </a:extLst>
+          </p:cNvPr>
+          <p:cNvSpPr>
+            <a:spLocks noGrp="1"/>
+          </p:cNvSpPr>
+          <p:nvPr>
+            <p:ph type="title"/>
+          </p:nvPr>
+        </p:nvSpPr>
+        <p:spPr/>
+        <p:txBody>
+          <a:bodyPr/>
+          <a:lstStyle/>
+          <a:p>
+            <a:r>
+              <a:rPr lang="zh-CN" altLang="en-US" dirty="0"/>
+              <a:t>核心概念</a:t>
+            </a:r>
+          </a:p>
+        </p:txBody>
+      </p:sp>
+      <p:sp>
+        <p:nvSpPr>
+          <p:cNvPr id="3" name="内容占位符 2">
+            <a:extLst>
+              <a:ext uri="{FF2B5EF4-FFF2-40B4-BE49-F238E27FC236}">
+                <a16:creationId xmlns:a16="http://schemas.microsoft.com/office/drawing/2014/main" id="{D6468899-D88E-4694-8D09-640BD8CC91BF}"/>
+              </a:ext>
+            </a:extLst>
+          </p:cNvPr>
+          <p:cNvSpPr>
+            <a:spLocks noGrp="1"/>
+          </p:cNvSpPr>
+          <p:nvPr>
+            <p:ph idx="1"/>
+          </p:nvPr>
+        </p:nvSpPr>
+        <p:spPr/>
+        <p:txBody>
+          <a:bodyPr/>
+          <a:lstStyle/>
+          <a:p>
+            <a:r>
+              <a:rPr lang="en-US" altLang="zh-CN" dirty="0" err="1"/>
+              <a:t>Znode</a:t>
+            </a:r>
+            <a:endParaRPr lang="en-US" altLang="zh-CN" dirty="0"/>
+          </a:p>
+          <a:p>
+            <a:r>
+              <a:rPr lang="en-US" altLang="zh-CN" dirty="0"/>
+              <a:t>Sessions</a:t>
+            </a:r>
+          </a:p>
+          <a:p>
+            <a:r>
+              <a:rPr lang="en-US" altLang="zh-CN" dirty="0"/>
+              <a:t>Watches</a:t>
+            </a:r>
+          </a:p>
+          <a:p>
+            <a:r>
+              <a:rPr lang="en-US" altLang="zh-CN" dirty="0"/>
+              <a:t>ACL</a:t>
+            </a:r>
+          </a:p>
+        </p:txBody>
+      </p:sp>
+    </p:spTree>
+    <p:extLst>
+      <p:ext uri="{BB962C8B-B14F-4D97-AF65-F5344CB8AC3E}">
+        <p14:creationId xmlns:p14="http://schemas.microsoft.com/office/powerpoint/2010/main" val="1171857048"/>
+      </p:ext>
+    </p:extLst>
+  </p:cSld>
+  <p:clrMapOvr>
+    <a:masterClrMapping/>
+  </p:clrMapOvr>
+</p:sld>
+</file>
+
+<file path=ppt/slides/slide32.xml><?xml version="1.0" encoding="utf-8"?>
+<p:sld xmlns:a="http://schemas.openxmlformats.org/drawingml/2006/main" xmlns:r="http://schemas.openxmlformats.org/officeDocument/2006/relationships" xmlns:p="http://schemas.openxmlformats.org/presentationml/2006/main">
+  <p:cSld>
+    <p:spTree>
+      <p:nvGrpSpPr>
+        <p:cNvPr id="1" name=""/>
+        <p:cNvGrpSpPr/>
+        <p:nvPr/>
+      </p:nvGrpSpPr>
+      <p:grpSpPr>
+        <a:xfrm>
+          <a:off x="0" y="0"/>
+          <a:ext cx="0" cy="0"/>
+          <a:chOff x="0" y="0"/>
+          <a:chExt cx="0" cy="0"/>
+        </a:xfrm>
+      </p:grpSpPr>
+      <p:sp>
+        <p:nvSpPr>
+          <p:cNvPr id="2" name="标题 1">
+            <a:extLst>
+              <a:ext uri="{FF2B5EF4-FFF2-40B4-BE49-F238E27FC236}">
+                <a16:creationId xmlns:a16="http://schemas.microsoft.com/office/drawing/2014/main" id="{7D7209C8-9A33-419C-8ACC-645FC0F95611}"/>
+              </a:ext>
+            </a:extLst>
+          </p:cNvPr>
+          <p:cNvSpPr>
+            <a:spLocks noGrp="1"/>
+          </p:cNvSpPr>
+          <p:nvPr>
+            <p:ph type="title"/>
+          </p:nvPr>
+        </p:nvSpPr>
+        <p:spPr/>
+        <p:txBody>
+          <a:bodyPr/>
+          <a:lstStyle/>
+          <a:p>
+            <a:r>
+              <a:rPr lang="en-US" altLang="zh-CN" dirty="0" err="1"/>
+              <a:t>znode</a:t>
+            </a:r>
+            <a:endParaRPr lang="zh-CN" altLang="en-US" dirty="0"/>
+          </a:p>
+        </p:txBody>
+      </p:sp>
+      <p:pic>
+        <p:nvPicPr>
+          <p:cNvPr id="5" name="内容占位符 4">
+            <a:extLst>
+              <a:ext uri="{FF2B5EF4-FFF2-40B4-BE49-F238E27FC236}">
+                <a16:creationId xmlns:a16="http://schemas.microsoft.com/office/drawing/2014/main" id="{2D0ED51F-7D49-451F-841C-4DDB28B30772}"/>
+              </a:ext>
+            </a:extLst>
+          </p:cNvPr>
+          <p:cNvPicPr>
+            <a:picLocks noGrp="1" noChangeAspect="1"/>
+          </p:cNvPicPr>
+          <p:nvPr>
+            <p:ph idx="1"/>
+          </p:nvPr>
+        </p:nvPicPr>
+        <p:blipFill>
+          <a:blip r:embed="rId2">
+            <a:extLst>
+              <a:ext uri="{28A0092B-C50C-407E-A947-70E740481C1C}">
+                <a14:useLocalDpi xmlns:a14="http://schemas.microsoft.com/office/drawing/2010/main" val="0"/>
+              </a:ext>
+            </a:extLst>
+          </a:blip>
+          <a:stretch>
+            <a:fillRect/>
+          </a:stretch>
+        </p:blipFill>
+        <p:spPr>
+          <a:xfrm>
+            <a:off x="3033034" y="1906046"/>
+            <a:ext cx="6125932" cy="3506472"/>
+          </a:xfrm>
+        </p:spPr>
+      </p:pic>
+    </p:spTree>
+    <p:extLst>
+      <p:ext uri="{BB962C8B-B14F-4D97-AF65-F5344CB8AC3E}">
+        <p14:creationId xmlns:p14="http://schemas.microsoft.com/office/powerpoint/2010/main" val="2423035057"/>
+      </p:ext>
+    </p:extLst>
+  </p:cSld>
+  <p:clrMapOvr>
+    <a:masterClrMapping/>
+  </p:clrMapOvr>
+</p:sld>
+</file>
+
+<file path=ppt/slides/slide33.xml><?xml version="1.0" encoding="utf-8"?>
+<p:sld xmlns:a="http://schemas.openxmlformats.org/drawingml/2006/main" xmlns:r="http://schemas.openxmlformats.org/officeDocument/2006/relationships" xmlns:p="http://schemas.openxmlformats.org/presentationml/2006/main">
+  <p:cSld>
+    <p:spTree>
+      <p:nvGrpSpPr>
+        <p:cNvPr id="1" name=""/>
+        <p:cNvGrpSpPr/>
+        <p:nvPr/>
+      </p:nvGrpSpPr>
+      <p:grpSpPr>
+        <a:xfrm>
+          <a:off x="0" y="0"/>
+          <a:ext cx="0" cy="0"/>
+          <a:chOff x="0" y="0"/>
+          <a:chExt cx="0" cy="0"/>
+        </a:xfrm>
+      </p:grpSpPr>
+      <p:sp>
+        <p:nvSpPr>
+          <p:cNvPr id="2" name="标题 1">
+            <a:extLst>
+              <a:ext uri="{FF2B5EF4-FFF2-40B4-BE49-F238E27FC236}">
+                <a16:creationId xmlns:a16="http://schemas.microsoft.com/office/drawing/2014/main" id="{F81BCA9B-1D36-49AE-AFFF-EA0069739B28}"/>
+              </a:ext>
+            </a:extLst>
+          </p:cNvPr>
+          <p:cNvSpPr>
+            <a:spLocks noGrp="1"/>
+          </p:cNvSpPr>
+          <p:nvPr>
+            <p:ph type="title"/>
+          </p:nvPr>
+        </p:nvSpPr>
+        <p:spPr/>
+        <p:txBody>
+          <a:bodyPr/>
+          <a:lstStyle/>
+          <a:p>
+            <a:r>
+              <a:rPr lang="en-US" altLang="zh-CN" dirty="0" err="1"/>
+              <a:t>Znode</a:t>
+            </a:r>
+            <a:r>
+              <a:rPr lang="zh-CN" altLang="en-US" dirty="0"/>
+              <a:t>存储空间</a:t>
+            </a:r>
+          </a:p>
+        </p:txBody>
+      </p:sp>
+      <p:sp>
+        <p:nvSpPr>
+          <p:cNvPr id="3" name="内容占位符 2">
+            <a:extLst>
+              <a:ext uri="{FF2B5EF4-FFF2-40B4-BE49-F238E27FC236}">
+                <a16:creationId xmlns:a16="http://schemas.microsoft.com/office/drawing/2014/main" id="{40F6607D-572A-4B30-96F8-8CA8922ABD6D}"/>
+              </a:ext>
+            </a:extLst>
+          </p:cNvPr>
+          <p:cNvSpPr>
+            <a:spLocks noGrp="1"/>
+          </p:cNvSpPr>
+          <p:nvPr>
+            <p:ph idx="1"/>
+          </p:nvPr>
+        </p:nvSpPr>
+        <p:spPr/>
+        <p:txBody>
+          <a:bodyPr/>
+          <a:lstStyle/>
+          <a:p>
+            <a:pPr marL="0" indent="0">
+              <a:buNone/>
+            </a:pPr>
+            <a:r>
+              <a:rPr lang="en-US" altLang="zh-CN" dirty="0"/>
+              <a:t>	 client and server</a:t>
+            </a:r>
+            <a:r>
+              <a:rPr lang="zh-CN" altLang="en-US" dirty="0"/>
+              <a:t>会校验数据不能超过</a:t>
+            </a:r>
+            <a:r>
+              <a:rPr lang="en-US" altLang="zh-CN" dirty="0"/>
+              <a:t>1M</a:t>
+            </a:r>
+          </a:p>
+          <a:p>
+            <a:pPr marL="0" indent="0">
+              <a:buNone/>
+            </a:pPr>
+            <a:endParaRPr lang="en-US" altLang="zh-CN" dirty="0"/>
+          </a:p>
+          <a:p>
+            <a:pPr marL="0" indent="0">
+              <a:buNone/>
+            </a:pPr>
+            <a:r>
+              <a:rPr lang="en-US" altLang="zh-CN" dirty="0"/>
+              <a:t>	</a:t>
+            </a:r>
+            <a:endParaRPr lang="zh-CN" altLang="en-US" dirty="0"/>
+          </a:p>
+        </p:txBody>
+      </p:sp>
+    </p:spTree>
+    <p:extLst>
+      <p:ext uri="{BB962C8B-B14F-4D97-AF65-F5344CB8AC3E}">
+        <p14:creationId xmlns:p14="http://schemas.microsoft.com/office/powerpoint/2010/main" val="1168880592"/>
+      </p:ext>
+    </p:extLst>
+  </p:cSld>
+  <p:clrMapOvr>
+    <a:masterClrMapping/>
+  </p:clrMapOvr>
+</p:sld>
+</file>
+
+<file path=ppt/slides/slide34.xml><?xml version="1.0" encoding="utf-8"?>
+<p:sld xmlns:a="http://schemas.openxmlformats.org/drawingml/2006/main" xmlns:r="http://schemas.openxmlformats.org/officeDocument/2006/relationships" xmlns:p="http://schemas.openxmlformats.org/presentationml/2006/main">
+  <p:cSld>
+    <p:spTree>
+      <p:nvGrpSpPr>
+        <p:cNvPr id="1" name=""/>
+        <p:cNvGrpSpPr/>
+        <p:nvPr/>
+      </p:nvGrpSpPr>
+      <p:grpSpPr>
+        <a:xfrm>
+          <a:off x="0" y="0"/>
+          <a:ext cx="0" cy="0"/>
+          <a:chOff x="0" y="0"/>
+          <a:chExt cx="0" cy="0"/>
+        </a:xfrm>
+      </p:grpSpPr>
+      <p:sp>
+        <p:nvSpPr>
+          <p:cNvPr id="2" name="标题 1">
+            <a:extLst>
+              <a:ext uri="{FF2B5EF4-FFF2-40B4-BE49-F238E27FC236}">
+                <a16:creationId xmlns:a16="http://schemas.microsoft.com/office/drawing/2014/main" id="{4C2D4C46-611F-42B0-95EB-117EA484F306}"/>
+              </a:ext>
+            </a:extLst>
+          </p:cNvPr>
+          <p:cNvSpPr>
+            <a:spLocks noGrp="1"/>
+          </p:cNvSpPr>
+          <p:nvPr>
+            <p:ph type="title"/>
+          </p:nvPr>
+        </p:nvSpPr>
+        <p:spPr/>
+        <p:txBody>
+          <a:bodyPr/>
+          <a:lstStyle/>
+          <a:p>
+            <a:r>
+              <a:rPr lang="en-US" altLang="zh-CN" dirty="0" err="1"/>
+              <a:t>Znode</a:t>
+            </a:r>
+            <a:r>
+              <a:rPr lang="zh-CN" altLang="en-US" dirty="0"/>
+              <a:t>分类</a:t>
+            </a:r>
+          </a:p>
+        </p:txBody>
+      </p:sp>
+      <p:sp>
+        <p:nvSpPr>
+          <p:cNvPr id="3" name="内容占位符 2">
+            <a:extLst>
+              <a:ext uri="{FF2B5EF4-FFF2-40B4-BE49-F238E27FC236}">
+                <a16:creationId xmlns:a16="http://schemas.microsoft.com/office/drawing/2014/main" id="{7B756E19-E0B4-4A18-AECA-AC2FC1275832}"/>
+              </a:ext>
+            </a:extLst>
+          </p:cNvPr>
+          <p:cNvSpPr>
+            <a:spLocks noGrp="1"/>
+          </p:cNvSpPr>
+          <p:nvPr>
+            <p:ph idx="1"/>
+          </p:nvPr>
+        </p:nvSpPr>
+        <p:spPr/>
+        <p:txBody>
+          <a:bodyPr/>
+          <a:lstStyle/>
+          <a:p>
+            <a:r>
+              <a:rPr lang="zh-CN" altLang="en-US" dirty="0"/>
+              <a:t>* 临时（</a:t>
+            </a:r>
+            <a:r>
+              <a:rPr lang="en-US" altLang="zh-CN" dirty="0"/>
+              <a:t>Ephemeral</a:t>
+            </a:r>
+            <a:r>
+              <a:rPr lang="zh-CN" altLang="en-US" dirty="0"/>
+              <a:t>）</a:t>
+            </a:r>
+            <a:r>
+              <a:rPr lang="en-US" altLang="zh-CN" dirty="0" err="1"/>
+              <a:t>znode</a:t>
+            </a:r>
+            <a:endParaRPr lang="en-US" altLang="zh-CN" dirty="0"/>
+          </a:p>
+          <a:p>
+            <a:pPr lvl="1"/>
+            <a:r>
+              <a:rPr lang="en-US" altLang="zh-CN" dirty="0"/>
+              <a:t>* as long as the session</a:t>
+            </a:r>
+          </a:p>
+          <a:p>
+            <a:pPr lvl="1"/>
+            <a:r>
+              <a:rPr lang="en-US" altLang="zh-CN" dirty="0"/>
+              <a:t>* </a:t>
+            </a:r>
+            <a:r>
+              <a:rPr lang="zh-CN" altLang="en-US" dirty="0"/>
+              <a:t>只能是在叶子节点上创建</a:t>
+            </a:r>
+          </a:p>
+          <a:p>
+            <a:r>
+              <a:rPr lang="zh-CN" altLang="en-US" dirty="0"/>
+              <a:t>* 持久（</a:t>
+            </a:r>
+            <a:r>
+              <a:rPr lang="en-US" altLang="zh-CN" dirty="0"/>
+              <a:t>PERSISTENT</a:t>
+            </a:r>
+            <a:r>
+              <a:rPr lang="zh-CN" altLang="en-US" dirty="0"/>
+              <a:t>）</a:t>
+            </a:r>
+            <a:r>
+              <a:rPr lang="en-US" altLang="zh-CN" dirty="0" err="1"/>
+              <a:t>znode</a:t>
+            </a:r>
+            <a:endParaRPr lang="en-US" altLang="zh-CN" dirty="0"/>
+          </a:p>
+          <a:p>
+            <a:r>
+              <a:rPr lang="en-US" altLang="zh-CN" dirty="0"/>
+              <a:t>* </a:t>
+            </a:r>
+            <a:r>
+              <a:rPr lang="zh-CN" altLang="en-US" dirty="0"/>
+              <a:t>顺序（</a:t>
+            </a:r>
+            <a:r>
+              <a:rPr lang="en-US" altLang="zh-CN" dirty="0"/>
+              <a:t>SEQUENTIAL</a:t>
+            </a:r>
+            <a:r>
+              <a:rPr lang="zh-CN" altLang="en-US" dirty="0"/>
+              <a:t>）</a:t>
+            </a:r>
+            <a:r>
+              <a:rPr lang="en-US" altLang="zh-CN" dirty="0" err="1"/>
+              <a:t>znode</a:t>
+            </a:r>
+            <a:endParaRPr lang="en-US" altLang="zh-CN" dirty="0"/>
+          </a:p>
+          <a:p>
+            <a:pPr lvl="1"/>
+            <a:r>
+              <a:rPr lang="en-US" altLang="zh-CN" dirty="0"/>
+              <a:t>* </a:t>
+            </a:r>
+            <a:r>
+              <a:rPr lang="zh-CN" altLang="en-US" dirty="0"/>
+              <a:t>在父节点下有序自增</a:t>
+            </a:r>
+          </a:p>
+          <a:p>
+            <a:pPr lvl="1"/>
+            <a:r>
+              <a:rPr lang="zh-CN" altLang="en-US" dirty="0"/>
+              <a:t>* </a:t>
+            </a:r>
+            <a:r>
+              <a:rPr lang="en-US" altLang="zh-CN" dirty="0"/>
+              <a:t>int </a:t>
+            </a:r>
+          </a:p>
+          <a:p>
+            <a:pPr marL="0" indent="0">
+              <a:buNone/>
+            </a:pPr>
+            <a:endParaRPr lang="zh-CN" altLang="en-US" dirty="0"/>
+          </a:p>
+        </p:txBody>
+      </p:sp>
+    </p:spTree>
+    <p:extLst>
+      <p:ext uri="{BB962C8B-B14F-4D97-AF65-F5344CB8AC3E}">
+        <p14:creationId xmlns:p14="http://schemas.microsoft.com/office/powerpoint/2010/main" val="1060231991"/>
+      </p:ext>
+    </p:extLst>
+  </p:cSld>
+  <p:clrMapOvr>
+    <a:masterClrMapping/>
+  </p:clrMapOvr>
+</p:sld>
+</file>
+
+<file path=ppt/slides/slide35.xml><?xml version="1.0" encoding="utf-8"?>
+<p:sld xmlns:a="http://schemas.openxmlformats.org/drawingml/2006/main" xmlns:r="http://schemas.openxmlformats.org/officeDocument/2006/relationships" xmlns:p="http://schemas.openxmlformats.org/presentationml/2006/main">
+  <p:cSld>
+    <p:spTree>
+      <p:nvGrpSpPr>
+        <p:cNvPr id="1" name=""/>
+        <p:cNvGrpSpPr/>
+        <p:nvPr/>
+      </p:nvGrpSpPr>
+      <p:grpSpPr>
+        <a:xfrm>
+          <a:off x="0" y="0"/>
+          <a:ext cx="0" cy="0"/>
+          <a:chOff x="0" y="0"/>
+          <a:chExt cx="0" cy="0"/>
+        </a:xfrm>
+      </p:grpSpPr>
+      <p:sp>
+        <p:nvSpPr>
+          <p:cNvPr id="2" name="标题 1">
+            <a:extLst>
+              <a:ext uri="{FF2B5EF4-FFF2-40B4-BE49-F238E27FC236}">
+                <a16:creationId xmlns:a16="http://schemas.microsoft.com/office/drawing/2014/main" id="{538A99D3-E967-4936-937F-B6D57AF6BEC5}"/>
+              </a:ext>
+            </a:extLst>
+          </p:cNvPr>
+          <p:cNvSpPr>
+            <a:spLocks noGrp="1"/>
+          </p:cNvSpPr>
+          <p:nvPr>
+            <p:ph type="title"/>
+          </p:nvPr>
+        </p:nvSpPr>
+        <p:spPr/>
+        <p:txBody>
+          <a:bodyPr/>
+          <a:lstStyle/>
+          <a:p>
+            <a:r>
+              <a:rPr lang="en-US" altLang="zh-CN" dirty="0" err="1"/>
+              <a:t>zxid</a:t>
+            </a:r>
+            <a:endParaRPr lang="zh-CN" altLang="en-US" dirty="0"/>
+          </a:p>
+        </p:txBody>
+      </p:sp>
+      <p:sp>
+        <p:nvSpPr>
+          <p:cNvPr id="3" name="内容占位符 2">
+            <a:extLst>
+              <a:ext uri="{FF2B5EF4-FFF2-40B4-BE49-F238E27FC236}">
+                <a16:creationId xmlns:a16="http://schemas.microsoft.com/office/drawing/2014/main" id="{8325BC6C-E3A5-473B-9A72-341B7086306C}"/>
+              </a:ext>
+            </a:extLst>
+          </p:cNvPr>
+          <p:cNvSpPr>
+            <a:spLocks noGrp="1"/>
+          </p:cNvSpPr>
+          <p:nvPr>
+            <p:ph idx="1"/>
+          </p:nvPr>
+        </p:nvSpPr>
+        <p:spPr/>
+        <p:txBody>
+          <a:bodyPr/>
+          <a:lstStyle/>
+          <a:p>
+            <a:r>
+              <a:rPr lang="zh-CN" altLang="en-US" dirty="0"/>
+              <a:t>* 有序</a:t>
+            </a:r>
+          </a:p>
+          <a:p>
+            <a:r>
+              <a:rPr lang="zh-CN" altLang="en-US" dirty="0"/>
+              <a:t>* 全局唯一</a:t>
+            </a:r>
+          </a:p>
+          <a:p>
+            <a:pPr marL="0" indent="0">
+              <a:buNone/>
+            </a:pPr>
+            <a:endParaRPr lang="zh-CN" altLang="en-US" dirty="0"/>
+          </a:p>
+        </p:txBody>
+      </p:sp>
+    </p:spTree>
+    <p:extLst>
+      <p:ext uri="{BB962C8B-B14F-4D97-AF65-F5344CB8AC3E}">
+        <p14:creationId xmlns:p14="http://schemas.microsoft.com/office/powerpoint/2010/main" val="218813937"/>
+      </p:ext>
+    </p:extLst>
+  </p:cSld>
+  <p:clrMapOvr>
+    <a:masterClrMapping/>
+  </p:clrMapOvr>
+</p:sld>
+</file>
+
+<file path=ppt/slides/slide36.xml><?xml version="1.0" encoding="utf-8"?>
+<p:sld xmlns:a="http://schemas.openxmlformats.org/drawingml/2006/main" xmlns:r="http://schemas.openxmlformats.org/officeDocument/2006/relationships" xmlns:p="http://schemas.openxmlformats.org/presentationml/2006/main">
+  <p:cSld>
+    <p:spTree>
+      <p:nvGrpSpPr>
+        <p:cNvPr id="1" name=""/>
+        <p:cNvGrpSpPr/>
+        <p:nvPr/>
+      </p:nvGrpSpPr>
+      <p:grpSpPr>
+        <a:xfrm>
+          <a:off x="0" y="0"/>
+          <a:ext cx="0" cy="0"/>
+          <a:chOff x="0" y="0"/>
+          <a:chExt cx="0" cy="0"/>
+        </a:xfrm>
+      </p:grpSpPr>
+      <p:sp>
+        <p:nvSpPr>
+          <p:cNvPr id="2" name="标题 1">
+            <a:extLst>
+              <a:ext uri="{FF2B5EF4-FFF2-40B4-BE49-F238E27FC236}">
+                <a16:creationId xmlns:a16="http://schemas.microsoft.com/office/drawing/2014/main" id="{BE329AC5-3F32-4079-B180-D84EAC7D2568}"/>
+              </a:ext>
+            </a:extLst>
+          </p:cNvPr>
+          <p:cNvSpPr>
+            <a:spLocks noGrp="1"/>
+          </p:cNvSpPr>
+          <p:nvPr>
+            <p:ph type="title"/>
+          </p:nvPr>
+        </p:nvSpPr>
+        <p:spPr/>
+        <p:txBody>
+          <a:bodyPr/>
+          <a:lstStyle/>
+          <a:p>
+            <a:r>
+              <a:rPr lang="en-US" altLang="zh-CN" dirty="0"/>
+              <a:t>Zookeeper </a:t>
+            </a:r>
+            <a:r>
+              <a:rPr lang="en-US" altLang="zh-CN" dirty="0" err="1"/>
+              <a:t>znode</a:t>
+            </a:r>
+            <a:r>
+              <a:rPr lang="en-US" altLang="zh-CN" dirty="0"/>
+              <a:t> stat </a:t>
+            </a:r>
+            <a:r>
+              <a:rPr lang="zh-CN" altLang="en-US" dirty="0"/>
+              <a:t>结构</a:t>
+            </a:r>
+          </a:p>
+        </p:txBody>
+      </p:sp>
+      <p:pic>
+        <p:nvPicPr>
+          <p:cNvPr id="5" name="内容占位符 4">
+            <a:extLst>
+              <a:ext uri="{FF2B5EF4-FFF2-40B4-BE49-F238E27FC236}">
+                <a16:creationId xmlns:a16="http://schemas.microsoft.com/office/drawing/2014/main" id="{EF28A070-9778-4704-9996-C46598628FAE}"/>
+              </a:ext>
+            </a:extLst>
+          </p:cNvPr>
+          <p:cNvPicPr>
+            <a:picLocks noGrp="1" noChangeAspect="1"/>
+          </p:cNvPicPr>
+          <p:nvPr>
+            <p:ph idx="1"/>
+          </p:nvPr>
+        </p:nvPicPr>
+        <p:blipFill>
+          <a:blip r:embed="rId2">
+            <a:extLst>
+              <a:ext uri="{28A0092B-C50C-407E-A947-70E740481C1C}">
+                <a14:useLocalDpi xmlns:a14="http://schemas.microsoft.com/office/drawing/2010/main" val="0"/>
+              </a:ext>
+            </a:extLst>
+          </a:blip>
+          <a:stretch>
+            <a:fillRect/>
+          </a:stretch>
+        </p:blipFill>
+        <p:spPr>
+          <a:xfrm>
+            <a:off x="2149798" y="1690688"/>
+            <a:ext cx="7892403" cy="4769206"/>
+          </a:xfrm>
+        </p:spPr>
+      </p:pic>
+    </p:spTree>
+    <p:extLst>
+      <p:ext uri="{BB962C8B-B14F-4D97-AF65-F5344CB8AC3E}">
+        <p14:creationId xmlns:p14="http://schemas.microsoft.com/office/powerpoint/2010/main" val="666965984"/>
+      </p:ext>
+    </p:extLst>
+  </p:cSld>
+  <p:clrMapOvr>
+    <a:masterClrMapping/>
+  </p:clrMapOvr>
+</p:sld>
+</file>
+
+<file path=ppt/slides/slide37.xml><?xml version="1.0" encoding="utf-8"?>
+<p:sld xmlns:a="http://schemas.openxmlformats.org/drawingml/2006/main" xmlns:r="http://schemas.openxmlformats.org/officeDocument/2006/relationships" xmlns:p="http://schemas.openxmlformats.org/presentationml/2006/main">
+  <p:cSld>
+    <p:spTree>
+      <p:nvGrpSpPr>
+        <p:cNvPr id="1" name=""/>
+        <p:cNvGrpSpPr/>
+        <p:nvPr/>
+      </p:nvGrpSpPr>
+      <p:grpSpPr>
+        <a:xfrm>
+          <a:off x="0" y="0"/>
+          <a:ext cx="0" cy="0"/>
+          <a:chOff x="0" y="0"/>
+          <a:chExt cx="0" cy="0"/>
+        </a:xfrm>
+      </p:grpSpPr>
+      <p:sp>
+        <p:nvSpPr>
+          <p:cNvPr id="2" name="标题 1">
+            <a:extLst>
+              <a:ext uri="{FF2B5EF4-FFF2-40B4-BE49-F238E27FC236}">
+                <a16:creationId xmlns:a16="http://schemas.microsoft.com/office/drawing/2014/main" id="{3D449D1D-42BB-415B-89A5-32F4BC43109A}"/>
+              </a:ext>
+            </a:extLst>
+          </p:cNvPr>
+          <p:cNvSpPr>
+            <a:spLocks noGrp="1"/>
+          </p:cNvSpPr>
+          <p:nvPr>
+            <p:ph type="title"/>
+          </p:nvPr>
+        </p:nvSpPr>
+        <p:spPr/>
+        <p:txBody>
+          <a:bodyPr/>
+          <a:lstStyle/>
+          <a:p>
+            <a:r>
+              <a:rPr lang="en-US" altLang="zh-CN" dirty="0"/>
+              <a:t>Zookeeper </a:t>
+            </a:r>
+            <a:r>
+              <a:rPr lang="en-US" altLang="zh-CN" dirty="0" err="1"/>
+              <a:t>znode</a:t>
+            </a:r>
+            <a:r>
+              <a:rPr lang="en-US" altLang="zh-CN" dirty="0"/>
+              <a:t> stat </a:t>
+            </a:r>
+            <a:r>
+              <a:rPr lang="zh-CN" altLang="en-US" dirty="0"/>
+              <a:t>结构</a:t>
+            </a:r>
+          </a:p>
+        </p:txBody>
+      </p:sp>
+      <p:sp>
+        <p:nvSpPr>
+          <p:cNvPr id="3" name="内容占位符 2">
+            <a:extLst>
+              <a:ext uri="{FF2B5EF4-FFF2-40B4-BE49-F238E27FC236}">
+                <a16:creationId xmlns:a16="http://schemas.microsoft.com/office/drawing/2014/main" id="{51390F43-CDE2-45BF-A454-668130672274}"/>
+              </a:ext>
+            </a:extLst>
+          </p:cNvPr>
+          <p:cNvSpPr>
+            <a:spLocks noGrp="1"/>
+          </p:cNvSpPr>
+          <p:nvPr>
+            <p:ph idx="1"/>
+          </p:nvPr>
+        </p:nvSpPr>
+        <p:spPr/>
+        <p:txBody>
+          <a:bodyPr>
+            <a:normAutofit fontScale="85000" lnSpcReduction="20000"/>
+          </a:bodyPr>
+          <a:lstStyle/>
+          <a:p>
+            <a:r>
+              <a:rPr lang="zh-CN" altLang="en-US" dirty="0"/>
+              <a:t>* </a:t>
+            </a:r>
+            <a:r>
+              <a:rPr lang="en-US" altLang="zh-CN" dirty="0" err="1"/>
+              <a:t>czxid</a:t>
+            </a:r>
+            <a:r>
+              <a:rPr lang="en-US" altLang="zh-CN" dirty="0"/>
+              <a:t> Created ZXID</a:t>
+            </a:r>
+            <a:r>
+              <a:rPr lang="zh-CN" altLang="en-US" dirty="0"/>
+              <a:t>表示该数据节点被创建时的事务</a:t>
+            </a:r>
+            <a:r>
+              <a:rPr lang="en-US" altLang="zh-CN" dirty="0"/>
+              <a:t>ID</a:t>
+            </a:r>
+          </a:p>
+          <a:p>
+            <a:r>
+              <a:rPr lang="zh-CN" altLang="en-US" dirty="0"/>
+              <a:t>* </a:t>
+            </a:r>
+            <a:r>
+              <a:rPr lang="en-US" altLang="zh-CN" dirty="0" err="1"/>
+              <a:t>mzxid</a:t>
+            </a:r>
+            <a:r>
+              <a:rPr lang="en-US" altLang="zh-CN" dirty="0"/>
+              <a:t> Modified ZXID </a:t>
+            </a:r>
+            <a:r>
+              <a:rPr lang="zh-CN" altLang="en-US" dirty="0"/>
+              <a:t>表示该节点最后一次被更新时的事务</a:t>
+            </a:r>
+            <a:r>
+              <a:rPr lang="en-US" altLang="zh-CN" dirty="0"/>
+              <a:t>ID</a:t>
+            </a:r>
+          </a:p>
+          <a:p>
+            <a:r>
+              <a:rPr lang="zh-CN" altLang="en-US" dirty="0"/>
+              <a:t>* </a:t>
+            </a:r>
+            <a:r>
+              <a:rPr lang="en-US" altLang="zh-CN" dirty="0" err="1"/>
+              <a:t>pzxid</a:t>
+            </a:r>
+            <a:r>
+              <a:rPr lang="en-US" altLang="zh-CN" dirty="0"/>
+              <a:t> </a:t>
+            </a:r>
+            <a:r>
+              <a:rPr lang="zh-CN" altLang="en-US" dirty="0"/>
+              <a:t>表示该节点的子节点列表最后一次被修改时的事务</a:t>
+            </a:r>
+            <a:r>
+              <a:rPr lang="en-US" altLang="zh-CN" dirty="0"/>
+              <a:t>ID</a:t>
+            </a:r>
+            <a:r>
+              <a:rPr lang="zh-CN" altLang="en-US" dirty="0"/>
+              <a:t>。只有子节点列表变更了才会变更</a:t>
+            </a:r>
+            <a:r>
+              <a:rPr lang="en-US" altLang="zh-CN" dirty="0" err="1"/>
+              <a:t>pZxid</a:t>
+            </a:r>
+            <a:r>
+              <a:rPr lang="en-US" altLang="zh-CN" dirty="0"/>
+              <a:t>,</a:t>
+            </a:r>
+            <a:r>
+              <a:rPr lang="zh-CN" altLang="en-US" dirty="0"/>
+              <a:t>子节点内容变更不会影响</a:t>
+            </a:r>
+            <a:r>
+              <a:rPr lang="en-US" altLang="zh-CN" dirty="0" err="1"/>
+              <a:t>pZxid</a:t>
+            </a:r>
+            <a:endParaRPr lang="en-US" altLang="zh-CN" dirty="0"/>
+          </a:p>
+          <a:p>
+            <a:r>
+              <a:rPr lang="zh-CN" altLang="en-US" dirty="0"/>
+              <a:t>* </a:t>
+            </a:r>
+            <a:r>
+              <a:rPr lang="en-US" altLang="zh-CN" dirty="0" err="1"/>
+              <a:t>ctime</a:t>
+            </a:r>
+            <a:r>
+              <a:rPr lang="en-US" altLang="zh-CN" dirty="0"/>
+              <a:t> Created Time</a:t>
+            </a:r>
+            <a:r>
+              <a:rPr lang="zh-CN" altLang="en-US" dirty="0"/>
+              <a:t>表示节点被创建的时间</a:t>
+            </a:r>
+          </a:p>
+          <a:p>
+            <a:r>
+              <a:rPr lang="zh-CN" altLang="en-US" dirty="0"/>
+              <a:t>* </a:t>
+            </a:r>
+            <a:r>
+              <a:rPr lang="en-US" altLang="zh-CN" dirty="0" err="1"/>
+              <a:t>mtime</a:t>
+            </a:r>
+            <a:r>
+              <a:rPr lang="en-US" altLang="zh-CN" dirty="0"/>
+              <a:t> Modified Time</a:t>
+            </a:r>
+            <a:r>
+              <a:rPr lang="zh-CN" altLang="en-US" dirty="0"/>
+              <a:t>表示节点最后一次被更新的时间</a:t>
+            </a:r>
+          </a:p>
+          <a:p>
+            <a:r>
+              <a:rPr lang="zh-CN" altLang="en-US" dirty="0"/>
+              <a:t>* </a:t>
+            </a:r>
+            <a:r>
+              <a:rPr lang="en-US" altLang="zh-CN" dirty="0" err="1"/>
+              <a:t>dataVersion</a:t>
+            </a:r>
+            <a:r>
+              <a:rPr lang="en-US" altLang="zh-CN" dirty="0"/>
+              <a:t> </a:t>
+            </a:r>
+            <a:r>
+              <a:rPr lang="zh-CN" altLang="en-US" dirty="0"/>
+              <a:t>数据节点版本号</a:t>
+            </a:r>
+          </a:p>
+          <a:p>
+            <a:r>
+              <a:rPr lang="zh-CN" altLang="en-US" dirty="0"/>
+              <a:t>* </a:t>
+            </a:r>
+            <a:r>
+              <a:rPr lang="en-US" altLang="zh-CN" dirty="0" err="1"/>
+              <a:t>cversion</a:t>
+            </a:r>
+            <a:r>
+              <a:rPr lang="en-US" altLang="zh-CN" dirty="0"/>
+              <a:t> </a:t>
+            </a:r>
+            <a:r>
+              <a:rPr lang="zh-CN" altLang="en-US" dirty="0"/>
+              <a:t>子节点的版本号</a:t>
+            </a:r>
+          </a:p>
+          <a:p>
+            <a:r>
+              <a:rPr lang="zh-CN" altLang="en-US" dirty="0"/>
+              <a:t>* </a:t>
+            </a:r>
+            <a:r>
+              <a:rPr lang="en-US" altLang="zh-CN" dirty="0" err="1"/>
+              <a:t>aclVersion</a:t>
+            </a:r>
+            <a:r>
+              <a:rPr lang="en-US" altLang="zh-CN" dirty="0"/>
+              <a:t> </a:t>
+            </a:r>
+            <a:r>
+              <a:rPr lang="zh-CN" altLang="en-US" dirty="0"/>
+              <a:t>节点的</a:t>
+            </a:r>
+            <a:r>
+              <a:rPr lang="en-US" altLang="zh-CN" dirty="0"/>
+              <a:t>ACL</a:t>
+            </a:r>
+            <a:r>
+              <a:rPr lang="zh-CN" altLang="en-US" dirty="0"/>
+              <a:t>版本号</a:t>
+            </a:r>
+          </a:p>
+          <a:p>
+            <a:r>
+              <a:rPr lang="zh-CN" altLang="en-US" dirty="0"/>
+              <a:t>* </a:t>
+            </a:r>
+            <a:r>
+              <a:rPr lang="en-US" altLang="zh-CN" dirty="0" err="1"/>
+              <a:t>ephemeralOwner</a:t>
+            </a:r>
+            <a:r>
+              <a:rPr lang="en-US" altLang="zh-CN" dirty="0"/>
+              <a:t> </a:t>
+            </a:r>
+            <a:r>
+              <a:rPr lang="zh-CN" altLang="en-US" dirty="0"/>
+              <a:t>创建该临时节点的会话的</a:t>
+            </a:r>
+            <a:r>
+              <a:rPr lang="en-US" altLang="zh-CN" dirty="0" err="1"/>
+              <a:t>SessionID</a:t>
+            </a:r>
+            <a:r>
+              <a:rPr lang="zh-CN" altLang="en-US" dirty="0"/>
+              <a:t>。如果节点是持久节点，这个属性为</a:t>
+            </a:r>
+            <a:r>
+              <a:rPr lang="en-US" altLang="zh-CN" dirty="0"/>
+              <a:t>0</a:t>
+            </a:r>
+          </a:p>
+          <a:p>
+            <a:r>
+              <a:rPr lang="zh-CN" altLang="en-US" dirty="0"/>
+              <a:t>* </a:t>
+            </a:r>
+            <a:r>
+              <a:rPr lang="en-US" altLang="zh-CN" dirty="0" err="1"/>
+              <a:t>dataLength</a:t>
+            </a:r>
+            <a:r>
+              <a:rPr lang="en-US" altLang="zh-CN" dirty="0"/>
+              <a:t> </a:t>
+            </a:r>
+            <a:r>
+              <a:rPr lang="zh-CN" altLang="en-US" dirty="0"/>
+              <a:t>数据内容的长度</a:t>
+            </a:r>
+          </a:p>
+          <a:p>
+            <a:r>
+              <a:rPr lang="zh-CN" altLang="en-US" dirty="0"/>
+              <a:t>* </a:t>
+            </a:r>
+            <a:r>
+              <a:rPr lang="en-US" altLang="zh-CN" dirty="0" err="1"/>
+              <a:t>numChildren</a:t>
+            </a:r>
+            <a:r>
+              <a:rPr lang="en-US" altLang="zh-CN" dirty="0"/>
+              <a:t> </a:t>
+            </a:r>
+            <a:r>
+              <a:rPr lang="zh-CN" altLang="en-US" dirty="0"/>
+              <a:t>当前节点的子节点个数</a:t>
+            </a:r>
+          </a:p>
+          <a:p>
+            <a:pPr marL="0" indent="0">
+              <a:buNone/>
+            </a:pPr>
+            <a:endParaRPr lang="zh-CN" altLang="en-US" dirty="0"/>
+          </a:p>
+        </p:txBody>
+      </p:sp>
+    </p:spTree>
+    <p:extLst>
+      <p:ext uri="{BB962C8B-B14F-4D97-AF65-F5344CB8AC3E}">
+        <p14:creationId xmlns:p14="http://schemas.microsoft.com/office/powerpoint/2010/main" val="2496875837"/>
+      </p:ext>
+    </p:extLst>
+  </p:cSld>
+  <p:clrMapOvr>
+    <a:masterClrMapping/>
+  </p:clrMapOvr>
+</p:sld>
+</file>
+
+<file path=ppt/slides/slide38.xml><?xml version="1.0" encoding="utf-8"?>
+<p:sld xmlns:a="http://schemas.openxmlformats.org/drawingml/2006/main" xmlns:r="http://schemas.openxmlformats.org/officeDocument/2006/relationships" xmlns:p="http://schemas.openxmlformats.org/presentationml/2006/main">
+  <p:cSld>
+    <p:spTree>
+      <p:nvGrpSpPr>
+        <p:cNvPr id="1" name=""/>
+        <p:cNvGrpSpPr/>
+        <p:nvPr/>
+      </p:nvGrpSpPr>
+      <p:grpSpPr>
+        <a:xfrm>
+          <a:off x="0" y="0"/>
+          <a:ext cx="0" cy="0"/>
+          <a:chOff x="0" y="0"/>
+          <a:chExt cx="0" cy="0"/>
+        </a:xfrm>
+      </p:grpSpPr>
+      <p:sp>
+        <p:nvSpPr>
+          <p:cNvPr id="2" name="标题 1">
+            <a:extLst>
+              <a:ext uri="{FF2B5EF4-FFF2-40B4-BE49-F238E27FC236}">
+                <a16:creationId xmlns:a16="http://schemas.microsoft.com/office/drawing/2014/main" id="{59918FFA-4060-49F6-B245-A8F3EA200092}"/>
+              </a:ext>
+            </a:extLst>
+          </p:cNvPr>
+          <p:cNvSpPr>
+            <a:spLocks noGrp="1"/>
+          </p:cNvSpPr>
+          <p:nvPr>
+            <p:ph type="title"/>
+          </p:nvPr>
+        </p:nvSpPr>
+        <p:spPr/>
+        <p:txBody>
+          <a:bodyPr/>
+          <a:lstStyle/>
+          <a:p>
+            <a:r>
+              <a:rPr lang="en-US" altLang="zh-CN" dirty="0" err="1"/>
+              <a:t>ZooKeeper</a:t>
+            </a:r>
+            <a:r>
+              <a:rPr lang="en-US" altLang="zh-CN" dirty="0"/>
+              <a:t> Sessions</a:t>
+            </a:r>
+            <a:endParaRPr lang="zh-CN" altLang="en-US" dirty="0"/>
+          </a:p>
+        </p:txBody>
+      </p:sp>
+      <p:sp>
+        <p:nvSpPr>
+          <p:cNvPr id="3" name="内容占位符 2">
+            <a:extLst>
+              <a:ext uri="{FF2B5EF4-FFF2-40B4-BE49-F238E27FC236}">
+                <a16:creationId xmlns:a16="http://schemas.microsoft.com/office/drawing/2014/main" id="{554FFC8B-C231-43B8-802A-BEFCB96BB0E4}"/>
+              </a:ext>
+            </a:extLst>
+          </p:cNvPr>
+          <p:cNvSpPr>
+            <a:spLocks noGrp="1"/>
+          </p:cNvSpPr>
+          <p:nvPr>
+            <p:ph idx="1"/>
+          </p:nvPr>
+        </p:nvSpPr>
+        <p:spPr/>
+        <p:txBody>
+          <a:bodyPr/>
+          <a:lstStyle/>
+          <a:p>
+            <a:pPr marL="0" indent="0">
+              <a:buNone/>
+            </a:pPr>
+            <a:r>
+              <a:rPr lang="en-US" altLang="zh-CN" dirty="0"/>
+              <a:t>	</a:t>
+            </a:r>
+            <a:r>
+              <a:rPr lang="en-US" altLang="zh-CN" dirty="0" err="1"/>
+              <a:t>ZooKeeper</a:t>
+            </a:r>
+            <a:r>
+              <a:rPr lang="zh-CN" altLang="en-US" dirty="0"/>
+              <a:t>的每个客户端都维护一组服务端信息，在创建连接时由应用指定，客户端随机选择一个服务端进行连接，连接成功后，服务端为每个连接分配一个唯一标识。客户端在创建连接时可以指定溢出时间，客户端会周期性的向服务端发送</a:t>
+            </a:r>
+            <a:r>
+              <a:rPr lang="en-US" altLang="zh-CN" dirty="0"/>
+              <a:t>PING</a:t>
+            </a:r>
+            <a:r>
+              <a:rPr lang="zh-CN" altLang="en-US" dirty="0"/>
+              <a:t>请求来保持连接，当客户端检测到与服务端断开连接后，客户端将自动选择服务端列表中的另一个服务端进行重连。</a:t>
+            </a:r>
+          </a:p>
+          <a:p>
+            <a:pPr marL="0" indent="0">
+              <a:buNone/>
+            </a:pPr>
+            <a:endParaRPr lang="zh-CN" altLang="en-US" dirty="0"/>
+          </a:p>
+        </p:txBody>
+      </p:sp>
+    </p:spTree>
+    <p:extLst>
+      <p:ext uri="{BB962C8B-B14F-4D97-AF65-F5344CB8AC3E}">
+        <p14:creationId xmlns:p14="http://schemas.microsoft.com/office/powerpoint/2010/main" val="3222604786"/>
+      </p:ext>
+    </p:extLst>
+  </p:cSld>
+  <p:clrMapOvr>
+    <a:masterClrMapping/>
+  </p:clrMapOvr>
+</p:sld>
+</file>
+
+<file path=ppt/slides/slide39.xml><?xml version="1.0" encoding="utf-8"?>
+<p:sld xmlns:a="http://schemas.openxmlformats.org/drawingml/2006/main" xmlns:r="http://schemas.openxmlformats.org/officeDocument/2006/relationships" xmlns:p="http://schemas.openxmlformats.org/presentationml/2006/main">
+  <p:cSld>
+    <p:spTree>
+      <p:nvGrpSpPr>
+        <p:cNvPr id="1" name=""/>
+        <p:cNvGrpSpPr/>
+        <p:nvPr/>
+      </p:nvGrpSpPr>
+      <p:grpSpPr>
+        <a:xfrm>
+          <a:off x="0" y="0"/>
+          <a:ext cx="0" cy="0"/>
+          <a:chOff x="0" y="0"/>
+          <a:chExt cx="0" cy="0"/>
+        </a:xfrm>
+      </p:grpSpPr>
+      <p:sp>
+        <p:nvSpPr>
+          <p:cNvPr id="2" name="标题 1">
+            <a:extLst>
+              <a:ext uri="{FF2B5EF4-FFF2-40B4-BE49-F238E27FC236}">
+                <a16:creationId xmlns:a16="http://schemas.microsoft.com/office/drawing/2014/main" id="{53CA5CB8-145D-4B14-8ED8-81FA041EB78E}"/>
+              </a:ext>
+            </a:extLst>
+          </p:cNvPr>
+          <p:cNvSpPr>
+            <a:spLocks noGrp="1"/>
+          </p:cNvSpPr>
+          <p:nvPr>
+            <p:ph type="title"/>
+          </p:nvPr>
+        </p:nvSpPr>
+        <p:spPr/>
+        <p:txBody>
+          <a:bodyPr/>
+          <a:lstStyle/>
+          <a:p>
+            <a:r>
+              <a:rPr lang="zh-CN" altLang="en-US" dirty="0"/>
+              <a:t>创建会话</a:t>
+            </a:r>
+          </a:p>
+        </p:txBody>
+      </p:sp>
+      <p:sp>
+        <p:nvSpPr>
+          <p:cNvPr id="3" name="内容占位符 2">
+            <a:extLst>
+              <a:ext uri="{FF2B5EF4-FFF2-40B4-BE49-F238E27FC236}">
+                <a16:creationId xmlns:a16="http://schemas.microsoft.com/office/drawing/2014/main" id="{9C28B5C5-87C5-4846-9E79-16E97BF72471}"/>
+              </a:ext>
+            </a:extLst>
+          </p:cNvPr>
+          <p:cNvSpPr>
+            <a:spLocks noGrp="1"/>
+          </p:cNvSpPr>
+          <p:nvPr>
+            <p:ph idx="1"/>
+          </p:nvPr>
+        </p:nvSpPr>
+        <p:spPr/>
+        <p:txBody>
+          <a:bodyPr/>
+          <a:lstStyle/>
+          <a:p>
+            <a:r>
+              <a:rPr lang="en-US" altLang="zh-CN" dirty="0"/>
+              <a:t>```</a:t>
+            </a:r>
+          </a:p>
+          <a:p>
+            <a:r>
+              <a:rPr lang="en-US" altLang="zh-CN" dirty="0" err="1"/>
+              <a:t>ZooKeeper</a:t>
+            </a:r>
+            <a:r>
+              <a:rPr lang="en-US" altLang="zh-CN" dirty="0"/>
+              <a:t> </a:t>
+            </a:r>
+            <a:r>
+              <a:rPr lang="en-US" altLang="zh-CN" dirty="0" err="1"/>
+              <a:t>zk</a:t>
+            </a:r>
+            <a:r>
+              <a:rPr lang="en-US" altLang="zh-CN" dirty="0"/>
+              <a:t> = new </a:t>
+            </a:r>
+            <a:r>
+              <a:rPr lang="en-US" altLang="zh-CN" dirty="0" err="1"/>
+              <a:t>ZooKeeper</a:t>
+            </a:r>
+            <a:r>
+              <a:rPr lang="en-US" altLang="zh-CN" dirty="0"/>
+              <a:t>(</a:t>
+            </a:r>
+            <a:r>
+              <a:rPr lang="en-US" altLang="zh-CN" dirty="0" err="1"/>
+              <a:t>serverList</a:t>
+            </a:r>
+            <a:r>
+              <a:rPr lang="en-US" altLang="zh-CN" dirty="0"/>
+              <a:t>, </a:t>
+            </a:r>
+            <a:r>
+              <a:rPr lang="en-US" altLang="zh-CN" dirty="0" err="1"/>
+              <a:t>sessionTimeout</a:t>
+            </a:r>
+            <a:r>
+              <a:rPr lang="en-US" altLang="zh-CN" dirty="0"/>
+              <a:t>, watcher);</a:t>
+            </a:r>
+          </a:p>
+          <a:p>
+            <a:r>
+              <a:rPr lang="en-US" altLang="zh-CN" dirty="0" err="1"/>
+              <a:t>zk.create</a:t>
+            </a:r>
+            <a:r>
+              <a:rPr lang="en-US" altLang="zh-CN" dirty="0"/>
+              <a:t>("/test", new byte[0], </a:t>
+            </a:r>
+            <a:r>
+              <a:rPr lang="en-US" altLang="zh-CN" dirty="0" err="1"/>
+              <a:t>Ids.OPEN_ACL_UNSAFE</a:t>
+            </a:r>
+            <a:r>
+              <a:rPr lang="en-US" altLang="zh-CN" dirty="0"/>
+              <a:t>, </a:t>
+            </a:r>
+            <a:r>
+              <a:rPr lang="en-US" altLang="zh-CN" dirty="0" err="1"/>
+              <a:t>CreateMode.PERSISTENT</a:t>
+            </a:r>
+            <a:r>
+              <a:rPr lang="en-US" altLang="zh-CN" dirty="0"/>
+              <a:t>);</a:t>
+            </a:r>
+          </a:p>
+          <a:p>
+            <a:r>
+              <a:rPr lang="en-US" altLang="zh-CN" dirty="0"/>
+              <a:t>```</a:t>
+            </a:r>
+          </a:p>
+          <a:p>
+            <a:pPr marL="0" indent="0">
+              <a:buNone/>
+            </a:pPr>
+            <a:endParaRPr lang="zh-CN" altLang="en-US" dirty="0"/>
+          </a:p>
+        </p:txBody>
+      </p:sp>
+    </p:spTree>
+    <p:extLst>
+      <p:ext uri="{BB962C8B-B14F-4D97-AF65-F5344CB8AC3E}">
+        <p14:creationId xmlns:p14="http://schemas.microsoft.com/office/powerpoint/2010/main" val="2367259596"/>
+      </p:ext>
+    </p:extLst>
+  </p:cSld>
+  <p:clrMapOvr>
+    <a:masterClrMapping/>
+  </p:clrMapOvr>
+</p:sld>
+</file>
+
 <file path=ppt/slides/slide4.xml><?xml version="1.0" encoding="utf-8"?>
 <p:sld xmlns:a="http://schemas.openxmlformats.org/drawingml/2006/main" xmlns:r="http://schemas.openxmlformats.org/officeDocument/2006/relationships" xmlns:p="http://schemas.openxmlformats.org/presentationml/2006/main">
   <p:cSld>
@@ -5818,6 +8473,1945 @@
     <p:extLst>
       <p:ext uri="{BB962C8B-B14F-4D97-AF65-F5344CB8AC3E}">
         <p14:creationId xmlns:p14="http://schemas.microsoft.com/office/powerpoint/2010/main" val="2705124527"/>
+      </p:ext>
+    </p:extLst>
+  </p:cSld>
+  <p:clrMapOvr>
+    <a:masterClrMapping/>
+  </p:clrMapOvr>
+</p:sld>
+</file>
+
+<file path=ppt/slides/slide40.xml><?xml version="1.0" encoding="utf-8"?>
+<p:sld xmlns:a="http://schemas.openxmlformats.org/drawingml/2006/main" xmlns:r="http://schemas.openxmlformats.org/officeDocument/2006/relationships" xmlns:p="http://schemas.openxmlformats.org/presentationml/2006/main">
+  <p:cSld>
+    <p:spTree>
+      <p:nvGrpSpPr>
+        <p:cNvPr id="1" name=""/>
+        <p:cNvGrpSpPr/>
+        <p:nvPr/>
+      </p:nvGrpSpPr>
+      <p:grpSpPr>
+        <a:xfrm>
+          <a:off x="0" y="0"/>
+          <a:ext cx="0" cy="0"/>
+          <a:chOff x="0" y="0"/>
+          <a:chExt cx="0" cy="0"/>
+        </a:xfrm>
+      </p:grpSpPr>
+      <p:sp>
+        <p:nvSpPr>
+          <p:cNvPr id="2" name="标题 1">
+            <a:extLst>
+              <a:ext uri="{FF2B5EF4-FFF2-40B4-BE49-F238E27FC236}">
+                <a16:creationId xmlns:a16="http://schemas.microsoft.com/office/drawing/2014/main" id="{6E99B612-5ED8-44B5-A417-BEF61AB842F0}"/>
+              </a:ext>
+            </a:extLst>
+          </p:cNvPr>
+          <p:cNvSpPr>
+            <a:spLocks noGrp="1"/>
+          </p:cNvSpPr>
+          <p:nvPr>
+            <p:ph type="title"/>
+          </p:nvPr>
+        </p:nvSpPr>
+        <p:spPr/>
+        <p:txBody>
+          <a:bodyPr/>
+          <a:lstStyle/>
+          <a:p>
+            <a:r>
+              <a:rPr lang="zh-CN" altLang="en-US" dirty="0"/>
+              <a:t>创建会话</a:t>
+            </a:r>
+          </a:p>
+        </p:txBody>
+      </p:sp>
+      <p:sp>
+        <p:nvSpPr>
+          <p:cNvPr id="3" name="内容占位符 2">
+            <a:extLst>
+              <a:ext uri="{FF2B5EF4-FFF2-40B4-BE49-F238E27FC236}">
+                <a16:creationId xmlns:a16="http://schemas.microsoft.com/office/drawing/2014/main" id="{BF7DF1EB-292E-4090-9510-0D9A7D44489E}"/>
+              </a:ext>
+            </a:extLst>
+          </p:cNvPr>
+          <p:cNvSpPr>
+            <a:spLocks noGrp="1"/>
+          </p:cNvSpPr>
+          <p:nvPr>
+            <p:ph idx="1"/>
+          </p:nvPr>
+        </p:nvSpPr>
+        <p:spPr/>
+        <p:txBody>
+          <a:bodyPr/>
+          <a:lstStyle/>
+          <a:p>
+            <a:pPr marL="0" indent="0">
+              <a:buNone/>
+            </a:pPr>
+            <a:r>
+              <a:rPr lang="en-US" altLang="zh-CN" dirty="0"/>
+              <a:t>	</a:t>
+            </a:r>
+            <a:r>
+              <a:rPr lang="zh-CN" altLang="en-US" dirty="0"/>
+              <a:t>创建客户端</a:t>
+            </a:r>
+            <a:r>
+              <a:rPr lang="en-US" altLang="zh-CN" dirty="0"/>
+              <a:t>session</a:t>
+            </a:r>
+            <a:r>
+              <a:rPr lang="zh-CN" altLang="en-US" dirty="0"/>
+              <a:t>时，应用必须传入一组以逗号分隔的</a:t>
+            </a:r>
+            <a:r>
+              <a:rPr lang="en-US" altLang="zh-CN" dirty="0" err="1"/>
+              <a:t>host:port</a:t>
+            </a:r>
+            <a:r>
+              <a:rPr lang="zh-CN" altLang="en-US" dirty="0"/>
+              <a:t>列表，每个都对应一个</a:t>
+            </a:r>
+            <a:r>
+              <a:rPr lang="en-US" altLang="zh-CN" dirty="0" err="1"/>
+              <a:t>ZooKeeper</a:t>
+            </a:r>
+            <a:r>
+              <a:rPr lang="zh-CN" altLang="en-US" dirty="0"/>
+              <a:t>服务端，</a:t>
+            </a:r>
+            <a:r>
+              <a:rPr lang="en-US" altLang="zh-CN" dirty="0" err="1"/>
+              <a:t>ZooKeeper</a:t>
+            </a:r>
+            <a:r>
+              <a:rPr lang="zh-CN" altLang="en-US" dirty="0"/>
+              <a:t>客户端将选择任意一个服务端并尝试与其连接</a:t>
+            </a:r>
+            <a:r>
+              <a:rPr lang="en-US" altLang="zh-CN" dirty="0"/>
+              <a:t>(</a:t>
+            </a:r>
+            <a:r>
+              <a:rPr lang="zh-CN" altLang="en-US" dirty="0"/>
+              <a:t>这组</a:t>
+            </a:r>
+            <a:r>
+              <a:rPr lang="en-US" altLang="zh-CN" dirty="0" err="1"/>
+              <a:t>serverlist</a:t>
+            </a:r>
+            <a:r>
+              <a:rPr lang="zh-CN" altLang="en-US" dirty="0"/>
+              <a:t>会在初始化的时候打乱</a:t>
+            </a:r>
+            <a:r>
+              <a:rPr lang="en-US" altLang="zh-CN" dirty="0"/>
+              <a:t>)</a:t>
+            </a:r>
+            <a:r>
+              <a:rPr lang="zh-CN" altLang="en-US" dirty="0"/>
+              <a:t>，如果连接失败，或者由于某些原因导致客户端与服务端连接断开，客户端将自动的选择列表中的另一个服务端进行连接，直到成功。当</a:t>
+            </a:r>
+            <a:r>
+              <a:rPr lang="en-US" altLang="zh-CN" dirty="0"/>
+              <a:t>session</a:t>
+            </a:r>
+            <a:r>
+              <a:rPr lang="zh-CN" altLang="en-US" dirty="0"/>
+              <a:t>创建成功后，</a:t>
+            </a:r>
+            <a:r>
+              <a:rPr lang="en-US" altLang="zh-CN" dirty="0" err="1"/>
+              <a:t>ZooKeeper</a:t>
+            </a:r>
+            <a:r>
+              <a:rPr lang="zh-CN" altLang="en-US" dirty="0"/>
+              <a:t>服务端为</a:t>
+            </a:r>
+            <a:r>
+              <a:rPr lang="en-US" altLang="zh-CN" dirty="0"/>
+              <a:t>session</a:t>
+            </a:r>
+            <a:r>
+              <a:rPr lang="zh-CN" altLang="en-US" dirty="0"/>
+              <a:t>分配一个唯一标识。</a:t>
+            </a:r>
+          </a:p>
+          <a:p>
+            <a:pPr marL="0" indent="0">
+              <a:buNone/>
+            </a:pPr>
+            <a:endParaRPr lang="zh-CN" altLang="en-US" dirty="0"/>
+          </a:p>
+        </p:txBody>
+      </p:sp>
+    </p:spTree>
+    <p:extLst>
+      <p:ext uri="{BB962C8B-B14F-4D97-AF65-F5344CB8AC3E}">
+        <p14:creationId xmlns:p14="http://schemas.microsoft.com/office/powerpoint/2010/main" val="2750103577"/>
+      </p:ext>
+    </p:extLst>
+  </p:cSld>
+  <p:clrMapOvr>
+    <a:masterClrMapping/>
+  </p:clrMapOvr>
+</p:sld>
+</file>
+
+<file path=ppt/slides/slide41.xml><?xml version="1.0" encoding="utf-8"?>
+<p:sld xmlns:a="http://schemas.openxmlformats.org/drawingml/2006/main" xmlns:r="http://schemas.openxmlformats.org/officeDocument/2006/relationships" xmlns:p="http://schemas.openxmlformats.org/presentationml/2006/main">
+  <p:cSld>
+    <p:spTree>
+      <p:nvGrpSpPr>
+        <p:cNvPr id="1" name=""/>
+        <p:cNvGrpSpPr/>
+        <p:nvPr/>
+      </p:nvGrpSpPr>
+      <p:grpSpPr>
+        <a:xfrm>
+          <a:off x="0" y="0"/>
+          <a:ext cx="0" cy="0"/>
+          <a:chOff x="0" y="0"/>
+          <a:chExt cx="0" cy="0"/>
+        </a:xfrm>
+      </p:grpSpPr>
+      <p:sp>
+        <p:nvSpPr>
+          <p:cNvPr id="2" name="标题 1">
+            <a:extLst>
+              <a:ext uri="{FF2B5EF4-FFF2-40B4-BE49-F238E27FC236}">
+                <a16:creationId xmlns:a16="http://schemas.microsoft.com/office/drawing/2014/main" id="{D65D61B1-C12E-411C-8C5E-AA205DCE91B4}"/>
+              </a:ext>
+            </a:extLst>
+          </p:cNvPr>
+          <p:cNvSpPr>
+            <a:spLocks noGrp="1"/>
+          </p:cNvSpPr>
+          <p:nvPr>
+            <p:ph type="title"/>
+          </p:nvPr>
+        </p:nvSpPr>
+        <p:spPr/>
+        <p:txBody>
+          <a:bodyPr/>
+          <a:lstStyle/>
+          <a:p>
+            <a:r>
+              <a:rPr lang="en-US" altLang="zh-CN" dirty="0"/>
+              <a:t>Session</a:t>
+            </a:r>
+            <a:r>
+              <a:rPr lang="zh-CN" altLang="en-US" dirty="0"/>
+              <a:t>创建过程</a:t>
+            </a:r>
+          </a:p>
+        </p:txBody>
+      </p:sp>
+      <p:sp>
+        <p:nvSpPr>
+          <p:cNvPr id="3" name="内容占位符 2">
+            <a:extLst>
+              <a:ext uri="{FF2B5EF4-FFF2-40B4-BE49-F238E27FC236}">
+                <a16:creationId xmlns:a16="http://schemas.microsoft.com/office/drawing/2014/main" id="{9ECEE9E4-5D7D-4C10-8654-5F65F022E40E}"/>
+              </a:ext>
+            </a:extLst>
+          </p:cNvPr>
+          <p:cNvSpPr>
+            <a:spLocks noGrp="1"/>
+          </p:cNvSpPr>
+          <p:nvPr>
+            <p:ph idx="1"/>
+          </p:nvPr>
+        </p:nvSpPr>
+        <p:spPr/>
+        <p:txBody>
+          <a:bodyPr>
+            <a:normAutofit fontScale="85000" lnSpcReduction="20000"/>
+          </a:bodyPr>
+          <a:lstStyle/>
+          <a:p>
+            <a:r>
+              <a:rPr lang="en-US" altLang="zh-CN" dirty="0"/>
+              <a:t>client</a:t>
+            </a:r>
+            <a:r>
+              <a:rPr lang="zh-CN" altLang="en-US" dirty="0"/>
+              <a:t>进行</a:t>
+            </a:r>
+            <a:r>
+              <a:rPr lang="en-US" altLang="zh-CN" dirty="0" err="1"/>
+              <a:t>tcp</a:t>
+            </a:r>
+            <a:r>
+              <a:rPr lang="zh-CN" altLang="en-US" dirty="0"/>
+              <a:t>建立连接</a:t>
+            </a:r>
+          </a:p>
+          <a:p>
+            <a:r>
+              <a:rPr lang="zh-CN" altLang="en-US" dirty="0"/>
+              <a:t>当</a:t>
+            </a:r>
+            <a:r>
+              <a:rPr lang="en-US" altLang="zh-CN" dirty="0" err="1"/>
+              <a:t>tcp</a:t>
+            </a:r>
+            <a:r>
+              <a:rPr lang="zh-CN" altLang="en-US" dirty="0"/>
+              <a:t>连接成功之后，</a:t>
+            </a:r>
+            <a:r>
+              <a:rPr lang="en-US" altLang="zh-CN" dirty="0"/>
+              <a:t>client</a:t>
+            </a:r>
+            <a:r>
+              <a:rPr lang="zh-CN" altLang="en-US" dirty="0"/>
+              <a:t>发送一个</a:t>
+            </a:r>
+            <a:r>
+              <a:rPr lang="en-US" altLang="zh-CN" dirty="0" err="1"/>
+              <a:t>ConnectRequest</a:t>
+            </a:r>
+            <a:r>
+              <a:rPr lang="zh-CN" altLang="en-US" dirty="0"/>
+              <a:t>包，将</a:t>
+            </a:r>
+            <a:r>
+              <a:rPr lang="en-US" altLang="zh-CN" dirty="0" err="1"/>
+              <a:t>ZooKeeper</a:t>
+            </a:r>
+            <a:r>
+              <a:rPr lang="zh-CN" altLang="en-US" dirty="0"/>
+              <a:t>构造函数传入的</a:t>
+            </a:r>
+            <a:r>
+              <a:rPr lang="en-US" altLang="zh-CN" dirty="0" err="1"/>
+              <a:t>sessionTimeout</a:t>
+            </a:r>
+            <a:r>
+              <a:rPr lang="zh-CN" altLang="en-US" dirty="0"/>
+              <a:t>数值发给</a:t>
+            </a:r>
+            <a:r>
+              <a:rPr lang="en-US" altLang="zh-CN" dirty="0"/>
+              <a:t>Server</a:t>
+            </a:r>
+            <a:r>
+              <a:rPr lang="zh-CN" altLang="en-US" dirty="0"/>
+              <a:t>。</a:t>
+            </a:r>
+            <a:r>
+              <a:rPr lang="en-US" altLang="zh-CN" dirty="0"/>
+              <a:t>zookeeper server</a:t>
+            </a:r>
+            <a:r>
+              <a:rPr lang="zh-CN" altLang="en-US" dirty="0"/>
+              <a:t>会验证客户端发来的</a:t>
+            </a:r>
+            <a:r>
+              <a:rPr lang="en-US" altLang="zh-CN" dirty="0" err="1"/>
+              <a:t>sessionTimeout</a:t>
+            </a:r>
+            <a:r>
+              <a:rPr lang="zh-CN" altLang="en-US" dirty="0"/>
+              <a:t>值</a:t>
+            </a:r>
+            <a:r>
+              <a:rPr lang="en-US" altLang="zh-CN" dirty="0"/>
+              <a:t>;zookeeper server</a:t>
+            </a:r>
+            <a:r>
+              <a:rPr lang="zh-CN" altLang="en-US" dirty="0"/>
+              <a:t>中有连个配置项</a:t>
+            </a:r>
+            <a:r>
+              <a:rPr lang="en-US" altLang="zh-CN" dirty="0"/>
+              <a:t>.</a:t>
+            </a:r>
+          </a:p>
+          <a:p>
+            <a:pPr lvl="1"/>
+            <a:r>
+              <a:rPr lang="en-US" altLang="zh-CN" dirty="0"/>
+              <a:t>* </a:t>
+            </a:r>
+            <a:r>
+              <a:rPr lang="en-US" altLang="zh-CN" dirty="0" err="1"/>
+              <a:t>minSessionTimeout</a:t>
+            </a:r>
+            <a:r>
+              <a:rPr lang="en-US" altLang="zh-CN" dirty="0"/>
+              <a:t> </a:t>
+            </a:r>
+            <a:r>
+              <a:rPr lang="zh-CN" altLang="en-US" dirty="0"/>
+              <a:t>单位毫秒。默认</a:t>
+            </a:r>
+            <a:r>
+              <a:rPr lang="en-US" altLang="zh-CN" dirty="0"/>
+              <a:t>2</a:t>
+            </a:r>
+            <a:r>
+              <a:rPr lang="zh-CN" altLang="en-US" dirty="0"/>
+              <a:t>倍</a:t>
+            </a:r>
+            <a:r>
+              <a:rPr lang="en-US" altLang="zh-CN" dirty="0" err="1"/>
+              <a:t>tickTime</a:t>
+            </a:r>
+            <a:endParaRPr lang="en-US" altLang="zh-CN" dirty="0"/>
+          </a:p>
+          <a:p>
+            <a:pPr lvl="1"/>
+            <a:r>
+              <a:rPr lang="en-US" altLang="zh-CN" dirty="0"/>
+              <a:t>* </a:t>
+            </a:r>
+            <a:r>
+              <a:rPr lang="en-US" altLang="zh-CN" dirty="0" err="1"/>
+              <a:t>maxSessionTimeout</a:t>
+            </a:r>
+            <a:r>
+              <a:rPr lang="en-US" altLang="zh-CN" dirty="0"/>
+              <a:t> </a:t>
+            </a:r>
+            <a:r>
+              <a:rPr lang="zh-CN" altLang="en-US" dirty="0"/>
+              <a:t>单位毫秒。默认</a:t>
+            </a:r>
+            <a:r>
+              <a:rPr lang="en-US" altLang="zh-CN" dirty="0"/>
+              <a:t>20</a:t>
+            </a:r>
+            <a:r>
+              <a:rPr lang="zh-CN" altLang="en-US" dirty="0"/>
+              <a:t>倍</a:t>
+            </a:r>
+            <a:r>
+              <a:rPr lang="en-US" altLang="zh-CN" dirty="0" err="1"/>
+              <a:t>tickTime</a:t>
+            </a:r>
+            <a:endParaRPr lang="en-US" altLang="zh-CN" dirty="0"/>
+          </a:p>
+          <a:p>
+            <a:pPr lvl="1"/>
+            <a:r>
+              <a:rPr lang="zh-CN" altLang="en-US" dirty="0"/>
+              <a:t>（</a:t>
+            </a:r>
+            <a:r>
+              <a:rPr lang="en-US" altLang="zh-CN" dirty="0" err="1"/>
+              <a:t>tickTime</a:t>
+            </a:r>
+            <a:r>
+              <a:rPr lang="zh-CN" altLang="en-US" dirty="0"/>
+              <a:t>也是一个配置项。是</a:t>
+            </a:r>
+            <a:r>
+              <a:rPr lang="en-US" altLang="zh-CN" dirty="0"/>
+              <a:t>Server</a:t>
+            </a:r>
+            <a:r>
+              <a:rPr lang="zh-CN" altLang="en-US" dirty="0"/>
+              <a:t>内部控制时间逻辑的最小时间单位）</a:t>
+            </a:r>
+          </a:p>
+          <a:p>
+            <a:pPr lvl="1"/>
+            <a:r>
+              <a:rPr lang="zh-CN" altLang="en-US" dirty="0"/>
+              <a:t>如果客户端发来的</a:t>
+            </a:r>
+            <a:r>
+              <a:rPr lang="en-US" altLang="zh-CN" dirty="0" err="1"/>
+              <a:t>sessionTimeout</a:t>
+            </a:r>
+            <a:r>
+              <a:rPr lang="zh-CN" altLang="en-US" dirty="0"/>
+              <a:t>超过</a:t>
+            </a:r>
+            <a:r>
+              <a:rPr lang="en-US" altLang="zh-CN" dirty="0"/>
+              <a:t>min-max</a:t>
+            </a:r>
+            <a:r>
+              <a:rPr lang="zh-CN" altLang="en-US" dirty="0"/>
+              <a:t>这个范围，</a:t>
+            </a:r>
+            <a:r>
+              <a:rPr lang="en-US" altLang="zh-CN" dirty="0"/>
+              <a:t>server</a:t>
+            </a:r>
+            <a:r>
+              <a:rPr lang="zh-CN" altLang="en-US" dirty="0"/>
+              <a:t>会自动截取为</a:t>
+            </a:r>
+            <a:r>
+              <a:rPr lang="en-US" altLang="zh-CN" dirty="0"/>
+              <a:t>min</a:t>
+            </a:r>
+            <a:r>
+              <a:rPr lang="zh-CN" altLang="en-US" dirty="0"/>
+              <a:t>或</a:t>
+            </a:r>
+            <a:r>
+              <a:rPr lang="en-US" altLang="zh-CN" dirty="0"/>
+              <a:t>max.</a:t>
+            </a:r>
+          </a:p>
+          <a:p>
+            <a:r>
+              <a:rPr lang="en-US" altLang="zh-CN" dirty="0"/>
+              <a:t>server</a:t>
+            </a:r>
+            <a:r>
+              <a:rPr lang="zh-CN" altLang="en-US" dirty="0"/>
+              <a:t>等表决通过后，会为这个</a:t>
+            </a:r>
+            <a:r>
+              <a:rPr lang="en-US" altLang="zh-CN" dirty="0"/>
+              <a:t>session</a:t>
+            </a:r>
+            <a:r>
+              <a:rPr lang="zh-CN" altLang="en-US" dirty="0"/>
+              <a:t>生成一个</a:t>
+            </a:r>
+            <a:r>
+              <a:rPr lang="en-US" altLang="zh-CN" dirty="0"/>
+              <a:t>password</a:t>
+            </a:r>
+            <a:r>
+              <a:rPr lang="zh-CN" altLang="en-US" dirty="0"/>
+              <a:t>，连同</a:t>
+            </a:r>
+            <a:r>
+              <a:rPr lang="en-US" altLang="zh-CN" dirty="0" err="1"/>
+              <a:t>sessionId</a:t>
+            </a:r>
+            <a:r>
+              <a:rPr lang="zh-CN" altLang="en-US" dirty="0"/>
+              <a:t>，</a:t>
+            </a:r>
+            <a:r>
+              <a:rPr lang="en-US" altLang="zh-CN" dirty="0" err="1"/>
+              <a:t>sessionTimeOut</a:t>
+            </a:r>
+            <a:r>
+              <a:rPr lang="zh-CN" altLang="en-US" dirty="0"/>
+              <a:t>一起返回给客户端（</a:t>
+            </a:r>
+            <a:r>
+              <a:rPr lang="en-US" altLang="zh-CN" dirty="0" err="1"/>
+              <a:t>ConnectResponse</a:t>
+            </a:r>
+            <a:r>
+              <a:rPr lang="zh-CN" altLang="en-US" dirty="0"/>
+              <a:t>）。客户端如果需要重连</a:t>
+            </a:r>
+            <a:r>
+              <a:rPr lang="en-US" altLang="zh-CN" dirty="0"/>
+              <a:t>Server</a:t>
+            </a:r>
+            <a:r>
+              <a:rPr lang="zh-CN" altLang="en-US" dirty="0"/>
+              <a:t>，可以新建一个</a:t>
+            </a:r>
+            <a:r>
+              <a:rPr lang="en-US" altLang="zh-CN" dirty="0" err="1"/>
+              <a:t>ZooKeeper</a:t>
+            </a:r>
+            <a:r>
+              <a:rPr lang="zh-CN" altLang="en-US" dirty="0"/>
+              <a:t>对象，将上一个成功连接的</a:t>
+            </a:r>
+            <a:r>
+              <a:rPr lang="en-US" altLang="zh-CN" dirty="0" err="1"/>
+              <a:t>ZooKeeper</a:t>
+            </a:r>
+            <a:r>
+              <a:rPr lang="en-US" altLang="zh-CN" dirty="0"/>
+              <a:t> </a:t>
+            </a:r>
+            <a:r>
+              <a:rPr lang="zh-CN" altLang="en-US" dirty="0"/>
+              <a:t>对象的</a:t>
+            </a:r>
+            <a:r>
+              <a:rPr lang="en-US" altLang="zh-CN" dirty="0" err="1"/>
+              <a:t>sessionId</a:t>
+            </a:r>
+            <a:r>
+              <a:rPr lang="zh-CN" altLang="en-US" dirty="0"/>
+              <a:t>和</a:t>
+            </a:r>
+            <a:r>
+              <a:rPr lang="en-US" altLang="zh-CN" dirty="0"/>
+              <a:t>password</a:t>
+            </a:r>
+            <a:r>
+              <a:rPr lang="zh-CN" altLang="en-US" dirty="0"/>
+              <a:t>传给</a:t>
+            </a:r>
+            <a:r>
+              <a:rPr lang="en-US" altLang="zh-CN" dirty="0"/>
+              <a:t>Server</a:t>
+            </a:r>
+          </a:p>
+          <a:p>
+            <a:r>
+              <a:rPr lang="en-US" altLang="zh-CN" dirty="0" err="1"/>
+              <a:t>ZooKeeper</a:t>
+            </a:r>
+            <a:r>
+              <a:rPr lang="en-US" altLang="zh-CN" dirty="0"/>
+              <a:t> </a:t>
+            </a:r>
+            <a:r>
+              <a:rPr lang="en-US" altLang="zh-CN" dirty="0" err="1"/>
+              <a:t>zk</a:t>
+            </a:r>
+            <a:r>
+              <a:rPr lang="en-US" altLang="zh-CN" dirty="0"/>
+              <a:t> = new </a:t>
+            </a:r>
+            <a:r>
+              <a:rPr lang="en-US" altLang="zh-CN" dirty="0" err="1"/>
+              <a:t>ZooKeeper</a:t>
+            </a:r>
+            <a:r>
+              <a:rPr lang="en-US" altLang="zh-CN" dirty="0"/>
+              <a:t>(</a:t>
+            </a:r>
+            <a:r>
+              <a:rPr lang="en-US" altLang="zh-CN" dirty="0" err="1"/>
+              <a:t>serverList</a:t>
+            </a:r>
+            <a:r>
+              <a:rPr lang="en-US" altLang="zh-CN" dirty="0"/>
+              <a:t>, </a:t>
+            </a:r>
+            <a:r>
+              <a:rPr lang="en-US" altLang="zh-CN" dirty="0" err="1"/>
+              <a:t>sessionTimeout</a:t>
+            </a:r>
+            <a:r>
+              <a:rPr lang="en-US" altLang="zh-CN" dirty="0"/>
+              <a:t>, watcher, </a:t>
+            </a:r>
+            <a:r>
+              <a:rPr lang="en-US" altLang="zh-CN" dirty="0" err="1"/>
+              <a:t>sessionId,passwd</a:t>
+            </a:r>
+            <a:r>
+              <a:rPr lang="en-US" altLang="zh-CN" dirty="0"/>
+              <a:t>);</a:t>
+            </a:r>
+            <a:r>
+              <a:rPr lang="en-US" altLang="zh-CN" dirty="0" err="1"/>
+              <a:t>ZKServer</a:t>
+            </a:r>
+            <a:r>
+              <a:rPr lang="zh-CN" altLang="en-US" dirty="0"/>
+              <a:t>会根据</a:t>
+            </a:r>
+            <a:r>
+              <a:rPr lang="en-US" altLang="zh-CN" dirty="0" err="1"/>
+              <a:t>sessionId</a:t>
+            </a:r>
+            <a:r>
+              <a:rPr lang="zh-CN" altLang="en-US" dirty="0"/>
+              <a:t>和</a:t>
+            </a:r>
+            <a:r>
+              <a:rPr lang="en-US" altLang="zh-CN" dirty="0"/>
+              <a:t>password</a:t>
+            </a:r>
+            <a:r>
+              <a:rPr lang="zh-CN" altLang="en-US" dirty="0"/>
+              <a:t>为同一个</a:t>
+            </a:r>
+            <a:r>
+              <a:rPr lang="en-US" altLang="zh-CN" dirty="0"/>
+              <a:t>client</a:t>
+            </a:r>
+            <a:r>
+              <a:rPr lang="zh-CN" altLang="en-US" dirty="0"/>
+              <a:t>恢复</a:t>
+            </a:r>
+            <a:r>
+              <a:rPr lang="en-US" altLang="zh-CN" dirty="0"/>
+              <a:t>session</a:t>
+            </a:r>
+            <a:r>
+              <a:rPr lang="zh-CN" altLang="en-US" dirty="0"/>
+              <a:t>，如果还没有过期的话。</a:t>
+            </a:r>
+          </a:p>
+          <a:p>
+            <a:pPr marL="0" indent="0">
+              <a:buNone/>
+            </a:pPr>
+            <a:endParaRPr lang="zh-CN" altLang="en-US" dirty="0"/>
+          </a:p>
+        </p:txBody>
+      </p:sp>
+    </p:spTree>
+    <p:extLst>
+      <p:ext uri="{BB962C8B-B14F-4D97-AF65-F5344CB8AC3E}">
+        <p14:creationId xmlns:p14="http://schemas.microsoft.com/office/powerpoint/2010/main" val="1451569326"/>
+      </p:ext>
+    </p:extLst>
+  </p:cSld>
+  <p:clrMapOvr>
+    <a:masterClrMapping/>
+  </p:clrMapOvr>
+</p:sld>
+</file>
+
+<file path=ppt/slides/slide42.xml><?xml version="1.0" encoding="utf-8"?>
+<p:sld xmlns:a="http://schemas.openxmlformats.org/drawingml/2006/main" xmlns:r="http://schemas.openxmlformats.org/officeDocument/2006/relationships" xmlns:p="http://schemas.openxmlformats.org/presentationml/2006/main">
+  <p:cSld>
+    <p:spTree>
+      <p:nvGrpSpPr>
+        <p:cNvPr id="1" name=""/>
+        <p:cNvGrpSpPr/>
+        <p:nvPr/>
+      </p:nvGrpSpPr>
+      <p:grpSpPr>
+        <a:xfrm>
+          <a:off x="0" y="0"/>
+          <a:ext cx="0" cy="0"/>
+          <a:chOff x="0" y="0"/>
+          <a:chExt cx="0" cy="0"/>
+        </a:xfrm>
+      </p:grpSpPr>
+      <p:sp>
+        <p:nvSpPr>
+          <p:cNvPr id="2" name="标题 1">
+            <a:extLst>
+              <a:ext uri="{FF2B5EF4-FFF2-40B4-BE49-F238E27FC236}">
+                <a16:creationId xmlns:a16="http://schemas.microsoft.com/office/drawing/2014/main" id="{7B136BF6-0D2F-40B3-937C-AB1B4643FA15}"/>
+              </a:ext>
+            </a:extLst>
+          </p:cNvPr>
+          <p:cNvSpPr>
+            <a:spLocks noGrp="1"/>
+          </p:cNvSpPr>
+          <p:nvPr>
+            <p:ph type="title"/>
+          </p:nvPr>
+        </p:nvSpPr>
+        <p:spPr/>
+        <p:txBody>
+          <a:bodyPr/>
+          <a:lstStyle/>
+          <a:p>
+            <a:r>
+              <a:rPr lang="zh-CN" altLang="en-US" dirty="0"/>
+              <a:t>会话状态</a:t>
+            </a:r>
+          </a:p>
+        </p:txBody>
+      </p:sp>
+      <p:sp>
+        <p:nvSpPr>
+          <p:cNvPr id="3" name="内容占位符 2">
+            <a:extLst>
+              <a:ext uri="{FF2B5EF4-FFF2-40B4-BE49-F238E27FC236}">
+                <a16:creationId xmlns:a16="http://schemas.microsoft.com/office/drawing/2014/main" id="{B5D48F75-EC6D-4CC0-8743-079165F520B7}"/>
+              </a:ext>
+            </a:extLst>
+          </p:cNvPr>
+          <p:cNvSpPr>
+            <a:spLocks noGrp="1"/>
+          </p:cNvSpPr>
+          <p:nvPr>
+            <p:ph idx="1"/>
+          </p:nvPr>
+        </p:nvSpPr>
+        <p:spPr/>
+        <p:txBody>
+          <a:bodyPr/>
+          <a:lstStyle/>
+          <a:p>
+            <a:pPr marL="0" indent="0">
+              <a:buNone/>
+            </a:pPr>
+            <a:r>
+              <a:rPr lang="en-US" altLang="zh-CN" dirty="0"/>
+              <a:t>	Zookeeper</a:t>
+            </a:r>
+            <a:r>
+              <a:rPr lang="zh-CN" altLang="en-US" dirty="0"/>
+              <a:t>会话在整个运行期间的生命周期中，会在不同的会话状态中之间进行切换，这些状态可以分为</a:t>
+            </a:r>
+            <a:r>
+              <a:rPr lang="en-US" altLang="zh-CN" dirty="0"/>
+              <a:t>CONNECTING, ASSOCIATING, CONNECTED, CLOSED, AUTH_FAILED</a:t>
+            </a:r>
+            <a:r>
+              <a:rPr lang="zh-CN" altLang="en-US" dirty="0"/>
+              <a:t>。</a:t>
+            </a:r>
+          </a:p>
+          <a:p>
+            <a:pPr marL="0" indent="0">
+              <a:buNone/>
+            </a:pPr>
+            <a:endParaRPr lang="zh-CN" altLang="en-US" dirty="0"/>
+          </a:p>
+        </p:txBody>
+      </p:sp>
+    </p:spTree>
+    <p:extLst>
+      <p:ext uri="{BB962C8B-B14F-4D97-AF65-F5344CB8AC3E}">
+        <p14:creationId xmlns:p14="http://schemas.microsoft.com/office/powerpoint/2010/main" val="2064378903"/>
+      </p:ext>
+    </p:extLst>
+  </p:cSld>
+  <p:clrMapOvr>
+    <a:masterClrMapping/>
+  </p:clrMapOvr>
+</p:sld>
+</file>
+
+<file path=ppt/slides/slide43.xml><?xml version="1.0" encoding="utf-8"?>
+<p:sld xmlns:a="http://schemas.openxmlformats.org/drawingml/2006/main" xmlns:r="http://schemas.openxmlformats.org/officeDocument/2006/relationships" xmlns:p="http://schemas.openxmlformats.org/presentationml/2006/main">
+  <p:cSld>
+    <p:spTree>
+      <p:nvGrpSpPr>
+        <p:cNvPr id="1" name=""/>
+        <p:cNvGrpSpPr/>
+        <p:nvPr/>
+      </p:nvGrpSpPr>
+      <p:grpSpPr>
+        <a:xfrm>
+          <a:off x="0" y="0"/>
+          <a:ext cx="0" cy="0"/>
+          <a:chOff x="0" y="0"/>
+          <a:chExt cx="0" cy="0"/>
+        </a:xfrm>
+      </p:grpSpPr>
+      <p:sp>
+        <p:nvSpPr>
+          <p:cNvPr id="2" name="标题 1">
+            <a:extLst>
+              <a:ext uri="{FF2B5EF4-FFF2-40B4-BE49-F238E27FC236}">
+                <a16:creationId xmlns:a16="http://schemas.microsoft.com/office/drawing/2014/main" id="{53FDFD3C-DB1F-480B-9792-237C32148149}"/>
+              </a:ext>
+            </a:extLst>
+          </p:cNvPr>
+          <p:cNvSpPr>
+            <a:spLocks noGrp="1"/>
+          </p:cNvSpPr>
+          <p:nvPr>
+            <p:ph type="title"/>
+          </p:nvPr>
+        </p:nvSpPr>
+        <p:spPr/>
+        <p:txBody>
+          <a:bodyPr/>
+          <a:lstStyle/>
+          <a:p>
+            <a:r>
+              <a:rPr lang="zh-CN" altLang="en-US" dirty="0"/>
+              <a:t>会话状态</a:t>
+            </a:r>
+          </a:p>
+        </p:txBody>
+      </p:sp>
+      <p:pic>
+        <p:nvPicPr>
+          <p:cNvPr id="5" name="内容占位符 4">
+            <a:extLst>
+              <a:ext uri="{FF2B5EF4-FFF2-40B4-BE49-F238E27FC236}">
+                <a16:creationId xmlns:a16="http://schemas.microsoft.com/office/drawing/2014/main" id="{C92EA2C4-177D-4E7B-870A-70792D56A589}"/>
+              </a:ext>
+            </a:extLst>
+          </p:cNvPr>
+          <p:cNvPicPr>
+            <a:picLocks noGrp="1" noChangeAspect="1"/>
+          </p:cNvPicPr>
+          <p:nvPr>
+            <p:ph idx="1"/>
+          </p:nvPr>
+        </p:nvPicPr>
+        <p:blipFill>
+          <a:blip r:embed="rId2">
+            <a:extLst>
+              <a:ext uri="{28A0092B-C50C-407E-A947-70E740481C1C}">
+                <a14:useLocalDpi xmlns:a14="http://schemas.microsoft.com/office/drawing/2010/main" val="0"/>
+              </a:ext>
+            </a:extLst>
+          </a:blip>
+          <a:stretch>
+            <a:fillRect/>
+          </a:stretch>
+        </p:blipFill>
+        <p:spPr>
+          <a:xfrm>
+            <a:off x="2166937" y="1977231"/>
+            <a:ext cx="7858125" cy="4048125"/>
+          </a:xfrm>
+        </p:spPr>
+      </p:pic>
+    </p:spTree>
+    <p:extLst>
+      <p:ext uri="{BB962C8B-B14F-4D97-AF65-F5344CB8AC3E}">
+        <p14:creationId xmlns:p14="http://schemas.microsoft.com/office/powerpoint/2010/main" val="4046496956"/>
+      </p:ext>
+    </p:extLst>
+  </p:cSld>
+  <p:clrMapOvr>
+    <a:masterClrMapping/>
+  </p:clrMapOvr>
+</p:sld>
+</file>
+
+<file path=ppt/slides/slide44.xml><?xml version="1.0" encoding="utf-8"?>
+<p:sld xmlns:a="http://schemas.openxmlformats.org/drawingml/2006/main" xmlns:r="http://schemas.openxmlformats.org/officeDocument/2006/relationships" xmlns:p="http://schemas.openxmlformats.org/presentationml/2006/main">
+  <p:cSld>
+    <p:spTree>
+      <p:nvGrpSpPr>
+        <p:cNvPr id="1" name=""/>
+        <p:cNvGrpSpPr/>
+        <p:nvPr/>
+      </p:nvGrpSpPr>
+      <p:grpSpPr>
+        <a:xfrm>
+          <a:off x="0" y="0"/>
+          <a:ext cx="0" cy="0"/>
+          <a:chOff x="0" y="0"/>
+          <a:chExt cx="0" cy="0"/>
+        </a:xfrm>
+      </p:grpSpPr>
+      <p:sp>
+        <p:nvSpPr>
+          <p:cNvPr id="2" name="标题 1">
+            <a:extLst>
+              <a:ext uri="{FF2B5EF4-FFF2-40B4-BE49-F238E27FC236}">
+                <a16:creationId xmlns:a16="http://schemas.microsoft.com/office/drawing/2014/main" id="{8AE2EC13-5114-49AD-B6C8-A53EBCD5801A}"/>
+              </a:ext>
+            </a:extLst>
+          </p:cNvPr>
+          <p:cNvSpPr>
+            <a:spLocks noGrp="1"/>
+          </p:cNvSpPr>
+          <p:nvPr>
+            <p:ph type="title"/>
+          </p:nvPr>
+        </p:nvSpPr>
+        <p:spPr/>
+        <p:txBody>
+          <a:bodyPr/>
+          <a:lstStyle/>
+          <a:p>
+            <a:r>
+              <a:rPr lang="zh-CN" altLang="en-US" dirty="0"/>
+              <a:t>会话状态</a:t>
+            </a:r>
+          </a:p>
+        </p:txBody>
+      </p:sp>
+      <p:sp>
+        <p:nvSpPr>
+          <p:cNvPr id="3" name="内容占位符 2">
+            <a:extLst>
+              <a:ext uri="{FF2B5EF4-FFF2-40B4-BE49-F238E27FC236}">
+                <a16:creationId xmlns:a16="http://schemas.microsoft.com/office/drawing/2014/main" id="{28B835BB-F92C-4C7C-9A14-5BD1E10B28BE}"/>
+              </a:ext>
+            </a:extLst>
+          </p:cNvPr>
+          <p:cNvSpPr>
+            <a:spLocks noGrp="1"/>
+          </p:cNvSpPr>
+          <p:nvPr>
+            <p:ph idx="1"/>
+          </p:nvPr>
+        </p:nvSpPr>
+        <p:spPr/>
+        <p:txBody>
+          <a:bodyPr/>
+          <a:lstStyle/>
+          <a:p>
+            <a:pPr marL="0" indent="0">
+              <a:buNone/>
+            </a:pPr>
+            <a:r>
+              <a:rPr lang="en-US" altLang="zh-CN" dirty="0"/>
+              <a:t>	</a:t>
+            </a:r>
+            <a:r>
+              <a:rPr lang="zh-CN" altLang="en-US" dirty="0"/>
+              <a:t>一旦客户端开始创建</a:t>
+            </a:r>
+            <a:r>
+              <a:rPr lang="en-US" altLang="zh-CN" dirty="0"/>
+              <a:t>Zookeeper</a:t>
+            </a:r>
+            <a:r>
+              <a:rPr lang="zh-CN" altLang="en-US" dirty="0"/>
+              <a:t>对象，那么客户端状态就会变成</a:t>
+            </a:r>
+            <a:r>
+              <a:rPr lang="en-US" altLang="zh-CN" dirty="0"/>
+              <a:t>CONNECTING</a:t>
+            </a:r>
+            <a:r>
+              <a:rPr lang="zh-CN" altLang="en-US" dirty="0"/>
+              <a:t>状态，同时客户端开始尝试连接服务端，连接成功后，客户端状态变为</a:t>
+            </a:r>
+            <a:r>
+              <a:rPr lang="en-US" altLang="zh-CN" dirty="0"/>
+              <a:t>CONNECTED</a:t>
+            </a:r>
+            <a:r>
+              <a:rPr lang="zh-CN" altLang="en-US" dirty="0"/>
+              <a:t>，通常情况下，由于断网或其他原因，客户端与服务端之间会出现断开情况，一旦碰到这种情况，</a:t>
+            </a:r>
+            <a:r>
+              <a:rPr lang="en-US" altLang="zh-CN" dirty="0"/>
+              <a:t>Zookeeper</a:t>
+            </a:r>
+            <a:r>
+              <a:rPr lang="zh-CN" altLang="en-US" dirty="0"/>
+              <a:t>客户端会自动进行重连服务，同时客户端状态再次变成</a:t>
+            </a:r>
+            <a:r>
+              <a:rPr lang="en-US" altLang="zh-CN" dirty="0"/>
+              <a:t>CONNCTING</a:t>
+            </a:r>
+            <a:r>
+              <a:rPr lang="zh-CN" altLang="en-US" dirty="0"/>
+              <a:t>，直到重新连上服务端后，状态又变为</a:t>
+            </a:r>
+            <a:r>
+              <a:rPr lang="en-US" altLang="zh-CN" dirty="0"/>
+              <a:t>CONNECTED</a:t>
+            </a:r>
+            <a:r>
+              <a:rPr lang="zh-CN" altLang="en-US" dirty="0"/>
+              <a:t>，在通常情况下，客户端的状态总是介于</a:t>
+            </a:r>
+            <a:r>
+              <a:rPr lang="en-US" altLang="zh-CN" dirty="0"/>
+              <a:t>CONNECTING</a:t>
+            </a:r>
+            <a:r>
+              <a:rPr lang="zh-CN" altLang="en-US" dirty="0"/>
+              <a:t>和</a:t>
+            </a:r>
+            <a:r>
+              <a:rPr lang="en-US" altLang="zh-CN" dirty="0"/>
+              <a:t>CONNECTED</a:t>
+            </a:r>
+            <a:r>
+              <a:rPr lang="zh-CN" altLang="en-US" dirty="0"/>
+              <a:t>之间。但是，如果出现诸如会话超时、权限检查或是客户端主动退出程序等情况，客户端的状态就会直接变更为</a:t>
+            </a:r>
+            <a:r>
+              <a:rPr lang="en-US" altLang="zh-CN" dirty="0"/>
+              <a:t>CLOSE</a:t>
+            </a:r>
+            <a:r>
+              <a:rPr lang="zh-CN" altLang="en-US" dirty="0"/>
+              <a:t>状态。</a:t>
+            </a:r>
+          </a:p>
+          <a:p>
+            <a:pPr marL="0" indent="0">
+              <a:buNone/>
+            </a:pPr>
+            <a:endParaRPr lang="zh-CN" altLang="en-US" dirty="0"/>
+          </a:p>
+        </p:txBody>
+      </p:sp>
+    </p:spTree>
+    <p:extLst>
+      <p:ext uri="{BB962C8B-B14F-4D97-AF65-F5344CB8AC3E}">
+        <p14:creationId xmlns:p14="http://schemas.microsoft.com/office/powerpoint/2010/main" val="2696148102"/>
+      </p:ext>
+    </p:extLst>
+  </p:cSld>
+  <p:clrMapOvr>
+    <a:masterClrMapping/>
+  </p:clrMapOvr>
+</p:sld>
+</file>
+
+<file path=ppt/slides/slide45.xml><?xml version="1.0" encoding="utf-8"?>
+<p:sld xmlns:a="http://schemas.openxmlformats.org/drawingml/2006/main" xmlns:r="http://schemas.openxmlformats.org/officeDocument/2006/relationships" xmlns:p="http://schemas.openxmlformats.org/presentationml/2006/main">
+  <p:cSld>
+    <p:spTree>
+      <p:nvGrpSpPr>
+        <p:cNvPr id="1" name=""/>
+        <p:cNvGrpSpPr/>
+        <p:nvPr/>
+      </p:nvGrpSpPr>
+      <p:grpSpPr>
+        <a:xfrm>
+          <a:off x="0" y="0"/>
+          <a:ext cx="0" cy="0"/>
+          <a:chOff x="0" y="0"/>
+          <a:chExt cx="0" cy="0"/>
+        </a:xfrm>
+      </p:grpSpPr>
+      <p:sp>
+        <p:nvSpPr>
+          <p:cNvPr id="2" name="标题 1">
+            <a:extLst>
+              <a:ext uri="{FF2B5EF4-FFF2-40B4-BE49-F238E27FC236}">
+                <a16:creationId xmlns:a16="http://schemas.microsoft.com/office/drawing/2014/main" id="{C55E07AA-632A-4C5E-A5E2-3F5E794F3597}"/>
+              </a:ext>
+            </a:extLst>
+          </p:cNvPr>
+          <p:cNvSpPr>
+            <a:spLocks noGrp="1"/>
+          </p:cNvSpPr>
+          <p:nvPr>
+            <p:ph type="title"/>
+          </p:nvPr>
+        </p:nvSpPr>
+        <p:spPr/>
+        <p:txBody>
+          <a:bodyPr/>
+          <a:lstStyle/>
+          <a:p>
+            <a:r>
+              <a:rPr lang="en-US" altLang="zh-CN" dirty="0"/>
+              <a:t>session</a:t>
+            </a:r>
+            <a:r>
+              <a:rPr lang="zh-CN" altLang="en-US" dirty="0"/>
+              <a:t>激活</a:t>
+            </a:r>
+          </a:p>
+        </p:txBody>
+      </p:sp>
+      <p:sp>
+        <p:nvSpPr>
+          <p:cNvPr id="3" name="内容占位符 2">
+            <a:extLst>
+              <a:ext uri="{FF2B5EF4-FFF2-40B4-BE49-F238E27FC236}">
+                <a16:creationId xmlns:a16="http://schemas.microsoft.com/office/drawing/2014/main" id="{075E1109-BEAE-4235-9124-C779724DB097}"/>
+              </a:ext>
+            </a:extLst>
+          </p:cNvPr>
+          <p:cNvSpPr>
+            <a:spLocks noGrp="1"/>
+          </p:cNvSpPr>
+          <p:nvPr>
+            <p:ph idx="1"/>
+          </p:nvPr>
+        </p:nvSpPr>
+        <p:spPr/>
+        <p:txBody>
+          <a:bodyPr/>
+          <a:lstStyle/>
+          <a:p>
+            <a:r>
+              <a:rPr lang="en-US" altLang="zh-CN" dirty="0"/>
+              <a:t>&gt;</a:t>
+            </a:r>
+            <a:r>
+              <a:rPr lang="zh-CN" altLang="en-US" dirty="0"/>
+              <a:t> 在</a:t>
+            </a:r>
+            <a:r>
+              <a:rPr lang="en-US" altLang="zh-CN" dirty="0" err="1"/>
+              <a:t>ZooKeeper</a:t>
+            </a:r>
+            <a:r>
+              <a:rPr lang="zh-CN" altLang="en-US" dirty="0"/>
+              <a:t>中，服务器和客户端之间维持的是一个长连接，在 </a:t>
+            </a:r>
+            <a:r>
+              <a:rPr lang="en-US" altLang="zh-CN" dirty="0"/>
+              <a:t>SESSION_TIMEOUT </a:t>
+            </a:r>
+            <a:r>
+              <a:rPr lang="zh-CN" altLang="en-US" dirty="0"/>
+              <a:t>时间内，服务器会确定客户端是否正常连接</a:t>
+            </a:r>
+            <a:r>
+              <a:rPr lang="en-US" altLang="zh-CN" dirty="0"/>
+              <a:t>(</a:t>
+            </a:r>
+            <a:r>
+              <a:rPr lang="zh-CN" altLang="en-US" dirty="0"/>
+              <a:t>客户端会定时向服务器发送</a:t>
+            </a:r>
+            <a:r>
+              <a:rPr lang="en-US" altLang="zh-CN" dirty="0" err="1"/>
+              <a:t>heart_beat</a:t>
+            </a:r>
+            <a:r>
+              <a:rPr lang="en-US" altLang="zh-CN" dirty="0"/>
+              <a:t>),</a:t>
+            </a:r>
+            <a:r>
+              <a:rPr lang="zh-CN" altLang="en-US" dirty="0"/>
+              <a:t>服务器重置下次</a:t>
+            </a:r>
+            <a:r>
+              <a:rPr lang="en-US" altLang="zh-CN" dirty="0"/>
+              <a:t>SESSION_TIMEOUT</a:t>
+            </a:r>
+            <a:r>
+              <a:rPr lang="zh-CN" altLang="en-US" dirty="0"/>
+              <a:t>时间。；同时在</a:t>
+            </a:r>
+            <a:r>
+              <a:rPr lang="en-US" altLang="zh-CN" dirty="0"/>
+              <a:t>Zookeeper</a:t>
+            </a:r>
+            <a:r>
+              <a:rPr lang="zh-CN" altLang="en-US" dirty="0"/>
+              <a:t>的实际设计中，只要客户端有请求发送到服务端，那么就会触发一次会话激活，总结下来两种情况都会触发会话激活。</a:t>
+            </a:r>
+          </a:p>
+          <a:p>
+            <a:r>
+              <a:rPr lang="zh-CN" altLang="en-US" dirty="0"/>
+              <a:t>* 客户端向服务端发送请求，包括读写请求，就会触发会话激活。</a:t>
+            </a:r>
+          </a:p>
+          <a:p>
+            <a:r>
+              <a:rPr lang="zh-CN" altLang="en-US" dirty="0"/>
+              <a:t>* 客户端会定时向服务器发送</a:t>
+            </a:r>
+            <a:r>
+              <a:rPr lang="en-US" altLang="zh-CN" dirty="0" err="1"/>
+              <a:t>heart_beat</a:t>
+            </a:r>
+            <a:r>
+              <a:rPr lang="zh-CN" altLang="en-US" dirty="0"/>
+              <a:t>。</a:t>
+            </a:r>
+          </a:p>
+          <a:p>
+            <a:pPr marL="0" indent="0">
+              <a:buNone/>
+            </a:pPr>
+            <a:endParaRPr lang="zh-CN" altLang="en-US" dirty="0"/>
+          </a:p>
+        </p:txBody>
+      </p:sp>
+    </p:spTree>
+    <p:extLst>
+      <p:ext uri="{BB962C8B-B14F-4D97-AF65-F5344CB8AC3E}">
+        <p14:creationId xmlns:p14="http://schemas.microsoft.com/office/powerpoint/2010/main" val="2854027915"/>
+      </p:ext>
+    </p:extLst>
+  </p:cSld>
+  <p:clrMapOvr>
+    <a:masterClrMapping/>
+  </p:clrMapOvr>
+</p:sld>
+</file>
+
+<file path=ppt/slides/slide46.xml><?xml version="1.0" encoding="utf-8"?>
+<p:sld xmlns:a="http://schemas.openxmlformats.org/drawingml/2006/main" xmlns:r="http://schemas.openxmlformats.org/officeDocument/2006/relationships" xmlns:p="http://schemas.openxmlformats.org/presentationml/2006/main">
+  <p:cSld>
+    <p:spTree>
+      <p:nvGrpSpPr>
+        <p:cNvPr id="1" name=""/>
+        <p:cNvGrpSpPr/>
+        <p:nvPr/>
+      </p:nvGrpSpPr>
+      <p:grpSpPr>
+        <a:xfrm>
+          <a:off x="0" y="0"/>
+          <a:ext cx="0" cy="0"/>
+          <a:chOff x="0" y="0"/>
+          <a:chExt cx="0" cy="0"/>
+        </a:xfrm>
+      </p:grpSpPr>
+      <p:sp>
+        <p:nvSpPr>
+          <p:cNvPr id="2" name="标题 1">
+            <a:extLst>
+              <a:ext uri="{FF2B5EF4-FFF2-40B4-BE49-F238E27FC236}">
+                <a16:creationId xmlns:a16="http://schemas.microsoft.com/office/drawing/2014/main" id="{0500C830-9FB6-4C6F-9C41-B701237C2212}"/>
+              </a:ext>
+            </a:extLst>
+          </p:cNvPr>
+          <p:cNvSpPr>
+            <a:spLocks noGrp="1"/>
+          </p:cNvSpPr>
+          <p:nvPr>
+            <p:ph type="title"/>
+          </p:nvPr>
+        </p:nvSpPr>
+        <p:spPr/>
+        <p:txBody>
+          <a:bodyPr/>
+          <a:lstStyle/>
+          <a:p>
+            <a:r>
+              <a:rPr lang="zh-CN" altLang="en-US" dirty="0"/>
+              <a:t>会话清理</a:t>
+            </a:r>
+          </a:p>
+        </p:txBody>
+      </p:sp>
+      <p:sp>
+        <p:nvSpPr>
+          <p:cNvPr id="3" name="内容占位符 2">
+            <a:extLst>
+              <a:ext uri="{FF2B5EF4-FFF2-40B4-BE49-F238E27FC236}">
+                <a16:creationId xmlns:a16="http://schemas.microsoft.com/office/drawing/2014/main" id="{852D9E12-A302-4266-BE15-19A6108F21D1}"/>
+              </a:ext>
+            </a:extLst>
+          </p:cNvPr>
+          <p:cNvSpPr>
+            <a:spLocks noGrp="1"/>
+          </p:cNvSpPr>
+          <p:nvPr>
+            <p:ph idx="1"/>
+          </p:nvPr>
+        </p:nvSpPr>
+        <p:spPr/>
+        <p:txBody>
+          <a:bodyPr/>
+          <a:lstStyle/>
+          <a:p>
+            <a:pPr marL="0" indent="0">
+              <a:buNone/>
+            </a:pPr>
+            <a:r>
+              <a:rPr lang="en-US" altLang="zh-CN" dirty="0"/>
+              <a:t>	leader server</a:t>
+            </a:r>
+            <a:r>
+              <a:rPr lang="zh-CN" altLang="en-US" dirty="0"/>
+              <a:t>的</a:t>
+            </a:r>
+            <a:r>
+              <a:rPr lang="en-US" altLang="zh-CN" dirty="0" err="1"/>
+              <a:t>SessionTracker</a:t>
+            </a:r>
+            <a:r>
+              <a:rPr lang="zh-CN" altLang="en-US" dirty="0"/>
+              <a:t>管理线程会管理者</a:t>
+            </a:r>
+            <a:r>
+              <a:rPr lang="en-US" altLang="zh-CN" dirty="0"/>
+              <a:t>session,</a:t>
+            </a:r>
+            <a:r>
+              <a:rPr lang="zh-CN" altLang="en-US" dirty="0"/>
+              <a:t>执行</a:t>
+            </a:r>
+            <a:r>
+              <a:rPr lang="en-US" altLang="zh-CN" dirty="0"/>
+              <a:t>session</a:t>
+            </a:r>
+            <a:r>
+              <a:rPr lang="zh-CN" altLang="en-US" dirty="0"/>
+              <a:t>的过期检查</a:t>
+            </a:r>
+            <a:r>
+              <a:rPr lang="en-US" altLang="zh-CN" dirty="0"/>
+              <a:t>,</a:t>
+            </a:r>
+            <a:r>
+              <a:rPr lang="zh-CN" altLang="en-US" dirty="0"/>
+              <a:t>如果会话过期就执行清理操作</a:t>
+            </a:r>
+            <a:r>
+              <a:rPr lang="en-US" altLang="zh-CN" dirty="0"/>
+              <a:t>.</a:t>
+            </a:r>
+          </a:p>
+          <a:p>
+            <a:pPr marL="0" indent="0">
+              <a:buNone/>
+            </a:pPr>
+            <a:endParaRPr lang="zh-CN" altLang="en-US" dirty="0"/>
+          </a:p>
+        </p:txBody>
+      </p:sp>
+    </p:spTree>
+    <p:extLst>
+      <p:ext uri="{BB962C8B-B14F-4D97-AF65-F5344CB8AC3E}">
+        <p14:creationId xmlns:p14="http://schemas.microsoft.com/office/powerpoint/2010/main" val="2655784521"/>
+      </p:ext>
+    </p:extLst>
+  </p:cSld>
+  <p:clrMapOvr>
+    <a:masterClrMapping/>
+  </p:clrMapOvr>
+</p:sld>
+</file>
+
+<file path=ppt/slides/slide47.xml><?xml version="1.0" encoding="utf-8"?>
+<p:sld xmlns:a="http://schemas.openxmlformats.org/drawingml/2006/main" xmlns:r="http://schemas.openxmlformats.org/officeDocument/2006/relationships" xmlns:p="http://schemas.openxmlformats.org/presentationml/2006/main">
+  <p:cSld>
+    <p:spTree>
+      <p:nvGrpSpPr>
+        <p:cNvPr id="1" name=""/>
+        <p:cNvGrpSpPr/>
+        <p:nvPr/>
+      </p:nvGrpSpPr>
+      <p:grpSpPr>
+        <a:xfrm>
+          <a:off x="0" y="0"/>
+          <a:ext cx="0" cy="0"/>
+          <a:chOff x="0" y="0"/>
+          <a:chExt cx="0" cy="0"/>
+        </a:xfrm>
+      </p:grpSpPr>
+      <p:sp>
+        <p:nvSpPr>
+          <p:cNvPr id="2" name="标题 1">
+            <a:extLst>
+              <a:ext uri="{FF2B5EF4-FFF2-40B4-BE49-F238E27FC236}">
+                <a16:creationId xmlns:a16="http://schemas.microsoft.com/office/drawing/2014/main" id="{2C43FF93-F2EE-44BA-90BB-57DF29E4210B}"/>
+              </a:ext>
+            </a:extLst>
+          </p:cNvPr>
+          <p:cNvSpPr>
+            <a:spLocks noGrp="1"/>
+          </p:cNvSpPr>
+          <p:nvPr>
+            <p:ph type="title"/>
+          </p:nvPr>
+        </p:nvSpPr>
+        <p:spPr/>
+        <p:txBody>
+          <a:bodyPr/>
+          <a:lstStyle/>
+          <a:p>
+            <a:r>
+              <a:rPr lang="zh-CN" altLang="en-US" dirty="0"/>
+              <a:t>会话重连</a:t>
+            </a:r>
+          </a:p>
+        </p:txBody>
+      </p:sp>
+      <p:sp>
+        <p:nvSpPr>
+          <p:cNvPr id="3" name="内容占位符 2">
+            <a:extLst>
+              <a:ext uri="{FF2B5EF4-FFF2-40B4-BE49-F238E27FC236}">
+                <a16:creationId xmlns:a16="http://schemas.microsoft.com/office/drawing/2014/main" id="{4D3C8C77-9C44-4EF7-9368-4A024FD86942}"/>
+              </a:ext>
+            </a:extLst>
+          </p:cNvPr>
+          <p:cNvSpPr>
+            <a:spLocks noGrp="1"/>
+          </p:cNvSpPr>
+          <p:nvPr>
+            <p:ph idx="1"/>
+          </p:nvPr>
+        </p:nvSpPr>
+        <p:spPr/>
+        <p:txBody>
+          <a:bodyPr>
+            <a:normAutofit lnSpcReduction="10000"/>
+          </a:bodyPr>
+          <a:lstStyle/>
+          <a:p>
+            <a:pPr marL="0" indent="0">
+              <a:buNone/>
+            </a:pPr>
+            <a:r>
+              <a:rPr lang="en-US" altLang="zh-CN" dirty="0"/>
+              <a:t>	</a:t>
+            </a:r>
+            <a:r>
+              <a:rPr lang="zh-CN" altLang="en-US" dirty="0"/>
+              <a:t>服务器与客户端之间维持长连接的过程了。在这个过程中，用户可能会看到两类异常</a:t>
+            </a:r>
+            <a:r>
+              <a:rPr lang="en-US" altLang="zh-CN" dirty="0"/>
+              <a:t>CONNECTIONLOSS(</a:t>
+            </a:r>
+            <a:r>
+              <a:rPr lang="zh-CN" altLang="en-US" dirty="0"/>
+              <a:t>连接断开</a:t>
+            </a:r>
+            <a:r>
+              <a:rPr lang="en-US" altLang="zh-CN" dirty="0"/>
+              <a:t>) </a:t>
+            </a:r>
+            <a:r>
+              <a:rPr lang="zh-CN" altLang="en-US" dirty="0"/>
+              <a:t>和</a:t>
+            </a:r>
+            <a:r>
+              <a:rPr lang="en-US" altLang="zh-CN" dirty="0"/>
+              <a:t>SESSIONEXPIRED(Session </a:t>
+            </a:r>
+            <a:r>
+              <a:rPr lang="zh-CN" altLang="en-US" dirty="0"/>
+              <a:t>过期</a:t>
+            </a:r>
+            <a:r>
+              <a:rPr lang="en-US" altLang="zh-CN" dirty="0"/>
+              <a:t>)</a:t>
+            </a:r>
+            <a:r>
+              <a:rPr lang="zh-CN" altLang="en-US" dirty="0"/>
+              <a:t>。</a:t>
+            </a:r>
+            <a:r>
+              <a:rPr lang="en-US" altLang="zh-CN" dirty="0"/>
+              <a:t>CONNECTIONLOSS</a:t>
+            </a:r>
+            <a:r>
+              <a:rPr lang="zh-CN" altLang="en-US" dirty="0"/>
+              <a:t>发生在上面红色文字部分，应用在进行操作</a:t>
+            </a:r>
+            <a:r>
+              <a:rPr lang="en-US" altLang="zh-CN" dirty="0"/>
+              <a:t>A</a:t>
+            </a:r>
+            <a:r>
+              <a:rPr lang="zh-CN" altLang="en-US" dirty="0"/>
+              <a:t>时，发生了</a:t>
+            </a:r>
+            <a:r>
+              <a:rPr lang="en-US" altLang="zh-CN" dirty="0"/>
+              <a:t>CONNECTIONLOSS</a:t>
+            </a:r>
+            <a:r>
+              <a:rPr lang="zh-CN" altLang="en-US" dirty="0"/>
+              <a:t>，此时用户不需要关心我的会话是否可用，应用所要做的就是等待客户端帮我们自动连接上新的</a:t>
+            </a:r>
+            <a:r>
+              <a:rPr lang="en-US" altLang="zh-CN" dirty="0" err="1"/>
+              <a:t>zk</a:t>
+            </a:r>
+            <a:r>
+              <a:rPr lang="zh-CN" altLang="en-US" dirty="0"/>
+              <a:t>机器，一旦成功连接上新的</a:t>
+            </a:r>
+            <a:r>
+              <a:rPr lang="en-US" altLang="zh-CN" dirty="0" err="1"/>
+              <a:t>zk</a:t>
+            </a:r>
+            <a:r>
+              <a:rPr lang="zh-CN" altLang="en-US" dirty="0"/>
+              <a:t>机器后，确认刚刚的操作</a:t>
+            </a:r>
+            <a:r>
+              <a:rPr lang="en-US" altLang="zh-CN" dirty="0"/>
+              <a:t>A</a:t>
+            </a:r>
+            <a:r>
+              <a:rPr lang="zh-CN" altLang="en-US" dirty="0"/>
+              <a:t>是否执行成功了。</a:t>
+            </a:r>
+            <a:r>
+              <a:rPr lang="en-US" altLang="zh-CN" dirty="0"/>
+              <a:t>SESSIONEXPIRED</a:t>
+            </a:r>
+            <a:r>
+              <a:rPr lang="zh-CN" altLang="en-US" dirty="0"/>
+              <a:t>发生在上面蓝色文字部分，这个通常是</a:t>
+            </a:r>
+            <a:r>
+              <a:rPr lang="en-US" altLang="zh-CN" dirty="0" err="1"/>
+              <a:t>zk</a:t>
+            </a:r>
+            <a:r>
+              <a:rPr lang="zh-CN" altLang="en-US" dirty="0"/>
+              <a:t>客户端与服务器的连接断了，试图连接上新的</a:t>
+            </a:r>
+            <a:r>
+              <a:rPr lang="en-US" altLang="zh-CN" dirty="0" err="1"/>
+              <a:t>zk</a:t>
+            </a:r>
+            <a:r>
+              <a:rPr lang="zh-CN" altLang="en-US" dirty="0"/>
+              <a:t>机器，这个过程如果耗时过长，超过 </a:t>
+            </a:r>
+            <a:r>
+              <a:rPr lang="en-US" altLang="zh-CN" dirty="0"/>
+              <a:t>SESSION_TIMEOUT </a:t>
+            </a:r>
+            <a:r>
+              <a:rPr lang="zh-CN" altLang="en-US" dirty="0"/>
+              <a:t>后还没有成功连接上服务器，那么服务器认为这个</a:t>
+            </a:r>
+            <a:r>
+              <a:rPr lang="en-US" altLang="zh-CN" dirty="0"/>
+              <a:t>session</a:t>
+            </a:r>
+            <a:r>
+              <a:rPr lang="zh-CN" altLang="en-US" dirty="0"/>
+              <a:t>已经结束了（服务器无法确认是因为其它异常原因还是客户端主动结束会话），开始清除和这个会话有关的信息，包括这个会话创建的临时节点和注册的</a:t>
+            </a:r>
+            <a:r>
+              <a:rPr lang="en-US" altLang="zh-CN" dirty="0"/>
+              <a:t>Watcher</a:t>
+            </a:r>
+            <a:r>
+              <a:rPr lang="zh-CN" altLang="en-US" dirty="0"/>
+              <a:t>。在这之后，客户端重新连接上了服务器在，但是很不幸，服务器会告诉客户端</a:t>
+            </a:r>
+            <a:r>
+              <a:rPr lang="en-US" altLang="zh-CN" dirty="0"/>
+              <a:t>SESSIONEXPIRED</a:t>
+            </a:r>
+            <a:r>
+              <a:rPr lang="zh-CN" altLang="en-US" dirty="0"/>
+              <a:t>。此时客户端要做的事情就看应用的复杂情况了，总之，要重新实例</a:t>
+            </a:r>
+            <a:r>
+              <a:rPr lang="en-US" altLang="zh-CN" dirty="0"/>
+              <a:t>zookeeper</a:t>
+            </a:r>
+            <a:r>
+              <a:rPr lang="zh-CN" altLang="en-US" dirty="0"/>
+              <a:t>对象，重新操作所有临时数据（包括临时节点和注册</a:t>
+            </a:r>
+            <a:r>
+              <a:rPr lang="en-US" altLang="zh-CN" dirty="0"/>
+              <a:t>Watcher</a:t>
+            </a:r>
+            <a:r>
+              <a:rPr lang="zh-CN" altLang="en-US" dirty="0"/>
+              <a:t>）。</a:t>
+            </a:r>
+          </a:p>
+          <a:p>
+            <a:pPr marL="0" indent="0">
+              <a:buNone/>
+            </a:pPr>
+            <a:endParaRPr lang="zh-CN" altLang="en-US" dirty="0"/>
+          </a:p>
+        </p:txBody>
+      </p:sp>
+    </p:spTree>
+    <p:extLst>
+      <p:ext uri="{BB962C8B-B14F-4D97-AF65-F5344CB8AC3E}">
+        <p14:creationId xmlns:p14="http://schemas.microsoft.com/office/powerpoint/2010/main" val="1513221089"/>
+      </p:ext>
+    </p:extLst>
+  </p:cSld>
+  <p:clrMapOvr>
+    <a:masterClrMapping/>
+  </p:clrMapOvr>
+</p:sld>
+</file>
+
+<file path=ppt/slides/slide48.xml><?xml version="1.0" encoding="utf-8"?>
+<p:sld xmlns:a="http://schemas.openxmlformats.org/drawingml/2006/main" xmlns:r="http://schemas.openxmlformats.org/officeDocument/2006/relationships" xmlns:p="http://schemas.openxmlformats.org/presentationml/2006/main">
+  <p:cSld>
+    <p:spTree>
+      <p:nvGrpSpPr>
+        <p:cNvPr id="1" name=""/>
+        <p:cNvGrpSpPr/>
+        <p:nvPr/>
+      </p:nvGrpSpPr>
+      <p:grpSpPr>
+        <a:xfrm>
+          <a:off x="0" y="0"/>
+          <a:ext cx="0" cy="0"/>
+          <a:chOff x="0" y="0"/>
+          <a:chExt cx="0" cy="0"/>
+        </a:xfrm>
+      </p:grpSpPr>
+      <p:sp>
+        <p:nvSpPr>
+          <p:cNvPr id="2" name="标题 1">
+            <a:extLst>
+              <a:ext uri="{FF2B5EF4-FFF2-40B4-BE49-F238E27FC236}">
+                <a16:creationId xmlns:a16="http://schemas.microsoft.com/office/drawing/2014/main" id="{54B3FF90-826C-4012-92AF-E18745557AF2}"/>
+              </a:ext>
+            </a:extLst>
+          </p:cNvPr>
+          <p:cNvSpPr>
+            <a:spLocks noGrp="1"/>
+          </p:cNvSpPr>
+          <p:nvPr>
+            <p:ph type="title"/>
+          </p:nvPr>
+        </p:nvSpPr>
+        <p:spPr/>
+        <p:txBody>
+          <a:bodyPr/>
+          <a:lstStyle/>
+          <a:p>
+            <a:r>
+              <a:rPr lang="zh-CN" altLang="en-US" dirty="0"/>
+              <a:t>客户端连接指定根路径</a:t>
+            </a:r>
+          </a:p>
+        </p:txBody>
+      </p:sp>
+      <p:sp>
+        <p:nvSpPr>
+          <p:cNvPr id="3" name="内容占位符 2">
+            <a:extLst>
+              <a:ext uri="{FF2B5EF4-FFF2-40B4-BE49-F238E27FC236}">
+                <a16:creationId xmlns:a16="http://schemas.microsoft.com/office/drawing/2014/main" id="{F72BF271-D9A0-4B59-8367-7967C24261B1}"/>
+              </a:ext>
+            </a:extLst>
+          </p:cNvPr>
+          <p:cNvSpPr>
+            <a:spLocks noGrp="1"/>
+          </p:cNvSpPr>
+          <p:nvPr>
+            <p:ph idx="1"/>
+          </p:nvPr>
+        </p:nvSpPr>
+        <p:spPr/>
+        <p:txBody>
+          <a:bodyPr/>
+          <a:lstStyle/>
+          <a:p>
+            <a:pPr marL="0" indent="0">
+              <a:buNone/>
+            </a:pPr>
+            <a:r>
+              <a:rPr lang="en-US" altLang="zh-CN" dirty="0"/>
+              <a:t>	</a:t>
+            </a:r>
+            <a:r>
+              <a:rPr lang="zh-CN" altLang="en-US" dirty="0"/>
+              <a:t>在</a:t>
+            </a:r>
+            <a:r>
+              <a:rPr lang="en-US" altLang="zh-CN" dirty="0" err="1"/>
+              <a:t>ZooKeeper</a:t>
+            </a:r>
+            <a:r>
+              <a:rPr lang="en-US" altLang="zh-CN" dirty="0"/>
+              <a:t> 3.2.0</a:t>
+            </a:r>
+            <a:r>
+              <a:rPr lang="zh-CN" altLang="en-US" dirty="0"/>
+              <a:t>增加了可选的“</a:t>
+            </a:r>
+            <a:r>
+              <a:rPr lang="en-US" altLang="zh-CN" dirty="0"/>
+              <a:t>chroot”</a:t>
+            </a:r>
+            <a:r>
+              <a:rPr lang="zh-CN" altLang="en-US" dirty="0"/>
+              <a:t>后缀，可以改变当前客户端的根路径。例如，如果使用”</a:t>
+            </a:r>
+            <a:r>
+              <a:rPr lang="en-US" altLang="zh-CN" dirty="0"/>
+              <a:t>127.0.0.1:4545/app/a”</a:t>
+            </a:r>
+            <a:r>
+              <a:rPr lang="zh-CN" altLang="en-US" dirty="0"/>
+              <a:t>，客户端将使用”</a:t>
+            </a:r>
+            <a:r>
+              <a:rPr lang="en-US" altLang="zh-CN" dirty="0"/>
+              <a:t>/app/a”</a:t>
+            </a:r>
+            <a:r>
+              <a:rPr lang="zh-CN" altLang="en-US" dirty="0"/>
+              <a:t>作为其根路径，所有的路径都会相对于该路径。比如操作路径”</a:t>
+            </a:r>
+            <a:r>
+              <a:rPr lang="en-US" altLang="zh-CN" dirty="0"/>
+              <a:t>/foo/bar”</a:t>
+            </a:r>
+            <a:r>
+              <a:rPr lang="zh-CN" altLang="en-US" dirty="0"/>
+              <a:t>将真正对应到”</a:t>
+            </a:r>
+            <a:r>
+              <a:rPr lang="en-US" altLang="zh-CN" dirty="0"/>
+              <a:t>/app/a/foo/bar”</a:t>
+            </a:r>
+            <a:r>
+              <a:rPr lang="zh-CN" altLang="en-US" dirty="0"/>
+              <a:t>。这个特征在多租户环境下是非常有用的，可以简化客户端的应用逻辑（）。</a:t>
+            </a:r>
+          </a:p>
+          <a:p>
+            <a:pPr marL="0" indent="0">
+              <a:buNone/>
+            </a:pPr>
+            <a:endParaRPr lang="zh-CN" altLang="en-US" dirty="0"/>
+          </a:p>
+        </p:txBody>
+      </p:sp>
+    </p:spTree>
+    <p:extLst>
+      <p:ext uri="{BB962C8B-B14F-4D97-AF65-F5344CB8AC3E}">
+        <p14:creationId xmlns:p14="http://schemas.microsoft.com/office/powerpoint/2010/main" val="1933272925"/>
+      </p:ext>
+    </p:extLst>
+  </p:cSld>
+  <p:clrMapOvr>
+    <a:masterClrMapping/>
+  </p:clrMapOvr>
+</p:sld>
+</file>
+
+<file path=ppt/slides/slide49.xml><?xml version="1.0" encoding="utf-8"?>
+<p:sld xmlns:a="http://schemas.openxmlformats.org/drawingml/2006/main" xmlns:r="http://schemas.openxmlformats.org/officeDocument/2006/relationships" xmlns:p="http://schemas.openxmlformats.org/presentationml/2006/main">
+  <p:cSld>
+    <p:spTree>
+      <p:nvGrpSpPr>
+        <p:cNvPr id="1" name=""/>
+        <p:cNvGrpSpPr/>
+        <p:nvPr/>
+      </p:nvGrpSpPr>
+      <p:grpSpPr>
+        <a:xfrm>
+          <a:off x="0" y="0"/>
+          <a:ext cx="0" cy="0"/>
+          <a:chOff x="0" y="0"/>
+          <a:chExt cx="0" cy="0"/>
+        </a:xfrm>
+      </p:grpSpPr>
+      <p:sp>
+        <p:nvSpPr>
+          <p:cNvPr id="2" name="标题 1">
+            <a:extLst>
+              <a:ext uri="{FF2B5EF4-FFF2-40B4-BE49-F238E27FC236}">
+                <a16:creationId xmlns:a16="http://schemas.microsoft.com/office/drawing/2014/main" id="{623CE469-E11E-4BDD-BC3D-5D17F62E5956}"/>
+              </a:ext>
+            </a:extLst>
+          </p:cNvPr>
+          <p:cNvSpPr>
+            <a:spLocks noGrp="1"/>
+          </p:cNvSpPr>
+          <p:nvPr>
+            <p:ph type="title"/>
+          </p:nvPr>
+        </p:nvSpPr>
+        <p:spPr/>
+        <p:txBody>
+          <a:bodyPr/>
+          <a:lstStyle/>
+          <a:p>
+            <a:r>
+              <a:rPr lang="en-US" altLang="zh-CN" dirty="0" err="1"/>
+              <a:t>ZooKeeper</a:t>
+            </a:r>
+            <a:r>
+              <a:rPr lang="en-US" altLang="zh-CN" dirty="0"/>
+              <a:t> Watches</a:t>
+            </a:r>
+            <a:endParaRPr lang="zh-CN" altLang="en-US" dirty="0"/>
+          </a:p>
+        </p:txBody>
+      </p:sp>
+      <p:sp>
+        <p:nvSpPr>
+          <p:cNvPr id="3" name="内容占位符 2">
+            <a:extLst>
+              <a:ext uri="{FF2B5EF4-FFF2-40B4-BE49-F238E27FC236}">
+                <a16:creationId xmlns:a16="http://schemas.microsoft.com/office/drawing/2014/main" id="{DFD1E0CC-1CBA-4ADE-A645-8C539FD9385A}"/>
+              </a:ext>
+            </a:extLst>
+          </p:cNvPr>
+          <p:cNvSpPr>
+            <a:spLocks noGrp="1"/>
+          </p:cNvSpPr>
+          <p:nvPr>
+            <p:ph idx="1"/>
+          </p:nvPr>
+        </p:nvSpPr>
+        <p:spPr/>
+        <p:txBody>
+          <a:bodyPr/>
+          <a:lstStyle/>
+          <a:p>
+            <a:pPr marL="0" indent="0">
+              <a:buNone/>
+            </a:pPr>
+            <a:r>
+              <a:rPr lang="en-US" altLang="zh-CN" dirty="0"/>
+              <a:t>	</a:t>
+            </a:r>
+            <a:r>
+              <a:rPr lang="zh-CN" altLang="en-US" dirty="0"/>
+              <a:t>在</a:t>
+            </a:r>
+            <a:r>
+              <a:rPr lang="en-US" altLang="zh-CN" dirty="0" err="1"/>
+              <a:t>ZooKeeper</a:t>
+            </a:r>
+            <a:r>
+              <a:rPr lang="zh-CN" altLang="en-US" dirty="0"/>
+              <a:t>中，所有的读操作（</a:t>
+            </a:r>
+            <a:r>
+              <a:rPr lang="en-US" altLang="zh-CN" dirty="0" err="1"/>
+              <a:t>getData</a:t>
+            </a:r>
+            <a:r>
+              <a:rPr lang="zh-CN" altLang="en-US" dirty="0"/>
+              <a:t>，</a:t>
+            </a:r>
+            <a:r>
+              <a:rPr lang="en-US" altLang="zh-CN" dirty="0" err="1"/>
+              <a:t>getChildren</a:t>
+            </a:r>
+            <a:r>
+              <a:rPr lang="zh-CN" altLang="en-US" dirty="0"/>
+              <a:t>和</a:t>
+            </a:r>
+            <a:r>
+              <a:rPr lang="en-US" altLang="zh-CN" dirty="0"/>
+              <a:t>exists</a:t>
+            </a:r>
+            <a:r>
+              <a:rPr lang="zh-CN" altLang="en-US" dirty="0"/>
+              <a:t>）都可以设置监听</a:t>
+            </a:r>
+            <a:r>
+              <a:rPr lang="en-US" altLang="zh-CN" dirty="0"/>
+              <a:t>,</a:t>
+            </a:r>
+            <a:r>
+              <a:rPr lang="zh-CN" altLang="en-US" dirty="0"/>
+              <a:t>一个</a:t>
+            </a:r>
+            <a:r>
+              <a:rPr lang="en-US" altLang="zh-CN" dirty="0"/>
+              <a:t>Watch</a:t>
+            </a:r>
+            <a:r>
+              <a:rPr lang="zh-CN" altLang="en-US" dirty="0"/>
+              <a:t>事件是一个一次性的触发器，当被设置了</a:t>
+            </a:r>
+            <a:r>
+              <a:rPr lang="en-US" altLang="zh-CN" dirty="0"/>
+              <a:t>Watch</a:t>
+            </a:r>
+            <a:r>
+              <a:rPr lang="zh-CN" altLang="en-US" dirty="0"/>
+              <a:t>的数据发生了改变的时候，则服务器将这个改变发送给设置了</a:t>
+            </a:r>
+            <a:r>
+              <a:rPr lang="en-US" altLang="zh-CN" dirty="0"/>
+              <a:t>Watch</a:t>
+            </a:r>
+            <a:r>
+              <a:rPr lang="zh-CN" altLang="en-US" dirty="0"/>
+              <a:t>的客户端，以便通知它们。</a:t>
+            </a:r>
+          </a:p>
+          <a:p>
+            <a:pPr marL="0" indent="0">
+              <a:buNone/>
+            </a:pPr>
+            <a:endParaRPr lang="zh-CN" altLang="en-US" dirty="0"/>
+          </a:p>
+        </p:txBody>
+      </p:sp>
+    </p:spTree>
+    <p:extLst>
+      <p:ext uri="{BB962C8B-B14F-4D97-AF65-F5344CB8AC3E}">
+        <p14:creationId xmlns:p14="http://schemas.microsoft.com/office/powerpoint/2010/main" val="493700063"/>
       </p:ext>
     </p:extLst>
   </p:cSld>
@@ -5954,6 +10548,776 @@
     <p:extLst>
       <p:ext uri="{BB962C8B-B14F-4D97-AF65-F5344CB8AC3E}">
         <p14:creationId xmlns:p14="http://schemas.microsoft.com/office/powerpoint/2010/main" val="3171195108"/>
+      </p:ext>
+    </p:extLst>
+  </p:cSld>
+  <p:clrMapOvr>
+    <a:masterClrMapping/>
+  </p:clrMapOvr>
+</p:sld>
+</file>
+
+<file path=ppt/slides/slide50.xml><?xml version="1.0" encoding="utf-8"?>
+<p:sld xmlns:a="http://schemas.openxmlformats.org/drawingml/2006/main" xmlns:r="http://schemas.openxmlformats.org/officeDocument/2006/relationships" xmlns:p="http://schemas.openxmlformats.org/presentationml/2006/main">
+  <p:cSld>
+    <p:spTree>
+      <p:nvGrpSpPr>
+        <p:cNvPr id="1" name=""/>
+        <p:cNvGrpSpPr/>
+        <p:nvPr/>
+      </p:nvGrpSpPr>
+      <p:grpSpPr>
+        <a:xfrm>
+          <a:off x="0" y="0"/>
+          <a:ext cx="0" cy="0"/>
+          <a:chOff x="0" y="0"/>
+          <a:chExt cx="0" cy="0"/>
+        </a:xfrm>
+      </p:grpSpPr>
+      <p:sp>
+        <p:nvSpPr>
+          <p:cNvPr id="2" name="标题 1">
+            <a:extLst>
+              <a:ext uri="{FF2B5EF4-FFF2-40B4-BE49-F238E27FC236}">
+                <a16:creationId xmlns:a16="http://schemas.microsoft.com/office/drawing/2014/main" id="{A4F1A2FA-B37D-4C5E-9CA6-A1F36B4B6962}"/>
+              </a:ext>
+            </a:extLst>
+          </p:cNvPr>
+          <p:cNvSpPr>
+            <a:spLocks noGrp="1"/>
+          </p:cNvSpPr>
+          <p:nvPr>
+            <p:ph type="title"/>
+          </p:nvPr>
+        </p:nvSpPr>
+        <p:spPr/>
+        <p:txBody>
+          <a:bodyPr/>
+          <a:lstStyle/>
+          <a:p>
+            <a:r>
+              <a:rPr lang="en-US" altLang="zh-CN" dirty="0"/>
+              <a:t>zookeeper</a:t>
+            </a:r>
+            <a:r>
+              <a:rPr lang="zh-CN" altLang="en-US" dirty="0"/>
+              <a:t>机制的特点</a:t>
+            </a:r>
+          </a:p>
+        </p:txBody>
+      </p:sp>
+      <p:sp>
+        <p:nvSpPr>
+          <p:cNvPr id="3" name="内容占位符 2">
+            <a:extLst>
+              <a:ext uri="{FF2B5EF4-FFF2-40B4-BE49-F238E27FC236}">
+                <a16:creationId xmlns:a16="http://schemas.microsoft.com/office/drawing/2014/main" id="{A8C294FA-D589-4D01-8409-9733E4B64FB5}"/>
+              </a:ext>
+            </a:extLst>
+          </p:cNvPr>
+          <p:cNvSpPr>
+            <a:spLocks noGrp="1"/>
+          </p:cNvSpPr>
+          <p:nvPr>
+            <p:ph idx="1"/>
+          </p:nvPr>
+        </p:nvSpPr>
+        <p:spPr/>
+        <p:txBody>
+          <a:bodyPr>
+            <a:normAutofit fontScale="85000" lnSpcReduction="20000"/>
+          </a:bodyPr>
+          <a:lstStyle/>
+          <a:p>
+            <a:r>
+              <a:rPr lang="zh-CN" altLang="en-US" dirty="0"/>
+              <a:t>* 一次性的触发器（</a:t>
+            </a:r>
+            <a:r>
+              <a:rPr lang="en-US" altLang="zh-CN" dirty="0"/>
+              <a:t>one-time trigger</a:t>
+            </a:r>
+            <a:r>
+              <a:rPr lang="zh-CN" altLang="en-US" dirty="0"/>
+              <a:t>）</a:t>
+            </a:r>
+            <a:endParaRPr lang="en-US" altLang="zh-CN" dirty="0"/>
+          </a:p>
+          <a:p>
+            <a:pPr marL="0" indent="0">
+              <a:buNone/>
+            </a:pPr>
+            <a:r>
+              <a:rPr lang="en-US" altLang="zh-CN" dirty="0"/>
+              <a:t>  &gt;</a:t>
+            </a:r>
+            <a:r>
+              <a:rPr lang="zh-CN" altLang="en-US" dirty="0"/>
+              <a:t> 当数据改变的时候，那么一个</a:t>
+            </a:r>
+            <a:r>
+              <a:rPr lang="en-US" altLang="zh-CN" dirty="0"/>
+              <a:t>Watch</a:t>
+            </a:r>
+            <a:r>
+              <a:rPr lang="zh-CN" altLang="en-US" dirty="0"/>
+              <a:t>事件会产生并且被发送到客户端中。但是客户端只会收到一次这样的通知，如果以后这个数据再次发生改变的时候，之前设置</a:t>
+            </a:r>
+            <a:r>
+              <a:rPr lang="en-US" altLang="zh-CN" dirty="0"/>
+              <a:t>Watch</a:t>
+            </a:r>
+            <a:r>
+              <a:rPr lang="zh-CN" altLang="en-US" dirty="0"/>
+              <a:t>的客户端将不会再次收到改变的通知，因为</a:t>
+            </a:r>
+            <a:r>
+              <a:rPr lang="en-US" altLang="zh-CN" dirty="0"/>
+              <a:t>Watch</a:t>
+            </a:r>
+            <a:r>
+              <a:rPr lang="zh-CN" altLang="en-US" dirty="0"/>
+              <a:t>机制规定了它是一个一次性的触发器。 </a:t>
+            </a:r>
+          </a:p>
+          <a:p>
+            <a:r>
+              <a:rPr lang="zh-CN" altLang="en-US" dirty="0"/>
+              <a:t>* 发送到客户端（</a:t>
+            </a:r>
+            <a:r>
+              <a:rPr lang="en-US" altLang="zh-CN" dirty="0"/>
+              <a:t>Sent to the client</a:t>
+            </a:r>
+            <a:r>
+              <a:rPr lang="zh-CN" altLang="en-US" dirty="0"/>
+              <a:t>） </a:t>
+            </a:r>
+            <a:endParaRPr lang="en-US" altLang="zh-CN" dirty="0"/>
+          </a:p>
+          <a:p>
+            <a:pPr marL="0" indent="0">
+              <a:buNone/>
+            </a:pPr>
+            <a:r>
+              <a:rPr lang="en-US" altLang="zh-CN" dirty="0"/>
+              <a:t>   &gt;</a:t>
+            </a:r>
+            <a:r>
+              <a:rPr lang="zh-CN" altLang="en-US" dirty="0"/>
+              <a:t> 这个表明了</a:t>
+            </a:r>
+            <a:r>
+              <a:rPr lang="en-US" altLang="zh-CN" dirty="0"/>
+              <a:t>Watch</a:t>
+            </a:r>
+            <a:r>
+              <a:rPr lang="zh-CN" altLang="en-US" dirty="0"/>
+              <a:t>的通知事件是从服务器发送给客户端的，是异步的，这就表明不同的客户端收到的</a:t>
+            </a:r>
+            <a:r>
+              <a:rPr lang="en-US" altLang="zh-CN" dirty="0"/>
+              <a:t>Watch</a:t>
+            </a:r>
+            <a:r>
+              <a:rPr lang="zh-CN" altLang="en-US" dirty="0"/>
+              <a:t>的时间可能不同，但是</a:t>
+            </a:r>
+            <a:r>
+              <a:rPr lang="en-US" altLang="zh-CN" dirty="0" err="1"/>
+              <a:t>ZooKeeper</a:t>
+            </a:r>
+            <a:r>
+              <a:rPr lang="zh-CN" altLang="en-US" dirty="0"/>
+              <a:t>有保证：当一个客户端在看到</a:t>
+            </a:r>
+            <a:r>
+              <a:rPr lang="en-US" altLang="zh-CN" dirty="0"/>
+              <a:t>Watch</a:t>
+            </a:r>
+            <a:r>
+              <a:rPr lang="zh-CN" altLang="en-US" dirty="0"/>
+              <a:t>事件之前是不会看到结点数据的变化的。例如：</a:t>
+            </a:r>
+            <a:r>
+              <a:rPr lang="en-US" altLang="zh-CN" dirty="0"/>
+              <a:t>A=3</a:t>
+            </a:r>
+            <a:r>
+              <a:rPr lang="zh-CN" altLang="en-US" dirty="0"/>
+              <a:t>，此时在上面设置了一次</a:t>
+            </a:r>
+            <a:r>
+              <a:rPr lang="en-US" altLang="zh-CN" dirty="0"/>
+              <a:t>Watch</a:t>
+            </a:r>
+            <a:r>
+              <a:rPr lang="zh-CN" altLang="en-US" dirty="0"/>
+              <a:t>，如果</a:t>
+            </a:r>
+            <a:r>
+              <a:rPr lang="en-US" altLang="zh-CN" dirty="0"/>
+              <a:t>A</a:t>
+            </a:r>
+            <a:r>
+              <a:rPr lang="zh-CN" altLang="en-US" dirty="0"/>
+              <a:t>突然变成</a:t>
+            </a:r>
+            <a:r>
+              <a:rPr lang="en-US" altLang="zh-CN" dirty="0"/>
+              <a:t>4</a:t>
+            </a:r>
+            <a:r>
+              <a:rPr lang="zh-CN" altLang="en-US" dirty="0"/>
+              <a:t>了，那么客户端会先收到</a:t>
+            </a:r>
+            <a:r>
+              <a:rPr lang="en-US" altLang="zh-CN" dirty="0"/>
+              <a:t>Watch</a:t>
+            </a:r>
+            <a:r>
+              <a:rPr lang="zh-CN" altLang="en-US" dirty="0"/>
+              <a:t>事件的通知，然后才会看到</a:t>
+            </a:r>
+            <a:r>
+              <a:rPr lang="en-US" altLang="zh-CN" dirty="0"/>
+              <a:t>A=4</a:t>
+            </a:r>
+            <a:r>
+              <a:rPr lang="zh-CN" altLang="en-US" dirty="0"/>
+              <a:t>。</a:t>
+            </a:r>
+          </a:p>
+          <a:p>
+            <a:r>
+              <a:rPr lang="zh-CN" altLang="en-US" dirty="0"/>
+              <a:t>* 监听方式（</a:t>
+            </a:r>
+            <a:r>
+              <a:rPr lang="en-US" altLang="zh-CN" dirty="0"/>
+              <a:t>The data for which the watch was set</a:t>
+            </a:r>
+            <a:r>
+              <a:rPr lang="zh-CN" altLang="en-US" dirty="0"/>
+              <a:t>）</a:t>
+            </a:r>
+          </a:p>
+          <a:p>
+            <a:pPr marL="0" indent="0">
+              <a:buNone/>
+            </a:pPr>
+            <a:r>
+              <a:rPr lang="en-US" altLang="zh-CN" dirty="0"/>
+              <a:t>   &gt;</a:t>
+            </a:r>
+            <a:r>
+              <a:rPr lang="zh-CN" altLang="en-US" dirty="0"/>
+              <a:t> </a:t>
+            </a:r>
+            <a:r>
+              <a:rPr lang="en-US" altLang="zh-CN" dirty="0" err="1"/>
+              <a:t>znode</a:t>
+            </a:r>
+            <a:r>
+              <a:rPr lang="en-US" altLang="zh-CN" dirty="0"/>
+              <a:t> </a:t>
+            </a:r>
+            <a:r>
+              <a:rPr lang="zh-CN" altLang="en-US" dirty="0"/>
+              <a:t>节点本身具有不同的改变方式</a:t>
+            </a:r>
+            <a:r>
+              <a:rPr lang="en-US" altLang="zh-CN" dirty="0"/>
+              <a:t>,</a:t>
+            </a:r>
+            <a:r>
+              <a:rPr lang="en-US" altLang="zh-CN" dirty="0" err="1"/>
+              <a:t>setData</a:t>
+            </a:r>
+            <a:r>
+              <a:rPr lang="en-US" altLang="zh-CN" dirty="0"/>
+              <a:t>() </a:t>
+            </a:r>
+            <a:r>
+              <a:rPr lang="zh-CN" altLang="en-US" dirty="0"/>
+              <a:t>会触发设置在某一节点上所设置的数据监视</a:t>
+            </a:r>
+            <a:r>
+              <a:rPr lang="en-US" altLang="zh-CN" dirty="0"/>
+              <a:t>(</a:t>
+            </a:r>
+            <a:r>
+              <a:rPr lang="zh-CN" altLang="en-US" dirty="0"/>
+              <a:t>假定数据设置成功</a:t>
+            </a:r>
+            <a:r>
+              <a:rPr lang="en-US" altLang="zh-CN" dirty="0"/>
+              <a:t>)</a:t>
+            </a:r>
+            <a:r>
+              <a:rPr lang="zh-CN" altLang="en-US" dirty="0"/>
+              <a:t>，而一次成功的 </a:t>
+            </a:r>
+            <a:r>
+              <a:rPr lang="en-US" altLang="zh-CN" dirty="0"/>
+              <a:t>create() </a:t>
+            </a:r>
+            <a:r>
+              <a:rPr lang="zh-CN" altLang="en-US" dirty="0"/>
+              <a:t>操作则会出发当前节点上所设置的数据监视以及父节点的子节点监视。一次成功的 </a:t>
+            </a:r>
+            <a:r>
+              <a:rPr lang="en-US" altLang="zh-CN" dirty="0"/>
+              <a:t>delete() </a:t>
+            </a:r>
+            <a:r>
+              <a:rPr lang="zh-CN" altLang="en-US" dirty="0"/>
+              <a:t>操作将会触发当前节点的数据监视和子节点监视事件，同时也会触发该节点父节点的</a:t>
+            </a:r>
+            <a:r>
+              <a:rPr lang="en-US" altLang="zh-CN" dirty="0"/>
+              <a:t>child watch</a:t>
+            </a:r>
+            <a:r>
+              <a:rPr lang="zh-CN" altLang="en-US" dirty="0"/>
+              <a:t>。</a:t>
+            </a:r>
+            <a:r>
+              <a:rPr lang="en-US" altLang="zh-CN" dirty="0" err="1"/>
+              <a:t>WatchEvent</a:t>
+            </a:r>
+            <a:r>
+              <a:rPr lang="zh-CN" altLang="en-US" dirty="0"/>
+              <a:t>是最小的通信单元，结构上只包含通知状态、事件类型和节点路径。</a:t>
+            </a:r>
+            <a:r>
+              <a:rPr lang="en-US" altLang="zh-CN" dirty="0" err="1"/>
+              <a:t>ZooKeeper</a:t>
+            </a:r>
+            <a:r>
+              <a:rPr lang="zh-CN" altLang="en-US" dirty="0"/>
+              <a:t>服务端只会通知客户端发生了什么，并不会告诉具体内容。</a:t>
+            </a:r>
+          </a:p>
+          <a:p>
+            <a:pPr marL="0" indent="0">
+              <a:buNone/>
+            </a:pPr>
+            <a:endParaRPr lang="zh-CN" altLang="en-US" dirty="0"/>
+          </a:p>
+        </p:txBody>
+      </p:sp>
+    </p:spTree>
+    <p:extLst>
+      <p:ext uri="{BB962C8B-B14F-4D97-AF65-F5344CB8AC3E}">
+        <p14:creationId xmlns:p14="http://schemas.microsoft.com/office/powerpoint/2010/main" val="721689974"/>
+      </p:ext>
+    </p:extLst>
+  </p:cSld>
+  <p:clrMapOvr>
+    <a:masterClrMapping/>
+  </p:clrMapOvr>
+</p:sld>
+</file>
+
+<file path=ppt/slides/slide51.xml><?xml version="1.0" encoding="utf-8"?>
+<p:sld xmlns:a="http://schemas.openxmlformats.org/drawingml/2006/main" xmlns:r="http://schemas.openxmlformats.org/officeDocument/2006/relationships" xmlns:p="http://schemas.openxmlformats.org/presentationml/2006/main">
+  <p:cSld>
+    <p:spTree>
+      <p:nvGrpSpPr>
+        <p:cNvPr id="1" name=""/>
+        <p:cNvGrpSpPr/>
+        <p:nvPr/>
+      </p:nvGrpSpPr>
+      <p:grpSpPr>
+        <a:xfrm>
+          <a:off x="0" y="0"/>
+          <a:ext cx="0" cy="0"/>
+          <a:chOff x="0" y="0"/>
+          <a:chExt cx="0" cy="0"/>
+        </a:xfrm>
+      </p:grpSpPr>
+      <p:sp>
+        <p:nvSpPr>
+          <p:cNvPr id="2" name="标题 1">
+            <a:extLst>
+              <a:ext uri="{FF2B5EF4-FFF2-40B4-BE49-F238E27FC236}">
+                <a16:creationId xmlns:a16="http://schemas.microsoft.com/office/drawing/2014/main" id="{006C3C29-F044-48D8-B859-E8D6CA974A97}"/>
+              </a:ext>
+            </a:extLst>
+          </p:cNvPr>
+          <p:cNvSpPr>
+            <a:spLocks noGrp="1"/>
+          </p:cNvSpPr>
+          <p:nvPr>
+            <p:ph type="title"/>
+          </p:nvPr>
+        </p:nvSpPr>
+        <p:spPr/>
+        <p:txBody>
+          <a:bodyPr/>
+          <a:lstStyle/>
+          <a:p>
+            <a:r>
+              <a:rPr lang="zh-CN" altLang="en-US" dirty="0"/>
+              <a:t>监听事件类型</a:t>
+            </a:r>
+          </a:p>
+        </p:txBody>
+      </p:sp>
+      <p:sp>
+        <p:nvSpPr>
+          <p:cNvPr id="3" name="内容占位符 2">
+            <a:extLst>
+              <a:ext uri="{FF2B5EF4-FFF2-40B4-BE49-F238E27FC236}">
+                <a16:creationId xmlns:a16="http://schemas.microsoft.com/office/drawing/2014/main" id="{79220745-FFEE-4831-BE0E-7686E42C78E3}"/>
+              </a:ext>
+            </a:extLst>
+          </p:cNvPr>
+          <p:cNvSpPr>
+            <a:spLocks noGrp="1"/>
+          </p:cNvSpPr>
+          <p:nvPr>
+            <p:ph idx="1"/>
+          </p:nvPr>
+        </p:nvSpPr>
+        <p:spPr/>
+        <p:txBody>
+          <a:bodyPr/>
+          <a:lstStyle/>
+          <a:p>
+            <a:r>
+              <a:rPr lang="en-US" altLang="zh-CN" dirty="0"/>
+              <a:t>* Created event</a:t>
+            </a:r>
+            <a:r>
+              <a:rPr lang="zh-CN" altLang="en-US" dirty="0"/>
+              <a:t>：调用</a:t>
+            </a:r>
+            <a:r>
+              <a:rPr lang="en-US" altLang="zh-CN" dirty="0"/>
+              <a:t>exists</a:t>
+            </a:r>
+            <a:r>
+              <a:rPr lang="zh-CN" altLang="en-US" dirty="0"/>
+              <a:t>方法设置监听；</a:t>
+            </a:r>
+          </a:p>
+          <a:p>
+            <a:r>
+              <a:rPr lang="zh-CN" altLang="en-US" dirty="0"/>
+              <a:t>* </a:t>
+            </a:r>
+            <a:r>
+              <a:rPr lang="en-US" altLang="zh-CN" dirty="0"/>
+              <a:t>Deleted event</a:t>
+            </a:r>
+            <a:r>
+              <a:rPr lang="zh-CN" altLang="en-US" dirty="0"/>
+              <a:t>：调用</a:t>
+            </a:r>
+            <a:r>
+              <a:rPr lang="en-US" altLang="zh-CN" dirty="0"/>
+              <a:t>exists</a:t>
+            </a:r>
+            <a:r>
+              <a:rPr lang="zh-CN" altLang="en-US" dirty="0"/>
+              <a:t>、</a:t>
+            </a:r>
+            <a:r>
+              <a:rPr lang="en-US" altLang="zh-CN" dirty="0" err="1"/>
+              <a:t>getData</a:t>
+            </a:r>
+            <a:r>
+              <a:rPr lang="zh-CN" altLang="en-US" dirty="0"/>
+              <a:t>、</a:t>
+            </a:r>
+            <a:r>
+              <a:rPr lang="en-US" altLang="zh-CN" dirty="0" err="1"/>
+              <a:t>getChildren</a:t>
+            </a:r>
+            <a:r>
+              <a:rPr lang="zh-CN" altLang="en-US" dirty="0"/>
+              <a:t>设置监听；</a:t>
+            </a:r>
+          </a:p>
+          <a:p>
+            <a:r>
+              <a:rPr lang="zh-CN" altLang="en-US" dirty="0"/>
+              <a:t>* </a:t>
+            </a:r>
+            <a:r>
+              <a:rPr lang="en-US" altLang="zh-CN" dirty="0"/>
+              <a:t>Changed event</a:t>
+            </a:r>
+            <a:r>
+              <a:rPr lang="zh-CN" altLang="en-US" dirty="0"/>
+              <a:t>：调用</a:t>
+            </a:r>
+            <a:r>
+              <a:rPr lang="en-US" altLang="zh-CN" dirty="0" err="1"/>
+              <a:t>getData</a:t>
+            </a:r>
+            <a:r>
+              <a:rPr lang="zh-CN" altLang="en-US" dirty="0"/>
+              <a:t>设置监听；</a:t>
+            </a:r>
+          </a:p>
+          <a:p>
+            <a:r>
+              <a:rPr lang="zh-CN" altLang="en-US" dirty="0"/>
+              <a:t>* </a:t>
+            </a:r>
+            <a:r>
+              <a:rPr lang="en-US" altLang="zh-CN" dirty="0"/>
+              <a:t>Child event</a:t>
+            </a:r>
+            <a:r>
+              <a:rPr lang="zh-CN" altLang="en-US" dirty="0"/>
+              <a:t>：调用</a:t>
+            </a:r>
+            <a:r>
+              <a:rPr lang="en-US" altLang="zh-CN" dirty="0" err="1"/>
+              <a:t>getChildren</a:t>
+            </a:r>
+            <a:r>
+              <a:rPr lang="zh-CN" altLang="en-US" dirty="0"/>
+              <a:t>设置监听。</a:t>
+            </a:r>
+          </a:p>
+          <a:p>
+            <a:pPr marL="0" indent="0">
+              <a:buNone/>
+            </a:pPr>
+            <a:endParaRPr lang="zh-CN" altLang="en-US" dirty="0"/>
+          </a:p>
+        </p:txBody>
+      </p:sp>
+    </p:spTree>
+    <p:extLst>
+      <p:ext uri="{BB962C8B-B14F-4D97-AF65-F5344CB8AC3E}">
+        <p14:creationId xmlns:p14="http://schemas.microsoft.com/office/powerpoint/2010/main" val="3133255309"/>
+      </p:ext>
+    </p:extLst>
+  </p:cSld>
+  <p:clrMapOvr>
+    <a:masterClrMapping/>
+  </p:clrMapOvr>
+</p:sld>
+</file>
+
+<file path=ppt/slides/slide52.xml><?xml version="1.0" encoding="utf-8"?>
+<p:sld xmlns:a="http://schemas.openxmlformats.org/drawingml/2006/main" xmlns:r="http://schemas.openxmlformats.org/officeDocument/2006/relationships" xmlns:p="http://schemas.openxmlformats.org/presentationml/2006/main">
+  <p:cSld>
+    <p:spTree>
+      <p:nvGrpSpPr>
+        <p:cNvPr id="1" name=""/>
+        <p:cNvGrpSpPr/>
+        <p:nvPr/>
+      </p:nvGrpSpPr>
+      <p:grpSpPr>
+        <a:xfrm>
+          <a:off x="0" y="0"/>
+          <a:ext cx="0" cy="0"/>
+          <a:chOff x="0" y="0"/>
+          <a:chExt cx="0" cy="0"/>
+        </a:xfrm>
+      </p:grpSpPr>
+      <p:sp>
+        <p:nvSpPr>
+          <p:cNvPr id="2" name="标题 1">
+            <a:extLst>
+              <a:ext uri="{FF2B5EF4-FFF2-40B4-BE49-F238E27FC236}">
+                <a16:creationId xmlns:a16="http://schemas.microsoft.com/office/drawing/2014/main" id="{A1E72A91-0FAD-4ED6-86A5-0FE97D20F409}"/>
+              </a:ext>
+            </a:extLst>
+          </p:cNvPr>
+          <p:cNvSpPr>
+            <a:spLocks noGrp="1"/>
+          </p:cNvSpPr>
+          <p:nvPr>
+            <p:ph type="title"/>
+          </p:nvPr>
+        </p:nvSpPr>
+        <p:spPr/>
+        <p:txBody>
+          <a:bodyPr/>
+          <a:lstStyle/>
+          <a:p>
+            <a:r>
+              <a:rPr lang="en-US" altLang="zh-CN" dirty="0"/>
+              <a:t>ACL </a:t>
+            </a:r>
+            <a:r>
+              <a:rPr lang="zh-CN" altLang="en-US" dirty="0"/>
+              <a:t>权限控制</a:t>
+            </a:r>
+          </a:p>
+        </p:txBody>
+      </p:sp>
+      <p:sp>
+        <p:nvSpPr>
+          <p:cNvPr id="3" name="内容占位符 2">
+            <a:extLst>
+              <a:ext uri="{FF2B5EF4-FFF2-40B4-BE49-F238E27FC236}">
+                <a16:creationId xmlns:a16="http://schemas.microsoft.com/office/drawing/2014/main" id="{8CB006B7-4140-4752-8ADC-6AA62AAB72F0}"/>
+              </a:ext>
+            </a:extLst>
+          </p:cNvPr>
+          <p:cNvSpPr>
+            <a:spLocks noGrp="1"/>
+          </p:cNvSpPr>
+          <p:nvPr>
+            <p:ph idx="1"/>
+          </p:nvPr>
+        </p:nvSpPr>
+        <p:spPr/>
+        <p:txBody>
+          <a:bodyPr/>
+          <a:lstStyle/>
+          <a:p>
+            <a:pPr marL="0" indent="0">
+              <a:buNone/>
+            </a:pPr>
+            <a:r>
+              <a:rPr lang="en-US" altLang="zh-CN" dirty="0"/>
+              <a:t>	</a:t>
+            </a:r>
+            <a:r>
+              <a:rPr lang="en-US" altLang="zh-CN" dirty="0" err="1"/>
+              <a:t>zk</a:t>
+            </a:r>
+            <a:r>
+              <a:rPr lang="zh-CN" altLang="en-US" dirty="0"/>
+              <a:t>做为分布式架构中的重要中间件，通常会在上面以节点的方式存储一些关键信息，默认情况下，所有应用都可以读写任何节点，在复杂的应用中，这不太安全，</a:t>
+            </a:r>
+            <a:r>
+              <a:rPr lang="en-US" altLang="zh-CN" dirty="0"/>
+              <a:t>ZK</a:t>
+            </a:r>
+            <a:r>
+              <a:rPr lang="zh-CN" altLang="en-US" dirty="0"/>
+              <a:t>通过</a:t>
+            </a:r>
+            <a:r>
+              <a:rPr lang="en-US" altLang="zh-CN" dirty="0"/>
+              <a:t>ACL</a:t>
+            </a:r>
+            <a:r>
+              <a:rPr lang="zh-CN" altLang="en-US" dirty="0"/>
+              <a:t>机制来解决访问权限问题</a:t>
+            </a:r>
+            <a:r>
+              <a:rPr lang="en-US" altLang="zh-CN" dirty="0"/>
+              <a:t>.</a:t>
+            </a:r>
+          </a:p>
+          <a:p>
+            <a:pPr marL="0" indent="0">
+              <a:buNone/>
+            </a:pPr>
+            <a:endParaRPr lang="zh-CN" altLang="en-US" dirty="0"/>
+          </a:p>
+        </p:txBody>
+      </p:sp>
+    </p:spTree>
+    <p:extLst>
+      <p:ext uri="{BB962C8B-B14F-4D97-AF65-F5344CB8AC3E}">
+        <p14:creationId xmlns:p14="http://schemas.microsoft.com/office/powerpoint/2010/main" val="410584404"/>
+      </p:ext>
+    </p:extLst>
+  </p:cSld>
+  <p:clrMapOvr>
+    <a:masterClrMapping/>
+  </p:clrMapOvr>
+</p:sld>
+</file>
+
+<file path=ppt/slides/slide53.xml><?xml version="1.0" encoding="utf-8"?>
+<p:sld xmlns:a="http://schemas.openxmlformats.org/drawingml/2006/main" xmlns:r="http://schemas.openxmlformats.org/officeDocument/2006/relationships" xmlns:p="http://schemas.openxmlformats.org/presentationml/2006/main">
+  <p:cSld>
+    <p:spTree>
+      <p:nvGrpSpPr>
+        <p:cNvPr id="1" name=""/>
+        <p:cNvGrpSpPr/>
+        <p:nvPr/>
+      </p:nvGrpSpPr>
+      <p:grpSpPr>
+        <a:xfrm>
+          <a:off x="0" y="0"/>
+          <a:ext cx="0" cy="0"/>
+          <a:chOff x="0" y="0"/>
+          <a:chExt cx="0" cy="0"/>
+        </a:xfrm>
+      </p:grpSpPr>
+      <p:sp>
+        <p:nvSpPr>
+          <p:cNvPr id="2" name="标题 1">
+            <a:extLst>
+              <a:ext uri="{FF2B5EF4-FFF2-40B4-BE49-F238E27FC236}">
+                <a16:creationId xmlns:a16="http://schemas.microsoft.com/office/drawing/2014/main" id="{9A39F4F0-53F7-4071-B699-E5F8C5BEC304}"/>
+              </a:ext>
+            </a:extLst>
+          </p:cNvPr>
+          <p:cNvSpPr>
+            <a:spLocks noGrp="1"/>
+          </p:cNvSpPr>
+          <p:nvPr>
+            <p:ph type="title"/>
+          </p:nvPr>
+        </p:nvSpPr>
+        <p:spPr/>
+        <p:txBody>
+          <a:bodyPr/>
+          <a:lstStyle/>
+          <a:p>
+            <a:r>
+              <a:rPr lang="zh-CN" altLang="en-US" dirty="0"/>
+              <a:t>回顾</a:t>
+            </a:r>
+            <a:r>
+              <a:rPr lang="en-US" altLang="zh-CN" dirty="0"/>
+              <a:t>zookeeper</a:t>
+            </a:r>
+            <a:r>
+              <a:rPr lang="zh-CN" altLang="en-US" dirty="0"/>
+              <a:t>架构</a:t>
+            </a:r>
+          </a:p>
+        </p:txBody>
+      </p:sp>
+      <p:sp>
+        <p:nvSpPr>
+          <p:cNvPr id="3" name="内容占位符 2">
+            <a:extLst>
+              <a:ext uri="{FF2B5EF4-FFF2-40B4-BE49-F238E27FC236}">
+                <a16:creationId xmlns:a16="http://schemas.microsoft.com/office/drawing/2014/main" id="{74C5DBC3-FFD6-49F1-B54D-8F0B5E1D4537}"/>
+              </a:ext>
+            </a:extLst>
+          </p:cNvPr>
+          <p:cNvSpPr>
+            <a:spLocks noGrp="1"/>
+          </p:cNvSpPr>
+          <p:nvPr>
+            <p:ph idx="1"/>
+          </p:nvPr>
+        </p:nvSpPr>
+        <p:spPr/>
+        <p:txBody>
+          <a:bodyPr/>
+          <a:lstStyle/>
+          <a:p>
+            <a:pPr marL="0" indent="0">
+              <a:buNone/>
+            </a:pPr>
+            <a:endParaRPr lang="zh-CN" altLang="en-US"/>
+          </a:p>
+        </p:txBody>
+      </p:sp>
+    </p:spTree>
+    <p:extLst>
+      <p:ext uri="{BB962C8B-B14F-4D97-AF65-F5344CB8AC3E}">
+        <p14:creationId xmlns:p14="http://schemas.microsoft.com/office/powerpoint/2010/main" val="2052124911"/>
       </p:ext>
     </p:extLst>
   </p:cSld>
@@ -6243,7 +11607,7 @@
         <p:spPr/>
         <p:txBody>
           <a:bodyPr>
-            <a:normAutofit lnSpcReduction="10000"/>
+            <a:normAutofit/>
           </a:bodyPr>
           <a:lstStyle/>
           <a:p>

--- a/zookeeper.pptx
+++ b/zookeeper.pptx
@@ -58,6 +58,12 @@
     <p:sldId id="310" r:id="rId52"/>
     <p:sldId id="309" r:id="rId53"/>
     <p:sldId id="303" r:id="rId54"/>
+    <p:sldId id="311" r:id="rId55"/>
+    <p:sldId id="314" r:id="rId56"/>
+    <p:sldId id="316" r:id="rId57"/>
+    <p:sldId id="313" r:id="rId58"/>
+    <p:sldId id="315" r:id="rId59"/>
+    <p:sldId id="312" r:id="rId60"/>
   </p:sldIdLst>
   <p:sldSz cx="12192000" cy="6858000"/>
   <p:notesSz cx="6858000" cy="9144000"/>
@@ -11286,38 +11292,525 @@
           </a:p>
         </p:txBody>
       </p:sp>
-      <p:sp>
-        <p:nvSpPr>
-          <p:cNvPr id="3" name="内容占位符 2">
-            <a:extLst>
-              <a:ext uri="{FF2B5EF4-FFF2-40B4-BE49-F238E27FC236}">
-                <a16:creationId xmlns:a16="http://schemas.microsoft.com/office/drawing/2014/main" id="{74C5DBC3-FFD6-49F1-B54D-8F0B5E1D4537}"/>
-              </a:ext>
-            </a:extLst>
-          </p:cNvPr>
-          <p:cNvSpPr>
-            <a:spLocks noGrp="1"/>
-          </p:cNvSpPr>
+      <p:pic>
+        <p:nvPicPr>
+          <p:cNvPr id="5" name="内容占位符 4">
+            <a:extLst>
+              <a:ext uri="{FF2B5EF4-FFF2-40B4-BE49-F238E27FC236}">
+                <a16:creationId xmlns:a16="http://schemas.microsoft.com/office/drawing/2014/main" id="{C76BF618-4792-4AC6-A513-213BBA1F3CC5}"/>
+              </a:ext>
+            </a:extLst>
+          </p:cNvPr>
+          <p:cNvPicPr>
+            <a:picLocks noGrp="1" noChangeAspect="1"/>
+          </p:cNvPicPr>
           <p:nvPr>
             <p:ph idx="1"/>
           </p:nvPr>
-        </p:nvSpPr>
-        <p:spPr/>
-        <p:txBody>
-          <a:bodyPr/>
-          <a:lstStyle/>
-          <a:p>
-            <a:pPr marL="0" indent="0">
-              <a:buNone/>
-            </a:pPr>
-            <a:endParaRPr lang="zh-CN" altLang="en-US"/>
-          </a:p>
-        </p:txBody>
-      </p:sp>
+        </p:nvPicPr>
+        <p:blipFill>
+          <a:blip r:embed="rId2">
+            <a:extLst>
+              <a:ext uri="{28A0092B-C50C-407E-A947-70E740481C1C}">
+                <a14:useLocalDpi xmlns:a14="http://schemas.microsoft.com/office/drawing/2010/main" val="0"/>
+              </a:ext>
+            </a:extLst>
+          </a:blip>
+          <a:stretch>
+            <a:fillRect/>
+          </a:stretch>
+        </p:blipFill>
+        <p:spPr>
+          <a:xfrm>
+            <a:off x="1567947" y="2455817"/>
+            <a:ext cx="9056105" cy="2792299"/>
+          </a:xfrm>
+        </p:spPr>
+      </p:pic>
     </p:spTree>
     <p:extLst>
       <p:ext uri="{BB962C8B-B14F-4D97-AF65-F5344CB8AC3E}">
         <p14:creationId xmlns:p14="http://schemas.microsoft.com/office/powerpoint/2010/main" val="2052124911"/>
+      </p:ext>
+    </p:extLst>
+  </p:cSld>
+  <p:clrMapOvr>
+    <a:masterClrMapping/>
+  </p:clrMapOvr>
+</p:sld>
+</file>
+
+<file path=ppt/slides/slide54.xml><?xml version="1.0" encoding="utf-8"?>
+<p:sld xmlns:a="http://schemas.openxmlformats.org/drawingml/2006/main" xmlns:r="http://schemas.openxmlformats.org/officeDocument/2006/relationships" xmlns:p="http://schemas.openxmlformats.org/presentationml/2006/main">
+  <p:cSld>
+    <p:spTree>
+      <p:nvGrpSpPr>
+        <p:cNvPr id="1" name=""/>
+        <p:cNvGrpSpPr/>
+        <p:nvPr/>
+      </p:nvGrpSpPr>
+      <p:grpSpPr>
+        <a:xfrm>
+          <a:off x="0" y="0"/>
+          <a:ext cx="0" cy="0"/>
+          <a:chOff x="0" y="0"/>
+          <a:chExt cx="0" cy="0"/>
+        </a:xfrm>
+      </p:grpSpPr>
+      <p:sp>
+        <p:nvSpPr>
+          <p:cNvPr id="2" name="标题 1">
+            <a:extLst>
+              <a:ext uri="{FF2B5EF4-FFF2-40B4-BE49-F238E27FC236}">
+                <a16:creationId xmlns:a16="http://schemas.microsoft.com/office/drawing/2014/main" id="{BF79E5DC-0C36-4F08-A599-2488E485117E}"/>
+              </a:ext>
+            </a:extLst>
+          </p:cNvPr>
+          <p:cNvSpPr>
+            <a:spLocks noGrp="1"/>
+          </p:cNvSpPr>
+          <p:nvPr>
+            <p:ph type="title"/>
+          </p:nvPr>
+        </p:nvSpPr>
+        <p:spPr/>
+        <p:txBody>
+          <a:bodyPr/>
+          <a:lstStyle/>
+          <a:p>
+            <a:endParaRPr lang="zh-CN" altLang="en-US"/>
+          </a:p>
+        </p:txBody>
+      </p:sp>
+      <p:sp>
+        <p:nvSpPr>
+          <p:cNvPr id="3" name="内容占位符 2">
+            <a:extLst>
+              <a:ext uri="{FF2B5EF4-FFF2-40B4-BE49-F238E27FC236}">
+                <a16:creationId xmlns:a16="http://schemas.microsoft.com/office/drawing/2014/main" id="{256908F7-AD47-4D71-B48F-35B22F17C6C7}"/>
+              </a:ext>
+            </a:extLst>
+          </p:cNvPr>
+          <p:cNvSpPr>
+            <a:spLocks noGrp="1"/>
+          </p:cNvSpPr>
+          <p:nvPr>
+            <p:ph idx="1"/>
+          </p:nvPr>
+        </p:nvSpPr>
+        <p:spPr/>
+        <p:txBody>
+          <a:bodyPr/>
+          <a:lstStyle/>
+          <a:p>
+            <a:endParaRPr lang="zh-CN" altLang="en-US"/>
+          </a:p>
+        </p:txBody>
+      </p:sp>
+    </p:spTree>
+    <p:extLst>
+      <p:ext uri="{BB962C8B-B14F-4D97-AF65-F5344CB8AC3E}">
+        <p14:creationId xmlns:p14="http://schemas.microsoft.com/office/powerpoint/2010/main" val="80236396"/>
+      </p:ext>
+    </p:extLst>
+  </p:cSld>
+  <p:clrMapOvr>
+    <a:masterClrMapping/>
+  </p:clrMapOvr>
+</p:sld>
+</file>
+
+<file path=ppt/slides/slide55.xml><?xml version="1.0" encoding="utf-8"?>
+<p:sld xmlns:a="http://schemas.openxmlformats.org/drawingml/2006/main" xmlns:r="http://schemas.openxmlformats.org/officeDocument/2006/relationships" xmlns:p="http://schemas.openxmlformats.org/presentationml/2006/main">
+  <p:cSld>
+    <p:spTree>
+      <p:nvGrpSpPr>
+        <p:cNvPr id="1" name=""/>
+        <p:cNvGrpSpPr/>
+        <p:nvPr/>
+      </p:nvGrpSpPr>
+      <p:grpSpPr>
+        <a:xfrm>
+          <a:off x="0" y="0"/>
+          <a:ext cx="0" cy="0"/>
+          <a:chOff x="0" y="0"/>
+          <a:chExt cx="0" cy="0"/>
+        </a:xfrm>
+      </p:grpSpPr>
+      <p:sp>
+        <p:nvSpPr>
+          <p:cNvPr id="2" name="标题 1">
+            <a:extLst>
+              <a:ext uri="{FF2B5EF4-FFF2-40B4-BE49-F238E27FC236}">
+                <a16:creationId xmlns:a16="http://schemas.microsoft.com/office/drawing/2014/main" id="{90F4C976-DE79-4EE3-8888-2286AB96A91E}"/>
+              </a:ext>
+            </a:extLst>
+          </p:cNvPr>
+          <p:cNvSpPr>
+            <a:spLocks noGrp="1"/>
+          </p:cNvSpPr>
+          <p:nvPr>
+            <p:ph type="title"/>
+          </p:nvPr>
+        </p:nvSpPr>
+        <p:spPr/>
+        <p:txBody>
+          <a:bodyPr/>
+          <a:lstStyle/>
+          <a:p>
+            <a:endParaRPr lang="zh-CN" altLang="en-US"/>
+          </a:p>
+        </p:txBody>
+      </p:sp>
+      <p:sp>
+        <p:nvSpPr>
+          <p:cNvPr id="3" name="内容占位符 2">
+            <a:extLst>
+              <a:ext uri="{FF2B5EF4-FFF2-40B4-BE49-F238E27FC236}">
+                <a16:creationId xmlns:a16="http://schemas.microsoft.com/office/drawing/2014/main" id="{7B2CF120-18D5-4B4B-9958-2DED1406BAF6}"/>
+              </a:ext>
+            </a:extLst>
+          </p:cNvPr>
+          <p:cNvSpPr>
+            <a:spLocks noGrp="1"/>
+          </p:cNvSpPr>
+          <p:nvPr>
+            <p:ph idx="1"/>
+          </p:nvPr>
+        </p:nvSpPr>
+        <p:spPr/>
+        <p:txBody>
+          <a:bodyPr/>
+          <a:lstStyle/>
+          <a:p>
+            <a:endParaRPr lang="zh-CN" altLang="en-US"/>
+          </a:p>
+        </p:txBody>
+      </p:sp>
+    </p:spTree>
+    <p:extLst>
+      <p:ext uri="{BB962C8B-B14F-4D97-AF65-F5344CB8AC3E}">
+        <p14:creationId xmlns:p14="http://schemas.microsoft.com/office/powerpoint/2010/main" val="2706710082"/>
+      </p:ext>
+    </p:extLst>
+  </p:cSld>
+  <p:clrMapOvr>
+    <a:masterClrMapping/>
+  </p:clrMapOvr>
+</p:sld>
+</file>
+
+<file path=ppt/slides/slide56.xml><?xml version="1.0" encoding="utf-8"?>
+<p:sld xmlns:a="http://schemas.openxmlformats.org/drawingml/2006/main" xmlns:r="http://schemas.openxmlformats.org/officeDocument/2006/relationships" xmlns:p="http://schemas.openxmlformats.org/presentationml/2006/main">
+  <p:cSld>
+    <p:spTree>
+      <p:nvGrpSpPr>
+        <p:cNvPr id="1" name=""/>
+        <p:cNvGrpSpPr/>
+        <p:nvPr/>
+      </p:nvGrpSpPr>
+      <p:grpSpPr>
+        <a:xfrm>
+          <a:off x="0" y="0"/>
+          <a:ext cx="0" cy="0"/>
+          <a:chOff x="0" y="0"/>
+          <a:chExt cx="0" cy="0"/>
+        </a:xfrm>
+      </p:grpSpPr>
+      <p:sp>
+        <p:nvSpPr>
+          <p:cNvPr id="2" name="标题 1">
+            <a:extLst>
+              <a:ext uri="{FF2B5EF4-FFF2-40B4-BE49-F238E27FC236}">
+                <a16:creationId xmlns:a16="http://schemas.microsoft.com/office/drawing/2014/main" id="{C9E3F768-0E07-4E3A-912C-D705A669B396}"/>
+              </a:ext>
+            </a:extLst>
+          </p:cNvPr>
+          <p:cNvSpPr>
+            <a:spLocks noGrp="1"/>
+          </p:cNvSpPr>
+          <p:nvPr>
+            <p:ph type="title"/>
+          </p:nvPr>
+        </p:nvSpPr>
+        <p:spPr/>
+        <p:txBody>
+          <a:bodyPr/>
+          <a:lstStyle/>
+          <a:p>
+            <a:endParaRPr lang="zh-CN" altLang="en-US"/>
+          </a:p>
+        </p:txBody>
+      </p:sp>
+      <p:sp>
+        <p:nvSpPr>
+          <p:cNvPr id="3" name="内容占位符 2">
+            <a:extLst>
+              <a:ext uri="{FF2B5EF4-FFF2-40B4-BE49-F238E27FC236}">
+                <a16:creationId xmlns:a16="http://schemas.microsoft.com/office/drawing/2014/main" id="{4C4C882F-79F5-466C-93B8-9777453F82B0}"/>
+              </a:ext>
+            </a:extLst>
+          </p:cNvPr>
+          <p:cNvSpPr>
+            <a:spLocks noGrp="1"/>
+          </p:cNvSpPr>
+          <p:nvPr>
+            <p:ph idx="1"/>
+          </p:nvPr>
+        </p:nvSpPr>
+        <p:spPr/>
+        <p:txBody>
+          <a:bodyPr/>
+          <a:lstStyle/>
+          <a:p>
+            <a:endParaRPr lang="zh-CN" altLang="en-US"/>
+          </a:p>
+        </p:txBody>
+      </p:sp>
+    </p:spTree>
+    <p:extLst>
+      <p:ext uri="{BB962C8B-B14F-4D97-AF65-F5344CB8AC3E}">
+        <p14:creationId xmlns:p14="http://schemas.microsoft.com/office/powerpoint/2010/main" val="308366345"/>
+      </p:ext>
+    </p:extLst>
+  </p:cSld>
+  <p:clrMapOvr>
+    <a:masterClrMapping/>
+  </p:clrMapOvr>
+</p:sld>
+</file>
+
+<file path=ppt/slides/slide57.xml><?xml version="1.0" encoding="utf-8"?>
+<p:sld xmlns:a="http://schemas.openxmlformats.org/drawingml/2006/main" xmlns:r="http://schemas.openxmlformats.org/officeDocument/2006/relationships" xmlns:p="http://schemas.openxmlformats.org/presentationml/2006/main">
+  <p:cSld>
+    <p:spTree>
+      <p:nvGrpSpPr>
+        <p:cNvPr id="1" name=""/>
+        <p:cNvGrpSpPr/>
+        <p:nvPr/>
+      </p:nvGrpSpPr>
+      <p:grpSpPr>
+        <a:xfrm>
+          <a:off x="0" y="0"/>
+          <a:ext cx="0" cy="0"/>
+          <a:chOff x="0" y="0"/>
+          <a:chExt cx="0" cy="0"/>
+        </a:xfrm>
+      </p:grpSpPr>
+      <p:sp>
+        <p:nvSpPr>
+          <p:cNvPr id="2" name="标题 1">
+            <a:extLst>
+              <a:ext uri="{FF2B5EF4-FFF2-40B4-BE49-F238E27FC236}">
+                <a16:creationId xmlns:a16="http://schemas.microsoft.com/office/drawing/2014/main" id="{A0EA27BA-32D8-41C6-8A21-2846DC8C78AB}"/>
+              </a:ext>
+            </a:extLst>
+          </p:cNvPr>
+          <p:cNvSpPr>
+            <a:spLocks noGrp="1"/>
+          </p:cNvSpPr>
+          <p:nvPr>
+            <p:ph type="title"/>
+          </p:nvPr>
+        </p:nvSpPr>
+        <p:spPr/>
+        <p:txBody>
+          <a:bodyPr/>
+          <a:lstStyle/>
+          <a:p>
+            <a:endParaRPr lang="zh-CN" altLang="en-US"/>
+          </a:p>
+        </p:txBody>
+      </p:sp>
+      <p:sp>
+        <p:nvSpPr>
+          <p:cNvPr id="3" name="内容占位符 2">
+            <a:extLst>
+              <a:ext uri="{FF2B5EF4-FFF2-40B4-BE49-F238E27FC236}">
+                <a16:creationId xmlns:a16="http://schemas.microsoft.com/office/drawing/2014/main" id="{A6CE184B-E0CF-4F49-9613-6EC08284C8A1}"/>
+              </a:ext>
+            </a:extLst>
+          </p:cNvPr>
+          <p:cNvSpPr>
+            <a:spLocks noGrp="1"/>
+          </p:cNvSpPr>
+          <p:nvPr>
+            <p:ph idx="1"/>
+          </p:nvPr>
+        </p:nvSpPr>
+        <p:spPr/>
+        <p:txBody>
+          <a:bodyPr/>
+          <a:lstStyle/>
+          <a:p>
+            <a:endParaRPr lang="zh-CN" altLang="en-US"/>
+          </a:p>
+        </p:txBody>
+      </p:sp>
+    </p:spTree>
+    <p:extLst>
+      <p:ext uri="{BB962C8B-B14F-4D97-AF65-F5344CB8AC3E}">
+        <p14:creationId xmlns:p14="http://schemas.microsoft.com/office/powerpoint/2010/main" val="3779911413"/>
+      </p:ext>
+    </p:extLst>
+  </p:cSld>
+  <p:clrMapOvr>
+    <a:masterClrMapping/>
+  </p:clrMapOvr>
+</p:sld>
+</file>
+
+<file path=ppt/slides/slide58.xml><?xml version="1.0" encoding="utf-8"?>
+<p:sld xmlns:a="http://schemas.openxmlformats.org/drawingml/2006/main" xmlns:r="http://schemas.openxmlformats.org/officeDocument/2006/relationships" xmlns:p="http://schemas.openxmlformats.org/presentationml/2006/main">
+  <p:cSld>
+    <p:spTree>
+      <p:nvGrpSpPr>
+        <p:cNvPr id="1" name=""/>
+        <p:cNvGrpSpPr/>
+        <p:nvPr/>
+      </p:nvGrpSpPr>
+      <p:grpSpPr>
+        <a:xfrm>
+          <a:off x="0" y="0"/>
+          <a:ext cx="0" cy="0"/>
+          <a:chOff x="0" y="0"/>
+          <a:chExt cx="0" cy="0"/>
+        </a:xfrm>
+      </p:grpSpPr>
+      <p:sp>
+        <p:nvSpPr>
+          <p:cNvPr id="2" name="标题 1">
+            <a:extLst>
+              <a:ext uri="{FF2B5EF4-FFF2-40B4-BE49-F238E27FC236}">
+                <a16:creationId xmlns:a16="http://schemas.microsoft.com/office/drawing/2014/main" id="{7CEDBE5C-11ED-4F2F-BCD1-351827888879}"/>
+              </a:ext>
+            </a:extLst>
+          </p:cNvPr>
+          <p:cNvSpPr>
+            <a:spLocks noGrp="1"/>
+          </p:cNvSpPr>
+          <p:nvPr>
+            <p:ph type="title"/>
+          </p:nvPr>
+        </p:nvSpPr>
+        <p:spPr/>
+        <p:txBody>
+          <a:bodyPr/>
+          <a:lstStyle/>
+          <a:p>
+            <a:endParaRPr lang="zh-CN" altLang="en-US"/>
+          </a:p>
+        </p:txBody>
+      </p:sp>
+      <p:sp>
+        <p:nvSpPr>
+          <p:cNvPr id="3" name="内容占位符 2">
+            <a:extLst>
+              <a:ext uri="{FF2B5EF4-FFF2-40B4-BE49-F238E27FC236}">
+                <a16:creationId xmlns:a16="http://schemas.microsoft.com/office/drawing/2014/main" id="{CA0970B2-D445-457E-849B-ACA2DF184350}"/>
+              </a:ext>
+            </a:extLst>
+          </p:cNvPr>
+          <p:cNvSpPr>
+            <a:spLocks noGrp="1"/>
+          </p:cNvSpPr>
+          <p:nvPr>
+            <p:ph idx="1"/>
+          </p:nvPr>
+        </p:nvSpPr>
+        <p:spPr/>
+        <p:txBody>
+          <a:bodyPr/>
+          <a:lstStyle/>
+          <a:p>
+            <a:endParaRPr lang="zh-CN" altLang="en-US"/>
+          </a:p>
+        </p:txBody>
+      </p:sp>
+    </p:spTree>
+    <p:extLst>
+      <p:ext uri="{BB962C8B-B14F-4D97-AF65-F5344CB8AC3E}">
+        <p14:creationId xmlns:p14="http://schemas.microsoft.com/office/powerpoint/2010/main" val="46690882"/>
+      </p:ext>
+    </p:extLst>
+  </p:cSld>
+  <p:clrMapOvr>
+    <a:masterClrMapping/>
+  </p:clrMapOvr>
+</p:sld>
+</file>
+
+<file path=ppt/slides/slide59.xml><?xml version="1.0" encoding="utf-8"?>
+<p:sld xmlns:a="http://schemas.openxmlformats.org/drawingml/2006/main" xmlns:r="http://schemas.openxmlformats.org/officeDocument/2006/relationships" xmlns:p="http://schemas.openxmlformats.org/presentationml/2006/main">
+  <p:cSld>
+    <p:spTree>
+      <p:nvGrpSpPr>
+        <p:cNvPr id="1" name=""/>
+        <p:cNvGrpSpPr/>
+        <p:nvPr/>
+      </p:nvGrpSpPr>
+      <p:grpSpPr>
+        <a:xfrm>
+          <a:off x="0" y="0"/>
+          <a:ext cx="0" cy="0"/>
+          <a:chOff x="0" y="0"/>
+          <a:chExt cx="0" cy="0"/>
+        </a:xfrm>
+      </p:grpSpPr>
+      <p:sp>
+        <p:nvSpPr>
+          <p:cNvPr id="2" name="标题 1">
+            <a:extLst>
+              <a:ext uri="{FF2B5EF4-FFF2-40B4-BE49-F238E27FC236}">
+                <a16:creationId xmlns:a16="http://schemas.microsoft.com/office/drawing/2014/main" id="{904CE048-7CD6-45FE-ACF9-0CD475701A33}"/>
+              </a:ext>
+            </a:extLst>
+          </p:cNvPr>
+          <p:cNvSpPr>
+            <a:spLocks noGrp="1"/>
+          </p:cNvSpPr>
+          <p:nvPr>
+            <p:ph type="title"/>
+          </p:nvPr>
+        </p:nvSpPr>
+        <p:spPr/>
+        <p:txBody>
+          <a:bodyPr/>
+          <a:lstStyle/>
+          <a:p>
+            <a:endParaRPr lang="zh-CN" altLang="en-US"/>
+          </a:p>
+        </p:txBody>
+      </p:sp>
+      <p:sp>
+        <p:nvSpPr>
+          <p:cNvPr id="3" name="内容占位符 2">
+            <a:extLst>
+              <a:ext uri="{FF2B5EF4-FFF2-40B4-BE49-F238E27FC236}">
+                <a16:creationId xmlns:a16="http://schemas.microsoft.com/office/drawing/2014/main" id="{D3D12B53-D936-4A10-8649-BD9D9727223C}"/>
+              </a:ext>
+            </a:extLst>
+          </p:cNvPr>
+          <p:cNvSpPr>
+            <a:spLocks noGrp="1"/>
+          </p:cNvSpPr>
+          <p:nvPr>
+            <p:ph idx="1"/>
+          </p:nvPr>
+        </p:nvSpPr>
+        <p:spPr/>
+        <p:txBody>
+          <a:bodyPr/>
+          <a:lstStyle/>
+          <a:p>
+            <a:endParaRPr lang="zh-CN" altLang="en-US"/>
+          </a:p>
+        </p:txBody>
+      </p:sp>
+    </p:spTree>
+    <p:extLst>
+      <p:ext uri="{BB962C8B-B14F-4D97-AF65-F5344CB8AC3E}">
+        <p14:creationId xmlns:p14="http://schemas.microsoft.com/office/powerpoint/2010/main" val="2210931806"/>
       </p:ext>
     </p:extLst>
   </p:cSld>

--- a/zookeeper.pptx
+++ b/zookeeper.pptx
@@ -317,7 +317,7 @@
           <a:p>
             <a:fld id="{02F3B6B3-6989-4F12-A574-BA0BBE6B3A09}" type="datetimeFigureOut">
               <a:rPr lang="zh-CN" altLang="en-US" smtClean="0"/>
-              <a:t>2019/4/16</a:t>
+              <a:t>2019/4/17</a:t>
             </a:fld>
             <a:endParaRPr lang="zh-CN" altLang="en-US"/>
           </a:p>
@@ -515,7 +515,7 @@
           <a:p>
             <a:fld id="{02F3B6B3-6989-4F12-A574-BA0BBE6B3A09}" type="datetimeFigureOut">
               <a:rPr lang="zh-CN" altLang="en-US" smtClean="0"/>
-              <a:t>2019/4/16</a:t>
+              <a:t>2019/4/17</a:t>
             </a:fld>
             <a:endParaRPr lang="zh-CN" altLang="en-US"/>
           </a:p>
@@ -723,7 +723,7 @@
           <a:p>
             <a:fld id="{02F3B6B3-6989-4F12-A574-BA0BBE6B3A09}" type="datetimeFigureOut">
               <a:rPr lang="zh-CN" altLang="en-US" smtClean="0"/>
-              <a:t>2019/4/16</a:t>
+              <a:t>2019/4/17</a:t>
             </a:fld>
             <a:endParaRPr lang="zh-CN" altLang="en-US"/>
           </a:p>
@@ -929,7 +929,7 @@
           <a:p>
             <a:fld id="{02F3B6B3-6989-4F12-A574-BA0BBE6B3A09}" type="datetimeFigureOut">
               <a:rPr lang="zh-CN" altLang="en-US" smtClean="0"/>
-              <a:t>2019/4/16</a:t>
+              <a:t>2019/4/17</a:t>
             </a:fld>
             <a:endParaRPr lang="zh-CN" altLang="en-US"/>
           </a:p>
@@ -1204,7 +1204,7 @@
           <a:p>
             <a:fld id="{02F3B6B3-6989-4F12-A574-BA0BBE6B3A09}" type="datetimeFigureOut">
               <a:rPr lang="zh-CN" altLang="en-US" smtClean="0"/>
-              <a:t>2019/4/16</a:t>
+              <a:t>2019/4/17</a:t>
             </a:fld>
             <a:endParaRPr lang="zh-CN" altLang="en-US"/>
           </a:p>
@@ -1469,7 +1469,7 @@
           <a:p>
             <a:fld id="{02F3B6B3-6989-4F12-A574-BA0BBE6B3A09}" type="datetimeFigureOut">
               <a:rPr lang="zh-CN" altLang="en-US" smtClean="0"/>
-              <a:t>2019/4/16</a:t>
+              <a:t>2019/4/17</a:t>
             </a:fld>
             <a:endParaRPr lang="zh-CN" altLang="en-US"/>
           </a:p>
@@ -1881,7 +1881,7 @@
           <a:p>
             <a:fld id="{02F3B6B3-6989-4F12-A574-BA0BBE6B3A09}" type="datetimeFigureOut">
               <a:rPr lang="zh-CN" altLang="en-US" smtClean="0"/>
-              <a:t>2019/4/16</a:t>
+              <a:t>2019/4/17</a:t>
             </a:fld>
             <a:endParaRPr lang="zh-CN" altLang="en-US"/>
           </a:p>
@@ -2022,7 +2022,7 @@
           <a:p>
             <a:fld id="{02F3B6B3-6989-4F12-A574-BA0BBE6B3A09}" type="datetimeFigureOut">
               <a:rPr lang="zh-CN" altLang="en-US" smtClean="0"/>
-              <a:t>2019/4/16</a:t>
+              <a:t>2019/4/17</a:t>
             </a:fld>
             <a:endParaRPr lang="zh-CN" altLang="en-US"/>
           </a:p>
@@ -2135,7 +2135,7 @@
           <a:p>
             <a:fld id="{02F3B6B3-6989-4F12-A574-BA0BBE6B3A09}" type="datetimeFigureOut">
               <a:rPr lang="zh-CN" altLang="en-US" smtClean="0"/>
-              <a:t>2019/4/16</a:t>
+              <a:t>2019/4/17</a:t>
             </a:fld>
             <a:endParaRPr lang="zh-CN" altLang="en-US"/>
           </a:p>
@@ -2446,7 +2446,7 @@
           <a:p>
             <a:fld id="{02F3B6B3-6989-4F12-A574-BA0BBE6B3A09}" type="datetimeFigureOut">
               <a:rPr lang="zh-CN" altLang="en-US" smtClean="0"/>
-              <a:t>2019/4/16</a:t>
+              <a:t>2019/4/17</a:t>
             </a:fld>
             <a:endParaRPr lang="zh-CN" altLang="en-US"/>
           </a:p>
@@ -2734,7 +2734,7 @@
           <a:p>
             <a:fld id="{02F3B6B3-6989-4F12-A574-BA0BBE6B3A09}" type="datetimeFigureOut">
               <a:rPr lang="zh-CN" altLang="en-US" smtClean="0"/>
-              <a:t>2019/4/16</a:t>
+              <a:t>2019/4/17</a:t>
             </a:fld>
             <a:endParaRPr lang="zh-CN" altLang="en-US"/>
           </a:p>
@@ -2975,7 +2975,7 @@
           <a:p>
             <a:fld id="{02F3B6B3-6989-4F12-A574-BA0BBE6B3A09}" type="datetimeFigureOut">
               <a:rPr lang="zh-CN" altLang="en-US" smtClean="0"/>
-              <a:t>2019/4/16</a:t>
+              <a:t>2019/4/17</a:t>
             </a:fld>
             <a:endParaRPr lang="zh-CN" altLang="en-US"/>
           </a:p>
@@ -11378,7 +11378,14 @@
           <a:bodyPr/>
           <a:lstStyle/>
           <a:p>
-            <a:endParaRPr lang="zh-CN" altLang="en-US"/>
+            <a:r>
+              <a:rPr lang="en-US" altLang="zh-CN" dirty="0"/>
+              <a:t>ZAB</a:t>
+            </a:r>
+            <a:r>
+              <a:rPr lang="zh-CN" altLang="en-US" dirty="0"/>
+              <a:t>协议</a:t>
+            </a:r>
           </a:p>
         </p:txBody>
       </p:sp>
@@ -11403,7 +11410,41 @@
           <a:bodyPr/>
           <a:lstStyle/>
           <a:p>
-            <a:endParaRPr lang="zh-CN" altLang="en-US"/>
+            <a:pPr marL="0" indent="0">
+              <a:buNone/>
+            </a:pPr>
+            <a:r>
+              <a:rPr lang="en-US" altLang="zh-CN" dirty="0"/>
+              <a:t>	ZAB</a:t>
+            </a:r>
+            <a:r>
+              <a:rPr lang="zh-CN" altLang="en-US" dirty="0"/>
+              <a:t>协议（</a:t>
+            </a:r>
+            <a:r>
+              <a:rPr lang="en-US" altLang="zh-CN" dirty="0"/>
+              <a:t>Zookeeper Atomic Broadcast Protocol</a:t>
+            </a:r>
+            <a:r>
+              <a:rPr lang="zh-CN" altLang="en-US" dirty="0"/>
+              <a:t>）是</a:t>
+            </a:r>
+            <a:r>
+              <a:rPr lang="en-US" altLang="zh-CN" dirty="0"/>
+              <a:t>Zookeeper</a:t>
+            </a:r>
+            <a:r>
+              <a:rPr lang="zh-CN" altLang="en-US" dirty="0"/>
+              <a:t>系统专门设计的一种支持崩溃恢复的原子广播协议。</a:t>
+            </a:r>
+            <a:r>
+              <a:rPr lang="en-US" altLang="zh-CN" dirty="0"/>
+              <a:t>Zookeeper</a:t>
+            </a:r>
+            <a:r>
+              <a:rPr lang="zh-CN" altLang="en-US" dirty="0"/>
+              <a:t>使用该协议来实现分布数据一致性并实现了一种主备模式的系统架构来保持各集群中各个副本之间的数据一致性。</a:t>
+            </a:r>
           </a:p>
         </p:txBody>
       </p:sp>

--- a/zookeeper.pptx
+++ b/zookeeper.pptx
@@ -317,7 +317,7 @@
           <a:p>
             <a:fld id="{02F3B6B3-6989-4F12-A574-BA0BBE6B3A09}" type="datetimeFigureOut">
               <a:rPr lang="zh-CN" altLang="en-US" smtClean="0"/>
-              <a:t>2019/4/17</a:t>
+              <a:t>2019/4/18</a:t>
             </a:fld>
             <a:endParaRPr lang="zh-CN" altLang="en-US"/>
           </a:p>
@@ -515,7 +515,7 @@
           <a:p>
             <a:fld id="{02F3B6B3-6989-4F12-A574-BA0BBE6B3A09}" type="datetimeFigureOut">
               <a:rPr lang="zh-CN" altLang="en-US" smtClean="0"/>
-              <a:t>2019/4/17</a:t>
+              <a:t>2019/4/18</a:t>
             </a:fld>
             <a:endParaRPr lang="zh-CN" altLang="en-US"/>
           </a:p>
@@ -723,7 +723,7 @@
           <a:p>
             <a:fld id="{02F3B6B3-6989-4F12-A574-BA0BBE6B3A09}" type="datetimeFigureOut">
               <a:rPr lang="zh-CN" altLang="en-US" smtClean="0"/>
-              <a:t>2019/4/17</a:t>
+              <a:t>2019/4/18</a:t>
             </a:fld>
             <a:endParaRPr lang="zh-CN" altLang="en-US"/>
           </a:p>
@@ -929,7 +929,7 @@
           <a:p>
             <a:fld id="{02F3B6B3-6989-4F12-A574-BA0BBE6B3A09}" type="datetimeFigureOut">
               <a:rPr lang="zh-CN" altLang="en-US" smtClean="0"/>
-              <a:t>2019/4/17</a:t>
+              <a:t>2019/4/18</a:t>
             </a:fld>
             <a:endParaRPr lang="zh-CN" altLang="en-US"/>
           </a:p>
@@ -1204,7 +1204,7 @@
           <a:p>
             <a:fld id="{02F3B6B3-6989-4F12-A574-BA0BBE6B3A09}" type="datetimeFigureOut">
               <a:rPr lang="zh-CN" altLang="en-US" smtClean="0"/>
-              <a:t>2019/4/17</a:t>
+              <a:t>2019/4/18</a:t>
             </a:fld>
             <a:endParaRPr lang="zh-CN" altLang="en-US"/>
           </a:p>
@@ -1469,7 +1469,7 @@
           <a:p>
             <a:fld id="{02F3B6B3-6989-4F12-A574-BA0BBE6B3A09}" type="datetimeFigureOut">
               <a:rPr lang="zh-CN" altLang="en-US" smtClean="0"/>
-              <a:t>2019/4/17</a:t>
+              <a:t>2019/4/18</a:t>
             </a:fld>
             <a:endParaRPr lang="zh-CN" altLang="en-US"/>
           </a:p>
@@ -1881,7 +1881,7 @@
           <a:p>
             <a:fld id="{02F3B6B3-6989-4F12-A574-BA0BBE6B3A09}" type="datetimeFigureOut">
               <a:rPr lang="zh-CN" altLang="en-US" smtClean="0"/>
-              <a:t>2019/4/17</a:t>
+              <a:t>2019/4/18</a:t>
             </a:fld>
             <a:endParaRPr lang="zh-CN" altLang="en-US"/>
           </a:p>
@@ -2022,7 +2022,7 @@
           <a:p>
             <a:fld id="{02F3B6B3-6989-4F12-A574-BA0BBE6B3A09}" type="datetimeFigureOut">
               <a:rPr lang="zh-CN" altLang="en-US" smtClean="0"/>
-              <a:t>2019/4/17</a:t>
+              <a:t>2019/4/18</a:t>
             </a:fld>
             <a:endParaRPr lang="zh-CN" altLang="en-US"/>
           </a:p>
@@ -2135,7 +2135,7 @@
           <a:p>
             <a:fld id="{02F3B6B3-6989-4F12-A574-BA0BBE6B3A09}" type="datetimeFigureOut">
               <a:rPr lang="zh-CN" altLang="en-US" smtClean="0"/>
-              <a:t>2019/4/17</a:t>
+              <a:t>2019/4/18</a:t>
             </a:fld>
             <a:endParaRPr lang="zh-CN" altLang="en-US"/>
           </a:p>
@@ -2446,7 +2446,7 @@
           <a:p>
             <a:fld id="{02F3B6B3-6989-4F12-A574-BA0BBE6B3A09}" type="datetimeFigureOut">
               <a:rPr lang="zh-CN" altLang="en-US" smtClean="0"/>
-              <a:t>2019/4/17</a:t>
+              <a:t>2019/4/18</a:t>
             </a:fld>
             <a:endParaRPr lang="zh-CN" altLang="en-US"/>
           </a:p>
@@ -2734,7 +2734,7 @@
           <a:p>
             <a:fld id="{02F3B6B3-6989-4F12-A574-BA0BBE6B3A09}" type="datetimeFigureOut">
               <a:rPr lang="zh-CN" altLang="en-US" smtClean="0"/>
-              <a:t>2019/4/17</a:t>
+              <a:t>2019/4/18</a:t>
             </a:fld>
             <a:endParaRPr lang="zh-CN" altLang="en-US"/>
           </a:p>
@@ -2975,7 +2975,7 @@
           <a:p>
             <a:fld id="{02F3B6B3-6989-4F12-A574-BA0BBE6B3A09}" type="datetimeFigureOut">
               <a:rPr lang="zh-CN" altLang="en-US" smtClean="0"/>
-              <a:t>2019/4/17</a:t>
+              <a:t>2019/4/18</a:t>
             </a:fld>
             <a:endParaRPr lang="zh-CN" altLang="en-US"/>
           </a:p>

--- a/zookeeper.pptx
+++ b/zookeeper.pptx
@@ -64,6 +64,54 @@
     <p:sldId id="313" r:id="rId58"/>
     <p:sldId id="315" r:id="rId59"/>
     <p:sldId id="312" r:id="rId60"/>
+    <p:sldId id="318" r:id="rId61"/>
+    <p:sldId id="319" r:id="rId62"/>
+    <p:sldId id="323" r:id="rId63"/>
+    <p:sldId id="322" r:id="rId64"/>
+    <p:sldId id="324" r:id="rId65"/>
+    <p:sldId id="321" r:id="rId66"/>
+    <p:sldId id="320" r:id="rId67"/>
+    <p:sldId id="326" r:id="rId68"/>
+    <p:sldId id="325" r:id="rId69"/>
+    <p:sldId id="317" r:id="rId70"/>
+    <p:sldId id="329" r:id="rId71"/>
+    <p:sldId id="330" r:id="rId72"/>
+    <p:sldId id="334" r:id="rId73"/>
+    <p:sldId id="333" r:id="rId74"/>
+    <p:sldId id="337" r:id="rId75"/>
+    <p:sldId id="336" r:id="rId76"/>
+    <p:sldId id="335" r:id="rId77"/>
+    <p:sldId id="332" r:id="rId78"/>
+    <p:sldId id="331" r:id="rId79"/>
+    <p:sldId id="328" r:id="rId80"/>
+    <p:sldId id="327" r:id="rId81"/>
+    <p:sldId id="340" r:id="rId82"/>
+    <p:sldId id="339" r:id="rId83"/>
+    <p:sldId id="338" r:id="rId84"/>
+    <p:sldId id="345" r:id="rId85"/>
+    <p:sldId id="344" r:id="rId86"/>
+    <p:sldId id="343" r:id="rId87"/>
+    <p:sldId id="347" r:id="rId88"/>
+    <p:sldId id="346" r:id="rId89"/>
+    <p:sldId id="350" r:id="rId90"/>
+    <p:sldId id="349" r:id="rId91"/>
+    <p:sldId id="348" r:id="rId92"/>
+    <p:sldId id="351" r:id="rId93"/>
+    <p:sldId id="342" r:id="rId94"/>
+    <p:sldId id="353" r:id="rId95"/>
+    <p:sldId id="352" r:id="rId96"/>
+    <p:sldId id="341" r:id="rId97"/>
+    <p:sldId id="355" r:id="rId98"/>
+    <p:sldId id="354" r:id="rId99"/>
+    <p:sldId id="356" r:id="rId100"/>
+    <p:sldId id="357" r:id="rId101"/>
+    <p:sldId id="358" r:id="rId102"/>
+    <p:sldId id="360" r:id="rId103"/>
+    <p:sldId id="362" r:id="rId104"/>
+    <p:sldId id="361" r:id="rId105"/>
+    <p:sldId id="363" r:id="rId106"/>
+    <p:sldId id="365" r:id="rId107"/>
+    <p:sldId id="364" r:id="rId108"/>
   </p:sldIdLst>
   <p:sldSz cx="12192000" cy="6858000"/>
   <p:notesSz cx="6858000" cy="9144000"/>
@@ -3577,6 +3625,1216 @@
 </p:sld>
 </file>
 
+<file path=ppt/slides/slide100.xml><?xml version="1.0" encoding="utf-8"?>
+<p:sld xmlns:a="http://schemas.openxmlformats.org/drawingml/2006/main" xmlns:r="http://schemas.openxmlformats.org/officeDocument/2006/relationships" xmlns:p="http://schemas.openxmlformats.org/presentationml/2006/main">
+  <p:cSld>
+    <p:spTree>
+      <p:nvGrpSpPr>
+        <p:cNvPr id="1" name=""/>
+        <p:cNvGrpSpPr/>
+        <p:nvPr/>
+      </p:nvGrpSpPr>
+      <p:grpSpPr>
+        <a:xfrm>
+          <a:off x="0" y="0"/>
+          <a:ext cx="0" cy="0"/>
+          <a:chOff x="0" y="0"/>
+          <a:chExt cx="0" cy="0"/>
+        </a:xfrm>
+      </p:grpSpPr>
+      <p:sp>
+        <p:nvSpPr>
+          <p:cNvPr id="2" name="标题 1">
+            <a:extLst>
+              <a:ext uri="{FF2B5EF4-FFF2-40B4-BE49-F238E27FC236}">
+                <a16:creationId xmlns:a16="http://schemas.microsoft.com/office/drawing/2014/main" id="{62E5C563-05FF-4428-AE5B-C13C543BC9FC}"/>
+              </a:ext>
+            </a:extLst>
+          </p:cNvPr>
+          <p:cNvSpPr>
+            <a:spLocks noGrp="1"/>
+          </p:cNvSpPr>
+          <p:nvPr>
+            <p:ph type="title"/>
+          </p:nvPr>
+        </p:nvSpPr>
+        <p:spPr/>
+        <p:txBody>
+          <a:bodyPr/>
+          <a:lstStyle/>
+          <a:p>
+            <a:r>
+              <a:rPr lang="en-US" altLang="zh-CN" dirty="0" err="1"/>
+              <a:t>Paxos</a:t>
+            </a:r>
+            <a:endParaRPr lang="zh-CN" altLang="en-US" dirty="0"/>
+          </a:p>
+        </p:txBody>
+      </p:sp>
+      <p:pic>
+        <p:nvPicPr>
+          <p:cNvPr id="5" name="内容占位符 4">
+            <a:extLst>
+              <a:ext uri="{FF2B5EF4-FFF2-40B4-BE49-F238E27FC236}">
+                <a16:creationId xmlns:a16="http://schemas.microsoft.com/office/drawing/2014/main" id="{995A8783-967E-453D-A299-A52CFF560B6B}"/>
+              </a:ext>
+            </a:extLst>
+          </p:cNvPr>
+          <p:cNvPicPr>
+            <a:picLocks noGrp="1" noChangeAspect="1"/>
+          </p:cNvPicPr>
+          <p:nvPr>
+            <p:ph idx="1"/>
+          </p:nvPr>
+        </p:nvPicPr>
+        <p:blipFill>
+          <a:blip r:embed="rId2">
+            <a:extLst>
+              <a:ext uri="{28A0092B-C50C-407E-A947-70E740481C1C}">
+                <a14:useLocalDpi xmlns:a14="http://schemas.microsoft.com/office/drawing/2010/main" val="0"/>
+              </a:ext>
+            </a:extLst>
+          </a:blip>
+          <a:stretch>
+            <a:fillRect/>
+          </a:stretch>
+        </p:blipFill>
+        <p:spPr>
+          <a:xfrm>
+            <a:off x="4143375" y="2777331"/>
+            <a:ext cx="3905250" cy="2447925"/>
+          </a:xfrm>
+        </p:spPr>
+      </p:pic>
+    </p:spTree>
+    <p:extLst>
+      <p:ext uri="{BB962C8B-B14F-4D97-AF65-F5344CB8AC3E}">
+        <p14:creationId xmlns:p14="http://schemas.microsoft.com/office/powerpoint/2010/main" val="2713074242"/>
+      </p:ext>
+    </p:extLst>
+  </p:cSld>
+  <p:clrMapOvr>
+    <a:masterClrMapping/>
+  </p:clrMapOvr>
+</p:sld>
+</file>
+
+<file path=ppt/slides/slide101.xml><?xml version="1.0" encoding="utf-8"?>
+<p:sld xmlns:a="http://schemas.openxmlformats.org/drawingml/2006/main" xmlns:r="http://schemas.openxmlformats.org/officeDocument/2006/relationships" xmlns:p="http://schemas.openxmlformats.org/presentationml/2006/main">
+  <p:cSld>
+    <p:spTree>
+      <p:nvGrpSpPr>
+        <p:cNvPr id="1" name=""/>
+        <p:cNvGrpSpPr/>
+        <p:nvPr/>
+      </p:nvGrpSpPr>
+      <p:grpSpPr>
+        <a:xfrm>
+          <a:off x="0" y="0"/>
+          <a:ext cx="0" cy="0"/>
+          <a:chOff x="0" y="0"/>
+          <a:chExt cx="0" cy="0"/>
+        </a:xfrm>
+      </p:grpSpPr>
+      <p:sp>
+        <p:nvSpPr>
+          <p:cNvPr id="2" name="标题 1">
+            <a:extLst>
+              <a:ext uri="{FF2B5EF4-FFF2-40B4-BE49-F238E27FC236}">
+                <a16:creationId xmlns:a16="http://schemas.microsoft.com/office/drawing/2014/main" id="{1184245D-8494-4709-9DB4-47B387F00DE4}"/>
+              </a:ext>
+            </a:extLst>
+          </p:cNvPr>
+          <p:cNvSpPr>
+            <a:spLocks noGrp="1"/>
+          </p:cNvSpPr>
+          <p:nvPr>
+            <p:ph type="title"/>
+          </p:nvPr>
+        </p:nvSpPr>
+        <p:spPr/>
+        <p:txBody>
+          <a:bodyPr/>
+          <a:lstStyle/>
+          <a:p>
+            <a:r>
+              <a:rPr lang="en-US" altLang="zh-CN" dirty="0"/>
+              <a:t>ZAB</a:t>
+            </a:r>
+            <a:r>
+              <a:rPr lang="zh-CN" altLang="en-US" dirty="0"/>
+              <a:t>原子广播（数据一致原理）</a:t>
+            </a:r>
+          </a:p>
+        </p:txBody>
+      </p:sp>
+      <p:sp>
+        <p:nvSpPr>
+          <p:cNvPr id="3" name="内容占位符 2">
+            <a:extLst>
+              <a:ext uri="{FF2B5EF4-FFF2-40B4-BE49-F238E27FC236}">
+                <a16:creationId xmlns:a16="http://schemas.microsoft.com/office/drawing/2014/main" id="{27726219-C478-456D-85F0-CD8E9FE1B4F9}"/>
+              </a:ext>
+            </a:extLst>
+          </p:cNvPr>
+          <p:cNvSpPr>
+            <a:spLocks noGrp="1"/>
+          </p:cNvSpPr>
+          <p:nvPr>
+            <p:ph idx="1"/>
+          </p:nvPr>
+        </p:nvSpPr>
+        <p:spPr/>
+        <p:txBody>
+          <a:bodyPr/>
+          <a:lstStyle/>
+          <a:p>
+            <a:pPr marL="0" indent="0">
+              <a:buNone/>
+            </a:pPr>
+            <a:r>
+              <a:rPr lang="en-US" altLang="zh-CN" dirty="0"/>
+              <a:t>	</a:t>
+            </a:r>
+            <a:r>
+              <a:rPr lang="en-US" altLang="zh-CN" dirty="0" err="1"/>
+              <a:t>paxos</a:t>
+            </a:r>
+            <a:r>
+              <a:rPr lang="zh-CN" altLang="en-US" dirty="0"/>
+              <a:t>理论到实际是个艰难的过程。比如怎样在分布式环境下维持一个全局唯一递增的序列，如果是靠数据库的自增主键，那么整个系统的稳定和性能的瓶颈全都集中于这个单点。</a:t>
+            </a:r>
+            <a:r>
+              <a:rPr lang="en-US" altLang="zh-CN" dirty="0" err="1"/>
+              <a:t>paxos</a:t>
+            </a:r>
+            <a:r>
+              <a:rPr lang="zh-CN" altLang="en-US" dirty="0"/>
+              <a:t>算法也没有限制</a:t>
+            </a:r>
+            <a:r>
+              <a:rPr lang="en-US" altLang="zh-CN" dirty="0"/>
+              <a:t>Proposer</a:t>
+            </a:r>
+            <a:r>
+              <a:rPr lang="zh-CN" altLang="en-US" dirty="0"/>
+              <a:t>的个数，</a:t>
+            </a:r>
+            <a:r>
+              <a:rPr lang="en-US" altLang="zh-CN" dirty="0"/>
+              <a:t>Proposer</a:t>
+            </a:r>
+            <a:r>
+              <a:rPr lang="zh-CN" altLang="en-US" dirty="0"/>
+              <a:t>个数越多，那么达成一致所造成的碰撞将越多，甚至产生活锁，如果限制</a:t>
+            </a:r>
+            <a:r>
+              <a:rPr lang="en-US" altLang="zh-CN" dirty="0"/>
+              <a:t>Proposer</a:t>
+            </a:r>
+            <a:r>
+              <a:rPr lang="zh-CN" altLang="en-US" dirty="0"/>
+              <a:t>的个数为一个，那么就要考虑唯一的</a:t>
+            </a:r>
+            <a:r>
+              <a:rPr lang="en-US" altLang="zh-CN" dirty="0"/>
+              <a:t>Proposer</a:t>
+            </a:r>
+            <a:r>
+              <a:rPr lang="zh-CN" altLang="en-US" dirty="0"/>
+              <a:t>崩溃要怎么处理。</a:t>
+            </a:r>
+          </a:p>
+          <a:p>
+            <a:pPr marL="0" indent="0">
+              <a:buNone/>
+            </a:pPr>
+            <a:endParaRPr lang="zh-CN" altLang="en-US" dirty="0"/>
+          </a:p>
+        </p:txBody>
+      </p:sp>
+    </p:spTree>
+    <p:extLst>
+      <p:ext uri="{BB962C8B-B14F-4D97-AF65-F5344CB8AC3E}">
+        <p14:creationId xmlns:p14="http://schemas.microsoft.com/office/powerpoint/2010/main" val="1727803331"/>
+      </p:ext>
+    </p:extLst>
+  </p:cSld>
+  <p:clrMapOvr>
+    <a:masterClrMapping/>
+  </p:clrMapOvr>
+</p:sld>
+</file>
+
+<file path=ppt/slides/slide102.xml><?xml version="1.0" encoding="utf-8"?>
+<p:sld xmlns:a="http://schemas.openxmlformats.org/drawingml/2006/main" xmlns:r="http://schemas.openxmlformats.org/officeDocument/2006/relationships" xmlns:p="http://schemas.openxmlformats.org/presentationml/2006/main">
+  <p:cSld>
+    <p:spTree>
+      <p:nvGrpSpPr>
+        <p:cNvPr id="1" name=""/>
+        <p:cNvGrpSpPr/>
+        <p:nvPr/>
+      </p:nvGrpSpPr>
+      <p:grpSpPr>
+        <a:xfrm>
+          <a:off x="0" y="0"/>
+          <a:ext cx="0" cy="0"/>
+          <a:chOff x="0" y="0"/>
+          <a:chExt cx="0" cy="0"/>
+        </a:xfrm>
+      </p:grpSpPr>
+      <p:sp>
+        <p:nvSpPr>
+          <p:cNvPr id="2" name="标题 1">
+            <a:extLst>
+              <a:ext uri="{FF2B5EF4-FFF2-40B4-BE49-F238E27FC236}">
+                <a16:creationId xmlns:a16="http://schemas.microsoft.com/office/drawing/2014/main" id="{503F91EB-921B-420C-BFF8-1406B1E80C0C}"/>
+              </a:ext>
+            </a:extLst>
+          </p:cNvPr>
+          <p:cNvSpPr>
+            <a:spLocks noGrp="1"/>
+          </p:cNvSpPr>
+          <p:nvPr>
+            <p:ph type="title"/>
+          </p:nvPr>
+        </p:nvSpPr>
+        <p:spPr/>
+        <p:txBody>
+          <a:bodyPr/>
+          <a:lstStyle/>
+          <a:p>
+            <a:r>
+              <a:rPr lang="en-US" altLang="zh-CN" dirty="0"/>
+              <a:t>ZAB</a:t>
+            </a:r>
+            <a:r>
+              <a:rPr lang="zh-CN" altLang="en-US" dirty="0"/>
+              <a:t>原子广播</a:t>
+            </a:r>
+            <a:r>
+              <a:rPr lang="en-US" altLang="zh-CN" dirty="0"/>
+              <a:t>-</a:t>
+            </a:r>
+            <a:r>
+              <a:rPr lang="zh-CN" altLang="en-US" dirty="0"/>
+              <a:t>工作步骤</a:t>
+            </a:r>
+          </a:p>
+        </p:txBody>
+      </p:sp>
+      <p:pic>
+        <p:nvPicPr>
+          <p:cNvPr id="5" name="内容占位符 4">
+            <a:extLst>
+              <a:ext uri="{FF2B5EF4-FFF2-40B4-BE49-F238E27FC236}">
+                <a16:creationId xmlns:a16="http://schemas.microsoft.com/office/drawing/2014/main" id="{D911C320-5C74-4269-9E8D-0DCF8B8A4481}"/>
+              </a:ext>
+            </a:extLst>
+          </p:cNvPr>
+          <p:cNvPicPr>
+            <a:picLocks noGrp="1" noChangeAspect="1"/>
+          </p:cNvPicPr>
+          <p:nvPr>
+            <p:ph idx="1"/>
+          </p:nvPr>
+        </p:nvPicPr>
+        <p:blipFill>
+          <a:blip r:embed="rId2">
+            <a:extLst>
+              <a:ext uri="{28A0092B-C50C-407E-A947-70E740481C1C}">
+                <a14:useLocalDpi xmlns:a14="http://schemas.microsoft.com/office/drawing/2010/main" val="0"/>
+              </a:ext>
+            </a:extLst>
+          </a:blip>
+          <a:stretch>
+            <a:fillRect/>
+          </a:stretch>
+        </p:blipFill>
+        <p:spPr>
+          <a:xfrm>
+            <a:off x="3152364" y="2200817"/>
+            <a:ext cx="5887272" cy="3600953"/>
+          </a:xfrm>
+        </p:spPr>
+      </p:pic>
+    </p:spTree>
+    <p:extLst>
+      <p:ext uri="{BB962C8B-B14F-4D97-AF65-F5344CB8AC3E}">
+        <p14:creationId xmlns:p14="http://schemas.microsoft.com/office/powerpoint/2010/main" val="4044034522"/>
+      </p:ext>
+    </p:extLst>
+  </p:cSld>
+  <p:clrMapOvr>
+    <a:masterClrMapping/>
+  </p:clrMapOvr>
+</p:sld>
+</file>
+
+<file path=ppt/slides/slide103.xml><?xml version="1.0" encoding="utf-8"?>
+<p:sld xmlns:a="http://schemas.openxmlformats.org/drawingml/2006/main" xmlns:r="http://schemas.openxmlformats.org/officeDocument/2006/relationships" xmlns:p="http://schemas.openxmlformats.org/presentationml/2006/main">
+  <p:cSld>
+    <p:spTree>
+      <p:nvGrpSpPr>
+        <p:cNvPr id="1" name=""/>
+        <p:cNvGrpSpPr/>
+        <p:nvPr/>
+      </p:nvGrpSpPr>
+      <p:grpSpPr>
+        <a:xfrm>
+          <a:off x="0" y="0"/>
+          <a:ext cx="0" cy="0"/>
+          <a:chOff x="0" y="0"/>
+          <a:chExt cx="0" cy="0"/>
+        </a:xfrm>
+      </p:grpSpPr>
+      <p:sp>
+        <p:nvSpPr>
+          <p:cNvPr id="2" name="标题 1">
+            <a:extLst>
+              <a:ext uri="{FF2B5EF4-FFF2-40B4-BE49-F238E27FC236}">
+                <a16:creationId xmlns:a16="http://schemas.microsoft.com/office/drawing/2014/main" id="{51712F79-7C9B-4194-9DFF-44E2D6D84C4E}"/>
+              </a:ext>
+            </a:extLst>
+          </p:cNvPr>
+          <p:cNvSpPr>
+            <a:spLocks noGrp="1"/>
+          </p:cNvSpPr>
+          <p:nvPr>
+            <p:ph type="title"/>
+          </p:nvPr>
+        </p:nvSpPr>
+        <p:spPr/>
+        <p:txBody>
+          <a:bodyPr/>
+          <a:lstStyle/>
+          <a:p>
+            <a:r>
+              <a:rPr lang="en-US" altLang="zh-CN" dirty="0"/>
+              <a:t>ZAB</a:t>
+            </a:r>
+            <a:r>
+              <a:rPr lang="zh-CN" altLang="en-US" dirty="0"/>
+              <a:t>原子广播</a:t>
+            </a:r>
+            <a:r>
+              <a:rPr lang="en-US" altLang="zh-CN" dirty="0"/>
+              <a:t>-</a:t>
+            </a:r>
+            <a:r>
+              <a:rPr lang="zh-CN" altLang="en-US" dirty="0"/>
+              <a:t>工作步骤</a:t>
+            </a:r>
+          </a:p>
+        </p:txBody>
+      </p:sp>
+      <p:sp>
+        <p:nvSpPr>
+          <p:cNvPr id="3" name="内容占位符 2">
+            <a:extLst>
+              <a:ext uri="{FF2B5EF4-FFF2-40B4-BE49-F238E27FC236}">
+                <a16:creationId xmlns:a16="http://schemas.microsoft.com/office/drawing/2014/main" id="{2091C3D1-1559-4010-BE4D-A86A99920331}"/>
+              </a:ext>
+            </a:extLst>
+          </p:cNvPr>
+          <p:cNvSpPr>
+            <a:spLocks noGrp="1"/>
+          </p:cNvSpPr>
+          <p:nvPr>
+            <p:ph idx="1"/>
+          </p:nvPr>
+        </p:nvSpPr>
+        <p:spPr/>
+        <p:txBody>
+          <a:bodyPr/>
+          <a:lstStyle/>
+          <a:p>
+            <a:r>
+              <a:rPr lang="en-US" altLang="zh-CN" dirty="0"/>
+              <a:t>1. leader</a:t>
+            </a:r>
+            <a:r>
+              <a:rPr lang="zh-CN" altLang="en-US" dirty="0"/>
+              <a:t>从客户端收到一个写请求</a:t>
+            </a:r>
+          </a:p>
+          <a:p>
+            <a:r>
+              <a:rPr lang="en-US" altLang="zh-CN" dirty="0"/>
+              <a:t>2.</a:t>
+            </a:r>
+            <a:r>
+              <a:rPr lang="zh-CN" altLang="en-US" dirty="0"/>
+              <a:t> </a:t>
+            </a:r>
+            <a:r>
+              <a:rPr lang="en-US" altLang="zh-CN" dirty="0"/>
+              <a:t>leader</a:t>
+            </a:r>
+            <a:r>
+              <a:rPr lang="zh-CN" altLang="en-US" dirty="0"/>
+              <a:t>生成一个新的事务并为这个事务生成一个唯一的</a:t>
+            </a:r>
+            <a:r>
+              <a:rPr lang="en-US" altLang="zh-CN" dirty="0"/>
+              <a:t>ZXID</a:t>
+            </a:r>
+            <a:r>
+              <a:rPr lang="zh-CN" altLang="en-US" dirty="0"/>
+              <a:t>，</a:t>
+            </a:r>
+          </a:p>
+          <a:p>
+            <a:r>
+              <a:rPr lang="en-US" altLang="zh-CN" dirty="0"/>
+              <a:t>3. leader</a:t>
+            </a:r>
+            <a:r>
+              <a:rPr lang="zh-CN" altLang="en-US" dirty="0"/>
+              <a:t>将这个事务发送给所有的</a:t>
+            </a:r>
+            <a:r>
+              <a:rPr lang="en-US" altLang="zh-CN" dirty="0"/>
+              <a:t>follows</a:t>
+            </a:r>
+            <a:r>
+              <a:rPr lang="zh-CN" altLang="en-US" dirty="0"/>
+              <a:t>节点</a:t>
+            </a:r>
+          </a:p>
+          <a:p>
+            <a:r>
+              <a:rPr lang="en-US" altLang="zh-CN" dirty="0"/>
+              <a:t>4.</a:t>
+            </a:r>
+            <a:r>
+              <a:rPr lang="zh-CN" altLang="en-US" dirty="0"/>
+              <a:t> </a:t>
+            </a:r>
+            <a:r>
+              <a:rPr lang="en-US" altLang="zh-CN" dirty="0"/>
+              <a:t>follower</a:t>
+            </a:r>
+            <a:r>
+              <a:rPr lang="zh-CN" altLang="en-US" dirty="0"/>
+              <a:t>节点将收到的事务请求加入到历史队列</a:t>
+            </a:r>
+            <a:r>
+              <a:rPr lang="en-US" altLang="zh-CN" dirty="0"/>
+              <a:t>(history queue)</a:t>
+            </a:r>
+            <a:r>
+              <a:rPr lang="zh-CN" altLang="en-US" dirty="0"/>
+              <a:t>中</a:t>
+            </a:r>
+            <a:r>
+              <a:rPr lang="en-US" altLang="zh-CN" dirty="0"/>
+              <a:t>,</a:t>
+            </a:r>
+            <a:r>
+              <a:rPr lang="zh-CN" altLang="en-US" dirty="0"/>
+              <a:t>并发送</a:t>
+            </a:r>
+            <a:r>
+              <a:rPr lang="en-US" altLang="zh-CN" dirty="0"/>
+              <a:t>ack</a:t>
+            </a:r>
+            <a:r>
+              <a:rPr lang="zh-CN" altLang="en-US" dirty="0"/>
+              <a:t>给</a:t>
+            </a:r>
+            <a:r>
+              <a:rPr lang="en-US" altLang="zh-CN" dirty="0"/>
+              <a:t>ack</a:t>
+            </a:r>
+            <a:r>
+              <a:rPr lang="zh-CN" altLang="en-US" dirty="0"/>
+              <a:t>给</a:t>
+            </a:r>
+            <a:r>
+              <a:rPr lang="en-US" altLang="zh-CN" dirty="0"/>
+              <a:t>leader</a:t>
+            </a:r>
+          </a:p>
+          <a:p>
+            <a:r>
+              <a:rPr lang="en-US" altLang="zh-CN" dirty="0"/>
+              <a:t>5. </a:t>
+            </a:r>
+            <a:r>
+              <a:rPr lang="zh-CN" altLang="en-US" dirty="0"/>
+              <a:t>当</a:t>
+            </a:r>
+            <a:r>
+              <a:rPr lang="en-US" altLang="zh-CN" dirty="0"/>
+              <a:t>leader</a:t>
+            </a:r>
+            <a:r>
+              <a:rPr lang="zh-CN" altLang="en-US" dirty="0"/>
+              <a:t>收到大多数</a:t>
+            </a:r>
+            <a:r>
+              <a:rPr lang="en-US" altLang="zh-CN" dirty="0"/>
+              <a:t>follower</a:t>
+            </a:r>
+            <a:r>
+              <a:rPr lang="zh-CN" altLang="en-US" dirty="0"/>
+              <a:t>（超过法定数量）的</a:t>
+            </a:r>
+            <a:r>
+              <a:rPr lang="en-US" altLang="zh-CN" dirty="0"/>
+              <a:t>ack</a:t>
+            </a:r>
+            <a:r>
+              <a:rPr lang="zh-CN" altLang="en-US" dirty="0"/>
+              <a:t>消息，</a:t>
+            </a:r>
+            <a:r>
+              <a:rPr lang="en-US" altLang="zh-CN" dirty="0"/>
+              <a:t>leader</a:t>
+            </a:r>
+            <a:r>
+              <a:rPr lang="zh-CN" altLang="en-US" dirty="0"/>
+              <a:t>会发送</a:t>
+            </a:r>
+            <a:r>
+              <a:rPr lang="en-US" altLang="zh-CN" dirty="0"/>
+              <a:t>commit</a:t>
+            </a:r>
+            <a:r>
+              <a:rPr lang="zh-CN" altLang="en-US" dirty="0"/>
+              <a:t>请求</a:t>
+            </a:r>
+          </a:p>
+          <a:p>
+            <a:r>
+              <a:rPr lang="en-US" altLang="zh-CN" dirty="0"/>
+              <a:t>6.</a:t>
+            </a:r>
+            <a:r>
+              <a:rPr lang="zh-CN" altLang="en-US" dirty="0"/>
+              <a:t> 当</a:t>
+            </a:r>
+            <a:r>
+              <a:rPr lang="en-US" altLang="zh-CN" dirty="0"/>
+              <a:t>follower</a:t>
+            </a:r>
+            <a:r>
+              <a:rPr lang="zh-CN" altLang="en-US" dirty="0"/>
+              <a:t>收到</a:t>
+            </a:r>
+            <a:r>
+              <a:rPr lang="en-US" altLang="zh-CN" dirty="0"/>
+              <a:t>commit</a:t>
+            </a:r>
+            <a:r>
+              <a:rPr lang="zh-CN" altLang="en-US" dirty="0"/>
+              <a:t>请求时，会判断该事务的</a:t>
+            </a:r>
+            <a:r>
+              <a:rPr lang="en-US" altLang="zh-CN" dirty="0"/>
+              <a:t>ZXID</a:t>
+            </a:r>
+            <a:r>
+              <a:rPr lang="zh-CN" altLang="en-US" dirty="0"/>
+              <a:t>是不是比历史队列中的任何事务的</a:t>
+            </a:r>
+            <a:r>
+              <a:rPr lang="en-US" altLang="zh-CN" dirty="0"/>
+              <a:t>ZXID</a:t>
+            </a:r>
+            <a:r>
+              <a:rPr lang="zh-CN" altLang="en-US" dirty="0"/>
+              <a:t>都小，如果是则提交，如果不是则等待比它更小的事务的</a:t>
+            </a:r>
+            <a:r>
+              <a:rPr lang="en-US" altLang="zh-CN" dirty="0"/>
+              <a:t>commit.</a:t>
+            </a:r>
+          </a:p>
+          <a:p>
+            <a:endParaRPr lang="zh-CN" altLang="en-US" dirty="0"/>
+          </a:p>
+        </p:txBody>
+      </p:sp>
+    </p:spTree>
+    <p:extLst>
+      <p:ext uri="{BB962C8B-B14F-4D97-AF65-F5344CB8AC3E}">
+        <p14:creationId xmlns:p14="http://schemas.microsoft.com/office/powerpoint/2010/main" val="181325413"/>
+      </p:ext>
+    </p:extLst>
+  </p:cSld>
+  <p:clrMapOvr>
+    <a:masterClrMapping/>
+  </p:clrMapOvr>
+</p:sld>
+</file>
+
+<file path=ppt/slides/slide104.xml><?xml version="1.0" encoding="utf-8"?>
+<p:sld xmlns:a="http://schemas.openxmlformats.org/drawingml/2006/main" xmlns:r="http://schemas.openxmlformats.org/officeDocument/2006/relationships" xmlns:p="http://schemas.openxmlformats.org/presentationml/2006/main">
+  <p:cSld>
+    <p:spTree>
+      <p:nvGrpSpPr>
+        <p:cNvPr id="1" name=""/>
+        <p:cNvGrpSpPr/>
+        <p:nvPr/>
+      </p:nvGrpSpPr>
+      <p:grpSpPr>
+        <a:xfrm>
+          <a:off x="0" y="0"/>
+          <a:ext cx="0" cy="0"/>
+          <a:chOff x="0" y="0"/>
+          <a:chExt cx="0" cy="0"/>
+        </a:xfrm>
+      </p:grpSpPr>
+      <p:sp>
+        <p:nvSpPr>
+          <p:cNvPr id="2" name="标题 1">
+            <a:extLst>
+              <a:ext uri="{FF2B5EF4-FFF2-40B4-BE49-F238E27FC236}">
+                <a16:creationId xmlns:a16="http://schemas.microsoft.com/office/drawing/2014/main" id="{A5DF1090-146D-40CB-9C41-BD43EF38DB62}"/>
+              </a:ext>
+            </a:extLst>
+          </p:cNvPr>
+          <p:cNvSpPr>
+            <a:spLocks noGrp="1"/>
+          </p:cNvSpPr>
+          <p:nvPr>
+            <p:ph type="title"/>
+          </p:nvPr>
+        </p:nvSpPr>
+        <p:spPr/>
+        <p:txBody>
+          <a:bodyPr/>
+          <a:lstStyle/>
+          <a:p>
+            <a:r>
+              <a:rPr lang="en-US" altLang="zh-CN" dirty="0"/>
+              <a:t>ZAB</a:t>
+            </a:r>
+            <a:r>
+              <a:rPr lang="zh-CN" altLang="en-US" dirty="0"/>
+              <a:t>原子广播</a:t>
+            </a:r>
+            <a:r>
+              <a:rPr lang="en-US" altLang="zh-CN" dirty="0"/>
+              <a:t>-</a:t>
+            </a:r>
+            <a:r>
+              <a:rPr lang="zh-CN" altLang="en-US" dirty="0"/>
+              <a:t>工作步骤</a:t>
+            </a:r>
+          </a:p>
+        </p:txBody>
+      </p:sp>
+      <p:pic>
+        <p:nvPicPr>
+          <p:cNvPr id="5" name="内容占位符 4">
+            <a:extLst>
+              <a:ext uri="{FF2B5EF4-FFF2-40B4-BE49-F238E27FC236}">
+                <a16:creationId xmlns:a16="http://schemas.microsoft.com/office/drawing/2014/main" id="{3C869539-B615-43BE-A288-6AB726CC008E}"/>
+              </a:ext>
+            </a:extLst>
+          </p:cNvPr>
+          <p:cNvPicPr>
+            <a:picLocks noGrp="1" noChangeAspect="1"/>
+          </p:cNvPicPr>
+          <p:nvPr>
+            <p:ph idx="1"/>
+          </p:nvPr>
+        </p:nvPicPr>
+        <p:blipFill>
+          <a:blip r:embed="rId2">
+            <a:extLst>
+              <a:ext uri="{28A0092B-C50C-407E-A947-70E740481C1C}">
+                <a14:useLocalDpi xmlns:a14="http://schemas.microsoft.com/office/drawing/2010/main" val="0"/>
+              </a:ext>
+            </a:extLst>
+          </a:blip>
+          <a:stretch>
+            <a:fillRect/>
+          </a:stretch>
+        </p:blipFill>
+        <p:spPr>
+          <a:xfrm>
+            <a:off x="3028522" y="2096028"/>
+            <a:ext cx="6134956" cy="3810532"/>
+          </a:xfrm>
+        </p:spPr>
+      </p:pic>
+    </p:spTree>
+    <p:extLst>
+      <p:ext uri="{BB962C8B-B14F-4D97-AF65-F5344CB8AC3E}">
+        <p14:creationId xmlns:p14="http://schemas.microsoft.com/office/powerpoint/2010/main" val="4065650159"/>
+      </p:ext>
+    </p:extLst>
+  </p:cSld>
+  <p:clrMapOvr>
+    <a:masterClrMapping/>
+  </p:clrMapOvr>
+</p:sld>
+</file>
+
+<file path=ppt/slides/slide105.xml><?xml version="1.0" encoding="utf-8"?>
+<p:sld xmlns:a="http://schemas.openxmlformats.org/drawingml/2006/main" xmlns:r="http://schemas.openxmlformats.org/officeDocument/2006/relationships" xmlns:p="http://schemas.openxmlformats.org/presentationml/2006/main">
+  <p:cSld>
+    <p:spTree>
+      <p:nvGrpSpPr>
+        <p:cNvPr id="1" name=""/>
+        <p:cNvGrpSpPr/>
+        <p:nvPr/>
+      </p:nvGrpSpPr>
+      <p:grpSpPr>
+        <a:xfrm>
+          <a:off x="0" y="0"/>
+          <a:ext cx="0" cy="0"/>
+          <a:chOff x="0" y="0"/>
+          <a:chExt cx="0" cy="0"/>
+        </a:xfrm>
+      </p:grpSpPr>
+      <p:sp>
+        <p:nvSpPr>
+          <p:cNvPr id="2" name="标题 1">
+            <a:extLst>
+              <a:ext uri="{FF2B5EF4-FFF2-40B4-BE49-F238E27FC236}">
+                <a16:creationId xmlns:a16="http://schemas.microsoft.com/office/drawing/2014/main" id="{DB580D7E-A56E-4058-8484-D97F4F2991B4}"/>
+              </a:ext>
+            </a:extLst>
+          </p:cNvPr>
+          <p:cNvSpPr>
+            <a:spLocks noGrp="1"/>
+          </p:cNvSpPr>
+          <p:nvPr>
+            <p:ph type="title"/>
+          </p:nvPr>
+        </p:nvSpPr>
+        <p:spPr/>
+        <p:txBody>
+          <a:bodyPr/>
+          <a:lstStyle/>
+          <a:p>
+            <a:r>
+              <a:rPr lang="zh-CN" altLang="en-US" dirty="0"/>
+              <a:t>扩展</a:t>
+            </a:r>
+            <a:r>
+              <a:rPr lang="en-US" altLang="zh-CN" dirty="0"/>
+              <a:t>-java </a:t>
+            </a:r>
+            <a:r>
+              <a:rPr lang="en-US" altLang="zh-CN" dirty="0" err="1"/>
+              <a:t>api</a:t>
+            </a:r>
+            <a:r>
+              <a:rPr lang="zh-CN" altLang="en-US" dirty="0"/>
+              <a:t>操作演示</a:t>
+            </a:r>
+          </a:p>
+        </p:txBody>
+      </p:sp>
+      <p:sp>
+        <p:nvSpPr>
+          <p:cNvPr id="3" name="内容占位符 2">
+            <a:extLst>
+              <a:ext uri="{FF2B5EF4-FFF2-40B4-BE49-F238E27FC236}">
+                <a16:creationId xmlns:a16="http://schemas.microsoft.com/office/drawing/2014/main" id="{22477A30-65DD-49F1-9D03-3692BB587A67}"/>
+              </a:ext>
+            </a:extLst>
+          </p:cNvPr>
+          <p:cNvSpPr>
+            <a:spLocks noGrp="1"/>
+          </p:cNvSpPr>
+          <p:nvPr>
+            <p:ph idx="1"/>
+          </p:nvPr>
+        </p:nvSpPr>
+        <p:spPr/>
+        <p:txBody>
+          <a:bodyPr/>
+          <a:lstStyle/>
+          <a:p>
+            <a:r>
+              <a:rPr lang="en-US" altLang="zh-CN" dirty="0"/>
+              <a:t>Client-java</a:t>
+            </a:r>
+          </a:p>
+          <a:p>
+            <a:r>
+              <a:rPr lang="en-US" altLang="zh-CN" dirty="0"/>
+              <a:t>Curator</a:t>
+            </a:r>
+          </a:p>
+          <a:p>
+            <a:pPr lvl="1"/>
+            <a:r>
+              <a:rPr lang="en-US" altLang="zh-CN" dirty="0"/>
+              <a:t>Curator</a:t>
+            </a:r>
+            <a:r>
+              <a:rPr lang="zh-CN" altLang="en-US" dirty="0"/>
+              <a:t>是</a:t>
+            </a:r>
+            <a:r>
+              <a:rPr lang="en-US" altLang="zh-CN" dirty="0"/>
+              <a:t>Netflix</a:t>
+            </a:r>
+            <a:r>
+              <a:rPr lang="zh-CN" altLang="en-US" dirty="0"/>
+              <a:t>公司开源的一套</a:t>
+            </a:r>
+            <a:r>
+              <a:rPr lang="en-US" altLang="zh-CN" dirty="0"/>
+              <a:t>Zookeeper</a:t>
+            </a:r>
+            <a:r>
+              <a:rPr lang="zh-CN" altLang="en-US" dirty="0"/>
+              <a:t>客户端框架。了解过</a:t>
+            </a:r>
+            <a:r>
+              <a:rPr lang="en-US" altLang="zh-CN" dirty="0"/>
+              <a:t>Zookeeper</a:t>
+            </a:r>
+            <a:r>
+              <a:rPr lang="zh-CN" altLang="en-US" dirty="0"/>
+              <a:t>原生</a:t>
+            </a:r>
+            <a:r>
+              <a:rPr lang="en-US" altLang="zh-CN" dirty="0"/>
+              <a:t>API</a:t>
+            </a:r>
+            <a:r>
+              <a:rPr lang="zh-CN" altLang="en-US" dirty="0"/>
+              <a:t>都会清楚其复杂度。</a:t>
+            </a:r>
+            <a:r>
+              <a:rPr lang="en-US" altLang="zh-CN" dirty="0"/>
+              <a:t>Curator</a:t>
+            </a:r>
+            <a:r>
+              <a:rPr lang="zh-CN" altLang="en-US" dirty="0"/>
+              <a:t>帮助我们在其基础上进行封装、实现一些开发细节，包括接连重连、反复注册</a:t>
+            </a:r>
+            <a:r>
+              <a:rPr lang="en-US" altLang="zh-CN" dirty="0"/>
+              <a:t>Watcher</a:t>
+            </a:r>
+            <a:r>
+              <a:rPr lang="zh-CN" altLang="en-US" dirty="0"/>
+              <a:t>和</a:t>
+            </a:r>
+            <a:r>
+              <a:rPr lang="en-US" altLang="zh-CN" dirty="0" err="1"/>
+              <a:t>NodeExistsException</a:t>
+            </a:r>
+            <a:r>
+              <a:rPr lang="zh-CN" altLang="en-US" dirty="0"/>
+              <a:t>等。</a:t>
+            </a:r>
+          </a:p>
+        </p:txBody>
+      </p:sp>
+    </p:spTree>
+    <p:extLst>
+      <p:ext uri="{BB962C8B-B14F-4D97-AF65-F5344CB8AC3E}">
+        <p14:creationId xmlns:p14="http://schemas.microsoft.com/office/powerpoint/2010/main" val="3244984619"/>
+      </p:ext>
+    </p:extLst>
+  </p:cSld>
+  <p:clrMapOvr>
+    <a:masterClrMapping/>
+  </p:clrMapOvr>
+</p:sld>
+</file>
+
+<file path=ppt/slides/slide106.xml><?xml version="1.0" encoding="utf-8"?>
+<p:sld xmlns:a="http://schemas.openxmlformats.org/drawingml/2006/main" xmlns:r="http://schemas.openxmlformats.org/officeDocument/2006/relationships" xmlns:p="http://schemas.openxmlformats.org/presentationml/2006/main">
+  <p:cSld>
+    <p:spTree>
+      <p:nvGrpSpPr>
+        <p:cNvPr id="1" name=""/>
+        <p:cNvGrpSpPr/>
+        <p:nvPr/>
+      </p:nvGrpSpPr>
+      <p:grpSpPr>
+        <a:xfrm>
+          <a:off x="0" y="0"/>
+          <a:ext cx="0" cy="0"/>
+          <a:chOff x="0" y="0"/>
+          <a:chExt cx="0" cy="0"/>
+        </a:xfrm>
+      </p:grpSpPr>
+      <p:sp>
+        <p:nvSpPr>
+          <p:cNvPr id="2" name="标题 1">
+            <a:extLst>
+              <a:ext uri="{FF2B5EF4-FFF2-40B4-BE49-F238E27FC236}">
+                <a16:creationId xmlns:a16="http://schemas.microsoft.com/office/drawing/2014/main" id="{DB580D7E-A56E-4058-8484-D97F4F2991B4}"/>
+              </a:ext>
+            </a:extLst>
+          </p:cNvPr>
+          <p:cNvSpPr>
+            <a:spLocks noGrp="1"/>
+          </p:cNvSpPr>
+          <p:nvPr>
+            <p:ph type="title"/>
+          </p:nvPr>
+        </p:nvSpPr>
+        <p:spPr/>
+        <p:txBody>
+          <a:bodyPr/>
+          <a:lstStyle/>
+          <a:p>
+            <a:r>
+              <a:rPr lang="zh-CN" altLang="en-US" dirty="0"/>
+              <a:t>整体回顾</a:t>
+            </a:r>
+          </a:p>
+        </p:txBody>
+      </p:sp>
+      <p:pic>
+        <p:nvPicPr>
+          <p:cNvPr id="5" name="内容占位符 4">
+            <a:extLst>
+              <a:ext uri="{FF2B5EF4-FFF2-40B4-BE49-F238E27FC236}">
+                <a16:creationId xmlns:a16="http://schemas.microsoft.com/office/drawing/2014/main" id="{08E44E59-1FDA-4630-98F6-7F5F3EDA4AC9}"/>
+              </a:ext>
+            </a:extLst>
+          </p:cNvPr>
+          <p:cNvPicPr>
+            <a:picLocks noGrp="1" noChangeAspect="1"/>
+          </p:cNvPicPr>
+          <p:nvPr>
+            <p:ph idx="1"/>
+          </p:nvPr>
+        </p:nvPicPr>
+        <p:blipFill>
+          <a:blip r:embed="rId2">
+            <a:extLst>
+              <a:ext uri="{28A0092B-C50C-407E-A947-70E740481C1C}">
+                <a14:useLocalDpi xmlns:a14="http://schemas.microsoft.com/office/drawing/2010/main" val="0"/>
+              </a:ext>
+            </a:extLst>
+          </a:blip>
+          <a:stretch>
+            <a:fillRect/>
+          </a:stretch>
+        </p:blipFill>
+        <p:spPr>
+          <a:xfrm>
+            <a:off x="1083643" y="2455818"/>
+            <a:ext cx="10024714" cy="3090952"/>
+          </a:xfrm>
+        </p:spPr>
+      </p:pic>
+    </p:spTree>
+    <p:extLst>
+      <p:ext uri="{BB962C8B-B14F-4D97-AF65-F5344CB8AC3E}">
+        <p14:creationId xmlns:p14="http://schemas.microsoft.com/office/powerpoint/2010/main" val="3190009442"/>
+      </p:ext>
+    </p:extLst>
+  </p:cSld>
+  <p:clrMapOvr>
+    <a:masterClrMapping/>
+  </p:clrMapOvr>
+</p:sld>
+</file>
+
+<file path=ppt/slides/slide107.xml><?xml version="1.0" encoding="utf-8"?>
+<p:sld xmlns:a="http://schemas.openxmlformats.org/drawingml/2006/main" xmlns:r="http://schemas.openxmlformats.org/officeDocument/2006/relationships" xmlns:p="http://schemas.openxmlformats.org/presentationml/2006/main">
+  <p:cSld>
+    <p:spTree>
+      <p:nvGrpSpPr>
+        <p:cNvPr id="1" name=""/>
+        <p:cNvGrpSpPr/>
+        <p:nvPr/>
+      </p:nvGrpSpPr>
+      <p:grpSpPr>
+        <a:xfrm>
+          <a:off x="0" y="0"/>
+          <a:ext cx="0" cy="0"/>
+          <a:chOff x="0" y="0"/>
+          <a:chExt cx="0" cy="0"/>
+        </a:xfrm>
+      </p:grpSpPr>
+      <p:sp>
+        <p:nvSpPr>
+          <p:cNvPr id="2" name="标题 1">
+            <a:extLst>
+              <a:ext uri="{FF2B5EF4-FFF2-40B4-BE49-F238E27FC236}">
+                <a16:creationId xmlns:a16="http://schemas.microsoft.com/office/drawing/2014/main" id="{DB580D7E-A56E-4058-8484-D97F4F2991B4}"/>
+              </a:ext>
+            </a:extLst>
+          </p:cNvPr>
+          <p:cNvSpPr>
+            <a:spLocks noGrp="1"/>
+          </p:cNvSpPr>
+          <p:nvPr>
+            <p:ph type="title"/>
+          </p:nvPr>
+        </p:nvSpPr>
+        <p:spPr/>
+        <p:txBody>
+          <a:bodyPr/>
+          <a:lstStyle/>
+          <a:p>
+            <a:r>
+              <a:rPr lang="zh-CN" altLang="en-US" dirty="0"/>
+              <a:t>思考问题</a:t>
+            </a:r>
+          </a:p>
+        </p:txBody>
+      </p:sp>
+      <p:sp>
+        <p:nvSpPr>
+          <p:cNvPr id="3" name="内容占位符 2">
+            <a:extLst>
+              <a:ext uri="{FF2B5EF4-FFF2-40B4-BE49-F238E27FC236}">
+                <a16:creationId xmlns:a16="http://schemas.microsoft.com/office/drawing/2014/main" id="{22477A30-65DD-49F1-9D03-3692BB587A67}"/>
+              </a:ext>
+            </a:extLst>
+          </p:cNvPr>
+          <p:cNvSpPr>
+            <a:spLocks noGrp="1"/>
+          </p:cNvSpPr>
+          <p:nvPr>
+            <p:ph idx="1"/>
+          </p:nvPr>
+        </p:nvSpPr>
+        <p:spPr/>
+        <p:txBody>
+          <a:bodyPr/>
+          <a:lstStyle/>
+          <a:p>
+            <a:r>
+              <a:rPr lang="zh-CN" altLang="en-US" dirty="0"/>
+              <a:t>* 一个客户端修改了某个节点的数据，其它客户端能够马上获取到这个最新数据吗</a:t>
+            </a:r>
+            <a:r>
+              <a:rPr lang="en-US" altLang="zh-CN" dirty="0"/>
+              <a:t>(</a:t>
+            </a:r>
+            <a:r>
+              <a:rPr lang="zh-CN" altLang="en-US" dirty="0"/>
+              <a:t>跨客户端视图的并发一致性</a:t>
+            </a:r>
+            <a:r>
+              <a:rPr lang="en-US" altLang="zh-CN"/>
+              <a:t>)?</a:t>
+            </a:r>
+            <a:endParaRPr lang="en-US" altLang="zh-CN" dirty="0"/>
+          </a:p>
+          <a:p>
+            <a:r>
+              <a:rPr lang="zh-CN" altLang="en-US" dirty="0"/>
+              <a:t>* 集群中</a:t>
+            </a:r>
+            <a:r>
+              <a:rPr lang="en-US" altLang="zh-CN" dirty="0" err="1"/>
+              <a:t>clientPort</a:t>
+            </a:r>
+            <a:r>
+              <a:rPr lang="zh-CN" altLang="en-US" dirty="0"/>
+              <a:t>不一致，可以等了解了读写机制理解</a:t>
+            </a:r>
+            <a:r>
+              <a:rPr lang="en-US" altLang="zh-CN" dirty="0"/>
+              <a:t>?</a:t>
+            </a:r>
+            <a:endParaRPr lang="zh-CN" altLang="en-US" dirty="0"/>
+          </a:p>
+          <a:p>
+            <a:r>
+              <a:rPr lang="zh-CN" altLang="en-US" dirty="0"/>
+              <a:t>* </a:t>
+            </a:r>
+            <a:r>
+              <a:rPr lang="en-US" altLang="zh-CN" dirty="0"/>
+              <a:t>observer</a:t>
+            </a:r>
+            <a:r>
+              <a:rPr lang="zh-CN" altLang="en-US" dirty="0"/>
+              <a:t>是怎么设置的</a:t>
+            </a:r>
+            <a:r>
+              <a:rPr lang="en-US" altLang="zh-CN" dirty="0"/>
+              <a:t>?</a:t>
+            </a:r>
+            <a:endParaRPr lang="zh-CN" altLang="en-US" dirty="0"/>
+          </a:p>
+          <a:p>
+            <a:r>
+              <a:rPr lang="zh-CN" altLang="en-US" dirty="0"/>
+              <a:t>* </a:t>
+            </a:r>
+            <a:r>
+              <a:rPr lang="en-US" altLang="zh-CN" dirty="0" err="1"/>
+              <a:t>zxid</a:t>
+            </a:r>
+            <a:r>
+              <a:rPr lang="zh-CN" altLang="en-US" dirty="0"/>
+              <a:t>溢出变成负数了怎么办</a:t>
+            </a:r>
+            <a:r>
+              <a:rPr lang="en-US" altLang="zh-CN" dirty="0"/>
+              <a:t>?</a:t>
+            </a:r>
+            <a:endParaRPr lang="zh-CN" altLang="en-US" dirty="0"/>
+          </a:p>
+          <a:p>
+            <a:r>
+              <a:rPr lang="zh-CN" altLang="en-US" dirty="0"/>
+              <a:t>* 水平扩容</a:t>
+            </a:r>
+            <a:r>
+              <a:rPr lang="en-US" altLang="zh-CN" dirty="0"/>
+              <a:t>?</a:t>
+            </a:r>
+            <a:endParaRPr lang="zh-CN" altLang="en-US" dirty="0"/>
+          </a:p>
+          <a:p>
+            <a:r>
+              <a:rPr lang="zh-CN" altLang="en-US" dirty="0"/>
+              <a:t>* </a:t>
+            </a:r>
+            <a:r>
+              <a:rPr lang="en-US" altLang="zh-CN" dirty="0"/>
+              <a:t>zookeeper </a:t>
+            </a:r>
+            <a:r>
+              <a:rPr lang="zh-CN" altLang="en-US" dirty="0"/>
+              <a:t>有哪些缺点</a:t>
+            </a:r>
+            <a:r>
+              <a:rPr lang="en-US" altLang="zh-CN" dirty="0"/>
+              <a:t>?</a:t>
+            </a:r>
+            <a:endParaRPr lang="zh-CN" altLang="en-US" dirty="0"/>
+          </a:p>
+          <a:p>
+            <a:pPr lvl="1"/>
+            <a:r>
+              <a:rPr lang="zh-CN" altLang="en-US" dirty="0"/>
+              <a:t>* 数据量大，同步慢，超时</a:t>
+            </a:r>
+          </a:p>
+          <a:p>
+            <a:endParaRPr lang="zh-CN" altLang="en-US" dirty="0"/>
+          </a:p>
+        </p:txBody>
+      </p:sp>
+    </p:spTree>
+    <p:extLst>
+      <p:ext uri="{BB962C8B-B14F-4D97-AF65-F5344CB8AC3E}">
+        <p14:creationId xmlns:p14="http://schemas.microsoft.com/office/powerpoint/2010/main" val="729322854"/>
+      </p:ext>
+    </p:extLst>
+  </p:cSld>
+  <p:clrMapOvr>
+    <a:masterClrMapping/>
+  </p:clrMapOvr>
+</p:sld>
+</file>
+
 <file path=ppt/slides/slide11.xml><?xml version="1.0" encoding="utf-8"?>
 <p:sld xmlns:a="http://schemas.openxmlformats.org/drawingml/2006/main" xmlns:r="http://schemas.openxmlformats.org/officeDocument/2006/relationships" xmlns:p="http://schemas.openxmlformats.org/presentationml/2006/main">
   <p:cSld>
@@ -11499,7 +12757,14 @@
           <a:bodyPr/>
           <a:lstStyle/>
           <a:p>
-            <a:endParaRPr lang="zh-CN" altLang="en-US"/>
+            <a:r>
+              <a:rPr lang="en-US" altLang="zh-CN" dirty="0"/>
+              <a:t>ZAB</a:t>
+            </a:r>
+            <a:r>
+              <a:rPr lang="zh-CN" altLang="en-US" dirty="0"/>
+              <a:t>特点</a:t>
+            </a:r>
           </a:p>
         </p:txBody>
       </p:sp>
@@ -11524,7 +12789,201 @@
           <a:bodyPr/>
           <a:lstStyle/>
           <a:p>
-            <a:endParaRPr lang="zh-CN" altLang="en-US"/>
+            <a:r>
+              <a:rPr lang="zh-CN" altLang="en-US" dirty="0"/>
+              <a:t>* 一致性保证</a:t>
+            </a:r>
+          </a:p>
+          <a:p>
+            <a:pPr lvl="1"/>
+            <a:r>
+              <a:rPr lang="zh-CN" altLang="en-US" dirty="0"/>
+              <a:t>* 可靠提交</a:t>
+            </a:r>
+            <a:r>
+              <a:rPr lang="en-US" altLang="zh-CN" dirty="0"/>
+              <a:t>(Reliable delivery) -</a:t>
+            </a:r>
+            <a:r>
+              <a:rPr lang="zh-CN" altLang="en-US" dirty="0"/>
+              <a:t>如果一个事务 </a:t>
+            </a:r>
+            <a:r>
+              <a:rPr lang="en-US" altLang="zh-CN" dirty="0"/>
+              <a:t>A </a:t>
+            </a:r>
+            <a:r>
+              <a:rPr lang="zh-CN" altLang="en-US" dirty="0"/>
+              <a:t>被一个</a:t>
+            </a:r>
+            <a:r>
+              <a:rPr lang="en-US" altLang="zh-CN" dirty="0"/>
+              <a:t>server</a:t>
+            </a:r>
+            <a:r>
+              <a:rPr lang="zh-CN" altLang="en-US" dirty="0"/>
+              <a:t>提交</a:t>
+            </a:r>
+            <a:r>
+              <a:rPr lang="en-US" altLang="zh-CN" dirty="0"/>
+              <a:t>(committed)</a:t>
+            </a:r>
+            <a:r>
+              <a:rPr lang="zh-CN" altLang="en-US" dirty="0"/>
+              <a:t>了，那么它最终一定会被所有的</a:t>
+            </a:r>
+            <a:r>
+              <a:rPr lang="en-US" altLang="zh-CN" dirty="0"/>
+              <a:t>server</a:t>
+            </a:r>
+            <a:r>
+              <a:rPr lang="zh-CN" altLang="en-US" dirty="0"/>
+              <a:t>提交</a:t>
+            </a:r>
+          </a:p>
+          <a:p>
+            <a:pPr lvl="1"/>
+            <a:r>
+              <a:rPr lang="zh-CN" altLang="en-US" dirty="0"/>
+              <a:t>* 全局有序</a:t>
+            </a:r>
+            <a:r>
+              <a:rPr lang="en-US" altLang="zh-CN" dirty="0"/>
+              <a:t>(Total order) - </a:t>
+            </a:r>
+            <a:r>
+              <a:rPr lang="zh-CN" altLang="en-US" dirty="0"/>
+              <a:t>假设有</a:t>
+            </a:r>
+            <a:r>
+              <a:rPr lang="en-US" altLang="zh-CN" dirty="0"/>
+              <a:t>A</a:t>
+            </a:r>
+            <a:r>
+              <a:rPr lang="zh-CN" altLang="en-US" dirty="0"/>
+              <a:t>、</a:t>
+            </a:r>
+            <a:r>
+              <a:rPr lang="en-US" altLang="zh-CN" dirty="0"/>
+              <a:t>B</a:t>
+            </a:r>
+            <a:r>
+              <a:rPr lang="zh-CN" altLang="en-US" dirty="0"/>
+              <a:t>两个事务，有一台</a:t>
+            </a:r>
+            <a:r>
+              <a:rPr lang="en-US" altLang="zh-CN" dirty="0"/>
+              <a:t>server</a:t>
+            </a:r>
+            <a:r>
+              <a:rPr lang="zh-CN" altLang="en-US" dirty="0"/>
+              <a:t>先执行</a:t>
+            </a:r>
+            <a:r>
+              <a:rPr lang="en-US" altLang="zh-CN" dirty="0"/>
+              <a:t>A</a:t>
+            </a:r>
+            <a:r>
+              <a:rPr lang="zh-CN" altLang="en-US" dirty="0"/>
+              <a:t>再执行</a:t>
+            </a:r>
+            <a:r>
+              <a:rPr lang="en-US" altLang="zh-CN" dirty="0"/>
+              <a:t>B</a:t>
+            </a:r>
+            <a:r>
+              <a:rPr lang="zh-CN" altLang="en-US" dirty="0"/>
+              <a:t>，那么可以保证所有</a:t>
+            </a:r>
+            <a:r>
+              <a:rPr lang="en-US" altLang="zh-CN" dirty="0"/>
+              <a:t>server</a:t>
+            </a:r>
+            <a:r>
+              <a:rPr lang="zh-CN" altLang="en-US" dirty="0"/>
+              <a:t>上</a:t>
+            </a:r>
+            <a:r>
+              <a:rPr lang="en-US" altLang="zh-CN" dirty="0"/>
+              <a:t>A</a:t>
+            </a:r>
+            <a:r>
+              <a:rPr lang="zh-CN" altLang="en-US" dirty="0"/>
+              <a:t>始终都被在</a:t>
+            </a:r>
+            <a:r>
+              <a:rPr lang="en-US" altLang="zh-CN" dirty="0"/>
+              <a:t>B</a:t>
+            </a:r>
+            <a:r>
+              <a:rPr lang="zh-CN" altLang="en-US" dirty="0"/>
+              <a:t>之前执行</a:t>
+            </a:r>
+          </a:p>
+          <a:p>
+            <a:pPr lvl="1"/>
+            <a:r>
+              <a:rPr lang="zh-CN" altLang="en-US" dirty="0"/>
+              <a:t>* 因果有序</a:t>
+            </a:r>
+            <a:r>
+              <a:rPr lang="en-US" altLang="zh-CN" dirty="0"/>
+              <a:t>(Causal order) - </a:t>
+            </a:r>
+            <a:r>
+              <a:rPr lang="zh-CN" altLang="en-US" dirty="0"/>
+              <a:t>如果发送者在事务</a:t>
+            </a:r>
+            <a:r>
+              <a:rPr lang="en-US" altLang="zh-CN" dirty="0"/>
+              <a:t>A</a:t>
+            </a:r>
+            <a:r>
+              <a:rPr lang="zh-CN" altLang="en-US" dirty="0"/>
+              <a:t>提交之后再发送</a:t>
+            </a:r>
+            <a:r>
+              <a:rPr lang="en-US" altLang="zh-CN" dirty="0"/>
+              <a:t>B,</a:t>
+            </a:r>
+            <a:r>
+              <a:rPr lang="zh-CN" altLang="en-US" dirty="0"/>
+              <a:t>那么</a:t>
+            </a:r>
+            <a:r>
+              <a:rPr lang="en-US" altLang="zh-CN" dirty="0"/>
+              <a:t>B</a:t>
+            </a:r>
+            <a:r>
+              <a:rPr lang="zh-CN" altLang="en-US" dirty="0"/>
+              <a:t>必将在</a:t>
+            </a:r>
+            <a:r>
+              <a:rPr lang="en-US" altLang="zh-CN" dirty="0"/>
+              <a:t>A</a:t>
+            </a:r>
+            <a:r>
+              <a:rPr lang="zh-CN" altLang="en-US" dirty="0"/>
+              <a:t>之前执行</a:t>
+            </a:r>
+          </a:p>
+          <a:p>
+            <a:r>
+              <a:rPr lang="zh-CN" altLang="en-US" dirty="0"/>
+              <a:t>* 只要大多数（法定数量）节点启动，系统就行正常运行</a:t>
+            </a:r>
+          </a:p>
+          <a:p>
+            <a:r>
+              <a:rPr lang="zh-CN" altLang="en-US" dirty="0"/>
+              <a:t>* 当节点下线后重启，它必须保证能恢复到当前正在执行的事务</a:t>
+            </a:r>
+          </a:p>
+          <a:p>
+            <a:pPr marL="0" indent="0">
+              <a:buNone/>
+            </a:pPr>
+            <a:endParaRPr lang="zh-CN" altLang="en-US" dirty="0"/>
           </a:p>
         </p:txBody>
       </p:sp>
@@ -11579,7 +13038,14 @@
           <a:bodyPr/>
           <a:lstStyle/>
           <a:p>
-            <a:endParaRPr lang="zh-CN" altLang="en-US"/>
+            <a:r>
+              <a:rPr lang="en-US" altLang="zh-CN" dirty="0"/>
+              <a:t>ZAB</a:t>
+            </a:r>
+            <a:r>
+              <a:rPr lang="zh-CN" altLang="en-US" dirty="0"/>
+              <a:t>协议工作原理</a:t>
+            </a:r>
           </a:p>
         </p:txBody>
       </p:sp>
@@ -11604,7 +13070,24 @@
           <a:bodyPr/>
           <a:lstStyle/>
           <a:p>
-            <a:endParaRPr lang="zh-CN" altLang="en-US"/>
+            <a:r>
+              <a:rPr lang="zh-CN" altLang="en-US" dirty="0"/>
+              <a:t>发现</a:t>
+            </a:r>
+            <a:endParaRPr lang="en-US" altLang="zh-CN" dirty="0"/>
+          </a:p>
+          <a:p>
+            <a:r>
+              <a:rPr lang="zh-CN" altLang="en-US" dirty="0"/>
+              <a:t>同步</a:t>
+            </a:r>
+            <a:endParaRPr lang="en-US" altLang="zh-CN" dirty="0"/>
+          </a:p>
+          <a:p>
+            <a:r>
+              <a:rPr lang="zh-CN" altLang="en-US" dirty="0"/>
+              <a:t>广播</a:t>
+            </a:r>
           </a:p>
         </p:txBody>
       </p:sp>
@@ -11659,7 +13142,14 @@
           <a:bodyPr/>
           <a:lstStyle/>
           <a:p>
-            <a:endParaRPr lang="zh-CN" altLang="en-US"/>
+            <a:r>
+              <a:rPr lang="en-US" altLang="zh-CN" dirty="0"/>
+              <a:t>ZAB</a:t>
+            </a:r>
+            <a:r>
+              <a:rPr lang="zh-CN" altLang="en-US" dirty="0"/>
+              <a:t>协议工作原理</a:t>
+            </a:r>
           </a:p>
         </p:txBody>
       </p:sp>
@@ -11684,7 +13174,132 @@
           <a:bodyPr/>
           <a:lstStyle/>
           <a:p>
-            <a:endParaRPr lang="zh-CN" altLang="en-US"/>
+            <a:r>
+              <a:rPr lang="zh-CN" altLang="en-US" dirty="0"/>
+              <a:t>* 发现：即要求</a:t>
+            </a:r>
+            <a:r>
+              <a:rPr lang="en-US" altLang="zh-CN" dirty="0"/>
+              <a:t>zookeeper</a:t>
+            </a:r>
+            <a:r>
+              <a:rPr lang="zh-CN" altLang="en-US" dirty="0"/>
+              <a:t>集群必须选择出一个</a:t>
+            </a:r>
+            <a:r>
+              <a:rPr lang="en-US" altLang="zh-CN" dirty="0"/>
+              <a:t>leader</a:t>
+            </a:r>
+            <a:r>
+              <a:rPr lang="zh-CN" altLang="en-US" dirty="0"/>
+              <a:t>进程，同时</a:t>
+            </a:r>
+            <a:r>
+              <a:rPr lang="en-US" altLang="zh-CN" dirty="0"/>
+              <a:t>leader</a:t>
+            </a:r>
+            <a:r>
+              <a:rPr lang="zh-CN" altLang="en-US" dirty="0"/>
+              <a:t>会维护一个</a:t>
+            </a:r>
+            <a:r>
+              <a:rPr lang="en-US" altLang="zh-CN" dirty="0"/>
+              <a:t>follower</a:t>
+            </a:r>
+            <a:r>
+              <a:rPr lang="zh-CN" altLang="en-US" dirty="0"/>
+              <a:t>可用列表。将来客户端可以与这个</a:t>
+            </a:r>
+            <a:r>
+              <a:rPr lang="en-US" altLang="zh-CN" dirty="0"/>
+              <a:t>follower</a:t>
+            </a:r>
+            <a:r>
+              <a:rPr lang="zh-CN" altLang="en-US" dirty="0"/>
+              <a:t>中的节点进行通信。</a:t>
+            </a:r>
+          </a:p>
+          <a:p>
+            <a:r>
+              <a:rPr lang="zh-CN" altLang="en-US" dirty="0"/>
+              <a:t>* 同步：</a:t>
+            </a:r>
+            <a:r>
+              <a:rPr lang="en-US" altLang="zh-CN" dirty="0"/>
+              <a:t>leader</a:t>
+            </a:r>
+            <a:r>
+              <a:rPr lang="zh-CN" altLang="en-US" dirty="0"/>
+              <a:t>要负责将本身的数据与</a:t>
+            </a:r>
+            <a:r>
+              <a:rPr lang="en-US" altLang="zh-CN" dirty="0"/>
+              <a:t>follower</a:t>
+            </a:r>
+            <a:r>
+              <a:rPr lang="zh-CN" altLang="en-US" dirty="0"/>
+              <a:t>完成同步，做到多副本存储。这样也是体现了</a:t>
+            </a:r>
+            <a:r>
+              <a:rPr lang="en-US" altLang="zh-CN" dirty="0"/>
+              <a:t>CAP</a:t>
+            </a:r>
+            <a:r>
+              <a:rPr lang="zh-CN" altLang="en-US" dirty="0"/>
+              <a:t>中高可用和分区容错。</a:t>
+            </a:r>
+            <a:r>
+              <a:rPr lang="en-US" altLang="zh-CN" dirty="0"/>
+              <a:t>follower</a:t>
+            </a:r>
+            <a:r>
+              <a:rPr lang="zh-CN" altLang="en-US" dirty="0"/>
+              <a:t>将队列中未处理完的请求消费完成后，写入本地事物日志中。</a:t>
+            </a:r>
+          </a:p>
+          <a:p>
+            <a:r>
+              <a:rPr lang="zh-CN" altLang="en-US" dirty="0"/>
+              <a:t>* 广播：</a:t>
+            </a:r>
+            <a:r>
+              <a:rPr lang="en-US" altLang="zh-CN" dirty="0"/>
+              <a:t>leader</a:t>
+            </a:r>
+            <a:r>
+              <a:rPr lang="zh-CN" altLang="en-US" dirty="0"/>
+              <a:t>可以接受客户端新的</a:t>
+            </a:r>
+            <a:r>
+              <a:rPr lang="en-US" altLang="zh-CN" dirty="0"/>
+              <a:t>proposal</a:t>
+            </a:r>
+            <a:r>
+              <a:rPr lang="zh-CN" altLang="en-US" dirty="0"/>
+              <a:t>请求，将新的</a:t>
+            </a:r>
+            <a:r>
+              <a:rPr lang="en-US" altLang="zh-CN" dirty="0"/>
+              <a:t>proposal</a:t>
+            </a:r>
+            <a:r>
+              <a:rPr lang="zh-CN" altLang="en-US" dirty="0"/>
+              <a:t>请求广播给所有的</a:t>
+            </a:r>
+            <a:r>
+              <a:rPr lang="en-US" altLang="zh-CN" dirty="0"/>
+              <a:t>follower</a:t>
+            </a:r>
+            <a:r>
+              <a:rPr lang="zh-CN" altLang="en-US" dirty="0"/>
+              <a:t>。</a:t>
+            </a:r>
+          </a:p>
+          <a:p>
+            <a:pPr marL="0" indent="0">
+              <a:buNone/>
+            </a:pPr>
+            <a:endParaRPr lang="zh-CN" altLang="en-US" dirty="0"/>
           </a:p>
         </p:txBody>
       </p:sp>
@@ -11739,7 +13354,14 @@
           <a:bodyPr/>
           <a:lstStyle/>
           <a:p>
-            <a:endParaRPr lang="zh-CN" altLang="en-US"/>
+            <a:r>
+              <a:rPr lang="en-US" altLang="zh-CN" dirty="0"/>
+              <a:t>ZAB</a:t>
+            </a:r>
+            <a:r>
+              <a:rPr lang="zh-CN" altLang="en-US" dirty="0"/>
+              <a:t>两种模式</a:t>
+            </a:r>
           </a:p>
         </p:txBody>
       </p:sp>
@@ -11764,7 +13386,111 @@
           <a:bodyPr/>
           <a:lstStyle/>
           <a:p>
-            <a:endParaRPr lang="zh-CN" altLang="en-US"/>
+            <a:r>
+              <a:rPr lang="zh-CN" altLang="en-US" dirty="0"/>
+              <a:t>* 崩溃恢复</a:t>
+            </a:r>
+          </a:p>
+          <a:p>
+            <a:pPr lvl="1"/>
+            <a:r>
+              <a:rPr lang="en-US" altLang="zh-CN" dirty="0"/>
+              <a:t>&gt;</a:t>
+            </a:r>
+            <a:r>
+              <a:rPr lang="zh-CN" altLang="en-US" dirty="0"/>
+              <a:t> 当服务初次启动，或者 </a:t>
+            </a:r>
+            <a:r>
+              <a:rPr lang="en-US" altLang="zh-CN" dirty="0"/>
+              <a:t>leader </a:t>
+            </a:r>
+            <a:r>
+              <a:rPr lang="zh-CN" altLang="en-US" dirty="0"/>
+              <a:t>节点挂了，系统就会进入恢复模式，直到选出了有合法数量 </a:t>
+            </a:r>
+            <a:r>
+              <a:rPr lang="en-US" altLang="zh-CN" dirty="0"/>
+              <a:t>follower </a:t>
+            </a:r>
+            <a:r>
+              <a:rPr lang="zh-CN" altLang="en-US" dirty="0"/>
+              <a:t>的新 </a:t>
+            </a:r>
+            <a:r>
+              <a:rPr lang="en-US" altLang="zh-CN" dirty="0"/>
+              <a:t>leader</a:t>
+            </a:r>
+            <a:r>
+              <a:rPr lang="zh-CN" altLang="en-US" dirty="0"/>
+              <a:t>，然后新 </a:t>
+            </a:r>
+            <a:r>
+              <a:rPr lang="en-US" altLang="zh-CN" dirty="0"/>
+              <a:t>leader </a:t>
+            </a:r>
+            <a:r>
+              <a:rPr lang="zh-CN" altLang="en-US" dirty="0"/>
+              <a:t>负责将整个系统同步到最新状态。</a:t>
+            </a:r>
+            <a:endParaRPr lang="en-US" altLang="zh-CN" dirty="0"/>
+          </a:p>
+          <a:p>
+            <a:pPr marL="457200" lvl="1" indent="0">
+              <a:buNone/>
+            </a:pPr>
+            <a:endParaRPr lang="zh-CN" altLang="en-US" dirty="0"/>
+          </a:p>
+          <a:p>
+            <a:r>
+              <a:rPr lang="zh-CN" altLang="en-US" dirty="0"/>
+              <a:t>* 消息广播模式</a:t>
+            </a:r>
+          </a:p>
+          <a:p>
+            <a:pPr lvl="1"/>
+            <a:r>
+              <a:rPr lang="en-US" altLang="zh-CN" dirty="0"/>
+              <a:t>&gt;</a:t>
+            </a:r>
+            <a:r>
+              <a:rPr lang="zh-CN" altLang="en-US" dirty="0"/>
+              <a:t> </a:t>
+            </a:r>
+            <a:r>
+              <a:rPr lang="en-US" altLang="zh-CN" dirty="0" err="1"/>
+              <a:t>Zab</a:t>
+            </a:r>
+            <a:r>
+              <a:rPr lang="en-US" altLang="zh-CN" dirty="0"/>
+              <a:t> </a:t>
+            </a:r>
+            <a:r>
+              <a:rPr lang="zh-CN" altLang="en-US" dirty="0"/>
+              <a:t>协议中，所有的写请求都由 </a:t>
+            </a:r>
+            <a:r>
+              <a:rPr lang="en-US" altLang="zh-CN" dirty="0"/>
+              <a:t>leader </a:t>
+            </a:r>
+            <a:r>
+              <a:rPr lang="zh-CN" altLang="en-US" dirty="0"/>
+              <a:t>来处理。正常工作状态下，</a:t>
+            </a:r>
+            <a:r>
+              <a:rPr lang="en-US" altLang="zh-CN" dirty="0"/>
+              <a:t>leader </a:t>
+            </a:r>
+            <a:r>
+              <a:rPr lang="zh-CN" altLang="en-US" dirty="0"/>
+              <a:t>接收请求并通过广播协议来处理。</a:t>
+            </a:r>
+          </a:p>
+          <a:p>
+            <a:pPr marL="0" indent="0">
+              <a:buNone/>
+            </a:pPr>
+            <a:endParaRPr lang="zh-CN" altLang="en-US" dirty="0"/>
           </a:p>
         </p:txBody>
       </p:sp>
@@ -11819,7 +13545,10 @@
           <a:bodyPr/>
           <a:lstStyle/>
           <a:p>
-            <a:endParaRPr lang="zh-CN" altLang="en-US"/>
+            <a:r>
+              <a:rPr lang="zh-CN" altLang="en-US" dirty="0"/>
+              <a:t>选举</a:t>
+            </a:r>
           </a:p>
         </p:txBody>
       </p:sp>
@@ -11844,7 +13573,40 @@
           <a:bodyPr/>
           <a:lstStyle/>
           <a:p>
-            <a:endParaRPr lang="zh-CN" altLang="en-US"/>
+            <a:r>
+              <a:rPr lang="zh-CN" altLang="en-US" dirty="0"/>
+              <a:t>问题</a:t>
+            </a:r>
+            <a:r>
+              <a:rPr lang="en-US" altLang="zh-CN" dirty="0"/>
+              <a:t>1: </a:t>
+            </a:r>
+            <a:r>
+              <a:rPr lang="zh-CN" altLang="en-US" dirty="0"/>
+              <a:t>为什么要选举</a:t>
+            </a:r>
+            <a:r>
+              <a:rPr lang="en-US" altLang="zh-CN" dirty="0"/>
+              <a:t>leader</a:t>
+            </a:r>
+          </a:p>
+          <a:p>
+            <a:r>
+              <a:rPr lang="zh-CN" altLang="en-US" dirty="0"/>
+              <a:t>问题</a:t>
+            </a:r>
+            <a:r>
+              <a:rPr lang="en-US" altLang="zh-CN" dirty="0"/>
+              <a:t>2: </a:t>
+            </a:r>
+            <a:r>
+              <a:rPr lang="zh-CN" altLang="en-US" dirty="0"/>
+              <a:t>如何选举</a:t>
+            </a:r>
+            <a:r>
+              <a:rPr lang="en-US" altLang="zh-CN" dirty="0"/>
+              <a:t>leader</a:t>
+            </a:r>
           </a:p>
         </p:txBody>
       </p:sp>
@@ -11965,6 +13727,1598 @@
 </p:sld>
 </file>
 
+<file path=ppt/slides/slide60.xml><?xml version="1.0" encoding="utf-8"?>
+<p:sld xmlns:a="http://schemas.openxmlformats.org/drawingml/2006/main" xmlns:r="http://schemas.openxmlformats.org/officeDocument/2006/relationships" xmlns:p="http://schemas.openxmlformats.org/presentationml/2006/main">
+  <p:cSld>
+    <p:spTree>
+      <p:nvGrpSpPr>
+        <p:cNvPr id="1" name=""/>
+        <p:cNvGrpSpPr/>
+        <p:nvPr/>
+      </p:nvGrpSpPr>
+      <p:grpSpPr>
+        <a:xfrm>
+          <a:off x="0" y="0"/>
+          <a:ext cx="0" cy="0"/>
+          <a:chOff x="0" y="0"/>
+          <a:chExt cx="0" cy="0"/>
+        </a:xfrm>
+      </p:grpSpPr>
+      <p:sp>
+        <p:nvSpPr>
+          <p:cNvPr id="2" name="标题 1">
+            <a:extLst>
+              <a:ext uri="{FF2B5EF4-FFF2-40B4-BE49-F238E27FC236}">
+                <a16:creationId xmlns:a16="http://schemas.microsoft.com/office/drawing/2014/main" id="{38B62A58-4531-4D4F-BD3C-521EAEA69144}"/>
+              </a:ext>
+            </a:extLst>
+          </p:cNvPr>
+          <p:cNvSpPr>
+            <a:spLocks noGrp="1"/>
+          </p:cNvSpPr>
+          <p:nvPr>
+            <p:ph type="title"/>
+          </p:nvPr>
+        </p:nvSpPr>
+        <p:spPr/>
+        <p:txBody>
+          <a:bodyPr/>
+          <a:lstStyle/>
+          <a:p>
+            <a:r>
+              <a:rPr lang="zh-CN" altLang="en-US" dirty="0"/>
+              <a:t>为什么要选举</a:t>
+            </a:r>
+            <a:r>
+              <a:rPr lang="en-US" altLang="zh-CN" dirty="0"/>
+              <a:t>leader</a:t>
+            </a:r>
+            <a:endParaRPr lang="zh-CN" altLang="en-US" dirty="0"/>
+          </a:p>
+        </p:txBody>
+      </p:sp>
+      <p:sp>
+        <p:nvSpPr>
+          <p:cNvPr id="3" name="内容占位符 2">
+            <a:extLst>
+              <a:ext uri="{FF2B5EF4-FFF2-40B4-BE49-F238E27FC236}">
+                <a16:creationId xmlns:a16="http://schemas.microsoft.com/office/drawing/2014/main" id="{27BCFCBE-7AEE-458D-835A-A34A70DFC18E}"/>
+              </a:ext>
+            </a:extLst>
+          </p:cNvPr>
+          <p:cNvSpPr>
+            <a:spLocks noGrp="1"/>
+          </p:cNvSpPr>
+          <p:nvPr>
+            <p:ph idx="1"/>
+          </p:nvPr>
+        </p:nvSpPr>
+        <p:spPr/>
+        <p:txBody>
+          <a:bodyPr/>
+          <a:lstStyle/>
+          <a:p>
+            <a:pPr marL="0" indent="0">
+              <a:buNone/>
+            </a:pPr>
+            <a:r>
+              <a:rPr lang="en-US" altLang="zh-CN" dirty="0"/>
+              <a:t>	</a:t>
+            </a:r>
+            <a:r>
+              <a:rPr lang="zh-CN" altLang="en-US" dirty="0"/>
+              <a:t>我们在了解分布式选举算法之前，我们需要这样一种算法产生的背景。在一个分布式系统中，因为各种意外的因素，有的服务器可能会崩溃或变得不可靠，它就不能和其他服务器达成一致状态。因而这样就需要一种</a:t>
+            </a:r>
+            <a:r>
+              <a:rPr lang="en-US" altLang="zh-CN" dirty="0"/>
+              <a:t>Consensus</a:t>
+            </a:r>
+            <a:r>
+              <a:rPr lang="zh-CN" altLang="en-US" dirty="0"/>
+              <a:t>协议，来确保服务器的容错性，也就是说即使系统中有一两个服务器节点</a:t>
+            </a:r>
+            <a:r>
+              <a:rPr lang="en-US" altLang="zh-CN" dirty="0"/>
+              <a:t>Crash</a:t>
+            </a:r>
+            <a:r>
+              <a:rPr lang="zh-CN" altLang="en-US" dirty="0"/>
+              <a:t>，也不会影响其处理过程。为了让容错方式达成一致，我们不可能要求所有的服务器节点</a:t>
+            </a:r>
+            <a:r>
+              <a:rPr lang="en-US" altLang="zh-CN" dirty="0"/>
+              <a:t>100%</a:t>
+            </a:r>
+            <a:r>
+              <a:rPr lang="zh-CN" altLang="en-US" dirty="0"/>
+              <a:t>都达成</a:t>
+            </a:r>
+            <a:r>
+              <a:rPr lang="en-US" altLang="zh-CN" dirty="0"/>
+              <a:t>Consensus</a:t>
+            </a:r>
+            <a:r>
+              <a:rPr lang="zh-CN" altLang="en-US" dirty="0"/>
+              <a:t>状态，只要超过半数的大多数服务器节点</a:t>
+            </a:r>
+            <a:r>
+              <a:rPr lang="en-US" altLang="zh-CN" dirty="0"/>
+              <a:t>Consensus</a:t>
+            </a:r>
+            <a:r>
+              <a:rPr lang="zh-CN" altLang="en-US" dirty="0"/>
+              <a:t>即可，假设有</a:t>
+            </a:r>
+            <a:r>
+              <a:rPr lang="en-US" altLang="zh-CN" dirty="0"/>
+              <a:t>N</a:t>
+            </a:r>
+            <a:r>
+              <a:rPr lang="zh-CN" altLang="en-US" dirty="0"/>
+              <a:t>台服务器节点，</a:t>
+            </a:r>
+            <a:r>
+              <a:rPr lang="en-US" altLang="zh-CN" dirty="0"/>
+              <a:t>(N/2)+1 </a:t>
+            </a:r>
+            <a:r>
+              <a:rPr lang="zh-CN" altLang="en-US" dirty="0"/>
+              <a:t>就超过半数，即可代表大多数了。</a:t>
+            </a:r>
+          </a:p>
+          <a:p>
+            <a:pPr marL="0" indent="0">
+              <a:buNone/>
+            </a:pPr>
+            <a:endParaRPr lang="zh-CN" altLang="en-US" dirty="0"/>
+          </a:p>
+        </p:txBody>
+      </p:sp>
+    </p:spTree>
+    <p:extLst>
+      <p:ext uri="{BB962C8B-B14F-4D97-AF65-F5344CB8AC3E}">
+        <p14:creationId xmlns:p14="http://schemas.microsoft.com/office/powerpoint/2010/main" val="2826339815"/>
+      </p:ext>
+    </p:extLst>
+  </p:cSld>
+  <p:clrMapOvr>
+    <a:masterClrMapping/>
+  </p:clrMapOvr>
+</p:sld>
+</file>
+
+<file path=ppt/slides/slide61.xml><?xml version="1.0" encoding="utf-8"?>
+<p:sld xmlns:a="http://schemas.openxmlformats.org/drawingml/2006/main" xmlns:r="http://schemas.openxmlformats.org/officeDocument/2006/relationships" xmlns:p="http://schemas.openxmlformats.org/presentationml/2006/main">
+  <p:cSld>
+    <p:spTree>
+      <p:nvGrpSpPr>
+        <p:cNvPr id="1" name=""/>
+        <p:cNvGrpSpPr/>
+        <p:nvPr/>
+      </p:nvGrpSpPr>
+      <p:grpSpPr>
+        <a:xfrm>
+          <a:off x="0" y="0"/>
+          <a:ext cx="0" cy="0"/>
+          <a:chOff x="0" y="0"/>
+          <a:chExt cx="0" cy="0"/>
+        </a:xfrm>
+      </p:grpSpPr>
+      <p:sp>
+        <p:nvSpPr>
+          <p:cNvPr id="2" name="标题 1">
+            <a:extLst>
+              <a:ext uri="{FF2B5EF4-FFF2-40B4-BE49-F238E27FC236}">
+                <a16:creationId xmlns:a16="http://schemas.microsoft.com/office/drawing/2014/main" id="{2CDE341B-BD62-4D07-80BC-B21E8884F0BE}"/>
+              </a:ext>
+            </a:extLst>
+          </p:cNvPr>
+          <p:cNvSpPr>
+            <a:spLocks noGrp="1"/>
+          </p:cNvSpPr>
+          <p:nvPr>
+            <p:ph type="title"/>
+          </p:nvPr>
+        </p:nvSpPr>
+        <p:spPr/>
+        <p:txBody>
+          <a:bodyPr/>
+          <a:lstStyle/>
+          <a:p>
+            <a:r>
+              <a:rPr lang="zh-CN" altLang="en-US" dirty="0"/>
+              <a:t>如何选举</a:t>
+            </a:r>
+            <a:r>
+              <a:rPr lang="en-US" altLang="zh-CN" dirty="0"/>
+              <a:t>leader</a:t>
+            </a:r>
+            <a:endParaRPr lang="zh-CN" altLang="en-US" dirty="0"/>
+          </a:p>
+        </p:txBody>
+      </p:sp>
+      <p:sp>
+        <p:nvSpPr>
+          <p:cNvPr id="3" name="内容占位符 2">
+            <a:extLst>
+              <a:ext uri="{FF2B5EF4-FFF2-40B4-BE49-F238E27FC236}">
+                <a16:creationId xmlns:a16="http://schemas.microsoft.com/office/drawing/2014/main" id="{4D26E728-AFD6-4F60-A83E-B68D408F6E38}"/>
+              </a:ext>
+            </a:extLst>
+          </p:cNvPr>
+          <p:cNvSpPr>
+            <a:spLocks noGrp="1"/>
+          </p:cNvSpPr>
+          <p:nvPr>
+            <p:ph idx="1"/>
+          </p:nvPr>
+        </p:nvSpPr>
+        <p:spPr/>
+        <p:txBody>
+          <a:bodyPr/>
+          <a:lstStyle/>
+          <a:p>
+            <a:pPr marL="0" indent="0">
+              <a:buNone/>
+            </a:pPr>
+            <a:r>
+              <a:rPr lang="en-US" altLang="zh-CN" dirty="0"/>
+              <a:t>	</a:t>
+            </a:r>
+            <a:r>
+              <a:rPr lang="zh-CN" altLang="en-US" dirty="0"/>
+              <a:t>某个服务可以配置为多个实例共同构成一个集群对外提供服务。其每一个实例本地都存有冗余数据，每一个实例都可以直接对外提供读写服务。在这个集群中为了保证数据的一致性，需要有一个</a:t>
+            </a:r>
+            <a:r>
+              <a:rPr lang="en-US" altLang="zh-CN" dirty="0"/>
+              <a:t>Leader</a:t>
+            </a:r>
+            <a:r>
+              <a:rPr lang="zh-CN" altLang="en-US" dirty="0"/>
+              <a:t>来协调一些事务。那么问题来了：如何确定哪一个实例是</a:t>
+            </a:r>
+            <a:r>
+              <a:rPr lang="en-US" altLang="zh-CN" dirty="0"/>
+              <a:t>Leader</a:t>
+            </a:r>
+            <a:r>
+              <a:rPr lang="zh-CN" altLang="en-US" dirty="0"/>
+              <a:t>呢？</a:t>
+            </a:r>
+          </a:p>
+          <a:p>
+            <a:pPr marL="0" indent="0">
+              <a:buNone/>
+            </a:pPr>
+            <a:endParaRPr lang="zh-CN" altLang="en-US" dirty="0"/>
+          </a:p>
+        </p:txBody>
+      </p:sp>
+    </p:spTree>
+    <p:extLst>
+      <p:ext uri="{BB962C8B-B14F-4D97-AF65-F5344CB8AC3E}">
+        <p14:creationId xmlns:p14="http://schemas.microsoft.com/office/powerpoint/2010/main" val="2472263887"/>
+      </p:ext>
+    </p:extLst>
+  </p:cSld>
+  <p:clrMapOvr>
+    <a:masterClrMapping/>
+  </p:clrMapOvr>
+</p:sld>
+</file>
+
+<file path=ppt/slides/slide62.xml><?xml version="1.0" encoding="utf-8"?>
+<p:sld xmlns:a="http://schemas.openxmlformats.org/drawingml/2006/main" xmlns:r="http://schemas.openxmlformats.org/officeDocument/2006/relationships" xmlns:p="http://schemas.openxmlformats.org/presentationml/2006/main">
+  <p:cSld>
+    <p:spTree>
+      <p:nvGrpSpPr>
+        <p:cNvPr id="1" name=""/>
+        <p:cNvGrpSpPr/>
+        <p:nvPr/>
+      </p:nvGrpSpPr>
+      <p:grpSpPr>
+        <a:xfrm>
+          <a:off x="0" y="0"/>
+          <a:ext cx="0" cy="0"/>
+          <a:chOff x="0" y="0"/>
+          <a:chExt cx="0" cy="0"/>
+        </a:xfrm>
+      </p:grpSpPr>
+      <p:sp>
+        <p:nvSpPr>
+          <p:cNvPr id="2" name="标题 1">
+            <a:extLst>
+              <a:ext uri="{FF2B5EF4-FFF2-40B4-BE49-F238E27FC236}">
+                <a16:creationId xmlns:a16="http://schemas.microsoft.com/office/drawing/2014/main" id="{2F2762CA-98F7-4503-8DE0-ACE29BF3C1E4}"/>
+              </a:ext>
+            </a:extLst>
+          </p:cNvPr>
+          <p:cNvSpPr>
+            <a:spLocks noGrp="1"/>
+          </p:cNvSpPr>
+          <p:nvPr>
+            <p:ph type="title"/>
+          </p:nvPr>
+        </p:nvSpPr>
+        <p:spPr/>
+        <p:txBody>
+          <a:bodyPr/>
+          <a:lstStyle/>
+          <a:p>
+            <a:r>
+              <a:rPr lang="zh-CN" altLang="en-US" dirty="0"/>
+              <a:t>选举的难点</a:t>
+            </a:r>
+          </a:p>
+        </p:txBody>
+      </p:sp>
+      <p:sp>
+        <p:nvSpPr>
+          <p:cNvPr id="3" name="内容占位符 2">
+            <a:extLst>
+              <a:ext uri="{FF2B5EF4-FFF2-40B4-BE49-F238E27FC236}">
+                <a16:creationId xmlns:a16="http://schemas.microsoft.com/office/drawing/2014/main" id="{E8FD4D40-C6E6-4353-B791-82FAC5E71F78}"/>
+              </a:ext>
+            </a:extLst>
+          </p:cNvPr>
+          <p:cNvSpPr>
+            <a:spLocks noGrp="1"/>
+          </p:cNvSpPr>
+          <p:nvPr>
+            <p:ph idx="1"/>
+          </p:nvPr>
+        </p:nvSpPr>
+        <p:spPr/>
+        <p:txBody>
+          <a:bodyPr/>
+          <a:lstStyle/>
+          <a:p>
+            <a:r>
+              <a:rPr lang="en-US" altLang="zh-CN" dirty="0"/>
+              <a:t>1.</a:t>
+            </a:r>
+            <a:r>
+              <a:rPr lang="zh-CN" altLang="en-US" dirty="0"/>
+              <a:t> 没有一个仲裁者来选定</a:t>
+            </a:r>
+            <a:r>
+              <a:rPr lang="en-US" altLang="zh-CN" dirty="0"/>
+              <a:t>Leader</a:t>
+            </a:r>
+          </a:p>
+          <a:p>
+            <a:r>
+              <a:rPr lang="en-US" altLang="zh-CN" dirty="0"/>
+              <a:t>2.</a:t>
+            </a:r>
+            <a:r>
+              <a:rPr lang="zh-CN" altLang="en-US" dirty="0"/>
+              <a:t> 每一个实例本地可能已经存在数据，不确定哪个实例上的数据是最新的</a:t>
+            </a:r>
+          </a:p>
+          <a:p>
+            <a:pPr marL="0" indent="0">
+              <a:buNone/>
+            </a:pPr>
+            <a:endParaRPr lang="zh-CN" altLang="en-US" dirty="0"/>
+          </a:p>
+        </p:txBody>
+      </p:sp>
+    </p:spTree>
+    <p:extLst>
+      <p:ext uri="{BB962C8B-B14F-4D97-AF65-F5344CB8AC3E}">
+        <p14:creationId xmlns:p14="http://schemas.microsoft.com/office/powerpoint/2010/main" val="3310590260"/>
+      </p:ext>
+    </p:extLst>
+  </p:cSld>
+  <p:clrMapOvr>
+    <a:masterClrMapping/>
+  </p:clrMapOvr>
+</p:sld>
+</file>
+
+<file path=ppt/slides/slide63.xml><?xml version="1.0" encoding="utf-8"?>
+<p:sld xmlns:a="http://schemas.openxmlformats.org/drawingml/2006/main" xmlns:r="http://schemas.openxmlformats.org/officeDocument/2006/relationships" xmlns:p="http://schemas.openxmlformats.org/presentationml/2006/main">
+  <p:cSld>
+    <p:spTree>
+      <p:nvGrpSpPr>
+        <p:cNvPr id="1" name=""/>
+        <p:cNvGrpSpPr/>
+        <p:nvPr/>
+      </p:nvGrpSpPr>
+      <p:grpSpPr>
+        <a:xfrm>
+          <a:off x="0" y="0"/>
+          <a:ext cx="0" cy="0"/>
+          <a:chOff x="0" y="0"/>
+          <a:chExt cx="0" cy="0"/>
+        </a:xfrm>
+      </p:grpSpPr>
+      <p:sp>
+        <p:nvSpPr>
+          <p:cNvPr id="2" name="标题 1">
+            <a:extLst>
+              <a:ext uri="{FF2B5EF4-FFF2-40B4-BE49-F238E27FC236}">
+                <a16:creationId xmlns:a16="http://schemas.microsoft.com/office/drawing/2014/main" id="{414F78F7-CCB3-4B21-85E5-7343CB156BB4}"/>
+              </a:ext>
+            </a:extLst>
+          </p:cNvPr>
+          <p:cNvSpPr>
+            <a:spLocks noGrp="1"/>
+          </p:cNvSpPr>
+          <p:nvPr>
+            <p:ph type="title"/>
+          </p:nvPr>
+        </p:nvSpPr>
+        <p:spPr/>
+        <p:txBody>
+          <a:bodyPr/>
+          <a:lstStyle/>
+          <a:p>
+            <a:r>
+              <a:rPr lang="zh-CN" altLang="en-US" dirty="0"/>
+              <a:t>分布式选举算法</a:t>
+            </a:r>
+          </a:p>
+        </p:txBody>
+      </p:sp>
+      <p:sp>
+        <p:nvSpPr>
+          <p:cNvPr id="3" name="内容占位符 2">
+            <a:extLst>
+              <a:ext uri="{FF2B5EF4-FFF2-40B4-BE49-F238E27FC236}">
+                <a16:creationId xmlns:a16="http://schemas.microsoft.com/office/drawing/2014/main" id="{D5E79B98-B178-458B-8BC8-D218041128C8}"/>
+              </a:ext>
+            </a:extLst>
+          </p:cNvPr>
+          <p:cNvSpPr>
+            <a:spLocks noGrp="1"/>
+          </p:cNvSpPr>
+          <p:nvPr>
+            <p:ph idx="1"/>
+          </p:nvPr>
+        </p:nvSpPr>
+        <p:spPr/>
+        <p:txBody>
+          <a:bodyPr/>
+          <a:lstStyle/>
+          <a:p>
+            <a:r>
+              <a:rPr lang="en-US" altLang="zh-CN" dirty="0"/>
+              <a:t>* </a:t>
+            </a:r>
+            <a:r>
+              <a:rPr lang="en-US" altLang="zh-CN" dirty="0" err="1"/>
+              <a:t>Paxos</a:t>
+            </a:r>
+            <a:endParaRPr lang="en-US" altLang="zh-CN" dirty="0"/>
+          </a:p>
+          <a:p>
+            <a:r>
+              <a:rPr lang="en-US" altLang="zh-CN" dirty="0"/>
+              <a:t>* Raft</a:t>
+            </a:r>
+          </a:p>
+          <a:p>
+            <a:r>
+              <a:rPr lang="en-US" altLang="zh-CN" dirty="0"/>
+              <a:t>* </a:t>
+            </a:r>
+            <a:r>
+              <a:rPr lang="en-US" altLang="zh-CN" dirty="0" err="1"/>
+              <a:t>ZooKeeper</a:t>
+            </a:r>
+            <a:r>
+              <a:rPr lang="en-US" altLang="zh-CN" dirty="0"/>
+              <a:t> ZAB</a:t>
+            </a:r>
+          </a:p>
+        </p:txBody>
+      </p:sp>
+    </p:spTree>
+    <p:extLst>
+      <p:ext uri="{BB962C8B-B14F-4D97-AF65-F5344CB8AC3E}">
+        <p14:creationId xmlns:p14="http://schemas.microsoft.com/office/powerpoint/2010/main" val="3482407095"/>
+      </p:ext>
+    </p:extLst>
+  </p:cSld>
+  <p:clrMapOvr>
+    <a:masterClrMapping/>
+  </p:clrMapOvr>
+</p:sld>
+</file>
+
+<file path=ppt/slides/slide64.xml><?xml version="1.0" encoding="utf-8"?>
+<p:sld xmlns:a="http://schemas.openxmlformats.org/drawingml/2006/main" xmlns:r="http://schemas.openxmlformats.org/officeDocument/2006/relationships" xmlns:p="http://schemas.openxmlformats.org/presentationml/2006/main">
+  <p:cSld>
+    <p:spTree>
+      <p:nvGrpSpPr>
+        <p:cNvPr id="1" name=""/>
+        <p:cNvGrpSpPr/>
+        <p:nvPr/>
+      </p:nvGrpSpPr>
+      <p:grpSpPr>
+        <a:xfrm>
+          <a:off x="0" y="0"/>
+          <a:ext cx="0" cy="0"/>
+          <a:chOff x="0" y="0"/>
+          <a:chExt cx="0" cy="0"/>
+        </a:xfrm>
+      </p:grpSpPr>
+      <p:sp>
+        <p:nvSpPr>
+          <p:cNvPr id="2" name="标题 1">
+            <a:extLst>
+              <a:ext uri="{FF2B5EF4-FFF2-40B4-BE49-F238E27FC236}">
+                <a16:creationId xmlns:a16="http://schemas.microsoft.com/office/drawing/2014/main" id="{7D6EE5B2-DBB9-44ED-BA1E-FFD145008A67}"/>
+              </a:ext>
+            </a:extLst>
+          </p:cNvPr>
+          <p:cNvSpPr>
+            <a:spLocks noGrp="1"/>
+          </p:cNvSpPr>
+          <p:nvPr>
+            <p:ph type="title"/>
+          </p:nvPr>
+        </p:nvSpPr>
+        <p:spPr/>
+        <p:txBody>
+          <a:bodyPr/>
+          <a:lstStyle/>
+          <a:p>
+            <a:r>
+              <a:rPr lang="en-US" altLang="zh-CN" dirty="0" err="1"/>
+              <a:t>ZooKeeper</a:t>
+            </a:r>
+            <a:r>
+              <a:rPr lang="en-US" altLang="zh-CN" dirty="0"/>
+              <a:t> ZAB</a:t>
+            </a:r>
+            <a:endParaRPr lang="zh-CN" altLang="en-US" dirty="0"/>
+          </a:p>
+        </p:txBody>
+      </p:sp>
+      <p:sp>
+        <p:nvSpPr>
+          <p:cNvPr id="3" name="内容占位符 2">
+            <a:extLst>
+              <a:ext uri="{FF2B5EF4-FFF2-40B4-BE49-F238E27FC236}">
+                <a16:creationId xmlns:a16="http://schemas.microsoft.com/office/drawing/2014/main" id="{26CC1C77-F2E3-4B65-A287-C80C58BCD7D1}"/>
+              </a:ext>
+            </a:extLst>
+          </p:cNvPr>
+          <p:cNvSpPr>
+            <a:spLocks noGrp="1"/>
+          </p:cNvSpPr>
+          <p:nvPr>
+            <p:ph idx="1"/>
+          </p:nvPr>
+        </p:nvSpPr>
+        <p:spPr/>
+        <p:txBody>
+          <a:bodyPr/>
+          <a:lstStyle/>
+          <a:p>
+            <a:pPr marL="0" indent="0">
+              <a:buNone/>
+            </a:pPr>
+            <a:r>
+              <a:rPr lang="en-US" altLang="zh-CN" dirty="0"/>
+              <a:t>	Zookeeper</a:t>
+            </a:r>
+            <a:r>
+              <a:rPr lang="zh-CN" altLang="en-US" dirty="0"/>
+              <a:t>的核心是原子广播，这个机制保证了各个</a:t>
+            </a:r>
+            <a:r>
+              <a:rPr lang="en-US" altLang="zh-CN" dirty="0"/>
+              <a:t>Server</a:t>
+            </a:r>
+            <a:r>
+              <a:rPr lang="zh-CN" altLang="en-US" dirty="0"/>
+              <a:t>之间的同步。实现这个机制的协议叫做</a:t>
+            </a:r>
+            <a:r>
+              <a:rPr lang="en-US" altLang="zh-CN" dirty="0" err="1"/>
+              <a:t>Zab</a:t>
+            </a:r>
+            <a:r>
+              <a:rPr lang="zh-CN" altLang="en-US" dirty="0"/>
+              <a:t>协议。</a:t>
+            </a:r>
+            <a:r>
+              <a:rPr lang="en-US" altLang="zh-CN" dirty="0" err="1"/>
+              <a:t>Zab</a:t>
+            </a:r>
+            <a:r>
+              <a:rPr lang="zh-CN" altLang="en-US" dirty="0"/>
+              <a:t>协议有两种模式，它们分别是恢复模式（选主）和广播模式（同步）。当服务启动或者在领导者崩溃后，</a:t>
+            </a:r>
+            <a:r>
+              <a:rPr lang="en-US" altLang="zh-CN" dirty="0" err="1"/>
+              <a:t>Zab</a:t>
+            </a:r>
+            <a:r>
+              <a:rPr lang="zh-CN" altLang="en-US" dirty="0"/>
+              <a:t>就进入了恢复模式，当领导者被选举出来，且大多数</a:t>
+            </a:r>
+            <a:r>
+              <a:rPr lang="en-US" altLang="zh-CN" dirty="0"/>
+              <a:t>Server</a:t>
+            </a:r>
+            <a:r>
+              <a:rPr lang="zh-CN" altLang="en-US" dirty="0"/>
+              <a:t>完成了和</a:t>
+            </a:r>
+            <a:r>
+              <a:rPr lang="en-US" altLang="zh-CN" dirty="0"/>
+              <a:t>leader</a:t>
+            </a:r>
+            <a:r>
+              <a:rPr lang="zh-CN" altLang="en-US" dirty="0"/>
+              <a:t>的状态同步以后，恢复模式就结束了。状态同步保证了</a:t>
+            </a:r>
+            <a:r>
+              <a:rPr lang="en-US" altLang="zh-CN" dirty="0"/>
+              <a:t>leader</a:t>
+            </a:r>
+            <a:r>
+              <a:rPr lang="zh-CN" altLang="en-US" dirty="0"/>
+              <a:t>和</a:t>
+            </a:r>
+            <a:r>
+              <a:rPr lang="en-US" altLang="zh-CN" dirty="0"/>
+              <a:t>Server</a:t>
+            </a:r>
+            <a:r>
+              <a:rPr lang="zh-CN" altLang="en-US" dirty="0"/>
+              <a:t>具有相同的系统状态。</a:t>
+            </a:r>
+            <a:r>
+              <a:rPr lang="en-US" altLang="zh-CN" dirty="0"/>
+              <a:t>leader</a:t>
+            </a:r>
+            <a:r>
+              <a:rPr lang="zh-CN" altLang="en-US" dirty="0"/>
+              <a:t>选举是保证分布式数据一致性的关键。</a:t>
+            </a:r>
+          </a:p>
+          <a:p>
+            <a:pPr marL="0" indent="0">
+              <a:buNone/>
+            </a:pPr>
+            <a:endParaRPr lang="zh-CN" altLang="en-US" dirty="0"/>
+          </a:p>
+        </p:txBody>
+      </p:sp>
+    </p:spTree>
+    <p:extLst>
+      <p:ext uri="{BB962C8B-B14F-4D97-AF65-F5344CB8AC3E}">
+        <p14:creationId xmlns:p14="http://schemas.microsoft.com/office/powerpoint/2010/main" val="934347574"/>
+      </p:ext>
+    </p:extLst>
+  </p:cSld>
+  <p:clrMapOvr>
+    <a:masterClrMapping/>
+  </p:clrMapOvr>
+</p:sld>
+</file>
+
+<file path=ppt/slides/slide65.xml><?xml version="1.0" encoding="utf-8"?>
+<p:sld xmlns:a="http://schemas.openxmlformats.org/drawingml/2006/main" xmlns:r="http://schemas.openxmlformats.org/officeDocument/2006/relationships" xmlns:p="http://schemas.openxmlformats.org/presentationml/2006/main">
+  <p:cSld>
+    <p:spTree>
+      <p:nvGrpSpPr>
+        <p:cNvPr id="1" name=""/>
+        <p:cNvGrpSpPr/>
+        <p:nvPr/>
+      </p:nvGrpSpPr>
+      <p:grpSpPr>
+        <a:xfrm>
+          <a:off x="0" y="0"/>
+          <a:ext cx="0" cy="0"/>
+          <a:chOff x="0" y="0"/>
+          <a:chExt cx="0" cy="0"/>
+        </a:xfrm>
+      </p:grpSpPr>
+      <p:sp>
+        <p:nvSpPr>
+          <p:cNvPr id="2" name="标题 1">
+            <a:extLst>
+              <a:ext uri="{FF2B5EF4-FFF2-40B4-BE49-F238E27FC236}">
+                <a16:creationId xmlns:a16="http://schemas.microsoft.com/office/drawing/2014/main" id="{E0772D26-BB81-4BCA-A4F7-D6B0B6F88CFD}"/>
+              </a:ext>
+            </a:extLst>
+          </p:cNvPr>
+          <p:cNvSpPr>
+            <a:spLocks noGrp="1"/>
+          </p:cNvSpPr>
+          <p:nvPr>
+            <p:ph type="title"/>
+          </p:nvPr>
+        </p:nvSpPr>
+        <p:spPr/>
+        <p:txBody>
+          <a:bodyPr/>
+          <a:lstStyle/>
+          <a:p>
+            <a:r>
+              <a:rPr lang="en-US" altLang="zh-CN" dirty="0"/>
+              <a:t>zookeeper</a:t>
+            </a:r>
+            <a:r>
+              <a:rPr lang="zh-CN" altLang="en-US" dirty="0"/>
+              <a:t>选主</a:t>
+            </a:r>
+          </a:p>
+        </p:txBody>
+      </p:sp>
+      <p:sp>
+        <p:nvSpPr>
+          <p:cNvPr id="3" name="内容占位符 2">
+            <a:extLst>
+              <a:ext uri="{FF2B5EF4-FFF2-40B4-BE49-F238E27FC236}">
+                <a16:creationId xmlns:a16="http://schemas.microsoft.com/office/drawing/2014/main" id="{067ADA40-A26E-4FCF-96C8-830C7137B673}"/>
+              </a:ext>
+            </a:extLst>
+          </p:cNvPr>
+          <p:cNvSpPr>
+            <a:spLocks noGrp="1"/>
+          </p:cNvSpPr>
+          <p:nvPr>
+            <p:ph idx="1"/>
+          </p:nvPr>
+        </p:nvSpPr>
+        <p:spPr/>
+        <p:txBody>
+          <a:bodyPr/>
+          <a:lstStyle/>
+          <a:p>
+            <a:r>
+              <a:rPr lang="zh-CN" altLang="en-US" dirty="0"/>
+              <a:t>一个</a:t>
+            </a:r>
+            <a:r>
+              <a:rPr lang="en-US" altLang="zh-CN" dirty="0"/>
+              <a:t>Server</a:t>
+            </a:r>
+            <a:r>
+              <a:rPr lang="zh-CN" altLang="en-US" dirty="0"/>
+              <a:t>是如何知道其它的</a:t>
+            </a:r>
+            <a:r>
+              <a:rPr lang="en-US" altLang="zh-CN" dirty="0"/>
+              <a:t>Server</a:t>
+            </a:r>
+            <a:r>
+              <a:rPr lang="zh-CN" altLang="en-US" dirty="0"/>
+              <a:t>？</a:t>
+            </a:r>
+            <a:endParaRPr lang="en-US" altLang="zh-CN" dirty="0"/>
+          </a:p>
+          <a:p>
+            <a:r>
+              <a:rPr lang="zh-CN" altLang="en-US" dirty="0"/>
+              <a:t>成为</a:t>
+            </a:r>
+            <a:r>
+              <a:rPr lang="en-US" altLang="zh-CN" dirty="0"/>
+              <a:t>Leader</a:t>
+            </a:r>
+            <a:r>
+              <a:rPr lang="zh-CN" altLang="en-US" dirty="0"/>
+              <a:t>的必要条件？</a:t>
+            </a:r>
+          </a:p>
+          <a:p>
+            <a:r>
+              <a:rPr lang="zh-CN" altLang="en-US" dirty="0"/>
+              <a:t>如果所有</a:t>
+            </a:r>
+            <a:r>
+              <a:rPr lang="en-US" altLang="zh-CN" dirty="0" err="1"/>
+              <a:t>zxid</a:t>
+            </a:r>
+            <a:r>
+              <a:rPr lang="zh-CN" altLang="en-US" dirty="0"/>
+              <a:t>都相同</a:t>
+            </a:r>
+            <a:r>
+              <a:rPr lang="en-US" altLang="zh-CN" dirty="0"/>
+              <a:t>(</a:t>
+            </a:r>
+            <a:r>
+              <a:rPr lang="zh-CN" altLang="en-US" dirty="0"/>
+              <a:t>例如</a:t>
+            </a:r>
+            <a:r>
+              <a:rPr lang="en-US" altLang="zh-CN" dirty="0"/>
+              <a:t>: </a:t>
+            </a:r>
+            <a:r>
+              <a:rPr lang="zh-CN" altLang="en-US" dirty="0"/>
+              <a:t>刚初始化时</a:t>
+            </a:r>
+            <a:r>
+              <a:rPr lang="en-US" altLang="zh-CN" dirty="0"/>
+              <a:t>)</a:t>
+            </a:r>
+            <a:r>
+              <a:rPr lang="zh-CN" altLang="en-US" dirty="0"/>
+              <a:t>，此时有可能不能形成</a:t>
+            </a:r>
+            <a:r>
+              <a:rPr lang="en-US" altLang="zh-CN" dirty="0"/>
+              <a:t>n/2+1</a:t>
+            </a:r>
+            <a:r>
+              <a:rPr lang="zh-CN" altLang="en-US" dirty="0"/>
+              <a:t>个</a:t>
+            </a:r>
+            <a:r>
+              <a:rPr lang="en-US" altLang="zh-CN" dirty="0"/>
+              <a:t>Server</a:t>
+            </a:r>
+            <a:r>
+              <a:rPr lang="zh-CN" altLang="en-US" dirty="0"/>
+              <a:t>，怎么办？</a:t>
+            </a:r>
+          </a:p>
+          <a:p>
+            <a:r>
+              <a:rPr lang="en-US" altLang="zh-CN" dirty="0" err="1"/>
+              <a:t>ZooKeeper</a:t>
+            </a:r>
+            <a:r>
+              <a:rPr lang="zh-CN" altLang="en-US" dirty="0"/>
+              <a:t>中</a:t>
+            </a:r>
+            <a:r>
+              <a:rPr lang="en-US" altLang="zh-CN" dirty="0"/>
+              <a:t>Leader</a:t>
+            </a:r>
+            <a:r>
+              <a:rPr lang="zh-CN" altLang="en-US" dirty="0"/>
+              <a:t>怎么知道</a:t>
+            </a:r>
+            <a:r>
+              <a:rPr lang="en-US" altLang="zh-CN" dirty="0" err="1"/>
+              <a:t>Fllower</a:t>
+            </a:r>
+            <a:r>
+              <a:rPr lang="zh-CN" altLang="en-US" dirty="0"/>
+              <a:t>还存活，</a:t>
+            </a:r>
+            <a:r>
+              <a:rPr lang="en-US" altLang="zh-CN" dirty="0" err="1"/>
+              <a:t>Fllower</a:t>
+            </a:r>
+            <a:r>
+              <a:rPr lang="zh-CN" altLang="en-US" dirty="0"/>
+              <a:t>怎么知道</a:t>
+            </a:r>
+            <a:r>
+              <a:rPr lang="en-US" altLang="zh-CN" dirty="0"/>
+              <a:t>Leader</a:t>
+            </a:r>
+            <a:r>
+              <a:rPr lang="zh-CN" altLang="en-US" dirty="0"/>
+              <a:t>还存活？</a:t>
+            </a:r>
+          </a:p>
+        </p:txBody>
+      </p:sp>
+    </p:spTree>
+    <p:extLst>
+      <p:ext uri="{BB962C8B-B14F-4D97-AF65-F5344CB8AC3E}">
+        <p14:creationId xmlns:p14="http://schemas.microsoft.com/office/powerpoint/2010/main" val="1737054059"/>
+      </p:ext>
+    </p:extLst>
+  </p:cSld>
+  <p:clrMapOvr>
+    <a:masterClrMapping/>
+  </p:clrMapOvr>
+</p:sld>
+</file>
+
+<file path=ppt/slides/slide66.xml><?xml version="1.0" encoding="utf-8"?>
+<p:sld xmlns:a="http://schemas.openxmlformats.org/drawingml/2006/main" xmlns:r="http://schemas.openxmlformats.org/officeDocument/2006/relationships" xmlns:p="http://schemas.openxmlformats.org/presentationml/2006/main">
+  <p:cSld>
+    <p:spTree>
+      <p:nvGrpSpPr>
+        <p:cNvPr id="1" name=""/>
+        <p:cNvGrpSpPr/>
+        <p:nvPr/>
+      </p:nvGrpSpPr>
+      <p:grpSpPr>
+        <a:xfrm>
+          <a:off x="0" y="0"/>
+          <a:ext cx="0" cy="0"/>
+          <a:chOff x="0" y="0"/>
+          <a:chExt cx="0" cy="0"/>
+        </a:xfrm>
+      </p:grpSpPr>
+      <p:sp>
+        <p:nvSpPr>
+          <p:cNvPr id="2" name="标题 1">
+            <a:extLst>
+              <a:ext uri="{FF2B5EF4-FFF2-40B4-BE49-F238E27FC236}">
+                <a16:creationId xmlns:a16="http://schemas.microsoft.com/office/drawing/2014/main" id="{78E73587-668A-4424-9877-16140C97B493}"/>
+              </a:ext>
+            </a:extLst>
+          </p:cNvPr>
+          <p:cNvSpPr>
+            <a:spLocks noGrp="1"/>
+          </p:cNvSpPr>
+          <p:nvPr>
+            <p:ph type="title"/>
+          </p:nvPr>
+        </p:nvSpPr>
+        <p:spPr/>
+        <p:txBody>
+          <a:bodyPr/>
+          <a:lstStyle/>
+          <a:p>
+            <a:r>
+              <a:rPr lang="zh-CN" altLang="en-US" dirty="0"/>
+              <a:t>一个</a:t>
+            </a:r>
+            <a:r>
+              <a:rPr lang="en-US" altLang="zh-CN" dirty="0"/>
+              <a:t>Server</a:t>
+            </a:r>
+            <a:r>
+              <a:rPr lang="zh-CN" altLang="en-US" dirty="0"/>
+              <a:t>是如何知道其它的</a:t>
+            </a:r>
+            <a:r>
+              <a:rPr lang="en-US" altLang="zh-CN" dirty="0"/>
+              <a:t>Server</a:t>
+            </a:r>
+            <a:r>
+              <a:rPr lang="zh-CN" altLang="en-US" dirty="0"/>
+              <a:t>？</a:t>
+            </a:r>
+          </a:p>
+        </p:txBody>
+      </p:sp>
+      <p:sp>
+        <p:nvSpPr>
+          <p:cNvPr id="3" name="内容占位符 2">
+            <a:extLst>
+              <a:ext uri="{FF2B5EF4-FFF2-40B4-BE49-F238E27FC236}">
+                <a16:creationId xmlns:a16="http://schemas.microsoft.com/office/drawing/2014/main" id="{399B1456-7789-4481-8AC4-2C93559E9514}"/>
+              </a:ext>
+            </a:extLst>
+          </p:cNvPr>
+          <p:cNvSpPr>
+            <a:spLocks noGrp="1"/>
+          </p:cNvSpPr>
+          <p:nvPr>
+            <p:ph idx="1"/>
+          </p:nvPr>
+        </p:nvSpPr>
+        <p:spPr/>
+        <p:txBody>
+          <a:bodyPr/>
+          <a:lstStyle/>
+          <a:p>
+            <a:pPr marL="0" indent="0">
+              <a:buNone/>
+            </a:pPr>
+            <a:r>
+              <a:rPr lang="en-US" altLang="zh-CN" dirty="0"/>
+              <a:t>	</a:t>
+            </a:r>
+            <a:r>
+              <a:rPr lang="zh-CN" altLang="en-US" dirty="0"/>
+              <a:t>在</a:t>
+            </a:r>
+            <a:r>
+              <a:rPr lang="en-US" altLang="zh-CN" dirty="0" err="1"/>
+              <a:t>ZooKeeper</a:t>
+            </a:r>
+            <a:r>
+              <a:rPr lang="zh-CN" altLang="en-US" dirty="0"/>
+              <a:t>集群中，</a:t>
+            </a:r>
+            <a:r>
+              <a:rPr lang="en-US" altLang="zh-CN" dirty="0"/>
+              <a:t>Server</a:t>
+            </a:r>
+            <a:r>
+              <a:rPr lang="zh-CN" altLang="en-US" dirty="0"/>
+              <a:t>的信息都在</a:t>
+            </a:r>
+            <a:r>
+              <a:rPr lang="en-US" altLang="zh-CN" dirty="0" err="1"/>
+              <a:t>zoo.conf</a:t>
+            </a:r>
+            <a:r>
+              <a:rPr lang="zh-CN" altLang="en-US" dirty="0"/>
+              <a:t>配置文件中，根据配置文件的信息就可以知道其它</a:t>
+            </a:r>
+            <a:r>
+              <a:rPr lang="en-US" altLang="zh-CN" dirty="0"/>
+              <a:t>Server</a:t>
+            </a:r>
+            <a:r>
+              <a:rPr lang="zh-CN" altLang="en-US" dirty="0"/>
+              <a:t>的信息。</a:t>
+            </a:r>
+          </a:p>
+          <a:p>
+            <a:pPr marL="0" indent="0">
+              <a:buNone/>
+            </a:pPr>
+            <a:endParaRPr lang="zh-CN" altLang="en-US" dirty="0"/>
+          </a:p>
+        </p:txBody>
+      </p:sp>
+    </p:spTree>
+    <p:extLst>
+      <p:ext uri="{BB962C8B-B14F-4D97-AF65-F5344CB8AC3E}">
+        <p14:creationId xmlns:p14="http://schemas.microsoft.com/office/powerpoint/2010/main" val="748183624"/>
+      </p:ext>
+    </p:extLst>
+  </p:cSld>
+  <p:clrMapOvr>
+    <a:masterClrMapping/>
+  </p:clrMapOvr>
+</p:sld>
+</file>
+
+<file path=ppt/slides/slide67.xml><?xml version="1.0" encoding="utf-8"?>
+<p:sld xmlns:a="http://schemas.openxmlformats.org/drawingml/2006/main" xmlns:r="http://schemas.openxmlformats.org/officeDocument/2006/relationships" xmlns:p="http://schemas.openxmlformats.org/presentationml/2006/main">
+  <p:cSld>
+    <p:spTree>
+      <p:nvGrpSpPr>
+        <p:cNvPr id="1" name=""/>
+        <p:cNvGrpSpPr/>
+        <p:nvPr/>
+      </p:nvGrpSpPr>
+      <p:grpSpPr>
+        <a:xfrm>
+          <a:off x="0" y="0"/>
+          <a:ext cx="0" cy="0"/>
+          <a:chOff x="0" y="0"/>
+          <a:chExt cx="0" cy="0"/>
+        </a:xfrm>
+      </p:grpSpPr>
+      <p:sp>
+        <p:nvSpPr>
+          <p:cNvPr id="2" name="标题 1">
+            <a:extLst>
+              <a:ext uri="{FF2B5EF4-FFF2-40B4-BE49-F238E27FC236}">
+                <a16:creationId xmlns:a16="http://schemas.microsoft.com/office/drawing/2014/main" id="{F334C470-90F0-4EB9-9B4A-32FEF5728E1A}"/>
+              </a:ext>
+            </a:extLst>
+          </p:cNvPr>
+          <p:cNvSpPr>
+            <a:spLocks noGrp="1"/>
+          </p:cNvSpPr>
+          <p:nvPr>
+            <p:ph type="title"/>
+          </p:nvPr>
+        </p:nvSpPr>
+        <p:spPr/>
+        <p:txBody>
+          <a:bodyPr>
+            <a:normAutofit/>
+          </a:bodyPr>
+          <a:lstStyle/>
+          <a:p>
+            <a:r>
+              <a:rPr lang="zh-CN" altLang="en-US" dirty="0"/>
+              <a:t>成为</a:t>
+            </a:r>
+            <a:r>
+              <a:rPr lang="en-US" altLang="zh-CN" dirty="0"/>
+              <a:t>Leader</a:t>
+            </a:r>
+            <a:r>
+              <a:rPr lang="zh-CN" altLang="en-US" dirty="0"/>
+              <a:t>的必要条件？</a:t>
+            </a:r>
+          </a:p>
+        </p:txBody>
+      </p:sp>
+      <p:sp>
+        <p:nvSpPr>
+          <p:cNvPr id="3" name="内容占位符 2">
+            <a:extLst>
+              <a:ext uri="{FF2B5EF4-FFF2-40B4-BE49-F238E27FC236}">
+                <a16:creationId xmlns:a16="http://schemas.microsoft.com/office/drawing/2014/main" id="{0DFA2B33-DD31-43BA-86DB-C7B76263AD97}"/>
+              </a:ext>
+            </a:extLst>
+          </p:cNvPr>
+          <p:cNvSpPr>
+            <a:spLocks noGrp="1"/>
+          </p:cNvSpPr>
+          <p:nvPr>
+            <p:ph idx="1"/>
+          </p:nvPr>
+        </p:nvSpPr>
+        <p:spPr/>
+        <p:txBody>
+          <a:bodyPr/>
+          <a:lstStyle/>
+          <a:p>
+            <a:pPr marL="0" indent="0">
+              <a:buNone/>
+            </a:pPr>
+            <a:r>
+              <a:rPr lang="en-US" altLang="zh-CN" dirty="0"/>
+              <a:t>	Leader</a:t>
+            </a:r>
+            <a:r>
+              <a:rPr lang="zh-CN" altLang="en-US" dirty="0"/>
+              <a:t>要具有最高的</a:t>
+            </a:r>
+            <a:r>
+              <a:rPr lang="en-US" altLang="zh-CN" dirty="0" err="1"/>
+              <a:t>zxid</a:t>
+            </a:r>
+            <a:r>
+              <a:rPr lang="zh-CN" altLang="en-US" dirty="0"/>
+              <a:t>；集群中大多数的机器（至少</a:t>
+            </a:r>
+            <a:r>
+              <a:rPr lang="en-US" altLang="zh-CN" dirty="0"/>
+              <a:t>n/2+1</a:t>
+            </a:r>
+            <a:r>
+              <a:rPr lang="zh-CN" altLang="en-US" dirty="0"/>
+              <a:t>）得到响应并</a:t>
+            </a:r>
+            <a:r>
+              <a:rPr lang="en-US" altLang="zh-CN" dirty="0"/>
+              <a:t>follow</a:t>
+            </a:r>
+            <a:r>
+              <a:rPr lang="zh-CN" altLang="en-US" dirty="0"/>
+              <a:t>选出的</a:t>
+            </a:r>
+            <a:r>
+              <a:rPr lang="en-US" altLang="zh-CN" dirty="0"/>
+              <a:t>Leader</a:t>
+            </a:r>
+            <a:r>
+              <a:rPr lang="zh-CN" altLang="en-US" dirty="0"/>
+              <a:t>。</a:t>
+            </a:r>
+          </a:p>
+          <a:p>
+            <a:pPr marL="0" indent="0">
+              <a:buNone/>
+            </a:pPr>
+            <a:endParaRPr lang="zh-CN" altLang="en-US" dirty="0"/>
+          </a:p>
+        </p:txBody>
+      </p:sp>
+    </p:spTree>
+    <p:extLst>
+      <p:ext uri="{BB962C8B-B14F-4D97-AF65-F5344CB8AC3E}">
+        <p14:creationId xmlns:p14="http://schemas.microsoft.com/office/powerpoint/2010/main" val="3303540536"/>
+      </p:ext>
+    </p:extLst>
+  </p:cSld>
+  <p:clrMapOvr>
+    <a:masterClrMapping/>
+  </p:clrMapOvr>
+</p:sld>
+</file>
+
+<file path=ppt/slides/slide68.xml><?xml version="1.0" encoding="utf-8"?>
+<p:sld xmlns:a="http://schemas.openxmlformats.org/drawingml/2006/main" xmlns:r="http://schemas.openxmlformats.org/officeDocument/2006/relationships" xmlns:p="http://schemas.openxmlformats.org/presentationml/2006/main">
+  <p:cSld>
+    <p:spTree>
+      <p:nvGrpSpPr>
+        <p:cNvPr id="1" name=""/>
+        <p:cNvGrpSpPr/>
+        <p:nvPr/>
+      </p:nvGrpSpPr>
+      <p:grpSpPr>
+        <a:xfrm>
+          <a:off x="0" y="0"/>
+          <a:ext cx="0" cy="0"/>
+          <a:chOff x="0" y="0"/>
+          <a:chExt cx="0" cy="0"/>
+        </a:xfrm>
+      </p:grpSpPr>
+      <p:sp>
+        <p:nvSpPr>
+          <p:cNvPr id="2" name="标题 1">
+            <a:extLst>
+              <a:ext uri="{FF2B5EF4-FFF2-40B4-BE49-F238E27FC236}">
+                <a16:creationId xmlns:a16="http://schemas.microsoft.com/office/drawing/2014/main" id="{0A45C7AF-8121-4C43-B6D0-EEF0AE51CED7}"/>
+              </a:ext>
+            </a:extLst>
+          </p:cNvPr>
+          <p:cNvSpPr>
+            <a:spLocks noGrp="1"/>
+          </p:cNvSpPr>
+          <p:nvPr>
+            <p:ph type="title"/>
+          </p:nvPr>
+        </p:nvSpPr>
+        <p:spPr/>
+        <p:txBody>
+          <a:bodyPr>
+            <a:normAutofit/>
+          </a:bodyPr>
+          <a:lstStyle/>
+          <a:p>
+            <a:r>
+              <a:rPr lang="zh-CN" altLang="en-US" dirty="0"/>
+              <a:t>如果所有</a:t>
+            </a:r>
+            <a:r>
+              <a:rPr lang="en-US" altLang="zh-CN" dirty="0" err="1"/>
+              <a:t>zxid</a:t>
+            </a:r>
+            <a:r>
+              <a:rPr lang="zh-CN" altLang="en-US" dirty="0"/>
+              <a:t>都相同</a:t>
+            </a:r>
+            <a:r>
+              <a:rPr lang="en-US" altLang="zh-CN" dirty="0"/>
+              <a:t>(</a:t>
+            </a:r>
+            <a:r>
+              <a:rPr lang="zh-CN" altLang="en-US" dirty="0"/>
+              <a:t>例如</a:t>
+            </a:r>
+            <a:r>
+              <a:rPr lang="en-US" altLang="zh-CN" dirty="0"/>
+              <a:t>: </a:t>
+            </a:r>
+            <a:r>
+              <a:rPr lang="zh-CN" altLang="en-US" dirty="0"/>
+              <a:t>刚初始化时</a:t>
+            </a:r>
+            <a:r>
+              <a:rPr lang="en-US" altLang="zh-CN" dirty="0"/>
+              <a:t>)</a:t>
+            </a:r>
+            <a:r>
+              <a:rPr lang="zh-CN" altLang="en-US" dirty="0"/>
+              <a:t>，此时有可能不能形成</a:t>
+            </a:r>
+            <a:r>
+              <a:rPr lang="en-US" altLang="zh-CN" dirty="0"/>
+              <a:t>n/2+1</a:t>
+            </a:r>
+            <a:r>
+              <a:rPr lang="zh-CN" altLang="en-US" dirty="0"/>
+              <a:t>个</a:t>
+            </a:r>
+            <a:r>
+              <a:rPr lang="en-US" altLang="zh-CN" dirty="0"/>
+              <a:t>Server</a:t>
+            </a:r>
+            <a:r>
+              <a:rPr lang="zh-CN" altLang="en-US" dirty="0"/>
+              <a:t>，怎么办？</a:t>
+            </a:r>
+          </a:p>
+        </p:txBody>
+      </p:sp>
+      <p:sp>
+        <p:nvSpPr>
+          <p:cNvPr id="3" name="内容占位符 2">
+            <a:extLst>
+              <a:ext uri="{FF2B5EF4-FFF2-40B4-BE49-F238E27FC236}">
+                <a16:creationId xmlns:a16="http://schemas.microsoft.com/office/drawing/2014/main" id="{FC6BB8E1-7FAC-42E7-A876-96D4A9B7DFCE}"/>
+              </a:ext>
+            </a:extLst>
+          </p:cNvPr>
+          <p:cNvSpPr>
+            <a:spLocks noGrp="1"/>
+          </p:cNvSpPr>
+          <p:nvPr>
+            <p:ph idx="1"/>
+          </p:nvPr>
+        </p:nvSpPr>
+        <p:spPr/>
+        <p:txBody>
+          <a:bodyPr/>
+          <a:lstStyle/>
+          <a:p>
+            <a:pPr marL="0" indent="0">
+              <a:buNone/>
+            </a:pPr>
+            <a:r>
+              <a:rPr lang="en-US" altLang="zh-CN" dirty="0"/>
+              <a:t>	</a:t>
+            </a:r>
+            <a:r>
+              <a:rPr lang="en-US" altLang="zh-CN" dirty="0" err="1"/>
+              <a:t>ZooKeeper</a:t>
+            </a:r>
+            <a:r>
+              <a:rPr lang="zh-CN" altLang="en-US" dirty="0"/>
+              <a:t>中每一个</a:t>
+            </a:r>
+            <a:r>
+              <a:rPr lang="en-US" altLang="zh-CN" dirty="0"/>
+              <a:t>Server</a:t>
+            </a:r>
+            <a:r>
+              <a:rPr lang="zh-CN" altLang="en-US" dirty="0"/>
+              <a:t>都有一个</a:t>
+            </a:r>
+            <a:r>
+              <a:rPr lang="en-US" altLang="zh-CN" dirty="0"/>
+              <a:t>ID</a:t>
+            </a:r>
+            <a:r>
+              <a:rPr lang="zh-CN" altLang="en-US" dirty="0"/>
+              <a:t>，这个</a:t>
+            </a:r>
+            <a:r>
+              <a:rPr lang="en-US" altLang="zh-CN" dirty="0"/>
+              <a:t>ID</a:t>
+            </a:r>
+            <a:r>
+              <a:rPr lang="zh-CN" altLang="en-US" dirty="0"/>
+              <a:t>是不重复的，如果遇到这样的情况时，</a:t>
+            </a:r>
+            <a:r>
+              <a:rPr lang="en-US" altLang="zh-CN" dirty="0" err="1"/>
+              <a:t>ZooKeeper</a:t>
+            </a:r>
+            <a:r>
+              <a:rPr lang="zh-CN" altLang="en-US" dirty="0"/>
+              <a:t>就推荐</a:t>
+            </a:r>
+            <a:r>
+              <a:rPr lang="en-US" altLang="zh-CN" dirty="0"/>
+              <a:t>ID</a:t>
+            </a:r>
+            <a:r>
+              <a:rPr lang="zh-CN" altLang="en-US" dirty="0"/>
+              <a:t>最大的哪个</a:t>
+            </a:r>
+            <a:r>
+              <a:rPr lang="en-US" altLang="zh-CN" dirty="0"/>
+              <a:t>Server</a:t>
+            </a:r>
+            <a:r>
+              <a:rPr lang="zh-CN" altLang="en-US" dirty="0"/>
+              <a:t>作为</a:t>
+            </a:r>
+            <a:r>
+              <a:rPr lang="en-US" altLang="zh-CN" dirty="0"/>
+              <a:t>Leader</a:t>
+            </a:r>
+            <a:r>
+              <a:rPr lang="zh-CN" altLang="en-US" dirty="0"/>
+              <a:t>。</a:t>
+            </a:r>
+          </a:p>
+          <a:p>
+            <a:pPr marL="0" indent="0">
+              <a:buNone/>
+            </a:pPr>
+            <a:endParaRPr lang="zh-CN" altLang="en-US" dirty="0"/>
+          </a:p>
+        </p:txBody>
+      </p:sp>
+    </p:spTree>
+    <p:extLst>
+      <p:ext uri="{BB962C8B-B14F-4D97-AF65-F5344CB8AC3E}">
+        <p14:creationId xmlns:p14="http://schemas.microsoft.com/office/powerpoint/2010/main" val="3762136736"/>
+      </p:ext>
+    </p:extLst>
+  </p:cSld>
+  <p:clrMapOvr>
+    <a:masterClrMapping/>
+  </p:clrMapOvr>
+</p:sld>
+</file>
+
+<file path=ppt/slides/slide69.xml><?xml version="1.0" encoding="utf-8"?>
+<p:sld xmlns:a="http://schemas.openxmlformats.org/drawingml/2006/main" xmlns:r="http://schemas.openxmlformats.org/officeDocument/2006/relationships" xmlns:p="http://schemas.openxmlformats.org/presentationml/2006/main">
+  <p:cSld>
+    <p:spTree>
+      <p:nvGrpSpPr>
+        <p:cNvPr id="1" name=""/>
+        <p:cNvGrpSpPr/>
+        <p:nvPr/>
+      </p:nvGrpSpPr>
+      <p:grpSpPr>
+        <a:xfrm>
+          <a:off x="0" y="0"/>
+          <a:ext cx="0" cy="0"/>
+          <a:chOff x="0" y="0"/>
+          <a:chExt cx="0" cy="0"/>
+        </a:xfrm>
+      </p:grpSpPr>
+      <p:sp>
+        <p:nvSpPr>
+          <p:cNvPr id="2" name="标题 1">
+            <a:extLst>
+              <a:ext uri="{FF2B5EF4-FFF2-40B4-BE49-F238E27FC236}">
+                <a16:creationId xmlns:a16="http://schemas.microsoft.com/office/drawing/2014/main" id="{993B60AF-1E78-49E3-81F6-1A67A3FC2C94}"/>
+              </a:ext>
+            </a:extLst>
+          </p:cNvPr>
+          <p:cNvSpPr>
+            <a:spLocks noGrp="1"/>
+          </p:cNvSpPr>
+          <p:nvPr>
+            <p:ph type="title"/>
+          </p:nvPr>
+        </p:nvSpPr>
+        <p:spPr/>
+        <p:txBody>
+          <a:bodyPr>
+            <a:normAutofit/>
+          </a:bodyPr>
+          <a:lstStyle/>
+          <a:p>
+            <a:r>
+              <a:rPr lang="en-US" altLang="zh-CN" dirty="0" err="1"/>
+              <a:t>ZooKeeper</a:t>
+            </a:r>
+            <a:r>
+              <a:rPr lang="zh-CN" altLang="en-US" dirty="0"/>
+              <a:t>中</a:t>
+            </a:r>
+            <a:r>
+              <a:rPr lang="en-US" altLang="zh-CN" dirty="0"/>
+              <a:t>Leader</a:t>
+            </a:r>
+            <a:r>
+              <a:rPr lang="zh-CN" altLang="en-US" dirty="0"/>
+              <a:t>怎么知道</a:t>
+            </a:r>
+            <a:r>
+              <a:rPr lang="en-US" altLang="zh-CN" dirty="0" err="1"/>
+              <a:t>Fllower</a:t>
+            </a:r>
+            <a:r>
+              <a:rPr lang="zh-CN" altLang="en-US" dirty="0"/>
+              <a:t>还存活，</a:t>
+            </a:r>
+            <a:r>
+              <a:rPr lang="en-US" altLang="zh-CN" dirty="0" err="1"/>
+              <a:t>Fllower</a:t>
+            </a:r>
+            <a:r>
+              <a:rPr lang="zh-CN" altLang="en-US" dirty="0"/>
+              <a:t>怎么知道</a:t>
+            </a:r>
+            <a:r>
+              <a:rPr lang="en-US" altLang="zh-CN" dirty="0"/>
+              <a:t>Leader</a:t>
+            </a:r>
+            <a:r>
+              <a:rPr lang="zh-CN" altLang="en-US" dirty="0"/>
+              <a:t>还存活？</a:t>
+            </a:r>
+          </a:p>
+        </p:txBody>
+      </p:sp>
+      <p:sp>
+        <p:nvSpPr>
+          <p:cNvPr id="3" name="内容占位符 2">
+            <a:extLst>
+              <a:ext uri="{FF2B5EF4-FFF2-40B4-BE49-F238E27FC236}">
+                <a16:creationId xmlns:a16="http://schemas.microsoft.com/office/drawing/2014/main" id="{2E3E27FE-C5FD-41E4-A9FA-80D1D68FE2C0}"/>
+              </a:ext>
+            </a:extLst>
+          </p:cNvPr>
+          <p:cNvSpPr>
+            <a:spLocks noGrp="1"/>
+          </p:cNvSpPr>
+          <p:nvPr>
+            <p:ph idx="1"/>
+          </p:nvPr>
+        </p:nvSpPr>
+        <p:spPr/>
+        <p:txBody>
+          <a:bodyPr/>
+          <a:lstStyle/>
+          <a:p>
+            <a:pPr marL="0" indent="0">
+              <a:buNone/>
+            </a:pPr>
+            <a:r>
+              <a:rPr lang="en-US" altLang="zh-CN" dirty="0"/>
+              <a:t>	Leader</a:t>
+            </a:r>
+            <a:r>
+              <a:rPr lang="zh-CN" altLang="en-US" dirty="0"/>
+              <a:t>定时向</a:t>
+            </a:r>
+            <a:r>
+              <a:rPr lang="en-US" altLang="zh-CN" dirty="0" err="1"/>
+              <a:t>Fllower</a:t>
+            </a:r>
+            <a:r>
+              <a:rPr lang="zh-CN" altLang="en-US" dirty="0"/>
+              <a:t>发</a:t>
+            </a:r>
+            <a:r>
+              <a:rPr lang="en-US" altLang="zh-CN" dirty="0"/>
+              <a:t>ping</a:t>
+            </a:r>
+            <a:r>
+              <a:rPr lang="zh-CN" altLang="en-US" dirty="0"/>
+              <a:t>消息，</a:t>
+            </a:r>
+            <a:r>
+              <a:rPr lang="en-US" altLang="zh-CN" dirty="0" err="1"/>
+              <a:t>Fllower</a:t>
+            </a:r>
+            <a:r>
+              <a:rPr lang="zh-CN" altLang="en-US" dirty="0"/>
+              <a:t>定时向</a:t>
+            </a:r>
+            <a:r>
+              <a:rPr lang="en-US" altLang="zh-CN" dirty="0"/>
+              <a:t>Leader</a:t>
+            </a:r>
+            <a:r>
+              <a:rPr lang="zh-CN" altLang="en-US" dirty="0"/>
+              <a:t>发</a:t>
+            </a:r>
+            <a:r>
+              <a:rPr lang="en-US" altLang="zh-CN" dirty="0"/>
+              <a:t>ping</a:t>
+            </a:r>
+            <a:r>
+              <a:rPr lang="zh-CN" altLang="en-US" dirty="0"/>
+              <a:t>消息，当发现</a:t>
+            </a:r>
+            <a:r>
+              <a:rPr lang="en-US" altLang="zh-CN" dirty="0"/>
+              <a:t>Leader</a:t>
+            </a:r>
+            <a:r>
+              <a:rPr lang="zh-CN" altLang="en-US" dirty="0"/>
+              <a:t>无法</a:t>
+            </a:r>
+            <a:r>
+              <a:rPr lang="en-US" altLang="zh-CN" dirty="0"/>
+              <a:t>ping</a:t>
+            </a:r>
+            <a:r>
+              <a:rPr lang="zh-CN" altLang="en-US" dirty="0"/>
+              <a:t>通时，就改变自己的状态</a:t>
+            </a:r>
+            <a:r>
+              <a:rPr lang="en-US" altLang="zh-CN" dirty="0"/>
+              <a:t>(LOOKING)</a:t>
+            </a:r>
+            <a:r>
+              <a:rPr lang="zh-CN" altLang="en-US" dirty="0"/>
+              <a:t>，发起新的一轮选举。</a:t>
+            </a:r>
+          </a:p>
+          <a:p>
+            <a:pPr marL="0" indent="0">
+              <a:buNone/>
+            </a:pPr>
+            <a:endParaRPr lang="zh-CN" altLang="en-US" dirty="0"/>
+          </a:p>
+        </p:txBody>
+      </p:sp>
+    </p:spTree>
+    <p:extLst>
+      <p:ext uri="{BB962C8B-B14F-4D97-AF65-F5344CB8AC3E}">
+        <p14:creationId xmlns:p14="http://schemas.microsoft.com/office/powerpoint/2010/main" val="3761769481"/>
+      </p:ext>
+    </p:extLst>
+  </p:cSld>
+  <p:clrMapOvr>
+    <a:masterClrMapping/>
+  </p:clrMapOvr>
+</p:sld>
+</file>
+
 <file path=ppt/slides/slide7.xml><?xml version="1.0" encoding="utf-8"?>
 <p:sld xmlns:a="http://schemas.openxmlformats.org/drawingml/2006/main" xmlns:r="http://schemas.openxmlformats.org/officeDocument/2006/relationships" xmlns:p="http://schemas.openxmlformats.org/presentationml/2006/main">
   <p:cSld>
@@ -12068,6 +15422,1758 @@
     <p:extLst>
       <p:ext uri="{BB962C8B-B14F-4D97-AF65-F5344CB8AC3E}">
         <p14:creationId xmlns:p14="http://schemas.microsoft.com/office/powerpoint/2010/main" val="2048380853"/>
+      </p:ext>
+    </p:extLst>
+  </p:cSld>
+  <p:clrMapOvr>
+    <a:masterClrMapping/>
+  </p:clrMapOvr>
+</p:sld>
+</file>
+
+<file path=ppt/slides/slide70.xml><?xml version="1.0" encoding="utf-8"?>
+<p:sld xmlns:a="http://schemas.openxmlformats.org/drawingml/2006/main" xmlns:r="http://schemas.openxmlformats.org/officeDocument/2006/relationships" xmlns:p="http://schemas.openxmlformats.org/presentationml/2006/main">
+  <p:cSld>
+    <p:spTree>
+      <p:nvGrpSpPr>
+        <p:cNvPr id="1" name=""/>
+        <p:cNvGrpSpPr/>
+        <p:nvPr/>
+      </p:nvGrpSpPr>
+      <p:grpSpPr>
+        <a:xfrm>
+          <a:off x="0" y="0"/>
+          <a:ext cx="0" cy="0"/>
+          <a:chOff x="0" y="0"/>
+          <a:chExt cx="0" cy="0"/>
+        </a:xfrm>
+      </p:grpSpPr>
+      <p:sp>
+        <p:nvSpPr>
+          <p:cNvPr id="2" name="标题 1">
+            <a:extLst>
+              <a:ext uri="{FF2B5EF4-FFF2-40B4-BE49-F238E27FC236}">
+                <a16:creationId xmlns:a16="http://schemas.microsoft.com/office/drawing/2014/main" id="{A05D4FB1-0662-44FE-B198-CFAAC2FFE552}"/>
+              </a:ext>
+            </a:extLst>
+          </p:cNvPr>
+          <p:cNvSpPr>
+            <a:spLocks noGrp="1"/>
+          </p:cNvSpPr>
+          <p:nvPr>
+            <p:ph type="title"/>
+          </p:nvPr>
+        </p:nvSpPr>
+        <p:spPr/>
+        <p:txBody>
+          <a:bodyPr/>
+          <a:lstStyle/>
+          <a:p>
+            <a:r>
+              <a:rPr lang="en-US" altLang="zh-CN" dirty="0"/>
+              <a:t>leader</a:t>
+            </a:r>
+            <a:r>
+              <a:rPr lang="zh-CN" altLang="en-US" dirty="0"/>
+              <a:t>选主时机</a:t>
+            </a:r>
+          </a:p>
+        </p:txBody>
+      </p:sp>
+      <p:sp>
+        <p:nvSpPr>
+          <p:cNvPr id="3" name="内容占位符 2">
+            <a:extLst>
+              <a:ext uri="{FF2B5EF4-FFF2-40B4-BE49-F238E27FC236}">
+                <a16:creationId xmlns:a16="http://schemas.microsoft.com/office/drawing/2014/main" id="{DFF5E44F-DEDA-45C5-BE41-9CC786DA114D}"/>
+              </a:ext>
+            </a:extLst>
+          </p:cNvPr>
+          <p:cNvSpPr>
+            <a:spLocks noGrp="1"/>
+          </p:cNvSpPr>
+          <p:nvPr>
+            <p:ph idx="1"/>
+          </p:nvPr>
+        </p:nvSpPr>
+        <p:spPr/>
+        <p:txBody>
+          <a:bodyPr/>
+          <a:lstStyle/>
+          <a:p>
+            <a:r>
+              <a:rPr lang="en-US" altLang="zh-CN" dirty="0"/>
+              <a:t>1. Server</a:t>
+            </a:r>
+            <a:r>
+              <a:rPr lang="zh-CN" altLang="en-US" dirty="0"/>
+              <a:t>初始化</a:t>
+            </a:r>
+          </a:p>
+          <a:p>
+            <a:r>
+              <a:rPr lang="en-US" altLang="zh-CN" dirty="0"/>
+              <a:t>2.</a:t>
+            </a:r>
+            <a:r>
+              <a:rPr lang="zh-CN" altLang="en-US" dirty="0"/>
+              <a:t> </a:t>
+            </a:r>
+            <a:r>
+              <a:rPr lang="en-US" altLang="zh-CN" dirty="0"/>
+              <a:t>server</a:t>
+            </a:r>
+            <a:r>
+              <a:rPr lang="zh-CN" altLang="en-US" dirty="0"/>
+              <a:t>运行期间无法和</a:t>
+            </a:r>
+            <a:r>
+              <a:rPr lang="en-US" altLang="zh-CN" dirty="0"/>
+              <a:t>leader</a:t>
+            </a:r>
+            <a:r>
+              <a:rPr lang="zh-CN" altLang="en-US" dirty="0"/>
+              <a:t>保持连接</a:t>
+            </a:r>
+          </a:p>
+          <a:p>
+            <a:pPr marL="0" indent="0">
+              <a:buNone/>
+            </a:pPr>
+            <a:endParaRPr lang="zh-CN" altLang="en-US" dirty="0"/>
+          </a:p>
+        </p:txBody>
+      </p:sp>
+    </p:spTree>
+    <p:extLst>
+      <p:ext uri="{BB962C8B-B14F-4D97-AF65-F5344CB8AC3E}">
+        <p14:creationId xmlns:p14="http://schemas.microsoft.com/office/powerpoint/2010/main" val="2516895865"/>
+      </p:ext>
+    </p:extLst>
+  </p:cSld>
+  <p:clrMapOvr>
+    <a:masterClrMapping/>
+  </p:clrMapOvr>
+</p:sld>
+</file>
+
+<file path=ppt/slides/slide71.xml><?xml version="1.0" encoding="utf-8"?>
+<p:sld xmlns:a="http://schemas.openxmlformats.org/drawingml/2006/main" xmlns:r="http://schemas.openxmlformats.org/officeDocument/2006/relationships" xmlns:p="http://schemas.openxmlformats.org/presentationml/2006/main">
+  <p:cSld>
+    <p:spTree>
+      <p:nvGrpSpPr>
+        <p:cNvPr id="1" name=""/>
+        <p:cNvGrpSpPr/>
+        <p:nvPr/>
+      </p:nvGrpSpPr>
+      <p:grpSpPr>
+        <a:xfrm>
+          <a:off x="0" y="0"/>
+          <a:ext cx="0" cy="0"/>
+          <a:chOff x="0" y="0"/>
+          <a:chExt cx="0" cy="0"/>
+        </a:xfrm>
+      </p:grpSpPr>
+      <p:sp>
+        <p:nvSpPr>
+          <p:cNvPr id="2" name="标题 1">
+            <a:extLst>
+              <a:ext uri="{FF2B5EF4-FFF2-40B4-BE49-F238E27FC236}">
+                <a16:creationId xmlns:a16="http://schemas.microsoft.com/office/drawing/2014/main" id="{8D186547-0AB0-41F2-808C-D24BE30E1857}"/>
+              </a:ext>
+            </a:extLst>
+          </p:cNvPr>
+          <p:cNvSpPr>
+            <a:spLocks noGrp="1"/>
+          </p:cNvSpPr>
+          <p:nvPr>
+            <p:ph type="title"/>
+          </p:nvPr>
+        </p:nvSpPr>
+        <p:spPr/>
+        <p:txBody>
+          <a:bodyPr/>
+          <a:lstStyle/>
+          <a:p>
+            <a:r>
+              <a:rPr lang="zh-CN" altLang="en-US" dirty="0"/>
+              <a:t>核心概念</a:t>
+            </a:r>
+            <a:r>
+              <a:rPr lang="en-US" altLang="zh-CN" dirty="0"/>
+              <a:t>-</a:t>
+            </a:r>
+            <a:r>
+              <a:rPr lang="en-US" altLang="zh-CN" dirty="0" err="1"/>
+              <a:t>ZooKeeper</a:t>
+            </a:r>
+            <a:r>
+              <a:rPr lang="zh-CN" altLang="en-US" dirty="0"/>
+              <a:t>服务器状态</a:t>
+            </a:r>
+          </a:p>
+        </p:txBody>
+      </p:sp>
+      <p:pic>
+        <p:nvPicPr>
+          <p:cNvPr id="5" name="图片 4">
+            <a:extLst>
+              <a:ext uri="{FF2B5EF4-FFF2-40B4-BE49-F238E27FC236}">
+                <a16:creationId xmlns:a16="http://schemas.microsoft.com/office/drawing/2014/main" id="{2E84909A-918F-45F5-ACBC-AFCF3472B0CA}"/>
+              </a:ext>
+            </a:extLst>
+          </p:cNvPr>
+          <p:cNvPicPr>
+            <a:picLocks noChangeAspect="1"/>
+          </p:cNvPicPr>
+          <p:nvPr/>
+        </p:nvPicPr>
+        <p:blipFill>
+          <a:blip r:embed="rId2">
+            <a:extLst>
+              <a:ext uri="{28A0092B-C50C-407E-A947-70E740481C1C}">
+                <a14:useLocalDpi xmlns:a14="http://schemas.microsoft.com/office/drawing/2010/main" val="0"/>
+              </a:ext>
+            </a:extLst>
+          </a:blip>
+          <a:stretch>
+            <a:fillRect/>
+          </a:stretch>
+        </p:blipFill>
+        <p:spPr>
+          <a:xfrm>
+            <a:off x="2490651" y="1825625"/>
+            <a:ext cx="6620799" cy="4182059"/>
+          </a:xfrm>
+          <a:prstGeom prst="rect">
+            <a:avLst/>
+          </a:prstGeom>
+        </p:spPr>
+      </p:pic>
+    </p:spTree>
+    <p:extLst>
+      <p:ext uri="{BB962C8B-B14F-4D97-AF65-F5344CB8AC3E}">
+        <p14:creationId xmlns:p14="http://schemas.microsoft.com/office/powerpoint/2010/main" val="167809606"/>
+      </p:ext>
+    </p:extLst>
+  </p:cSld>
+  <p:clrMapOvr>
+    <a:masterClrMapping/>
+  </p:clrMapOvr>
+</p:sld>
+</file>
+
+<file path=ppt/slides/slide72.xml><?xml version="1.0" encoding="utf-8"?>
+<p:sld xmlns:a="http://schemas.openxmlformats.org/drawingml/2006/main" xmlns:r="http://schemas.openxmlformats.org/officeDocument/2006/relationships" xmlns:p="http://schemas.openxmlformats.org/presentationml/2006/main">
+  <p:cSld>
+    <p:spTree>
+      <p:nvGrpSpPr>
+        <p:cNvPr id="1" name=""/>
+        <p:cNvGrpSpPr/>
+        <p:nvPr/>
+      </p:nvGrpSpPr>
+      <p:grpSpPr>
+        <a:xfrm>
+          <a:off x="0" y="0"/>
+          <a:ext cx="0" cy="0"/>
+          <a:chOff x="0" y="0"/>
+          <a:chExt cx="0" cy="0"/>
+        </a:xfrm>
+      </p:grpSpPr>
+      <p:sp>
+        <p:nvSpPr>
+          <p:cNvPr id="2" name="标题 1">
+            <a:extLst>
+              <a:ext uri="{FF2B5EF4-FFF2-40B4-BE49-F238E27FC236}">
+                <a16:creationId xmlns:a16="http://schemas.microsoft.com/office/drawing/2014/main" id="{8D186547-0AB0-41F2-808C-D24BE30E1857}"/>
+              </a:ext>
+            </a:extLst>
+          </p:cNvPr>
+          <p:cNvSpPr>
+            <a:spLocks noGrp="1"/>
+          </p:cNvSpPr>
+          <p:nvPr>
+            <p:ph type="title"/>
+          </p:nvPr>
+        </p:nvSpPr>
+        <p:spPr/>
+        <p:txBody>
+          <a:bodyPr/>
+          <a:lstStyle/>
+          <a:p>
+            <a:r>
+              <a:rPr lang="zh-CN" altLang="en-US" dirty="0"/>
+              <a:t>核心概念</a:t>
+            </a:r>
+            <a:r>
+              <a:rPr lang="en-US" altLang="zh-CN" dirty="0"/>
+              <a:t>-</a:t>
+            </a:r>
+            <a:r>
+              <a:rPr lang="en-US" altLang="zh-CN" dirty="0" err="1"/>
+              <a:t>ZooKeeper</a:t>
+            </a:r>
+            <a:r>
+              <a:rPr lang="zh-CN" altLang="en-US" dirty="0"/>
+              <a:t>服务器状态</a:t>
+            </a:r>
+          </a:p>
+        </p:txBody>
+      </p:sp>
+      <p:sp>
+        <p:nvSpPr>
+          <p:cNvPr id="3" name="内容占位符 2">
+            <a:extLst>
+              <a:ext uri="{FF2B5EF4-FFF2-40B4-BE49-F238E27FC236}">
+                <a16:creationId xmlns:a16="http://schemas.microsoft.com/office/drawing/2014/main" id="{D3321A8F-0E92-4F41-8CB3-BD9BBF523832}"/>
+              </a:ext>
+            </a:extLst>
+          </p:cNvPr>
+          <p:cNvSpPr>
+            <a:spLocks noGrp="1"/>
+          </p:cNvSpPr>
+          <p:nvPr>
+            <p:ph idx="1"/>
+          </p:nvPr>
+        </p:nvSpPr>
+        <p:spPr/>
+        <p:txBody>
+          <a:bodyPr/>
+          <a:lstStyle/>
+          <a:p>
+            <a:endParaRPr lang="en-US" altLang="zh-CN" dirty="0"/>
+          </a:p>
+          <a:p>
+            <a:r>
+              <a:rPr lang="en-US" altLang="zh-CN" dirty="0"/>
+              <a:t>* LOOKING</a:t>
+            </a:r>
+            <a:r>
+              <a:rPr lang="zh-CN" altLang="en-US" dirty="0"/>
+              <a:t>：寻找</a:t>
+            </a:r>
+            <a:r>
+              <a:rPr lang="en-US" altLang="zh-CN" dirty="0"/>
+              <a:t>leader</a:t>
+            </a:r>
+            <a:r>
+              <a:rPr lang="zh-CN" altLang="en-US" dirty="0"/>
+              <a:t>状态</a:t>
+            </a:r>
+          </a:p>
+          <a:p>
+            <a:r>
+              <a:rPr lang="zh-CN" altLang="en-US" dirty="0"/>
+              <a:t>* </a:t>
+            </a:r>
+            <a:r>
+              <a:rPr lang="en-US" altLang="zh-CN" dirty="0"/>
+              <a:t>LEADING</a:t>
+            </a:r>
+            <a:r>
+              <a:rPr lang="zh-CN" altLang="en-US" dirty="0"/>
+              <a:t>：领导状态（节点为</a:t>
+            </a:r>
+            <a:r>
+              <a:rPr lang="en-US" altLang="zh-CN" dirty="0"/>
+              <a:t>leader</a:t>
+            </a:r>
+            <a:r>
+              <a:rPr lang="zh-CN" altLang="en-US" dirty="0"/>
+              <a:t>）</a:t>
+            </a:r>
+          </a:p>
+          <a:p>
+            <a:r>
+              <a:rPr lang="en-US" altLang="zh-CN" dirty="0"/>
+              <a:t>* FOLLOWING</a:t>
+            </a:r>
+            <a:r>
+              <a:rPr lang="zh-CN" altLang="en-US" dirty="0"/>
+              <a:t>：跟随者状态</a:t>
+            </a:r>
+          </a:p>
+          <a:p>
+            <a:r>
+              <a:rPr lang="zh-CN" altLang="en-US" dirty="0"/>
+              <a:t>* </a:t>
+            </a:r>
+            <a:r>
+              <a:rPr lang="en-US" altLang="zh-CN" dirty="0"/>
+              <a:t>OBSERVING</a:t>
+            </a:r>
+            <a:r>
+              <a:rPr lang="zh-CN" altLang="en-US" dirty="0"/>
+              <a:t>：观察者状态（此状态不参与选举）</a:t>
+            </a:r>
+          </a:p>
+          <a:p>
+            <a:pPr marL="0" indent="0">
+              <a:buNone/>
+            </a:pPr>
+            <a:endParaRPr lang="zh-CN" altLang="en-US" dirty="0"/>
+          </a:p>
+        </p:txBody>
+      </p:sp>
+    </p:spTree>
+    <p:extLst>
+      <p:ext uri="{BB962C8B-B14F-4D97-AF65-F5344CB8AC3E}">
+        <p14:creationId xmlns:p14="http://schemas.microsoft.com/office/powerpoint/2010/main" val="621172421"/>
+      </p:ext>
+    </p:extLst>
+  </p:cSld>
+  <p:clrMapOvr>
+    <a:masterClrMapping/>
+  </p:clrMapOvr>
+</p:sld>
+</file>
+
+<file path=ppt/slides/slide73.xml><?xml version="1.0" encoding="utf-8"?>
+<p:sld xmlns:a="http://schemas.openxmlformats.org/drawingml/2006/main" xmlns:r="http://schemas.openxmlformats.org/officeDocument/2006/relationships" xmlns:p="http://schemas.openxmlformats.org/presentationml/2006/main">
+  <p:cSld>
+    <p:spTree>
+      <p:nvGrpSpPr>
+        <p:cNvPr id="1" name=""/>
+        <p:cNvGrpSpPr/>
+        <p:nvPr/>
+      </p:nvGrpSpPr>
+      <p:grpSpPr>
+        <a:xfrm>
+          <a:off x="0" y="0"/>
+          <a:ext cx="0" cy="0"/>
+          <a:chOff x="0" y="0"/>
+          <a:chExt cx="0" cy="0"/>
+        </a:xfrm>
+      </p:grpSpPr>
+      <p:sp>
+        <p:nvSpPr>
+          <p:cNvPr id="2" name="标题 1">
+            <a:extLst>
+              <a:ext uri="{FF2B5EF4-FFF2-40B4-BE49-F238E27FC236}">
+                <a16:creationId xmlns:a16="http://schemas.microsoft.com/office/drawing/2014/main" id="{8ECEF439-D759-442F-90C6-887AFE12A7D6}"/>
+              </a:ext>
+            </a:extLst>
+          </p:cNvPr>
+          <p:cNvSpPr>
+            <a:spLocks noGrp="1"/>
+          </p:cNvSpPr>
+          <p:nvPr>
+            <p:ph type="title"/>
+          </p:nvPr>
+        </p:nvSpPr>
+        <p:spPr/>
+        <p:txBody>
+          <a:bodyPr/>
+          <a:lstStyle/>
+          <a:p>
+            <a:r>
+              <a:rPr lang="zh-CN" altLang="en-US" dirty="0"/>
+              <a:t>核心概念</a:t>
+            </a:r>
+            <a:r>
+              <a:rPr lang="en-US" altLang="zh-CN" dirty="0"/>
+              <a:t>-</a:t>
+            </a:r>
+            <a:endParaRPr lang="zh-CN" altLang="en-US" dirty="0"/>
+          </a:p>
+        </p:txBody>
+      </p:sp>
+      <p:sp>
+        <p:nvSpPr>
+          <p:cNvPr id="3" name="内容占位符 2">
+            <a:extLst>
+              <a:ext uri="{FF2B5EF4-FFF2-40B4-BE49-F238E27FC236}">
+                <a16:creationId xmlns:a16="http://schemas.microsoft.com/office/drawing/2014/main" id="{05D45E56-2AEC-4DA5-B316-DFD2F3945095}"/>
+              </a:ext>
+            </a:extLst>
+          </p:cNvPr>
+          <p:cNvSpPr>
+            <a:spLocks noGrp="1"/>
+          </p:cNvSpPr>
+          <p:nvPr>
+            <p:ph idx="1"/>
+          </p:nvPr>
+        </p:nvSpPr>
+        <p:spPr/>
+        <p:txBody>
+          <a:bodyPr/>
+          <a:lstStyle/>
+          <a:p>
+            <a:endParaRPr lang="zh-CN" altLang="en-US"/>
+          </a:p>
+        </p:txBody>
+      </p:sp>
+    </p:spTree>
+    <p:extLst>
+      <p:ext uri="{BB962C8B-B14F-4D97-AF65-F5344CB8AC3E}">
+        <p14:creationId xmlns:p14="http://schemas.microsoft.com/office/powerpoint/2010/main" val="3180834761"/>
+      </p:ext>
+    </p:extLst>
+  </p:cSld>
+  <p:clrMapOvr>
+    <a:masterClrMapping/>
+  </p:clrMapOvr>
+</p:sld>
+</file>
+
+<file path=ppt/slides/slide74.xml><?xml version="1.0" encoding="utf-8"?>
+<p:sld xmlns:a="http://schemas.openxmlformats.org/drawingml/2006/main" xmlns:r="http://schemas.openxmlformats.org/officeDocument/2006/relationships" xmlns:p="http://schemas.openxmlformats.org/presentationml/2006/main">
+  <p:cSld>
+    <p:spTree>
+      <p:nvGrpSpPr>
+        <p:cNvPr id="1" name=""/>
+        <p:cNvGrpSpPr/>
+        <p:nvPr/>
+      </p:nvGrpSpPr>
+      <p:grpSpPr>
+        <a:xfrm>
+          <a:off x="0" y="0"/>
+          <a:ext cx="0" cy="0"/>
+          <a:chOff x="0" y="0"/>
+          <a:chExt cx="0" cy="0"/>
+        </a:xfrm>
+      </p:grpSpPr>
+      <p:sp>
+        <p:nvSpPr>
+          <p:cNvPr id="2" name="标题 1">
+            <a:extLst>
+              <a:ext uri="{FF2B5EF4-FFF2-40B4-BE49-F238E27FC236}">
+                <a16:creationId xmlns:a16="http://schemas.microsoft.com/office/drawing/2014/main" id="{8ECEF439-D759-442F-90C6-887AFE12A7D6}"/>
+              </a:ext>
+            </a:extLst>
+          </p:cNvPr>
+          <p:cNvSpPr>
+            <a:spLocks noGrp="1"/>
+          </p:cNvSpPr>
+          <p:nvPr>
+            <p:ph type="title"/>
+          </p:nvPr>
+        </p:nvSpPr>
+        <p:spPr/>
+        <p:txBody>
+          <a:bodyPr/>
+          <a:lstStyle/>
+          <a:p>
+            <a:r>
+              <a:rPr lang="zh-CN" altLang="en-US" dirty="0"/>
+              <a:t>核心概念</a:t>
+            </a:r>
+            <a:r>
+              <a:rPr lang="en-US" altLang="zh-CN" dirty="0"/>
+              <a:t>- </a:t>
+            </a:r>
+            <a:r>
+              <a:rPr lang="en-US" altLang="zh-CN" dirty="0" err="1"/>
+              <a:t>myid</a:t>
+            </a:r>
+            <a:endParaRPr lang="zh-CN" altLang="en-US" dirty="0"/>
+          </a:p>
+        </p:txBody>
+      </p:sp>
+      <p:sp>
+        <p:nvSpPr>
+          <p:cNvPr id="3" name="内容占位符 2">
+            <a:extLst>
+              <a:ext uri="{FF2B5EF4-FFF2-40B4-BE49-F238E27FC236}">
+                <a16:creationId xmlns:a16="http://schemas.microsoft.com/office/drawing/2014/main" id="{05D45E56-2AEC-4DA5-B316-DFD2F3945095}"/>
+              </a:ext>
+            </a:extLst>
+          </p:cNvPr>
+          <p:cNvSpPr>
+            <a:spLocks noGrp="1"/>
+          </p:cNvSpPr>
+          <p:nvPr>
+            <p:ph idx="1"/>
+          </p:nvPr>
+        </p:nvSpPr>
+        <p:spPr/>
+        <p:txBody>
+          <a:bodyPr>
+            <a:normAutofit lnSpcReduction="10000"/>
+          </a:bodyPr>
+          <a:lstStyle/>
+          <a:p>
+            <a:pPr marL="0" indent="0">
+              <a:buNone/>
+            </a:pPr>
+            <a:r>
+              <a:rPr lang="en-US" altLang="zh-CN" dirty="0"/>
+              <a:t>	</a:t>
+            </a:r>
+            <a:r>
+              <a:rPr lang="zh-CN" altLang="en-US" dirty="0"/>
+              <a:t>每个</a:t>
+            </a:r>
+            <a:r>
+              <a:rPr lang="en-US" altLang="zh-CN" dirty="0"/>
+              <a:t>Zookeeper</a:t>
+            </a:r>
+            <a:r>
+              <a:rPr lang="zh-CN" altLang="en-US" dirty="0"/>
+              <a:t>服务器，都需要在数据文件夹下创建一个名为</a:t>
+            </a:r>
+            <a:r>
+              <a:rPr lang="en-US" altLang="zh-CN" dirty="0" err="1"/>
+              <a:t>myid</a:t>
+            </a:r>
+            <a:r>
+              <a:rPr lang="zh-CN" altLang="en-US" dirty="0"/>
+              <a:t>的文件，该文件包含整个</a:t>
+            </a:r>
+            <a:r>
+              <a:rPr lang="en-US" altLang="zh-CN" dirty="0"/>
+              <a:t>Zookeeper</a:t>
+            </a:r>
+            <a:r>
+              <a:rPr lang="zh-CN" altLang="en-US" dirty="0"/>
+              <a:t>集群唯一的</a:t>
+            </a:r>
+            <a:r>
+              <a:rPr lang="en-US" altLang="zh-CN" dirty="0"/>
+              <a:t>ID</a:t>
+            </a:r>
+            <a:r>
+              <a:rPr lang="zh-CN" altLang="en-US" dirty="0"/>
+              <a:t>（整数）。例如某</a:t>
+            </a:r>
+            <a:r>
+              <a:rPr lang="en-US" altLang="zh-CN" dirty="0"/>
+              <a:t>Zookeeper</a:t>
+            </a:r>
+            <a:r>
+              <a:rPr lang="zh-CN" altLang="en-US" dirty="0"/>
+              <a:t>集群包含三台服务器，</a:t>
+            </a:r>
+            <a:r>
+              <a:rPr lang="en-US" altLang="zh-CN" dirty="0"/>
+              <a:t>hostname</a:t>
+            </a:r>
+            <a:r>
+              <a:rPr lang="zh-CN" altLang="en-US" dirty="0"/>
+              <a:t>分别为</a:t>
+            </a:r>
+            <a:r>
+              <a:rPr lang="en-US" altLang="zh-CN" dirty="0"/>
+              <a:t>zoo1</a:t>
+            </a:r>
+            <a:r>
+              <a:rPr lang="zh-CN" altLang="en-US" dirty="0"/>
+              <a:t>、</a:t>
+            </a:r>
+            <a:r>
+              <a:rPr lang="en-US" altLang="zh-CN" dirty="0"/>
+              <a:t>zoo2</a:t>
+            </a:r>
+            <a:r>
+              <a:rPr lang="zh-CN" altLang="en-US" dirty="0"/>
+              <a:t>和</a:t>
+            </a:r>
+            <a:r>
+              <a:rPr lang="en-US" altLang="zh-CN" dirty="0"/>
+              <a:t>zoo3</a:t>
+            </a:r>
+            <a:r>
+              <a:rPr lang="zh-CN" altLang="en-US" dirty="0"/>
+              <a:t>，其</a:t>
+            </a:r>
+            <a:r>
+              <a:rPr lang="en-US" altLang="zh-CN" dirty="0" err="1"/>
+              <a:t>myid</a:t>
+            </a:r>
+            <a:r>
+              <a:rPr lang="zh-CN" altLang="en-US" dirty="0"/>
+              <a:t>分别为</a:t>
+            </a:r>
+            <a:r>
+              <a:rPr lang="en-US" altLang="zh-CN" dirty="0"/>
+              <a:t>1</a:t>
+            </a:r>
+            <a:r>
+              <a:rPr lang="zh-CN" altLang="en-US" dirty="0"/>
+              <a:t>、</a:t>
+            </a:r>
+            <a:r>
+              <a:rPr lang="en-US" altLang="zh-CN" dirty="0"/>
+              <a:t>2</a:t>
+            </a:r>
+            <a:r>
+              <a:rPr lang="zh-CN" altLang="en-US" dirty="0"/>
+              <a:t>和</a:t>
+            </a:r>
+            <a:r>
+              <a:rPr lang="en-US" altLang="zh-CN" dirty="0"/>
+              <a:t>3</a:t>
+            </a:r>
+            <a:r>
+              <a:rPr lang="zh-CN" altLang="en-US" dirty="0"/>
+              <a:t>，则在配置文件中其</a:t>
+            </a:r>
+            <a:r>
+              <a:rPr lang="en-US" altLang="zh-CN" dirty="0"/>
+              <a:t>ID</a:t>
+            </a:r>
+            <a:r>
+              <a:rPr lang="zh-CN" altLang="en-US" dirty="0"/>
+              <a:t>与</a:t>
+            </a:r>
+            <a:r>
+              <a:rPr lang="en-US" altLang="zh-CN" dirty="0"/>
+              <a:t>hostname</a:t>
+            </a:r>
+            <a:r>
+              <a:rPr lang="zh-CN" altLang="en-US" dirty="0"/>
+              <a:t>必须一一对应，如下所示。在该配置文件中，</a:t>
+            </a:r>
+            <a:r>
+              <a:rPr lang="en-US" altLang="zh-CN" dirty="0"/>
+              <a:t>server.</a:t>
+            </a:r>
+            <a:r>
+              <a:rPr lang="zh-CN" altLang="en-US" dirty="0"/>
+              <a:t>后面的数据即为</a:t>
+            </a:r>
+            <a:r>
+              <a:rPr lang="en-US" altLang="zh-CN" dirty="0" err="1"/>
+              <a:t>myid</a:t>
+            </a:r>
+            <a:r>
+              <a:rPr lang="en-US" altLang="zh-CN" dirty="0"/>
+              <a:t>.</a:t>
+            </a:r>
+          </a:p>
+          <a:p>
+            <a:pPr marL="0" indent="0">
+              <a:buNone/>
+            </a:pPr>
+            <a:endParaRPr lang="en-US" altLang="zh-CN" dirty="0"/>
+          </a:p>
+          <a:p>
+            <a:r>
+              <a:rPr lang="nl-NL" altLang="zh-CN" dirty="0"/>
+              <a:t>```</a:t>
+            </a:r>
+          </a:p>
+          <a:p>
+            <a:r>
+              <a:rPr lang="nl-NL" altLang="zh-CN" dirty="0"/>
+              <a:t>server.1=zoo1:2888:3888</a:t>
+            </a:r>
+          </a:p>
+          <a:p>
+            <a:r>
+              <a:rPr lang="nl-NL" altLang="zh-CN" dirty="0"/>
+              <a:t>server.2=zoo2:2888:3888</a:t>
+            </a:r>
+          </a:p>
+          <a:p>
+            <a:r>
+              <a:rPr lang="nl-NL" altLang="zh-CN" dirty="0"/>
+              <a:t>server.3=zoo3:2888:3888</a:t>
+            </a:r>
+          </a:p>
+          <a:p>
+            <a:r>
+              <a:rPr lang="nl-NL" altLang="zh-CN" dirty="0"/>
+              <a:t>```</a:t>
+            </a:r>
+          </a:p>
+          <a:p>
+            <a:pPr marL="0" indent="0">
+              <a:buNone/>
+            </a:pPr>
+            <a:endParaRPr lang="zh-CN" altLang="en-US" dirty="0"/>
+          </a:p>
+        </p:txBody>
+      </p:sp>
+    </p:spTree>
+    <p:extLst>
+      <p:ext uri="{BB962C8B-B14F-4D97-AF65-F5344CB8AC3E}">
+        <p14:creationId xmlns:p14="http://schemas.microsoft.com/office/powerpoint/2010/main" val="3947550870"/>
+      </p:ext>
+    </p:extLst>
+  </p:cSld>
+  <p:clrMapOvr>
+    <a:masterClrMapping/>
+  </p:clrMapOvr>
+</p:sld>
+</file>
+
+<file path=ppt/slides/slide75.xml><?xml version="1.0" encoding="utf-8"?>
+<p:sld xmlns:a="http://schemas.openxmlformats.org/drawingml/2006/main" xmlns:r="http://schemas.openxmlformats.org/officeDocument/2006/relationships" xmlns:p="http://schemas.openxmlformats.org/presentationml/2006/main">
+  <p:cSld>
+    <p:spTree>
+      <p:nvGrpSpPr>
+        <p:cNvPr id="1" name=""/>
+        <p:cNvGrpSpPr/>
+        <p:nvPr/>
+      </p:nvGrpSpPr>
+      <p:grpSpPr>
+        <a:xfrm>
+          <a:off x="0" y="0"/>
+          <a:ext cx="0" cy="0"/>
+          <a:chOff x="0" y="0"/>
+          <a:chExt cx="0" cy="0"/>
+        </a:xfrm>
+      </p:grpSpPr>
+      <p:sp>
+        <p:nvSpPr>
+          <p:cNvPr id="2" name="标题 1">
+            <a:extLst>
+              <a:ext uri="{FF2B5EF4-FFF2-40B4-BE49-F238E27FC236}">
+                <a16:creationId xmlns:a16="http://schemas.microsoft.com/office/drawing/2014/main" id="{8ECEF439-D759-442F-90C6-887AFE12A7D6}"/>
+              </a:ext>
+            </a:extLst>
+          </p:cNvPr>
+          <p:cNvSpPr>
+            <a:spLocks noGrp="1"/>
+          </p:cNvSpPr>
+          <p:nvPr>
+            <p:ph type="title"/>
+          </p:nvPr>
+        </p:nvSpPr>
+        <p:spPr/>
+        <p:txBody>
+          <a:bodyPr/>
+          <a:lstStyle/>
+          <a:p>
+            <a:r>
+              <a:rPr lang="zh-CN" altLang="en-US" dirty="0"/>
+              <a:t>核心概念</a:t>
+            </a:r>
+            <a:r>
+              <a:rPr lang="en-US" altLang="zh-CN" dirty="0"/>
+              <a:t>- </a:t>
+            </a:r>
+            <a:r>
+              <a:rPr lang="en-US" altLang="zh-CN" dirty="0" err="1"/>
+              <a:t>zxid</a:t>
+            </a:r>
+            <a:r>
+              <a:rPr lang="en-US" altLang="zh-CN" dirty="0"/>
+              <a:t>	</a:t>
+            </a:r>
+            <a:endParaRPr lang="zh-CN" altLang="en-US" dirty="0"/>
+          </a:p>
+        </p:txBody>
+      </p:sp>
+      <p:sp>
+        <p:nvSpPr>
+          <p:cNvPr id="3" name="内容占位符 2">
+            <a:extLst>
+              <a:ext uri="{FF2B5EF4-FFF2-40B4-BE49-F238E27FC236}">
+                <a16:creationId xmlns:a16="http://schemas.microsoft.com/office/drawing/2014/main" id="{05D45E56-2AEC-4DA5-B316-DFD2F3945095}"/>
+              </a:ext>
+            </a:extLst>
+          </p:cNvPr>
+          <p:cNvSpPr>
+            <a:spLocks noGrp="1"/>
+          </p:cNvSpPr>
+          <p:nvPr>
+            <p:ph idx="1"/>
+          </p:nvPr>
+        </p:nvSpPr>
+        <p:spPr/>
+        <p:txBody>
+          <a:bodyPr/>
+          <a:lstStyle/>
+          <a:p>
+            <a:pPr marL="0" indent="0">
+              <a:buNone/>
+            </a:pPr>
+            <a:r>
+              <a:rPr lang="en-US" altLang="zh-CN" dirty="0"/>
+              <a:t>	</a:t>
+            </a:r>
+            <a:r>
+              <a:rPr lang="zh-CN" altLang="en-US" dirty="0"/>
+              <a:t>每次对</a:t>
+            </a:r>
+            <a:r>
+              <a:rPr lang="en-US" altLang="zh-CN" dirty="0"/>
+              <a:t>Zookeeper</a:t>
+            </a:r>
+            <a:r>
+              <a:rPr lang="zh-CN" altLang="en-US" dirty="0"/>
+              <a:t>的状态的改变都会产生一个</a:t>
+            </a:r>
+            <a:r>
+              <a:rPr lang="en-US" altLang="zh-CN" dirty="0" err="1"/>
+              <a:t>zxid</a:t>
+            </a:r>
+            <a:r>
+              <a:rPr lang="zh-CN" altLang="en-US" dirty="0"/>
+              <a:t>（</a:t>
+            </a:r>
+            <a:r>
+              <a:rPr lang="en-US" altLang="zh-CN" dirty="0" err="1"/>
+              <a:t>ZooKeeper</a:t>
+            </a:r>
+            <a:r>
+              <a:rPr lang="en-US" altLang="zh-CN" dirty="0"/>
+              <a:t> Transaction Id</a:t>
+            </a:r>
+            <a:r>
+              <a:rPr lang="zh-CN" altLang="en-US" dirty="0"/>
+              <a:t>），</a:t>
+            </a:r>
+            <a:r>
+              <a:rPr lang="en-US" altLang="zh-CN" dirty="0" err="1"/>
+              <a:t>zxid</a:t>
+            </a:r>
+            <a:r>
+              <a:rPr lang="zh-CN" altLang="en-US" dirty="0"/>
+              <a:t>是全局有序的，如果</a:t>
+            </a:r>
+            <a:r>
+              <a:rPr lang="en-US" altLang="zh-CN" dirty="0"/>
+              <a:t>zxid1</a:t>
+            </a:r>
+            <a:r>
+              <a:rPr lang="zh-CN" altLang="en-US" dirty="0"/>
+              <a:t>小于</a:t>
+            </a:r>
+            <a:r>
+              <a:rPr lang="en-US" altLang="zh-CN" dirty="0"/>
+              <a:t>zxid2</a:t>
+            </a:r>
+            <a:r>
+              <a:rPr lang="zh-CN" altLang="en-US" dirty="0"/>
+              <a:t>，则</a:t>
+            </a:r>
+            <a:r>
+              <a:rPr lang="en-US" altLang="zh-CN" dirty="0"/>
+              <a:t>zxid1</a:t>
+            </a:r>
+            <a:r>
+              <a:rPr lang="zh-CN" altLang="en-US" dirty="0"/>
+              <a:t>在</a:t>
+            </a:r>
+            <a:r>
+              <a:rPr lang="en-US" altLang="zh-CN" dirty="0"/>
+              <a:t>zxid2</a:t>
+            </a:r>
+            <a:r>
+              <a:rPr lang="zh-CN" altLang="en-US" dirty="0"/>
+              <a:t>之前发生。为了保证顺序性，该</a:t>
+            </a:r>
+            <a:r>
+              <a:rPr lang="en-US" altLang="zh-CN" dirty="0" err="1"/>
+              <a:t>zkid</a:t>
+            </a:r>
+            <a:r>
+              <a:rPr lang="zh-CN" altLang="en-US" dirty="0"/>
+              <a:t>必须单调递增。因此</a:t>
+            </a:r>
+            <a:r>
+              <a:rPr lang="en-US" altLang="zh-CN" dirty="0"/>
+              <a:t>Zookeeper</a:t>
+            </a:r>
+            <a:r>
+              <a:rPr lang="zh-CN" altLang="en-US" dirty="0"/>
+              <a:t>使用一个</a:t>
+            </a:r>
+            <a:r>
+              <a:rPr lang="en-US" altLang="zh-CN" dirty="0"/>
+              <a:t>64</a:t>
+            </a:r>
+            <a:r>
+              <a:rPr lang="zh-CN" altLang="en-US" dirty="0"/>
+              <a:t>位的数来表示，高</a:t>
+            </a:r>
+            <a:r>
+              <a:rPr lang="en-US" altLang="zh-CN" dirty="0"/>
+              <a:t>32</a:t>
+            </a:r>
+            <a:r>
+              <a:rPr lang="zh-CN" altLang="en-US" dirty="0"/>
+              <a:t>位是</a:t>
+            </a:r>
+            <a:r>
+              <a:rPr lang="en-US" altLang="zh-CN" dirty="0"/>
+              <a:t>Leader</a:t>
+            </a:r>
+            <a:r>
+              <a:rPr lang="zh-CN" altLang="en-US" dirty="0"/>
+              <a:t>的</a:t>
+            </a:r>
+            <a:r>
+              <a:rPr lang="en-US" altLang="zh-CN" dirty="0"/>
+              <a:t>epoch</a:t>
+            </a:r>
+            <a:r>
+              <a:rPr lang="zh-CN" altLang="en-US" dirty="0"/>
+              <a:t>，从</a:t>
+            </a:r>
+            <a:r>
+              <a:rPr lang="en-US" altLang="zh-CN" dirty="0"/>
+              <a:t>1</a:t>
+            </a:r>
+            <a:r>
+              <a:rPr lang="zh-CN" altLang="en-US" dirty="0"/>
+              <a:t>开始，每次选出新的</a:t>
+            </a:r>
+            <a:r>
+              <a:rPr lang="en-US" altLang="zh-CN" dirty="0"/>
+              <a:t>Leader</a:t>
+            </a:r>
+            <a:r>
+              <a:rPr lang="zh-CN" altLang="en-US" dirty="0"/>
+              <a:t>，</a:t>
+            </a:r>
+            <a:r>
+              <a:rPr lang="en-US" altLang="zh-CN" dirty="0"/>
+              <a:t>epoch</a:t>
+            </a:r>
+            <a:r>
+              <a:rPr lang="zh-CN" altLang="en-US" dirty="0"/>
+              <a:t>加一。低</a:t>
+            </a:r>
+            <a:r>
+              <a:rPr lang="en-US" altLang="zh-CN" dirty="0"/>
+              <a:t>32</a:t>
+            </a:r>
+            <a:r>
+              <a:rPr lang="zh-CN" altLang="en-US" dirty="0"/>
+              <a:t>位为该</a:t>
+            </a:r>
+            <a:r>
+              <a:rPr lang="en-US" altLang="zh-CN" dirty="0"/>
+              <a:t>epoch</a:t>
+            </a:r>
+            <a:r>
+              <a:rPr lang="zh-CN" altLang="en-US" dirty="0"/>
+              <a:t>内的序号，每次</a:t>
+            </a:r>
+            <a:r>
+              <a:rPr lang="en-US" altLang="zh-CN" dirty="0"/>
+              <a:t>epoch</a:t>
+            </a:r>
+            <a:r>
+              <a:rPr lang="zh-CN" altLang="en-US" dirty="0"/>
+              <a:t>变化，都将低</a:t>
+            </a:r>
+            <a:r>
+              <a:rPr lang="en-US" altLang="zh-CN" dirty="0"/>
+              <a:t>32</a:t>
+            </a:r>
+            <a:r>
+              <a:rPr lang="zh-CN" altLang="en-US" dirty="0"/>
+              <a:t>位的序号重置。这样保证了</a:t>
+            </a:r>
+            <a:r>
+              <a:rPr lang="en-US" altLang="zh-CN" dirty="0" err="1"/>
+              <a:t>zkid</a:t>
+            </a:r>
+            <a:r>
+              <a:rPr lang="zh-CN" altLang="en-US" dirty="0"/>
+              <a:t>的全局递增性。</a:t>
+            </a:r>
+          </a:p>
+          <a:p>
+            <a:pPr marL="0" indent="0">
+              <a:buNone/>
+            </a:pPr>
+            <a:endParaRPr lang="zh-CN" altLang="en-US" dirty="0"/>
+          </a:p>
+        </p:txBody>
+      </p:sp>
+    </p:spTree>
+    <p:extLst>
+      <p:ext uri="{BB962C8B-B14F-4D97-AF65-F5344CB8AC3E}">
+        <p14:creationId xmlns:p14="http://schemas.microsoft.com/office/powerpoint/2010/main" val="3757976215"/>
+      </p:ext>
+    </p:extLst>
+  </p:cSld>
+  <p:clrMapOvr>
+    <a:masterClrMapping/>
+  </p:clrMapOvr>
+</p:sld>
+</file>
+
+<file path=ppt/slides/slide76.xml><?xml version="1.0" encoding="utf-8"?>
+<p:sld xmlns:a="http://schemas.openxmlformats.org/drawingml/2006/main" xmlns:r="http://schemas.openxmlformats.org/officeDocument/2006/relationships" xmlns:p="http://schemas.openxmlformats.org/presentationml/2006/main">
+  <p:cSld>
+    <p:spTree>
+      <p:nvGrpSpPr>
+        <p:cNvPr id="1" name=""/>
+        <p:cNvGrpSpPr/>
+        <p:nvPr/>
+      </p:nvGrpSpPr>
+      <p:grpSpPr>
+        <a:xfrm>
+          <a:off x="0" y="0"/>
+          <a:ext cx="0" cy="0"/>
+          <a:chOff x="0" y="0"/>
+          <a:chExt cx="0" cy="0"/>
+        </a:xfrm>
+      </p:grpSpPr>
+      <p:sp>
+        <p:nvSpPr>
+          <p:cNvPr id="2" name="标题 1">
+            <a:extLst>
+              <a:ext uri="{FF2B5EF4-FFF2-40B4-BE49-F238E27FC236}">
+                <a16:creationId xmlns:a16="http://schemas.microsoft.com/office/drawing/2014/main" id="{1DD5D78E-3D3B-42B1-A722-A36988F52685}"/>
+              </a:ext>
+            </a:extLst>
+          </p:cNvPr>
+          <p:cNvSpPr>
+            <a:spLocks noGrp="1"/>
+          </p:cNvSpPr>
+          <p:nvPr>
+            <p:ph type="title"/>
+          </p:nvPr>
+        </p:nvSpPr>
+        <p:spPr/>
+        <p:txBody>
+          <a:bodyPr/>
+          <a:lstStyle/>
+          <a:p>
+            <a:r>
+              <a:rPr lang="zh-CN" altLang="en-US" dirty="0"/>
+              <a:t>核心概念</a:t>
+            </a:r>
+            <a:r>
+              <a:rPr lang="en-US" altLang="zh-CN" dirty="0"/>
+              <a:t>- </a:t>
+            </a:r>
+            <a:r>
+              <a:rPr lang="en-US" altLang="zh-CN" dirty="0" err="1"/>
+              <a:t>logicClock</a:t>
+            </a:r>
+            <a:endParaRPr lang="zh-CN" altLang="en-US" dirty="0"/>
+          </a:p>
+        </p:txBody>
+      </p:sp>
+      <p:sp>
+        <p:nvSpPr>
+          <p:cNvPr id="3" name="内容占位符 2">
+            <a:extLst>
+              <a:ext uri="{FF2B5EF4-FFF2-40B4-BE49-F238E27FC236}">
+                <a16:creationId xmlns:a16="http://schemas.microsoft.com/office/drawing/2014/main" id="{CC0636DB-C865-42D5-B609-42EC367D6AC5}"/>
+              </a:ext>
+            </a:extLst>
+          </p:cNvPr>
+          <p:cNvSpPr>
+            <a:spLocks noGrp="1"/>
+          </p:cNvSpPr>
+          <p:nvPr>
+            <p:ph idx="1"/>
+          </p:nvPr>
+        </p:nvSpPr>
+        <p:spPr/>
+        <p:txBody>
+          <a:bodyPr/>
+          <a:lstStyle/>
+          <a:p>
+            <a:pPr marL="0" indent="0">
+              <a:buNone/>
+            </a:pPr>
+            <a:r>
+              <a:rPr lang="en-US" altLang="zh-CN" dirty="0"/>
+              <a:t>	</a:t>
+            </a:r>
+            <a:r>
+              <a:rPr lang="zh-CN" altLang="en-US" dirty="0"/>
+              <a:t>每个服务器会维护一个自增的整数，名为</a:t>
+            </a:r>
+            <a:r>
+              <a:rPr lang="en-US" altLang="zh-CN" dirty="0" err="1"/>
+              <a:t>logicClock</a:t>
+            </a:r>
+            <a:r>
+              <a:rPr lang="zh-CN" altLang="en-US" dirty="0"/>
+              <a:t>，它表示这是该服务器发起的第多少轮投票。</a:t>
+            </a:r>
+          </a:p>
+          <a:p>
+            <a:pPr marL="0" indent="0">
+              <a:buNone/>
+            </a:pPr>
+            <a:endParaRPr lang="zh-CN" altLang="en-US" dirty="0"/>
+          </a:p>
+        </p:txBody>
+      </p:sp>
+    </p:spTree>
+    <p:extLst>
+      <p:ext uri="{BB962C8B-B14F-4D97-AF65-F5344CB8AC3E}">
+        <p14:creationId xmlns:p14="http://schemas.microsoft.com/office/powerpoint/2010/main" val="679363557"/>
+      </p:ext>
+    </p:extLst>
+  </p:cSld>
+  <p:clrMapOvr>
+    <a:masterClrMapping/>
+  </p:clrMapOvr>
+</p:sld>
+</file>
+
+<file path=ppt/slides/slide77.xml><?xml version="1.0" encoding="utf-8"?>
+<p:sld xmlns:a="http://schemas.openxmlformats.org/drawingml/2006/main" xmlns:r="http://schemas.openxmlformats.org/officeDocument/2006/relationships" xmlns:p="http://schemas.openxmlformats.org/presentationml/2006/main">
+  <p:cSld>
+    <p:spTree>
+      <p:nvGrpSpPr>
+        <p:cNvPr id="1" name=""/>
+        <p:cNvGrpSpPr/>
+        <p:nvPr/>
+      </p:nvGrpSpPr>
+      <p:grpSpPr>
+        <a:xfrm>
+          <a:off x="0" y="0"/>
+          <a:ext cx="0" cy="0"/>
+          <a:chOff x="0" y="0"/>
+          <a:chExt cx="0" cy="0"/>
+        </a:xfrm>
+      </p:grpSpPr>
+      <p:sp>
+        <p:nvSpPr>
+          <p:cNvPr id="2" name="标题 1">
+            <a:extLst>
+              <a:ext uri="{FF2B5EF4-FFF2-40B4-BE49-F238E27FC236}">
+                <a16:creationId xmlns:a16="http://schemas.microsoft.com/office/drawing/2014/main" id="{A07096C7-C30E-46DF-9DDF-C6BBC6CAFB35}"/>
+              </a:ext>
+            </a:extLst>
+          </p:cNvPr>
+          <p:cNvSpPr>
+            <a:spLocks noGrp="1"/>
+          </p:cNvSpPr>
+          <p:nvPr>
+            <p:ph type="title"/>
+          </p:nvPr>
+        </p:nvSpPr>
+        <p:spPr/>
+        <p:txBody>
+          <a:bodyPr/>
+          <a:lstStyle/>
+          <a:p>
+            <a:r>
+              <a:rPr lang="zh-CN" altLang="en-US" dirty="0"/>
+              <a:t>选主步骤</a:t>
+            </a:r>
+          </a:p>
+        </p:txBody>
+      </p:sp>
+      <p:sp>
+        <p:nvSpPr>
+          <p:cNvPr id="3" name="内容占位符 2">
+            <a:extLst>
+              <a:ext uri="{FF2B5EF4-FFF2-40B4-BE49-F238E27FC236}">
+                <a16:creationId xmlns:a16="http://schemas.microsoft.com/office/drawing/2014/main" id="{38A55D90-BF2C-4E4B-A49C-34728B8662D5}"/>
+              </a:ext>
+            </a:extLst>
+          </p:cNvPr>
+          <p:cNvSpPr>
+            <a:spLocks noGrp="1"/>
+          </p:cNvSpPr>
+          <p:nvPr>
+            <p:ph idx="1"/>
+          </p:nvPr>
+        </p:nvSpPr>
+        <p:spPr/>
+        <p:txBody>
+          <a:bodyPr/>
+          <a:lstStyle/>
+          <a:p>
+            <a:r>
+              <a:rPr lang="zh-CN" altLang="en-US" dirty="0"/>
+              <a:t>状态变更</a:t>
+            </a:r>
+          </a:p>
+          <a:p>
+            <a:r>
+              <a:rPr lang="zh-CN" altLang="en-US" dirty="0"/>
+              <a:t>自增选举轮次</a:t>
+            </a:r>
+          </a:p>
+          <a:p>
+            <a:r>
+              <a:rPr lang="zh-CN" altLang="en-US" dirty="0"/>
+              <a:t>初始化选票</a:t>
+            </a:r>
+          </a:p>
+          <a:p>
+            <a:r>
+              <a:rPr lang="zh-CN" altLang="en-US" dirty="0"/>
+              <a:t>发起投票</a:t>
+            </a:r>
+          </a:p>
+          <a:p>
+            <a:r>
+              <a:rPr lang="zh-CN" altLang="en-US" dirty="0"/>
+              <a:t>接收外部投票</a:t>
+            </a:r>
+          </a:p>
+          <a:p>
+            <a:r>
+              <a:rPr lang="zh-CN" altLang="en-US" dirty="0"/>
+              <a:t>判断选举轮次</a:t>
+            </a:r>
+          </a:p>
+          <a:p>
+            <a:r>
+              <a:rPr lang="zh-CN" altLang="en-US" dirty="0"/>
+              <a:t>处理投票</a:t>
+            </a:r>
+          </a:p>
+          <a:p>
+            <a:r>
+              <a:rPr lang="zh-CN" altLang="en-US" dirty="0"/>
+              <a:t>统计投票</a:t>
+            </a:r>
+          </a:p>
+          <a:p>
+            <a:r>
+              <a:rPr lang="zh-CN" altLang="en-US" dirty="0"/>
+              <a:t>改变</a:t>
+            </a:r>
+            <a:r>
+              <a:rPr lang="en-US" altLang="zh-CN" dirty="0"/>
+              <a:t>server</a:t>
+            </a:r>
+            <a:r>
+              <a:rPr lang="zh-CN" altLang="en-US" dirty="0"/>
+              <a:t>状态</a:t>
+            </a:r>
+          </a:p>
+          <a:p>
+            <a:endParaRPr lang="zh-CN" altLang="en-US" dirty="0"/>
+          </a:p>
+        </p:txBody>
+      </p:sp>
+    </p:spTree>
+    <p:extLst>
+      <p:ext uri="{BB962C8B-B14F-4D97-AF65-F5344CB8AC3E}">
+        <p14:creationId xmlns:p14="http://schemas.microsoft.com/office/powerpoint/2010/main" val="3423785802"/>
+      </p:ext>
+    </p:extLst>
+  </p:cSld>
+  <p:clrMapOvr>
+    <a:masterClrMapping/>
+  </p:clrMapOvr>
+</p:sld>
+</file>
+
+<file path=ppt/slides/slide78.xml><?xml version="1.0" encoding="utf-8"?>
+<p:sld xmlns:a="http://schemas.openxmlformats.org/drawingml/2006/main" xmlns:r="http://schemas.openxmlformats.org/officeDocument/2006/relationships" xmlns:p="http://schemas.openxmlformats.org/presentationml/2006/main">
+  <p:cSld>
+    <p:spTree>
+      <p:nvGrpSpPr>
+        <p:cNvPr id="1" name=""/>
+        <p:cNvGrpSpPr/>
+        <p:nvPr/>
+      </p:nvGrpSpPr>
+      <p:grpSpPr>
+        <a:xfrm>
+          <a:off x="0" y="0"/>
+          <a:ext cx="0" cy="0"/>
+          <a:chOff x="0" y="0"/>
+          <a:chExt cx="0" cy="0"/>
+        </a:xfrm>
+      </p:grpSpPr>
+      <p:sp>
+        <p:nvSpPr>
+          <p:cNvPr id="2" name="标题 1">
+            <a:extLst>
+              <a:ext uri="{FF2B5EF4-FFF2-40B4-BE49-F238E27FC236}">
+                <a16:creationId xmlns:a16="http://schemas.microsoft.com/office/drawing/2014/main" id="{14230846-7026-45CC-82A3-E2422D958D94}"/>
+              </a:ext>
+            </a:extLst>
+          </p:cNvPr>
+          <p:cNvSpPr>
+            <a:spLocks noGrp="1"/>
+          </p:cNvSpPr>
+          <p:nvPr>
+            <p:ph type="title"/>
+          </p:nvPr>
+        </p:nvSpPr>
+        <p:spPr/>
+        <p:txBody>
+          <a:bodyPr/>
+          <a:lstStyle/>
+          <a:p>
+            <a:r>
+              <a:rPr lang="zh-CN" altLang="en-US" dirty="0"/>
+              <a:t>选主步骤</a:t>
+            </a:r>
+          </a:p>
+        </p:txBody>
+      </p:sp>
+      <p:sp>
+        <p:nvSpPr>
+          <p:cNvPr id="3" name="内容占位符 2">
+            <a:extLst>
+              <a:ext uri="{FF2B5EF4-FFF2-40B4-BE49-F238E27FC236}">
+                <a16:creationId xmlns:a16="http://schemas.microsoft.com/office/drawing/2014/main" id="{116B8229-371D-488F-A0D1-067C6A498AA5}"/>
+              </a:ext>
+            </a:extLst>
+          </p:cNvPr>
+          <p:cNvSpPr>
+            <a:spLocks noGrp="1"/>
+          </p:cNvSpPr>
+          <p:nvPr>
+            <p:ph idx="1"/>
+          </p:nvPr>
+        </p:nvSpPr>
+        <p:spPr/>
+        <p:txBody>
+          <a:bodyPr>
+            <a:normAutofit fontScale="92500" lnSpcReduction="10000"/>
+          </a:bodyPr>
+          <a:lstStyle/>
+          <a:p>
+            <a:r>
+              <a:rPr lang="zh-CN" altLang="en-US" dirty="0"/>
+              <a:t>* 状态变更</a:t>
+            </a:r>
+          </a:p>
+          <a:p>
+            <a:pPr lvl="1"/>
+            <a:r>
+              <a:rPr lang="en-US" altLang="zh-CN" dirty="0"/>
+              <a:t>&gt;</a:t>
+            </a:r>
+            <a:r>
+              <a:rPr lang="zh-CN" altLang="en-US" dirty="0"/>
+              <a:t> 服务器启动的时候每个</a:t>
+            </a:r>
+            <a:r>
+              <a:rPr lang="en-US" altLang="zh-CN" dirty="0"/>
+              <a:t>server</a:t>
+            </a:r>
+            <a:r>
+              <a:rPr lang="zh-CN" altLang="en-US" dirty="0"/>
+              <a:t>的状态时</a:t>
+            </a:r>
+            <a:r>
+              <a:rPr lang="en-US" altLang="zh-CN" dirty="0"/>
+              <a:t>Looking</a:t>
+            </a:r>
+            <a:r>
+              <a:rPr lang="zh-CN" altLang="en-US" dirty="0"/>
+              <a:t>，如果是</a:t>
+            </a:r>
+            <a:r>
+              <a:rPr lang="en-US" altLang="zh-CN" dirty="0"/>
+              <a:t>leader</a:t>
+            </a:r>
+            <a:r>
+              <a:rPr lang="zh-CN" altLang="en-US" dirty="0"/>
+              <a:t>挂掉后进入选举，那么余下的非</a:t>
+            </a:r>
+            <a:r>
+              <a:rPr lang="en-US" altLang="zh-CN" dirty="0"/>
+              <a:t>Observer</a:t>
+            </a:r>
+            <a:r>
+              <a:rPr lang="zh-CN" altLang="en-US" dirty="0"/>
+              <a:t>的</a:t>
+            </a:r>
+            <a:r>
+              <a:rPr lang="en-US" altLang="zh-CN" dirty="0"/>
+              <a:t>Server</a:t>
+            </a:r>
+            <a:r>
+              <a:rPr lang="zh-CN" altLang="en-US" dirty="0"/>
+              <a:t>就会将自己的服务器状态变更为</a:t>
+            </a:r>
+            <a:r>
+              <a:rPr lang="en-US" altLang="zh-CN" dirty="0"/>
+              <a:t>Looking</a:t>
+            </a:r>
+            <a:r>
+              <a:rPr lang="zh-CN" altLang="en-US" dirty="0"/>
+              <a:t>，然后开始进入</a:t>
+            </a:r>
+            <a:r>
+              <a:rPr lang="en-US" altLang="zh-CN" dirty="0"/>
+              <a:t>Leader</a:t>
+            </a:r>
+            <a:r>
+              <a:rPr lang="zh-CN" altLang="en-US" dirty="0"/>
+              <a:t>的选举状态；</a:t>
+            </a:r>
+          </a:p>
+          <a:p>
+            <a:r>
+              <a:rPr lang="zh-CN" altLang="en-US" dirty="0"/>
+              <a:t>* 自增选举轮次</a:t>
+            </a:r>
+          </a:p>
+          <a:p>
+            <a:pPr lvl="1"/>
+            <a:r>
+              <a:rPr lang="en-US" altLang="zh-CN" dirty="0"/>
+              <a:t>&gt;</a:t>
+            </a:r>
+            <a:r>
+              <a:rPr lang="zh-CN" altLang="en-US" dirty="0"/>
+              <a:t> </a:t>
+            </a:r>
+            <a:r>
+              <a:rPr lang="en-US" altLang="zh-CN" dirty="0"/>
+              <a:t>Zookeeper</a:t>
+            </a:r>
+            <a:r>
+              <a:rPr lang="zh-CN" altLang="en-US" dirty="0"/>
+              <a:t>规定所有有效的投票都必须在同一轮次中。每个服务器在开始新一轮投票时，会先对自己维护的</a:t>
+            </a:r>
+            <a:r>
+              <a:rPr lang="en-US" altLang="zh-CN" dirty="0" err="1"/>
+              <a:t>logicClock</a:t>
+            </a:r>
+            <a:r>
+              <a:rPr lang="zh-CN" altLang="en-US" dirty="0"/>
+              <a:t>进行自增操作。</a:t>
+            </a:r>
+          </a:p>
+          <a:p>
+            <a:r>
+              <a:rPr lang="zh-CN" altLang="en-US" dirty="0"/>
+              <a:t>* 初始化选票</a:t>
+            </a:r>
+          </a:p>
+          <a:p>
+            <a:pPr lvl="1"/>
+            <a:r>
+              <a:rPr lang="en-US" altLang="zh-CN" dirty="0"/>
+              <a:t>&gt;</a:t>
+            </a:r>
+            <a:r>
+              <a:rPr lang="zh-CN" altLang="en-US" dirty="0"/>
+              <a:t> 每个服务器在广播自己的选票前，会将自己的投票箱清空。该投票箱记录了所收到的选票。例：服务器</a:t>
+            </a:r>
+            <a:r>
+              <a:rPr lang="en-US" altLang="zh-CN" dirty="0"/>
+              <a:t>2</a:t>
+            </a:r>
+            <a:r>
+              <a:rPr lang="zh-CN" altLang="en-US" dirty="0"/>
+              <a:t>投票给服务器</a:t>
+            </a:r>
+            <a:r>
+              <a:rPr lang="en-US" altLang="zh-CN" dirty="0"/>
+              <a:t>3</a:t>
+            </a:r>
+            <a:r>
+              <a:rPr lang="zh-CN" altLang="en-US" dirty="0"/>
+              <a:t>，服务器</a:t>
+            </a:r>
+            <a:r>
+              <a:rPr lang="en-US" altLang="zh-CN" dirty="0"/>
+              <a:t>3</a:t>
+            </a:r>
+            <a:r>
+              <a:rPr lang="zh-CN" altLang="en-US" dirty="0"/>
+              <a:t>投票给服务器</a:t>
+            </a:r>
+            <a:r>
+              <a:rPr lang="en-US" altLang="zh-CN" dirty="0"/>
+              <a:t>1</a:t>
+            </a:r>
+            <a:r>
+              <a:rPr lang="zh-CN" altLang="en-US" dirty="0"/>
+              <a:t>，则服务器</a:t>
+            </a:r>
+            <a:r>
+              <a:rPr lang="en-US" altLang="zh-CN" dirty="0"/>
+              <a:t>1</a:t>
+            </a:r>
+            <a:r>
+              <a:rPr lang="zh-CN" altLang="en-US" dirty="0"/>
+              <a:t>的投票箱为</a:t>
+            </a:r>
+            <a:r>
+              <a:rPr lang="en-US" altLang="zh-CN" dirty="0"/>
+              <a:t>(2, 3), (3, 1), (1, 1)</a:t>
+            </a:r>
+            <a:r>
+              <a:rPr lang="zh-CN" altLang="en-US" dirty="0"/>
+              <a:t>。票箱中只会记录每一投票者的最后一票，如投票者更新自己的选票，则其它服务器收到该新选票后会在自己票箱中更新该服务器的选票。</a:t>
+            </a:r>
+          </a:p>
+          <a:p>
+            <a:pPr marL="0" indent="0">
+              <a:buNone/>
+            </a:pPr>
+            <a:endParaRPr lang="zh-CN" altLang="en-US" dirty="0"/>
+          </a:p>
+        </p:txBody>
+      </p:sp>
+    </p:spTree>
+    <p:extLst>
+      <p:ext uri="{BB962C8B-B14F-4D97-AF65-F5344CB8AC3E}">
+        <p14:creationId xmlns:p14="http://schemas.microsoft.com/office/powerpoint/2010/main" val="2459047196"/>
+      </p:ext>
+    </p:extLst>
+  </p:cSld>
+  <p:clrMapOvr>
+    <a:masterClrMapping/>
+  </p:clrMapOvr>
+</p:sld>
+</file>
+
+<file path=ppt/slides/slide79.xml><?xml version="1.0" encoding="utf-8"?>
+<p:sld xmlns:a="http://schemas.openxmlformats.org/drawingml/2006/main" xmlns:r="http://schemas.openxmlformats.org/officeDocument/2006/relationships" xmlns:p="http://schemas.openxmlformats.org/presentationml/2006/main">
+  <p:cSld>
+    <p:spTree>
+      <p:nvGrpSpPr>
+        <p:cNvPr id="1" name=""/>
+        <p:cNvGrpSpPr/>
+        <p:nvPr/>
+      </p:nvGrpSpPr>
+      <p:grpSpPr>
+        <a:xfrm>
+          <a:off x="0" y="0"/>
+          <a:ext cx="0" cy="0"/>
+          <a:chOff x="0" y="0"/>
+          <a:chExt cx="0" cy="0"/>
+        </a:xfrm>
+      </p:grpSpPr>
+      <p:sp>
+        <p:nvSpPr>
+          <p:cNvPr id="2" name="标题 1">
+            <a:extLst>
+              <a:ext uri="{FF2B5EF4-FFF2-40B4-BE49-F238E27FC236}">
+                <a16:creationId xmlns:a16="http://schemas.microsoft.com/office/drawing/2014/main" id="{4EB5863D-F627-4985-926C-1B9CE8EEAF55}"/>
+              </a:ext>
+            </a:extLst>
+          </p:cNvPr>
+          <p:cNvSpPr>
+            <a:spLocks noGrp="1"/>
+          </p:cNvSpPr>
+          <p:nvPr>
+            <p:ph type="title"/>
+          </p:nvPr>
+        </p:nvSpPr>
+        <p:spPr/>
+        <p:txBody>
+          <a:bodyPr/>
+          <a:lstStyle/>
+          <a:p>
+            <a:r>
+              <a:rPr lang="zh-CN" altLang="en-US" dirty="0"/>
+              <a:t>选主步骤</a:t>
+            </a:r>
+          </a:p>
+        </p:txBody>
+      </p:sp>
+      <p:sp>
+        <p:nvSpPr>
+          <p:cNvPr id="3" name="内容占位符 2">
+            <a:extLst>
+              <a:ext uri="{FF2B5EF4-FFF2-40B4-BE49-F238E27FC236}">
+                <a16:creationId xmlns:a16="http://schemas.microsoft.com/office/drawing/2014/main" id="{A25FA909-F4E6-48B3-A76D-1016DF38DDE3}"/>
+              </a:ext>
+            </a:extLst>
+          </p:cNvPr>
+          <p:cNvSpPr>
+            <a:spLocks noGrp="1"/>
+          </p:cNvSpPr>
+          <p:nvPr>
+            <p:ph idx="1"/>
+          </p:nvPr>
+        </p:nvSpPr>
+        <p:spPr/>
+        <p:txBody>
+          <a:bodyPr/>
+          <a:lstStyle/>
+          <a:p>
+            <a:r>
+              <a:rPr lang="zh-CN" altLang="en-US" dirty="0"/>
+              <a:t>* 发起投票</a:t>
+            </a:r>
+          </a:p>
+          <a:p>
+            <a:pPr lvl="1"/>
+            <a:r>
+              <a:rPr lang="en-US" altLang="zh-CN" dirty="0"/>
+              <a:t>&gt;</a:t>
+            </a:r>
+            <a:r>
+              <a:rPr lang="zh-CN" altLang="en-US" dirty="0"/>
+              <a:t> 每个</a:t>
+            </a:r>
+            <a:r>
+              <a:rPr lang="en-US" altLang="zh-CN" dirty="0"/>
+              <a:t>server</a:t>
+            </a:r>
+            <a:r>
+              <a:rPr lang="zh-CN" altLang="en-US" dirty="0"/>
+              <a:t>会产生一个（</a:t>
+            </a:r>
+            <a:r>
+              <a:rPr lang="en-US" altLang="zh-CN" dirty="0" err="1"/>
+              <a:t>sid</a:t>
+            </a:r>
+            <a:r>
+              <a:rPr lang="zh-CN" altLang="en-US" dirty="0"/>
+              <a:t>，</a:t>
+            </a:r>
+            <a:r>
+              <a:rPr lang="en-US" altLang="zh-CN" dirty="0" err="1"/>
+              <a:t>zxid</a:t>
+            </a:r>
+            <a:r>
+              <a:rPr lang="zh-CN" altLang="en-US" dirty="0"/>
+              <a:t>）的投票，系统初始化的时候</a:t>
+            </a:r>
+            <a:r>
+              <a:rPr lang="en-US" altLang="zh-CN" dirty="0" err="1"/>
+              <a:t>zxid</a:t>
+            </a:r>
+            <a:r>
+              <a:rPr lang="zh-CN" altLang="en-US" dirty="0"/>
+              <a:t>都是</a:t>
+            </a:r>
+            <a:r>
+              <a:rPr lang="en-US" altLang="zh-CN" dirty="0"/>
+              <a:t>0</a:t>
+            </a:r>
+            <a:r>
+              <a:rPr lang="zh-CN" altLang="en-US" dirty="0"/>
+              <a:t>，如果是运行期间，每个</a:t>
+            </a:r>
+            <a:r>
+              <a:rPr lang="en-US" altLang="zh-CN" dirty="0"/>
+              <a:t>server</a:t>
+            </a:r>
+            <a:r>
+              <a:rPr lang="zh-CN" altLang="en-US" dirty="0"/>
+              <a:t>的</a:t>
+            </a:r>
+            <a:r>
+              <a:rPr lang="en-US" altLang="zh-CN" dirty="0" err="1"/>
+              <a:t>zxid</a:t>
+            </a:r>
+            <a:r>
+              <a:rPr lang="zh-CN" altLang="en-US" dirty="0"/>
+              <a:t>可能都不同，这取决于最后一次更新的数据。将投票发送给集群中的所有机器；</a:t>
+            </a:r>
+          </a:p>
+          <a:p>
+            <a:r>
+              <a:rPr lang="zh-CN" altLang="en-US" dirty="0"/>
+              <a:t>* 接收外部投票</a:t>
+            </a:r>
+          </a:p>
+          <a:p>
+            <a:pPr lvl="1"/>
+            <a:r>
+              <a:rPr lang="en-US" altLang="zh-CN" dirty="0"/>
+              <a:t>&gt;</a:t>
+            </a:r>
+            <a:r>
+              <a:rPr lang="zh-CN" altLang="en-US" dirty="0"/>
+              <a:t> 服务器会尝试从其它服务器获取投票，并记入自己的投票箱内。如果无法获取任何外部投票，则会确认自己是否与集群中其它服务器保持着有效连接。如果是，则再次发送自己的投票；如果否，则马上与之建立连接。</a:t>
+            </a:r>
+          </a:p>
+          <a:p>
+            <a:endParaRPr lang="zh-CN" altLang="en-US" dirty="0"/>
+          </a:p>
+        </p:txBody>
+      </p:sp>
+    </p:spTree>
+    <p:extLst>
+      <p:ext uri="{BB962C8B-B14F-4D97-AF65-F5344CB8AC3E}">
+        <p14:creationId xmlns:p14="http://schemas.microsoft.com/office/powerpoint/2010/main" val="3891494424"/>
       </p:ext>
     </p:extLst>
   </p:cSld>
@@ -12241,6 +17347,1279 @@
 </p:sld>
 </file>
 
+<file path=ppt/slides/slide80.xml><?xml version="1.0" encoding="utf-8"?>
+<p:sld xmlns:a="http://schemas.openxmlformats.org/drawingml/2006/main" xmlns:r="http://schemas.openxmlformats.org/officeDocument/2006/relationships" xmlns:p="http://schemas.openxmlformats.org/presentationml/2006/main">
+  <p:cSld>
+    <p:spTree>
+      <p:nvGrpSpPr>
+        <p:cNvPr id="1" name=""/>
+        <p:cNvGrpSpPr/>
+        <p:nvPr/>
+      </p:nvGrpSpPr>
+      <p:grpSpPr>
+        <a:xfrm>
+          <a:off x="0" y="0"/>
+          <a:ext cx="0" cy="0"/>
+          <a:chOff x="0" y="0"/>
+          <a:chExt cx="0" cy="0"/>
+        </a:xfrm>
+      </p:grpSpPr>
+      <p:sp>
+        <p:nvSpPr>
+          <p:cNvPr id="2" name="标题 1">
+            <a:extLst>
+              <a:ext uri="{FF2B5EF4-FFF2-40B4-BE49-F238E27FC236}">
+                <a16:creationId xmlns:a16="http://schemas.microsoft.com/office/drawing/2014/main" id="{9C4B65AC-D529-4722-A55F-E8C1DDA5AEF2}"/>
+              </a:ext>
+            </a:extLst>
+          </p:cNvPr>
+          <p:cNvSpPr>
+            <a:spLocks noGrp="1"/>
+          </p:cNvSpPr>
+          <p:nvPr>
+            <p:ph type="title"/>
+          </p:nvPr>
+        </p:nvSpPr>
+        <p:spPr/>
+        <p:txBody>
+          <a:bodyPr/>
+          <a:lstStyle/>
+          <a:p>
+            <a:r>
+              <a:rPr lang="zh-CN" altLang="en-US" dirty="0"/>
+              <a:t>选主步骤</a:t>
+            </a:r>
+          </a:p>
+        </p:txBody>
+      </p:sp>
+      <p:sp>
+        <p:nvSpPr>
+          <p:cNvPr id="3" name="内容占位符 2">
+            <a:extLst>
+              <a:ext uri="{FF2B5EF4-FFF2-40B4-BE49-F238E27FC236}">
+                <a16:creationId xmlns:a16="http://schemas.microsoft.com/office/drawing/2014/main" id="{966FB371-4E45-411A-9CF9-F2012806B856}"/>
+              </a:ext>
+            </a:extLst>
+          </p:cNvPr>
+          <p:cNvSpPr>
+            <a:spLocks noGrp="1"/>
+          </p:cNvSpPr>
+          <p:nvPr>
+            <p:ph idx="1"/>
+          </p:nvPr>
+        </p:nvSpPr>
+        <p:spPr/>
+        <p:txBody>
+          <a:bodyPr/>
+          <a:lstStyle/>
+          <a:p>
+            <a:r>
+              <a:rPr lang="zh-CN" altLang="en-US" dirty="0"/>
+              <a:t>* 判断选举轮次</a:t>
+            </a:r>
+          </a:p>
+          <a:p>
+            <a:pPr lvl="1"/>
+            <a:r>
+              <a:rPr lang="en-US" altLang="zh-CN" dirty="0"/>
+              <a:t>&gt;</a:t>
+            </a:r>
+            <a:r>
+              <a:rPr lang="zh-CN" altLang="en-US" dirty="0"/>
+              <a:t> 收到外部投票后，首先会根据投票信息中所包含的</a:t>
+            </a:r>
+            <a:r>
+              <a:rPr lang="en-US" altLang="zh-CN" dirty="0" err="1"/>
+              <a:t>logicClock</a:t>
+            </a:r>
+            <a:r>
+              <a:rPr lang="zh-CN" altLang="en-US" dirty="0"/>
+              <a:t>来进行不同处理</a:t>
+            </a:r>
+            <a:r>
+              <a:rPr lang="en-US" altLang="zh-CN" dirty="0"/>
+              <a:t>.</a:t>
+            </a:r>
+          </a:p>
+          <a:p>
+            <a:pPr lvl="2"/>
+            <a:r>
+              <a:rPr lang="en-US" altLang="zh-CN" dirty="0"/>
+              <a:t>* </a:t>
+            </a:r>
+            <a:r>
+              <a:rPr lang="zh-CN" altLang="en-US" dirty="0"/>
+              <a:t>外部投票的</a:t>
+            </a:r>
+            <a:r>
+              <a:rPr lang="en-US" altLang="zh-CN" dirty="0" err="1"/>
+              <a:t>logicClock</a:t>
+            </a:r>
+            <a:r>
+              <a:rPr lang="zh-CN" altLang="en-US" dirty="0"/>
+              <a:t>大于自己的</a:t>
+            </a:r>
+            <a:r>
+              <a:rPr lang="en-US" altLang="zh-CN" dirty="0" err="1"/>
+              <a:t>logicClock</a:t>
+            </a:r>
+            <a:r>
+              <a:rPr lang="zh-CN" altLang="en-US" dirty="0"/>
+              <a:t>。说明该服务器的选举轮次落后于其它服务器的选举轮次，立即清空自己的投票箱并将自己的</a:t>
+            </a:r>
+            <a:r>
+              <a:rPr lang="en-US" altLang="zh-CN" dirty="0" err="1"/>
+              <a:t>logicClock</a:t>
+            </a:r>
+            <a:r>
+              <a:rPr lang="zh-CN" altLang="en-US" dirty="0"/>
+              <a:t>更新为收到的</a:t>
+            </a:r>
+            <a:r>
+              <a:rPr lang="en-US" altLang="zh-CN" dirty="0" err="1"/>
+              <a:t>logicClock</a:t>
+            </a:r>
+            <a:r>
+              <a:rPr lang="zh-CN" altLang="en-US" dirty="0"/>
+              <a:t>，然后再对比自己之前的投票与收到的投票以确定是否需要变更自己的投票，最终再次将自己的投票广播出去。</a:t>
+            </a:r>
+          </a:p>
+          <a:p>
+            <a:pPr lvl="2"/>
+            <a:r>
+              <a:rPr lang="zh-CN" altLang="en-US" dirty="0"/>
+              <a:t>* 外部投票的</a:t>
+            </a:r>
+            <a:r>
+              <a:rPr lang="en-US" altLang="zh-CN" dirty="0" err="1"/>
+              <a:t>logicClock</a:t>
+            </a:r>
+            <a:r>
+              <a:rPr lang="zh-CN" altLang="en-US" dirty="0"/>
+              <a:t>小于自己的</a:t>
+            </a:r>
+            <a:r>
+              <a:rPr lang="en-US" altLang="zh-CN" dirty="0" err="1"/>
+              <a:t>logicClock</a:t>
+            </a:r>
+            <a:r>
+              <a:rPr lang="zh-CN" altLang="en-US" dirty="0"/>
+              <a:t>。当前服务器直接忽略该投票，继续处理下一个投票。</a:t>
+            </a:r>
+          </a:p>
+          <a:p>
+            <a:pPr lvl="2"/>
+            <a:r>
+              <a:rPr lang="zh-CN" altLang="en-US" dirty="0"/>
+              <a:t>* 外部投票的</a:t>
+            </a:r>
+            <a:r>
+              <a:rPr lang="en-US" altLang="zh-CN" dirty="0" err="1"/>
+              <a:t>logickClock</a:t>
+            </a:r>
+            <a:r>
+              <a:rPr lang="zh-CN" altLang="en-US" dirty="0"/>
+              <a:t>与自己的相等。当时进行选票</a:t>
+            </a:r>
+            <a:r>
+              <a:rPr lang="en-US" altLang="zh-CN" dirty="0"/>
+              <a:t>PK</a:t>
+            </a:r>
+            <a:r>
+              <a:rPr lang="zh-CN" altLang="en-US" dirty="0"/>
+              <a:t>。</a:t>
+            </a:r>
+          </a:p>
+          <a:p>
+            <a:pPr marL="0" indent="0">
+              <a:buNone/>
+            </a:pPr>
+            <a:endParaRPr lang="zh-CN" altLang="en-US" dirty="0"/>
+          </a:p>
+        </p:txBody>
+      </p:sp>
+    </p:spTree>
+    <p:extLst>
+      <p:ext uri="{BB962C8B-B14F-4D97-AF65-F5344CB8AC3E}">
+        <p14:creationId xmlns:p14="http://schemas.microsoft.com/office/powerpoint/2010/main" val="3497453680"/>
+      </p:ext>
+    </p:extLst>
+  </p:cSld>
+  <p:clrMapOvr>
+    <a:masterClrMapping/>
+  </p:clrMapOvr>
+</p:sld>
+</file>
+
+<file path=ppt/slides/slide81.xml><?xml version="1.0" encoding="utf-8"?>
+<p:sld xmlns:a="http://schemas.openxmlformats.org/drawingml/2006/main" xmlns:r="http://schemas.openxmlformats.org/officeDocument/2006/relationships" xmlns:p="http://schemas.openxmlformats.org/presentationml/2006/main">
+  <p:cSld>
+    <p:spTree>
+      <p:nvGrpSpPr>
+        <p:cNvPr id="1" name=""/>
+        <p:cNvGrpSpPr/>
+        <p:nvPr/>
+      </p:nvGrpSpPr>
+      <p:grpSpPr>
+        <a:xfrm>
+          <a:off x="0" y="0"/>
+          <a:ext cx="0" cy="0"/>
+          <a:chOff x="0" y="0"/>
+          <a:chExt cx="0" cy="0"/>
+        </a:xfrm>
+      </p:grpSpPr>
+      <p:sp>
+        <p:nvSpPr>
+          <p:cNvPr id="2" name="标题 1">
+            <a:extLst>
+              <a:ext uri="{FF2B5EF4-FFF2-40B4-BE49-F238E27FC236}">
+                <a16:creationId xmlns:a16="http://schemas.microsoft.com/office/drawing/2014/main" id="{9C4B65AC-D529-4722-A55F-E8C1DDA5AEF2}"/>
+              </a:ext>
+            </a:extLst>
+          </p:cNvPr>
+          <p:cNvSpPr>
+            <a:spLocks noGrp="1"/>
+          </p:cNvSpPr>
+          <p:nvPr>
+            <p:ph type="title"/>
+          </p:nvPr>
+        </p:nvSpPr>
+        <p:spPr/>
+        <p:txBody>
+          <a:bodyPr/>
+          <a:lstStyle/>
+          <a:p>
+            <a:r>
+              <a:rPr lang="zh-CN" altLang="en-US" dirty="0"/>
+              <a:t>选主步骤</a:t>
+            </a:r>
+          </a:p>
+        </p:txBody>
+      </p:sp>
+      <p:sp>
+        <p:nvSpPr>
+          <p:cNvPr id="3" name="内容占位符 2">
+            <a:extLst>
+              <a:ext uri="{FF2B5EF4-FFF2-40B4-BE49-F238E27FC236}">
+                <a16:creationId xmlns:a16="http://schemas.microsoft.com/office/drawing/2014/main" id="{966FB371-4E45-411A-9CF9-F2012806B856}"/>
+              </a:ext>
+            </a:extLst>
+          </p:cNvPr>
+          <p:cNvSpPr>
+            <a:spLocks noGrp="1"/>
+          </p:cNvSpPr>
+          <p:nvPr>
+            <p:ph idx="1"/>
+          </p:nvPr>
+        </p:nvSpPr>
+        <p:spPr/>
+        <p:txBody>
+          <a:bodyPr>
+            <a:normAutofit/>
+          </a:bodyPr>
+          <a:lstStyle/>
+          <a:p>
+            <a:r>
+              <a:rPr lang="zh-CN" altLang="en-US" dirty="0"/>
+              <a:t>* 处理投票</a:t>
+            </a:r>
+          </a:p>
+          <a:p>
+            <a:pPr lvl="1"/>
+            <a:r>
+              <a:rPr lang="en-US" altLang="zh-CN" dirty="0"/>
+              <a:t>&gt;</a:t>
+            </a:r>
+            <a:r>
+              <a:rPr lang="zh-CN" altLang="en-US" dirty="0"/>
+              <a:t> 对自己的投票和接收到的投票进行</a:t>
+            </a:r>
+            <a:r>
+              <a:rPr lang="en-US" altLang="zh-CN" dirty="0"/>
+              <a:t>PK</a:t>
+            </a:r>
+            <a:r>
+              <a:rPr lang="zh-CN" altLang="en-US" dirty="0"/>
+              <a:t>：</a:t>
+            </a:r>
+          </a:p>
+          <a:p>
+            <a:pPr lvl="2"/>
+            <a:r>
+              <a:rPr lang="en-US" altLang="zh-CN" dirty="0"/>
+              <a:t>1. </a:t>
+            </a:r>
+            <a:r>
+              <a:rPr lang="zh-CN" altLang="en-US" dirty="0"/>
+              <a:t>先检查</a:t>
+            </a:r>
+            <a:r>
+              <a:rPr lang="en-US" altLang="zh-CN" dirty="0" err="1"/>
+              <a:t>zxid</a:t>
+            </a:r>
+            <a:r>
+              <a:rPr lang="zh-CN" altLang="en-US" dirty="0"/>
+              <a:t>，较大的优先为</a:t>
+            </a:r>
+            <a:r>
+              <a:rPr lang="en-US" altLang="zh-CN" dirty="0"/>
+              <a:t>leader</a:t>
+            </a:r>
+            <a:r>
+              <a:rPr lang="zh-CN" altLang="en-US" dirty="0"/>
+              <a:t>；</a:t>
+            </a:r>
+          </a:p>
+          <a:p>
+            <a:pPr lvl="2"/>
+            <a:r>
+              <a:rPr lang="en-US" altLang="zh-CN" dirty="0"/>
+              <a:t>2. </a:t>
+            </a:r>
+            <a:r>
+              <a:rPr lang="zh-CN" altLang="en-US" dirty="0"/>
+              <a:t>如果</a:t>
+            </a:r>
+            <a:r>
+              <a:rPr lang="en-US" altLang="zh-CN" dirty="0" err="1"/>
+              <a:t>zxid</a:t>
+            </a:r>
+            <a:r>
+              <a:rPr lang="zh-CN" altLang="en-US" dirty="0"/>
+              <a:t>一样，</a:t>
+            </a:r>
+            <a:r>
+              <a:rPr lang="en-US" altLang="zh-CN" dirty="0" err="1"/>
+              <a:t>sid</a:t>
+            </a:r>
+            <a:r>
+              <a:rPr lang="zh-CN" altLang="en-US" dirty="0"/>
+              <a:t>较大的为</a:t>
+            </a:r>
+            <a:r>
+              <a:rPr lang="en-US" altLang="zh-CN" dirty="0"/>
+              <a:t>leader</a:t>
+            </a:r>
+            <a:r>
+              <a:rPr lang="zh-CN" altLang="en-US" dirty="0"/>
+              <a:t>；</a:t>
+            </a:r>
+          </a:p>
+          <a:p>
+            <a:pPr lvl="2"/>
+            <a:r>
+              <a:rPr lang="en-US" altLang="zh-CN" dirty="0"/>
+              <a:t>3. </a:t>
+            </a:r>
+            <a:r>
+              <a:rPr lang="zh-CN" altLang="en-US" dirty="0"/>
+              <a:t>根据</a:t>
+            </a:r>
+            <a:r>
+              <a:rPr lang="en-US" altLang="zh-CN" dirty="0"/>
+              <a:t>PK</a:t>
+            </a:r>
+            <a:r>
+              <a:rPr lang="zh-CN" altLang="en-US" dirty="0"/>
+              <a:t>结果更新自己的投票，在次发送自己的投票；</a:t>
+            </a:r>
+          </a:p>
+          <a:p>
+            <a:r>
+              <a:rPr lang="zh-CN" altLang="en-US" dirty="0"/>
+              <a:t>* 统计投票</a:t>
+            </a:r>
+          </a:p>
+          <a:p>
+            <a:pPr lvl="1"/>
+            <a:r>
+              <a:rPr lang="en-US" altLang="zh-CN" dirty="0"/>
+              <a:t>&gt;</a:t>
+            </a:r>
+            <a:r>
+              <a:rPr lang="zh-CN" altLang="en-US" dirty="0"/>
+              <a:t> 每次投票后，服务器统计投票信息，如果有过半机器接收到相同的投票，那么</a:t>
+            </a:r>
+            <a:r>
+              <a:rPr lang="en-US" altLang="zh-CN" dirty="0"/>
+              <a:t>leader</a:t>
+            </a:r>
+            <a:r>
+              <a:rPr lang="zh-CN" altLang="en-US" dirty="0"/>
+              <a:t>产生，如果否，那么进行下一轮投票；</a:t>
+            </a:r>
+          </a:p>
+          <a:p>
+            <a:r>
+              <a:rPr lang="zh-CN" altLang="en-US" dirty="0"/>
+              <a:t>* 改变</a:t>
+            </a:r>
+            <a:r>
+              <a:rPr lang="en-US" altLang="zh-CN" dirty="0"/>
+              <a:t>server</a:t>
+            </a:r>
+            <a:r>
+              <a:rPr lang="zh-CN" altLang="en-US" dirty="0"/>
+              <a:t>状态</a:t>
+            </a:r>
+          </a:p>
+          <a:p>
+            <a:pPr lvl="1"/>
+            <a:r>
+              <a:rPr lang="en-US" altLang="zh-CN" dirty="0"/>
+              <a:t>&gt;</a:t>
+            </a:r>
+            <a:r>
+              <a:rPr lang="zh-CN" altLang="en-US" dirty="0"/>
+              <a:t> 一旦确定了</a:t>
+            </a:r>
+            <a:r>
+              <a:rPr lang="en-US" altLang="zh-CN" dirty="0"/>
+              <a:t>Leader</a:t>
+            </a:r>
+            <a:r>
+              <a:rPr lang="zh-CN" altLang="en-US" dirty="0"/>
+              <a:t>，</a:t>
+            </a:r>
+            <a:r>
+              <a:rPr lang="en-US" altLang="zh-CN" dirty="0"/>
+              <a:t>server</a:t>
+            </a:r>
+            <a:r>
+              <a:rPr lang="zh-CN" altLang="en-US" dirty="0"/>
+              <a:t>会更新自己的状态为</a:t>
+            </a:r>
+            <a:r>
+              <a:rPr lang="en-US" altLang="zh-CN" dirty="0"/>
+              <a:t>Following</a:t>
+            </a:r>
+            <a:r>
+              <a:rPr lang="zh-CN" altLang="en-US" dirty="0"/>
+              <a:t>或者是</a:t>
+            </a:r>
+            <a:r>
+              <a:rPr lang="en-US" altLang="zh-CN" dirty="0"/>
+              <a:t>Leading</a:t>
+            </a:r>
+            <a:r>
+              <a:rPr lang="zh-CN" altLang="en-US" dirty="0"/>
+              <a:t>。选举结束。</a:t>
+            </a:r>
+          </a:p>
+          <a:p>
+            <a:endParaRPr lang="zh-CN" altLang="en-US" dirty="0"/>
+          </a:p>
+        </p:txBody>
+      </p:sp>
+    </p:spTree>
+    <p:extLst>
+      <p:ext uri="{BB962C8B-B14F-4D97-AF65-F5344CB8AC3E}">
+        <p14:creationId xmlns:p14="http://schemas.microsoft.com/office/powerpoint/2010/main" val="2428088584"/>
+      </p:ext>
+    </p:extLst>
+  </p:cSld>
+  <p:clrMapOvr>
+    <a:masterClrMapping/>
+  </p:clrMapOvr>
+</p:sld>
+</file>
+
+<file path=ppt/slides/slide82.xml><?xml version="1.0" encoding="utf-8"?>
+<p:sld xmlns:a="http://schemas.openxmlformats.org/drawingml/2006/main" xmlns:r="http://schemas.openxmlformats.org/officeDocument/2006/relationships" xmlns:p="http://schemas.openxmlformats.org/presentationml/2006/main">
+  <p:cSld>
+    <p:spTree>
+      <p:nvGrpSpPr>
+        <p:cNvPr id="1" name=""/>
+        <p:cNvGrpSpPr/>
+        <p:nvPr/>
+      </p:nvGrpSpPr>
+      <p:grpSpPr>
+        <a:xfrm>
+          <a:off x="0" y="0"/>
+          <a:ext cx="0" cy="0"/>
+          <a:chOff x="0" y="0"/>
+          <a:chExt cx="0" cy="0"/>
+        </a:xfrm>
+      </p:grpSpPr>
+      <p:sp>
+        <p:nvSpPr>
+          <p:cNvPr id="2" name="标题 1">
+            <a:extLst>
+              <a:ext uri="{FF2B5EF4-FFF2-40B4-BE49-F238E27FC236}">
+                <a16:creationId xmlns:a16="http://schemas.microsoft.com/office/drawing/2014/main" id="{9C4B65AC-D529-4722-A55F-E8C1DDA5AEF2}"/>
+              </a:ext>
+            </a:extLst>
+          </p:cNvPr>
+          <p:cNvSpPr>
+            <a:spLocks noGrp="1"/>
+          </p:cNvSpPr>
+          <p:nvPr>
+            <p:ph type="title"/>
+          </p:nvPr>
+        </p:nvSpPr>
+        <p:spPr/>
+        <p:txBody>
+          <a:bodyPr/>
+          <a:lstStyle/>
+          <a:p>
+            <a:r>
+              <a:rPr lang="zh-CN" altLang="en-US" dirty="0"/>
+              <a:t>几种</a:t>
+            </a:r>
+            <a:r>
+              <a:rPr lang="en-US" altLang="zh-CN" dirty="0"/>
+              <a:t>leader</a:t>
+            </a:r>
+            <a:r>
+              <a:rPr lang="zh-CN" altLang="en-US" dirty="0"/>
+              <a:t>选举场景</a:t>
+            </a:r>
+          </a:p>
+        </p:txBody>
+      </p:sp>
+      <p:sp>
+        <p:nvSpPr>
+          <p:cNvPr id="3" name="内容占位符 2">
+            <a:extLst>
+              <a:ext uri="{FF2B5EF4-FFF2-40B4-BE49-F238E27FC236}">
+                <a16:creationId xmlns:a16="http://schemas.microsoft.com/office/drawing/2014/main" id="{966FB371-4E45-411A-9CF9-F2012806B856}"/>
+              </a:ext>
+            </a:extLst>
+          </p:cNvPr>
+          <p:cNvSpPr>
+            <a:spLocks noGrp="1"/>
+          </p:cNvSpPr>
+          <p:nvPr>
+            <p:ph idx="1"/>
+          </p:nvPr>
+        </p:nvSpPr>
+        <p:spPr/>
+        <p:txBody>
+          <a:bodyPr/>
+          <a:lstStyle/>
+          <a:p>
+            <a:r>
+              <a:rPr lang="zh-CN" altLang="en-US" dirty="0"/>
+              <a:t>* 集群启动选举</a:t>
+            </a:r>
+          </a:p>
+          <a:p>
+            <a:r>
+              <a:rPr lang="zh-CN" altLang="en-US" dirty="0"/>
+              <a:t>* </a:t>
+            </a:r>
+            <a:r>
+              <a:rPr lang="en-US" altLang="zh-CN" dirty="0"/>
+              <a:t>Follower</a:t>
+            </a:r>
+            <a:r>
+              <a:rPr lang="zh-CN" altLang="en-US" dirty="0"/>
+              <a:t>重启选举</a:t>
+            </a:r>
+          </a:p>
+          <a:p>
+            <a:r>
+              <a:rPr lang="zh-CN" altLang="en-US" dirty="0"/>
+              <a:t>* </a:t>
+            </a:r>
+            <a:r>
+              <a:rPr lang="en-US" altLang="zh-CN" dirty="0"/>
+              <a:t>Leader</a:t>
+            </a:r>
+            <a:r>
+              <a:rPr lang="zh-CN" altLang="en-US" dirty="0"/>
+              <a:t>重启选举</a:t>
+            </a:r>
+          </a:p>
+          <a:p>
+            <a:endParaRPr lang="zh-CN" altLang="en-US" dirty="0"/>
+          </a:p>
+        </p:txBody>
+      </p:sp>
+    </p:spTree>
+    <p:extLst>
+      <p:ext uri="{BB962C8B-B14F-4D97-AF65-F5344CB8AC3E}">
+        <p14:creationId xmlns:p14="http://schemas.microsoft.com/office/powerpoint/2010/main" val="506071052"/>
+      </p:ext>
+    </p:extLst>
+  </p:cSld>
+  <p:clrMapOvr>
+    <a:masterClrMapping/>
+  </p:clrMapOvr>
+</p:sld>
+</file>
+
+<file path=ppt/slides/slide83.xml><?xml version="1.0" encoding="utf-8"?>
+<p:sld xmlns:a="http://schemas.openxmlformats.org/drawingml/2006/main" xmlns:r="http://schemas.openxmlformats.org/officeDocument/2006/relationships" xmlns:p="http://schemas.openxmlformats.org/presentationml/2006/main">
+  <p:cSld>
+    <p:spTree>
+      <p:nvGrpSpPr>
+        <p:cNvPr id="1" name=""/>
+        <p:cNvGrpSpPr/>
+        <p:nvPr/>
+      </p:nvGrpSpPr>
+      <p:grpSpPr>
+        <a:xfrm>
+          <a:off x="0" y="0"/>
+          <a:ext cx="0" cy="0"/>
+          <a:chOff x="0" y="0"/>
+          <a:chExt cx="0" cy="0"/>
+        </a:xfrm>
+      </p:grpSpPr>
+      <p:sp>
+        <p:nvSpPr>
+          <p:cNvPr id="2" name="标题 1">
+            <a:extLst>
+              <a:ext uri="{FF2B5EF4-FFF2-40B4-BE49-F238E27FC236}">
+                <a16:creationId xmlns:a16="http://schemas.microsoft.com/office/drawing/2014/main" id="{3FD46781-5ADE-42F6-81D0-F5F6F5579BE0}"/>
+              </a:ext>
+            </a:extLst>
+          </p:cNvPr>
+          <p:cNvSpPr>
+            <a:spLocks noGrp="1"/>
+          </p:cNvSpPr>
+          <p:nvPr>
+            <p:ph type="title"/>
+          </p:nvPr>
+        </p:nvSpPr>
+        <p:spPr/>
+        <p:txBody>
+          <a:bodyPr/>
+          <a:lstStyle/>
+          <a:p>
+            <a:r>
+              <a:rPr lang="zh-CN" altLang="en-US" dirty="0"/>
+              <a:t>集群启动选举</a:t>
+            </a:r>
+          </a:p>
+        </p:txBody>
+      </p:sp>
+      <p:pic>
+        <p:nvPicPr>
+          <p:cNvPr id="5" name="内容占位符 4">
+            <a:extLst>
+              <a:ext uri="{FF2B5EF4-FFF2-40B4-BE49-F238E27FC236}">
+                <a16:creationId xmlns:a16="http://schemas.microsoft.com/office/drawing/2014/main" id="{6A609DDC-DD02-461C-AB7B-E85D8E577038}"/>
+              </a:ext>
+            </a:extLst>
+          </p:cNvPr>
+          <p:cNvPicPr>
+            <a:picLocks noGrp="1" noChangeAspect="1"/>
+          </p:cNvPicPr>
+          <p:nvPr>
+            <p:ph idx="1"/>
+          </p:nvPr>
+        </p:nvPicPr>
+        <p:blipFill>
+          <a:blip r:embed="rId2">
+            <a:extLst>
+              <a:ext uri="{28A0092B-C50C-407E-A947-70E740481C1C}">
+                <a14:useLocalDpi xmlns:a14="http://schemas.microsoft.com/office/drawing/2010/main" val="0"/>
+              </a:ext>
+            </a:extLst>
+          </a:blip>
+          <a:stretch>
+            <a:fillRect/>
+          </a:stretch>
+        </p:blipFill>
+        <p:spPr>
+          <a:xfrm>
+            <a:off x="3335474" y="1825625"/>
+            <a:ext cx="5521052" cy="4351338"/>
+          </a:xfrm>
+        </p:spPr>
+      </p:pic>
+    </p:spTree>
+    <p:extLst>
+      <p:ext uri="{BB962C8B-B14F-4D97-AF65-F5344CB8AC3E}">
+        <p14:creationId xmlns:p14="http://schemas.microsoft.com/office/powerpoint/2010/main" val="897789417"/>
+      </p:ext>
+    </p:extLst>
+  </p:cSld>
+  <p:clrMapOvr>
+    <a:masterClrMapping/>
+  </p:clrMapOvr>
+</p:sld>
+</file>
+
+<file path=ppt/slides/slide84.xml><?xml version="1.0" encoding="utf-8"?>
+<p:sld xmlns:a="http://schemas.openxmlformats.org/drawingml/2006/main" xmlns:r="http://schemas.openxmlformats.org/officeDocument/2006/relationships" xmlns:p="http://schemas.openxmlformats.org/presentationml/2006/main">
+  <p:cSld>
+    <p:spTree>
+      <p:nvGrpSpPr>
+        <p:cNvPr id="1" name=""/>
+        <p:cNvGrpSpPr/>
+        <p:nvPr/>
+      </p:nvGrpSpPr>
+      <p:grpSpPr>
+        <a:xfrm>
+          <a:off x="0" y="0"/>
+          <a:ext cx="0" cy="0"/>
+          <a:chOff x="0" y="0"/>
+          <a:chExt cx="0" cy="0"/>
+        </a:xfrm>
+      </p:grpSpPr>
+      <p:sp>
+        <p:nvSpPr>
+          <p:cNvPr id="2" name="标题 1">
+            <a:extLst>
+              <a:ext uri="{FF2B5EF4-FFF2-40B4-BE49-F238E27FC236}">
+                <a16:creationId xmlns:a16="http://schemas.microsoft.com/office/drawing/2014/main" id="{3FD46781-5ADE-42F6-81D0-F5F6F5579BE0}"/>
+              </a:ext>
+            </a:extLst>
+          </p:cNvPr>
+          <p:cNvSpPr>
+            <a:spLocks noGrp="1"/>
+          </p:cNvSpPr>
+          <p:nvPr>
+            <p:ph type="title"/>
+          </p:nvPr>
+        </p:nvSpPr>
+        <p:spPr/>
+        <p:txBody>
+          <a:bodyPr/>
+          <a:lstStyle/>
+          <a:p>
+            <a:r>
+              <a:rPr lang="zh-CN" altLang="en-US" dirty="0"/>
+              <a:t>集群启动选举</a:t>
+            </a:r>
+          </a:p>
+        </p:txBody>
+      </p:sp>
+      <p:pic>
+        <p:nvPicPr>
+          <p:cNvPr id="5" name="内容占位符 4">
+            <a:extLst>
+              <a:ext uri="{FF2B5EF4-FFF2-40B4-BE49-F238E27FC236}">
+                <a16:creationId xmlns:a16="http://schemas.microsoft.com/office/drawing/2014/main" id="{4F1D5E56-1F86-4FA3-A748-44E680FAE94B}"/>
+              </a:ext>
+            </a:extLst>
+          </p:cNvPr>
+          <p:cNvPicPr>
+            <a:picLocks noGrp="1" noChangeAspect="1"/>
+          </p:cNvPicPr>
+          <p:nvPr>
+            <p:ph idx="1"/>
+          </p:nvPr>
+        </p:nvPicPr>
+        <p:blipFill>
+          <a:blip r:embed="rId2">
+            <a:extLst>
+              <a:ext uri="{28A0092B-C50C-407E-A947-70E740481C1C}">
+                <a14:useLocalDpi xmlns:a14="http://schemas.microsoft.com/office/drawing/2010/main" val="0"/>
+              </a:ext>
+            </a:extLst>
+          </a:blip>
+          <a:stretch>
+            <a:fillRect/>
+          </a:stretch>
+        </p:blipFill>
+        <p:spPr>
+          <a:xfrm>
+            <a:off x="3335474" y="1825625"/>
+            <a:ext cx="5521052" cy="4351338"/>
+          </a:xfrm>
+        </p:spPr>
+      </p:pic>
+    </p:spTree>
+    <p:extLst>
+      <p:ext uri="{BB962C8B-B14F-4D97-AF65-F5344CB8AC3E}">
+        <p14:creationId xmlns:p14="http://schemas.microsoft.com/office/powerpoint/2010/main" val="1544189476"/>
+      </p:ext>
+    </p:extLst>
+  </p:cSld>
+  <p:clrMapOvr>
+    <a:masterClrMapping/>
+  </p:clrMapOvr>
+</p:sld>
+</file>
+
+<file path=ppt/slides/slide85.xml><?xml version="1.0" encoding="utf-8"?>
+<p:sld xmlns:a="http://schemas.openxmlformats.org/drawingml/2006/main" xmlns:r="http://schemas.openxmlformats.org/officeDocument/2006/relationships" xmlns:p="http://schemas.openxmlformats.org/presentationml/2006/main">
+  <p:cSld>
+    <p:spTree>
+      <p:nvGrpSpPr>
+        <p:cNvPr id="1" name=""/>
+        <p:cNvGrpSpPr/>
+        <p:nvPr/>
+      </p:nvGrpSpPr>
+      <p:grpSpPr>
+        <a:xfrm>
+          <a:off x="0" y="0"/>
+          <a:ext cx="0" cy="0"/>
+          <a:chOff x="0" y="0"/>
+          <a:chExt cx="0" cy="0"/>
+        </a:xfrm>
+      </p:grpSpPr>
+      <p:sp>
+        <p:nvSpPr>
+          <p:cNvPr id="2" name="标题 1">
+            <a:extLst>
+              <a:ext uri="{FF2B5EF4-FFF2-40B4-BE49-F238E27FC236}">
+                <a16:creationId xmlns:a16="http://schemas.microsoft.com/office/drawing/2014/main" id="{3FD46781-5ADE-42F6-81D0-F5F6F5579BE0}"/>
+              </a:ext>
+            </a:extLst>
+          </p:cNvPr>
+          <p:cNvSpPr>
+            <a:spLocks noGrp="1"/>
+          </p:cNvSpPr>
+          <p:nvPr>
+            <p:ph type="title"/>
+          </p:nvPr>
+        </p:nvSpPr>
+        <p:spPr/>
+        <p:txBody>
+          <a:bodyPr/>
+          <a:lstStyle/>
+          <a:p>
+            <a:r>
+              <a:rPr lang="en-US" altLang="zh-CN" dirty="0"/>
+              <a:t>Follower</a:t>
+            </a:r>
+            <a:r>
+              <a:rPr lang="zh-CN" altLang="en-US" dirty="0"/>
+              <a:t>重启</a:t>
+            </a:r>
+          </a:p>
+        </p:txBody>
+      </p:sp>
+      <p:pic>
+        <p:nvPicPr>
+          <p:cNvPr id="5" name="内容占位符 4">
+            <a:extLst>
+              <a:ext uri="{FF2B5EF4-FFF2-40B4-BE49-F238E27FC236}">
+                <a16:creationId xmlns:a16="http://schemas.microsoft.com/office/drawing/2014/main" id="{5E332251-99EB-4E54-8ADE-77E517ABD4D1}"/>
+              </a:ext>
+            </a:extLst>
+          </p:cNvPr>
+          <p:cNvPicPr>
+            <a:picLocks noGrp="1" noChangeAspect="1"/>
+          </p:cNvPicPr>
+          <p:nvPr>
+            <p:ph idx="1"/>
+          </p:nvPr>
+        </p:nvPicPr>
+        <p:blipFill>
+          <a:blip r:embed="rId2">
+            <a:extLst>
+              <a:ext uri="{28A0092B-C50C-407E-A947-70E740481C1C}">
+                <a14:useLocalDpi xmlns:a14="http://schemas.microsoft.com/office/drawing/2010/main" val="0"/>
+              </a:ext>
+            </a:extLst>
+          </a:blip>
+          <a:stretch>
+            <a:fillRect/>
+          </a:stretch>
+        </p:blipFill>
+        <p:spPr>
+          <a:xfrm>
+            <a:off x="3335474" y="1825625"/>
+            <a:ext cx="5521052" cy="4351338"/>
+          </a:xfrm>
+        </p:spPr>
+      </p:pic>
+    </p:spTree>
+    <p:extLst>
+      <p:ext uri="{BB962C8B-B14F-4D97-AF65-F5344CB8AC3E}">
+        <p14:creationId xmlns:p14="http://schemas.microsoft.com/office/powerpoint/2010/main" val="893947223"/>
+      </p:ext>
+    </p:extLst>
+  </p:cSld>
+  <p:clrMapOvr>
+    <a:masterClrMapping/>
+  </p:clrMapOvr>
+</p:sld>
+</file>
+
+<file path=ppt/slides/slide86.xml><?xml version="1.0" encoding="utf-8"?>
+<p:sld xmlns:a="http://schemas.openxmlformats.org/drawingml/2006/main" xmlns:r="http://schemas.openxmlformats.org/officeDocument/2006/relationships" xmlns:p="http://schemas.openxmlformats.org/presentationml/2006/main">
+  <p:cSld>
+    <p:spTree>
+      <p:nvGrpSpPr>
+        <p:cNvPr id="1" name=""/>
+        <p:cNvGrpSpPr/>
+        <p:nvPr/>
+      </p:nvGrpSpPr>
+      <p:grpSpPr>
+        <a:xfrm>
+          <a:off x="0" y="0"/>
+          <a:ext cx="0" cy="0"/>
+          <a:chOff x="0" y="0"/>
+          <a:chExt cx="0" cy="0"/>
+        </a:xfrm>
+      </p:grpSpPr>
+      <p:sp>
+        <p:nvSpPr>
+          <p:cNvPr id="2" name="标题 1">
+            <a:extLst>
+              <a:ext uri="{FF2B5EF4-FFF2-40B4-BE49-F238E27FC236}">
+                <a16:creationId xmlns:a16="http://schemas.microsoft.com/office/drawing/2014/main" id="{6E515F20-5960-4CEB-8B7D-2B000A9BD4EB}"/>
+              </a:ext>
+            </a:extLst>
+          </p:cNvPr>
+          <p:cNvSpPr>
+            <a:spLocks noGrp="1"/>
+          </p:cNvSpPr>
+          <p:nvPr>
+            <p:ph type="title"/>
+          </p:nvPr>
+        </p:nvSpPr>
+        <p:spPr/>
+        <p:txBody>
+          <a:bodyPr/>
+          <a:lstStyle/>
+          <a:p>
+            <a:r>
+              <a:rPr lang="en-US" altLang="zh-CN" dirty="0"/>
+              <a:t>Follower</a:t>
+            </a:r>
+            <a:r>
+              <a:rPr lang="zh-CN" altLang="en-US" dirty="0"/>
+              <a:t>重启选举</a:t>
+            </a:r>
+          </a:p>
+        </p:txBody>
+      </p:sp>
+      <p:pic>
+        <p:nvPicPr>
+          <p:cNvPr id="5" name="内容占位符 4">
+            <a:extLst>
+              <a:ext uri="{FF2B5EF4-FFF2-40B4-BE49-F238E27FC236}">
+                <a16:creationId xmlns:a16="http://schemas.microsoft.com/office/drawing/2014/main" id="{8DB56087-3F4D-41B5-894D-209F0900A723}"/>
+              </a:ext>
+            </a:extLst>
+          </p:cNvPr>
+          <p:cNvPicPr>
+            <a:picLocks noGrp="1" noChangeAspect="1"/>
+          </p:cNvPicPr>
+          <p:nvPr>
+            <p:ph idx="1"/>
+          </p:nvPr>
+        </p:nvPicPr>
+        <p:blipFill>
+          <a:blip r:embed="rId2">
+            <a:extLst>
+              <a:ext uri="{28A0092B-C50C-407E-A947-70E740481C1C}">
+                <a14:useLocalDpi xmlns:a14="http://schemas.microsoft.com/office/drawing/2010/main" val="0"/>
+              </a:ext>
+            </a:extLst>
+          </a:blip>
+          <a:stretch>
+            <a:fillRect/>
+          </a:stretch>
+        </p:blipFill>
+        <p:spPr>
+          <a:xfrm>
+            <a:off x="3335474" y="1825625"/>
+            <a:ext cx="5521052" cy="4351338"/>
+          </a:xfrm>
+        </p:spPr>
+      </p:pic>
+    </p:spTree>
+    <p:extLst>
+      <p:ext uri="{BB962C8B-B14F-4D97-AF65-F5344CB8AC3E}">
+        <p14:creationId xmlns:p14="http://schemas.microsoft.com/office/powerpoint/2010/main" val="2475737841"/>
+      </p:ext>
+    </p:extLst>
+  </p:cSld>
+  <p:clrMapOvr>
+    <a:masterClrMapping/>
+  </p:clrMapOvr>
+</p:sld>
+</file>
+
+<file path=ppt/slides/slide87.xml><?xml version="1.0" encoding="utf-8"?>
+<p:sld xmlns:a="http://schemas.openxmlformats.org/drawingml/2006/main" xmlns:r="http://schemas.openxmlformats.org/officeDocument/2006/relationships" xmlns:p="http://schemas.openxmlformats.org/presentationml/2006/main">
+  <p:cSld>
+    <p:spTree>
+      <p:nvGrpSpPr>
+        <p:cNvPr id="1" name=""/>
+        <p:cNvGrpSpPr/>
+        <p:nvPr/>
+      </p:nvGrpSpPr>
+      <p:grpSpPr>
+        <a:xfrm>
+          <a:off x="0" y="0"/>
+          <a:ext cx="0" cy="0"/>
+          <a:chOff x="0" y="0"/>
+          <a:chExt cx="0" cy="0"/>
+        </a:xfrm>
+      </p:grpSpPr>
+      <p:sp>
+        <p:nvSpPr>
+          <p:cNvPr id="2" name="标题 1">
+            <a:extLst>
+              <a:ext uri="{FF2B5EF4-FFF2-40B4-BE49-F238E27FC236}">
+                <a16:creationId xmlns:a16="http://schemas.microsoft.com/office/drawing/2014/main" id="{6E515F20-5960-4CEB-8B7D-2B000A9BD4EB}"/>
+              </a:ext>
+            </a:extLst>
+          </p:cNvPr>
+          <p:cNvSpPr>
+            <a:spLocks noGrp="1"/>
+          </p:cNvSpPr>
+          <p:nvPr>
+            <p:ph type="title"/>
+          </p:nvPr>
+        </p:nvSpPr>
+        <p:spPr/>
+        <p:txBody>
+          <a:bodyPr/>
+          <a:lstStyle/>
+          <a:p>
+            <a:r>
+              <a:rPr lang="en-US" altLang="zh-CN" dirty="0"/>
+              <a:t>Follower</a:t>
+            </a:r>
+            <a:r>
+              <a:rPr lang="zh-CN" altLang="en-US" dirty="0"/>
+              <a:t>重启选举</a:t>
+            </a:r>
+          </a:p>
+        </p:txBody>
+      </p:sp>
+      <p:pic>
+        <p:nvPicPr>
+          <p:cNvPr id="9" name="内容占位符 8">
+            <a:extLst>
+              <a:ext uri="{FF2B5EF4-FFF2-40B4-BE49-F238E27FC236}">
+                <a16:creationId xmlns:a16="http://schemas.microsoft.com/office/drawing/2014/main" id="{54F8C281-3911-4B82-8177-B21B5C3794AD}"/>
+              </a:ext>
+            </a:extLst>
+          </p:cNvPr>
+          <p:cNvPicPr>
+            <a:picLocks noGrp="1" noChangeAspect="1"/>
+          </p:cNvPicPr>
+          <p:nvPr>
+            <p:ph idx="1"/>
+          </p:nvPr>
+        </p:nvPicPr>
+        <p:blipFill>
+          <a:blip r:embed="rId2">
+            <a:extLst>
+              <a:ext uri="{28A0092B-C50C-407E-A947-70E740481C1C}">
+                <a14:useLocalDpi xmlns:a14="http://schemas.microsoft.com/office/drawing/2010/main" val="0"/>
+              </a:ext>
+            </a:extLst>
+          </a:blip>
+          <a:stretch>
+            <a:fillRect/>
+          </a:stretch>
+        </p:blipFill>
+        <p:spPr>
+          <a:xfrm>
+            <a:off x="3335474" y="1825625"/>
+            <a:ext cx="5521052" cy="4351338"/>
+          </a:xfrm>
+        </p:spPr>
+      </p:pic>
+    </p:spTree>
+    <p:extLst>
+      <p:ext uri="{BB962C8B-B14F-4D97-AF65-F5344CB8AC3E}">
+        <p14:creationId xmlns:p14="http://schemas.microsoft.com/office/powerpoint/2010/main" val="2949078200"/>
+      </p:ext>
+    </p:extLst>
+  </p:cSld>
+  <p:clrMapOvr>
+    <a:masterClrMapping/>
+  </p:clrMapOvr>
+</p:sld>
+</file>
+
+<file path=ppt/slides/slide88.xml><?xml version="1.0" encoding="utf-8"?>
+<p:sld xmlns:a="http://schemas.openxmlformats.org/drawingml/2006/main" xmlns:r="http://schemas.openxmlformats.org/officeDocument/2006/relationships" xmlns:p="http://schemas.openxmlformats.org/presentationml/2006/main">
+  <p:cSld>
+    <p:spTree>
+      <p:nvGrpSpPr>
+        <p:cNvPr id="1" name=""/>
+        <p:cNvGrpSpPr/>
+        <p:nvPr/>
+      </p:nvGrpSpPr>
+      <p:grpSpPr>
+        <a:xfrm>
+          <a:off x="0" y="0"/>
+          <a:ext cx="0" cy="0"/>
+          <a:chOff x="0" y="0"/>
+          <a:chExt cx="0" cy="0"/>
+        </a:xfrm>
+      </p:grpSpPr>
+      <p:sp>
+        <p:nvSpPr>
+          <p:cNvPr id="2" name="标题 1">
+            <a:extLst>
+              <a:ext uri="{FF2B5EF4-FFF2-40B4-BE49-F238E27FC236}">
+                <a16:creationId xmlns:a16="http://schemas.microsoft.com/office/drawing/2014/main" id="{DD9AF0FA-728F-4819-ACE3-80AC7DB5E9AC}"/>
+              </a:ext>
+            </a:extLst>
+          </p:cNvPr>
+          <p:cNvSpPr>
+            <a:spLocks noGrp="1"/>
+          </p:cNvSpPr>
+          <p:nvPr>
+            <p:ph type="title"/>
+          </p:nvPr>
+        </p:nvSpPr>
+        <p:spPr/>
+        <p:txBody>
+          <a:bodyPr/>
+          <a:lstStyle/>
+          <a:p>
+            <a:r>
+              <a:rPr lang="en-US" altLang="zh-CN" dirty="0"/>
+              <a:t>Leader</a:t>
+            </a:r>
+            <a:r>
+              <a:rPr lang="zh-CN" altLang="en-US" dirty="0"/>
+              <a:t>重启选举</a:t>
+            </a:r>
+          </a:p>
+        </p:txBody>
+      </p:sp>
+      <p:pic>
+        <p:nvPicPr>
+          <p:cNvPr id="5" name="内容占位符 4">
+            <a:extLst>
+              <a:ext uri="{FF2B5EF4-FFF2-40B4-BE49-F238E27FC236}">
+                <a16:creationId xmlns:a16="http://schemas.microsoft.com/office/drawing/2014/main" id="{7B41BDA6-ABAB-4EC6-A235-6E0E58ACF42B}"/>
+              </a:ext>
+            </a:extLst>
+          </p:cNvPr>
+          <p:cNvPicPr>
+            <a:picLocks noGrp="1" noChangeAspect="1"/>
+          </p:cNvPicPr>
+          <p:nvPr>
+            <p:ph idx="1"/>
+          </p:nvPr>
+        </p:nvPicPr>
+        <p:blipFill>
+          <a:blip r:embed="rId2">
+            <a:extLst>
+              <a:ext uri="{28A0092B-C50C-407E-A947-70E740481C1C}">
+                <a14:useLocalDpi xmlns:a14="http://schemas.microsoft.com/office/drawing/2010/main" val="0"/>
+              </a:ext>
+            </a:extLst>
+          </a:blip>
+          <a:stretch>
+            <a:fillRect/>
+          </a:stretch>
+        </p:blipFill>
+        <p:spPr>
+          <a:xfrm>
+            <a:off x="3335474" y="1825625"/>
+            <a:ext cx="5521052" cy="4351338"/>
+          </a:xfrm>
+        </p:spPr>
+      </p:pic>
+    </p:spTree>
+    <p:extLst>
+      <p:ext uri="{BB962C8B-B14F-4D97-AF65-F5344CB8AC3E}">
+        <p14:creationId xmlns:p14="http://schemas.microsoft.com/office/powerpoint/2010/main" val="732560138"/>
+      </p:ext>
+    </p:extLst>
+  </p:cSld>
+  <p:clrMapOvr>
+    <a:masterClrMapping/>
+  </p:clrMapOvr>
+</p:sld>
+</file>
+
+<file path=ppt/slides/slide89.xml><?xml version="1.0" encoding="utf-8"?>
+<p:sld xmlns:a="http://schemas.openxmlformats.org/drawingml/2006/main" xmlns:r="http://schemas.openxmlformats.org/officeDocument/2006/relationships" xmlns:p="http://schemas.openxmlformats.org/presentationml/2006/main">
+  <p:cSld>
+    <p:spTree>
+      <p:nvGrpSpPr>
+        <p:cNvPr id="1" name=""/>
+        <p:cNvGrpSpPr/>
+        <p:nvPr/>
+      </p:nvGrpSpPr>
+      <p:grpSpPr>
+        <a:xfrm>
+          <a:off x="0" y="0"/>
+          <a:ext cx="0" cy="0"/>
+          <a:chOff x="0" y="0"/>
+          <a:chExt cx="0" cy="0"/>
+        </a:xfrm>
+      </p:grpSpPr>
+      <p:sp>
+        <p:nvSpPr>
+          <p:cNvPr id="2" name="标题 1">
+            <a:extLst>
+              <a:ext uri="{FF2B5EF4-FFF2-40B4-BE49-F238E27FC236}">
+                <a16:creationId xmlns:a16="http://schemas.microsoft.com/office/drawing/2014/main" id="{DD9AF0FA-728F-4819-ACE3-80AC7DB5E9AC}"/>
+              </a:ext>
+            </a:extLst>
+          </p:cNvPr>
+          <p:cNvSpPr>
+            <a:spLocks noGrp="1"/>
+          </p:cNvSpPr>
+          <p:nvPr>
+            <p:ph type="title"/>
+          </p:nvPr>
+        </p:nvSpPr>
+        <p:spPr/>
+        <p:txBody>
+          <a:bodyPr/>
+          <a:lstStyle/>
+          <a:p>
+            <a:r>
+              <a:rPr lang="en-US" altLang="zh-CN" dirty="0"/>
+              <a:t>Leader</a:t>
+            </a:r>
+            <a:r>
+              <a:rPr lang="zh-CN" altLang="en-US" dirty="0"/>
+              <a:t>重启选举</a:t>
+            </a:r>
+          </a:p>
+        </p:txBody>
+      </p:sp>
+      <p:pic>
+        <p:nvPicPr>
+          <p:cNvPr id="5" name="内容占位符 4">
+            <a:extLst>
+              <a:ext uri="{FF2B5EF4-FFF2-40B4-BE49-F238E27FC236}">
+                <a16:creationId xmlns:a16="http://schemas.microsoft.com/office/drawing/2014/main" id="{61915596-6C33-4878-9993-462AE4F59D47}"/>
+              </a:ext>
+            </a:extLst>
+          </p:cNvPr>
+          <p:cNvPicPr>
+            <a:picLocks noGrp="1" noChangeAspect="1"/>
+          </p:cNvPicPr>
+          <p:nvPr>
+            <p:ph idx="1"/>
+          </p:nvPr>
+        </p:nvPicPr>
+        <p:blipFill>
+          <a:blip r:embed="rId2">
+            <a:extLst>
+              <a:ext uri="{28A0092B-C50C-407E-A947-70E740481C1C}">
+                <a14:useLocalDpi xmlns:a14="http://schemas.microsoft.com/office/drawing/2010/main" val="0"/>
+              </a:ext>
+            </a:extLst>
+          </a:blip>
+          <a:stretch>
+            <a:fillRect/>
+          </a:stretch>
+        </p:blipFill>
+        <p:spPr>
+          <a:xfrm>
+            <a:off x="3335474" y="1825625"/>
+            <a:ext cx="5521052" cy="4351338"/>
+          </a:xfrm>
+        </p:spPr>
+      </p:pic>
+    </p:spTree>
+    <p:extLst>
+      <p:ext uri="{BB962C8B-B14F-4D97-AF65-F5344CB8AC3E}">
+        <p14:creationId xmlns:p14="http://schemas.microsoft.com/office/powerpoint/2010/main" val="2378724957"/>
+      </p:ext>
+    </p:extLst>
+  </p:cSld>
+  <p:clrMapOvr>
+    <a:masterClrMapping/>
+  </p:clrMapOvr>
+</p:sld>
+</file>
+
 <file path=ppt/slides/slide9.xml><?xml version="1.0" encoding="utf-8"?>
 <p:sld xmlns:a="http://schemas.openxmlformats.org/drawingml/2006/main" xmlns:r="http://schemas.openxmlformats.org/officeDocument/2006/relationships" xmlns:p="http://schemas.openxmlformats.org/presentationml/2006/main">
   <p:cSld>
@@ -12387,6 +18766,1560 @@
     <p:extLst>
       <p:ext uri="{BB962C8B-B14F-4D97-AF65-F5344CB8AC3E}">
         <p14:creationId xmlns:p14="http://schemas.microsoft.com/office/powerpoint/2010/main" val="1316111348"/>
+      </p:ext>
+    </p:extLst>
+  </p:cSld>
+  <p:clrMapOvr>
+    <a:masterClrMapping/>
+  </p:clrMapOvr>
+</p:sld>
+</file>
+
+<file path=ppt/slides/slide90.xml><?xml version="1.0" encoding="utf-8"?>
+<p:sld xmlns:a="http://schemas.openxmlformats.org/drawingml/2006/main" xmlns:r="http://schemas.openxmlformats.org/officeDocument/2006/relationships" xmlns:p="http://schemas.openxmlformats.org/presentationml/2006/main">
+  <p:cSld>
+    <p:spTree>
+      <p:nvGrpSpPr>
+        <p:cNvPr id="1" name=""/>
+        <p:cNvGrpSpPr/>
+        <p:nvPr/>
+      </p:nvGrpSpPr>
+      <p:grpSpPr>
+        <a:xfrm>
+          <a:off x="0" y="0"/>
+          <a:ext cx="0" cy="0"/>
+          <a:chOff x="0" y="0"/>
+          <a:chExt cx="0" cy="0"/>
+        </a:xfrm>
+      </p:grpSpPr>
+      <p:sp>
+        <p:nvSpPr>
+          <p:cNvPr id="2" name="标题 1">
+            <a:extLst>
+              <a:ext uri="{FF2B5EF4-FFF2-40B4-BE49-F238E27FC236}">
+                <a16:creationId xmlns:a16="http://schemas.microsoft.com/office/drawing/2014/main" id="{DD9AF0FA-728F-4819-ACE3-80AC7DB5E9AC}"/>
+              </a:ext>
+            </a:extLst>
+          </p:cNvPr>
+          <p:cNvSpPr>
+            <a:spLocks noGrp="1"/>
+          </p:cNvSpPr>
+          <p:nvPr>
+            <p:ph type="title"/>
+          </p:nvPr>
+        </p:nvSpPr>
+        <p:spPr/>
+        <p:txBody>
+          <a:bodyPr/>
+          <a:lstStyle/>
+          <a:p>
+            <a:r>
+              <a:rPr lang="en-US" altLang="zh-CN" dirty="0"/>
+              <a:t>Leader</a:t>
+            </a:r>
+            <a:r>
+              <a:rPr lang="zh-CN" altLang="en-US" dirty="0"/>
+              <a:t>重启选举</a:t>
+            </a:r>
+          </a:p>
+        </p:txBody>
+      </p:sp>
+      <p:pic>
+        <p:nvPicPr>
+          <p:cNvPr id="5" name="内容占位符 4">
+            <a:extLst>
+              <a:ext uri="{FF2B5EF4-FFF2-40B4-BE49-F238E27FC236}">
+                <a16:creationId xmlns:a16="http://schemas.microsoft.com/office/drawing/2014/main" id="{56B2D611-7042-4E91-AA00-DED9BE6ACE93}"/>
+              </a:ext>
+            </a:extLst>
+          </p:cNvPr>
+          <p:cNvPicPr>
+            <a:picLocks noGrp="1" noChangeAspect="1"/>
+          </p:cNvPicPr>
+          <p:nvPr>
+            <p:ph idx="1"/>
+          </p:nvPr>
+        </p:nvPicPr>
+        <p:blipFill>
+          <a:blip r:embed="rId2">
+            <a:extLst>
+              <a:ext uri="{28A0092B-C50C-407E-A947-70E740481C1C}">
+                <a14:useLocalDpi xmlns:a14="http://schemas.microsoft.com/office/drawing/2010/main" val="0"/>
+              </a:ext>
+            </a:extLst>
+          </a:blip>
+          <a:stretch>
+            <a:fillRect/>
+          </a:stretch>
+        </p:blipFill>
+        <p:spPr>
+          <a:xfrm>
+            <a:off x="3335474" y="1825625"/>
+            <a:ext cx="5521052" cy="4351338"/>
+          </a:xfrm>
+        </p:spPr>
+      </p:pic>
+    </p:spTree>
+    <p:extLst>
+      <p:ext uri="{BB962C8B-B14F-4D97-AF65-F5344CB8AC3E}">
+        <p14:creationId xmlns:p14="http://schemas.microsoft.com/office/powerpoint/2010/main" val="1808906184"/>
+      </p:ext>
+    </p:extLst>
+  </p:cSld>
+  <p:clrMapOvr>
+    <a:masterClrMapping/>
+  </p:clrMapOvr>
+</p:sld>
+</file>
+
+<file path=ppt/slides/slide91.xml><?xml version="1.0" encoding="utf-8"?>
+<p:sld xmlns:a="http://schemas.openxmlformats.org/drawingml/2006/main" xmlns:r="http://schemas.openxmlformats.org/officeDocument/2006/relationships" xmlns:p="http://schemas.openxmlformats.org/presentationml/2006/main">
+  <p:cSld>
+    <p:spTree>
+      <p:nvGrpSpPr>
+        <p:cNvPr id="1" name=""/>
+        <p:cNvGrpSpPr/>
+        <p:nvPr/>
+      </p:nvGrpSpPr>
+      <p:grpSpPr>
+        <a:xfrm>
+          <a:off x="0" y="0"/>
+          <a:ext cx="0" cy="0"/>
+          <a:chOff x="0" y="0"/>
+          <a:chExt cx="0" cy="0"/>
+        </a:xfrm>
+      </p:grpSpPr>
+      <p:sp>
+        <p:nvSpPr>
+          <p:cNvPr id="2" name="标题 1">
+            <a:extLst>
+              <a:ext uri="{FF2B5EF4-FFF2-40B4-BE49-F238E27FC236}">
+                <a16:creationId xmlns:a16="http://schemas.microsoft.com/office/drawing/2014/main" id="{DD9AF0FA-728F-4819-ACE3-80AC7DB5E9AC}"/>
+              </a:ext>
+            </a:extLst>
+          </p:cNvPr>
+          <p:cNvSpPr>
+            <a:spLocks noGrp="1"/>
+          </p:cNvSpPr>
+          <p:nvPr>
+            <p:ph type="title"/>
+          </p:nvPr>
+        </p:nvSpPr>
+        <p:spPr/>
+        <p:txBody>
+          <a:bodyPr/>
+          <a:lstStyle/>
+          <a:p>
+            <a:r>
+              <a:rPr lang="en-US" altLang="zh-CN" dirty="0"/>
+              <a:t>Leader</a:t>
+            </a:r>
+            <a:r>
+              <a:rPr lang="zh-CN" altLang="en-US" dirty="0"/>
+              <a:t>重启选举</a:t>
+            </a:r>
+          </a:p>
+        </p:txBody>
+      </p:sp>
+      <p:pic>
+        <p:nvPicPr>
+          <p:cNvPr id="5" name="内容占位符 4">
+            <a:extLst>
+              <a:ext uri="{FF2B5EF4-FFF2-40B4-BE49-F238E27FC236}">
+                <a16:creationId xmlns:a16="http://schemas.microsoft.com/office/drawing/2014/main" id="{392C629D-DFAE-4BFD-B6D3-77AEA4536724}"/>
+              </a:ext>
+            </a:extLst>
+          </p:cNvPr>
+          <p:cNvPicPr>
+            <a:picLocks noGrp="1" noChangeAspect="1"/>
+          </p:cNvPicPr>
+          <p:nvPr>
+            <p:ph idx="1"/>
+          </p:nvPr>
+        </p:nvPicPr>
+        <p:blipFill>
+          <a:blip r:embed="rId2">
+            <a:extLst>
+              <a:ext uri="{28A0092B-C50C-407E-A947-70E740481C1C}">
+                <a14:useLocalDpi xmlns:a14="http://schemas.microsoft.com/office/drawing/2010/main" val="0"/>
+              </a:ext>
+            </a:extLst>
+          </a:blip>
+          <a:stretch>
+            <a:fillRect/>
+          </a:stretch>
+        </p:blipFill>
+        <p:spPr>
+          <a:xfrm>
+            <a:off x="3335474" y="1825625"/>
+            <a:ext cx="5521052" cy="4351338"/>
+          </a:xfrm>
+        </p:spPr>
+      </p:pic>
+    </p:spTree>
+    <p:extLst>
+      <p:ext uri="{BB962C8B-B14F-4D97-AF65-F5344CB8AC3E}">
+        <p14:creationId xmlns:p14="http://schemas.microsoft.com/office/powerpoint/2010/main" val="1160868305"/>
+      </p:ext>
+    </p:extLst>
+  </p:cSld>
+  <p:clrMapOvr>
+    <a:masterClrMapping/>
+  </p:clrMapOvr>
+</p:sld>
+</file>
+
+<file path=ppt/slides/slide92.xml><?xml version="1.0" encoding="utf-8"?>
+<p:sld xmlns:a="http://schemas.openxmlformats.org/drawingml/2006/main" xmlns:r="http://schemas.openxmlformats.org/officeDocument/2006/relationships" xmlns:p="http://schemas.openxmlformats.org/presentationml/2006/main">
+  <p:cSld>
+    <p:spTree>
+      <p:nvGrpSpPr>
+        <p:cNvPr id="1" name=""/>
+        <p:cNvGrpSpPr/>
+        <p:nvPr/>
+      </p:nvGrpSpPr>
+      <p:grpSpPr>
+        <a:xfrm>
+          <a:off x="0" y="0"/>
+          <a:ext cx="0" cy="0"/>
+          <a:chOff x="0" y="0"/>
+          <a:chExt cx="0" cy="0"/>
+        </a:xfrm>
+      </p:grpSpPr>
+      <p:sp>
+        <p:nvSpPr>
+          <p:cNvPr id="2" name="标题 1">
+            <a:extLst>
+              <a:ext uri="{FF2B5EF4-FFF2-40B4-BE49-F238E27FC236}">
+                <a16:creationId xmlns:a16="http://schemas.microsoft.com/office/drawing/2014/main" id="{DD9AF0FA-728F-4819-ACE3-80AC7DB5E9AC}"/>
+              </a:ext>
+            </a:extLst>
+          </p:cNvPr>
+          <p:cNvSpPr>
+            <a:spLocks noGrp="1"/>
+          </p:cNvSpPr>
+          <p:nvPr>
+            <p:ph type="title"/>
+          </p:nvPr>
+        </p:nvSpPr>
+        <p:spPr/>
+        <p:txBody>
+          <a:bodyPr/>
+          <a:lstStyle/>
+          <a:p>
+            <a:r>
+              <a:rPr lang="en-US" altLang="zh-CN" dirty="0"/>
+              <a:t>Leader</a:t>
+            </a:r>
+            <a:r>
+              <a:rPr lang="zh-CN" altLang="en-US" dirty="0"/>
+              <a:t>重启选举</a:t>
+            </a:r>
+          </a:p>
+        </p:txBody>
+      </p:sp>
+      <p:pic>
+        <p:nvPicPr>
+          <p:cNvPr id="5" name="内容占位符 4">
+            <a:extLst>
+              <a:ext uri="{FF2B5EF4-FFF2-40B4-BE49-F238E27FC236}">
+                <a16:creationId xmlns:a16="http://schemas.microsoft.com/office/drawing/2014/main" id="{F5BA7E61-55D6-45DF-B831-3EE8E19F0956}"/>
+              </a:ext>
+            </a:extLst>
+          </p:cNvPr>
+          <p:cNvPicPr>
+            <a:picLocks noGrp="1" noChangeAspect="1"/>
+          </p:cNvPicPr>
+          <p:nvPr>
+            <p:ph idx="1"/>
+          </p:nvPr>
+        </p:nvPicPr>
+        <p:blipFill>
+          <a:blip r:embed="rId2">
+            <a:extLst>
+              <a:ext uri="{28A0092B-C50C-407E-A947-70E740481C1C}">
+                <a14:useLocalDpi xmlns:a14="http://schemas.microsoft.com/office/drawing/2010/main" val="0"/>
+              </a:ext>
+            </a:extLst>
+          </a:blip>
+          <a:stretch>
+            <a:fillRect/>
+          </a:stretch>
+        </p:blipFill>
+        <p:spPr>
+          <a:xfrm>
+            <a:off x="3335474" y="1825625"/>
+            <a:ext cx="5521052" cy="4351338"/>
+          </a:xfrm>
+        </p:spPr>
+      </p:pic>
+    </p:spTree>
+    <p:extLst>
+      <p:ext uri="{BB962C8B-B14F-4D97-AF65-F5344CB8AC3E}">
+        <p14:creationId xmlns:p14="http://schemas.microsoft.com/office/powerpoint/2010/main" val="898846771"/>
+      </p:ext>
+    </p:extLst>
+  </p:cSld>
+  <p:clrMapOvr>
+    <a:masterClrMapping/>
+  </p:clrMapOvr>
+</p:sld>
+</file>
+
+<file path=ppt/slides/slide93.xml><?xml version="1.0" encoding="utf-8"?>
+<p:sld xmlns:a="http://schemas.openxmlformats.org/drawingml/2006/main" xmlns:r="http://schemas.openxmlformats.org/officeDocument/2006/relationships" xmlns:p="http://schemas.openxmlformats.org/presentationml/2006/main">
+  <p:cSld>
+    <p:spTree>
+      <p:nvGrpSpPr>
+        <p:cNvPr id="1" name=""/>
+        <p:cNvGrpSpPr/>
+        <p:nvPr/>
+      </p:nvGrpSpPr>
+      <p:grpSpPr>
+        <a:xfrm>
+          <a:off x="0" y="0"/>
+          <a:ext cx="0" cy="0"/>
+          <a:chOff x="0" y="0"/>
+          <a:chExt cx="0" cy="0"/>
+        </a:xfrm>
+      </p:grpSpPr>
+      <p:sp>
+        <p:nvSpPr>
+          <p:cNvPr id="2" name="标题 1">
+            <a:extLst>
+              <a:ext uri="{FF2B5EF4-FFF2-40B4-BE49-F238E27FC236}">
+                <a16:creationId xmlns:a16="http://schemas.microsoft.com/office/drawing/2014/main" id="{3BD78751-BCCC-4597-87AC-EBFCF89F1778}"/>
+              </a:ext>
+            </a:extLst>
+          </p:cNvPr>
+          <p:cNvSpPr>
+            <a:spLocks noGrp="1"/>
+          </p:cNvSpPr>
+          <p:nvPr>
+            <p:ph type="title"/>
+          </p:nvPr>
+        </p:nvSpPr>
+        <p:spPr/>
+        <p:txBody>
+          <a:bodyPr/>
+          <a:lstStyle/>
+          <a:p>
+            <a:r>
+              <a:rPr lang="zh-CN" altLang="en-US" dirty="0"/>
+              <a:t>数据同步</a:t>
+            </a:r>
+          </a:p>
+        </p:txBody>
+      </p:sp>
+      <p:sp>
+        <p:nvSpPr>
+          <p:cNvPr id="3" name="内容占位符 2">
+            <a:extLst>
+              <a:ext uri="{FF2B5EF4-FFF2-40B4-BE49-F238E27FC236}">
+                <a16:creationId xmlns:a16="http://schemas.microsoft.com/office/drawing/2014/main" id="{ECC1FFE2-41FF-4D12-98CA-526BE81D8022}"/>
+              </a:ext>
+            </a:extLst>
+          </p:cNvPr>
+          <p:cNvSpPr>
+            <a:spLocks noGrp="1"/>
+          </p:cNvSpPr>
+          <p:nvPr>
+            <p:ph idx="1"/>
+          </p:nvPr>
+        </p:nvSpPr>
+        <p:spPr/>
+        <p:txBody>
+          <a:bodyPr/>
+          <a:lstStyle/>
+          <a:p>
+            <a:r>
+              <a:rPr lang="en-US" altLang="zh-CN" dirty="0"/>
+              <a:t>&gt;</a:t>
+            </a:r>
+            <a:r>
+              <a:rPr lang="zh-CN" altLang="en-US" dirty="0"/>
+              <a:t> 在完成</a:t>
+            </a:r>
+            <a:r>
+              <a:rPr lang="en-US" altLang="zh-CN" dirty="0"/>
+              <a:t>leader</a:t>
+            </a:r>
+            <a:r>
+              <a:rPr lang="zh-CN" altLang="en-US" dirty="0"/>
+              <a:t>选举阶段后，准</a:t>
+            </a:r>
+            <a:r>
+              <a:rPr lang="en-US" altLang="zh-CN" dirty="0"/>
+              <a:t>Leader</a:t>
+            </a:r>
+            <a:r>
+              <a:rPr lang="zh-CN" altLang="en-US" dirty="0"/>
+              <a:t>可以获取集群中最新的提议历史。准</a:t>
+            </a:r>
+            <a:r>
+              <a:rPr lang="en-US" altLang="zh-CN" dirty="0"/>
+              <a:t>Leader</a:t>
+            </a:r>
+            <a:r>
+              <a:rPr lang="zh-CN" altLang="en-US" dirty="0"/>
+              <a:t>在该阶段会把最新的提议历史同步到集群中的所有节点。当同步完成时</a:t>
+            </a:r>
+            <a:r>
+              <a:rPr lang="en-US" altLang="zh-CN" dirty="0"/>
+              <a:t>(</a:t>
+            </a:r>
+            <a:r>
+              <a:rPr lang="zh-CN" altLang="en-US" dirty="0"/>
+              <a:t>过半</a:t>
+            </a:r>
+            <a:r>
+              <a:rPr lang="en-US" altLang="zh-CN" dirty="0"/>
+              <a:t>)</a:t>
+            </a:r>
+            <a:r>
+              <a:rPr lang="zh-CN" altLang="en-US" dirty="0"/>
+              <a:t>，准</a:t>
+            </a:r>
+            <a:r>
+              <a:rPr lang="en-US" altLang="zh-CN" dirty="0"/>
+              <a:t>Leader</a:t>
+            </a:r>
+            <a:r>
+              <a:rPr lang="zh-CN" altLang="en-US" dirty="0"/>
+              <a:t>才会真正成为</a:t>
+            </a:r>
+            <a:r>
+              <a:rPr lang="en-US" altLang="zh-CN" dirty="0"/>
+              <a:t>Leader</a:t>
+            </a:r>
+            <a:r>
+              <a:rPr lang="zh-CN" altLang="en-US" dirty="0"/>
+              <a:t>，执行</a:t>
+            </a:r>
+            <a:r>
+              <a:rPr lang="en-US" altLang="zh-CN" dirty="0"/>
+              <a:t>Leader</a:t>
+            </a:r>
+            <a:r>
+              <a:rPr lang="zh-CN" altLang="en-US" dirty="0"/>
+              <a:t>的工作。</a:t>
+            </a:r>
+          </a:p>
+          <a:p>
+            <a:pPr marL="0" indent="0">
+              <a:buNone/>
+            </a:pPr>
+            <a:br>
+              <a:rPr lang="zh-CN" altLang="en-US" dirty="0"/>
+            </a:br>
+            <a:r>
+              <a:rPr lang="zh-CN" altLang="en-US" dirty="0"/>
+              <a:t>* 恢复模式需要解决的两个重要问题</a:t>
+            </a:r>
+          </a:p>
+          <a:p>
+            <a:pPr lvl="1"/>
+            <a:r>
+              <a:rPr lang="zh-CN" altLang="en-US" dirty="0"/>
+              <a:t>* 已经被处理的消息不能丢</a:t>
+            </a:r>
+          </a:p>
+          <a:p>
+            <a:pPr lvl="1"/>
+            <a:r>
+              <a:rPr lang="zh-CN" altLang="en-US" dirty="0"/>
+              <a:t>* 被丢弃的消息不能再次出现</a:t>
+            </a:r>
+          </a:p>
+          <a:p>
+            <a:pPr marL="0" indent="0">
+              <a:buNone/>
+            </a:pPr>
+            <a:endParaRPr lang="zh-CN" altLang="en-US" dirty="0"/>
+          </a:p>
+        </p:txBody>
+      </p:sp>
+    </p:spTree>
+    <p:extLst>
+      <p:ext uri="{BB962C8B-B14F-4D97-AF65-F5344CB8AC3E}">
+        <p14:creationId xmlns:p14="http://schemas.microsoft.com/office/powerpoint/2010/main" val="3723238442"/>
+      </p:ext>
+    </p:extLst>
+  </p:cSld>
+  <p:clrMapOvr>
+    <a:masterClrMapping/>
+  </p:clrMapOvr>
+</p:sld>
+</file>
+
+<file path=ppt/slides/slide94.xml><?xml version="1.0" encoding="utf-8"?>
+<p:sld xmlns:a="http://schemas.openxmlformats.org/drawingml/2006/main" xmlns:r="http://schemas.openxmlformats.org/officeDocument/2006/relationships" xmlns:p="http://schemas.openxmlformats.org/presentationml/2006/main">
+  <p:cSld>
+    <p:spTree>
+      <p:nvGrpSpPr>
+        <p:cNvPr id="1" name=""/>
+        <p:cNvGrpSpPr/>
+        <p:nvPr/>
+      </p:nvGrpSpPr>
+      <p:grpSpPr>
+        <a:xfrm>
+          <a:off x="0" y="0"/>
+          <a:ext cx="0" cy="0"/>
+          <a:chOff x="0" y="0"/>
+          <a:chExt cx="0" cy="0"/>
+        </a:xfrm>
+      </p:grpSpPr>
+      <p:sp>
+        <p:nvSpPr>
+          <p:cNvPr id="2" name="标题 1">
+            <a:extLst>
+              <a:ext uri="{FF2B5EF4-FFF2-40B4-BE49-F238E27FC236}">
+                <a16:creationId xmlns:a16="http://schemas.microsoft.com/office/drawing/2014/main" id="{E25A1959-52B9-4C7D-8B06-EF721689BBB0}"/>
+              </a:ext>
+            </a:extLst>
+          </p:cNvPr>
+          <p:cNvSpPr>
+            <a:spLocks noGrp="1"/>
+          </p:cNvSpPr>
+          <p:nvPr>
+            <p:ph type="title"/>
+          </p:nvPr>
+        </p:nvSpPr>
+        <p:spPr/>
+        <p:txBody>
+          <a:bodyPr/>
+          <a:lstStyle/>
+          <a:p>
+            <a:r>
+              <a:rPr lang="zh-CN" altLang="en-US" dirty="0"/>
+              <a:t>原子广播</a:t>
+            </a:r>
+          </a:p>
+        </p:txBody>
+      </p:sp>
+      <p:sp>
+        <p:nvSpPr>
+          <p:cNvPr id="3" name="内容占位符 2">
+            <a:extLst>
+              <a:ext uri="{FF2B5EF4-FFF2-40B4-BE49-F238E27FC236}">
+                <a16:creationId xmlns:a16="http://schemas.microsoft.com/office/drawing/2014/main" id="{C931D7B4-8173-4916-91FB-2FD8FCCE1707}"/>
+              </a:ext>
+            </a:extLst>
+          </p:cNvPr>
+          <p:cNvSpPr>
+            <a:spLocks noGrp="1"/>
+          </p:cNvSpPr>
+          <p:nvPr>
+            <p:ph idx="1"/>
+          </p:nvPr>
+        </p:nvSpPr>
+        <p:spPr/>
+        <p:txBody>
+          <a:bodyPr/>
+          <a:lstStyle/>
+          <a:p>
+            <a:r>
+              <a:rPr lang="zh-CN" altLang="en-US" dirty="0"/>
+              <a:t>分布式一致</a:t>
+            </a:r>
+            <a:endParaRPr lang="en-US" altLang="zh-CN" dirty="0"/>
+          </a:p>
+          <a:p>
+            <a:pPr lvl="1"/>
+            <a:r>
+              <a:rPr lang="zh-CN" altLang="en-US" dirty="0"/>
+              <a:t>分布式中有这么一个疑难问题，客户端向一个分布式集群的服务端发出一系列更新数据的消息，由于分布式集群中的各个服务端节点是互为同步数据的，所以运行完客户端这系列消息指令后各服务端节点的数据应该是一致的，但由于网络或其他原因，各个服务端节点接收到消息的序列可能不一致，最后导致各节点的数据不一致。</a:t>
+            </a:r>
+          </a:p>
+          <a:p>
+            <a:pPr lvl="1"/>
+            <a:endParaRPr lang="zh-CN" altLang="en-US" dirty="0"/>
+          </a:p>
+        </p:txBody>
+      </p:sp>
+    </p:spTree>
+    <p:extLst>
+      <p:ext uri="{BB962C8B-B14F-4D97-AF65-F5344CB8AC3E}">
+        <p14:creationId xmlns:p14="http://schemas.microsoft.com/office/powerpoint/2010/main" val="2667394672"/>
+      </p:ext>
+    </p:extLst>
+  </p:cSld>
+  <p:clrMapOvr>
+    <a:masterClrMapping/>
+  </p:clrMapOvr>
+</p:sld>
+</file>
+
+<file path=ppt/slides/slide95.xml><?xml version="1.0" encoding="utf-8"?>
+<p:sld xmlns:a="http://schemas.openxmlformats.org/drawingml/2006/main" xmlns:r="http://schemas.openxmlformats.org/officeDocument/2006/relationships" xmlns:p="http://schemas.openxmlformats.org/presentationml/2006/main">
+  <p:cSld>
+    <p:spTree>
+      <p:nvGrpSpPr>
+        <p:cNvPr id="1" name=""/>
+        <p:cNvGrpSpPr/>
+        <p:nvPr/>
+      </p:nvGrpSpPr>
+      <p:grpSpPr>
+        <a:xfrm>
+          <a:off x="0" y="0"/>
+          <a:ext cx="0" cy="0"/>
+          <a:chOff x="0" y="0"/>
+          <a:chExt cx="0" cy="0"/>
+        </a:xfrm>
+      </p:grpSpPr>
+      <p:sp>
+        <p:nvSpPr>
+          <p:cNvPr id="2" name="标题 1">
+            <a:extLst>
+              <a:ext uri="{FF2B5EF4-FFF2-40B4-BE49-F238E27FC236}">
+                <a16:creationId xmlns:a16="http://schemas.microsoft.com/office/drawing/2014/main" id="{B2ACC03B-ED7F-413B-B395-A21147AA6D68}"/>
+              </a:ext>
+            </a:extLst>
+          </p:cNvPr>
+          <p:cNvSpPr>
+            <a:spLocks noGrp="1"/>
+          </p:cNvSpPr>
+          <p:nvPr>
+            <p:ph type="title"/>
+          </p:nvPr>
+        </p:nvSpPr>
+        <p:spPr/>
+        <p:txBody>
+          <a:bodyPr/>
+          <a:lstStyle/>
+          <a:p>
+            <a:r>
+              <a:rPr lang="zh-CN" altLang="en-US" dirty="0"/>
+              <a:t>分布式一致</a:t>
+            </a:r>
+          </a:p>
+        </p:txBody>
+      </p:sp>
+      <p:sp>
+        <p:nvSpPr>
+          <p:cNvPr id="3" name="内容占位符 2">
+            <a:extLst>
+              <a:ext uri="{FF2B5EF4-FFF2-40B4-BE49-F238E27FC236}">
+                <a16:creationId xmlns:a16="http://schemas.microsoft.com/office/drawing/2014/main" id="{1C68E537-07F3-4B57-82A8-55D458B841AD}"/>
+              </a:ext>
+            </a:extLst>
+          </p:cNvPr>
+          <p:cNvSpPr>
+            <a:spLocks noGrp="1"/>
+          </p:cNvSpPr>
+          <p:nvPr>
+            <p:ph idx="1"/>
+          </p:nvPr>
+        </p:nvSpPr>
+        <p:spPr/>
+        <p:txBody>
+          <a:bodyPr/>
+          <a:lstStyle/>
+          <a:p>
+            <a:r>
+              <a:rPr lang="en-US" altLang="zh-CN" dirty="0"/>
+              <a:t>CAP</a:t>
+            </a:r>
+          </a:p>
+          <a:p>
+            <a:r>
+              <a:rPr lang="zh-CN" altLang="en-US" dirty="0"/>
+              <a:t>拜占庭问题</a:t>
+            </a:r>
+          </a:p>
+        </p:txBody>
+      </p:sp>
+    </p:spTree>
+    <p:extLst>
+      <p:ext uri="{BB962C8B-B14F-4D97-AF65-F5344CB8AC3E}">
+        <p14:creationId xmlns:p14="http://schemas.microsoft.com/office/powerpoint/2010/main" val="4214626945"/>
+      </p:ext>
+    </p:extLst>
+  </p:cSld>
+  <p:clrMapOvr>
+    <a:masterClrMapping/>
+  </p:clrMapOvr>
+</p:sld>
+</file>
+
+<file path=ppt/slides/slide96.xml><?xml version="1.0" encoding="utf-8"?>
+<p:sld xmlns:a="http://schemas.openxmlformats.org/drawingml/2006/main" xmlns:r="http://schemas.openxmlformats.org/officeDocument/2006/relationships" xmlns:p="http://schemas.openxmlformats.org/presentationml/2006/main">
+  <p:cSld>
+    <p:spTree>
+      <p:nvGrpSpPr>
+        <p:cNvPr id="1" name=""/>
+        <p:cNvGrpSpPr/>
+        <p:nvPr/>
+      </p:nvGrpSpPr>
+      <p:grpSpPr>
+        <a:xfrm>
+          <a:off x="0" y="0"/>
+          <a:ext cx="0" cy="0"/>
+          <a:chOff x="0" y="0"/>
+          <a:chExt cx="0" cy="0"/>
+        </a:xfrm>
+      </p:grpSpPr>
+      <p:sp>
+        <p:nvSpPr>
+          <p:cNvPr id="2" name="标题 1">
+            <a:extLst>
+              <a:ext uri="{FF2B5EF4-FFF2-40B4-BE49-F238E27FC236}">
+                <a16:creationId xmlns:a16="http://schemas.microsoft.com/office/drawing/2014/main" id="{436822BF-8D8A-4013-A36A-DFE3EBD03EF3}"/>
+              </a:ext>
+            </a:extLst>
+          </p:cNvPr>
+          <p:cNvSpPr>
+            <a:spLocks noGrp="1"/>
+          </p:cNvSpPr>
+          <p:nvPr>
+            <p:ph type="title"/>
+          </p:nvPr>
+        </p:nvSpPr>
+        <p:spPr/>
+        <p:txBody>
+          <a:bodyPr/>
+          <a:lstStyle/>
+          <a:p>
+            <a:r>
+              <a:rPr lang="en-US" altLang="zh-CN" dirty="0"/>
+              <a:t>CAP</a:t>
+            </a:r>
+            <a:r>
+              <a:rPr lang="zh-CN" altLang="en-US" dirty="0"/>
+              <a:t>定律</a:t>
+            </a:r>
+          </a:p>
+        </p:txBody>
+      </p:sp>
+      <p:pic>
+        <p:nvPicPr>
+          <p:cNvPr id="5" name="内容占位符 4">
+            <a:extLst>
+              <a:ext uri="{FF2B5EF4-FFF2-40B4-BE49-F238E27FC236}">
+                <a16:creationId xmlns:a16="http://schemas.microsoft.com/office/drawing/2014/main" id="{0914A6ED-8604-4D7E-84FB-BB196D5E7B93}"/>
+              </a:ext>
+            </a:extLst>
+          </p:cNvPr>
+          <p:cNvPicPr>
+            <a:picLocks noGrp="1" noChangeAspect="1"/>
+          </p:cNvPicPr>
+          <p:nvPr>
+            <p:ph idx="1"/>
+          </p:nvPr>
+        </p:nvPicPr>
+        <p:blipFill>
+          <a:blip r:embed="rId2">
+            <a:extLst>
+              <a:ext uri="{28A0092B-C50C-407E-A947-70E740481C1C}">
+                <a14:useLocalDpi xmlns:a14="http://schemas.microsoft.com/office/drawing/2010/main" val="0"/>
+              </a:ext>
+            </a:extLst>
+          </a:blip>
+          <a:stretch>
+            <a:fillRect/>
+          </a:stretch>
+        </p:blipFill>
+        <p:spPr>
+          <a:xfrm>
+            <a:off x="3320146" y="1825625"/>
+            <a:ext cx="5551707" cy="4351338"/>
+          </a:xfrm>
+        </p:spPr>
+      </p:pic>
+    </p:spTree>
+    <p:extLst>
+      <p:ext uri="{BB962C8B-B14F-4D97-AF65-F5344CB8AC3E}">
+        <p14:creationId xmlns:p14="http://schemas.microsoft.com/office/powerpoint/2010/main" val="2475225798"/>
+      </p:ext>
+    </p:extLst>
+  </p:cSld>
+  <p:clrMapOvr>
+    <a:masterClrMapping/>
+  </p:clrMapOvr>
+</p:sld>
+</file>
+
+<file path=ppt/slides/slide97.xml><?xml version="1.0" encoding="utf-8"?>
+<p:sld xmlns:a="http://schemas.openxmlformats.org/drawingml/2006/main" xmlns:r="http://schemas.openxmlformats.org/officeDocument/2006/relationships" xmlns:p="http://schemas.openxmlformats.org/presentationml/2006/main">
+  <p:cSld>
+    <p:spTree>
+      <p:nvGrpSpPr>
+        <p:cNvPr id="1" name=""/>
+        <p:cNvGrpSpPr/>
+        <p:nvPr/>
+      </p:nvGrpSpPr>
+      <p:grpSpPr>
+        <a:xfrm>
+          <a:off x="0" y="0"/>
+          <a:ext cx="0" cy="0"/>
+          <a:chOff x="0" y="0"/>
+          <a:chExt cx="0" cy="0"/>
+        </a:xfrm>
+      </p:grpSpPr>
+      <p:sp>
+        <p:nvSpPr>
+          <p:cNvPr id="2" name="标题 1">
+            <a:extLst>
+              <a:ext uri="{FF2B5EF4-FFF2-40B4-BE49-F238E27FC236}">
+                <a16:creationId xmlns:a16="http://schemas.microsoft.com/office/drawing/2014/main" id="{544F7890-26F4-4244-9969-F91629C99B19}"/>
+              </a:ext>
+            </a:extLst>
+          </p:cNvPr>
+          <p:cNvSpPr>
+            <a:spLocks noGrp="1"/>
+          </p:cNvSpPr>
+          <p:nvPr>
+            <p:ph type="title"/>
+          </p:nvPr>
+        </p:nvSpPr>
+        <p:spPr/>
+        <p:txBody>
+          <a:bodyPr/>
+          <a:lstStyle/>
+          <a:p>
+            <a:r>
+              <a:rPr lang="en-US" altLang="zh-CN" dirty="0"/>
+              <a:t>CAP</a:t>
+            </a:r>
+            <a:r>
+              <a:rPr lang="zh-CN" altLang="en-US" dirty="0"/>
+              <a:t>定律</a:t>
+            </a:r>
+          </a:p>
+        </p:txBody>
+      </p:sp>
+      <p:sp>
+        <p:nvSpPr>
+          <p:cNvPr id="3" name="内容占位符 2">
+            <a:extLst>
+              <a:ext uri="{FF2B5EF4-FFF2-40B4-BE49-F238E27FC236}">
+                <a16:creationId xmlns:a16="http://schemas.microsoft.com/office/drawing/2014/main" id="{C6114194-DDF3-4F10-915B-EE2CABC0E59D}"/>
+              </a:ext>
+            </a:extLst>
+          </p:cNvPr>
+          <p:cNvSpPr>
+            <a:spLocks noGrp="1"/>
+          </p:cNvSpPr>
+          <p:nvPr>
+            <p:ph idx="1"/>
+          </p:nvPr>
+        </p:nvSpPr>
+        <p:spPr/>
+        <p:txBody>
+          <a:bodyPr>
+            <a:normAutofit fontScale="92500" lnSpcReduction="20000"/>
+          </a:bodyPr>
+          <a:lstStyle/>
+          <a:p>
+            <a:r>
+              <a:rPr lang="en-US" altLang="zh-CN" dirty="0"/>
+              <a:t>&gt;</a:t>
+            </a:r>
+            <a:r>
+              <a:rPr lang="zh-CN" altLang="en-US" dirty="0"/>
+              <a:t> 分布式系统的最大难点，就是各个节点的状态如何同步。</a:t>
+            </a:r>
+            <a:r>
+              <a:rPr lang="en-US" altLang="zh-CN" dirty="0"/>
+              <a:t>CAP </a:t>
+            </a:r>
+            <a:r>
+              <a:rPr lang="zh-CN" altLang="en-US" dirty="0"/>
+              <a:t>定理是这方面的基本定理，也是理解分布式系统的起点。</a:t>
+            </a:r>
+            <a:endParaRPr lang="en-US" altLang="zh-CN" dirty="0"/>
+          </a:p>
+          <a:p>
+            <a:pPr marL="0" indent="0">
+              <a:buNone/>
+            </a:pPr>
+            <a:endParaRPr lang="zh-CN" altLang="en-US" dirty="0"/>
+          </a:p>
+          <a:p>
+            <a:r>
+              <a:rPr lang="zh-CN" altLang="en-US" dirty="0"/>
+              <a:t>* </a:t>
+            </a:r>
+            <a:r>
+              <a:rPr lang="en-US" altLang="zh-CN" dirty="0"/>
+              <a:t>Consistency (</a:t>
+            </a:r>
+            <a:r>
+              <a:rPr lang="zh-CN" altLang="en-US" dirty="0"/>
+              <a:t>一致性</a:t>
+            </a:r>
+            <a:r>
+              <a:rPr lang="en-US" altLang="zh-CN" dirty="0"/>
+              <a:t>)</a:t>
+            </a:r>
+          </a:p>
+          <a:p>
+            <a:pPr lvl="1"/>
+            <a:r>
+              <a:rPr lang="en-US" altLang="zh-CN" dirty="0"/>
+              <a:t>&gt;</a:t>
+            </a:r>
+            <a:r>
+              <a:rPr lang="zh-CN" altLang="en-US" dirty="0"/>
+              <a:t> 写操作之后的读操作，必须返回该值。</a:t>
+            </a:r>
+          </a:p>
+          <a:p>
+            <a:r>
+              <a:rPr lang="zh-CN" altLang="en-US" dirty="0"/>
+              <a:t>* </a:t>
+            </a:r>
+            <a:r>
+              <a:rPr lang="en-US" altLang="zh-CN" dirty="0"/>
+              <a:t>Availability (</a:t>
+            </a:r>
+            <a:r>
+              <a:rPr lang="zh-CN" altLang="en-US" dirty="0"/>
+              <a:t>可用性</a:t>
+            </a:r>
+            <a:r>
+              <a:rPr lang="en-US" altLang="zh-CN" dirty="0"/>
+              <a:t>)</a:t>
+            </a:r>
+          </a:p>
+          <a:p>
+            <a:pPr lvl="1"/>
+            <a:r>
+              <a:rPr lang="en-US" altLang="zh-CN" dirty="0"/>
+              <a:t>&gt;</a:t>
+            </a:r>
+            <a:r>
+              <a:rPr lang="zh-CN" altLang="en-US" dirty="0"/>
+              <a:t> 意思是只要收到用户的请求，服务器就必须给出回应。每次请求都能获取到非错的响应</a:t>
+            </a:r>
+            <a:r>
+              <a:rPr lang="en-US" altLang="zh-CN" dirty="0"/>
+              <a:t>——</a:t>
+            </a:r>
+            <a:r>
+              <a:rPr lang="zh-CN" altLang="en-US" dirty="0"/>
+              <a:t>但是不保证获取的数据为最新数据。</a:t>
+            </a:r>
+          </a:p>
+          <a:p>
+            <a:r>
+              <a:rPr lang="zh-CN" altLang="en-US" dirty="0"/>
+              <a:t>* </a:t>
+            </a:r>
+            <a:r>
+              <a:rPr lang="en-US" altLang="zh-CN" dirty="0"/>
+              <a:t>Partition tolerance (</a:t>
+            </a:r>
+            <a:r>
+              <a:rPr lang="zh-CN" altLang="en-US" dirty="0"/>
+              <a:t>分区容错</a:t>
+            </a:r>
+            <a:r>
+              <a:rPr lang="en-US" altLang="zh-CN" dirty="0"/>
+              <a:t>)</a:t>
+            </a:r>
+          </a:p>
+          <a:p>
+            <a:pPr lvl="1"/>
+            <a:r>
+              <a:rPr lang="en-US" altLang="zh-CN" dirty="0"/>
+              <a:t>&gt;</a:t>
+            </a:r>
+            <a:r>
+              <a:rPr lang="zh-CN" altLang="en-US" dirty="0"/>
+              <a:t> 区间通信可能失败。</a:t>
+            </a:r>
+          </a:p>
+          <a:p>
+            <a:pPr marL="0" indent="0">
+              <a:buNone/>
+            </a:pPr>
+            <a:endParaRPr lang="en-US" altLang="zh-CN" dirty="0"/>
+          </a:p>
+          <a:p>
+            <a:pPr marL="0" indent="0">
+              <a:buNone/>
+            </a:pPr>
+            <a:r>
+              <a:rPr lang="en-US" altLang="zh-CN" dirty="0"/>
+              <a:t>	</a:t>
+            </a:r>
+            <a:r>
+              <a:rPr lang="zh-CN" altLang="en-US" dirty="0"/>
+              <a:t>这三个基本需求，最多只能同时满足其中的两项，一致性和可用性不可能同时成立，因为可能通信失败（即出现分区容错）。</a:t>
+            </a:r>
+          </a:p>
+          <a:p>
+            <a:pPr marL="0" indent="0">
+              <a:buNone/>
+            </a:pPr>
+            <a:endParaRPr lang="zh-CN" altLang="en-US" dirty="0"/>
+          </a:p>
+        </p:txBody>
+      </p:sp>
+    </p:spTree>
+    <p:extLst>
+      <p:ext uri="{BB962C8B-B14F-4D97-AF65-F5344CB8AC3E}">
+        <p14:creationId xmlns:p14="http://schemas.microsoft.com/office/powerpoint/2010/main" val="2060202547"/>
+      </p:ext>
+    </p:extLst>
+  </p:cSld>
+  <p:clrMapOvr>
+    <a:masterClrMapping/>
+  </p:clrMapOvr>
+</p:sld>
+</file>
+
+<file path=ppt/slides/slide98.xml><?xml version="1.0" encoding="utf-8"?>
+<p:sld xmlns:a="http://schemas.openxmlformats.org/drawingml/2006/main" xmlns:r="http://schemas.openxmlformats.org/officeDocument/2006/relationships" xmlns:p="http://schemas.openxmlformats.org/presentationml/2006/main">
+  <p:cSld>
+    <p:spTree>
+      <p:nvGrpSpPr>
+        <p:cNvPr id="1" name=""/>
+        <p:cNvGrpSpPr/>
+        <p:nvPr/>
+      </p:nvGrpSpPr>
+      <p:grpSpPr>
+        <a:xfrm>
+          <a:off x="0" y="0"/>
+          <a:ext cx="0" cy="0"/>
+          <a:chOff x="0" y="0"/>
+          <a:chExt cx="0" cy="0"/>
+        </a:xfrm>
+      </p:grpSpPr>
+      <p:sp>
+        <p:nvSpPr>
+          <p:cNvPr id="2" name="标题 1">
+            <a:extLst>
+              <a:ext uri="{FF2B5EF4-FFF2-40B4-BE49-F238E27FC236}">
+                <a16:creationId xmlns:a16="http://schemas.microsoft.com/office/drawing/2014/main" id="{CAE6B87B-FAED-4F42-80B4-155CF2FD63E6}"/>
+              </a:ext>
+            </a:extLst>
+          </p:cNvPr>
+          <p:cNvSpPr>
+            <a:spLocks noGrp="1"/>
+          </p:cNvSpPr>
+          <p:nvPr>
+            <p:ph type="title"/>
+          </p:nvPr>
+        </p:nvSpPr>
+        <p:spPr/>
+        <p:txBody>
+          <a:bodyPr/>
+          <a:lstStyle/>
+          <a:p>
+            <a:r>
+              <a:rPr lang="zh-CN" altLang="en-US" dirty="0"/>
+              <a:t>拜占庭问题</a:t>
+            </a:r>
+          </a:p>
+        </p:txBody>
+      </p:sp>
+      <p:sp>
+        <p:nvSpPr>
+          <p:cNvPr id="3" name="内容占位符 2">
+            <a:extLst>
+              <a:ext uri="{FF2B5EF4-FFF2-40B4-BE49-F238E27FC236}">
+                <a16:creationId xmlns:a16="http://schemas.microsoft.com/office/drawing/2014/main" id="{7510B908-EF8D-42E4-8FF9-39E0DA2119D2}"/>
+              </a:ext>
+            </a:extLst>
+          </p:cNvPr>
+          <p:cNvSpPr>
+            <a:spLocks noGrp="1"/>
+          </p:cNvSpPr>
+          <p:nvPr>
+            <p:ph idx="1"/>
+          </p:nvPr>
+        </p:nvSpPr>
+        <p:spPr/>
+        <p:txBody>
+          <a:bodyPr/>
+          <a:lstStyle/>
+          <a:p>
+            <a:pPr marL="0" indent="0">
+              <a:buNone/>
+            </a:pPr>
+            <a:r>
+              <a:rPr lang="en-US" altLang="zh-CN" dirty="0"/>
+              <a:t>	11</a:t>
+            </a:r>
+            <a:r>
+              <a:rPr lang="zh-CN" altLang="en-US" dirty="0"/>
+              <a:t>位拜占庭将军去打仗</a:t>
+            </a:r>
+            <a:r>
+              <a:rPr lang="en-US" altLang="zh-CN" dirty="0"/>
+              <a:t>, </a:t>
+            </a:r>
+            <a:r>
+              <a:rPr lang="zh-CN" altLang="en-US" dirty="0"/>
+              <a:t>他们各自有权力观测敌情并作出判断</a:t>
+            </a:r>
+            <a:r>
+              <a:rPr lang="en-US" altLang="zh-CN" dirty="0"/>
+              <a:t>, </a:t>
+            </a:r>
+            <a:r>
+              <a:rPr lang="zh-CN" altLang="en-US" dirty="0"/>
+              <a:t>进攻或撤退</a:t>
+            </a:r>
+            <a:r>
+              <a:rPr lang="en-US" altLang="zh-CN" dirty="0"/>
+              <a:t>, </a:t>
+            </a:r>
+            <a:r>
+              <a:rPr lang="zh-CN" altLang="en-US" dirty="0"/>
+              <a:t>那么怎么让他们只用传令兵达成一致呢</a:t>
+            </a:r>
+            <a:r>
+              <a:rPr lang="en-US" altLang="zh-CN" dirty="0"/>
+              <a:t>?</a:t>
+            </a:r>
+            <a:r>
+              <a:rPr lang="zh-CN" altLang="en-US" dirty="0"/>
+              <a:t>一种很符合直觉的方法就是投票</a:t>
+            </a:r>
+            <a:r>
+              <a:rPr lang="en-US" altLang="zh-CN" dirty="0"/>
+              <a:t>,</a:t>
+            </a:r>
+            <a:r>
+              <a:rPr lang="zh-CN" altLang="en-US" dirty="0"/>
+              <a:t>每位将军作出决定后都将结果</a:t>
+            </a:r>
+            <a:r>
+              <a:rPr lang="en-US" altLang="zh-CN" dirty="0"/>
+              <a:t>"</a:t>
+            </a:r>
+            <a:r>
+              <a:rPr lang="zh-CN" altLang="en-US" dirty="0"/>
+              <a:t>广播</a:t>
+            </a:r>
+            <a:r>
+              <a:rPr lang="en-US" altLang="zh-CN" dirty="0"/>
+              <a:t>"</a:t>
+            </a:r>
+            <a:r>
+              <a:rPr lang="zh-CN" altLang="en-US" dirty="0"/>
+              <a:t>给其余所有将军</a:t>
+            </a:r>
+            <a:r>
+              <a:rPr lang="en-US" altLang="zh-CN" dirty="0"/>
+              <a:t>, </a:t>
+            </a:r>
+            <a:r>
+              <a:rPr lang="zh-CN" altLang="en-US" dirty="0"/>
+              <a:t>这样所有将军都能获得同样的</a:t>
+            </a:r>
+            <a:r>
+              <a:rPr lang="en-US" altLang="zh-CN" dirty="0"/>
+              <a:t>11</a:t>
+            </a:r>
+            <a:r>
+              <a:rPr lang="zh-CN" altLang="en-US" dirty="0"/>
+              <a:t>份</a:t>
+            </a:r>
+            <a:r>
+              <a:rPr lang="en-US" altLang="zh-CN" dirty="0"/>
+              <a:t>(</a:t>
+            </a:r>
+            <a:r>
+              <a:rPr lang="zh-CN" altLang="en-US" dirty="0"/>
+              <a:t>包括自己</a:t>
+            </a:r>
+            <a:r>
+              <a:rPr lang="en-US" altLang="zh-CN" dirty="0"/>
+              <a:t>)</a:t>
+            </a:r>
+            <a:r>
+              <a:rPr lang="zh-CN" altLang="en-US" dirty="0"/>
+              <a:t>结果</a:t>
+            </a:r>
+            <a:r>
+              <a:rPr lang="en-US" altLang="zh-CN" dirty="0"/>
+              <a:t>, </a:t>
+            </a:r>
+            <a:r>
+              <a:rPr lang="zh-CN" altLang="en-US" dirty="0"/>
+              <a:t>取多数</a:t>
+            </a:r>
+            <a:r>
+              <a:rPr lang="en-US" altLang="zh-CN" dirty="0"/>
+              <a:t>, </a:t>
+            </a:r>
+            <a:r>
+              <a:rPr lang="zh-CN" altLang="en-US" dirty="0"/>
+              <a:t>即可得到全军都同意的行为</a:t>
+            </a:r>
+            <a:r>
+              <a:rPr lang="en-US" altLang="zh-CN" dirty="0"/>
+              <a:t>.</a:t>
+            </a:r>
+            <a:r>
+              <a:rPr lang="zh-CN" altLang="en-US" dirty="0"/>
+              <a:t>但如果这</a:t>
+            </a:r>
+            <a:r>
+              <a:rPr lang="en-US" altLang="zh-CN" dirty="0"/>
+              <a:t>11</a:t>
+            </a:r>
+            <a:r>
+              <a:rPr lang="zh-CN" altLang="en-US" dirty="0"/>
+              <a:t>位将军中有间谍呢</a:t>
+            </a:r>
+            <a:r>
+              <a:rPr lang="en-US" altLang="zh-CN" dirty="0"/>
+              <a:t>? </a:t>
+            </a:r>
+            <a:r>
+              <a:rPr lang="zh-CN" altLang="en-US" dirty="0"/>
+              <a:t>假设有</a:t>
+            </a:r>
+            <a:r>
+              <a:rPr lang="en-US" altLang="zh-CN" dirty="0"/>
+              <a:t>9</a:t>
+            </a:r>
+            <a:r>
+              <a:rPr lang="zh-CN" altLang="en-US" dirty="0"/>
+              <a:t>位忠诚的将军</a:t>
+            </a:r>
+            <a:r>
+              <a:rPr lang="en-US" altLang="zh-CN" dirty="0"/>
+              <a:t>, 5</a:t>
+            </a:r>
+            <a:r>
+              <a:rPr lang="zh-CN" altLang="en-US" dirty="0"/>
+              <a:t>位判断进攻</a:t>
+            </a:r>
+            <a:r>
+              <a:rPr lang="en-US" altLang="zh-CN" dirty="0"/>
+              <a:t>, 4</a:t>
+            </a:r>
+            <a:r>
+              <a:rPr lang="zh-CN" altLang="en-US" dirty="0"/>
+              <a:t>位判断撤退</a:t>
+            </a:r>
+            <a:r>
+              <a:rPr lang="en-US" altLang="zh-CN" dirty="0"/>
+              <a:t>, </a:t>
+            </a:r>
+            <a:r>
+              <a:rPr lang="zh-CN" altLang="en-US" dirty="0"/>
+              <a:t>还有</a:t>
+            </a:r>
+            <a:r>
+              <a:rPr lang="en-US" altLang="zh-CN" dirty="0"/>
+              <a:t>2</a:t>
+            </a:r>
+            <a:r>
+              <a:rPr lang="zh-CN" altLang="en-US" dirty="0"/>
+              <a:t>个间谍恶意判断撤退</a:t>
+            </a:r>
+            <a:r>
+              <a:rPr lang="en-US" altLang="zh-CN" dirty="0"/>
+              <a:t>, </a:t>
+            </a:r>
+            <a:r>
+              <a:rPr lang="zh-CN" altLang="en-US" dirty="0"/>
+              <a:t>虽然结果是错误的撤退</a:t>
+            </a:r>
+            <a:r>
+              <a:rPr lang="en-US" altLang="zh-CN" dirty="0"/>
+              <a:t>, </a:t>
+            </a:r>
+            <a:r>
+              <a:rPr lang="zh-CN" altLang="en-US" dirty="0"/>
+              <a:t>但这种情况完全是允许的</a:t>
+            </a:r>
+            <a:r>
+              <a:rPr lang="en-US" altLang="zh-CN" dirty="0"/>
+              <a:t>. </a:t>
+            </a:r>
+            <a:r>
+              <a:rPr lang="zh-CN" altLang="en-US" dirty="0"/>
+              <a:t>因为这</a:t>
+            </a:r>
+            <a:r>
+              <a:rPr lang="en-US" altLang="zh-CN" dirty="0"/>
+              <a:t>11</a:t>
+            </a:r>
+            <a:r>
+              <a:rPr lang="zh-CN" altLang="en-US" dirty="0"/>
+              <a:t>位将军依然保持着状态一致性。</a:t>
+            </a:r>
+          </a:p>
+          <a:p>
+            <a:pPr marL="0" indent="0">
+              <a:buNone/>
+            </a:pPr>
+            <a:endParaRPr lang="zh-CN" altLang="en-US" dirty="0"/>
+          </a:p>
+        </p:txBody>
+      </p:sp>
+    </p:spTree>
+    <p:extLst>
+      <p:ext uri="{BB962C8B-B14F-4D97-AF65-F5344CB8AC3E}">
+        <p14:creationId xmlns:p14="http://schemas.microsoft.com/office/powerpoint/2010/main" val="1517999125"/>
+      </p:ext>
+    </p:extLst>
+  </p:cSld>
+  <p:clrMapOvr>
+    <a:masterClrMapping/>
+  </p:clrMapOvr>
+</p:sld>
+</file>
+
+<file path=ppt/slides/slide99.xml><?xml version="1.0" encoding="utf-8"?>
+<p:sld xmlns:a="http://schemas.openxmlformats.org/drawingml/2006/main" xmlns:r="http://schemas.openxmlformats.org/officeDocument/2006/relationships" xmlns:p="http://schemas.openxmlformats.org/presentationml/2006/main">
+  <p:cSld>
+    <p:spTree>
+      <p:nvGrpSpPr>
+        <p:cNvPr id="1" name=""/>
+        <p:cNvGrpSpPr/>
+        <p:nvPr/>
+      </p:nvGrpSpPr>
+      <p:grpSpPr>
+        <a:xfrm>
+          <a:off x="0" y="0"/>
+          <a:ext cx="0" cy="0"/>
+          <a:chOff x="0" y="0"/>
+          <a:chExt cx="0" cy="0"/>
+        </a:xfrm>
+      </p:grpSpPr>
+      <p:sp>
+        <p:nvSpPr>
+          <p:cNvPr id="2" name="标题 1">
+            <a:extLst>
+              <a:ext uri="{FF2B5EF4-FFF2-40B4-BE49-F238E27FC236}">
+                <a16:creationId xmlns:a16="http://schemas.microsoft.com/office/drawing/2014/main" id="{96573EDF-7612-4D93-97CF-4E01B7510584}"/>
+              </a:ext>
+            </a:extLst>
+          </p:cNvPr>
+          <p:cNvSpPr>
+            <a:spLocks noGrp="1"/>
+          </p:cNvSpPr>
+          <p:nvPr>
+            <p:ph type="title"/>
+          </p:nvPr>
+        </p:nvSpPr>
+        <p:spPr/>
+        <p:txBody>
+          <a:bodyPr/>
+          <a:lstStyle/>
+          <a:p>
+            <a:r>
+              <a:rPr lang="zh-CN" altLang="en-US" dirty="0"/>
+              <a:t>一致性解决方案</a:t>
+            </a:r>
+            <a:r>
+              <a:rPr lang="en-US" altLang="zh-CN" dirty="0"/>
+              <a:t>-2PC</a:t>
+            </a:r>
+            <a:r>
+              <a:rPr lang="zh-CN" altLang="en-US" dirty="0"/>
+              <a:t>和</a:t>
+            </a:r>
+            <a:r>
+              <a:rPr lang="en-US" altLang="zh-CN" dirty="0"/>
+              <a:t>3PC</a:t>
+            </a:r>
+            <a:endParaRPr lang="zh-CN" altLang="en-US" dirty="0"/>
+          </a:p>
+        </p:txBody>
+      </p:sp>
+      <p:sp>
+        <p:nvSpPr>
+          <p:cNvPr id="3" name="内容占位符 2">
+            <a:extLst>
+              <a:ext uri="{FF2B5EF4-FFF2-40B4-BE49-F238E27FC236}">
+                <a16:creationId xmlns:a16="http://schemas.microsoft.com/office/drawing/2014/main" id="{4B3CA4F4-450F-4902-A19E-28AA1CC71005}"/>
+              </a:ext>
+            </a:extLst>
+          </p:cNvPr>
+          <p:cNvSpPr>
+            <a:spLocks noGrp="1"/>
+          </p:cNvSpPr>
+          <p:nvPr>
+            <p:ph idx="1"/>
+          </p:nvPr>
+        </p:nvSpPr>
+        <p:spPr/>
+        <p:txBody>
+          <a:bodyPr>
+            <a:normAutofit fontScale="85000" lnSpcReduction="20000"/>
+          </a:bodyPr>
+          <a:lstStyle/>
+          <a:p>
+            <a:r>
+              <a:rPr lang="zh-CN" altLang="en-US" dirty="0"/>
+              <a:t>* </a:t>
+            </a:r>
+            <a:r>
+              <a:rPr lang="en-US" altLang="zh-CN" dirty="0"/>
+              <a:t>2PC</a:t>
+            </a:r>
+          </a:p>
+          <a:p>
+            <a:pPr lvl="1"/>
+            <a:r>
+              <a:rPr lang="en-US" altLang="zh-CN" dirty="0"/>
+              <a:t>&gt;</a:t>
+            </a:r>
+            <a:r>
+              <a:rPr lang="zh-CN" altLang="en-US" dirty="0"/>
+              <a:t> 第一阶段：准备阶段</a:t>
+            </a:r>
+            <a:r>
+              <a:rPr lang="en-US" altLang="zh-CN" dirty="0"/>
+              <a:t>(</a:t>
+            </a:r>
+            <a:r>
+              <a:rPr lang="zh-CN" altLang="en-US" dirty="0"/>
+              <a:t>投票阶段</a:t>
+            </a:r>
+            <a:r>
+              <a:rPr lang="en-US" altLang="zh-CN" dirty="0"/>
+              <a:t>)</a:t>
+            </a:r>
+            <a:r>
+              <a:rPr lang="zh-CN" altLang="en-US" dirty="0"/>
+              <a:t>和第二阶段：提交阶段（执行阶段）。</a:t>
+            </a:r>
+          </a:p>
+          <a:p>
+            <a:r>
+              <a:rPr lang="zh-CN" altLang="en-US" dirty="0"/>
+              <a:t>* </a:t>
+            </a:r>
+            <a:r>
+              <a:rPr lang="en-US" altLang="zh-CN" dirty="0"/>
+              <a:t>3PC</a:t>
+            </a:r>
+          </a:p>
+          <a:p>
+            <a:pPr lvl="1"/>
+            <a:r>
+              <a:rPr lang="en-US" altLang="zh-CN" dirty="0"/>
+              <a:t>&gt;</a:t>
+            </a:r>
+            <a:r>
+              <a:rPr lang="zh-CN" altLang="en-US" dirty="0"/>
+              <a:t> 在第一阶段和第二阶段中插入一个准备阶段。保证了在最后提交阶段之前各参与节点的状态是一致的。引入超时机制，同时在协调者和参与者中都引入超时机制。</a:t>
+            </a:r>
+          </a:p>
+          <a:p>
+            <a:br>
+              <a:rPr lang="zh-CN" altLang="en-US" dirty="0"/>
+            </a:br>
+            <a:r>
+              <a:rPr lang="zh-CN" altLang="en-US" dirty="0"/>
+              <a:t>* 区别</a:t>
+            </a:r>
+          </a:p>
+          <a:p>
+            <a:pPr lvl="1"/>
+            <a:r>
+              <a:rPr lang="en-US" altLang="zh-CN" dirty="0"/>
+              <a:t>&gt;</a:t>
+            </a:r>
+            <a:r>
+              <a:rPr lang="zh-CN" altLang="en-US" dirty="0"/>
+              <a:t> 相对于</a:t>
+            </a:r>
+            <a:r>
+              <a:rPr lang="en-US" altLang="zh-CN" dirty="0"/>
+              <a:t>2PC</a:t>
+            </a:r>
+            <a:r>
+              <a:rPr lang="zh-CN" altLang="en-US" dirty="0"/>
+              <a:t>，</a:t>
+            </a:r>
+            <a:r>
+              <a:rPr lang="en-US" altLang="zh-CN" dirty="0"/>
+              <a:t>3PC</a:t>
+            </a:r>
+            <a:r>
+              <a:rPr lang="zh-CN" altLang="en-US" dirty="0"/>
+              <a:t>主要解决的单点故障问题，并减少阻塞，因为一旦参与者无法及时收到来自协调者的信息之后，他会默认执行</a:t>
+            </a:r>
+            <a:r>
+              <a:rPr lang="en-US" altLang="zh-CN" dirty="0"/>
+              <a:t>commit</a:t>
+            </a:r>
+            <a:r>
+              <a:rPr lang="zh-CN" altLang="en-US" dirty="0"/>
+              <a:t>。而不会一直持有事务资源并处于阻塞状态。但是这种机制也会导致数据一致性问题，因为，由于网络原因，协调者发送的</a:t>
+            </a:r>
+            <a:r>
+              <a:rPr lang="en-US" altLang="zh-CN" dirty="0"/>
+              <a:t>abort</a:t>
+            </a:r>
+            <a:r>
+              <a:rPr lang="zh-CN" altLang="en-US" dirty="0"/>
+              <a:t>响应没有及时被参与者接收到，那么参与者在等待超时之后执行了</a:t>
+            </a:r>
+            <a:r>
+              <a:rPr lang="en-US" altLang="zh-CN" dirty="0"/>
+              <a:t>commit</a:t>
+            </a:r>
+            <a:r>
+              <a:rPr lang="zh-CN" altLang="en-US" dirty="0"/>
+              <a:t>操作。这样就和其他接到</a:t>
+            </a:r>
+            <a:r>
+              <a:rPr lang="en-US" altLang="zh-CN" dirty="0"/>
+              <a:t>abort</a:t>
+            </a:r>
+            <a:r>
+              <a:rPr lang="zh-CN" altLang="en-US" dirty="0"/>
+              <a:t>命令并执行回滚的参与者之间存在数据不一致的情况。</a:t>
+            </a:r>
+          </a:p>
+          <a:p>
+            <a:r>
+              <a:rPr lang="zh-CN" altLang="en-US" dirty="0"/>
+              <a:t>* 总结</a:t>
+            </a:r>
+          </a:p>
+          <a:p>
+            <a:pPr lvl="1"/>
+            <a:r>
+              <a:rPr lang="en-US" altLang="zh-CN" dirty="0"/>
+              <a:t>&gt;</a:t>
+            </a:r>
+            <a:r>
+              <a:rPr lang="zh-CN" altLang="en-US" dirty="0"/>
+              <a:t> 无论是二阶段提交还是三阶段提交都无法彻底解决分布式的一致性问题。那么世上只有一种一致性算法，那就是</a:t>
+            </a:r>
+            <a:r>
+              <a:rPr lang="en-US" altLang="zh-CN" dirty="0" err="1"/>
+              <a:t>Paxos</a:t>
+            </a:r>
+            <a:r>
+              <a:rPr lang="zh-CN" altLang="en-US" dirty="0"/>
+              <a:t>，所有其他一致性算法都是</a:t>
+            </a:r>
+            <a:r>
+              <a:rPr lang="en-US" altLang="zh-CN" dirty="0" err="1"/>
+              <a:t>Paxos</a:t>
+            </a:r>
+            <a:r>
+              <a:rPr lang="zh-CN" altLang="en-US" dirty="0"/>
+              <a:t>算法的不完整版。</a:t>
+            </a:r>
+          </a:p>
+          <a:p>
+            <a:pPr marL="0" indent="0">
+              <a:buNone/>
+            </a:pPr>
+            <a:endParaRPr lang="zh-CN" altLang="en-US" dirty="0"/>
+          </a:p>
+        </p:txBody>
+      </p:sp>
+    </p:spTree>
+    <p:extLst>
+      <p:ext uri="{BB962C8B-B14F-4D97-AF65-F5344CB8AC3E}">
+        <p14:creationId xmlns:p14="http://schemas.microsoft.com/office/powerpoint/2010/main" val="4072484931"/>
       </p:ext>
     </p:extLst>
   </p:cSld>
